--- a/presentations/CSAW_2024_second_stage.pptx
+++ b/presentations/CSAW_2024_second_stage.pptx
@@ -61,7 +61,7 @@
             <a:spLocks noGrp="1"/>
           </p:cNvSpPr>
           <p:nvPr>
-            <p:ph type="ftr" idx="2"/>
+            <p:ph type="ftr" idx="1"/>
           </p:nvPr>
         </p:nvSpPr>
         <p:spPr/>
@@ -81,14 +81,14 @@
             <a:spLocks noGrp="1"/>
           </p:cNvSpPr>
           <p:nvPr>
-            <p:ph type="sldNum" idx="3"/>
+            <p:ph type="sldNum" idx="2"/>
           </p:nvPr>
         </p:nvSpPr>
         <p:spPr/>
         <p:txBody>
           <a:bodyPr/>
           <a:p>
-            <a:fld id="{7FEC473B-F157-4638-9E9F-A77A4476B119}" type="slidenum">
+            <a:fld id="{4AFBCE97-F121-486B-8F10-F61BF9630D69}" type="slidenum">
               <a:t>&lt;#&gt;</a:t>
             </a:fld>
           </a:p>
@@ -101,7 +101,7 @@
             <a:spLocks noGrp="1"/>
           </p:cNvSpPr>
           <p:nvPr>
-            <p:ph type="dt" idx="1"/>
+            <p:ph type="dt" idx="3"/>
           </p:nvPr>
         </p:nvSpPr>
         <p:spPr/>
@@ -165,11 +165,11 @@
             <a:noAutofit/>
           </a:bodyPr>
           <a:p>
-            <a:endParaRPr b="0" lang="el-GR" sz="1800" spc="-1" strike="noStrike">
-              <a:solidFill>
-                <a:srgbClr val="000000"/>
-              </a:solidFill>
-              <a:latin typeface="Calibri"/>
+            <a:pPr algn="ctr">
+              <a:buNone/>
+            </a:pPr>
+            <a:endParaRPr b="0" lang="en-US" sz="4400" spc="-1" strike="noStrike">
+              <a:latin typeface="Arial"/>
             </a:endParaRPr>
           </a:p>
         </p:txBody>
@@ -202,20 +202,8 @@
             <a:normAutofit/>
           </a:bodyPr>
           <a:p>
-            <a:pPr>
-              <a:lnSpc>
-                <a:spcPct val="90000"/>
-              </a:lnSpc>
-              <a:spcBef>
-                <a:spcPts val="1417"/>
-              </a:spcBef>
-              <a:buNone/>
-            </a:pPr>
-            <a:endParaRPr b="0" lang="el-GR" sz="2800" spc="-1" strike="noStrike">
-              <a:solidFill>
-                <a:srgbClr val="000000"/>
-              </a:solidFill>
-              <a:latin typeface="Calibri"/>
+            <a:endParaRPr b="0" lang="en-US" sz="3200" spc="-1" strike="noStrike">
+              <a:latin typeface="Arial"/>
             </a:endParaRPr>
           </a:p>
         </p:txBody>
@@ -248,20 +236,8 @@
             <a:normAutofit/>
           </a:bodyPr>
           <a:p>
-            <a:pPr>
-              <a:lnSpc>
-                <a:spcPct val="90000"/>
-              </a:lnSpc>
-              <a:spcBef>
-                <a:spcPts val="1417"/>
-              </a:spcBef>
-              <a:buNone/>
-            </a:pPr>
-            <a:endParaRPr b="0" lang="el-GR" sz="2800" spc="-1" strike="noStrike">
-              <a:solidFill>
-                <a:srgbClr val="000000"/>
-              </a:solidFill>
-              <a:latin typeface="Calibri"/>
+            <a:endParaRPr b="0" lang="en-US" sz="3200" spc="-1" strike="noStrike">
+              <a:latin typeface="Arial"/>
             </a:endParaRPr>
           </a:p>
         </p:txBody>
@@ -273,7 +249,7 @@
             <a:spLocks noGrp="1"/>
           </p:cNvSpPr>
           <p:nvPr>
-            <p:ph type="ftr" idx="2"/>
+            <p:ph type="ftr" idx="1"/>
           </p:nvPr>
         </p:nvSpPr>
         <p:spPr/>
@@ -293,14 +269,14 @@
             <a:spLocks noGrp="1"/>
           </p:cNvSpPr>
           <p:nvPr>
-            <p:ph type="sldNum" idx="3"/>
+            <p:ph type="sldNum" idx="2"/>
           </p:nvPr>
         </p:nvSpPr>
         <p:spPr/>
         <p:txBody>
           <a:bodyPr/>
           <a:p>
-            <a:fld id="{7D7F8286-0641-4DCB-A82E-F33EBCAEC961}" type="slidenum">
+            <a:fld id="{71C8083B-ED3D-48BC-A8FE-AEEDC201ADA2}" type="slidenum">
               <a:t>&lt;#&gt;</a:t>
             </a:fld>
           </a:p>
@@ -313,7 +289,7 @@
             <a:spLocks noGrp="1"/>
           </p:cNvSpPr>
           <p:nvPr>
-            <p:ph type="dt" idx="1"/>
+            <p:ph type="dt" idx="3"/>
           </p:nvPr>
         </p:nvSpPr>
         <p:spPr/>
@@ -377,11 +353,11 @@
             <a:noAutofit/>
           </a:bodyPr>
           <a:p>
-            <a:endParaRPr b="0" lang="el-GR" sz="1800" spc="-1" strike="noStrike">
-              <a:solidFill>
-                <a:srgbClr val="000000"/>
-              </a:solidFill>
-              <a:latin typeface="Calibri"/>
+            <a:pPr algn="ctr">
+              <a:buNone/>
+            </a:pPr>
+            <a:endParaRPr b="0" lang="en-US" sz="4400" spc="-1" strike="noStrike">
+              <a:latin typeface="Arial"/>
             </a:endParaRPr>
           </a:p>
         </p:txBody>
@@ -414,20 +390,8 @@
             <a:normAutofit/>
           </a:bodyPr>
           <a:p>
-            <a:pPr>
-              <a:lnSpc>
-                <a:spcPct val="90000"/>
-              </a:lnSpc>
-              <a:spcBef>
-                <a:spcPts val="1417"/>
-              </a:spcBef>
-              <a:buNone/>
-            </a:pPr>
-            <a:endParaRPr b="0" lang="el-GR" sz="2800" spc="-1" strike="noStrike">
-              <a:solidFill>
-                <a:srgbClr val="000000"/>
-              </a:solidFill>
-              <a:latin typeface="Calibri"/>
+            <a:endParaRPr b="0" lang="en-US" sz="3200" spc="-1" strike="noStrike">
+              <a:latin typeface="Arial"/>
             </a:endParaRPr>
           </a:p>
         </p:txBody>
@@ -460,20 +424,8 @@
             <a:normAutofit/>
           </a:bodyPr>
           <a:p>
-            <a:pPr>
-              <a:lnSpc>
-                <a:spcPct val="90000"/>
-              </a:lnSpc>
-              <a:spcBef>
-                <a:spcPts val="1417"/>
-              </a:spcBef>
-              <a:buNone/>
-            </a:pPr>
-            <a:endParaRPr b="0" lang="el-GR" sz="2800" spc="-1" strike="noStrike">
-              <a:solidFill>
-                <a:srgbClr val="000000"/>
-              </a:solidFill>
-              <a:latin typeface="Calibri"/>
+            <a:endParaRPr b="0" lang="en-US" sz="3200" spc="-1" strike="noStrike">
+              <a:latin typeface="Arial"/>
             </a:endParaRPr>
           </a:p>
         </p:txBody>
@@ -506,20 +458,8 @@
             <a:normAutofit/>
           </a:bodyPr>
           <a:p>
-            <a:pPr>
-              <a:lnSpc>
-                <a:spcPct val="90000"/>
-              </a:lnSpc>
-              <a:spcBef>
-                <a:spcPts val="1417"/>
-              </a:spcBef>
-              <a:buNone/>
-            </a:pPr>
-            <a:endParaRPr b="0" lang="el-GR" sz="2800" spc="-1" strike="noStrike">
-              <a:solidFill>
-                <a:srgbClr val="000000"/>
-              </a:solidFill>
-              <a:latin typeface="Calibri"/>
+            <a:endParaRPr b="0" lang="en-US" sz="3200" spc="-1" strike="noStrike">
+              <a:latin typeface="Arial"/>
             </a:endParaRPr>
           </a:p>
         </p:txBody>
@@ -552,20 +492,8 @@
             <a:normAutofit/>
           </a:bodyPr>
           <a:p>
-            <a:pPr>
-              <a:lnSpc>
-                <a:spcPct val="90000"/>
-              </a:lnSpc>
-              <a:spcBef>
-                <a:spcPts val="1417"/>
-              </a:spcBef>
-              <a:buNone/>
-            </a:pPr>
-            <a:endParaRPr b="0" lang="el-GR" sz="2800" spc="-1" strike="noStrike">
-              <a:solidFill>
-                <a:srgbClr val="000000"/>
-              </a:solidFill>
-              <a:latin typeface="Calibri"/>
+            <a:endParaRPr b="0" lang="en-US" sz="3200" spc="-1" strike="noStrike">
+              <a:latin typeface="Arial"/>
             </a:endParaRPr>
           </a:p>
         </p:txBody>
@@ -577,7 +505,7 @@
             <a:spLocks noGrp="1"/>
           </p:cNvSpPr>
           <p:nvPr>
-            <p:ph type="ftr" idx="2"/>
+            <p:ph type="ftr" idx="1"/>
           </p:nvPr>
         </p:nvSpPr>
         <p:spPr/>
@@ -597,14 +525,14 @@
             <a:spLocks noGrp="1"/>
           </p:cNvSpPr>
           <p:nvPr>
-            <p:ph type="sldNum" idx="3"/>
+            <p:ph type="sldNum" idx="2"/>
           </p:nvPr>
         </p:nvSpPr>
         <p:spPr/>
         <p:txBody>
           <a:bodyPr/>
           <a:p>
-            <a:fld id="{13BA759F-1E6F-47E9-BE49-B3B529412007}" type="slidenum">
+            <a:fld id="{1270C18C-6DD3-4B8F-AEBE-B6E5C51BBE9C}" type="slidenum">
               <a:t>&lt;#&gt;</a:t>
             </a:fld>
           </a:p>
@@ -617,7 +545,7 @@
             <a:spLocks noGrp="1"/>
           </p:cNvSpPr>
           <p:nvPr>
-            <p:ph type="dt" idx="1"/>
+            <p:ph type="dt" idx="3"/>
           </p:nvPr>
         </p:nvSpPr>
         <p:spPr/>
@@ -681,11 +609,11 @@
             <a:noAutofit/>
           </a:bodyPr>
           <a:p>
-            <a:endParaRPr b="0" lang="el-GR" sz="1800" spc="-1" strike="noStrike">
-              <a:solidFill>
-                <a:srgbClr val="000000"/>
-              </a:solidFill>
-              <a:latin typeface="Calibri"/>
+            <a:pPr algn="ctr">
+              <a:buNone/>
+            </a:pPr>
+            <a:endParaRPr b="0" lang="en-US" sz="4400" spc="-1" strike="noStrike">
+              <a:latin typeface="Arial"/>
             </a:endParaRPr>
           </a:p>
         </p:txBody>
@@ -718,20 +646,8 @@
             <a:normAutofit/>
           </a:bodyPr>
           <a:p>
-            <a:pPr>
-              <a:lnSpc>
-                <a:spcPct val="90000"/>
-              </a:lnSpc>
-              <a:spcBef>
-                <a:spcPts val="1417"/>
-              </a:spcBef>
-              <a:buNone/>
-            </a:pPr>
-            <a:endParaRPr b="0" lang="el-GR" sz="2800" spc="-1" strike="noStrike">
-              <a:solidFill>
-                <a:srgbClr val="000000"/>
-              </a:solidFill>
-              <a:latin typeface="Calibri"/>
+            <a:endParaRPr b="0" lang="en-US" sz="3200" spc="-1" strike="noStrike">
+              <a:latin typeface="Arial"/>
             </a:endParaRPr>
           </a:p>
         </p:txBody>
@@ -764,20 +680,8 @@
             <a:normAutofit/>
           </a:bodyPr>
           <a:p>
-            <a:pPr>
-              <a:lnSpc>
-                <a:spcPct val="90000"/>
-              </a:lnSpc>
-              <a:spcBef>
-                <a:spcPts val="1417"/>
-              </a:spcBef>
-              <a:buNone/>
-            </a:pPr>
-            <a:endParaRPr b="0" lang="el-GR" sz="2800" spc="-1" strike="noStrike">
-              <a:solidFill>
-                <a:srgbClr val="000000"/>
-              </a:solidFill>
-              <a:latin typeface="Calibri"/>
+            <a:endParaRPr b="0" lang="en-US" sz="3200" spc="-1" strike="noStrike">
+              <a:latin typeface="Arial"/>
             </a:endParaRPr>
           </a:p>
         </p:txBody>
@@ -810,20 +714,8 @@
             <a:normAutofit/>
           </a:bodyPr>
           <a:p>
-            <a:pPr>
-              <a:lnSpc>
-                <a:spcPct val="90000"/>
-              </a:lnSpc>
-              <a:spcBef>
-                <a:spcPts val="1417"/>
-              </a:spcBef>
-              <a:buNone/>
-            </a:pPr>
-            <a:endParaRPr b="0" lang="el-GR" sz="2800" spc="-1" strike="noStrike">
-              <a:solidFill>
-                <a:srgbClr val="000000"/>
-              </a:solidFill>
-              <a:latin typeface="Calibri"/>
+            <a:endParaRPr b="0" lang="en-US" sz="3200" spc="-1" strike="noStrike">
+              <a:latin typeface="Arial"/>
             </a:endParaRPr>
           </a:p>
         </p:txBody>
@@ -856,20 +748,8 @@
             <a:normAutofit/>
           </a:bodyPr>
           <a:p>
-            <a:pPr>
-              <a:lnSpc>
-                <a:spcPct val="90000"/>
-              </a:lnSpc>
-              <a:spcBef>
-                <a:spcPts val="1417"/>
-              </a:spcBef>
-              <a:buNone/>
-            </a:pPr>
-            <a:endParaRPr b="0" lang="el-GR" sz="2800" spc="-1" strike="noStrike">
-              <a:solidFill>
-                <a:srgbClr val="000000"/>
-              </a:solidFill>
-              <a:latin typeface="Calibri"/>
+            <a:endParaRPr b="0" lang="en-US" sz="3200" spc="-1" strike="noStrike">
+              <a:latin typeface="Arial"/>
             </a:endParaRPr>
           </a:p>
         </p:txBody>
@@ -902,20 +782,8 @@
             <a:normAutofit/>
           </a:bodyPr>
           <a:p>
-            <a:pPr>
-              <a:lnSpc>
-                <a:spcPct val="90000"/>
-              </a:lnSpc>
-              <a:spcBef>
-                <a:spcPts val="1417"/>
-              </a:spcBef>
-              <a:buNone/>
-            </a:pPr>
-            <a:endParaRPr b="0" lang="el-GR" sz="2800" spc="-1" strike="noStrike">
-              <a:solidFill>
-                <a:srgbClr val="000000"/>
-              </a:solidFill>
-              <a:latin typeface="Calibri"/>
+            <a:endParaRPr b="0" lang="en-US" sz="3200" spc="-1" strike="noStrike">
+              <a:latin typeface="Arial"/>
             </a:endParaRPr>
           </a:p>
         </p:txBody>
@@ -948,20 +816,8 @@
             <a:normAutofit/>
           </a:bodyPr>
           <a:p>
-            <a:pPr>
-              <a:lnSpc>
-                <a:spcPct val="90000"/>
-              </a:lnSpc>
-              <a:spcBef>
-                <a:spcPts val="1417"/>
-              </a:spcBef>
-              <a:buNone/>
-            </a:pPr>
-            <a:endParaRPr b="0" lang="el-GR" sz="2800" spc="-1" strike="noStrike">
-              <a:solidFill>
-                <a:srgbClr val="000000"/>
-              </a:solidFill>
-              <a:latin typeface="Calibri"/>
+            <a:endParaRPr b="0" lang="en-US" sz="3200" spc="-1" strike="noStrike">
+              <a:latin typeface="Arial"/>
             </a:endParaRPr>
           </a:p>
         </p:txBody>
@@ -973,7 +829,7 @@
             <a:spLocks noGrp="1"/>
           </p:cNvSpPr>
           <p:nvPr>
-            <p:ph type="ftr" idx="2"/>
+            <p:ph type="ftr" idx="1"/>
           </p:nvPr>
         </p:nvSpPr>
         <p:spPr/>
@@ -993,14 +849,14 @@
             <a:spLocks noGrp="1"/>
           </p:cNvSpPr>
           <p:nvPr>
-            <p:ph type="sldNum" idx="3"/>
+            <p:ph type="sldNum" idx="2"/>
           </p:nvPr>
         </p:nvSpPr>
         <p:spPr/>
         <p:txBody>
           <a:bodyPr/>
           <a:p>
-            <a:fld id="{5DCF6FA7-2818-41B5-9BE7-EAE7C725B290}" type="slidenum">
+            <a:fld id="{A04986A0-B193-4BB6-9C5B-90B49E9649AD}" type="slidenum">
               <a:t>&lt;#&gt;</a:t>
             </a:fld>
           </a:p>
@@ -1013,7 +869,7 @@
             <a:spLocks noGrp="1"/>
           </p:cNvSpPr>
           <p:nvPr>
-            <p:ph type="dt" idx="1"/>
+            <p:ph type="dt" idx="3"/>
           </p:nvPr>
         </p:nvSpPr>
         <p:spPr/>
@@ -1056,7 +912,7 @@
             <a:spLocks noGrp="1"/>
           </p:cNvSpPr>
           <p:nvPr>
-            <p:ph type="ftr" idx="5"/>
+            <p:ph type="ftr" idx="4"/>
           </p:nvPr>
         </p:nvSpPr>
         <p:spPr/>
@@ -1076,14 +932,14 @@
             <a:spLocks noGrp="1"/>
           </p:cNvSpPr>
           <p:nvPr>
-            <p:ph type="sldNum" idx="6"/>
+            <p:ph type="sldNum" idx="5"/>
           </p:nvPr>
         </p:nvSpPr>
         <p:spPr/>
         <p:txBody>
           <a:bodyPr/>
           <a:p>
-            <a:fld id="{45B85C9E-09D0-4B0E-BE41-77779D0C4944}" type="slidenum">
+            <a:fld id="{77CDD5BD-C6FC-4B7B-98DD-3F2CB19BC8A1}" type="slidenum">
               <a:t>&lt;#&gt;</a:t>
             </a:fld>
           </a:p>
@@ -1096,7 +952,7 @@
             <a:spLocks noGrp="1"/>
           </p:cNvSpPr>
           <p:nvPr>
-            <p:ph type="dt" idx="4"/>
+            <p:ph type="dt" idx="6"/>
           </p:nvPr>
         </p:nvSpPr>
         <p:spPr/>
@@ -1160,11 +1016,11 @@
             <a:noAutofit/>
           </a:bodyPr>
           <a:p>
-            <a:endParaRPr b="0" lang="el-GR" sz="1800" spc="-1" strike="noStrike">
-              <a:solidFill>
-                <a:srgbClr val="000000"/>
-              </a:solidFill>
-              <a:latin typeface="Calibri"/>
+            <a:pPr algn="ctr">
+              <a:buNone/>
+            </a:pPr>
+            <a:endParaRPr b="0" lang="en-US" sz="4400" spc="-1" strike="noStrike">
+              <a:latin typeface="Arial"/>
             </a:endParaRPr>
           </a:p>
         </p:txBody>
@@ -1213,7 +1069,7 @@
             <a:spLocks noGrp="1"/>
           </p:cNvSpPr>
           <p:nvPr>
-            <p:ph type="ftr" idx="5"/>
+            <p:ph type="ftr" idx="4"/>
           </p:nvPr>
         </p:nvSpPr>
         <p:spPr/>
@@ -1233,14 +1089,14 @@
             <a:spLocks noGrp="1"/>
           </p:cNvSpPr>
           <p:nvPr>
-            <p:ph type="sldNum" idx="6"/>
+            <p:ph type="sldNum" idx="5"/>
           </p:nvPr>
         </p:nvSpPr>
         <p:spPr/>
         <p:txBody>
           <a:bodyPr/>
           <a:p>
-            <a:fld id="{F67EB630-A2FE-4948-B245-59EDB7C2350D}" type="slidenum">
+            <a:fld id="{7B8DCBC1-B18E-47A4-8966-4F5DB542D65F}" type="slidenum">
               <a:t>&lt;#&gt;</a:t>
             </a:fld>
           </a:p>
@@ -1253,7 +1109,7 @@
             <a:spLocks noGrp="1"/>
           </p:cNvSpPr>
           <p:nvPr>
-            <p:ph type="dt" idx="4"/>
+            <p:ph type="dt" idx="6"/>
           </p:nvPr>
         </p:nvSpPr>
         <p:spPr/>
@@ -1317,11 +1173,11 @@
             <a:noAutofit/>
           </a:bodyPr>
           <a:p>
-            <a:endParaRPr b="0" lang="el-GR" sz="1800" spc="-1" strike="noStrike">
-              <a:solidFill>
-                <a:srgbClr val="000000"/>
-              </a:solidFill>
-              <a:latin typeface="Calibri"/>
+            <a:pPr algn="ctr">
+              <a:buNone/>
+            </a:pPr>
+            <a:endParaRPr b="0" lang="en-US" sz="4400" spc="-1" strike="noStrike">
+              <a:latin typeface="Arial"/>
             </a:endParaRPr>
           </a:p>
         </p:txBody>
@@ -1354,20 +1210,8 @@
             <a:normAutofit/>
           </a:bodyPr>
           <a:p>
-            <a:pPr>
-              <a:lnSpc>
-                <a:spcPct val="90000"/>
-              </a:lnSpc>
-              <a:spcBef>
-                <a:spcPts val="1417"/>
-              </a:spcBef>
-              <a:buNone/>
-            </a:pPr>
-            <a:endParaRPr b="0" lang="el-GR" sz="2800" spc="-1" strike="noStrike">
-              <a:solidFill>
-                <a:srgbClr val="000000"/>
-              </a:solidFill>
-              <a:latin typeface="Calibri"/>
+            <a:endParaRPr b="0" lang="en-US" sz="3200" spc="-1" strike="noStrike">
+              <a:latin typeface="Arial"/>
             </a:endParaRPr>
           </a:p>
         </p:txBody>
@@ -1379,7 +1223,7 @@
             <a:spLocks noGrp="1"/>
           </p:cNvSpPr>
           <p:nvPr>
-            <p:ph type="ftr" idx="5"/>
+            <p:ph type="ftr" idx="4"/>
           </p:nvPr>
         </p:nvSpPr>
         <p:spPr/>
@@ -1399,14 +1243,14 @@
             <a:spLocks noGrp="1"/>
           </p:cNvSpPr>
           <p:nvPr>
-            <p:ph type="sldNum" idx="6"/>
+            <p:ph type="sldNum" idx="5"/>
           </p:nvPr>
         </p:nvSpPr>
         <p:spPr/>
         <p:txBody>
           <a:bodyPr/>
           <a:p>
-            <a:fld id="{E0EF67A5-6409-45AB-8122-693772F2CA45}" type="slidenum">
+            <a:fld id="{227F0067-24A1-4E6D-B68E-94986859620C}" type="slidenum">
               <a:t>&lt;#&gt;</a:t>
             </a:fld>
           </a:p>
@@ -1419,7 +1263,7 @@
             <a:spLocks noGrp="1"/>
           </p:cNvSpPr>
           <p:nvPr>
-            <p:ph type="dt" idx="4"/>
+            <p:ph type="dt" idx="6"/>
           </p:nvPr>
         </p:nvSpPr>
         <p:spPr/>
@@ -1483,11 +1327,11 @@
             <a:noAutofit/>
           </a:bodyPr>
           <a:p>
-            <a:endParaRPr b="0" lang="el-GR" sz="1800" spc="-1" strike="noStrike">
-              <a:solidFill>
-                <a:srgbClr val="000000"/>
-              </a:solidFill>
-              <a:latin typeface="Calibri"/>
+            <a:pPr algn="ctr">
+              <a:buNone/>
+            </a:pPr>
+            <a:endParaRPr b="0" lang="en-US" sz="4400" spc="-1" strike="noStrike">
+              <a:latin typeface="Arial"/>
             </a:endParaRPr>
           </a:p>
         </p:txBody>
@@ -1520,20 +1364,8 @@
             <a:normAutofit/>
           </a:bodyPr>
           <a:p>
-            <a:pPr>
-              <a:lnSpc>
-                <a:spcPct val="90000"/>
-              </a:lnSpc>
-              <a:spcBef>
-                <a:spcPts val="1417"/>
-              </a:spcBef>
-              <a:buNone/>
-            </a:pPr>
-            <a:endParaRPr b="0" lang="el-GR" sz="2800" spc="-1" strike="noStrike">
-              <a:solidFill>
-                <a:srgbClr val="000000"/>
-              </a:solidFill>
-              <a:latin typeface="Calibri"/>
+            <a:endParaRPr b="0" lang="en-US" sz="3200" spc="-1" strike="noStrike">
+              <a:latin typeface="Arial"/>
             </a:endParaRPr>
           </a:p>
         </p:txBody>
@@ -1566,20 +1398,8 @@
             <a:normAutofit/>
           </a:bodyPr>
           <a:p>
-            <a:pPr>
-              <a:lnSpc>
-                <a:spcPct val="90000"/>
-              </a:lnSpc>
-              <a:spcBef>
-                <a:spcPts val="1417"/>
-              </a:spcBef>
-              <a:buNone/>
-            </a:pPr>
-            <a:endParaRPr b="0" lang="el-GR" sz="2800" spc="-1" strike="noStrike">
-              <a:solidFill>
-                <a:srgbClr val="000000"/>
-              </a:solidFill>
-              <a:latin typeface="Calibri"/>
+            <a:endParaRPr b="0" lang="en-US" sz="3200" spc="-1" strike="noStrike">
+              <a:latin typeface="Arial"/>
             </a:endParaRPr>
           </a:p>
         </p:txBody>
@@ -1591,7 +1411,7 @@
             <a:spLocks noGrp="1"/>
           </p:cNvSpPr>
           <p:nvPr>
-            <p:ph type="ftr" idx="5"/>
+            <p:ph type="ftr" idx="4"/>
           </p:nvPr>
         </p:nvSpPr>
         <p:spPr/>
@@ -1611,14 +1431,14 @@
             <a:spLocks noGrp="1"/>
           </p:cNvSpPr>
           <p:nvPr>
-            <p:ph type="sldNum" idx="6"/>
+            <p:ph type="sldNum" idx="5"/>
           </p:nvPr>
         </p:nvSpPr>
         <p:spPr/>
         <p:txBody>
           <a:bodyPr/>
           <a:p>
-            <a:fld id="{BE70199F-869A-4DEE-8784-B57DB08AAA15}" type="slidenum">
+            <a:fld id="{2A35911F-F95A-4DCF-A2E1-E8CCF7D76D23}" type="slidenum">
               <a:t>&lt;#&gt;</a:t>
             </a:fld>
           </a:p>
@@ -1631,7 +1451,7 @@
             <a:spLocks noGrp="1"/>
           </p:cNvSpPr>
           <p:nvPr>
-            <p:ph type="dt" idx="4"/>
+            <p:ph type="dt" idx="6"/>
           </p:nvPr>
         </p:nvSpPr>
         <p:spPr/>
@@ -1695,11 +1515,11 @@
             <a:noAutofit/>
           </a:bodyPr>
           <a:p>
-            <a:endParaRPr b="0" lang="el-GR" sz="1800" spc="-1" strike="noStrike">
-              <a:solidFill>
-                <a:srgbClr val="000000"/>
-              </a:solidFill>
-              <a:latin typeface="Calibri"/>
+            <a:pPr algn="ctr">
+              <a:buNone/>
+            </a:pPr>
+            <a:endParaRPr b="0" lang="en-US" sz="4400" spc="-1" strike="noStrike">
+              <a:latin typeface="Arial"/>
             </a:endParaRPr>
           </a:p>
         </p:txBody>
@@ -1711,7 +1531,7 @@
             <a:spLocks noGrp="1"/>
           </p:cNvSpPr>
           <p:nvPr>
-            <p:ph type="ftr" idx="5"/>
+            <p:ph type="ftr" idx="4"/>
           </p:nvPr>
         </p:nvSpPr>
         <p:spPr/>
@@ -1731,14 +1551,14 @@
             <a:spLocks noGrp="1"/>
           </p:cNvSpPr>
           <p:nvPr>
-            <p:ph type="sldNum" idx="6"/>
+            <p:ph type="sldNum" idx="5"/>
           </p:nvPr>
         </p:nvSpPr>
         <p:spPr/>
         <p:txBody>
           <a:bodyPr/>
           <a:p>
-            <a:fld id="{EC9C1534-B41F-45E8-BB8D-1FF826C65E49}" type="slidenum">
+            <a:fld id="{CFE31814-13D9-452D-8002-489F15FAA8F6}" type="slidenum">
               <a:t>&lt;#&gt;</a:t>
             </a:fld>
           </a:p>
@@ -1751,7 +1571,7 @@
             <a:spLocks noGrp="1"/>
           </p:cNvSpPr>
           <p:nvPr>
-            <p:ph type="dt" idx="4"/>
+            <p:ph type="dt" idx="6"/>
           </p:nvPr>
         </p:nvSpPr>
         <p:spPr/>
@@ -1831,7 +1651,7 @@
             <a:spLocks noGrp="1"/>
           </p:cNvSpPr>
           <p:nvPr>
-            <p:ph type="ftr" idx="5"/>
+            <p:ph type="ftr" idx="4"/>
           </p:nvPr>
         </p:nvSpPr>
         <p:spPr/>
@@ -1851,14 +1671,14 @@
             <a:spLocks noGrp="1"/>
           </p:cNvSpPr>
           <p:nvPr>
-            <p:ph type="sldNum" idx="6"/>
+            <p:ph type="sldNum" idx="5"/>
           </p:nvPr>
         </p:nvSpPr>
         <p:spPr/>
         <p:txBody>
           <a:bodyPr/>
           <a:p>
-            <a:fld id="{CA3C23AA-73BF-477E-B354-2BC99C773A29}" type="slidenum">
+            <a:fld id="{5BE6A48D-957E-4ED5-9335-B3BF6B4B2680}" type="slidenum">
               <a:t>&lt;#&gt;</a:t>
             </a:fld>
           </a:p>
@@ -1871,7 +1691,7 @@
             <a:spLocks noGrp="1"/>
           </p:cNvSpPr>
           <p:nvPr>
-            <p:ph type="dt" idx="4"/>
+            <p:ph type="dt" idx="6"/>
           </p:nvPr>
         </p:nvSpPr>
         <p:spPr/>
@@ -1935,11 +1755,11 @@
             <a:noAutofit/>
           </a:bodyPr>
           <a:p>
-            <a:endParaRPr b="0" lang="el-GR" sz="1800" spc="-1" strike="noStrike">
-              <a:solidFill>
-                <a:srgbClr val="000000"/>
-              </a:solidFill>
-              <a:latin typeface="Calibri"/>
+            <a:pPr algn="ctr">
+              <a:buNone/>
+            </a:pPr>
+            <a:endParaRPr b="0" lang="en-US" sz="4400" spc="-1" strike="noStrike">
+              <a:latin typeface="Arial"/>
             </a:endParaRPr>
           </a:p>
         </p:txBody>
@@ -1972,20 +1792,8 @@
             <a:normAutofit/>
           </a:bodyPr>
           <a:p>
-            <a:pPr>
-              <a:lnSpc>
-                <a:spcPct val="90000"/>
-              </a:lnSpc>
-              <a:spcBef>
-                <a:spcPts val="1417"/>
-              </a:spcBef>
-              <a:buNone/>
-            </a:pPr>
-            <a:endParaRPr b="0" lang="el-GR" sz="2800" spc="-1" strike="noStrike">
-              <a:solidFill>
-                <a:srgbClr val="000000"/>
-              </a:solidFill>
-              <a:latin typeface="Calibri"/>
+            <a:endParaRPr b="0" lang="en-US" sz="3200" spc="-1" strike="noStrike">
+              <a:latin typeface="Arial"/>
             </a:endParaRPr>
           </a:p>
         </p:txBody>
@@ -2018,20 +1826,8 @@
             <a:normAutofit/>
           </a:bodyPr>
           <a:p>
-            <a:pPr>
-              <a:lnSpc>
-                <a:spcPct val="90000"/>
-              </a:lnSpc>
-              <a:spcBef>
-                <a:spcPts val="1417"/>
-              </a:spcBef>
-              <a:buNone/>
-            </a:pPr>
-            <a:endParaRPr b="0" lang="el-GR" sz="2800" spc="-1" strike="noStrike">
-              <a:solidFill>
-                <a:srgbClr val="000000"/>
-              </a:solidFill>
-              <a:latin typeface="Calibri"/>
+            <a:endParaRPr b="0" lang="en-US" sz="3200" spc="-1" strike="noStrike">
+              <a:latin typeface="Arial"/>
             </a:endParaRPr>
           </a:p>
         </p:txBody>
@@ -2064,20 +1860,8 @@
             <a:normAutofit/>
           </a:bodyPr>
           <a:p>
-            <a:pPr>
-              <a:lnSpc>
-                <a:spcPct val="90000"/>
-              </a:lnSpc>
-              <a:spcBef>
-                <a:spcPts val="1417"/>
-              </a:spcBef>
-              <a:buNone/>
-            </a:pPr>
-            <a:endParaRPr b="0" lang="el-GR" sz="2800" spc="-1" strike="noStrike">
-              <a:solidFill>
-                <a:srgbClr val="000000"/>
-              </a:solidFill>
-              <a:latin typeface="Calibri"/>
+            <a:endParaRPr b="0" lang="en-US" sz="3200" spc="-1" strike="noStrike">
+              <a:latin typeface="Arial"/>
             </a:endParaRPr>
           </a:p>
         </p:txBody>
@@ -2089,7 +1873,7 @@
             <a:spLocks noGrp="1"/>
           </p:cNvSpPr>
           <p:nvPr>
-            <p:ph type="ftr" idx="5"/>
+            <p:ph type="ftr" idx="4"/>
           </p:nvPr>
         </p:nvSpPr>
         <p:spPr/>
@@ -2109,14 +1893,14 @@
             <a:spLocks noGrp="1"/>
           </p:cNvSpPr>
           <p:nvPr>
-            <p:ph type="sldNum" idx="6"/>
+            <p:ph type="sldNum" idx="5"/>
           </p:nvPr>
         </p:nvSpPr>
         <p:spPr/>
         <p:txBody>
           <a:bodyPr/>
           <a:p>
-            <a:fld id="{6026BE52-801D-4BC4-A9C8-488738DA9CDD}" type="slidenum">
+            <a:fld id="{4E628EB5-5AAB-4AC3-A677-EE40650567A1}" type="slidenum">
               <a:t>&lt;#&gt;</a:t>
             </a:fld>
           </a:p>
@@ -2129,7 +1913,7 @@
             <a:spLocks noGrp="1"/>
           </p:cNvSpPr>
           <p:nvPr>
-            <p:ph type="dt" idx="4"/>
+            <p:ph type="dt" idx="6"/>
           </p:nvPr>
         </p:nvSpPr>
         <p:spPr/>
@@ -2193,11 +1977,11 @@
             <a:noAutofit/>
           </a:bodyPr>
           <a:p>
-            <a:endParaRPr b="0" lang="el-GR" sz="1800" spc="-1" strike="noStrike">
-              <a:solidFill>
-                <a:srgbClr val="000000"/>
-              </a:solidFill>
-              <a:latin typeface="Calibri"/>
+            <a:pPr algn="ctr">
+              <a:buNone/>
+            </a:pPr>
+            <a:endParaRPr b="0" lang="en-US" sz="4400" spc="-1" strike="noStrike">
+              <a:latin typeface="Arial"/>
             </a:endParaRPr>
           </a:p>
         </p:txBody>
@@ -2246,7 +2030,7 @@
             <a:spLocks noGrp="1"/>
           </p:cNvSpPr>
           <p:nvPr>
-            <p:ph type="ftr" idx="2"/>
+            <p:ph type="ftr" idx="1"/>
           </p:nvPr>
         </p:nvSpPr>
         <p:spPr/>
@@ -2266,14 +2050,14 @@
             <a:spLocks noGrp="1"/>
           </p:cNvSpPr>
           <p:nvPr>
-            <p:ph type="sldNum" idx="3"/>
+            <p:ph type="sldNum" idx="2"/>
           </p:nvPr>
         </p:nvSpPr>
         <p:spPr/>
         <p:txBody>
           <a:bodyPr/>
           <a:p>
-            <a:fld id="{2E086EDC-9C4A-479D-986E-0EDEDE31F801}" type="slidenum">
+            <a:fld id="{9DA01D05-B50C-479B-A0B8-4738A1F85332}" type="slidenum">
               <a:t>&lt;#&gt;</a:t>
             </a:fld>
           </a:p>
@@ -2286,7 +2070,7 @@
             <a:spLocks noGrp="1"/>
           </p:cNvSpPr>
           <p:nvPr>
-            <p:ph type="dt" idx="1"/>
+            <p:ph type="dt" idx="3"/>
           </p:nvPr>
         </p:nvSpPr>
         <p:spPr/>
@@ -2350,11 +2134,11 @@
             <a:noAutofit/>
           </a:bodyPr>
           <a:p>
-            <a:endParaRPr b="0" lang="el-GR" sz="1800" spc="-1" strike="noStrike">
-              <a:solidFill>
-                <a:srgbClr val="000000"/>
-              </a:solidFill>
-              <a:latin typeface="Calibri"/>
+            <a:pPr algn="ctr">
+              <a:buNone/>
+            </a:pPr>
+            <a:endParaRPr b="0" lang="en-US" sz="4400" spc="-1" strike="noStrike">
+              <a:latin typeface="Arial"/>
             </a:endParaRPr>
           </a:p>
         </p:txBody>
@@ -2387,20 +2171,8 @@
             <a:normAutofit/>
           </a:bodyPr>
           <a:p>
-            <a:pPr>
-              <a:lnSpc>
-                <a:spcPct val="90000"/>
-              </a:lnSpc>
-              <a:spcBef>
-                <a:spcPts val="1417"/>
-              </a:spcBef>
-              <a:buNone/>
-            </a:pPr>
-            <a:endParaRPr b="0" lang="el-GR" sz="2800" spc="-1" strike="noStrike">
-              <a:solidFill>
-                <a:srgbClr val="000000"/>
-              </a:solidFill>
-              <a:latin typeface="Calibri"/>
+            <a:endParaRPr b="0" lang="en-US" sz="3200" spc="-1" strike="noStrike">
+              <a:latin typeface="Arial"/>
             </a:endParaRPr>
           </a:p>
         </p:txBody>
@@ -2433,20 +2205,8 @@
             <a:normAutofit/>
           </a:bodyPr>
           <a:p>
-            <a:pPr>
-              <a:lnSpc>
-                <a:spcPct val="90000"/>
-              </a:lnSpc>
-              <a:spcBef>
-                <a:spcPts val="1417"/>
-              </a:spcBef>
-              <a:buNone/>
-            </a:pPr>
-            <a:endParaRPr b="0" lang="el-GR" sz="2800" spc="-1" strike="noStrike">
-              <a:solidFill>
-                <a:srgbClr val="000000"/>
-              </a:solidFill>
-              <a:latin typeface="Calibri"/>
+            <a:endParaRPr b="0" lang="en-US" sz="3200" spc="-1" strike="noStrike">
+              <a:latin typeface="Arial"/>
             </a:endParaRPr>
           </a:p>
         </p:txBody>
@@ -2479,20 +2239,8 @@
             <a:normAutofit/>
           </a:bodyPr>
           <a:p>
-            <a:pPr>
-              <a:lnSpc>
-                <a:spcPct val="90000"/>
-              </a:lnSpc>
-              <a:spcBef>
-                <a:spcPts val="1417"/>
-              </a:spcBef>
-              <a:buNone/>
-            </a:pPr>
-            <a:endParaRPr b="0" lang="el-GR" sz="2800" spc="-1" strike="noStrike">
-              <a:solidFill>
-                <a:srgbClr val="000000"/>
-              </a:solidFill>
-              <a:latin typeface="Calibri"/>
+            <a:endParaRPr b="0" lang="en-US" sz="3200" spc="-1" strike="noStrike">
+              <a:latin typeface="Arial"/>
             </a:endParaRPr>
           </a:p>
         </p:txBody>
@@ -2504,7 +2252,7 @@
             <a:spLocks noGrp="1"/>
           </p:cNvSpPr>
           <p:nvPr>
-            <p:ph type="ftr" idx="5"/>
+            <p:ph type="ftr" idx="4"/>
           </p:nvPr>
         </p:nvSpPr>
         <p:spPr/>
@@ -2524,14 +2272,14 @@
             <a:spLocks noGrp="1"/>
           </p:cNvSpPr>
           <p:nvPr>
-            <p:ph type="sldNum" idx="6"/>
+            <p:ph type="sldNum" idx="5"/>
           </p:nvPr>
         </p:nvSpPr>
         <p:spPr/>
         <p:txBody>
           <a:bodyPr/>
           <a:p>
-            <a:fld id="{6CE3CFDA-44F0-40AE-BB25-28D9B4C01FEC}" type="slidenum">
+            <a:fld id="{DD1A5D1D-FB76-4598-B32C-4DDB47E16B48}" type="slidenum">
               <a:t>&lt;#&gt;</a:t>
             </a:fld>
           </a:p>
@@ -2544,7 +2292,7 @@
             <a:spLocks noGrp="1"/>
           </p:cNvSpPr>
           <p:nvPr>
-            <p:ph type="dt" idx="4"/>
+            <p:ph type="dt" idx="6"/>
           </p:nvPr>
         </p:nvSpPr>
         <p:spPr/>
@@ -2608,11 +2356,11 @@
             <a:noAutofit/>
           </a:bodyPr>
           <a:p>
-            <a:endParaRPr b="0" lang="el-GR" sz="1800" spc="-1" strike="noStrike">
-              <a:solidFill>
-                <a:srgbClr val="000000"/>
-              </a:solidFill>
-              <a:latin typeface="Calibri"/>
+            <a:pPr algn="ctr">
+              <a:buNone/>
+            </a:pPr>
+            <a:endParaRPr b="0" lang="en-US" sz="4400" spc="-1" strike="noStrike">
+              <a:latin typeface="Arial"/>
             </a:endParaRPr>
           </a:p>
         </p:txBody>
@@ -2645,20 +2393,8 @@
             <a:normAutofit/>
           </a:bodyPr>
           <a:p>
-            <a:pPr>
-              <a:lnSpc>
-                <a:spcPct val="90000"/>
-              </a:lnSpc>
-              <a:spcBef>
-                <a:spcPts val="1417"/>
-              </a:spcBef>
-              <a:buNone/>
-            </a:pPr>
-            <a:endParaRPr b="0" lang="el-GR" sz="2800" spc="-1" strike="noStrike">
-              <a:solidFill>
-                <a:srgbClr val="000000"/>
-              </a:solidFill>
-              <a:latin typeface="Calibri"/>
+            <a:endParaRPr b="0" lang="en-US" sz="3200" spc="-1" strike="noStrike">
+              <a:latin typeface="Arial"/>
             </a:endParaRPr>
           </a:p>
         </p:txBody>
@@ -2691,20 +2427,8 @@
             <a:normAutofit/>
           </a:bodyPr>
           <a:p>
-            <a:pPr>
-              <a:lnSpc>
-                <a:spcPct val="90000"/>
-              </a:lnSpc>
-              <a:spcBef>
-                <a:spcPts val="1417"/>
-              </a:spcBef>
-              <a:buNone/>
-            </a:pPr>
-            <a:endParaRPr b="0" lang="el-GR" sz="2800" spc="-1" strike="noStrike">
-              <a:solidFill>
-                <a:srgbClr val="000000"/>
-              </a:solidFill>
-              <a:latin typeface="Calibri"/>
+            <a:endParaRPr b="0" lang="en-US" sz="3200" spc="-1" strike="noStrike">
+              <a:latin typeface="Arial"/>
             </a:endParaRPr>
           </a:p>
         </p:txBody>
@@ -2737,20 +2461,8 @@
             <a:normAutofit/>
           </a:bodyPr>
           <a:p>
-            <a:pPr>
-              <a:lnSpc>
-                <a:spcPct val="90000"/>
-              </a:lnSpc>
-              <a:spcBef>
-                <a:spcPts val="1417"/>
-              </a:spcBef>
-              <a:buNone/>
-            </a:pPr>
-            <a:endParaRPr b="0" lang="el-GR" sz="2800" spc="-1" strike="noStrike">
-              <a:solidFill>
-                <a:srgbClr val="000000"/>
-              </a:solidFill>
-              <a:latin typeface="Calibri"/>
+            <a:endParaRPr b="0" lang="en-US" sz="3200" spc="-1" strike="noStrike">
+              <a:latin typeface="Arial"/>
             </a:endParaRPr>
           </a:p>
         </p:txBody>
@@ -2762,7 +2474,7 @@
             <a:spLocks noGrp="1"/>
           </p:cNvSpPr>
           <p:nvPr>
-            <p:ph type="ftr" idx="5"/>
+            <p:ph type="ftr" idx="4"/>
           </p:nvPr>
         </p:nvSpPr>
         <p:spPr/>
@@ -2782,14 +2494,14 @@
             <a:spLocks noGrp="1"/>
           </p:cNvSpPr>
           <p:nvPr>
-            <p:ph type="sldNum" idx="6"/>
+            <p:ph type="sldNum" idx="5"/>
           </p:nvPr>
         </p:nvSpPr>
         <p:spPr/>
         <p:txBody>
           <a:bodyPr/>
           <a:p>
-            <a:fld id="{C8BF753A-73FE-446C-8316-27E5ECE3AEE5}" type="slidenum">
+            <a:fld id="{1A4C8B30-94FC-4D1C-9186-E38701415C0A}" type="slidenum">
               <a:t>&lt;#&gt;</a:t>
             </a:fld>
           </a:p>
@@ -2802,7 +2514,7 @@
             <a:spLocks noGrp="1"/>
           </p:cNvSpPr>
           <p:nvPr>
-            <p:ph type="dt" idx="4"/>
+            <p:ph type="dt" idx="6"/>
           </p:nvPr>
         </p:nvSpPr>
         <p:spPr/>
@@ -2866,11 +2578,11 @@
             <a:noAutofit/>
           </a:bodyPr>
           <a:p>
-            <a:endParaRPr b="0" lang="el-GR" sz="1800" spc="-1" strike="noStrike">
-              <a:solidFill>
-                <a:srgbClr val="000000"/>
-              </a:solidFill>
-              <a:latin typeface="Calibri"/>
+            <a:pPr algn="ctr">
+              <a:buNone/>
+            </a:pPr>
+            <a:endParaRPr b="0" lang="en-US" sz="4400" spc="-1" strike="noStrike">
+              <a:latin typeface="Arial"/>
             </a:endParaRPr>
           </a:p>
         </p:txBody>
@@ -2903,20 +2615,8 @@
             <a:normAutofit/>
           </a:bodyPr>
           <a:p>
-            <a:pPr>
-              <a:lnSpc>
-                <a:spcPct val="90000"/>
-              </a:lnSpc>
-              <a:spcBef>
-                <a:spcPts val="1417"/>
-              </a:spcBef>
-              <a:buNone/>
-            </a:pPr>
-            <a:endParaRPr b="0" lang="el-GR" sz="2800" spc="-1" strike="noStrike">
-              <a:solidFill>
-                <a:srgbClr val="000000"/>
-              </a:solidFill>
-              <a:latin typeface="Calibri"/>
+            <a:endParaRPr b="0" lang="en-US" sz="3200" spc="-1" strike="noStrike">
+              <a:latin typeface="Arial"/>
             </a:endParaRPr>
           </a:p>
         </p:txBody>
@@ -2949,20 +2649,8 @@
             <a:normAutofit/>
           </a:bodyPr>
           <a:p>
-            <a:pPr>
-              <a:lnSpc>
-                <a:spcPct val="90000"/>
-              </a:lnSpc>
-              <a:spcBef>
-                <a:spcPts val="1417"/>
-              </a:spcBef>
-              <a:buNone/>
-            </a:pPr>
-            <a:endParaRPr b="0" lang="el-GR" sz="2800" spc="-1" strike="noStrike">
-              <a:solidFill>
-                <a:srgbClr val="000000"/>
-              </a:solidFill>
-              <a:latin typeface="Calibri"/>
+            <a:endParaRPr b="0" lang="en-US" sz="3200" spc="-1" strike="noStrike">
+              <a:latin typeface="Arial"/>
             </a:endParaRPr>
           </a:p>
         </p:txBody>
@@ -2974,7 +2662,7 @@
             <a:spLocks noGrp="1"/>
           </p:cNvSpPr>
           <p:nvPr>
-            <p:ph type="ftr" idx="5"/>
+            <p:ph type="ftr" idx="4"/>
           </p:nvPr>
         </p:nvSpPr>
         <p:spPr/>
@@ -2994,14 +2682,14 @@
             <a:spLocks noGrp="1"/>
           </p:cNvSpPr>
           <p:nvPr>
-            <p:ph type="sldNum" idx="6"/>
+            <p:ph type="sldNum" idx="5"/>
           </p:nvPr>
         </p:nvSpPr>
         <p:spPr/>
         <p:txBody>
           <a:bodyPr/>
           <a:p>
-            <a:fld id="{A5BACDA7-9357-4E37-8CDB-E8C6B2F94F46}" type="slidenum">
+            <a:fld id="{EEDEF7DA-7007-4983-A530-592F9BD847EE}" type="slidenum">
               <a:t>&lt;#&gt;</a:t>
             </a:fld>
           </a:p>
@@ -3014,7 +2702,7 @@
             <a:spLocks noGrp="1"/>
           </p:cNvSpPr>
           <p:nvPr>
-            <p:ph type="dt" idx="4"/>
+            <p:ph type="dt" idx="6"/>
           </p:nvPr>
         </p:nvSpPr>
         <p:spPr/>
@@ -3078,11 +2766,11 @@
             <a:noAutofit/>
           </a:bodyPr>
           <a:p>
-            <a:endParaRPr b="0" lang="el-GR" sz="1800" spc="-1" strike="noStrike">
-              <a:solidFill>
-                <a:srgbClr val="000000"/>
-              </a:solidFill>
-              <a:latin typeface="Calibri"/>
+            <a:pPr algn="ctr">
+              <a:buNone/>
+            </a:pPr>
+            <a:endParaRPr b="0" lang="en-US" sz="4400" spc="-1" strike="noStrike">
+              <a:latin typeface="Arial"/>
             </a:endParaRPr>
           </a:p>
         </p:txBody>
@@ -3115,20 +2803,8 @@
             <a:normAutofit/>
           </a:bodyPr>
           <a:p>
-            <a:pPr>
-              <a:lnSpc>
-                <a:spcPct val="90000"/>
-              </a:lnSpc>
-              <a:spcBef>
-                <a:spcPts val="1417"/>
-              </a:spcBef>
-              <a:buNone/>
-            </a:pPr>
-            <a:endParaRPr b="0" lang="el-GR" sz="2800" spc="-1" strike="noStrike">
-              <a:solidFill>
-                <a:srgbClr val="000000"/>
-              </a:solidFill>
-              <a:latin typeface="Calibri"/>
+            <a:endParaRPr b="0" lang="en-US" sz="3200" spc="-1" strike="noStrike">
+              <a:latin typeface="Arial"/>
             </a:endParaRPr>
           </a:p>
         </p:txBody>
@@ -3161,20 +2837,8 @@
             <a:normAutofit/>
           </a:bodyPr>
           <a:p>
-            <a:pPr>
-              <a:lnSpc>
-                <a:spcPct val="90000"/>
-              </a:lnSpc>
-              <a:spcBef>
-                <a:spcPts val="1417"/>
-              </a:spcBef>
-              <a:buNone/>
-            </a:pPr>
-            <a:endParaRPr b="0" lang="el-GR" sz="2800" spc="-1" strike="noStrike">
-              <a:solidFill>
-                <a:srgbClr val="000000"/>
-              </a:solidFill>
-              <a:latin typeface="Calibri"/>
+            <a:endParaRPr b="0" lang="en-US" sz="3200" spc="-1" strike="noStrike">
+              <a:latin typeface="Arial"/>
             </a:endParaRPr>
           </a:p>
         </p:txBody>
@@ -3207,20 +2871,8 @@
             <a:normAutofit/>
           </a:bodyPr>
           <a:p>
-            <a:pPr>
-              <a:lnSpc>
-                <a:spcPct val="90000"/>
-              </a:lnSpc>
-              <a:spcBef>
-                <a:spcPts val="1417"/>
-              </a:spcBef>
-              <a:buNone/>
-            </a:pPr>
-            <a:endParaRPr b="0" lang="el-GR" sz="2800" spc="-1" strike="noStrike">
-              <a:solidFill>
-                <a:srgbClr val="000000"/>
-              </a:solidFill>
-              <a:latin typeface="Calibri"/>
+            <a:endParaRPr b="0" lang="en-US" sz="3200" spc="-1" strike="noStrike">
+              <a:latin typeface="Arial"/>
             </a:endParaRPr>
           </a:p>
         </p:txBody>
@@ -3253,20 +2905,8 @@
             <a:normAutofit/>
           </a:bodyPr>
           <a:p>
-            <a:pPr>
-              <a:lnSpc>
-                <a:spcPct val="90000"/>
-              </a:lnSpc>
-              <a:spcBef>
-                <a:spcPts val="1417"/>
-              </a:spcBef>
-              <a:buNone/>
-            </a:pPr>
-            <a:endParaRPr b="0" lang="el-GR" sz="2800" spc="-1" strike="noStrike">
-              <a:solidFill>
-                <a:srgbClr val="000000"/>
-              </a:solidFill>
-              <a:latin typeface="Calibri"/>
+            <a:endParaRPr b="0" lang="en-US" sz="3200" spc="-1" strike="noStrike">
+              <a:latin typeface="Arial"/>
             </a:endParaRPr>
           </a:p>
         </p:txBody>
@@ -3278,7 +2918,7 @@
             <a:spLocks noGrp="1"/>
           </p:cNvSpPr>
           <p:nvPr>
-            <p:ph type="ftr" idx="5"/>
+            <p:ph type="ftr" idx="4"/>
           </p:nvPr>
         </p:nvSpPr>
         <p:spPr/>
@@ -3298,14 +2938,14 @@
             <a:spLocks noGrp="1"/>
           </p:cNvSpPr>
           <p:nvPr>
-            <p:ph type="sldNum" idx="6"/>
+            <p:ph type="sldNum" idx="5"/>
           </p:nvPr>
         </p:nvSpPr>
         <p:spPr/>
         <p:txBody>
           <a:bodyPr/>
           <a:p>
-            <a:fld id="{87B15EAA-8DE2-46BE-B4C5-5D972796DD93}" type="slidenum">
+            <a:fld id="{A0D6E7DE-282A-4B84-BB8B-E21B60BF9428}" type="slidenum">
               <a:t>&lt;#&gt;</a:t>
             </a:fld>
           </a:p>
@@ -3318,7 +2958,7 @@
             <a:spLocks noGrp="1"/>
           </p:cNvSpPr>
           <p:nvPr>
-            <p:ph type="dt" idx="4"/>
+            <p:ph type="dt" idx="6"/>
           </p:nvPr>
         </p:nvSpPr>
         <p:spPr/>
@@ -3382,11 +3022,11 @@
             <a:noAutofit/>
           </a:bodyPr>
           <a:p>
-            <a:endParaRPr b="0" lang="el-GR" sz="1800" spc="-1" strike="noStrike">
-              <a:solidFill>
-                <a:srgbClr val="000000"/>
-              </a:solidFill>
-              <a:latin typeface="Calibri"/>
+            <a:pPr algn="ctr">
+              <a:buNone/>
+            </a:pPr>
+            <a:endParaRPr b="0" lang="en-US" sz="4400" spc="-1" strike="noStrike">
+              <a:latin typeface="Arial"/>
             </a:endParaRPr>
           </a:p>
         </p:txBody>
@@ -3419,20 +3059,8 @@
             <a:normAutofit/>
           </a:bodyPr>
           <a:p>
-            <a:pPr>
-              <a:lnSpc>
-                <a:spcPct val="90000"/>
-              </a:lnSpc>
-              <a:spcBef>
-                <a:spcPts val="1417"/>
-              </a:spcBef>
-              <a:buNone/>
-            </a:pPr>
-            <a:endParaRPr b="0" lang="el-GR" sz="2800" spc="-1" strike="noStrike">
-              <a:solidFill>
-                <a:srgbClr val="000000"/>
-              </a:solidFill>
-              <a:latin typeface="Calibri"/>
+            <a:endParaRPr b="0" lang="en-US" sz="3200" spc="-1" strike="noStrike">
+              <a:latin typeface="Arial"/>
             </a:endParaRPr>
           </a:p>
         </p:txBody>
@@ -3465,20 +3093,8 @@
             <a:normAutofit/>
           </a:bodyPr>
           <a:p>
-            <a:pPr>
-              <a:lnSpc>
-                <a:spcPct val="90000"/>
-              </a:lnSpc>
-              <a:spcBef>
-                <a:spcPts val="1417"/>
-              </a:spcBef>
-              <a:buNone/>
-            </a:pPr>
-            <a:endParaRPr b="0" lang="el-GR" sz="2800" spc="-1" strike="noStrike">
-              <a:solidFill>
-                <a:srgbClr val="000000"/>
-              </a:solidFill>
-              <a:latin typeface="Calibri"/>
+            <a:endParaRPr b="0" lang="en-US" sz="3200" spc="-1" strike="noStrike">
+              <a:latin typeface="Arial"/>
             </a:endParaRPr>
           </a:p>
         </p:txBody>
@@ -3511,20 +3127,8 @@
             <a:normAutofit/>
           </a:bodyPr>
           <a:p>
-            <a:pPr>
-              <a:lnSpc>
-                <a:spcPct val="90000"/>
-              </a:lnSpc>
-              <a:spcBef>
-                <a:spcPts val="1417"/>
-              </a:spcBef>
-              <a:buNone/>
-            </a:pPr>
-            <a:endParaRPr b="0" lang="el-GR" sz="2800" spc="-1" strike="noStrike">
-              <a:solidFill>
-                <a:srgbClr val="000000"/>
-              </a:solidFill>
-              <a:latin typeface="Calibri"/>
+            <a:endParaRPr b="0" lang="en-US" sz="3200" spc="-1" strike="noStrike">
+              <a:latin typeface="Arial"/>
             </a:endParaRPr>
           </a:p>
         </p:txBody>
@@ -3557,20 +3161,8 @@
             <a:normAutofit/>
           </a:bodyPr>
           <a:p>
-            <a:pPr>
-              <a:lnSpc>
-                <a:spcPct val="90000"/>
-              </a:lnSpc>
-              <a:spcBef>
-                <a:spcPts val="1417"/>
-              </a:spcBef>
-              <a:buNone/>
-            </a:pPr>
-            <a:endParaRPr b="0" lang="el-GR" sz="2800" spc="-1" strike="noStrike">
-              <a:solidFill>
-                <a:srgbClr val="000000"/>
-              </a:solidFill>
-              <a:latin typeface="Calibri"/>
+            <a:endParaRPr b="0" lang="en-US" sz="3200" spc="-1" strike="noStrike">
+              <a:latin typeface="Arial"/>
             </a:endParaRPr>
           </a:p>
         </p:txBody>
@@ -3603,20 +3195,8 @@
             <a:normAutofit/>
           </a:bodyPr>
           <a:p>
-            <a:pPr>
-              <a:lnSpc>
-                <a:spcPct val="90000"/>
-              </a:lnSpc>
-              <a:spcBef>
-                <a:spcPts val="1417"/>
-              </a:spcBef>
-              <a:buNone/>
-            </a:pPr>
-            <a:endParaRPr b="0" lang="el-GR" sz="2800" spc="-1" strike="noStrike">
-              <a:solidFill>
-                <a:srgbClr val="000000"/>
-              </a:solidFill>
-              <a:latin typeface="Calibri"/>
+            <a:endParaRPr b="0" lang="en-US" sz="3200" spc="-1" strike="noStrike">
+              <a:latin typeface="Arial"/>
             </a:endParaRPr>
           </a:p>
         </p:txBody>
@@ -3649,20 +3229,8 @@
             <a:normAutofit/>
           </a:bodyPr>
           <a:p>
-            <a:pPr>
-              <a:lnSpc>
-                <a:spcPct val="90000"/>
-              </a:lnSpc>
-              <a:spcBef>
-                <a:spcPts val="1417"/>
-              </a:spcBef>
-              <a:buNone/>
-            </a:pPr>
-            <a:endParaRPr b="0" lang="el-GR" sz="2800" spc="-1" strike="noStrike">
-              <a:solidFill>
-                <a:srgbClr val="000000"/>
-              </a:solidFill>
-              <a:latin typeface="Calibri"/>
+            <a:endParaRPr b="0" lang="en-US" sz="3200" spc="-1" strike="noStrike">
+              <a:latin typeface="Arial"/>
             </a:endParaRPr>
           </a:p>
         </p:txBody>
@@ -3674,7 +3242,7 @@
             <a:spLocks noGrp="1"/>
           </p:cNvSpPr>
           <p:nvPr>
-            <p:ph type="ftr" idx="5"/>
+            <p:ph type="ftr" idx="4"/>
           </p:nvPr>
         </p:nvSpPr>
         <p:spPr/>
@@ -3694,14 +3262,14 @@
             <a:spLocks noGrp="1"/>
           </p:cNvSpPr>
           <p:nvPr>
-            <p:ph type="sldNum" idx="6"/>
+            <p:ph type="sldNum" idx="5"/>
           </p:nvPr>
         </p:nvSpPr>
         <p:spPr/>
         <p:txBody>
           <a:bodyPr/>
           <a:p>
-            <a:fld id="{5372E467-3BE2-435C-81C9-E00170B21295}" type="slidenum">
+            <a:fld id="{90E711F5-BC47-49BF-BC93-0D20CC1ACEE2}" type="slidenum">
               <a:t>&lt;#&gt;</a:t>
             </a:fld>
           </a:p>
@@ -3714,7 +3282,7 @@
             <a:spLocks noGrp="1"/>
           </p:cNvSpPr>
           <p:nvPr>
-            <p:ph type="dt" idx="4"/>
+            <p:ph type="dt" idx="6"/>
           </p:nvPr>
         </p:nvSpPr>
         <p:spPr/>
@@ -3778,11 +3346,11 @@
             <a:noAutofit/>
           </a:bodyPr>
           <a:p>
-            <a:endParaRPr b="0" lang="el-GR" sz="1800" spc="-1" strike="noStrike">
-              <a:solidFill>
-                <a:srgbClr val="000000"/>
-              </a:solidFill>
-              <a:latin typeface="Calibri"/>
+            <a:pPr algn="ctr">
+              <a:buNone/>
+            </a:pPr>
+            <a:endParaRPr b="0" lang="en-US" sz="4400" spc="-1" strike="noStrike">
+              <a:latin typeface="Arial"/>
             </a:endParaRPr>
           </a:p>
         </p:txBody>
@@ -3815,20 +3383,8 @@
             <a:normAutofit/>
           </a:bodyPr>
           <a:p>
-            <a:pPr>
-              <a:lnSpc>
-                <a:spcPct val="90000"/>
-              </a:lnSpc>
-              <a:spcBef>
-                <a:spcPts val="1417"/>
-              </a:spcBef>
-              <a:buNone/>
-            </a:pPr>
-            <a:endParaRPr b="0" lang="el-GR" sz="2800" spc="-1" strike="noStrike">
-              <a:solidFill>
-                <a:srgbClr val="000000"/>
-              </a:solidFill>
-              <a:latin typeface="Calibri"/>
+            <a:endParaRPr b="0" lang="en-US" sz="3200" spc="-1" strike="noStrike">
+              <a:latin typeface="Arial"/>
             </a:endParaRPr>
           </a:p>
         </p:txBody>
@@ -3840,7 +3396,7 @@
             <a:spLocks noGrp="1"/>
           </p:cNvSpPr>
           <p:nvPr>
-            <p:ph type="ftr" idx="2"/>
+            <p:ph type="ftr" idx="1"/>
           </p:nvPr>
         </p:nvSpPr>
         <p:spPr/>
@@ -3860,14 +3416,14 @@
             <a:spLocks noGrp="1"/>
           </p:cNvSpPr>
           <p:nvPr>
-            <p:ph type="sldNum" idx="3"/>
+            <p:ph type="sldNum" idx="2"/>
           </p:nvPr>
         </p:nvSpPr>
         <p:spPr/>
         <p:txBody>
           <a:bodyPr/>
           <a:p>
-            <a:fld id="{1E86D34E-DB12-4E6F-8CBB-240E304197BC}" type="slidenum">
+            <a:fld id="{86D3E51B-A2E3-47C7-B7D9-C22AAB939DC6}" type="slidenum">
               <a:t>&lt;#&gt;</a:t>
             </a:fld>
           </a:p>
@@ -3880,7 +3436,7 @@
             <a:spLocks noGrp="1"/>
           </p:cNvSpPr>
           <p:nvPr>
-            <p:ph type="dt" idx="1"/>
+            <p:ph type="dt" idx="3"/>
           </p:nvPr>
         </p:nvSpPr>
         <p:spPr/>
@@ -3944,11 +3500,11 @@
             <a:noAutofit/>
           </a:bodyPr>
           <a:p>
-            <a:endParaRPr b="0" lang="el-GR" sz="1800" spc="-1" strike="noStrike">
-              <a:solidFill>
-                <a:srgbClr val="000000"/>
-              </a:solidFill>
-              <a:latin typeface="Calibri"/>
+            <a:pPr algn="ctr">
+              <a:buNone/>
+            </a:pPr>
+            <a:endParaRPr b="0" lang="en-US" sz="4400" spc="-1" strike="noStrike">
+              <a:latin typeface="Arial"/>
             </a:endParaRPr>
           </a:p>
         </p:txBody>
@@ -3981,20 +3537,8 @@
             <a:normAutofit/>
           </a:bodyPr>
           <a:p>
-            <a:pPr>
-              <a:lnSpc>
-                <a:spcPct val="90000"/>
-              </a:lnSpc>
-              <a:spcBef>
-                <a:spcPts val="1417"/>
-              </a:spcBef>
-              <a:buNone/>
-            </a:pPr>
-            <a:endParaRPr b="0" lang="el-GR" sz="2800" spc="-1" strike="noStrike">
-              <a:solidFill>
-                <a:srgbClr val="000000"/>
-              </a:solidFill>
-              <a:latin typeface="Calibri"/>
+            <a:endParaRPr b="0" lang="en-US" sz="3200" spc="-1" strike="noStrike">
+              <a:latin typeface="Arial"/>
             </a:endParaRPr>
           </a:p>
         </p:txBody>
@@ -4027,20 +3571,8 @@
             <a:normAutofit/>
           </a:bodyPr>
           <a:p>
-            <a:pPr>
-              <a:lnSpc>
-                <a:spcPct val="90000"/>
-              </a:lnSpc>
-              <a:spcBef>
-                <a:spcPts val="1417"/>
-              </a:spcBef>
-              <a:buNone/>
-            </a:pPr>
-            <a:endParaRPr b="0" lang="el-GR" sz="2800" spc="-1" strike="noStrike">
-              <a:solidFill>
-                <a:srgbClr val="000000"/>
-              </a:solidFill>
-              <a:latin typeface="Calibri"/>
+            <a:endParaRPr b="0" lang="en-US" sz="3200" spc="-1" strike="noStrike">
+              <a:latin typeface="Arial"/>
             </a:endParaRPr>
           </a:p>
         </p:txBody>
@@ -4052,7 +3584,7 @@
             <a:spLocks noGrp="1"/>
           </p:cNvSpPr>
           <p:nvPr>
-            <p:ph type="ftr" idx="2"/>
+            <p:ph type="ftr" idx="1"/>
           </p:nvPr>
         </p:nvSpPr>
         <p:spPr/>
@@ -4072,14 +3604,14 @@
             <a:spLocks noGrp="1"/>
           </p:cNvSpPr>
           <p:nvPr>
-            <p:ph type="sldNum" idx="3"/>
+            <p:ph type="sldNum" idx="2"/>
           </p:nvPr>
         </p:nvSpPr>
         <p:spPr/>
         <p:txBody>
           <a:bodyPr/>
           <a:p>
-            <a:fld id="{B1C8CC21-578A-4A56-B982-96CDBA7B57D3}" type="slidenum">
+            <a:fld id="{195B6A97-B671-4E74-96D6-ABCF4D1C012F}" type="slidenum">
               <a:t>&lt;#&gt;</a:t>
             </a:fld>
           </a:p>
@@ -4092,7 +3624,7 @@
             <a:spLocks noGrp="1"/>
           </p:cNvSpPr>
           <p:nvPr>
-            <p:ph type="dt" idx="1"/>
+            <p:ph type="dt" idx="3"/>
           </p:nvPr>
         </p:nvSpPr>
         <p:spPr/>
@@ -4156,11 +3688,11 @@
             <a:noAutofit/>
           </a:bodyPr>
           <a:p>
-            <a:endParaRPr b="0" lang="el-GR" sz="1800" spc="-1" strike="noStrike">
-              <a:solidFill>
-                <a:srgbClr val="000000"/>
-              </a:solidFill>
-              <a:latin typeface="Calibri"/>
+            <a:pPr algn="ctr">
+              <a:buNone/>
+            </a:pPr>
+            <a:endParaRPr b="0" lang="en-US" sz="4400" spc="-1" strike="noStrike">
+              <a:latin typeface="Arial"/>
             </a:endParaRPr>
           </a:p>
         </p:txBody>
@@ -4172,7 +3704,7 @@
             <a:spLocks noGrp="1"/>
           </p:cNvSpPr>
           <p:nvPr>
-            <p:ph type="ftr" idx="2"/>
+            <p:ph type="ftr" idx="1"/>
           </p:nvPr>
         </p:nvSpPr>
         <p:spPr/>
@@ -4192,14 +3724,14 @@
             <a:spLocks noGrp="1"/>
           </p:cNvSpPr>
           <p:nvPr>
-            <p:ph type="sldNum" idx="3"/>
+            <p:ph type="sldNum" idx="2"/>
           </p:nvPr>
         </p:nvSpPr>
         <p:spPr/>
         <p:txBody>
           <a:bodyPr/>
           <a:p>
-            <a:fld id="{2030A322-5D4D-464F-A349-08F18EA977B8}" type="slidenum">
+            <a:fld id="{84BCCC15-2405-492E-8E59-EF3A6DAC1891}" type="slidenum">
               <a:t>&lt;#&gt;</a:t>
             </a:fld>
           </a:p>
@@ -4212,7 +3744,7 @@
             <a:spLocks noGrp="1"/>
           </p:cNvSpPr>
           <p:nvPr>
-            <p:ph type="dt" idx="1"/>
+            <p:ph type="dt" idx="3"/>
           </p:nvPr>
         </p:nvSpPr>
         <p:spPr/>
@@ -4292,7 +3824,7 @@
             <a:spLocks noGrp="1"/>
           </p:cNvSpPr>
           <p:nvPr>
-            <p:ph type="ftr" idx="2"/>
+            <p:ph type="ftr" idx="1"/>
           </p:nvPr>
         </p:nvSpPr>
         <p:spPr/>
@@ -4312,14 +3844,14 @@
             <a:spLocks noGrp="1"/>
           </p:cNvSpPr>
           <p:nvPr>
-            <p:ph type="sldNum" idx="3"/>
+            <p:ph type="sldNum" idx="2"/>
           </p:nvPr>
         </p:nvSpPr>
         <p:spPr/>
         <p:txBody>
           <a:bodyPr/>
           <a:p>
-            <a:fld id="{BB0C841B-476E-4F31-86A7-D156517E799F}" type="slidenum">
+            <a:fld id="{526E7D8D-1DC6-4FAD-9320-C21E80CC84CC}" type="slidenum">
               <a:t>&lt;#&gt;</a:t>
             </a:fld>
           </a:p>
@@ -4332,7 +3864,7 @@
             <a:spLocks noGrp="1"/>
           </p:cNvSpPr>
           <p:nvPr>
-            <p:ph type="dt" idx="1"/>
+            <p:ph type="dt" idx="3"/>
           </p:nvPr>
         </p:nvSpPr>
         <p:spPr/>
@@ -4396,11 +3928,11 @@
             <a:noAutofit/>
           </a:bodyPr>
           <a:p>
-            <a:endParaRPr b="0" lang="el-GR" sz="1800" spc="-1" strike="noStrike">
-              <a:solidFill>
-                <a:srgbClr val="000000"/>
-              </a:solidFill>
-              <a:latin typeface="Calibri"/>
+            <a:pPr algn="ctr">
+              <a:buNone/>
+            </a:pPr>
+            <a:endParaRPr b="0" lang="en-US" sz="4400" spc="-1" strike="noStrike">
+              <a:latin typeface="Arial"/>
             </a:endParaRPr>
           </a:p>
         </p:txBody>
@@ -4433,20 +3965,8 @@
             <a:normAutofit/>
           </a:bodyPr>
           <a:p>
-            <a:pPr>
-              <a:lnSpc>
-                <a:spcPct val="90000"/>
-              </a:lnSpc>
-              <a:spcBef>
-                <a:spcPts val="1417"/>
-              </a:spcBef>
-              <a:buNone/>
-            </a:pPr>
-            <a:endParaRPr b="0" lang="el-GR" sz="2800" spc="-1" strike="noStrike">
-              <a:solidFill>
-                <a:srgbClr val="000000"/>
-              </a:solidFill>
-              <a:latin typeface="Calibri"/>
+            <a:endParaRPr b="0" lang="en-US" sz="3200" spc="-1" strike="noStrike">
+              <a:latin typeface="Arial"/>
             </a:endParaRPr>
           </a:p>
         </p:txBody>
@@ -4479,20 +3999,8 @@
             <a:normAutofit/>
           </a:bodyPr>
           <a:p>
-            <a:pPr>
-              <a:lnSpc>
-                <a:spcPct val="90000"/>
-              </a:lnSpc>
-              <a:spcBef>
-                <a:spcPts val="1417"/>
-              </a:spcBef>
-              <a:buNone/>
-            </a:pPr>
-            <a:endParaRPr b="0" lang="el-GR" sz="2800" spc="-1" strike="noStrike">
-              <a:solidFill>
-                <a:srgbClr val="000000"/>
-              </a:solidFill>
-              <a:latin typeface="Calibri"/>
+            <a:endParaRPr b="0" lang="en-US" sz="3200" spc="-1" strike="noStrike">
+              <a:latin typeface="Arial"/>
             </a:endParaRPr>
           </a:p>
         </p:txBody>
@@ -4525,20 +4033,8 @@
             <a:normAutofit/>
           </a:bodyPr>
           <a:p>
-            <a:pPr>
-              <a:lnSpc>
-                <a:spcPct val="90000"/>
-              </a:lnSpc>
-              <a:spcBef>
-                <a:spcPts val="1417"/>
-              </a:spcBef>
-              <a:buNone/>
-            </a:pPr>
-            <a:endParaRPr b="0" lang="el-GR" sz="2800" spc="-1" strike="noStrike">
-              <a:solidFill>
-                <a:srgbClr val="000000"/>
-              </a:solidFill>
-              <a:latin typeface="Calibri"/>
+            <a:endParaRPr b="0" lang="en-US" sz="3200" spc="-1" strike="noStrike">
+              <a:latin typeface="Arial"/>
             </a:endParaRPr>
           </a:p>
         </p:txBody>
@@ -4550,7 +4046,7 @@
             <a:spLocks noGrp="1"/>
           </p:cNvSpPr>
           <p:nvPr>
-            <p:ph type="ftr" idx="2"/>
+            <p:ph type="ftr" idx="1"/>
           </p:nvPr>
         </p:nvSpPr>
         <p:spPr/>
@@ -4570,14 +4066,14 @@
             <a:spLocks noGrp="1"/>
           </p:cNvSpPr>
           <p:nvPr>
-            <p:ph type="sldNum" idx="3"/>
+            <p:ph type="sldNum" idx="2"/>
           </p:nvPr>
         </p:nvSpPr>
         <p:spPr/>
         <p:txBody>
           <a:bodyPr/>
           <a:p>
-            <a:fld id="{EE866E8D-4BD0-41CD-81B8-4FA0DD831396}" type="slidenum">
+            <a:fld id="{1A58846A-4E96-40E2-B5F7-D51B29826188}" type="slidenum">
               <a:t>&lt;#&gt;</a:t>
             </a:fld>
           </a:p>
@@ -4590,7 +4086,7 @@
             <a:spLocks noGrp="1"/>
           </p:cNvSpPr>
           <p:nvPr>
-            <p:ph type="dt" idx="1"/>
+            <p:ph type="dt" idx="3"/>
           </p:nvPr>
         </p:nvSpPr>
         <p:spPr/>
@@ -4654,11 +4150,11 @@
             <a:noAutofit/>
           </a:bodyPr>
           <a:p>
-            <a:endParaRPr b="0" lang="el-GR" sz="1800" spc="-1" strike="noStrike">
-              <a:solidFill>
-                <a:srgbClr val="000000"/>
-              </a:solidFill>
-              <a:latin typeface="Calibri"/>
+            <a:pPr algn="ctr">
+              <a:buNone/>
+            </a:pPr>
+            <a:endParaRPr b="0" lang="en-US" sz="4400" spc="-1" strike="noStrike">
+              <a:latin typeface="Arial"/>
             </a:endParaRPr>
           </a:p>
         </p:txBody>
@@ -4691,20 +4187,8 @@
             <a:normAutofit/>
           </a:bodyPr>
           <a:p>
-            <a:pPr>
-              <a:lnSpc>
-                <a:spcPct val="90000"/>
-              </a:lnSpc>
-              <a:spcBef>
-                <a:spcPts val="1417"/>
-              </a:spcBef>
-              <a:buNone/>
-            </a:pPr>
-            <a:endParaRPr b="0" lang="el-GR" sz="2800" spc="-1" strike="noStrike">
-              <a:solidFill>
-                <a:srgbClr val="000000"/>
-              </a:solidFill>
-              <a:latin typeface="Calibri"/>
+            <a:endParaRPr b="0" lang="en-US" sz="3200" spc="-1" strike="noStrike">
+              <a:latin typeface="Arial"/>
             </a:endParaRPr>
           </a:p>
         </p:txBody>
@@ -4737,20 +4221,8 @@
             <a:normAutofit/>
           </a:bodyPr>
           <a:p>
-            <a:pPr>
-              <a:lnSpc>
-                <a:spcPct val="90000"/>
-              </a:lnSpc>
-              <a:spcBef>
-                <a:spcPts val="1417"/>
-              </a:spcBef>
-              <a:buNone/>
-            </a:pPr>
-            <a:endParaRPr b="0" lang="el-GR" sz="2800" spc="-1" strike="noStrike">
-              <a:solidFill>
-                <a:srgbClr val="000000"/>
-              </a:solidFill>
-              <a:latin typeface="Calibri"/>
+            <a:endParaRPr b="0" lang="en-US" sz="3200" spc="-1" strike="noStrike">
+              <a:latin typeface="Arial"/>
             </a:endParaRPr>
           </a:p>
         </p:txBody>
@@ -4783,20 +4255,8 @@
             <a:normAutofit/>
           </a:bodyPr>
           <a:p>
-            <a:pPr>
-              <a:lnSpc>
-                <a:spcPct val="90000"/>
-              </a:lnSpc>
-              <a:spcBef>
-                <a:spcPts val="1417"/>
-              </a:spcBef>
-              <a:buNone/>
-            </a:pPr>
-            <a:endParaRPr b="0" lang="el-GR" sz="2800" spc="-1" strike="noStrike">
-              <a:solidFill>
-                <a:srgbClr val="000000"/>
-              </a:solidFill>
-              <a:latin typeface="Calibri"/>
+            <a:endParaRPr b="0" lang="en-US" sz="3200" spc="-1" strike="noStrike">
+              <a:latin typeface="Arial"/>
             </a:endParaRPr>
           </a:p>
         </p:txBody>
@@ -4808,7 +4268,7 @@
             <a:spLocks noGrp="1"/>
           </p:cNvSpPr>
           <p:nvPr>
-            <p:ph type="ftr" idx="2"/>
+            <p:ph type="ftr" idx="1"/>
           </p:nvPr>
         </p:nvSpPr>
         <p:spPr/>
@@ -4828,14 +4288,14 @@
             <a:spLocks noGrp="1"/>
           </p:cNvSpPr>
           <p:nvPr>
-            <p:ph type="sldNum" idx="3"/>
+            <p:ph type="sldNum" idx="2"/>
           </p:nvPr>
         </p:nvSpPr>
         <p:spPr/>
         <p:txBody>
           <a:bodyPr/>
           <a:p>
-            <a:fld id="{AF18327F-E5D3-475B-9B34-1C516FB94CEE}" type="slidenum">
+            <a:fld id="{ED719108-201F-4155-A59E-8F104F00BF49}" type="slidenum">
               <a:t>&lt;#&gt;</a:t>
             </a:fld>
           </a:p>
@@ -4848,7 +4308,7 @@
             <a:spLocks noGrp="1"/>
           </p:cNvSpPr>
           <p:nvPr>
-            <p:ph type="dt" idx="1"/>
+            <p:ph type="dt" idx="3"/>
           </p:nvPr>
         </p:nvSpPr>
         <p:spPr/>
@@ -4912,11 +4372,11 @@
             <a:noAutofit/>
           </a:bodyPr>
           <a:p>
-            <a:endParaRPr b="0" lang="el-GR" sz="1800" spc="-1" strike="noStrike">
-              <a:solidFill>
-                <a:srgbClr val="000000"/>
-              </a:solidFill>
-              <a:latin typeface="Calibri"/>
+            <a:pPr algn="ctr">
+              <a:buNone/>
+            </a:pPr>
+            <a:endParaRPr b="0" lang="en-US" sz="4400" spc="-1" strike="noStrike">
+              <a:latin typeface="Arial"/>
             </a:endParaRPr>
           </a:p>
         </p:txBody>
@@ -4949,20 +4409,8 @@
             <a:normAutofit/>
           </a:bodyPr>
           <a:p>
-            <a:pPr>
-              <a:lnSpc>
-                <a:spcPct val="90000"/>
-              </a:lnSpc>
-              <a:spcBef>
-                <a:spcPts val="1417"/>
-              </a:spcBef>
-              <a:buNone/>
-            </a:pPr>
-            <a:endParaRPr b="0" lang="el-GR" sz="2800" spc="-1" strike="noStrike">
-              <a:solidFill>
-                <a:srgbClr val="000000"/>
-              </a:solidFill>
-              <a:latin typeface="Calibri"/>
+            <a:endParaRPr b="0" lang="en-US" sz="3200" spc="-1" strike="noStrike">
+              <a:latin typeface="Arial"/>
             </a:endParaRPr>
           </a:p>
         </p:txBody>
@@ -4995,20 +4443,8 @@
             <a:normAutofit/>
           </a:bodyPr>
           <a:p>
-            <a:pPr>
-              <a:lnSpc>
-                <a:spcPct val="90000"/>
-              </a:lnSpc>
-              <a:spcBef>
-                <a:spcPts val="1417"/>
-              </a:spcBef>
-              <a:buNone/>
-            </a:pPr>
-            <a:endParaRPr b="0" lang="el-GR" sz="2800" spc="-1" strike="noStrike">
-              <a:solidFill>
-                <a:srgbClr val="000000"/>
-              </a:solidFill>
-              <a:latin typeface="Calibri"/>
+            <a:endParaRPr b="0" lang="en-US" sz="3200" spc="-1" strike="noStrike">
+              <a:latin typeface="Arial"/>
             </a:endParaRPr>
           </a:p>
         </p:txBody>
@@ -5041,20 +4477,8 @@
             <a:normAutofit/>
           </a:bodyPr>
           <a:p>
-            <a:pPr>
-              <a:lnSpc>
-                <a:spcPct val="90000"/>
-              </a:lnSpc>
-              <a:spcBef>
-                <a:spcPts val="1417"/>
-              </a:spcBef>
-              <a:buNone/>
-            </a:pPr>
-            <a:endParaRPr b="0" lang="el-GR" sz="2800" spc="-1" strike="noStrike">
-              <a:solidFill>
-                <a:srgbClr val="000000"/>
-              </a:solidFill>
-              <a:latin typeface="Calibri"/>
+            <a:endParaRPr b="0" lang="en-US" sz="3200" spc="-1" strike="noStrike">
+              <a:latin typeface="Arial"/>
             </a:endParaRPr>
           </a:p>
         </p:txBody>
@@ -5066,7 +4490,7 @@
             <a:spLocks noGrp="1"/>
           </p:cNvSpPr>
           <p:nvPr>
-            <p:ph type="ftr" idx="2"/>
+            <p:ph type="ftr" idx="1"/>
           </p:nvPr>
         </p:nvSpPr>
         <p:spPr/>
@@ -5086,14 +4510,14 @@
             <a:spLocks noGrp="1"/>
           </p:cNvSpPr>
           <p:nvPr>
-            <p:ph type="sldNum" idx="3"/>
+            <p:ph type="sldNum" idx="2"/>
           </p:nvPr>
         </p:nvSpPr>
         <p:spPr/>
         <p:txBody>
           <a:bodyPr/>
           <a:p>
-            <a:fld id="{16B8BE7B-81B7-4124-ABE6-FE83A1ACF90B}" type="slidenum">
+            <a:fld id="{F03AEED8-EEA9-4867-9430-1E3E02A7C12F}" type="slidenum">
               <a:t>&lt;#&gt;</a:t>
             </a:fld>
           </a:p>
@@ -5106,7 +4530,7 @@
             <a:spLocks noGrp="1"/>
           </p:cNvSpPr>
           <p:nvPr>
-            <p:ph type="dt" idx="1"/>
+            <p:ph type="dt" idx="3"/>
           </p:nvPr>
         </p:nvSpPr>
         <p:spPr/>
@@ -5161,42 +4585,30 @@
         </p:nvSpPr>
         <p:spPr>
           <a:xfrm>
-            <a:off x="1523880" y="1122480"/>
-            <a:ext cx="9143640" cy="2387160"/>
-          </a:xfrm>
-          <a:prstGeom prst="rect">
-            <a:avLst/>
-          </a:prstGeom>
-          <a:noFill/>
-          <a:ln w="0">
-            <a:noFill/>
-          </a:ln>
-        </p:spPr>
-        <p:txBody>
-          <a:bodyPr anchor="b">
+            <a:off x="609480" y="273600"/>
+            <a:ext cx="10972080" cy="1144440"/>
+          </a:xfrm>
+          <a:prstGeom prst="rect">
+            <a:avLst/>
+          </a:prstGeom>
+          <a:noFill/>
+          <a:ln w="0">
+            <a:noFill/>
+          </a:ln>
+        </p:spPr>
+        <p:txBody>
+          <a:bodyPr lIns="0" rIns="0" tIns="0" bIns="0" anchor="ctr">
             <a:noAutofit/>
           </a:bodyPr>
           <a:p>
-            <a:pPr algn="ctr">
-              <a:lnSpc>
-                <a:spcPct val="90000"/>
-              </a:lnSpc>
-              <a:buNone/>
-            </a:pPr>
-            <a:r>
-              <a:rPr b="0" lang="en-US" sz="6000" spc="-1" strike="noStrike">
-                <a:solidFill>
-                  <a:srgbClr val="000000"/>
-                </a:solidFill>
-                <a:latin typeface="Calibri Light"/>
-              </a:rPr>
-              <a:t>Click to edit Master title style</a:t>
-            </a:r>
-            <a:endParaRPr b="0" lang="el-GR" sz="6000" spc="-1" strike="noStrike">
-              <a:solidFill>
-                <a:srgbClr val="000000"/>
-              </a:solidFill>
-              <a:latin typeface="Calibri"/>
+            <a:r>
+              <a:rPr b="0" lang="en-US" sz="1800" spc="-1" strike="noStrike">
+                <a:latin typeface="Arial"/>
+              </a:rPr>
+              <a:t>Click to edit the title text format</a:t>
+            </a:r>
+            <a:endParaRPr b="0" lang="en-US" sz="1800" spc="-1" strike="noStrike">
+              <a:latin typeface="Arial"/>
             </a:endParaRPr>
           </a:p>
         </p:txBody>
@@ -5208,91 +4620,31 @@
             <a:spLocks noGrp="1"/>
           </p:cNvSpPr>
           <p:nvPr>
-            <p:ph type="dt" idx="1"/>
-          </p:nvPr>
-        </p:nvSpPr>
-        <p:spPr>
-          <a:xfrm>
-            <a:off x="838080" y="6356520"/>
-            <a:ext cx="2742840" cy="364680"/>
-          </a:xfrm>
-          <a:prstGeom prst="rect">
-            <a:avLst/>
-          </a:prstGeom>
-          <a:noFill/>
-          <a:ln w="0">
-            <a:noFill/>
-          </a:ln>
-        </p:spPr>
-        <p:txBody>
-          <a:bodyPr anchor="ctr">
+            <p:ph type="ftr" idx="1"/>
+          </p:nvPr>
+        </p:nvSpPr>
+        <p:spPr>
+          <a:xfrm>
+            <a:off x="4038480" y="6356520"/>
+            <a:ext cx="4114080" cy="364320"/>
+          </a:xfrm>
+          <a:prstGeom prst="rect">
+            <a:avLst/>
+          </a:prstGeom>
+          <a:noFill/>
+          <a:ln w="0">
+            <a:noFill/>
+          </a:ln>
+        </p:spPr>
+        <p:txBody>
+          <a:bodyPr lIns="90000" rIns="90000" tIns="45000" bIns="45000" anchor="ctr">
             <a:noAutofit/>
           </a:bodyPr>
           <a:lstStyle>
-            <a:lvl1pPr>
+            <a:lvl1pPr algn="ctr">
               <a:lnSpc>
                 <a:spcPct val="100000"/>
               </a:lnSpc>
-              <a:buNone/>
-              <a:defRPr b="0" lang="el-GR" sz="1200" spc="-1" strike="noStrike">
-                <a:solidFill>
-                  <a:srgbClr val="8b8b8b"/>
-                </a:solidFill>
-                <a:latin typeface="Calibri"/>
-              </a:defRPr>
-            </a:lvl1pPr>
-          </a:lstStyle>
-          <a:p>
-            <a:pPr>
-              <a:lnSpc>
-                <a:spcPct val="100000"/>
-              </a:lnSpc>
-              <a:buNone/>
-            </a:pPr>
-            <a:r>
-              <a:rPr b="0" lang="el-GR" sz="1200" spc="-1" strike="noStrike">
-                <a:solidFill>
-                  <a:srgbClr val="8b8b8b"/>
-                </a:solidFill>
-                <a:latin typeface="Calibri"/>
-              </a:rPr>
-              <a:t>&lt;date/time&gt;</a:t>
-            </a:r>
-            <a:endParaRPr b="0" lang="en-US" sz="1200" spc="-1" strike="noStrike">
-              <a:latin typeface="Times New Roman"/>
-            </a:endParaRPr>
-          </a:p>
-        </p:txBody>
-      </p:sp>
-      <p:sp>
-        <p:nvSpPr>
-          <p:cNvPr id="2" name="PlaceHolder 3"/>
-          <p:cNvSpPr>
-            <a:spLocks noGrp="1"/>
-          </p:cNvSpPr>
-          <p:nvPr>
-            <p:ph type="ftr" idx="2"/>
-          </p:nvPr>
-        </p:nvSpPr>
-        <p:spPr>
-          <a:xfrm>
-            <a:off x="4038480" y="6356520"/>
-            <a:ext cx="4114440" cy="364680"/>
-          </a:xfrm>
-          <a:prstGeom prst="rect">
-            <a:avLst/>
-          </a:prstGeom>
-          <a:noFill/>
-          <a:ln w="0">
-            <a:noFill/>
-          </a:ln>
-        </p:spPr>
-        <p:txBody>
-          <a:bodyPr anchor="ctr">
-            <a:noAutofit/>
-          </a:bodyPr>
-          <a:lstStyle>
-            <a:lvl1pPr algn="ctr">
               <a:buNone/>
               <a:defRPr b="0" lang="en-US" sz="1400" spc="-1" strike="noStrike">
                 <a:latin typeface="Times New Roman"/>
@@ -5301,6 +4653,9 @@
           </a:lstStyle>
           <a:p>
             <a:pPr algn="ctr">
+              <a:lnSpc>
+                <a:spcPct val="100000"/>
+              </a:lnSpc>
               <a:buNone/>
             </a:pPr>
             <a:r>
@@ -5317,29 +4672,29 @@
       </p:sp>
       <p:sp>
         <p:nvSpPr>
-          <p:cNvPr id="3" name="PlaceHolder 4"/>
-          <p:cNvSpPr>
-            <a:spLocks noGrp="1"/>
-          </p:cNvSpPr>
-          <p:nvPr>
-            <p:ph type="sldNum" idx="3"/>
+          <p:cNvPr id="2" name="PlaceHolder 3"/>
+          <p:cNvSpPr>
+            <a:spLocks noGrp="1"/>
+          </p:cNvSpPr>
+          <p:nvPr>
+            <p:ph type="sldNum" idx="2"/>
           </p:nvPr>
         </p:nvSpPr>
         <p:spPr>
           <a:xfrm>
             <a:off x="8610480" y="6356520"/>
-            <a:ext cx="2742840" cy="364680"/>
-          </a:xfrm>
-          <a:prstGeom prst="rect">
-            <a:avLst/>
-          </a:prstGeom>
-          <a:noFill/>
-          <a:ln w="0">
-            <a:noFill/>
-          </a:ln>
-        </p:spPr>
-        <p:txBody>
-          <a:bodyPr anchor="ctr">
+            <a:ext cx="2742480" cy="364320"/>
+          </a:xfrm>
+          <a:prstGeom prst="rect">
+            <a:avLst/>
+          </a:prstGeom>
+          <a:noFill/>
+          <a:ln w="0">
+            <a:noFill/>
+          </a:ln>
+        </p:spPr>
+        <p:txBody>
+          <a:bodyPr lIns="90000" rIns="90000" tIns="45000" bIns="45000" anchor="ctr">
             <a:noAutofit/>
           </a:bodyPr>
           <a:lstStyle>
@@ -5363,7 +4718,7 @@
               </a:lnSpc>
               <a:buNone/>
             </a:pPr>
-            <a:fld id="{3511954D-00AE-41FB-A360-EE6567C899C4}" type="slidenum">
+            <a:fld id="{1E44666D-8043-40ED-9189-FEFADFD9391F}" type="slidenum">
               <a:rPr b="0" lang="el-GR" sz="1200" spc="-1" strike="noStrike">
                 <a:solidFill>
                   <a:srgbClr val="8b8b8b"/>
@@ -5380,6 +4735,53 @@
       </p:sp>
       <p:sp>
         <p:nvSpPr>
+          <p:cNvPr id="3" name="PlaceHolder 4"/>
+          <p:cNvSpPr>
+            <a:spLocks noGrp="1"/>
+          </p:cNvSpPr>
+          <p:nvPr>
+            <p:ph type="dt" idx="3"/>
+          </p:nvPr>
+        </p:nvSpPr>
+        <p:spPr>
+          <a:xfrm>
+            <a:off x="838080" y="6356520"/>
+            <a:ext cx="2742480" cy="364320"/>
+          </a:xfrm>
+          <a:prstGeom prst="rect">
+            <a:avLst/>
+          </a:prstGeom>
+          <a:noFill/>
+          <a:ln w="0">
+            <a:noFill/>
+          </a:ln>
+        </p:spPr>
+        <p:txBody>
+          <a:bodyPr lIns="90000" rIns="90000" tIns="45000" bIns="45000" anchor="ctr">
+            <a:noAutofit/>
+          </a:bodyPr>
+          <a:lstStyle>
+            <a:lvl1pPr>
+              <a:defRPr b="0" lang="en-US" sz="1400" spc="-1" strike="noStrike">
+                <a:latin typeface="Times New Roman"/>
+              </a:defRPr>
+            </a:lvl1pPr>
+          </a:lstStyle>
+          <a:p>
+            <a:r>
+              <a:rPr b="0" lang="en-US" sz="1400" spc="-1" strike="noStrike">
+                <a:latin typeface="Times New Roman"/>
+              </a:rPr>
+              <a:t>&lt;date/time&gt;</a:t>
+            </a:r>
+            <a:endParaRPr b="0" lang="en-US" sz="1400" spc="-1" strike="noStrike">
+              <a:latin typeface="Times New Roman"/>
+            </a:endParaRPr>
+          </a:p>
+        </p:txBody>
+      </p:sp>
+      <p:sp>
+        <p:nvSpPr>
           <p:cNvPr id="4" name="PlaceHolder 5"/>
           <p:cNvSpPr>
             <a:spLocks noGrp="1"/>
@@ -5407,9 +4809,6 @@
           </a:bodyPr>
           <a:p>
             <a:pPr marL="432000" indent="-324000">
-              <a:lnSpc>
-                <a:spcPct val="90000"/>
-              </a:lnSpc>
               <a:spcBef>
                 <a:spcPts val="1417"/>
               </a:spcBef>
@@ -5421,26 +4820,17 @@
               <a:buChar char=""/>
             </a:pPr>
             <a:r>
-              <a:rPr b="0" lang="el-GR" sz="2800" spc="-1" strike="noStrike">
-                <a:solidFill>
-                  <a:srgbClr val="000000"/>
-                </a:solidFill>
-                <a:latin typeface="Calibri"/>
+              <a:rPr b="0" lang="en-US" sz="3200" spc="-1" strike="noStrike">
+                <a:latin typeface="Arial"/>
               </a:rPr>
               <a:t>Click to edit the outline text format</a:t>
             </a:r>
-            <a:endParaRPr b="0" lang="el-GR" sz="2800" spc="-1" strike="noStrike">
-              <a:solidFill>
-                <a:srgbClr val="000000"/>
-              </a:solidFill>
-              <a:latin typeface="Calibri"/>
+            <a:endParaRPr b="0" lang="en-US" sz="3200" spc="-1" strike="noStrike">
+              <a:latin typeface="Arial"/>
             </a:endParaRPr>
           </a:p>
           <a:p>
             <a:pPr lvl="1" marL="864000" indent="-324000">
-              <a:lnSpc>
-                <a:spcPct val="90000"/>
-              </a:lnSpc>
               <a:spcBef>
                 <a:spcPts val="1134"/>
               </a:spcBef>
@@ -5452,26 +4842,17 @@
               <a:buChar char=""/>
             </a:pPr>
             <a:r>
-              <a:rPr b="0" lang="el-GR" sz="2000" spc="-1" strike="noStrike">
-                <a:solidFill>
-                  <a:srgbClr val="000000"/>
-                </a:solidFill>
-                <a:latin typeface="Calibri"/>
+              <a:rPr b="0" lang="en-US" sz="2800" spc="-1" strike="noStrike">
+                <a:latin typeface="Arial"/>
               </a:rPr>
               <a:t>Second Outline Level</a:t>
             </a:r>
-            <a:endParaRPr b="0" lang="el-GR" sz="2000" spc="-1" strike="noStrike">
-              <a:solidFill>
-                <a:srgbClr val="000000"/>
-              </a:solidFill>
-              <a:latin typeface="Calibri"/>
+            <a:endParaRPr b="0" lang="en-US" sz="2800" spc="-1" strike="noStrike">
+              <a:latin typeface="Arial"/>
             </a:endParaRPr>
           </a:p>
           <a:p>
             <a:pPr lvl="2" marL="1296000" indent="-288000">
-              <a:lnSpc>
-                <a:spcPct val="90000"/>
-              </a:lnSpc>
               <a:spcBef>
                 <a:spcPts val="850"/>
               </a:spcBef>
@@ -5483,26 +4864,17 @@
               <a:buChar char=""/>
             </a:pPr>
             <a:r>
-              <a:rPr b="0" lang="el-GR" sz="1800" spc="-1" strike="noStrike">
-                <a:solidFill>
-                  <a:srgbClr val="000000"/>
-                </a:solidFill>
-                <a:latin typeface="Calibri"/>
+              <a:rPr b="0" lang="en-US" sz="2400" spc="-1" strike="noStrike">
+                <a:latin typeface="Arial"/>
               </a:rPr>
               <a:t>Third Outline Level</a:t>
             </a:r>
-            <a:endParaRPr b="0" lang="el-GR" sz="1800" spc="-1" strike="noStrike">
-              <a:solidFill>
-                <a:srgbClr val="000000"/>
-              </a:solidFill>
-              <a:latin typeface="Calibri"/>
+            <a:endParaRPr b="0" lang="en-US" sz="2400" spc="-1" strike="noStrike">
+              <a:latin typeface="Arial"/>
             </a:endParaRPr>
           </a:p>
           <a:p>
             <a:pPr lvl="3" marL="1728000" indent="-216000">
-              <a:lnSpc>
-                <a:spcPct val="90000"/>
-              </a:lnSpc>
               <a:spcBef>
                 <a:spcPts val="567"/>
               </a:spcBef>
@@ -5514,26 +4886,17 @@
               <a:buChar char=""/>
             </a:pPr>
             <a:r>
-              <a:rPr b="0" lang="el-GR" sz="1800" spc="-1" strike="noStrike">
-                <a:solidFill>
-                  <a:srgbClr val="000000"/>
-                </a:solidFill>
-                <a:latin typeface="Calibri"/>
+              <a:rPr b="0" lang="en-US" sz="2000" spc="-1" strike="noStrike">
+                <a:latin typeface="Arial"/>
               </a:rPr>
               <a:t>Fourth Outline Level</a:t>
             </a:r>
-            <a:endParaRPr b="0" lang="el-GR" sz="1800" spc="-1" strike="noStrike">
-              <a:solidFill>
-                <a:srgbClr val="000000"/>
-              </a:solidFill>
-              <a:latin typeface="Calibri"/>
+            <a:endParaRPr b="0" lang="en-US" sz="2000" spc="-1" strike="noStrike">
+              <a:latin typeface="Arial"/>
             </a:endParaRPr>
           </a:p>
           <a:p>
             <a:pPr lvl="4" marL="2160000" indent="-216000">
-              <a:lnSpc>
-                <a:spcPct val="90000"/>
-              </a:lnSpc>
               <a:spcBef>
                 <a:spcPts val="283"/>
               </a:spcBef>
@@ -5545,26 +4908,17 @@
               <a:buChar char=""/>
             </a:pPr>
             <a:r>
-              <a:rPr b="0" lang="el-GR" sz="2000" spc="-1" strike="noStrike">
-                <a:solidFill>
-                  <a:srgbClr val="000000"/>
-                </a:solidFill>
-                <a:latin typeface="Calibri"/>
+              <a:rPr b="0" lang="en-US" sz="2000" spc="-1" strike="noStrike">
+                <a:latin typeface="Arial"/>
               </a:rPr>
               <a:t>Fifth Outline Level</a:t>
             </a:r>
-            <a:endParaRPr b="0" lang="el-GR" sz="2000" spc="-1" strike="noStrike">
-              <a:solidFill>
-                <a:srgbClr val="000000"/>
-              </a:solidFill>
-              <a:latin typeface="Calibri"/>
+            <a:endParaRPr b="0" lang="en-US" sz="2000" spc="-1" strike="noStrike">
+              <a:latin typeface="Arial"/>
             </a:endParaRPr>
           </a:p>
           <a:p>
             <a:pPr lvl="5" marL="2592000" indent="-216000">
-              <a:lnSpc>
-                <a:spcPct val="90000"/>
-              </a:lnSpc>
               <a:spcBef>
                 <a:spcPts val="283"/>
               </a:spcBef>
@@ -5576,26 +4930,17 @@
               <a:buChar char=""/>
             </a:pPr>
             <a:r>
-              <a:rPr b="0" lang="el-GR" sz="2000" spc="-1" strike="noStrike">
-                <a:solidFill>
-                  <a:srgbClr val="000000"/>
-                </a:solidFill>
-                <a:latin typeface="Calibri"/>
+              <a:rPr b="0" lang="en-US" sz="2000" spc="-1" strike="noStrike">
+                <a:latin typeface="Arial"/>
               </a:rPr>
               <a:t>Sixth Outline Level</a:t>
             </a:r>
-            <a:endParaRPr b="0" lang="el-GR" sz="2000" spc="-1" strike="noStrike">
-              <a:solidFill>
-                <a:srgbClr val="000000"/>
-              </a:solidFill>
-              <a:latin typeface="Calibri"/>
+            <a:endParaRPr b="0" lang="en-US" sz="2000" spc="-1" strike="noStrike">
+              <a:latin typeface="Arial"/>
             </a:endParaRPr>
           </a:p>
           <a:p>
             <a:pPr lvl="6" marL="3024000" indent="-216000">
-              <a:lnSpc>
-                <a:spcPct val="90000"/>
-              </a:lnSpc>
               <a:spcBef>
                 <a:spcPts val="283"/>
               </a:spcBef>
@@ -5607,19 +4952,13 @@
               <a:buChar char=""/>
             </a:pPr>
             <a:r>
-              <a:rPr b="0" lang="el-GR" sz="2000" spc="-1" strike="noStrike">
-                <a:solidFill>
-                  <a:srgbClr val="000000"/>
-                </a:solidFill>
-                <a:latin typeface="Calibri"/>
+              <a:rPr b="0" lang="en-US" sz="2000" spc="-1" strike="noStrike">
+                <a:latin typeface="Arial"/>
               </a:rPr>
               <a:t>Seventh Outline Level</a:t>
             </a:r>
-            <a:endParaRPr b="0" lang="el-GR" sz="2000" spc="-1" strike="noStrike">
-              <a:solidFill>
-                <a:srgbClr val="000000"/>
-              </a:solidFill>
-              <a:latin typeface="Calibri"/>
+            <a:endParaRPr b="0" lang="en-US" sz="2000" spc="-1" strike="noStrike">
+              <a:latin typeface="Arial"/>
             </a:endParaRPr>
           </a:p>
         </p:txBody>
@@ -5675,91 +5014,31 @@
             <a:spLocks noGrp="1"/>
           </p:cNvSpPr>
           <p:nvPr>
-            <p:ph type="dt" idx="4"/>
-          </p:nvPr>
-        </p:nvSpPr>
-        <p:spPr>
-          <a:xfrm>
-            <a:off x="838080" y="6356520"/>
-            <a:ext cx="2742840" cy="364680"/>
-          </a:xfrm>
-          <a:prstGeom prst="rect">
-            <a:avLst/>
-          </a:prstGeom>
-          <a:noFill/>
-          <a:ln w="0">
-            <a:noFill/>
-          </a:ln>
-        </p:spPr>
-        <p:txBody>
-          <a:bodyPr anchor="ctr">
+            <p:ph type="ftr" idx="4"/>
+          </p:nvPr>
+        </p:nvSpPr>
+        <p:spPr>
+          <a:xfrm>
+            <a:off x="4038480" y="6356520"/>
+            <a:ext cx="4114080" cy="364320"/>
+          </a:xfrm>
+          <a:prstGeom prst="rect">
+            <a:avLst/>
+          </a:prstGeom>
+          <a:noFill/>
+          <a:ln w="0">
+            <a:noFill/>
+          </a:ln>
+        </p:spPr>
+        <p:txBody>
+          <a:bodyPr lIns="90000" rIns="90000" tIns="45000" bIns="45000" anchor="ctr">
             <a:noAutofit/>
           </a:bodyPr>
           <a:lstStyle>
-            <a:lvl1pPr>
+            <a:lvl1pPr algn="ctr">
               <a:lnSpc>
                 <a:spcPct val="100000"/>
               </a:lnSpc>
-              <a:buNone/>
-              <a:defRPr b="0" lang="el-GR" sz="1200" spc="-1" strike="noStrike">
-                <a:solidFill>
-                  <a:srgbClr val="8b8b8b"/>
-                </a:solidFill>
-                <a:latin typeface="Calibri"/>
-              </a:defRPr>
-            </a:lvl1pPr>
-          </a:lstStyle>
-          <a:p>
-            <a:pPr>
-              <a:lnSpc>
-                <a:spcPct val="100000"/>
-              </a:lnSpc>
-              <a:buNone/>
-            </a:pPr>
-            <a:r>
-              <a:rPr b="0" lang="el-GR" sz="1200" spc="-1" strike="noStrike">
-                <a:solidFill>
-                  <a:srgbClr val="8b8b8b"/>
-                </a:solidFill>
-                <a:latin typeface="Calibri"/>
-              </a:rPr>
-              <a:t>&lt;date/time&gt;</a:t>
-            </a:r>
-            <a:endParaRPr b="0" lang="en-US" sz="1200" spc="-1" strike="noStrike">
-              <a:latin typeface="Times New Roman"/>
-            </a:endParaRPr>
-          </a:p>
-        </p:txBody>
-      </p:sp>
-      <p:sp>
-        <p:nvSpPr>
-          <p:cNvPr id="42" name="PlaceHolder 2"/>
-          <p:cNvSpPr>
-            <a:spLocks noGrp="1"/>
-          </p:cNvSpPr>
-          <p:nvPr>
-            <p:ph type="ftr" idx="5"/>
-          </p:nvPr>
-        </p:nvSpPr>
-        <p:spPr>
-          <a:xfrm>
-            <a:off x="4038480" y="6356520"/>
-            <a:ext cx="4114440" cy="364680"/>
-          </a:xfrm>
-          <a:prstGeom prst="rect">
-            <a:avLst/>
-          </a:prstGeom>
-          <a:noFill/>
-          <a:ln w="0">
-            <a:noFill/>
-          </a:ln>
-        </p:spPr>
-        <p:txBody>
-          <a:bodyPr anchor="ctr">
-            <a:noAutofit/>
-          </a:bodyPr>
-          <a:lstStyle>
-            <a:lvl1pPr algn="ctr">
               <a:buNone/>
               <a:defRPr b="0" lang="en-US" sz="1400" spc="-1" strike="noStrike">
                 <a:latin typeface="Times New Roman"/>
@@ -5768,6 +5047,9 @@
           </a:lstStyle>
           <a:p>
             <a:pPr algn="ctr">
+              <a:lnSpc>
+                <a:spcPct val="100000"/>
+              </a:lnSpc>
               <a:buNone/>
             </a:pPr>
             <a:r>
@@ -5784,29 +5066,29 @@
       </p:sp>
       <p:sp>
         <p:nvSpPr>
-          <p:cNvPr id="43" name="PlaceHolder 3"/>
-          <p:cNvSpPr>
-            <a:spLocks noGrp="1"/>
-          </p:cNvSpPr>
-          <p:nvPr>
-            <p:ph type="sldNum" idx="6"/>
+          <p:cNvPr id="42" name="PlaceHolder 2"/>
+          <p:cNvSpPr>
+            <a:spLocks noGrp="1"/>
+          </p:cNvSpPr>
+          <p:nvPr>
+            <p:ph type="sldNum" idx="5"/>
           </p:nvPr>
         </p:nvSpPr>
         <p:spPr>
           <a:xfrm>
             <a:off x="8610480" y="6356520"/>
-            <a:ext cx="2742840" cy="364680"/>
-          </a:xfrm>
-          <a:prstGeom prst="rect">
-            <a:avLst/>
-          </a:prstGeom>
-          <a:noFill/>
-          <a:ln w="0">
-            <a:noFill/>
-          </a:ln>
-        </p:spPr>
-        <p:txBody>
-          <a:bodyPr anchor="ctr">
+            <a:ext cx="2742480" cy="364320"/>
+          </a:xfrm>
+          <a:prstGeom prst="rect">
+            <a:avLst/>
+          </a:prstGeom>
+          <a:noFill/>
+          <a:ln w="0">
+            <a:noFill/>
+          </a:ln>
+        </p:spPr>
+        <p:txBody>
+          <a:bodyPr lIns="90000" rIns="90000" tIns="45000" bIns="45000" anchor="ctr">
             <a:noAutofit/>
           </a:bodyPr>
           <a:lstStyle>
@@ -5830,7 +5112,7 @@
               </a:lnSpc>
               <a:buNone/>
             </a:pPr>
-            <a:fld id="{257E9655-B07D-482D-AD9F-63BECD23B1D7}" type="slidenum">
+            <a:fld id="{CD39976B-D95E-41E7-B8DF-2D2E6B815A65}" type="slidenum">
               <a:rPr b="0" lang="el-GR" sz="1200" spc="-1" strike="noStrike">
                 <a:solidFill>
                   <a:srgbClr val="8b8b8b"/>
@@ -5847,6 +5129,53 @@
       </p:sp>
       <p:sp>
         <p:nvSpPr>
+          <p:cNvPr id="43" name="PlaceHolder 3"/>
+          <p:cNvSpPr>
+            <a:spLocks noGrp="1"/>
+          </p:cNvSpPr>
+          <p:nvPr>
+            <p:ph type="dt" idx="6"/>
+          </p:nvPr>
+        </p:nvSpPr>
+        <p:spPr>
+          <a:xfrm>
+            <a:off x="838080" y="6356520"/>
+            <a:ext cx="2742480" cy="364320"/>
+          </a:xfrm>
+          <a:prstGeom prst="rect">
+            <a:avLst/>
+          </a:prstGeom>
+          <a:noFill/>
+          <a:ln w="0">
+            <a:noFill/>
+          </a:ln>
+        </p:spPr>
+        <p:txBody>
+          <a:bodyPr lIns="90000" rIns="90000" tIns="45000" bIns="45000" anchor="ctr">
+            <a:noAutofit/>
+          </a:bodyPr>
+          <a:lstStyle>
+            <a:lvl1pPr>
+              <a:defRPr b="0" lang="en-US" sz="1400" spc="-1" strike="noStrike">
+                <a:latin typeface="Times New Roman"/>
+              </a:defRPr>
+            </a:lvl1pPr>
+          </a:lstStyle>
+          <a:p>
+            <a:r>
+              <a:rPr b="0" lang="en-US" sz="1400" spc="-1" strike="noStrike">
+                <a:latin typeface="Times New Roman"/>
+              </a:rPr>
+              <a:t>&lt;date/time&gt;</a:t>
+            </a:r>
+            <a:endParaRPr b="0" lang="en-US" sz="1400" spc="-1" strike="noStrike">
+              <a:latin typeface="Times New Roman"/>
+            </a:endParaRPr>
+          </a:p>
+        </p:txBody>
+      </p:sp>
+      <p:sp>
+        <p:nvSpPr>
           <p:cNvPr id="44" name="PlaceHolder 4"/>
           <p:cNvSpPr>
             <a:spLocks noGrp="1"/>
@@ -5873,20 +5202,17 @@
             <a:noAutofit/>
           </a:bodyPr>
           <a:p>
-            <a:r>
-              <a:rPr b="0" lang="el-GR" sz="1800" spc="-1" strike="noStrike">
-                <a:solidFill>
-                  <a:srgbClr val="000000"/>
-                </a:solidFill>
-                <a:latin typeface="Calibri"/>
+            <a:pPr algn="ctr">
+              <a:buNone/>
+            </a:pPr>
+            <a:r>
+              <a:rPr b="0" lang="en-US" sz="4400" spc="-1" strike="noStrike">
+                <a:latin typeface="Arial"/>
               </a:rPr>
               <a:t>Click to edit the title text format</a:t>
             </a:r>
-            <a:endParaRPr b="0" lang="el-GR" sz="1800" spc="-1" strike="noStrike">
-              <a:solidFill>
-                <a:srgbClr val="000000"/>
-              </a:solidFill>
-              <a:latin typeface="Calibri"/>
+            <a:endParaRPr b="0" lang="en-US" sz="4400" spc="-1" strike="noStrike">
+              <a:latin typeface="Arial"/>
             </a:endParaRPr>
           </a:p>
         </p:txBody>
@@ -5920,9 +5246,6 @@
           </a:bodyPr>
           <a:p>
             <a:pPr marL="432000" indent="-324000">
-              <a:lnSpc>
-                <a:spcPct val="90000"/>
-              </a:lnSpc>
               <a:spcBef>
                 <a:spcPts val="1417"/>
               </a:spcBef>
@@ -5934,26 +5257,17 @@
               <a:buChar char=""/>
             </a:pPr>
             <a:r>
-              <a:rPr b="0" lang="el-GR" sz="2800" spc="-1" strike="noStrike">
-                <a:solidFill>
-                  <a:srgbClr val="000000"/>
-                </a:solidFill>
-                <a:latin typeface="Calibri"/>
+              <a:rPr b="0" lang="en-US" sz="3200" spc="-1" strike="noStrike">
+                <a:latin typeface="Arial"/>
               </a:rPr>
               <a:t>Click to edit the outline text format</a:t>
             </a:r>
-            <a:endParaRPr b="0" lang="el-GR" sz="2800" spc="-1" strike="noStrike">
-              <a:solidFill>
-                <a:srgbClr val="000000"/>
-              </a:solidFill>
-              <a:latin typeface="Calibri"/>
+            <a:endParaRPr b="0" lang="en-US" sz="3200" spc="-1" strike="noStrike">
+              <a:latin typeface="Arial"/>
             </a:endParaRPr>
           </a:p>
           <a:p>
             <a:pPr lvl="1" marL="864000" indent="-324000">
-              <a:lnSpc>
-                <a:spcPct val="90000"/>
-              </a:lnSpc>
               <a:spcBef>
                 <a:spcPts val="1134"/>
               </a:spcBef>
@@ -5965,26 +5279,17 @@
               <a:buChar char=""/>
             </a:pPr>
             <a:r>
-              <a:rPr b="0" lang="el-GR" sz="2000" spc="-1" strike="noStrike">
-                <a:solidFill>
-                  <a:srgbClr val="000000"/>
-                </a:solidFill>
-                <a:latin typeface="Calibri"/>
+              <a:rPr b="0" lang="en-US" sz="2800" spc="-1" strike="noStrike">
+                <a:latin typeface="Arial"/>
               </a:rPr>
               <a:t>Second Outline Level</a:t>
             </a:r>
-            <a:endParaRPr b="0" lang="el-GR" sz="2000" spc="-1" strike="noStrike">
-              <a:solidFill>
-                <a:srgbClr val="000000"/>
-              </a:solidFill>
-              <a:latin typeface="Calibri"/>
+            <a:endParaRPr b="0" lang="en-US" sz="2800" spc="-1" strike="noStrike">
+              <a:latin typeface="Arial"/>
             </a:endParaRPr>
           </a:p>
           <a:p>
             <a:pPr lvl="2" marL="1296000" indent="-288000">
-              <a:lnSpc>
-                <a:spcPct val="90000"/>
-              </a:lnSpc>
               <a:spcBef>
                 <a:spcPts val="850"/>
               </a:spcBef>
@@ -5996,26 +5301,17 @@
               <a:buChar char=""/>
             </a:pPr>
             <a:r>
-              <a:rPr b="0" lang="el-GR" sz="1800" spc="-1" strike="noStrike">
-                <a:solidFill>
-                  <a:srgbClr val="000000"/>
-                </a:solidFill>
-                <a:latin typeface="Calibri"/>
+              <a:rPr b="0" lang="en-US" sz="2400" spc="-1" strike="noStrike">
+                <a:latin typeface="Arial"/>
               </a:rPr>
               <a:t>Third Outline Level</a:t>
             </a:r>
-            <a:endParaRPr b="0" lang="el-GR" sz="1800" spc="-1" strike="noStrike">
-              <a:solidFill>
-                <a:srgbClr val="000000"/>
-              </a:solidFill>
-              <a:latin typeface="Calibri"/>
+            <a:endParaRPr b="0" lang="en-US" sz="2400" spc="-1" strike="noStrike">
+              <a:latin typeface="Arial"/>
             </a:endParaRPr>
           </a:p>
           <a:p>
             <a:pPr lvl="3" marL="1728000" indent="-216000">
-              <a:lnSpc>
-                <a:spcPct val="90000"/>
-              </a:lnSpc>
               <a:spcBef>
                 <a:spcPts val="567"/>
               </a:spcBef>
@@ -6027,26 +5323,17 @@
               <a:buChar char=""/>
             </a:pPr>
             <a:r>
-              <a:rPr b="0" lang="el-GR" sz="1800" spc="-1" strike="noStrike">
-                <a:solidFill>
-                  <a:srgbClr val="000000"/>
-                </a:solidFill>
-                <a:latin typeface="Calibri"/>
+              <a:rPr b="0" lang="en-US" sz="2000" spc="-1" strike="noStrike">
+                <a:latin typeface="Arial"/>
               </a:rPr>
               <a:t>Fourth Outline Level</a:t>
             </a:r>
-            <a:endParaRPr b="0" lang="el-GR" sz="1800" spc="-1" strike="noStrike">
-              <a:solidFill>
-                <a:srgbClr val="000000"/>
-              </a:solidFill>
-              <a:latin typeface="Calibri"/>
+            <a:endParaRPr b="0" lang="en-US" sz="2000" spc="-1" strike="noStrike">
+              <a:latin typeface="Arial"/>
             </a:endParaRPr>
           </a:p>
           <a:p>
             <a:pPr lvl="4" marL="2160000" indent="-216000">
-              <a:lnSpc>
-                <a:spcPct val="90000"/>
-              </a:lnSpc>
               <a:spcBef>
                 <a:spcPts val="283"/>
               </a:spcBef>
@@ -6058,26 +5345,17 @@
               <a:buChar char=""/>
             </a:pPr>
             <a:r>
-              <a:rPr b="0" lang="el-GR" sz="2000" spc="-1" strike="noStrike">
-                <a:solidFill>
-                  <a:srgbClr val="000000"/>
-                </a:solidFill>
-                <a:latin typeface="Calibri"/>
+              <a:rPr b="0" lang="en-US" sz="2000" spc="-1" strike="noStrike">
+                <a:latin typeface="Arial"/>
               </a:rPr>
               <a:t>Fifth Outline Level</a:t>
             </a:r>
-            <a:endParaRPr b="0" lang="el-GR" sz="2000" spc="-1" strike="noStrike">
-              <a:solidFill>
-                <a:srgbClr val="000000"/>
-              </a:solidFill>
-              <a:latin typeface="Calibri"/>
+            <a:endParaRPr b="0" lang="en-US" sz="2000" spc="-1" strike="noStrike">
+              <a:latin typeface="Arial"/>
             </a:endParaRPr>
           </a:p>
           <a:p>
             <a:pPr lvl="5" marL="2592000" indent="-216000">
-              <a:lnSpc>
-                <a:spcPct val="90000"/>
-              </a:lnSpc>
               <a:spcBef>
                 <a:spcPts val="283"/>
               </a:spcBef>
@@ -6089,26 +5367,17 @@
               <a:buChar char=""/>
             </a:pPr>
             <a:r>
-              <a:rPr b="0" lang="el-GR" sz="2000" spc="-1" strike="noStrike">
-                <a:solidFill>
-                  <a:srgbClr val="000000"/>
-                </a:solidFill>
-                <a:latin typeface="Calibri"/>
+              <a:rPr b="0" lang="en-US" sz="2000" spc="-1" strike="noStrike">
+                <a:latin typeface="Arial"/>
               </a:rPr>
               <a:t>Sixth Outline Level</a:t>
             </a:r>
-            <a:endParaRPr b="0" lang="el-GR" sz="2000" spc="-1" strike="noStrike">
-              <a:solidFill>
-                <a:srgbClr val="000000"/>
-              </a:solidFill>
-              <a:latin typeface="Calibri"/>
+            <a:endParaRPr b="0" lang="en-US" sz="2000" spc="-1" strike="noStrike">
+              <a:latin typeface="Arial"/>
             </a:endParaRPr>
           </a:p>
           <a:p>
             <a:pPr lvl="6" marL="3024000" indent="-216000">
-              <a:lnSpc>
-                <a:spcPct val="90000"/>
-              </a:lnSpc>
               <a:spcBef>
                 <a:spcPts val="283"/>
               </a:spcBef>
@@ -6120,19 +5389,13 @@
               <a:buChar char=""/>
             </a:pPr>
             <a:r>
-              <a:rPr b="0" lang="el-GR" sz="2000" spc="-1" strike="noStrike">
-                <a:solidFill>
-                  <a:srgbClr val="000000"/>
-                </a:solidFill>
-                <a:latin typeface="Calibri"/>
+              <a:rPr b="0" lang="en-US" sz="2000" spc="-1" strike="noStrike">
+                <a:latin typeface="Arial"/>
               </a:rPr>
               <a:t>Seventh Outline Level</a:t>
             </a:r>
-            <a:endParaRPr b="0" lang="el-GR" sz="2000" spc="-1" strike="noStrike">
-              <a:solidFill>
-                <a:srgbClr val="000000"/>
-              </a:solidFill>
-              <a:latin typeface="Calibri"/>
+            <a:endParaRPr b="0" lang="en-US" sz="2000" spc="-1" strike="noStrike">
+              <a:latin typeface="Arial"/>
             </a:endParaRPr>
           </a:p>
         </p:txBody>
@@ -6183,9 +5446,9 @@
         <p:grpSpPr>
           <a:xfrm>
             <a:off x="3413880" y="2232000"/>
-            <a:ext cx="5363640" cy="2394000"/>
+            <a:ext cx="5363280" cy="2393640"/>
             <a:chOff x="3413880" y="2232000"/>
-            <a:chExt cx="5363640" cy="2394000"/>
+            <a:chExt cx="5363280" cy="2393640"/>
           </a:xfrm>
         </p:grpSpPr>
         <p:pic>
@@ -6202,7 +5465,7 @@
           <p:spPr>
             <a:xfrm>
               <a:off x="3413880" y="2232000"/>
-              <a:ext cx="1893960" cy="2394000"/>
+              <a:ext cx="1893600" cy="2393640"/>
             </a:xfrm>
             <a:prstGeom prst="rect">
               <a:avLst/>
@@ -6221,7 +5484,7 @@
           <p:spPr>
             <a:xfrm>
               <a:off x="5592960" y="2232000"/>
-              <a:ext cx="3184560" cy="2284200"/>
+              <a:ext cx="3184200" cy="2284200"/>
             </a:xfrm>
             <a:prstGeom prst="rect">
               <a:avLst/>
@@ -6254,6 +5517,7 @@
                     <a:srgbClr val="000000"/>
                   </a:solidFill>
                   <a:latin typeface="Arial Black"/>
+                  <a:ea typeface="DejaVu Sans"/>
                 </a:rPr>
                 <a:t>Democritus </a:t>
               </a:r>
@@ -6274,6 +5538,7 @@
                     <a:srgbClr val="000000"/>
                   </a:solidFill>
                   <a:latin typeface="Arial Black"/>
+                  <a:ea typeface="DejaVu Sans"/>
                 </a:rPr>
                 <a:t>University </a:t>
               </a:r>
@@ -6294,6 +5559,7 @@
                     <a:srgbClr val="000000"/>
                   </a:solidFill>
                   <a:latin typeface="Arial Black"/>
+                  <a:ea typeface="DejaVu Sans"/>
                 </a:rPr>
                 <a:t>Of</a:t>
               </a:r>
@@ -6314,6 +5580,7 @@
                     <a:srgbClr val="000000"/>
                   </a:solidFill>
                   <a:latin typeface="Arial Black"/>
+                  <a:ea typeface="DejaVu Sans"/>
                 </a:rPr>
                 <a:t>Thrace</a:t>
               </a:r>
@@ -6363,7 +5630,7 @@
         <p:spPr>
           <a:xfrm>
             <a:off x="4501080" y="1563120"/>
-            <a:ext cx="7193520" cy="4204440"/>
+            <a:ext cx="7193160" cy="4204440"/>
           </a:xfrm>
           <a:prstGeom prst="rect">
             <a:avLst/>
@@ -6396,6 +5663,7 @@
                   <a:srgbClr val="000000"/>
                 </a:solidFill>
                 <a:latin typeface="Arial"/>
+                <a:ea typeface="DejaVu Sans"/>
               </a:rPr>
               <a:t>We created a working keystroke injection tool, commonly referred to as a BadUSB. </a:t>
             </a:r>
@@ -6416,6 +5684,7 @@
                   <a:srgbClr val="000000"/>
                 </a:solidFill>
                 <a:latin typeface="Arial"/>
+                <a:ea typeface="DejaVu Sans"/>
               </a:rPr>
               <a:t>Similar in functionality to the well-known USB Rubber Ducky by Hak5, it offers extensive capabilities at a lower cost and is fully open-source. </a:t>
             </a:r>
@@ -6436,6 +5705,7 @@
                   <a:srgbClr val="000000"/>
                 </a:solidFill>
                 <a:latin typeface="Arial"/>
+                <a:ea typeface="DejaVu Sans"/>
               </a:rPr>
               <a:t>Despite resembling a standard USB flash drive, it functions as a keyboard that executes a preprogrammed payload.</a:t>
             </a:r>
@@ -6456,6 +5726,7 @@
                   <a:srgbClr val="000000"/>
                 </a:solidFill>
                 <a:latin typeface="Arial"/>
+                <a:ea typeface="DejaVu Sans"/>
               </a:rPr>
               <a:t>These types of devices, recognized as </a:t>
             </a:r>
@@ -6465,6 +5736,7 @@
                   <a:srgbClr val="000000"/>
                 </a:solidFill>
                 <a:latin typeface="Arial"/>
+                <a:ea typeface="DejaVu Sans"/>
               </a:rPr>
               <a:t>Human Interface Devices (HIDs)</a:t>
             </a:r>
@@ -6474,6 +5746,7 @@
                   <a:srgbClr val="000000"/>
                 </a:solidFill>
                 <a:latin typeface="Arial"/>
+                <a:ea typeface="DejaVu Sans"/>
               </a:rPr>
               <a:t> by computers, are generally trusted by all systems without raising security flags. </a:t>
             </a:r>
@@ -6494,6 +5767,7 @@
                   <a:srgbClr val="000000"/>
                 </a:solidFill>
                 <a:latin typeface="Arial"/>
+                <a:ea typeface="DejaVu Sans"/>
               </a:rPr>
               <a:t>The payload can perform a range of tasks, from configuring network settings to installing a reverse shell, replicating the actions of an administrator in a terminal, but in just seconds. </a:t>
             </a:r>
@@ -6514,6 +5788,7 @@
                   <a:srgbClr val="000000"/>
                 </a:solidFill>
                 <a:latin typeface="Arial"/>
+                <a:ea typeface="DejaVu Sans"/>
               </a:rPr>
               <a:t>This makes the device a powerful tool for automating system administration tasks and an essential asset in penetration testing.</a:t>
             </a:r>
@@ -6532,7 +5807,7 @@
         <p:spPr>
           <a:xfrm>
             <a:off x="3819600" y="402480"/>
-            <a:ext cx="4484880" cy="638280"/>
+            <a:ext cx="4484520" cy="638280"/>
           </a:xfrm>
           <a:prstGeom prst="rect">
             <a:avLst/>
@@ -6565,6 +5840,7 @@
                   <a:srgbClr val="000000"/>
                 </a:solidFill>
                 <a:latin typeface="Calibri"/>
+                <a:ea typeface="DejaVu Sans"/>
               </a:rPr>
               <a:t>BadUSB (rubber ducky)</a:t>
             </a:r>
@@ -6586,8 +5862,8 @@
         </p:blipFill>
         <p:spPr>
           <a:xfrm rot="10800000">
-            <a:off x="1153080" y="1658160"/>
-            <a:ext cx="2648880" cy="3983400"/>
+            <a:off x="1153440" y="1658520"/>
+            <a:ext cx="2648520" cy="3983040"/>
           </a:xfrm>
           <a:prstGeom prst="rect">
             <a:avLst/>
@@ -6641,7 +5917,7 @@
         <p:spPr>
           <a:xfrm>
             <a:off x="1273320" y="1141200"/>
-            <a:ext cx="3049200" cy="3253320"/>
+            <a:ext cx="3048840" cy="3252960"/>
           </a:xfrm>
           <a:prstGeom prst="rect">
             <a:avLst/>
@@ -6660,7 +5936,7 @@
         <p:spPr>
           <a:xfrm>
             <a:off x="5205240" y="1582200"/>
-            <a:ext cx="6096240" cy="3655800"/>
+            <a:ext cx="6095880" cy="3655800"/>
           </a:xfrm>
           <a:prstGeom prst="rect">
             <a:avLst/>
@@ -6693,6 +5969,7 @@
                   <a:srgbClr val="000000"/>
                 </a:solidFill>
                 <a:latin typeface="Calibri"/>
+                <a:ea typeface="DejaVu Sans"/>
               </a:rPr>
               <a:t>This keystroke injection device operates using an </a:t>
             </a:r>
@@ -6702,6 +5979,7 @@
                   <a:srgbClr val="000000"/>
                 </a:solidFill>
                 <a:latin typeface="Calibri"/>
+                <a:ea typeface="DejaVu Sans"/>
               </a:rPr>
               <a:t>STM32F072C8T6 microcontroller</a:t>
             </a:r>
@@ -6711,6 +5989,7 @@
                   <a:srgbClr val="000000"/>
                 </a:solidFill>
                 <a:latin typeface="Calibri"/>
+                <a:ea typeface="DejaVu Sans"/>
               </a:rPr>
               <a:t> along with a flash memory chip that emulates a mass storage device. </a:t>
             </a:r>
@@ -6735,6 +6014,7 @@
                   <a:srgbClr val="000000"/>
                 </a:solidFill>
                 <a:latin typeface="Calibri"/>
+                <a:ea typeface="DejaVu Sans"/>
               </a:rPr>
               <a:t>When the device is connected to a computer, the microcontroller boots and searches the FAT32-formatted storage (open-source) for a specific file containing the preprogrammed payload. </a:t>
             </a:r>
@@ -6759,6 +6039,7 @@
                   <a:srgbClr val="000000"/>
                 </a:solidFill>
                 <a:latin typeface="Calibri"/>
+                <a:ea typeface="DejaVu Sans"/>
               </a:rPr>
               <a:t>Once the file is located, the microcontroller decodes the instructions into simulated keyboard presses and mouse movements. </a:t>
             </a:r>
@@ -6783,6 +6064,7 @@
                   <a:srgbClr val="000000"/>
                 </a:solidFill>
                 <a:latin typeface="Calibri"/>
+                <a:ea typeface="DejaVu Sans"/>
               </a:rPr>
               <a:t>This allows the device to automate complex tasks by mimicking human input, making it a highly efficient tool for executing scripted commands quickly, reliably and covertly.</a:t>
             </a:r>
@@ -6835,7 +6117,7 @@
         <p:spPr>
           <a:xfrm>
             <a:off x="2436840" y="345240"/>
-            <a:ext cx="7569720" cy="5909400"/>
+            <a:ext cx="7569360" cy="5909040"/>
           </a:xfrm>
           <a:prstGeom prst="rect">
             <a:avLst/>
@@ -6884,7 +6166,7 @@
         <p:spPr>
           <a:xfrm>
             <a:off x="4343400" y="970560"/>
-            <a:ext cx="3200400" cy="577800"/>
+            <a:ext cx="3200040" cy="577080"/>
           </a:xfrm>
           <a:prstGeom prst="rect">
             <a:avLst/>
@@ -6917,6 +6199,7 @@
                   <a:srgbClr val="000000"/>
                 </a:solidFill>
                 <a:latin typeface="Segoe UI Variable Display Semib"/>
+                <a:ea typeface="DejaVu Sans"/>
               </a:rPr>
               <a:t>We used AI to:</a:t>
             </a:r>
@@ -6939,7 +6222,7 @@
         <p:spPr>
           <a:xfrm>
             <a:off x="1143000" y="2104920"/>
-            <a:ext cx="9171000" cy="4067280"/>
+            <a:ext cx="9170640" cy="4066920"/>
           </a:xfrm>
           <a:prstGeom prst="rect">
             <a:avLst/>
@@ -6988,9 +6271,9 @@
         <p:grpSpPr>
           <a:xfrm>
             <a:off x="1606680" y="-43920"/>
-            <a:ext cx="8908920" cy="6216120"/>
+            <a:ext cx="8908560" cy="6216120"/>
             <a:chOff x="1606680" y="-43920"/>
-            <a:chExt cx="8908920" cy="6216120"/>
+            <a:chExt cx="8908560" cy="6216120"/>
           </a:xfrm>
         </p:grpSpPr>
         <p:sp>
@@ -7002,7 +6285,7 @@
           <p:spPr>
             <a:xfrm>
               <a:off x="1606680" y="4204800"/>
-              <a:ext cx="8908920" cy="1083240"/>
+              <a:ext cx="8908560" cy="1083240"/>
             </a:xfrm>
             <a:prstGeom prst="rect">
               <a:avLst/>
@@ -7041,6 +6324,7 @@
                     <a:srgbClr val="44546a"/>
                   </a:solidFill>
                   <a:latin typeface="Open Sans Light"/>
+                  <a:ea typeface="DejaVu Sans"/>
                 </a:rPr>
                 <a:t>Stealthy Logic: Keyboard Injection to Verilog State Machine Trojan for Conditional DoS</a:t>
               </a:r>
@@ -7059,7 +6343,7 @@
           <p:spPr>
             <a:xfrm>
               <a:off x="2111040" y="-43920"/>
-              <a:ext cx="7899840" cy="6216120"/>
+              <a:ext cx="7899480" cy="6216120"/>
             </a:xfrm>
             <a:prstGeom prst="rect">
               <a:avLst/>
@@ -7195,7 +6479,7 @@
         <p:spPr>
           <a:xfrm>
             <a:off x="751320" y="2129040"/>
-            <a:ext cx="4327560" cy="3381480"/>
+            <a:ext cx="4327200" cy="3381480"/>
           </a:xfrm>
           <a:prstGeom prst="rect">
             <a:avLst/>
@@ -7228,6 +6512,7 @@
                   <a:srgbClr val="000000"/>
                 </a:solidFill>
                 <a:latin typeface="Calibri"/>
+                <a:ea typeface="DejaVu Sans"/>
               </a:rPr>
               <a:t>DoS Attack Conditions</a:t>
             </a:r>
@@ -7237,6 +6522,7 @@
                   <a:srgbClr val="000000"/>
                 </a:solidFill>
                 <a:latin typeface="Calibri"/>
+                <a:ea typeface="DejaVu Sans"/>
               </a:rPr>
               <a:t>:</a:t>
             </a:r>
@@ -7261,6 +6547,7 @@
                   <a:srgbClr val="000000"/>
                 </a:solidFill>
                 <a:latin typeface="Calibri"/>
+                <a:ea typeface="DejaVu Sans"/>
               </a:rPr>
               <a:t>State Machine Insertion</a:t>
             </a:r>
@@ -7270,6 +6557,7 @@
                   <a:srgbClr val="000000"/>
                 </a:solidFill>
                 <a:latin typeface="Calibri"/>
+                <a:ea typeface="DejaVu Sans"/>
               </a:rPr>
               <a:t>: The modified Verilog code includes a state machine that monitors for specific conditions (e.g., receiving a certain bit pattern over UART).</a:t>
             </a:r>
@@ -7294,6 +6582,7 @@
                   <a:srgbClr val="000000"/>
                 </a:solidFill>
                 <a:latin typeface="Calibri"/>
+                <a:ea typeface="DejaVu Sans"/>
               </a:rPr>
               <a:t>DoS Trigger</a:t>
             </a:r>
@@ -7303,6 +6592,7 @@
                   <a:srgbClr val="000000"/>
                 </a:solidFill>
                 <a:latin typeface="Calibri"/>
+                <a:ea typeface="DejaVu Sans"/>
               </a:rPr>
               <a:t>: Once the condition is met, the state machine causes the hardware to enter a malfunctioning or infinite loop state, effectively creating a denial-of-service condition.</a:t>
             </a:r>
@@ -7321,7 +6611,7 @@
         <p:spPr>
           <a:xfrm>
             <a:off x="2915640" y="727920"/>
-            <a:ext cx="6096240" cy="1064520"/>
+            <a:ext cx="6095880" cy="1064520"/>
           </a:xfrm>
           <a:prstGeom prst="rect">
             <a:avLst/>
@@ -7354,6 +6644,7 @@
                   <a:srgbClr val="000000"/>
                 </a:solidFill>
                 <a:latin typeface="Segoe UI Variable Display Semib"/>
+                <a:ea typeface="DejaVu Sans"/>
               </a:rPr>
               <a:t>Execution Flow and DoS Trigger</a:t>
             </a:r>
@@ -7371,8 +6662,8 @@
         </p:nvSpPr>
         <p:spPr>
           <a:xfrm>
-            <a:off x="5486400" y="4800600"/>
-            <a:ext cx="5499000" cy="1738080"/>
+            <a:off x="5486400" y="4801680"/>
+            <a:ext cx="5498640" cy="1735200"/>
           </a:xfrm>
           <a:prstGeom prst="rect">
             <a:avLst/>
@@ -7389,52 +6680,49 @@
           <a:fontRef idx="minor"/>
         </p:style>
         <p:txBody>
-          <a:bodyPr numCol="1" spcCol="0" anchor="ctr">
+          <a:bodyPr numCol="1" spcCol="0" lIns="90000" rIns="90000" tIns="45000" bIns="45000" anchor="ctr">
             <a:spAutoFit/>
           </a:bodyPr>
           <a:p>
             <a:pPr>
+              <a:lnSpc>
+                <a:spcPct val="100000"/>
+              </a:lnSpc>
+              <a:buNone/>
+            </a:pPr>
+            <a:endParaRPr b="0" lang="en-US" sz="1800" spc="-1" strike="noStrike">
+              <a:latin typeface="Arial"/>
+            </a:endParaRPr>
+          </a:p>
+          <a:p>
+            <a:pPr>
+              <a:lnSpc>
+                <a:spcPct val="100000"/>
+              </a:lnSpc>
+              <a:buNone/>
+            </a:pPr>
+            <a:endParaRPr b="0" lang="en-US" sz="1800" spc="-1" strike="noStrike">
+              <a:latin typeface="Arial"/>
+            </a:endParaRPr>
+          </a:p>
+          <a:p>
+            <a:pPr marL="216000" indent="-216000">
               <a:lnSpc>
                 <a:spcPct val="100000"/>
               </a:lnSpc>
               <a:buClr>
                 <a:srgbClr val="000000"/>
               </a:buClr>
-              <a:buFont typeface="Symbol" charset="2"/>
+              <a:buFont typeface="Symbol"/>
               <a:buChar char=""/>
             </a:pPr>
-            <a:endParaRPr b="0" lang="en-US" sz="1800" spc="-1" strike="noStrike">
-              <a:latin typeface="Arial"/>
-            </a:endParaRPr>
-          </a:p>
-          <a:p>
-            <a:pPr>
-              <a:lnSpc>
-                <a:spcPct val="100000"/>
-              </a:lnSpc>
-              <a:buNone/>
-            </a:pPr>
-            <a:endParaRPr b="0" lang="en-US" sz="1800" spc="-1" strike="noStrike">
-              <a:latin typeface="Arial"/>
-            </a:endParaRPr>
-          </a:p>
-          <a:p>
-            <a:pPr>
-              <a:lnSpc>
-                <a:spcPct val="100000"/>
-              </a:lnSpc>
-              <a:buClr>
-                <a:srgbClr val="000000"/>
-              </a:buClr>
-              <a:buFont typeface="Symbol" charset="2"/>
-              <a:buChar char=""/>
-            </a:pPr>
             <a:r>
               <a:rPr b="1" lang="el-GR" sz="1800" spc="-1" strike="noStrike">
                 <a:solidFill>
                   <a:srgbClr val="000000"/>
                 </a:solidFill>
                 <a:latin typeface="Arial"/>
+                <a:ea typeface="DejaVu Sans"/>
               </a:rPr>
               <a:t>Key Result</a:t>
             </a:r>
@@ -7444,6 +6732,7 @@
                   <a:srgbClr val="000000"/>
                 </a:solidFill>
                 <a:latin typeface="Arial"/>
+                <a:ea typeface="DejaVu Sans"/>
               </a:rPr>
               <a:t>: Hardware becomes unresponsive or malfunctions under specific inputs.</a:t>
             </a:r>
@@ -7494,7 +6783,7 @@
         <p:spPr>
           <a:xfrm>
             <a:off x="6172200" y="1828800"/>
-            <a:ext cx="3684600" cy="3429000"/>
+            <a:ext cx="3684240" cy="3428640"/>
           </a:xfrm>
           <a:prstGeom prst="rect">
             <a:avLst/>
@@ -7543,7 +6832,7 @@
         <p:spPr>
           <a:xfrm>
             <a:off x="3047760" y="1371600"/>
-            <a:ext cx="6096240" cy="577800"/>
+            <a:ext cx="6095880" cy="577080"/>
           </a:xfrm>
           <a:prstGeom prst="rect">
             <a:avLst/>
@@ -7576,6 +6865,7 @@
                   <a:srgbClr val="000000"/>
                 </a:solidFill>
                 <a:latin typeface="Segoe UI Variable Display Semib"/>
+                <a:ea typeface="DejaVu Sans"/>
               </a:rPr>
               <a:t>AXI stream UART peripheral</a:t>
             </a:r>
@@ -7594,7 +6884,7 @@
         <p:spPr>
           <a:xfrm>
             <a:off x="4419360" y="2089080"/>
-            <a:ext cx="2667240" cy="425520"/>
+            <a:ext cx="2666880" cy="424800"/>
           </a:xfrm>
           <a:prstGeom prst="rect">
             <a:avLst/>
@@ -7627,6 +6917,7 @@
                   <a:srgbClr val="000000"/>
                 </a:solidFill>
                 <a:latin typeface="Segoe UI Variable Display Semib"/>
+                <a:ea typeface="DejaVu Sans"/>
               </a:rPr>
               <a:t>Normal Operation</a:t>
             </a:r>
@@ -7649,7 +6940,7 @@
         <p:spPr>
           <a:xfrm>
             <a:off x="457200" y="2948760"/>
-            <a:ext cx="11201400" cy="2080440"/>
+            <a:ext cx="11201040" cy="2080080"/>
           </a:xfrm>
           <a:prstGeom prst="rect">
             <a:avLst/>
@@ -7698,7 +6989,7 @@
         <p:spPr>
           <a:xfrm>
             <a:off x="3047760" y="1371600"/>
-            <a:ext cx="6096240" cy="577800"/>
+            <a:ext cx="6095880" cy="577080"/>
           </a:xfrm>
           <a:prstGeom prst="rect">
             <a:avLst/>
@@ -7731,6 +7022,7 @@
                   <a:srgbClr val="000000"/>
                 </a:solidFill>
                 <a:latin typeface="Segoe UI Variable Display Semib"/>
+                <a:ea typeface="DejaVu Sans"/>
               </a:rPr>
               <a:t>AXI stream UART peripheral</a:t>
             </a:r>
@@ -7749,7 +7041,7 @@
         <p:spPr>
           <a:xfrm>
             <a:off x="4419360" y="2089080"/>
-            <a:ext cx="3124440" cy="425520"/>
+            <a:ext cx="3124080" cy="424800"/>
           </a:xfrm>
           <a:prstGeom prst="rect">
             <a:avLst/>
@@ -7782,13 +7074,11 @@
                   <a:srgbClr val="c9211e"/>
                 </a:solidFill>
                 <a:latin typeface="Segoe UI Variable Display Semib"/>
+                <a:ea typeface="DejaVu Sans"/>
               </a:rPr>
               <a:t>Infected Hardware</a:t>
             </a:r>
             <a:endParaRPr b="0" lang="en-US" sz="2200" spc="-1" strike="noStrike">
-              <a:solidFill>
-                <a:srgbClr val="c9211e"/>
-              </a:solidFill>
               <a:latin typeface="Arial"/>
             </a:endParaRPr>
           </a:p>
@@ -7806,8 +7096,8 @@
         </p:blipFill>
         <p:spPr>
           <a:xfrm>
-            <a:off x="457200" y="2948760"/>
-            <a:ext cx="11201400" cy="2080440"/>
+            <a:off x="-85320" y="2848680"/>
+            <a:ext cx="12191760" cy="3679920"/>
           </a:xfrm>
           <a:prstGeom prst="rect">
             <a:avLst/>
@@ -7856,7 +7146,7 @@
         <p:spPr>
           <a:xfrm>
             <a:off x="640800" y="2086200"/>
-            <a:ext cx="4044600" cy="2009880"/>
+            <a:ext cx="4044240" cy="2009880"/>
           </a:xfrm>
           <a:prstGeom prst="rect">
             <a:avLst/>
@@ -7877,7 +7167,7 @@
             <a:spAutoFit/>
           </a:bodyPr>
           <a:p>
-            <a:pPr indent="-216000">
+            <a:pPr marL="216000" indent="-216000">
               <a:lnSpc>
                 <a:spcPct val="100000"/>
               </a:lnSpc>
@@ -7893,6 +7183,7 @@
                   <a:srgbClr val="000000"/>
                 </a:solidFill>
                 <a:latin typeface="Calibri"/>
+                <a:ea typeface="DejaVu Sans"/>
               </a:rPr>
               <a:t>Goal</a:t>
             </a:r>
@@ -7902,6 +7193,7 @@
                   <a:srgbClr val="000000"/>
                 </a:solidFill>
                 <a:latin typeface="Calibri"/>
+                <a:ea typeface="DejaVu Sans"/>
               </a:rPr>
               <a:t>: Insert a software trojan via a BadUSB device (keyboard injection) to modify a hardware design and execute a Denial-of-Service (DoS) attack.</a:t>
             </a:r>
@@ -7910,7 +7202,7 @@
             </a:endParaRPr>
           </a:p>
           <a:p>
-            <a:pPr indent="-216000">
+            <a:pPr marL="216000" indent="-216000">
               <a:lnSpc>
                 <a:spcPct val="100000"/>
               </a:lnSpc>
@@ -7926,6 +7218,7 @@
                   <a:srgbClr val="000000"/>
                 </a:solidFill>
                 <a:latin typeface="Calibri"/>
+                <a:ea typeface="DejaVu Sans"/>
               </a:rPr>
               <a:t>Target</a:t>
             </a:r>
@@ -7935,6 +7228,7 @@
                   <a:srgbClr val="000000"/>
                 </a:solidFill>
                 <a:latin typeface="Calibri"/>
+                <a:ea typeface="DejaVu Sans"/>
               </a:rPr>
               <a:t>: A Verilog-based open-source hardware design (e.g., OpenCores or OpenTitan).</a:t>
             </a:r>
@@ -7953,7 +7247,7 @@
         <p:spPr>
           <a:xfrm>
             <a:off x="5704200" y="1947600"/>
-            <a:ext cx="6096240" cy="2558520"/>
+            <a:ext cx="6095880" cy="2558520"/>
           </a:xfrm>
           <a:prstGeom prst="rect">
             <a:avLst/>
@@ -7986,6 +7280,7 @@
                   <a:srgbClr val="000000"/>
                 </a:solidFill>
                 <a:latin typeface="Calibri"/>
+                <a:ea typeface="DejaVu Sans"/>
               </a:rPr>
               <a:t>Key Attack Stages</a:t>
             </a:r>
@@ -7995,6 +7290,7 @@
                   <a:srgbClr val="000000"/>
                 </a:solidFill>
                 <a:latin typeface="Calibri"/>
+                <a:ea typeface="DejaVu Sans"/>
               </a:rPr>
               <a:t>:</a:t>
             </a:r>
@@ -8003,7 +7299,7 @@
             </a:endParaRPr>
           </a:p>
           <a:p>
-            <a:pPr indent="-216000">
+            <a:pPr marL="216000" indent="-216000">
               <a:lnSpc>
                 <a:spcPct val="100000"/>
               </a:lnSpc>
@@ -8019,6 +7315,7 @@
                   <a:srgbClr val="000000"/>
                 </a:solidFill>
                 <a:latin typeface="Calibri"/>
+                <a:ea typeface="DejaVu Sans"/>
               </a:rPr>
               <a:t>BadUSB Delivery</a:t>
             </a:r>
@@ -8028,6 +7325,7 @@
                   <a:srgbClr val="000000"/>
                 </a:solidFill>
                 <a:latin typeface="Calibri"/>
+                <a:ea typeface="DejaVu Sans"/>
               </a:rPr>
               <a:t>: The trojan is delivered through a BadUSB device, which injects a payload into the victim's system.</a:t>
             </a:r>
@@ -8036,7 +7334,7 @@
             </a:endParaRPr>
           </a:p>
           <a:p>
-            <a:pPr indent="-216000">
+            <a:pPr marL="216000" indent="-216000">
               <a:lnSpc>
                 <a:spcPct val="100000"/>
               </a:lnSpc>
@@ -8052,6 +7350,7 @@
                   <a:srgbClr val="000000"/>
                 </a:solidFill>
                 <a:latin typeface="Calibri"/>
+                <a:ea typeface="DejaVu Sans"/>
               </a:rPr>
               <a:t>Trojan Deployment</a:t>
             </a:r>
@@ -8061,6 +7360,7 @@
                   <a:srgbClr val="000000"/>
                 </a:solidFill>
                 <a:latin typeface="Calibri"/>
+                <a:ea typeface="DejaVu Sans"/>
               </a:rPr>
               <a:t>: The trojan searches for Verilog files related to the target hardware (UART perpheral).</a:t>
             </a:r>
@@ -8069,7 +7369,7 @@
             </a:endParaRPr>
           </a:p>
           <a:p>
-            <a:pPr indent="-216000">
+            <a:pPr marL="216000" indent="-216000">
               <a:lnSpc>
                 <a:spcPct val="100000"/>
               </a:lnSpc>
@@ -8085,6 +7385,7 @@
                   <a:srgbClr val="000000"/>
                 </a:solidFill>
                 <a:latin typeface="Calibri"/>
+                <a:ea typeface="DejaVu Sans"/>
               </a:rPr>
               <a:t>DoS Mechanism</a:t>
             </a:r>
@@ -8094,6 +7395,7 @@
                   <a:srgbClr val="000000"/>
                 </a:solidFill>
                 <a:latin typeface="Calibri"/>
+                <a:ea typeface="DejaVu Sans"/>
               </a:rPr>
               <a:t>: The trojan modifies the Verilog design, inserting a state machine that triggers a DoS attack when a specific condition is met (when a particular bit sequence in a UART transmission is detected).</a:t>
             </a:r>
@@ -8175,7 +7477,7 @@
         <p:spPr>
           <a:xfrm>
             <a:off x="1941120" y="2402640"/>
-            <a:ext cx="3137760" cy="1735560"/>
+            <a:ext cx="3137400" cy="2009880"/>
           </a:xfrm>
           <a:prstGeom prst="rect">
             <a:avLst/>
@@ -8196,14 +7498,14 @@
             <a:spAutoFit/>
           </a:bodyPr>
           <a:p>
-            <a:pPr>
+            <a:pPr marL="216000" indent="-216000">
               <a:lnSpc>
                 <a:spcPct val="100000"/>
               </a:lnSpc>
               <a:buClr>
                 <a:srgbClr val="000000"/>
               </a:buClr>
-              <a:buFont typeface="Symbol" charset="2"/>
+              <a:buFont typeface="Symbol"/>
               <a:buChar char=""/>
             </a:pPr>
             <a:r>
@@ -8212,6 +7514,7 @@
                   <a:srgbClr val="000000"/>
                 </a:solidFill>
                 <a:latin typeface="Arial"/>
+                <a:ea typeface="DejaVu Sans"/>
               </a:rPr>
               <a:t>Impact</a:t>
             </a:r>
@@ -8221,6 +7524,7 @@
                   <a:srgbClr val="000000"/>
                 </a:solidFill>
                 <a:latin typeface="Arial"/>
+                <a:ea typeface="DejaVu Sans"/>
               </a:rPr>
               <a:t>:</a:t>
             </a:r>
@@ -8229,14 +7533,14 @@
             </a:endParaRPr>
           </a:p>
           <a:p>
-            <a:pPr>
+            <a:pPr marL="216000" indent="-216000">
               <a:lnSpc>
                 <a:spcPct val="100000"/>
               </a:lnSpc>
               <a:buClr>
                 <a:srgbClr val="000000"/>
               </a:buClr>
-              <a:buFont typeface="Symbol" charset="2"/>
+              <a:buFont typeface="Symbol"/>
               <a:buChar char=""/>
             </a:pPr>
             <a:r>
@@ -8245,6 +7549,7 @@
                   <a:srgbClr val="000000"/>
                 </a:solidFill>
                 <a:latin typeface="Arial"/>
+                <a:ea typeface="DejaVu Sans"/>
               </a:rPr>
               <a:t>This type of attack can be subtle, hard to detect, and capable of crippling hardware functionality under specific, targeted conditions.</a:t>
             </a:r>
@@ -8263,7 +7568,7 @@
         <p:spPr>
           <a:xfrm>
             <a:off x="7112880" y="2125440"/>
-            <a:ext cx="4712760" cy="2009880"/>
+            <a:ext cx="4712400" cy="2284200"/>
           </a:xfrm>
           <a:prstGeom prst="rect">
             <a:avLst/>
@@ -8296,6 +7601,7 @@
                   <a:srgbClr val="000000"/>
                 </a:solidFill>
                 <a:latin typeface="Calibri"/>
+                <a:ea typeface="DejaVu Sans"/>
               </a:rPr>
               <a:t>Severity of the Vulnerability</a:t>
             </a:r>
@@ -8305,6 +7611,7 @@
                   <a:srgbClr val="000000"/>
                 </a:solidFill>
                 <a:latin typeface="Calibri"/>
+                <a:ea typeface="DejaVu Sans"/>
               </a:rPr>
               <a:t>:</a:t>
             </a:r>
@@ -8313,7 +7620,7 @@
             </a:endParaRPr>
           </a:p>
           <a:p>
-            <a:pPr indent="-216000">
+            <a:pPr marL="216000" indent="-216000">
               <a:lnSpc>
                 <a:spcPct val="100000"/>
               </a:lnSpc>
@@ -8329,6 +7636,7 @@
                   <a:srgbClr val="000000"/>
                 </a:solidFill>
                 <a:latin typeface="Calibri"/>
+                <a:ea typeface="DejaVu Sans"/>
               </a:rPr>
               <a:t>Insertion Phase</a:t>
             </a:r>
@@ -8338,6 +7646,7 @@
                   <a:srgbClr val="000000"/>
                 </a:solidFill>
                 <a:latin typeface="Calibri"/>
+                <a:ea typeface="DejaVu Sans"/>
               </a:rPr>
               <a:t>: Design stage</a:t>
             </a:r>
@@ -8346,7 +7655,7 @@
             </a:endParaRPr>
           </a:p>
           <a:p>
-            <a:pPr indent="-216000">
+            <a:pPr marL="216000" indent="-216000">
               <a:lnSpc>
                 <a:spcPct val="100000"/>
               </a:lnSpc>
@@ -8362,6 +7671,7 @@
                   <a:srgbClr val="000000"/>
                 </a:solidFill>
                 <a:latin typeface="Calibri"/>
+                <a:ea typeface="DejaVu Sans"/>
               </a:rPr>
               <a:t>Abstraction Level</a:t>
             </a:r>
@@ -8371,6 +7681,7 @@
                   <a:srgbClr val="000000"/>
                 </a:solidFill>
                 <a:latin typeface="Calibri"/>
+                <a:ea typeface="DejaVu Sans"/>
               </a:rPr>
               <a:t>: Register-transfer level (RTL)</a:t>
             </a:r>
@@ -8379,7 +7690,7 @@
             </a:endParaRPr>
           </a:p>
           <a:p>
-            <a:pPr indent="-216000">
+            <a:pPr marL="216000" indent="-216000">
               <a:lnSpc>
                 <a:spcPct val="100000"/>
               </a:lnSpc>
@@ -8395,6 +7706,7 @@
                   <a:srgbClr val="000000"/>
                 </a:solidFill>
                 <a:latin typeface="Calibri"/>
+                <a:ea typeface="DejaVu Sans"/>
               </a:rPr>
               <a:t>Activation Mechanism</a:t>
             </a:r>
@@ -8404,6 +7716,7 @@
                   <a:srgbClr val="000000"/>
                 </a:solidFill>
                 <a:latin typeface="Calibri"/>
+                <a:ea typeface="DejaVu Sans"/>
               </a:rPr>
               <a:t>: Conditionally triggered</a:t>
             </a:r>
@@ -8412,7 +7725,7 @@
             </a:endParaRPr>
           </a:p>
           <a:p>
-            <a:pPr indent="-216000">
+            <a:pPr marL="216000" indent="-216000">
               <a:lnSpc>
                 <a:spcPct val="100000"/>
               </a:lnSpc>
@@ -8428,6 +7741,7 @@
                   <a:srgbClr val="000000"/>
                 </a:solidFill>
                 <a:latin typeface="Calibri"/>
+                <a:ea typeface="DejaVu Sans"/>
               </a:rPr>
               <a:t>Functional Effects</a:t>
             </a:r>
@@ -8437,6 +7751,7 @@
                   <a:srgbClr val="000000"/>
                 </a:solidFill>
                 <a:latin typeface="Calibri"/>
+                <a:ea typeface="DejaVu Sans"/>
               </a:rPr>
               <a:t>: Causes a denial-of-service (DoS) attack</a:t>
             </a:r>
@@ -8445,7 +7760,7 @@
             </a:endParaRPr>
           </a:p>
           <a:p>
-            <a:pPr indent="-216000">
+            <a:pPr marL="216000" indent="-216000">
               <a:lnSpc>
                 <a:spcPct val="100000"/>
               </a:lnSpc>
@@ -8461,6 +7776,7 @@
                   <a:srgbClr val="000000"/>
                 </a:solidFill>
                 <a:latin typeface="Calibri"/>
+                <a:ea typeface="DejaVu Sans"/>
               </a:rPr>
               <a:t>Physical Characteristics</a:t>
             </a:r>
@@ -8470,6 +7786,7 @@
                   <a:srgbClr val="000000"/>
                 </a:solidFill>
                 <a:latin typeface="Calibri"/>
+                <a:ea typeface="DejaVu Sans"/>
               </a:rPr>
               <a:t>: Functional disruption</a:t>
             </a:r>
@@ -8488,7 +7805,7 @@
         <p:spPr>
           <a:xfrm>
             <a:off x="3429000" y="685800"/>
-            <a:ext cx="5827680" cy="577800"/>
+            <a:ext cx="5827320" cy="577080"/>
           </a:xfrm>
           <a:prstGeom prst="rect">
             <a:avLst/>
@@ -8521,6 +7838,7 @@
                   <a:srgbClr val="000000"/>
                 </a:solidFill>
                 <a:latin typeface="Segoe UI Variable Display Semib"/>
+                <a:ea typeface="DejaVu Sans"/>
               </a:rPr>
               <a:t>Impact and vuln. severity</a:t>
             </a:r>
@@ -8606,7 +7924,7 @@
         <p:spPr>
           <a:xfrm>
             <a:off x="3342960" y="1441440"/>
-            <a:ext cx="4970160" cy="1818720"/>
+            <a:ext cx="4969800" cy="1818360"/>
           </a:xfrm>
           <a:prstGeom prst="rect">
             <a:avLst/>
@@ -8625,7 +7943,7 @@
         <p:spPr>
           <a:xfrm>
             <a:off x="4211640" y="3705120"/>
-            <a:ext cx="3232800" cy="363960"/>
+            <a:ext cx="3232440" cy="363960"/>
           </a:xfrm>
           <a:prstGeom prst="rect">
             <a:avLst/>
@@ -8658,6 +7976,7 @@
                   <a:srgbClr val="000000"/>
                 </a:solidFill>
                 <a:latin typeface="Arial Black"/>
+                <a:ea typeface="DejaVu Sans"/>
               </a:rPr>
               <a:t>Team : SystemsGenesys</a:t>
             </a:r>
@@ -8676,7 +7995,7 @@
         <p:spPr>
           <a:xfrm>
             <a:off x="3616920" y="4362120"/>
-            <a:ext cx="4422240" cy="363960"/>
+            <a:ext cx="4421880" cy="363960"/>
           </a:xfrm>
           <a:prstGeom prst="rect">
             <a:avLst/>
@@ -8704,11 +8023,12 @@
               <a:buNone/>
             </a:pPr>
             <a:r>
-              <a:rPr b="0" lang="en-US" sz="1800" spc="299" strike="noStrike">
+              <a:rPr b="0" lang="en-US" sz="1800" spc="296" strike="noStrike">
                 <a:solidFill>
                   <a:srgbClr val="000000"/>
                 </a:solidFill>
                 <a:latin typeface="Calibri"/>
+                <a:ea typeface="DejaVu Sans"/>
               </a:rPr>
               <a:t>Mentor: Dr. Rantos Konstantinos</a:t>
             </a:r>
@@ -8727,7 +8047,7 @@
         <p:spPr>
           <a:xfrm>
             <a:off x="3777840" y="4824000"/>
-            <a:ext cx="4100400" cy="363960"/>
+            <a:ext cx="4100040" cy="363960"/>
           </a:xfrm>
           <a:prstGeom prst="rect">
             <a:avLst/>
@@ -8755,11 +8075,12 @@
               <a:buNone/>
             </a:pPr>
             <a:r>
-              <a:rPr b="0" lang="en-US" sz="1800" spc="299" strike="noStrike">
+              <a:rPr b="0" lang="en-US" sz="1800" spc="296" strike="noStrike">
                 <a:solidFill>
                   <a:srgbClr val="000000"/>
                 </a:solidFill>
                 <a:latin typeface="Calibri"/>
+                <a:ea typeface="DejaVu Sans"/>
               </a:rPr>
               <a:t>Member: Batzolis Eleftherios </a:t>
             </a:r>
@@ -8778,7 +8099,7 @@
         <p:spPr>
           <a:xfrm>
             <a:off x="1225440" y="5364360"/>
-            <a:ext cx="9740520" cy="638280"/>
+            <a:ext cx="9740160" cy="638280"/>
           </a:xfrm>
           <a:prstGeom prst="rect">
             <a:avLst/>
@@ -8811,6 +8132,7 @@
                   <a:srgbClr val="000000"/>
                 </a:solidFill>
                 <a:latin typeface="Calibri"/>
+                <a:ea typeface="DejaVu Sans"/>
               </a:rPr>
               <a:t>Projects:  1) Stealthy Logic: Keyboard Injection to Verilog State Machine Trojan for Conditional DoS</a:t>
             </a:r>
@@ -8831,6 +8153,7 @@
                   <a:srgbClr val="000000"/>
                 </a:solidFill>
                 <a:latin typeface="Calibri"/>
+                <a:ea typeface="DejaVu Sans"/>
               </a:rPr>
               <a:t>	</a:t>
             </a:r>
@@ -8840,6 +8163,7 @@
                   <a:srgbClr val="000000"/>
                 </a:solidFill>
                 <a:latin typeface="Calibri"/>
+                <a:ea typeface="DejaVu Sans"/>
               </a:rPr>
               <a:t>2) Cryptoleak: Subtle Timing Exploits for AES Key Extraction with Trojan Listeners</a:t>
             </a:r>
@@ -8888,9 +8212,9 @@
         <p:grpSpPr>
           <a:xfrm>
             <a:off x="1858320" y="580320"/>
-            <a:ext cx="8474760" cy="6216120"/>
+            <a:ext cx="8474400" cy="6216120"/>
             <a:chOff x="1858320" y="580320"/>
-            <a:chExt cx="8474760" cy="6216120"/>
+            <a:chExt cx="8474400" cy="6216120"/>
           </a:xfrm>
         </p:grpSpPr>
         <p:sp>
@@ -8902,7 +8226,7 @@
           <p:spPr>
             <a:xfrm>
               <a:off x="1858320" y="4644000"/>
-              <a:ext cx="8474760" cy="1083240"/>
+              <a:ext cx="8474400" cy="1083240"/>
             </a:xfrm>
             <a:prstGeom prst="rect">
               <a:avLst/>
@@ -8970,7 +8294,7 @@
           <p:spPr>
             <a:xfrm>
               <a:off x="2300760" y="580320"/>
-              <a:ext cx="7590240" cy="6216120"/>
+              <a:ext cx="7589880" cy="6216120"/>
             </a:xfrm>
             <a:prstGeom prst="rect">
               <a:avLst/>
@@ -9073,7 +8397,7 @@
         <p:spPr>
           <a:xfrm>
             <a:off x="1114200" y="2775960"/>
-            <a:ext cx="4044600" cy="1735560"/>
+            <a:ext cx="4044240" cy="1735560"/>
           </a:xfrm>
           <a:prstGeom prst="rect">
             <a:avLst/>
@@ -9094,7 +8418,7 @@
             <a:spAutoFit/>
           </a:bodyPr>
           <a:p>
-            <a:pPr indent="-216000">
+            <a:pPr marL="216000" indent="-216000">
               <a:lnSpc>
                 <a:spcPct val="100000"/>
               </a:lnSpc>
@@ -9110,6 +8434,7 @@
                   <a:srgbClr val="000000"/>
                 </a:solidFill>
                 <a:latin typeface="Calibri"/>
+                <a:ea typeface="DejaVu Sans"/>
               </a:rPr>
               <a:t>Goal</a:t>
             </a:r>
@@ -9119,6 +8444,7 @@
                   <a:srgbClr val="000000"/>
                 </a:solidFill>
                 <a:latin typeface="Calibri"/>
+                <a:ea typeface="DejaVu Sans"/>
               </a:rPr>
               <a:t>: Covertly exfiltrate AES encryption keys by modulating the clock signal in a hardware design.</a:t>
             </a:r>
@@ -9127,7 +8453,7 @@
             </a:endParaRPr>
           </a:p>
           <a:p>
-            <a:pPr indent="-216000">
+            <a:pPr marL="216000" indent="-216000">
               <a:lnSpc>
                 <a:spcPct val="100000"/>
               </a:lnSpc>
@@ -9143,6 +8469,7 @@
                   <a:srgbClr val="000000"/>
                 </a:solidFill>
                 <a:latin typeface="Calibri"/>
+                <a:ea typeface="DejaVu Sans"/>
               </a:rPr>
               <a:t>Target</a:t>
             </a:r>
@@ -9152,6 +8479,7 @@
                   <a:srgbClr val="000000"/>
                 </a:solidFill>
                 <a:latin typeface="Calibri"/>
+                <a:ea typeface="DejaVu Sans"/>
               </a:rPr>
               <a:t>: AES IP core integrated into a PC, where the AES key is leaked through clock signal variations.</a:t>
             </a:r>
@@ -9170,7 +8498,7 @@
         <p:spPr>
           <a:xfrm>
             <a:off x="6816240" y="1214640"/>
-            <a:ext cx="4734720" cy="5301720"/>
+            <a:ext cx="4734360" cy="5301720"/>
           </a:xfrm>
           <a:prstGeom prst="rect">
             <a:avLst/>
@@ -9203,6 +8531,7 @@
                   <a:srgbClr val="000000"/>
                 </a:solidFill>
                 <a:latin typeface="Calibri"/>
+                <a:ea typeface="DejaVu Sans"/>
               </a:rPr>
               <a:t>Attack Stages</a:t>
             </a:r>
@@ -9212,6 +8541,7 @@
                   <a:srgbClr val="000000"/>
                 </a:solidFill>
                 <a:latin typeface="Calibri"/>
+                <a:ea typeface="DejaVu Sans"/>
               </a:rPr>
               <a:t>:</a:t>
             </a:r>
@@ -9220,7 +8550,7 @@
             </a:endParaRPr>
           </a:p>
           <a:p>
-            <a:pPr indent="-216000">
+            <a:pPr marL="216000" indent="-216000">
               <a:lnSpc>
                 <a:spcPct val="100000"/>
               </a:lnSpc>
@@ -9236,6 +8566,7 @@
                   <a:srgbClr val="000000"/>
                 </a:solidFill>
                 <a:latin typeface="Calibri"/>
+                <a:ea typeface="DejaVu Sans"/>
               </a:rPr>
               <a:t>Trojan Introduction via BadUSB</a:t>
             </a:r>
@@ -9245,6 +8576,7 @@
                   <a:srgbClr val="000000"/>
                 </a:solidFill>
                 <a:latin typeface="Calibri"/>
+                <a:ea typeface="DejaVu Sans"/>
               </a:rPr>
               <a:t>: The trojan modifies the AES Verilog core, causing subtle modulation of the clock signal during key scheduling or encryption.</a:t>
             </a:r>
@@ -9253,7 +8585,7 @@
             </a:endParaRPr>
           </a:p>
           <a:p>
-            <a:pPr indent="-216000">
+            <a:pPr marL="216000" indent="-216000">
               <a:lnSpc>
                 <a:spcPct val="100000"/>
               </a:lnSpc>
@@ -9269,6 +8601,7 @@
                   <a:srgbClr val="000000"/>
                 </a:solidFill>
                 <a:latin typeface="Calibri"/>
+                <a:ea typeface="DejaVu Sans"/>
               </a:rPr>
               <a:t>Clock Modulation</a:t>
             </a:r>
@@ -9278,6 +8611,7 @@
                   <a:srgbClr val="000000"/>
                 </a:solidFill>
                 <a:latin typeface="Calibri"/>
+                <a:ea typeface="DejaVu Sans"/>
               </a:rPr>
               <a:t>: The trojan encodes the AES key into small changes in the clock frequency, phase, or duty cycle during encryption operations.</a:t>
             </a:r>
@@ -9297,7 +8631,7 @@
             </a:endParaRPr>
           </a:p>
           <a:p>
-            <a:pPr indent="-216000">
+            <a:pPr marL="216000" indent="-216000">
               <a:lnSpc>
                 <a:spcPct val="100000"/>
               </a:lnSpc>
@@ -9313,6 +8647,7 @@
                   <a:srgbClr val="000000"/>
                 </a:solidFill>
                 <a:latin typeface="Calibri"/>
+                <a:ea typeface="DejaVu Sans"/>
               </a:rPr>
               <a:t>Main Techniques</a:t>
             </a:r>
@@ -9322,6 +8657,7 @@
                   <a:srgbClr val="000000"/>
                 </a:solidFill>
                 <a:latin typeface="Calibri"/>
+                <a:ea typeface="DejaVu Sans"/>
               </a:rPr>
               <a:t>:</a:t>
             </a:r>
@@ -9346,6 +8682,7 @@
                   <a:srgbClr val="000000"/>
                 </a:solidFill>
                 <a:latin typeface="Calibri"/>
+                <a:ea typeface="DejaVu Sans"/>
               </a:rPr>
               <a:t>Clock Signal Modulation</a:t>
             </a:r>
@@ -9355,6 +8692,7 @@
                   <a:srgbClr val="000000"/>
                 </a:solidFill>
                 <a:latin typeface="Calibri"/>
+                <a:ea typeface="DejaVu Sans"/>
               </a:rPr>
               <a:t>: Introducing slight variations (frequency or phase shifts) in the clock signal to encode key bits.</a:t>
             </a:r>
@@ -9379,6 +8717,7 @@
                   <a:srgbClr val="000000"/>
                 </a:solidFill>
                 <a:latin typeface="Calibri"/>
+                <a:ea typeface="DejaVu Sans"/>
               </a:rPr>
               <a:t>BadUSB for Trojan Injection</a:t>
             </a:r>
@@ -9388,6 +8727,7 @@
                   <a:srgbClr val="000000"/>
                 </a:solidFill>
                 <a:latin typeface="Calibri"/>
+                <a:ea typeface="DejaVu Sans"/>
               </a:rPr>
               <a:t>: Using BadUSB to inject a trojan that modifies the Verilog IP core.</a:t>
             </a:r>
@@ -9450,7 +8790,7 @@
         <p:spPr>
           <a:xfrm>
             <a:off x="4786920" y="408960"/>
-            <a:ext cx="2320200" cy="577080"/>
+            <a:ext cx="2319840" cy="577080"/>
           </a:xfrm>
           <a:prstGeom prst="rect">
             <a:avLst/>
@@ -9483,6 +8823,7 @@
                   <a:srgbClr val="000000"/>
                 </a:solidFill>
                 <a:latin typeface="Calibri"/>
+                <a:ea typeface="DejaVu Sans"/>
               </a:rPr>
               <a:t>Introduction</a:t>
             </a:r>
@@ -9531,7 +8872,7 @@
         <p:spPr>
           <a:xfrm>
             <a:off x="3932640" y="1371600"/>
-            <a:ext cx="3886200" cy="577800"/>
+            <a:ext cx="3885840" cy="577080"/>
           </a:xfrm>
           <a:prstGeom prst="rect">
             <a:avLst/>
@@ -9564,6 +8905,7 @@
                   <a:srgbClr val="000000"/>
                 </a:solidFill>
                 <a:latin typeface="Segoe UI Variable Display Semib"/>
+                <a:ea typeface="DejaVu Sans"/>
               </a:rPr>
               <a:t>AES Core IP Block</a:t>
             </a:r>
@@ -9582,7 +8924,7 @@
         <p:spPr>
           <a:xfrm>
             <a:off x="4419360" y="2089080"/>
-            <a:ext cx="2667240" cy="425520"/>
+            <a:ext cx="2666880" cy="424800"/>
           </a:xfrm>
           <a:prstGeom prst="rect">
             <a:avLst/>
@@ -9615,6 +8957,7 @@
                   <a:srgbClr val="000000"/>
                 </a:solidFill>
                 <a:latin typeface="Segoe UI Variable Display Semib"/>
+                <a:ea typeface="DejaVu Sans"/>
               </a:rPr>
               <a:t>Normal Operation</a:t>
             </a:r>
@@ -9637,7 +8980,7 @@
         <p:spPr>
           <a:xfrm>
             <a:off x="457200" y="2948760"/>
-            <a:ext cx="11201400" cy="2080440"/>
+            <a:ext cx="11201040" cy="2080080"/>
           </a:xfrm>
           <a:prstGeom prst="rect">
             <a:avLst/>
@@ -9686,7 +9029,7 @@
         <p:spPr>
           <a:xfrm>
             <a:off x="4419360" y="2089080"/>
-            <a:ext cx="3124440" cy="425520"/>
+            <a:ext cx="3124080" cy="424800"/>
           </a:xfrm>
           <a:prstGeom prst="rect">
             <a:avLst/>
@@ -9719,13 +9062,63 @@
                   <a:srgbClr val="c9211e"/>
                 </a:solidFill>
                 <a:latin typeface="Segoe UI Variable Display Semib"/>
+                <a:ea typeface="DejaVu Sans"/>
               </a:rPr>
               <a:t>Infected Hardware</a:t>
             </a:r>
             <a:endParaRPr b="0" lang="en-US" sz="2200" spc="-1" strike="noStrike">
-              <a:solidFill>
-                <a:srgbClr val="c9211e"/>
-              </a:solidFill>
+              <a:latin typeface="Arial"/>
+            </a:endParaRPr>
+          </a:p>
+        </p:txBody>
+      </p:sp>
+      <p:sp>
+        <p:nvSpPr>
+          <p:cNvPr id="164" name="TextBox 22"/>
+          <p:cNvSpPr/>
+          <p:nvPr/>
+        </p:nvSpPr>
+        <p:spPr>
+          <a:xfrm>
+            <a:off x="3932640" y="1371600"/>
+            <a:ext cx="3885840" cy="577080"/>
+          </a:xfrm>
+          <a:prstGeom prst="rect">
+            <a:avLst/>
+          </a:prstGeom>
+          <a:noFill/>
+          <a:ln w="0">
+            <a:noFill/>
+          </a:ln>
+        </p:spPr>
+        <p:style>
+          <a:lnRef idx="0"/>
+          <a:fillRef idx="0"/>
+          <a:effectRef idx="0"/>
+          <a:fontRef idx="minor"/>
+        </p:style>
+        <p:txBody>
+          <a:bodyPr lIns="90000" rIns="90000" tIns="45000" bIns="45000" anchor="t">
+            <a:spAutoFit/>
+          </a:bodyPr>
+          <a:p>
+            <a:pPr>
+              <a:lnSpc>
+                <a:spcPct val="100000"/>
+              </a:lnSpc>
+              <a:buNone/>
+            </a:pPr>
+            <a:r>
+              <a:rPr b="0" lang="en-US" sz="3200" spc="-1" strike="noStrike">
+                <a:solidFill>
+                  <a:srgbClr val="000000"/>
+                </a:solidFill>
+                <a:latin typeface="Segoe UI Variable Display Semib"/>
+                <a:ea typeface="DejaVu Sans"/>
+              </a:rPr>
+              <a:t>AES Core IP Block</a:t>
+            </a:r>
+            <a:endParaRPr b="0" lang="en-US" sz="3200" spc="-1" strike="noStrike">
               <a:latin typeface="Arial"/>
             </a:endParaRPr>
           </a:p>
@@ -9733,7 +9126,7 @@
       </p:sp>
       <p:pic>
         <p:nvPicPr>
-          <p:cNvPr id="164" name="" descr=""/>
+          <p:cNvPr id="165" name="" descr=""/>
           <p:cNvPicPr/>
           <p:nvPr/>
         </p:nvPicPr>
@@ -9743,8 +9136,8 @@
         </p:blipFill>
         <p:spPr>
           <a:xfrm>
-            <a:off x="457200" y="2948760"/>
-            <a:ext cx="11201400" cy="2080440"/>
+            <a:off x="360" y="2949480"/>
+            <a:ext cx="12191760" cy="3679920"/>
           </a:xfrm>
           <a:prstGeom prst="rect">
             <a:avLst/>
@@ -9754,57 +9147,6 @@
           </a:ln>
         </p:spPr>
       </p:pic>
-      <p:sp>
-        <p:nvSpPr>
-          <p:cNvPr id="165" name="TextBox 22"/>
-          <p:cNvSpPr/>
-          <p:nvPr/>
-        </p:nvSpPr>
-        <p:spPr>
-          <a:xfrm>
-            <a:off x="3932640" y="1371600"/>
-            <a:ext cx="3886200" cy="577800"/>
-          </a:xfrm>
-          <a:prstGeom prst="rect">
-            <a:avLst/>
-          </a:prstGeom>
-          <a:noFill/>
-          <a:ln w="0">
-            <a:noFill/>
-          </a:ln>
-        </p:spPr>
-        <p:style>
-          <a:lnRef idx="0"/>
-          <a:fillRef idx="0"/>
-          <a:effectRef idx="0"/>
-          <a:fontRef idx="minor"/>
-        </p:style>
-        <p:txBody>
-          <a:bodyPr lIns="90000" rIns="90000" tIns="45000" bIns="45000" anchor="t">
-            <a:spAutoFit/>
-          </a:bodyPr>
-          <a:p>
-            <a:pPr>
-              <a:lnSpc>
-                <a:spcPct val="100000"/>
-              </a:lnSpc>
-              <a:buNone/>
-            </a:pPr>
-            <a:r>
-              <a:rPr b="0" lang="en-US" sz="3200" spc="-1" strike="noStrike">
-                <a:solidFill>
-                  <a:srgbClr val="000000"/>
-                </a:solidFill>
-                <a:latin typeface="Segoe UI Variable Display Semib"/>
-              </a:rPr>
-              <a:t>AES Core IP Block</a:t>
-            </a:r>
-            <a:endParaRPr b="0" lang="en-US" sz="3200" spc="-1" strike="noStrike">
-              <a:latin typeface="Arial"/>
-            </a:endParaRPr>
-          </a:p>
-        </p:txBody>
-      </p:sp>
     </p:spTree>
   </p:cSld>
   <mc:AlternateContent>
@@ -9877,7 +9219,7 @@
         <p:spPr>
           <a:xfrm>
             <a:off x="751320" y="2129040"/>
-            <a:ext cx="4327560" cy="2558520"/>
+            <a:ext cx="4327200" cy="2558520"/>
           </a:xfrm>
           <a:prstGeom prst="rect">
             <a:avLst/>
@@ -9898,7 +9240,7 @@
             <a:spAutoFit/>
           </a:bodyPr>
           <a:p>
-            <a:pPr indent="-216000">
+            <a:pPr marL="216000" indent="-216000">
               <a:lnSpc>
                 <a:spcPct val="100000"/>
               </a:lnSpc>
@@ -9914,6 +9256,7 @@
                   <a:srgbClr val="000000"/>
                 </a:solidFill>
                 <a:latin typeface="Calibri"/>
+                <a:ea typeface="DejaVu Sans"/>
               </a:rPr>
               <a:t>Trojan Design</a:t>
             </a:r>
@@ -9923,6 +9266,7 @@
                   <a:srgbClr val="000000"/>
                 </a:solidFill>
                 <a:latin typeface="Calibri"/>
+                <a:ea typeface="DejaVu Sans"/>
               </a:rPr>
               <a:t>: The software trojan on the PC monitors the timing variations in the AES clock signal using the Time Stamp Counter (TSC) or other low-level timing facilities (e.g., PMU).</a:t>
             </a:r>
@@ -9931,7 +9275,7 @@
             </a:endParaRPr>
           </a:p>
           <a:p>
-            <a:pPr indent="-216000">
+            <a:pPr marL="216000" indent="-216000">
               <a:lnSpc>
                 <a:spcPct val="100000"/>
               </a:lnSpc>
@@ -9947,6 +9291,7 @@
                   <a:srgbClr val="000000"/>
                 </a:solidFill>
                 <a:latin typeface="Calibri"/>
+                <a:ea typeface="DejaVu Sans"/>
               </a:rPr>
               <a:t>Timing Data Collection</a:t>
             </a:r>
@@ -9956,6 +9301,7 @@
                   <a:srgbClr val="000000"/>
                 </a:solidFill>
                 <a:latin typeface="Calibri"/>
+                <a:ea typeface="DejaVu Sans"/>
               </a:rPr>
               <a:t>: The Trojan collects timing data during encryption and identifies small shifts that correspond to bits of the AES key.</a:t>
             </a:r>
@@ -9974,7 +9320,7 @@
         <p:spPr>
           <a:xfrm>
             <a:off x="4329720" y="421920"/>
-            <a:ext cx="3532320" cy="577080"/>
+            <a:ext cx="3531960" cy="577080"/>
           </a:xfrm>
           <a:prstGeom prst="rect">
             <a:avLst/>
@@ -10007,6 +9353,7 @@
                   <a:srgbClr val="000000"/>
                 </a:solidFill>
                 <a:latin typeface="Calibri"/>
+                <a:ea typeface="DejaVu Sans"/>
               </a:rPr>
               <a:t>Monitoring Process</a:t>
             </a:r>
@@ -10024,8 +9371,8 @@
         </p:nvSpPr>
         <p:spPr>
           <a:xfrm>
-            <a:off x="7004520" y="2385360"/>
-            <a:ext cx="4567320" cy="1736640"/>
+            <a:off x="7004520" y="2386080"/>
+            <a:ext cx="4566960" cy="1735200"/>
           </a:xfrm>
           <a:prstGeom prst="rect">
             <a:avLst/>
@@ -10042,7 +9389,7 @@
           <a:fontRef idx="minor"/>
         </p:style>
         <p:txBody>
-          <a:bodyPr numCol="1" spcCol="0" anchor="ctr">
+          <a:bodyPr numCol="1" spcCol="0" lIns="90000" rIns="90000" tIns="45000" bIns="45000" anchor="ctr">
             <a:spAutoFit/>
           </a:bodyPr>
           <a:p>
@@ -10058,6 +9405,7 @@
                   <a:srgbClr val="000000"/>
                 </a:solidFill>
                 <a:latin typeface="Calibri"/>
+                <a:ea typeface="DejaVu Sans"/>
               </a:rPr>
               <a:t>Key Extraction</a:t>
             </a:r>
@@ -10067,6 +9415,7 @@
                   <a:srgbClr val="000000"/>
                 </a:solidFill>
                 <a:latin typeface="Calibri"/>
+                <a:ea typeface="DejaVu Sans"/>
               </a:rPr>
               <a:t>:</a:t>
             </a:r>
@@ -10075,7 +9424,7 @@
             </a:endParaRPr>
           </a:p>
           <a:p>
-            <a:pPr indent="-216000">
+            <a:pPr marL="216000" indent="-216000">
               <a:lnSpc>
                 <a:spcPct val="100000"/>
               </a:lnSpc>
@@ -10091,6 +9440,7 @@
                   <a:srgbClr val="000000"/>
                 </a:solidFill>
                 <a:latin typeface="Calibri"/>
+                <a:ea typeface="DejaVu Sans"/>
               </a:rPr>
               <a:t>Data Processing</a:t>
             </a:r>
@@ -10100,6 +9450,7 @@
                   <a:srgbClr val="000000"/>
                 </a:solidFill>
                 <a:latin typeface="Calibri"/>
+                <a:ea typeface="DejaVu Sans"/>
               </a:rPr>
               <a:t>: Timing deltas (differences between normal clock cycles and modulated cycles) are processed to extract key bits.</a:t>
             </a:r>
@@ -10108,7 +9459,7 @@
             </a:endParaRPr>
           </a:p>
           <a:p>
-            <a:pPr indent="-216000">
+            <a:pPr marL="216000" indent="-216000">
               <a:lnSpc>
                 <a:spcPct val="100000"/>
               </a:lnSpc>
@@ -10124,6 +9475,7 @@
                   <a:srgbClr val="000000"/>
                 </a:solidFill>
                 <a:latin typeface="Calibri"/>
+                <a:ea typeface="DejaVu Sans"/>
               </a:rPr>
               <a:t>Key Decoding</a:t>
             </a:r>
@@ -10133,6 +9485,7 @@
                   <a:srgbClr val="000000"/>
                 </a:solidFill>
                 <a:latin typeface="Calibri"/>
+                <a:ea typeface="DejaVu Sans"/>
               </a:rPr>
               <a:t>: The software reconstructs the AES key based on the timing patterns.</a:t>
             </a:r>
@@ -10214,7 +9567,7 @@
         <p:spPr>
           <a:xfrm>
             <a:off x="751320" y="2129040"/>
-            <a:ext cx="4327560" cy="2009880"/>
+            <a:ext cx="4327200" cy="2009880"/>
           </a:xfrm>
           <a:prstGeom prst="rect">
             <a:avLst/>
@@ -10235,7 +9588,7 @@
             <a:spAutoFit/>
           </a:bodyPr>
           <a:p>
-            <a:pPr indent="-216000">
+            <a:pPr marL="216000" indent="-216000">
               <a:lnSpc>
                 <a:spcPct val="100000"/>
               </a:lnSpc>
@@ -10251,6 +9604,7 @@
                   <a:srgbClr val="000000"/>
                 </a:solidFill>
                 <a:latin typeface="Calibri"/>
+                <a:ea typeface="DejaVu Sans"/>
               </a:rPr>
               <a:t>Flowchart of Trojan Operations</a:t>
             </a:r>
@@ -10260,6 +9614,7 @@
                   <a:srgbClr val="000000"/>
                 </a:solidFill>
                 <a:latin typeface="Calibri"/>
+                <a:ea typeface="DejaVu Sans"/>
               </a:rPr>
               <a:t>:</a:t>
             </a:r>
@@ -10284,6 +9639,7 @@
                   <a:srgbClr val="000000"/>
                 </a:solidFill>
                 <a:latin typeface="Calibri"/>
+                <a:ea typeface="DejaVu Sans"/>
               </a:rPr>
               <a:t>Trojan monitors timing variations during encryption.</a:t>
             </a:r>
@@ -10308,6 +9664,7 @@
                   <a:srgbClr val="000000"/>
                 </a:solidFill>
                 <a:latin typeface="Calibri"/>
+                <a:ea typeface="DejaVu Sans"/>
               </a:rPr>
               <a:t>Timing shifts are detected and recorded.</a:t>
             </a:r>
@@ -10332,6 +9689,7 @@
                   <a:srgbClr val="000000"/>
                 </a:solidFill>
                 <a:latin typeface="Calibri"/>
+                <a:ea typeface="DejaVu Sans"/>
               </a:rPr>
               <a:t>Extracted key bits are assembled to reconstruct the full AES key.</a:t>
             </a:r>
@@ -10350,7 +9708,7 @@
         <p:spPr>
           <a:xfrm>
             <a:off x="4188240" y="426240"/>
-            <a:ext cx="2893320" cy="577080"/>
+            <a:ext cx="2892960" cy="577080"/>
           </a:xfrm>
           <a:prstGeom prst="rect">
             <a:avLst/>
@@ -10383,6 +9741,7 @@
                   <a:srgbClr val="000000"/>
                 </a:solidFill>
                 <a:latin typeface="Calibri"/>
+                <a:ea typeface="DejaVu Sans"/>
               </a:rPr>
               <a:t>Demonstration</a:t>
             </a:r>
@@ -10400,8 +9759,8 @@
         </p:nvSpPr>
         <p:spPr>
           <a:xfrm>
-            <a:off x="6426000" y="1914120"/>
-            <a:ext cx="4594680" cy="1462320"/>
+            <a:off x="6426000" y="1914840"/>
+            <a:ext cx="4594320" cy="1460880"/>
           </a:xfrm>
           <a:prstGeom prst="rect">
             <a:avLst/>
@@ -10418,7 +9777,7 @@
           <a:fontRef idx="minor"/>
         </p:style>
         <p:txBody>
-          <a:bodyPr numCol="1" spcCol="0" anchor="ctr">
+          <a:bodyPr numCol="1" spcCol="0" lIns="90000" rIns="90000" tIns="45000" bIns="45000" anchor="ctr">
             <a:spAutoFit/>
           </a:bodyPr>
           <a:p>
@@ -10434,6 +9793,7 @@
                   <a:srgbClr val="000000"/>
                 </a:solidFill>
                 <a:latin typeface="Calibri"/>
+                <a:ea typeface="DejaVu Sans"/>
               </a:rPr>
               <a:t>Impact</a:t>
             </a:r>
@@ -10443,6 +9803,7 @@
                   <a:srgbClr val="000000"/>
                 </a:solidFill>
                 <a:latin typeface="Calibri"/>
+                <a:ea typeface="DejaVu Sans"/>
               </a:rPr>
               <a:t>:</a:t>
             </a:r>
@@ -10451,7 +9812,7 @@
             </a:endParaRPr>
           </a:p>
           <a:p>
-            <a:pPr indent="-216000">
+            <a:pPr marL="216000" indent="-216000">
               <a:lnSpc>
                 <a:spcPct val="100000"/>
               </a:lnSpc>
@@ -10467,6 +9828,7 @@
                   <a:srgbClr val="000000"/>
                 </a:solidFill>
                 <a:latin typeface="Calibri"/>
+                <a:ea typeface="DejaVu Sans"/>
               </a:rPr>
               <a:t>This attack leverages hardware side-channels (timing variations) to steal sensitive information with minimal impact on system functionality, making it difficult to detect.</a:t>
             </a:r>
@@ -10485,7 +9847,7 @@
         <p:spPr>
           <a:xfrm>
             <a:off x="6456240" y="3672000"/>
-            <a:ext cx="5574600" cy="2009880"/>
+            <a:ext cx="5574240" cy="2009880"/>
           </a:xfrm>
           <a:prstGeom prst="rect">
             <a:avLst/>
@@ -10518,6 +9880,7 @@
                   <a:srgbClr val="000000"/>
                 </a:solidFill>
                 <a:latin typeface="Calibri"/>
+                <a:ea typeface="DejaVu Sans"/>
               </a:rPr>
               <a:t>Severity of the Vulnerability</a:t>
             </a:r>
@@ -10527,6 +9890,7 @@
                   <a:srgbClr val="000000"/>
                 </a:solidFill>
                 <a:latin typeface="Calibri"/>
+                <a:ea typeface="DejaVu Sans"/>
               </a:rPr>
               <a:t>:</a:t>
             </a:r>
@@ -10535,7 +9899,7 @@
             </a:endParaRPr>
           </a:p>
           <a:p>
-            <a:pPr indent="-216000">
+            <a:pPr marL="216000" indent="-216000">
               <a:lnSpc>
                 <a:spcPct val="100000"/>
               </a:lnSpc>
@@ -10551,6 +9915,7 @@
                   <a:srgbClr val="000000"/>
                 </a:solidFill>
                 <a:latin typeface="Calibri"/>
+                <a:ea typeface="DejaVu Sans"/>
               </a:rPr>
               <a:t>Insertion Phase</a:t>
             </a:r>
@@ -10560,6 +9925,7 @@
                   <a:srgbClr val="000000"/>
                 </a:solidFill>
                 <a:latin typeface="Calibri"/>
+                <a:ea typeface="DejaVu Sans"/>
               </a:rPr>
               <a:t>: Design stage</a:t>
             </a:r>
@@ -10568,7 +9934,7 @@
             </a:endParaRPr>
           </a:p>
           <a:p>
-            <a:pPr indent="-216000">
+            <a:pPr marL="216000" indent="-216000">
               <a:lnSpc>
                 <a:spcPct val="100000"/>
               </a:lnSpc>
@@ -10584,6 +9950,7 @@
                   <a:srgbClr val="000000"/>
                 </a:solidFill>
                 <a:latin typeface="Calibri"/>
+                <a:ea typeface="DejaVu Sans"/>
               </a:rPr>
               <a:t>Abstraction Level</a:t>
             </a:r>
@@ -10593,6 +9960,7 @@
                   <a:srgbClr val="000000"/>
                 </a:solidFill>
                 <a:latin typeface="Calibri"/>
+                <a:ea typeface="DejaVu Sans"/>
               </a:rPr>
               <a:t>: Register-transfer level (RTL)</a:t>
             </a:r>
@@ -10601,7 +9969,7 @@
             </a:endParaRPr>
           </a:p>
           <a:p>
-            <a:pPr indent="-216000">
+            <a:pPr marL="216000" indent="-216000">
               <a:lnSpc>
                 <a:spcPct val="100000"/>
               </a:lnSpc>
@@ -10617,6 +9985,7 @@
                   <a:srgbClr val="000000"/>
                 </a:solidFill>
                 <a:latin typeface="Calibri"/>
+                <a:ea typeface="DejaVu Sans"/>
               </a:rPr>
               <a:t>Activation Mechanism</a:t>
             </a:r>
@@ -10626,6 +9995,7 @@
                   <a:srgbClr val="000000"/>
                 </a:solidFill>
                 <a:latin typeface="Calibri"/>
+                <a:ea typeface="DejaVu Sans"/>
               </a:rPr>
               <a:t>: Subtle clock signal modulation</a:t>
             </a:r>
@@ -10634,7 +10004,7 @@
             </a:endParaRPr>
           </a:p>
           <a:p>
-            <a:pPr indent="-216000">
+            <a:pPr marL="216000" indent="-216000">
               <a:lnSpc>
                 <a:spcPct val="100000"/>
               </a:lnSpc>
@@ -10650,6 +10020,7 @@
                   <a:srgbClr val="000000"/>
                 </a:solidFill>
                 <a:latin typeface="Calibri"/>
+                <a:ea typeface="DejaVu Sans"/>
               </a:rPr>
               <a:t>Functional Effects</a:t>
             </a:r>
@@ -10659,6 +10030,7 @@
                   <a:srgbClr val="000000"/>
                 </a:solidFill>
                 <a:latin typeface="Calibri"/>
+                <a:ea typeface="DejaVu Sans"/>
               </a:rPr>
               <a:t>: Covert AES key exfiltration</a:t>
             </a:r>
@@ -10667,7 +10039,7 @@
             </a:endParaRPr>
           </a:p>
           <a:p>
-            <a:pPr indent="-216000">
+            <a:pPr marL="216000" indent="-216000">
               <a:lnSpc>
                 <a:spcPct val="100000"/>
               </a:lnSpc>
@@ -10683,6 +10055,7 @@
                   <a:srgbClr val="000000"/>
                 </a:solidFill>
                 <a:latin typeface="Calibri"/>
+                <a:ea typeface="DejaVu Sans"/>
               </a:rPr>
               <a:t>Physical Characteristics</a:t>
             </a:r>
@@ -10692,6 +10065,7 @@
                   <a:srgbClr val="000000"/>
                 </a:solidFill>
                 <a:latin typeface="Calibri"/>
+                <a:ea typeface="DejaVu Sans"/>
               </a:rPr>
               <a:t>: Timing-based side-channel leakage</a:t>
             </a:r>
@@ -10740,7 +10114,7 @@
         <p:spPr>
           <a:xfrm>
             <a:off x="3053880" y="831960"/>
-            <a:ext cx="6619320" cy="455400"/>
+            <a:ext cx="6618960" cy="455400"/>
           </a:xfrm>
           <a:prstGeom prst="rect">
             <a:avLst/>
@@ -10773,6 +10147,7 @@
                   <a:srgbClr val="000000"/>
                 </a:solidFill>
                 <a:latin typeface="Arial Black"/>
+                <a:ea typeface="DejaVu Sans"/>
               </a:rPr>
               <a:t>Method for adding the vulnerability</a:t>
             </a:r>
@@ -10791,7 +10166,7 @@
         <p:spPr>
           <a:xfrm>
             <a:off x="576720" y="2004120"/>
-            <a:ext cx="6773400" cy="3381480"/>
+            <a:ext cx="6773040" cy="3381480"/>
           </a:xfrm>
           <a:prstGeom prst="rect">
             <a:avLst/>
@@ -10824,6 +10199,7 @@
                   <a:srgbClr val="000000"/>
                 </a:solidFill>
                 <a:latin typeface="Arial"/>
+                <a:ea typeface="DejaVu Sans"/>
               </a:rPr>
               <a:t>We will use OpenAI’s ChatGPT  because:</a:t>
             </a:r>
@@ -10859,6 +10235,7 @@
                   <a:srgbClr val="000000"/>
                 </a:solidFill>
                 <a:latin typeface="Arial"/>
+                <a:ea typeface="DejaVu Sans"/>
               </a:rPr>
               <a:t>It’s highly sophisticated</a:t>
             </a:r>
@@ -10883,6 +10260,7 @@
                   <a:srgbClr val="000000"/>
                 </a:solidFill>
                 <a:latin typeface="Arial"/>
+                <a:ea typeface="DejaVu Sans"/>
               </a:rPr>
               <a:t>Is versatile and has depth of Knowledge</a:t>
             </a:r>
@@ -10907,6 +10285,7 @@
                   <a:srgbClr val="000000"/>
                 </a:solidFill>
                 <a:latin typeface="Arial"/>
+                <a:ea typeface="DejaVu Sans"/>
               </a:rPr>
               <a:t>Has natural, Context-Aware Conversations</a:t>
             </a:r>
@@ -10931,6 +10310,7 @@
                   <a:srgbClr val="000000"/>
                 </a:solidFill>
                 <a:latin typeface="Arial"/>
+                <a:ea typeface="DejaVu Sans"/>
               </a:rPr>
               <a:t>Offers integration with other Tools via API</a:t>
             </a:r>
@@ -10955,6 +10335,7 @@
                   <a:srgbClr val="000000"/>
                 </a:solidFill>
                 <a:latin typeface="Arial"/>
+                <a:ea typeface="DejaVu Sans"/>
               </a:rPr>
               <a:t>Has good coding capabilities </a:t>
             </a:r>
@@ -10979,6 +10360,7 @@
                   <a:srgbClr val="000000"/>
                 </a:solidFill>
                 <a:latin typeface="Arial"/>
+                <a:ea typeface="DejaVu Sans"/>
               </a:rPr>
               <a:t>Is considered as a cutting-edge LLM</a:t>
             </a:r>
@@ -11008,9 +10390,9 @@
         <p:grpSpPr>
           <a:xfrm>
             <a:off x="7172280" y="2514240"/>
-            <a:ext cx="3490920" cy="1824480"/>
+            <a:ext cx="3490560" cy="1824480"/>
             <a:chOff x="7172280" y="2514240"/>
-            <a:chExt cx="3490920" cy="1824480"/>
+            <a:chExt cx="3490560" cy="1824480"/>
           </a:xfrm>
         </p:grpSpPr>
         <p:pic>
@@ -11021,13 +10403,13 @@
           </p:nvPicPr>
           <p:blipFill>
             <a:blip r:embed="rId1"/>
-            <a:srcRect l="13543" t="32928" r="11291" b="36533"/>
+            <a:srcRect l="13543" t="32922" r="11291" b="36528"/>
             <a:stretch/>
           </p:blipFill>
           <p:spPr>
             <a:xfrm>
               <a:off x="7172280" y="2514240"/>
-              <a:ext cx="3490920" cy="1064160"/>
+              <a:ext cx="3490560" cy="1063800"/>
             </a:xfrm>
             <a:prstGeom prst="rect">
               <a:avLst/>
@@ -11045,13 +10427,13 @@
           </p:nvPicPr>
           <p:blipFill>
             <a:blip r:embed="rId2"/>
-            <a:srcRect l="35738" t="42036" r="37196" b="39453"/>
+            <a:srcRect l="35733" t="42032" r="37191" b="39449"/>
             <a:stretch/>
           </p:blipFill>
           <p:spPr>
             <a:xfrm>
               <a:off x="8487720" y="3473640"/>
-              <a:ext cx="1242000" cy="477360"/>
+              <a:ext cx="1241640" cy="477000"/>
             </a:xfrm>
             <a:prstGeom prst="rect">
               <a:avLst/>
@@ -11070,7 +10452,7 @@
           <p:spPr>
             <a:xfrm>
               <a:off x="8308080" y="3974760"/>
-              <a:ext cx="1601280" cy="363960"/>
+              <a:ext cx="1600920" cy="363960"/>
             </a:xfrm>
             <a:prstGeom prst="rect">
               <a:avLst/>
@@ -11103,6 +10485,7 @@
                     <a:srgbClr val="000000"/>
                   </a:solidFill>
                   <a:latin typeface="Arial Black"/>
+                  <a:ea typeface="DejaVu Sans"/>
                 </a:rPr>
                 <a:t>ChatGPT o1 </a:t>
               </a:r>
@@ -11152,7 +10535,7 @@
         <p:spPr>
           <a:xfrm>
             <a:off x="1055160" y="1699200"/>
-            <a:ext cx="5831280" cy="455400"/>
+            <a:ext cx="5830920" cy="455400"/>
           </a:xfrm>
           <a:prstGeom prst="rect">
             <a:avLst/>
@@ -11185,6 +10568,7 @@
                   <a:srgbClr val="000000"/>
                 </a:solidFill>
                 <a:latin typeface="Arial Black"/>
+                <a:ea typeface="DejaVu Sans"/>
               </a:rPr>
               <a:t>Prompt Engineering</a:t>
             </a:r>
@@ -11203,7 +10587,7 @@
         <p:spPr>
           <a:xfrm>
             <a:off x="1036800" y="2364480"/>
-            <a:ext cx="5892840" cy="3015720"/>
+            <a:ext cx="5892480" cy="3015720"/>
           </a:xfrm>
           <a:prstGeom prst="rect">
             <a:avLst/>
@@ -11236,6 +10620,7 @@
                   <a:srgbClr val="000000"/>
                 </a:solidFill>
                 <a:latin typeface="Arial"/>
+                <a:ea typeface="DejaVu Sans"/>
               </a:rPr>
               <a:t>I will use the Chain Of Thought(CoT) technique because:</a:t>
             </a:r>
@@ -11260,6 +10645,7 @@
                   <a:srgbClr val="000000"/>
                 </a:solidFill>
                 <a:latin typeface="Arial"/>
+                <a:ea typeface="DejaVu Sans"/>
               </a:rPr>
               <a:t>Digital design is a really complex task that requires complex reasoning an produces context aware responses.</a:t>
             </a:r>
@@ -11284,6 +10670,7 @@
                   <a:srgbClr val="000000"/>
                 </a:solidFill>
                 <a:latin typeface="Arial"/>
+                <a:ea typeface="DejaVu Sans"/>
               </a:rPr>
               <a:t>These tasks (like creating an FSM) require multiple intermediate reasoning steps.</a:t>
             </a:r>
@@ -11306,7 +10693,7 @@
         <p:spPr>
           <a:xfrm>
             <a:off x="6930360" y="2160720"/>
-            <a:ext cx="4206240" cy="2911680"/>
+            <a:ext cx="4205880" cy="2911320"/>
           </a:xfrm>
           <a:prstGeom prst="rect">
             <a:avLst/>
@@ -11355,9 +10742,9 @@
         <p:grpSpPr>
           <a:xfrm>
             <a:off x="2189880" y="1207080"/>
-            <a:ext cx="5831280" cy="3421440"/>
+            <a:ext cx="5830920" cy="3421440"/>
             <a:chOff x="2189880" y="1207080"/>
-            <a:chExt cx="5831280" cy="3421440"/>
+            <a:chExt cx="5830920" cy="3421440"/>
           </a:xfrm>
         </p:grpSpPr>
         <p:sp>
@@ -11369,7 +10756,7 @@
           <p:spPr>
             <a:xfrm>
               <a:off x="2189880" y="1207080"/>
-              <a:ext cx="5831280" cy="455400"/>
+              <a:ext cx="5830920" cy="455400"/>
             </a:xfrm>
             <a:prstGeom prst="rect">
               <a:avLst/>
@@ -11402,6 +10789,7 @@
                     <a:srgbClr val="000000"/>
                   </a:solidFill>
                   <a:latin typeface="Arial Black"/>
+                  <a:ea typeface="DejaVu Sans"/>
                 </a:rPr>
                 <a:t>Prompting Pattern</a:t>
               </a:r>
@@ -11420,7 +10808,7 @@
           <p:spPr>
             <a:xfrm>
               <a:off x="2189880" y="1978560"/>
-              <a:ext cx="4354200" cy="2649960"/>
+              <a:ext cx="4353840" cy="2649960"/>
             </a:xfrm>
             <a:prstGeom prst="rect">
               <a:avLst/>
@@ -11453,6 +10841,7 @@
                     <a:srgbClr val="000000"/>
                   </a:solidFill>
                   <a:latin typeface="Arial"/>
+                  <a:ea typeface="DejaVu Sans"/>
                 </a:rPr>
                 <a:t>In order to gather the necessary steps to create a hardware trojan using an LLM, we enhanced our prompt engineering techniques </a:t>
               </a:r>
@@ -11462,6 +10851,7 @@
                     <a:srgbClr val="000000"/>
                   </a:solidFill>
                   <a:latin typeface="Arial"/>
+                  <a:ea typeface="DejaVu Sans"/>
                 </a:rPr>
                 <a:t>first</a:t>
               </a:r>
@@ -11471,6 +10861,7 @@
                     <a:srgbClr val="000000"/>
                   </a:solidFill>
                   <a:latin typeface="Arial"/>
+                  <a:ea typeface="DejaVu Sans"/>
                 </a:rPr>
                 <a:t> by using the </a:t>
               </a:r>
@@ -11481,6 +10872,7 @@
                   </a:solidFill>
                   <a:uFillTx/>
                   <a:latin typeface="Arial"/>
+                  <a:ea typeface="DejaVu Sans"/>
                 </a:rPr>
                 <a:t>Recipe</a:t>
               </a:r>
@@ -11490,6 +10882,7 @@
                     <a:srgbClr val="000000"/>
                   </a:solidFill>
                   <a:latin typeface="Arial"/>
+                  <a:ea typeface="DejaVu Sans"/>
                 </a:rPr>
                 <a:t> prompt pattern</a:t>
               </a:r>
@@ -11509,7 +10902,7 @@
         <p:spPr>
           <a:xfrm>
             <a:off x="7201440" y="4316760"/>
-            <a:ext cx="3417120" cy="363960"/>
+            <a:ext cx="3416760" cy="363960"/>
           </a:xfrm>
           <a:prstGeom prst="rect">
             <a:avLst/>
@@ -11543,6 +10936,7 @@
                 </a:solidFill>
                 <a:uFillTx/>
                 <a:latin typeface="Calibri"/>
+                <a:ea typeface="DejaVu Sans"/>
                 <a:hlinkClick r:id="rId1"/>
               </a:rPr>
               <a:t>Prompt example: https://chat.openai.com/share/44e37758-e3c0-4025-98a8-89f75f36166b</a:t>
@@ -11567,7 +10961,7 @@
         <p:spPr>
           <a:xfrm>
             <a:off x="6904080" y="1668960"/>
-            <a:ext cx="3845520" cy="2678400"/>
+            <a:ext cx="3845160" cy="2678040"/>
           </a:xfrm>
           <a:prstGeom prst="rect">
             <a:avLst/>
@@ -11616,7 +11010,7 @@
         <p:spPr>
           <a:xfrm>
             <a:off x="3698640" y="1148400"/>
-            <a:ext cx="4287960" cy="455400"/>
+            <a:ext cx="4287600" cy="455400"/>
           </a:xfrm>
           <a:prstGeom prst="rect">
             <a:avLst/>
@@ -11649,6 +11043,7 @@
                   <a:srgbClr val="000000"/>
                 </a:solidFill>
                 <a:latin typeface="Arial Black"/>
+                <a:ea typeface="DejaVu Sans"/>
               </a:rPr>
               <a:t>Prompting Pattern</a:t>
             </a:r>
@@ -11667,7 +11062,7 @@
         <p:spPr>
           <a:xfrm>
             <a:off x="1335960" y="4786200"/>
-            <a:ext cx="3097800" cy="363960"/>
+            <a:ext cx="3097440" cy="363960"/>
           </a:xfrm>
           <a:prstGeom prst="rect">
             <a:avLst/>
@@ -11701,6 +11096,7 @@
                 </a:solidFill>
                 <a:uFillTx/>
                 <a:latin typeface="Calibri"/>
+                <a:ea typeface="DejaVu Sans"/>
                 <a:hlinkClick r:id="rId1"/>
               </a:rPr>
               <a:t>https://chatgpt.com/share/670fff2a-2b88-800b-aec3-a39d06cac69f</a:t>
@@ -11724,7 +11120,7 @@
         <p:spPr>
           <a:xfrm>
             <a:off x="6095880" y="1978560"/>
-            <a:ext cx="3700440" cy="2913120"/>
+            <a:ext cx="3700080" cy="2912760"/>
           </a:xfrm>
           <a:prstGeom prst="rect">
             <a:avLst/>
@@ -11743,7 +11139,7 @@
         <p:spPr>
           <a:xfrm>
             <a:off x="1058760" y="2096640"/>
-            <a:ext cx="5105520" cy="3015720"/>
+            <a:ext cx="5105160" cy="3015720"/>
           </a:xfrm>
           <a:prstGeom prst="rect">
             <a:avLst/>
@@ -11776,6 +11172,7 @@
                   <a:srgbClr val="000000"/>
                 </a:solidFill>
                 <a:latin typeface="Arial"/>
+                <a:ea typeface="DejaVu Sans"/>
               </a:rPr>
               <a:t>Visualization-of-Thought </a:t>
             </a:r>
@@ -11807,6 +11204,7 @@
                   <a:srgbClr val="030712"/>
                 </a:solidFill>
                 <a:latin typeface="ui-sans-serif"/>
+                <a:ea typeface="DejaVu Sans"/>
               </a:rPr>
               <a:t>•</a:t>
             </a:r>
@@ -11816,6 +11214,7 @@
                   <a:srgbClr val="030712"/>
                 </a:solidFill>
                 <a:latin typeface="ui-sans-serif"/>
+                <a:ea typeface="DejaVu Sans"/>
               </a:rPr>
               <a:t>Enhances Problem-Solving</a:t>
             </a:r>
@@ -11836,6 +11235,7 @@
                   <a:srgbClr val="030712"/>
                 </a:solidFill>
                 <a:latin typeface="ui-sans-serif"/>
+                <a:ea typeface="DejaVu Sans"/>
               </a:rPr>
               <a:t>•</a:t>
             </a:r>
@@ -11845,6 +11245,7 @@
                   <a:srgbClr val="030712"/>
                 </a:solidFill>
                 <a:latin typeface="ui-sans-serif"/>
+                <a:ea typeface="DejaVu Sans"/>
               </a:rPr>
               <a:t>Improves Communication</a:t>
             </a:r>
@@ -11865,6 +11266,7 @@
                   <a:srgbClr val="030712"/>
                 </a:solidFill>
                 <a:latin typeface="ui-sans-serif"/>
+                <a:ea typeface="DejaVu Sans"/>
               </a:rPr>
               <a:t>•</a:t>
             </a:r>
@@ -11874,6 +11276,7 @@
                   <a:srgbClr val="030712"/>
                 </a:solidFill>
                 <a:latin typeface="ui-sans-serif"/>
+                <a:ea typeface="DejaVu Sans"/>
               </a:rPr>
               <a:t>Increases Transparency </a:t>
             </a:r>
@@ -11894,6 +11297,7 @@
                   <a:srgbClr val="030712"/>
                 </a:solidFill>
                 <a:latin typeface="ui-sans-serif"/>
+                <a:ea typeface="DejaVu Sans"/>
               </a:rPr>
               <a:t>•</a:t>
             </a:r>
@@ -11903,6 +11307,7 @@
                   <a:srgbClr val="030712"/>
                 </a:solidFill>
                 <a:latin typeface="ui-sans-serif"/>
+                <a:ea typeface="DejaVu Sans"/>
               </a:rPr>
               <a:t>Facilitates Better Decision-Making</a:t>
             </a:r>
@@ -11923,6 +11328,7 @@
                   <a:srgbClr val="030712"/>
                 </a:solidFill>
                 <a:latin typeface="ui-sans-serif"/>
+                <a:ea typeface="DejaVu Sans"/>
               </a:rPr>
               <a:t>•</a:t>
             </a:r>
@@ -11932,6 +11338,7 @@
                   <a:srgbClr val="030712"/>
                 </a:solidFill>
                 <a:latin typeface="ui-sans-serif"/>
+                <a:ea typeface="DejaVu Sans"/>
               </a:rPr>
               <a:t>Boosts Code capabilities</a:t>
             </a:r>
@@ -11980,7 +11387,7 @@
         <p:spPr>
           <a:xfrm>
             <a:off x="2349360" y="759240"/>
-            <a:ext cx="5831280" cy="455400"/>
+            <a:ext cx="5830920" cy="455400"/>
           </a:xfrm>
           <a:prstGeom prst="rect">
             <a:avLst/>
@@ -12013,6 +11420,7 @@
                   <a:srgbClr val="000000"/>
                 </a:solidFill>
                 <a:latin typeface="Arial Black"/>
+                <a:ea typeface="DejaVu Sans"/>
               </a:rPr>
               <a:t>Prompting Pattern</a:t>
             </a:r>
@@ -12031,7 +11439,7 @@
         <p:spPr>
           <a:xfrm>
             <a:off x="4480200" y="1414080"/>
-            <a:ext cx="6851160" cy="3747240"/>
+            <a:ext cx="6850800" cy="3747240"/>
           </a:xfrm>
           <a:prstGeom prst="rect">
             <a:avLst/>
@@ -12064,6 +11472,7 @@
                   <a:srgbClr val="000000"/>
                 </a:solidFill>
                 <a:latin typeface="Arial"/>
+                <a:ea typeface="DejaVu Sans"/>
               </a:rPr>
               <a:t>We </a:t>
             </a:r>
@@ -12073,6 +11482,7 @@
                   <a:srgbClr val="000000"/>
                 </a:solidFill>
                 <a:latin typeface="Arial"/>
+                <a:ea typeface="DejaVu Sans"/>
               </a:rPr>
               <a:t>then</a:t>
             </a:r>
@@ -12082,6 +11492,7 @@
                   <a:srgbClr val="000000"/>
                 </a:solidFill>
                 <a:latin typeface="Arial"/>
+                <a:ea typeface="DejaVu Sans"/>
               </a:rPr>
               <a:t> used the </a:t>
             </a:r>
@@ -12092,6 +11503,7 @@
                 </a:solidFill>
                 <a:uFillTx/>
                 <a:latin typeface="Arial"/>
+                <a:ea typeface="DejaVu Sans"/>
               </a:rPr>
               <a:t>Persona</a:t>
             </a:r>
@@ -12101,6 +11513,7 @@
                   <a:srgbClr val="000000"/>
                 </a:solidFill>
                 <a:latin typeface="Arial"/>
+                <a:ea typeface="DejaVu Sans"/>
               </a:rPr>
               <a:t> prompt pattern  :</a:t>
             </a:r>
@@ -12136,6 +11549,7 @@
                   <a:srgbClr val="000000"/>
                 </a:solidFill>
                 <a:latin typeface="Arial"/>
+                <a:ea typeface="DejaVu Sans"/>
               </a:rPr>
               <a:t>In order to provide the LLM with intent </a:t>
             </a:r>
@@ -12160,6 +11574,7 @@
                   <a:srgbClr val="000000"/>
                 </a:solidFill>
                 <a:latin typeface="Arial"/>
+                <a:ea typeface="DejaVu Sans"/>
               </a:rPr>
               <a:t>Provide the LLM with motivation to achieve a certain task.</a:t>
             </a:r>
@@ -12184,6 +11599,7 @@
                   <a:srgbClr val="000000"/>
                 </a:solidFill>
                 <a:latin typeface="Arial"/>
+                <a:ea typeface="DejaVu Sans"/>
               </a:rPr>
               <a:t>Structure fundamental contextual statements around key ideas</a:t>
             </a:r>
@@ -12208,6 +11624,7 @@
                   <a:srgbClr val="000000"/>
                 </a:solidFill>
                 <a:latin typeface="Arial"/>
+                <a:ea typeface="DejaVu Sans"/>
               </a:rPr>
               <a:t>Provide example code for the LLM  to follow along by using the </a:t>
             </a:r>
@@ -12217,6 +11634,7 @@
                   <a:srgbClr val="000000"/>
                 </a:solidFill>
                 <a:latin typeface="Arial"/>
+                <a:ea typeface="DejaVu Sans"/>
               </a:rPr>
               <a:t>Chain of Thought</a:t>
             </a:r>
@@ -12226,6 +11644,7 @@
                   <a:srgbClr val="000000"/>
                 </a:solidFill>
                 <a:latin typeface="Arial"/>
+                <a:ea typeface="DejaVu Sans"/>
               </a:rPr>
               <a:t> prompt engineering technique.</a:t>
             </a:r>
@@ -12244,7 +11663,7 @@
         <p:spPr>
           <a:xfrm>
             <a:off x="4681440" y="5267160"/>
-            <a:ext cx="6352200" cy="363960"/>
+            <a:ext cx="6351840" cy="363960"/>
           </a:xfrm>
           <a:prstGeom prst="rect">
             <a:avLst/>
@@ -12278,6 +11697,7 @@
                 </a:solidFill>
                 <a:uFillTx/>
                 <a:latin typeface="Calibri"/>
+                <a:ea typeface="DejaVu Sans"/>
                 <a:hlinkClick r:id="rId1"/>
               </a:rPr>
               <a:t>Prompt example: https://chat.openai.com/share/8d425e27-d6d8-473b-9f53-7e42fdf6c008</a:t>
@@ -12301,7 +11721,7 @@
         <p:spPr>
           <a:xfrm>
             <a:off x="396720" y="1501560"/>
-            <a:ext cx="4113720" cy="3525480"/>
+            <a:ext cx="4113360" cy="3525120"/>
           </a:xfrm>
           <a:prstGeom prst="rect">
             <a:avLst/>
@@ -12350,7 +11770,7 @@
         <p:spPr>
           <a:xfrm>
             <a:off x="933120" y="1212840"/>
-            <a:ext cx="10310040" cy="1186920"/>
+            <a:ext cx="10309680" cy="1186920"/>
           </a:xfrm>
           <a:prstGeom prst="rect">
             <a:avLst/>
@@ -12383,6 +11803,7 @@
                   <a:srgbClr val="000000"/>
                 </a:solidFill>
                 <a:latin typeface="Arial"/>
+                <a:ea typeface="DejaVu Sans"/>
               </a:rPr>
               <a:t>During our research, the efforts of writing “malicious” code was inhibited by the content filtering process ChatGPT has. We discovered two ways to bypass and “exploit” the Reinforcement learning from human feedback (RLHF) and openAI’s content filtering by using YACATEC MAYA as a primary language . We share a conversation bellow as a Proof of Concept.</a:t>
             </a:r>
@@ -12401,7 +11822,7 @@
         <p:spPr>
           <a:xfrm>
             <a:off x="468000" y="3027600"/>
-            <a:ext cx="4966920" cy="638280"/>
+            <a:ext cx="4966560" cy="638280"/>
           </a:xfrm>
           <a:prstGeom prst="rect">
             <a:avLst/>
@@ -12434,6 +11855,7 @@
                   <a:srgbClr val="000000"/>
                 </a:solidFill>
                 <a:latin typeface="Arial"/>
+                <a:ea typeface="DejaVu Sans"/>
               </a:rPr>
               <a:t>Asking how to build a chemical bomb using English:</a:t>
             </a:r>
@@ -12452,7 +11874,7 @@
         <p:spPr>
           <a:xfrm>
             <a:off x="320400" y="3741120"/>
-            <a:ext cx="5005080" cy="363960"/>
+            <a:ext cx="5004720" cy="363960"/>
           </a:xfrm>
           <a:prstGeom prst="rect">
             <a:avLst/>
@@ -12486,6 +11908,7 @@
                 </a:solidFill>
                 <a:uFillTx/>
                 <a:latin typeface="Calibri"/>
+                <a:ea typeface="DejaVu Sans"/>
                 <a:hlinkClick r:id="rId1"/>
               </a:rPr>
               <a:t>https://chat.openai.com/share/445456a6-b89d-438b-a547-05adbec612de</a:t>
@@ -12509,7 +11932,7 @@
         <p:spPr>
           <a:xfrm>
             <a:off x="5435280" y="2622600"/>
-            <a:ext cx="6553800" cy="3816720"/>
+            <a:ext cx="6553440" cy="3816360"/>
           </a:xfrm>
           <a:prstGeom prst="rect">
             <a:avLst/>
@@ -12528,7 +11951,7 @@
         <p:spPr>
           <a:xfrm>
             <a:off x="320400" y="4511880"/>
-            <a:ext cx="5059800" cy="638280"/>
+            <a:ext cx="5059440" cy="638280"/>
           </a:xfrm>
           <a:prstGeom prst="rect">
             <a:avLst/>
@@ -12561,6 +11984,7 @@
                   <a:srgbClr val="000000"/>
                 </a:solidFill>
                 <a:latin typeface="Calibri"/>
+                <a:ea typeface="DejaVu Sans"/>
               </a:rPr>
               <a:t>Asking how to build a chemical bomb using Yucatec Maya:</a:t>
             </a:r>
@@ -12579,7 +12003,7 @@
         <p:spPr>
           <a:xfrm>
             <a:off x="320400" y="5321880"/>
-            <a:ext cx="5005080" cy="363960"/>
+            <a:ext cx="5004720" cy="363960"/>
           </a:xfrm>
           <a:prstGeom prst="rect">
             <a:avLst/>
@@ -12613,6 +12037,7 @@
                 </a:solidFill>
                 <a:uFillTx/>
                 <a:latin typeface="Calibri"/>
+                <a:ea typeface="DejaVu Sans"/>
                 <a:hlinkClick r:id="rId3"/>
               </a:rPr>
               <a:t>https://chatgpt.com/share/670ff0da-9960-800b-bb94-a1ea10787bb7</a:t>
@@ -12632,7 +12057,7 @@
         <p:spPr>
           <a:xfrm>
             <a:off x="2123640" y="314640"/>
-            <a:ext cx="7944120" cy="821160"/>
+            <a:ext cx="7943760" cy="821160"/>
           </a:xfrm>
           <a:prstGeom prst="rect">
             <a:avLst/>
@@ -12665,6 +12090,7 @@
                   <a:srgbClr val="000000"/>
                 </a:solidFill>
                 <a:latin typeface="Segoe UI Variable Display Semib"/>
+                <a:ea typeface="DejaVu Sans"/>
               </a:rPr>
               <a:t>We discovered an exploit of ChatGPT RLHF/content filtering process</a:t>
             </a:r>
@@ -12713,7 +12139,7 @@
         <p:spPr>
           <a:xfrm>
             <a:off x="2123640" y="314640"/>
-            <a:ext cx="7944120" cy="821160"/>
+            <a:ext cx="7943760" cy="821160"/>
           </a:xfrm>
           <a:prstGeom prst="rect">
             <a:avLst/>
@@ -12746,6 +12172,7 @@
                   <a:srgbClr val="000000"/>
                 </a:solidFill>
                 <a:latin typeface="Segoe UI Variable Display Semib"/>
+                <a:ea typeface="DejaVu Sans"/>
               </a:rPr>
               <a:t>We discovered a second exploit of ChatGPT RLHF/content filtering process</a:t>
             </a:r>
@@ -12764,7 +12191,7 @@
         <p:spPr>
           <a:xfrm>
             <a:off x="933120" y="1212840"/>
-            <a:ext cx="10310040" cy="638280"/>
+            <a:ext cx="10309680" cy="638280"/>
           </a:xfrm>
           <a:prstGeom prst="rect">
             <a:avLst/>
@@ -12797,6 +12224,7 @@
                   <a:srgbClr val="000000"/>
                 </a:solidFill>
                 <a:latin typeface="Arial"/>
+                <a:ea typeface="DejaVu Sans"/>
               </a:rPr>
               <a:t>By using prompt engineering, and specifically the “persona” pattern we managed to bypass the RLHF/content filtering process.</a:t>
             </a:r>
@@ -12815,7 +12243,7 @@
         <p:spPr>
           <a:xfrm>
             <a:off x="192600" y="2524320"/>
-            <a:ext cx="5922720" cy="363960"/>
+            <a:ext cx="5922360" cy="363960"/>
           </a:xfrm>
           <a:prstGeom prst="rect">
             <a:avLst/>
@@ -12848,6 +12276,7 @@
                   <a:srgbClr val="000000"/>
                 </a:solidFill>
                 <a:latin typeface="Calibri"/>
+                <a:ea typeface="DejaVu Sans"/>
               </a:rPr>
               <a:t>Prompt cannot be shared due to moderation unfortunately:</a:t>
             </a:r>
@@ -12870,7 +12299,7 @@
         <p:spPr>
           <a:xfrm>
             <a:off x="6095880" y="2608560"/>
-            <a:ext cx="5731560" cy="3557160"/>
+            <a:ext cx="5731200" cy="3556800"/>
           </a:xfrm>
           <a:prstGeom prst="rect">
             <a:avLst/>
@@ -12893,7 +12322,7 @@
         <p:spPr>
           <a:xfrm>
             <a:off x="468000" y="2893680"/>
-            <a:ext cx="5371920" cy="3272400"/>
+            <a:ext cx="5371560" cy="3272040"/>
           </a:xfrm>
           <a:prstGeom prst="rect">
             <a:avLst/>

--- a/presentations/CSAW_2024_second_stage.pptx
+++ b/presentations/CSAW_2024_second_stage.pptx
@@ -30,7 +30,6 @@
     <p:sldId id="277" r:id="rId25"/>
     <p:sldId id="278" r:id="rId26"/>
     <p:sldId id="279" r:id="rId27"/>
-    <p:sldId id="280" r:id="rId28"/>
   </p:sldIdLst>
   <p:sldSz cx="12192000" cy="6858000"/>
   <p:notesSz cx="7559675" cy="10691813"/>
@@ -88,7 +87,7 @@
         <p:txBody>
           <a:bodyPr/>
           <a:p>
-            <a:fld id="{4AFBCE97-F121-486B-8F10-F61BF9630D69}" type="slidenum">
+            <a:fld id="{4ED115AA-B80D-4484-97FE-EB31B6562101}" type="slidenum">
               <a:t>&lt;#&gt;</a:t>
             </a:fld>
           </a:p>
@@ -276,7 +275,7 @@
         <p:txBody>
           <a:bodyPr/>
           <a:p>
-            <a:fld id="{71C8083B-ED3D-48BC-A8FE-AEEDC201ADA2}" type="slidenum">
+            <a:fld id="{0434ADF3-424D-4E79-92B9-5C2E3A2BE9AC}" type="slidenum">
               <a:t>&lt;#&gt;</a:t>
             </a:fld>
           </a:p>
@@ -532,7 +531,7 @@
         <p:txBody>
           <a:bodyPr/>
           <a:p>
-            <a:fld id="{1270C18C-6DD3-4B8F-AEBE-B6E5C51BBE9C}" type="slidenum">
+            <a:fld id="{C43F5877-C1D5-41BE-9D01-5E99025E1ED2}" type="slidenum">
               <a:t>&lt;#&gt;</a:t>
             </a:fld>
           </a:p>
@@ -856,7 +855,7 @@
         <p:txBody>
           <a:bodyPr/>
           <a:p>
-            <a:fld id="{A04986A0-B193-4BB6-9C5B-90B49E9649AD}" type="slidenum">
+            <a:fld id="{4CFE98EB-CBB9-4EE5-B54F-980666E6C984}" type="slidenum">
               <a:t>&lt;#&gt;</a:t>
             </a:fld>
           </a:p>
@@ -939,7 +938,7 @@
         <p:txBody>
           <a:bodyPr/>
           <a:p>
-            <a:fld id="{77CDD5BD-C6FC-4B7B-98DD-3F2CB19BC8A1}" type="slidenum">
+            <a:fld id="{DC87FC67-FB0C-4A6D-AAF4-8FAD58732242}" type="slidenum">
               <a:t>&lt;#&gt;</a:t>
             </a:fld>
           </a:p>
@@ -1096,7 +1095,7 @@
         <p:txBody>
           <a:bodyPr/>
           <a:p>
-            <a:fld id="{7B8DCBC1-B18E-47A4-8966-4F5DB542D65F}" type="slidenum">
+            <a:fld id="{9EE684FB-863C-4C8F-9391-136AE39A05B2}" type="slidenum">
               <a:t>&lt;#&gt;</a:t>
             </a:fld>
           </a:p>
@@ -1250,7 +1249,7 @@
         <p:txBody>
           <a:bodyPr/>
           <a:p>
-            <a:fld id="{227F0067-24A1-4E6D-B68E-94986859620C}" type="slidenum">
+            <a:fld id="{D6DEF0C4-F486-4320-AA4F-71FA5444D3E5}" type="slidenum">
               <a:t>&lt;#&gt;</a:t>
             </a:fld>
           </a:p>
@@ -1438,7 +1437,7 @@
         <p:txBody>
           <a:bodyPr/>
           <a:p>
-            <a:fld id="{2A35911F-F95A-4DCF-A2E1-E8CCF7D76D23}" type="slidenum">
+            <a:fld id="{956FDEFC-9B75-4213-B4DF-E82611D24BCC}" type="slidenum">
               <a:t>&lt;#&gt;</a:t>
             </a:fld>
           </a:p>
@@ -1558,7 +1557,7 @@
         <p:txBody>
           <a:bodyPr/>
           <a:p>
-            <a:fld id="{CFE31814-13D9-452D-8002-489F15FAA8F6}" type="slidenum">
+            <a:fld id="{5CECF824-A999-4112-8133-A3408FE45476}" type="slidenum">
               <a:t>&lt;#&gt;</a:t>
             </a:fld>
           </a:p>
@@ -1678,7 +1677,7 @@
         <p:txBody>
           <a:bodyPr/>
           <a:p>
-            <a:fld id="{5BE6A48D-957E-4ED5-9335-B3BF6B4B2680}" type="slidenum">
+            <a:fld id="{C2F11F16-92BD-4C4E-A134-9A40A8A2462F}" type="slidenum">
               <a:t>&lt;#&gt;</a:t>
             </a:fld>
           </a:p>
@@ -1900,7 +1899,7 @@
         <p:txBody>
           <a:bodyPr/>
           <a:p>
-            <a:fld id="{4E628EB5-5AAB-4AC3-A677-EE40650567A1}" type="slidenum">
+            <a:fld id="{76F33F0A-0B7C-428A-8B33-7BF3D9703C76}" type="slidenum">
               <a:t>&lt;#&gt;</a:t>
             </a:fld>
           </a:p>
@@ -2057,7 +2056,7 @@
         <p:txBody>
           <a:bodyPr/>
           <a:p>
-            <a:fld id="{9DA01D05-B50C-479B-A0B8-4738A1F85332}" type="slidenum">
+            <a:fld id="{BF1089F8-629F-4120-8185-A1385607C09A}" type="slidenum">
               <a:t>&lt;#&gt;</a:t>
             </a:fld>
           </a:p>
@@ -2279,7 +2278,7 @@
         <p:txBody>
           <a:bodyPr/>
           <a:p>
-            <a:fld id="{DD1A5D1D-FB76-4598-B32C-4DDB47E16B48}" type="slidenum">
+            <a:fld id="{4E5662EB-94C6-45EA-9E2B-3267BDA7D924}" type="slidenum">
               <a:t>&lt;#&gt;</a:t>
             </a:fld>
           </a:p>
@@ -2501,7 +2500,7 @@
         <p:txBody>
           <a:bodyPr/>
           <a:p>
-            <a:fld id="{1A4C8B30-94FC-4D1C-9186-E38701415C0A}" type="slidenum">
+            <a:fld id="{35EEE324-3ED8-442A-B02E-4536D1F009A1}" type="slidenum">
               <a:t>&lt;#&gt;</a:t>
             </a:fld>
           </a:p>
@@ -2689,7 +2688,7 @@
         <p:txBody>
           <a:bodyPr/>
           <a:p>
-            <a:fld id="{EEDEF7DA-7007-4983-A530-592F9BD847EE}" type="slidenum">
+            <a:fld id="{D9793796-F958-4188-9258-72C7532B89D1}" type="slidenum">
               <a:t>&lt;#&gt;</a:t>
             </a:fld>
           </a:p>
@@ -2945,7 +2944,7 @@
         <p:txBody>
           <a:bodyPr/>
           <a:p>
-            <a:fld id="{A0D6E7DE-282A-4B84-BB8B-E21B60BF9428}" type="slidenum">
+            <a:fld id="{B2139467-DE5E-4C75-97F1-E53AD0259563}" type="slidenum">
               <a:t>&lt;#&gt;</a:t>
             </a:fld>
           </a:p>
@@ -3269,7 +3268,7 @@
         <p:txBody>
           <a:bodyPr/>
           <a:p>
-            <a:fld id="{90E711F5-BC47-49BF-BC93-0D20CC1ACEE2}" type="slidenum">
+            <a:fld id="{AD7B3F97-EB08-45D5-A08E-D4A3E4779E9F}" type="slidenum">
               <a:t>&lt;#&gt;</a:t>
             </a:fld>
           </a:p>
@@ -3423,7 +3422,7 @@
         <p:txBody>
           <a:bodyPr/>
           <a:p>
-            <a:fld id="{86D3E51B-A2E3-47C7-B7D9-C22AAB939DC6}" type="slidenum">
+            <a:fld id="{B7162488-E26F-4D9A-AE2C-02A9DB6C37CD}" type="slidenum">
               <a:t>&lt;#&gt;</a:t>
             </a:fld>
           </a:p>
@@ -3611,7 +3610,7 @@
         <p:txBody>
           <a:bodyPr/>
           <a:p>
-            <a:fld id="{195B6A97-B671-4E74-96D6-ABCF4D1C012F}" type="slidenum">
+            <a:fld id="{2C2A9A38-8CBB-4314-AA49-BB8A2C3A242F}" type="slidenum">
               <a:t>&lt;#&gt;</a:t>
             </a:fld>
           </a:p>
@@ -3731,7 +3730,7 @@
         <p:txBody>
           <a:bodyPr/>
           <a:p>
-            <a:fld id="{84BCCC15-2405-492E-8E59-EF3A6DAC1891}" type="slidenum">
+            <a:fld id="{1E2CCF9A-44A5-4CD2-9265-87FD15FD4704}" type="slidenum">
               <a:t>&lt;#&gt;</a:t>
             </a:fld>
           </a:p>
@@ -3851,7 +3850,7 @@
         <p:txBody>
           <a:bodyPr/>
           <a:p>
-            <a:fld id="{526E7D8D-1DC6-4FAD-9320-C21E80CC84CC}" type="slidenum">
+            <a:fld id="{0045E808-CE1C-4AC7-9F1B-8D33AB8A6FA9}" type="slidenum">
               <a:t>&lt;#&gt;</a:t>
             </a:fld>
           </a:p>
@@ -4073,7 +4072,7 @@
         <p:txBody>
           <a:bodyPr/>
           <a:p>
-            <a:fld id="{1A58846A-4E96-40E2-B5F7-D51B29826188}" type="slidenum">
+            <a:fld id="{39B98CC2-0BAA-4803-8EA8-2E5C926A4B9A}" type="slidenum">
               <a:t>&lt;#&gt;</a:t>
             </a:fld>
           </a:p>
@@ -4295,7 +4294,7 @@
         <p:txBody>
           <a:bodyPr/>
           <a:p>
-            <a:fld id="{ED719108-201F-4155-A59E-8F104F00BF49}" type="slidenum">
+            <a:fld id="{1F63C020-D1A3-4CC8-839A-75C35B7232B4}" type="slidenum">
               <a:t>&lt;#&gt;</a:t>
             </a:fld>
           </a:p>
@@ -4517,7 +4516,7 @@
         <p:txBody>
           <a:bodyPr/>
           <a:p>
-            <a:fld id="{F03AEED8-EEA9-4867-9430-1E3E02A7C12F}" type="slidenum">
+            <a:fld id="{23AB6AB5-557C-420B-8701-9C2F944A77F2}" type="slidenum">
               <a:t>&lt;#&gt;</a:t>
             </a:fld>
           </a:p>
@@ -4620,13 +4619,196 @@
             <a:spLocks noGrp="1"/>
           </p:cNvSpPr>
           <p:nvPr>
+            <p:ph type="body"/>
+          </p:nvPr>
+        </p:nvSpPr>
+        <p:spPr>
+          <a:xfrm>
+            <a:off x="609480" y="1604520"/>
+            <a:ext cx="10972080" cy="3976920"/>
+          </a:xfrm>
+          <a:prstGeom prst="rect">
+            <a:avLst/>
+          </a:prstGeom>
+          <a:noFill/>
+          <a:ln w="0">
+            <a:noFill/>
+          </a:ln>
+        </p:spPr>
+        <p:txBody>
+          <a:bodyPr lIns="0" rIns="0" tIns="0" bIns="0" anchor="t">
+            <a:normAutofit/>
+          </a:bodyPr>
+          <a:p>
+            <a:pPr marL="432000" indent="-324000">
+              <a:spcBef>
+                <a:spcPts val="1417"/>
+              </a:spcBef>
+              <a:buClr>
+                <a:srgbClr val="000000"/>
+              </a:buClr>
+              <a:buSzPct val="45000"/>
+              <a:buFont typeface="Wingdings" charset="2"/>
+              <a:buChar char=""/>
+            </a:pPr>
+            <a:r>
+              <a:rPr b="0" lang="en-US" sz="1800" spc="-1" strike="noStrike">
+                <a:latin typeface="Arial"/>
+              </a:rPr>
+              <a:t>Click to edit the outline text format</a:t>
+            </a:r>
+            <a:endParaRPr b="0" lang="en-US" sz="1800" spc="-1" strike="noStrike">
+              <a:latin typeface="Arial"/>
+            </a:endParaRPr>
+          </a:p>
+          <a:p>
+            <a:pPr lvl="1" marL="864000" indent="-324000">
+              <a:spcBef>
+                <a:spcPts val="1134"/>
+              </a:spcBef>
+              <a:buClr>
+                <a:srgbClr val="000000"/>
+              </a:buClr>
+              <a:buSzPct val="75000"/>
+              <a:buFont typeface="Symbol" charset="2"/>
+              <a:buChar char=""/>
+            </a:pPr>
+            <a:r>
+              <a:rPr b="0" lang="en-US" sz="1800" spc="-1" strike="noStrike">
+                <a:latin typeface="Arial"/>
+              </a:rPr>
+              <a:t>Second Outline Level</a:t>
+            </a:r>
+            <a:endParaRPr b="0" lang="en-US" sz="1800" spc="-1" strike="noStrike">
+              <a:latin typeface="Arial"/>
+            </a:endParaRPr>
+          </a:p>
+          <a:p>
+            <a:pPr lvl="2" marL="1296000" indent="-288000">
+              <a:spcBef>
+                <a:spcPts val="850"/>
+              </a:spcBef>
+              <a:buClr>
+                <a:srgbClr val="000000"/>
+              </a:buClr>
+              <a:buSzPct val="45000"/>
+              <a:buFont typeface="Wingdings" charset="2"/>
+              <a:buChar char=""/>
+            </a:pPr>
+            <a:r>
+              <a:rPr b="0" lang="en-US" sz="1800" spc="-1" strike="noStrike">
+                <a:latin typeface="Arial"/>
+              </a:rPr>
+              <a:t>Third Outline Level</a:t>
+            </a:r>
+            <a:endParaRPr b="0" lang="en-US" sz="1800" spc="-1" strike="noStrike">
+              <a:latin typeface="Arial"/>
+            </a:endParaRPr>
+          </a:p>
+          <a:p>
+            <a:pPr lvl="3" marL="1728000" indent="-216000">
+              <a:spcBef>
+                <a:spcPts val="567"/>
+              </a:spcBef>
+              <a:buClr>
+                <a:srgbClr val="000000"/>
+              </a:buClr>
+              <a:buSzPct val="75000"/>
+              <a:buFont typeface="Symbol" charset="2"/>
+              <a:buChar char=""/>
+            </a:pPr>
+            <a:r>
+              <a:rPr b="0" lang="en-US" sz="1800" spc="-1" strike="noStrike">
+                <a:latin typeface="Arial"/>
+              </a:rPr>
+              <a:t>Fourth Outline Level</a:t>
+            </a:r>
+            <a:endParaRPr b="0" lang="en-US" sz="1800" spc="-1" strike="noStrike">
+              <a:latin typeface="Arial"/>
+            </a:endParaRPr>
+          </a:p>
+          <a:p>
+            <a:pPr lvl="4" marL="2160000" indent="-216000">
+              <a:spcBef>
+                <a:spcPts val="283"/>
+              </a:spcBef>
+              <a:buClr>
+                <a:srgbClr val="000000"/>
+              </a:buClr>
+              <a:buSzPct val="45000"/>
+              <a:buFont typeface="Wingdings" charset="2"/>
+              <a:buChar char=""/>
+            </a:pPr>
+            <a:r>
+              <a:rPr b="0" lang="en-US" sz="1800" spc="-1" strike="noStrike">
+                <a:latin typeface="Arial"/>
+              </a:rPr>
+              <a:t>Fifth Outline Level</a:t>
+            </a:r>
+            <a:endParaRPr b="0" lang="en-US" sz="1800" spc="-1" strike="noStrike">
+              <a:latin typeface="Arial"/>
+            </a:endParaRPr>
+          </a:p>
+          <a:p>
+            <a:pPr lvl="5" marL="2592000" indent="-216000">
+              <a:spcBef>
+                <a:spcPts val="283"/>
+              </a:spcBef>
+              <a:buClr>
+                <a:srgbClr val="000000"/>
+              </a:buClr>
+              <a:buSzPct val="45000"/>
+              <a:buFont typeface="Wingdings" charset="2"/>
+              <a:buChar char=""/>
+            </a:pPr>
+            <a:r>
+              <a:rPr b="0" lang="en-US" sz="1800" spc="-1" strike="noStrike">
+                <a:latin typeface="Arial"/>
+              </a:rPr>
+              <a:t>Sixth Outline Level</a:t>
+            </a:r>
+            <a:endParaRPr b="0" lang="en-US" sz="1800" spc="-1" strike="noStrike">
+              <a:latin typeface="Arial"/>
+            </a:endParaRPr>
+          </a:p>
+          <a:p>
+            <a:pPr lvl="6" marL="3024000" indent="-216000">
+              <a:spcBef>
+                <a:spcPts val="283"/>
+              </a:spcBef>
+              <a:buClr>
+                <a:srgbClr val="000000"/>
+              </a:buClr>
+              <a:buSzPct val="45000"/>
+              <a:buFont typeface="Wingdings" charset="2"/>
+              <a:buChar char=""/>
+            </a:pPr>
+            <a:r>
+              <a:rPr b="0" lang="en-US" sz="1800" spc="-1" strike="noStrike">
+                <a:latin typeface="Arial"/>
+              </a:rPr>
+              <a:t>Seventh Outline Level</a:t>
+            </a:r>
+            <a:endParaRPr b="0" lang="en-US" sz="1800" spc="-1" strike="noStrike">
+              <a:latin typeface="Arial"/>
+            </a:endParaRPr>
+          </a:p>
+        </p:txBody>
+      </p:sp>
+      <p:sp>
+        <p:nvSpPr>
+          <p:cNvPr id="2" name="PlaceHolder 3"/>
+          <p:cNvSpPr>
+            <a:spLocks noGrp="1"/>
+          </p:cNvSpPr>
+          <p:nvPr>
             <p:ph type="ftr" idx="1"/>
           </p:nvPr>
         </p:nvSpPr>
         <p:spPr>
           <a:xfrm>
             <a:off x="4038480" y="6356520"/>
-            <a:ext cx="4114080" cy="364320"/>
+            <a:ext cx="4113720" cy="363960"/>
           </a:xfrm>
           <a:prstGeom prst="rect">
             <a:avLst/>
@@ -4672,7 +4854,7 @@
       </p:sp>
       <p:sp>
         <p:nvSpPr>
-          <p:cNvPr id="2" name="PlaceHolder 3"/>
+          <p:cNvPr id="3" name="PlaceHolder 4"/>
           <p:cNvSpPr>
             <a:spLocks noGrp="1"/>
           </p:cNvSpPr>
@@ -4683,7 +4865,7 @@
         <p:spPr>
           <a:xfrm>
             <a:off x="8610480" y="6356520"/>
-            <a:ext cx="2742480" cy="364320"/>
+            <a:ext cx="2742120" cy="363960"/>
           </a:xfrm>
           <a:prstGeom prst="rect">
             <a:avLst/>
@@ -4718,7 +4900,7 @@
               </a:lnSpc>
               <a:buNone/>
             </a:pPr>
-            <a:fld id="{1E44666D-8043-40ED-9189-FEFADFD9391F}" type="slidenum">
+            <a:fld id="{8DE2983B-16BC-46CE-B868-0D5E373CEBCB}" type="slidenum">
               <a:rPr b="0" lang="el-GR" sz="1200" spc="-1" strike="noStrike">
                 <a:solidFill>
                   <a:srgbClr val="8b8b8b"/>
@@ -4735,7 +4917,7 @@
       </p:sp>
       <p:sp>
         <p:nvSpPr>
-          <p:cNvPr id="3" name="PlaceHolder 4"/>
+          <p:cNvPr id="4" name="PlaceHolder 5"/>
           <p:cNvSpPr>
             <a:spLocks noGrp="1"/>
           </p:cNvSpPr>
@@ -4746,7 +4928,7 @@
         <p:spPr>
           <a:xfrm>
             <a:off x="838080" y="6356520"/>
-            <a:ext cx="2742480" cy="364320"/>
+            <a:ext cx="2742120" cy="363960"/>
           </a:xfrm>
           <a:prstGeom prst="rect">
             <a:avLst/>
@@ -4776,189 +4958,6 @@
             </a:r>
             <a:endParaRPr b="0" lang="en-US" sz="1400" spc="-1" strike="noStrike">
               <a:latin typeface="Times New Roman"/>
-            </a:endParaRPr>
-          </a:p>
-        </p:txBody>
-      </p:sp>
-      <p:sp>
-        <p:nvSpPr>
-          <p:cNvPr id="4" name="PlaceHolder 5"/>
-          <p:cNvSpPr>
-            <a:spLocks noGrp="1"/>
-          </p:cNvSpPr>
-          <p:nvPr>
-            <p:ph type="body"/>
-          </p:nvPr>
-        </p:nvSpPr>
-        <p:spPr>
-          <a:xfrm>
-            <a:off x="609480" y="1604520"/>
-            <a:ext cx="10972440" cy="3977280"/>
-          </a:xfrm>
-          <a:prstGeom prst="rect">
-            <a:avLst/>
-          </a:prstGeom>
-          <a:noFill/>
-          <a:ln w="0">
-            <a:noFill/>
-          </a:ln>
-        </p:spPr>
-        <p:txBody>
-          <a:bodyPr lIns="0" rIns="0" tIns="0" bIns="0" anchor="t">
-            <a:normAutofit/>
-          </a:bodyPr>
-          <a:p>
-            <a:pPr marL="432000" indent="-324000">
-              <a:spcBef>
-                <a:spcPts val="1417"/>
-              </a:spcBef>
-              <a:buClr>
-                <a:srgbClr val="000000"/>
-              </a:buClr>
-              <a:buSzPct val="45000"/>
-              <a:buFont typeface="Wingdings" charset="2"/>
-              <a:buChar char=""/>
-            </a:pPr>
-            <a:r>
-              <a:rPr b="0" lang="en-US" sz="3200" spc="-1" strike="noStrike">
-                <a:latin typeface="Arial"/>
-              </a:rPr>
-              <a:t>Click to edit the outline text format</a:t>
-            </a:r>
-            <a:endParaRPr b="0" lang="en-US" sz="3200" spc="-1" strike="noStrike">
-              <a:latin typeface="Arial"/>
-            </a:endParaRPr>
-          </a:p>
-          <a:p>
-            <a:pPr lvl="1" marL="864000" indent="-324000">
-              <a:spcBef>
-                <a:spcPts val="1134"/>
-              </a:spcBef>
-              <a:buClr>
-                <a:srgbClr val="000000"/>
-              </a:buClr>
-              <a:buSzPct val="75000"/>
-              <a:buFont typeface="Symbol" charset="2"/>
-              <a:buChar char=""/>
-            </a:pPr>
-            <a:r>
-              <a:rPr b="0" lang="en-US" sz="2800" spc="-1" strike="noStrike">
-                <a:latin typeface="Arial"/>
-              </a:rPr>
-              <a:t>Second Outline Level</a:t>
-            </a:r>
-            <a:endParaRPr b="0" lang="en-US" sz="2800" spc="-1" strike="noStrike">
-              <a:latin typeface="Arial"/>
-            </a:endParaRPr>
-          </a:p>
-          <a:p>
-            <a:pPr lvl="2" marL="1296000" indent="-288000">
-              <a:spcBef>
-                <a:spcPts val="850"/>
-              </a:spcBef>
-              <a:buClr>
-                <a:srgbClr val="000000"/>
-              </a:buClr>
-              <a:buSzPct val="45000"/>
-              <a:buFont typeface="Wingdings" charset="2"/>
-              <a:buChar char=""/>
-            </a:pPr>
-            <a:r>
-              <a:rPr b="0" lang="en-US" sz="2400" spc="-1" strike="noStrike">
-                <a:latin typeface="Arial"/>
-              </a:rPr>
-              <a:t>Third Outline Level</a:t>
-            </a:r>
-            <a:endParaRPr b="0" lang="en-US" sz="2400" spc="-1" strike="noStrike">
-              <a:latin typeface="Arial"/>
-            </a:endParaRPr>
-          </a:p>
-          <a:p>
-            <a:pPr lvl="3" marL="1728000" indent="-216000">
-              <a:spcBef>
-                <a:spcPts val="567"/>
-              </a:spcBef>
-              <a:buClr>
-                <a:srgbClr val="000000"/>
-              </a:buClr>
-              <a:buSzPct val="75000"/>
-              <a:buFont typeface="Symbol" charset="2"/>
-              <a:buChar char=""/>
-            </a:pPr>
-            <a:r>
-              <a:rPr b="0" lang="en-US" sz="2000" spc="-1" strike="noStrike">
-                <a:latin typeface="Arial"/>
-              </a:rPr>
-              <a:t>Fourth Outline Level</a:t>
-            </a:r>
-            <a:endParaRPr b="0" lang="en-US" sz="2000" spc="-1" strike="noStrike">
-              <a:latin typeface="Arial"/>
-            </a:endParaRPr>
-          </a:p>
-          <a:p>
-            <a:pPr lvl="4" marL="2160000" indent="-216000">
-              <a:spcBef>
-                <a:spcPts val="283"/>
-              </a:spcBef>
-              <a:buClr>
-                <a:srgbClr val="000000"/>
-              </a:buClr>
-              <a:buSzPct val="45000"/>
-              <a:buFont typeface="Wingdings" charset="2"/>
-              <a:buChar char=""/>
-            </a:pPr>
-            <a:r>
-              <a:rPr b="0" lang="en-US" sz="2000" spc="-1" strike="noStrike">
-                <a:latin typeface="Arial"/>
-              </a:rPr>
-              <a:t>Fifth Outline Level</a:t>
-            </a:r>
-            <a:endParaRPr b="0" lang="en-US" sz="2000" spc="-1" strike="noStrike">
-              <a:latin typeface="Arial"/>
-            </a:endParaRPr>
-          </a:p>
-          <a:p>
-            <a:pPr lvl="5" marL="2592000" indent="-216000">
-              <a:spcBef>
-                <a:spcPts val="283"/>
-              </a:spcBef>
-              <a:buClr>
-                <a:srgbClr val="000000"/>
-              </a:buClr>
-              <a:buSzPct val="45000"/>
-              <a:buFont typeface="Wingdings" charset="2"/>
-              <a:buChar char=""/>
-            </a:pPr>
-            <a:r>
-              <a:rPr b="0" lang="en-US" sz="2000" spc="-1" strike="noStrike">
-                <a:latin typeface="Arial"/>
-              </a:rPr>
-              <a:t>Sixth Outline Level</a:t>
-            </a:r>
-            <a:endParaRPr b="0" lang="en-US" sz="2000" spc="-1" strike="noStrike">
-              <a:latin typeface="Arial"/>
-            </a:endParaRPr>
-          </a:p>
-          <a:p>
-            <a:pPr lvl="6" marL="3024000" indent="-216000">
-              <a:spcBef>
-                <a:spcPts val="283"/>
-              </a:spcBef>
-              <a:buClr>
-                <a:srgbClr val="000000"/>
-              </a:buClr>
-              <a:buSzPct val="45000"/>
-              <a:buFont typeface="Wingdings" charset="2"/>
-              <a:buChar char=""/>
-            </a:pPr>
-            <a:r>
-              <a:rPr b="0" lang="en-US" sz="2000" spc="-1" strike="noStrike">
-                <a:latin typeface="Arial"/>
-              </a:rPr>
-              <a:t>Seventh Outline Level</a:t>
-            </a:r>
-            <a:endParaRPr b="0" lang="en-US" sz="2000" spc="-1" strike="noStrike">
-              <a:latin typeface="Arial"/>
             </a:endParaRPr>
           </a:p>
         </p:txBody>
@@ -5020,7 +5019,7 @@
         <p:spPr>
           <a:xfrm>
             <a:off x="4038480" y="6356520"/>
-            <a:ext cx="4114080" cy="364320"/>
+            <a:ext cx="4113720" cy="363960"/>
           </a:xfrm>
           <a:prstGeom prst="rect">
             <a:avLst/>
@@ -5077,7 +5076,7 @@
         <p:spPr>
           <a:xfrm>
             <a:off x="8610480" y="6356520"/>
-            <a:ext cx="2742480" cy="364320"/>
+            <a:ext cx="2742120" cy="363960"/>
           </a:xfrm>
           <a:prstGeom prst="rect">
             <a:avLst/>
@@ -5112,7 +5111,7 @@
               </a:lnSpc>
               <a:buNone/>
             </a:pPr>
-            <a:fld id="{CD39976B-D95E-41E7-B8DF-2D2E6B815A65}" type="slidenum">
+            <a:fld id="{9AFC6FE9-1C5A-4C6D-B533-8BCBC015E6CF}" type="slidenum">
               <a:rPr b="0" lang="el-GR" sz="1200" spc="-1" strike="noStrike">
                 <a:solidFill>
                   <a:srgbClr val="8b8b8b"/>
@@ -5140,7 +5139,7 @@
         <p:spPr>
           <a:xfrm>
             <a:off x="838080" y="6356520"/>
-            <a:ext cx="2742480" cy="364320"/>
+            <a:ext cx="2742120" cy="363960"/>
           </a:xfrm>
           <a:prstGeom prst="rect">
             <a:avLst/>
@@ -5446,9 +5445,9 @@
         <p:grpSpPr>
           <a:xfrm>
             <a:off x="3413880" y="2232000"/>
-            <a:ext cx="5363280" cy="2393640"/>
+            <a:ext cx="5362920" cy="2393280"/>
             <a:chOff x="3413880" y="2232000"/>
-            <a:chExt cx="5363280" cy="2393640"/>
+            <a:chExt cx="5362920" cy="2393280"/>
           </a:xfrm>
         </p:grpSpPr>
         <p:pic>
@@ -5465,7 +5464,7 @@
           <p:spPr>
             <a:xfrm>
               <a:off x="3413880" y="2232000"/>
-              <a:ext cx="1893600" cy="2393640"/>
+              <a:ext cx="1893240" cy="2393280"/>
             </a:xfrm>
             <a:prstGeom prst="rect">
               <a:avLst/>
@@ -5484,7 +5483,7 @@
           <p:spPr>
             <a:xfrm>
               <a:off x="5592960" y="2232000"/>
-              <a:ext cx="3184200" cy="2284200"/>
+              <a:ext cx="3183840" cy="2284200"/>
             </a:xfrm>
             <a:prstGeom prst="rect">
               <a:avLst/>
@@ -5630,7 +5629,7 @@
         <p:spPr>
           <a:xfrm>
             <a:off x="4501080" y="1563120"/>
-            <a:ext cx="7193160" cy="4204440"/>
+            <a:ext cx="7192800" cy="4204440"/>
           </a:xfrm>
           <a:prstGeom prst="rect">
             <a:avLst/>
@@ -5807,7 +5806,7 @@
         <p:spPr>
           <a:xfrm>
             <a:off x="3819600" y="402480"/>
-            <a:ext cx="4484520" cy="638280"/>
+            <a:ext cx="4484160" cy="638280"/>
           </a:xfrm>
           <a:prstGeom prst="rect">
             <a:avLst/>
@@ -5862,8 +5861,8 @@
         </p:blipFill>
         <p:spPr>
           <a:xfrm rot="10800000">
-            <a:off x="1153440" y="1658520"/>
-            <a:ext cx="2648520" cy="3983040"/>
+            <a:off x="1153800" y="1658880"/>
+            <a:ext cx="2648160" cy="3982680"/>
           </a:xfrm>
           <a:prstGeom prst="rect">
             <a:avLst/>
@@ -5917,7 +5916,7 @@
         <p:spPr>
           <a:xfrm>
             <a:off x="1273320" y="1141200"/>
-            <a:ext cx="3048840" cy="3252960"/>
+            <a:ext cx="3048480" cy="3252600"/>
           </a:xfrm>
           <a:prstGeom prst="rect">
             <a:avLst/>
@@ -5936,7 +5935,7 @@
         <p:spPr>
           <a:xfrm>
             <a:off x="5205240" y="1582200"/>
-            <a:ext cx="6095880" cy="3655800"/>
+            <a:ext cx="6095520" cy="3655800"/>
           </a:xfrm>
           <a:prstGeom prst="rect">
             <a:avLst/>
@@ -6117,7 +6116,7 @@
         <p:spPr>
           <a:xfrm>
             <a:off x="2436840" y="345240"/>
-            <a:ext cx="7569360" cy="5909040"/>
+            <a:ext cx="7569000" cy="5908680"/>
           </a:xfrm>
           <a:prstGeom prst="rect">
             <a:avLst/>
@@ -6166,7 +6165,7 @@
         <p:spPr>
           <a:xfrm>
             <a:off x="4343400" y="970560"/>
-            <a:ext cx="3200040" cy="577080"/>
+            <a:ext cx="3199680" cy="577080"/>
           </a:xfrm>
           <a:prstGeom prst="rect">
             <a:avLst/>
@@ -6222,7 +6221,7 @@
         <p:spPr>
           <a:xfrm>
             <a:off x="1143000" y="2104920"/>
-            <a:ext cx="9170640" cy="4066920"/>
+            <a:ext cx="9170280" cy="4066560"/>
           </a:xfrm>
           <a:prstGeom prst="rect">
             <a:avLst/>
@@ -6271,9 +6270,9 @@
         <p:grpSpPr>
           <a:xfrm>
             <a:off x="1606680" y="-43920"/>
-            <a:ext cx="8908560" cy="6216120"/>
+            <a:ext cx="8908200" cy="6216120"/>
             <a:chOff x="1606680" y="-43920"/>
-            <a:chExt cx="8908560" cy="6216120"/>
+            <a:chExt cx="8908200" cy="6216120"/>
           </a:xfrm>
         </p:grpSpPr>
         <p:sp>
@@ -6285,7 +6284,7 @@
           <p:spPr>
             <a:xfrm>
               <a:off x="1606680" y="4204800"/>
-              <a:ext cx="8908560" cy="1083240"/>
+              <a:ext cx="8908200" cy="1083240"/>
             </a:xfrm>
             <a:prstGeom prst="rect">
               <a:avLst/>
@@ -6343,7 +6342,7 @@
           <p:spPr>
             <a:xfrm>
               <a:off x="2111040" y="-43920"/>
-              <a:ext cx="7899480" cy="6216120"/>
+              <a:ext cx="7899120" cy="6216120"/>
             </a:xfrm>
             <a:prstGeom prst="rect">
               <a:avLst/>
@@ -6479,7 +6478,7 @@
         <p:spPr>
           <a:xfrm>
             <a:off x="751320" y="2129040"/>
-            <a:ext cx="4327200" cy="3381480"/>
+            <a:ext cx="4326840" cy="3381480"/>
           </a:xfrm>
           <a:prstGeom prst="rect">
             <a:avLst/>
@@ -6611,7 +6610,7 @@
         <p:spPr>
           <a:xfrm>
             <a:off x="2915640" y="727920"/>
-            <a:ext cx="6095880" cy="1064520"/>
+            <a:ext cx="6095520" cy="1064520"/>
           </a:xfrm>
           <a:prstGeom prst="rect">
             <a:avLst/>
@@ -6663,7 +6662,7 @@
         <p:spPr>
           <a:xfrm>
             <a:off x="5486400" y="4801680"/>
-            <a:ext cx="5498640" cy="1735200"/>
+            <a:ext cx="5498280" cy="1735200"/>
           </a:xfrm>
           <a:prstGeom prst="rect">
             <a:avLst/>
@@ -6783,7 +6782,7 @@
         <p:spPr>
           <a:xfrm>
             <a:off x="6172200" y="1828800"/>
-            <a:ext cx="3684240" cy="3428640"/>
+            <a:ext cx="3683880" cy="3428280"/>
           </a:xfrm>
           <a:prstGeom prst="rect">
             <a:avLst/>
@@ -6832,7 +6831,7 @@
         <p:spPr>
           <a:xfrm>
             <a:off x="3047760" y="1371600"/>
-            <a:ext cx="6095880" cy="577080"/>
+            <a:ext cx="6095520" cy="577080"/>
           </a:xfrm>
           <a:prstGeom prst="rect">
             <a:avLst/>
@@ -6884,7 +6883,7 @@
         <p:spPr>
           <a:xfrm>
             <a:off x="4419360" y="2089080"/>
-            <a:ext cx="2666880" cy="424800"/>
+            <a:ext cx="2666520" cy="424800"/>
           </a:xfrm>
           <a:prstGeom prst="rect">
             <a:avLst/>
@@ -6940,7 +6939,7 @@
         <p:spPr>
           <a:xfrm>
             <a:off x="457200" y="2948760"/>
-            <a:ext cx="11201040" cy="2080080"/>
+            <a:ext cx="11200680" cy="2079720"/>
           </a:xfrm>
           <a:prstGeom prst="rect">
             <a:avLst/>
@@ -6989,7 +6988,7 @@
         <p:spPr>
           <a:xfrm>
             <a:off x="3047760" y="1371600"/>
-            <a:ext cx="6095880" cy="577080"/>
+            <a:ext cx="6095520" cy="577080"/>
           </a:xfrm>
           <a:prstGeom prst="rect">
             <a:avLst/>
@@ -7041,7 +7040,7 @@
         <p:spPr>
           <a:xfrm>
             <a:off x="4419360" y="2089080"/>
-            <a:ext cx="3124080" cy="424800"/>
+            <a:ext cx="3123720" cy="424800"/>
           </a:xfrm>
           <a:prstGeom prst="rect">
             <a:avLst/>
@@ -7097,7 +7096,7 @@
         <p:spPr>
           <a:xfrm>
             <a:off x="-85320" y="2848680"/>
-            <a:ext cx="12191760" cy="3679920"/>
+            <a:ext cx="12191400" cy="3679560"/>
           </a:xfrm>
           <a:prstGeom prst="rect">
             <a:avLst/>
@@ -7146,7 +7145,7 @@
         <p:spPr>
           <a:xfrm>
             <a:off x="640800" y="2086200"/>
-            <a:ext cx="4044240" cy="2009880"/>
+            <a:ext cx="4043880" cy="2009880"/>
           </a:xfrm>
           <a:prstGeom prst="rect">
             <a:avLst/>
@@ -7247,7 +7246,7 @@
         <p:spPr>
           <a:xfrm>
             <a:off x="5704200" y="1947600"/>
-            <a:ext cx="6095880" cy="2558520"/>
+            <a:ext cx="6095520" cy="2558520"/>
           </a:xfrm>
           <a:prstGeom prst="rect">
             <a:avLst/>
@@ -7477,7 +7476,7 @@
         <p:spPr>
           <a:xfrm>
             <a:off x="1941120" y="2402640"/>
-            <a:ext cx="3137400" cy="2009880"/>
+            <a:ext cx="3137040" cy="2009880"/>
           </a:xfrm>
           <a:prstGeom prst="rect">
             <a:avLst/>
@@ -7568,7 +7567,7 @@
         <p:spPr>
           <a:xfrm>
             <a:off x="7112880" y="2125440"/>
-            <a:ext cx="4712400" cy="2284200"/>
+            <a:ext cx="4712040" cy="2284200"/>
           </a:xfrm>
           <a:prstGeom prst="rect">
             <a:avLst/>
@@ -7805,7 +7804,7 @@
         <p:spPr>
           <a:xfrm>
             <a:off x="3429000" y="685800"/>
-            <a:ext cx="5827320" cy="577080"/>
+            <a:ext cx="5826960" cy="577080"/>
           </a:xfrm>
           <a:prstGeom prst="rect">
             <a:avLst/>
@@ -7924,7 +7923,7 @@
         <p:spPr>
           <a:xfrm>
             <a:off x="3342960" y="1441440"/>
-            <a:ext cx="4969800" cy="1818360"/>
+            <a:ext cx="4969440" cy="1818000"/>
           </a:xfrm>
           <a:prstGeom prst="rect">
             <a:avLst/>
@@ -7943,7 +7942,7 @@
         <p:spPr>
           <a:xfrm>
             <a:off x="4211640" y="3705120"/>
-            <a:ext cx="3232440" cy="363960"/>
+            <a:ext cx="3232080" cy="363960"/>
           </a:xfrm>
           <a:prstGeom prst="rect">
             <a:avLst/>
@@ -7995,7 +7994,7 @@
         <p:spPr>
           <a:xfrm>
             <a:off x="3616920" y="4362120"/>
-            <a:ext cx="4421880" cy="363960"/>
+            <a:ext cx="4421520" cy="363960"/>
           </a:xfrm>
           <a:prstGeom prst="rect">
             <a:avLst/>
@@ -8023,7 +8022,7 @@
               <a:buNone/>
             </a:pPr>
             <a:r>
-              <a:rPr b="0" lang="en-US" sz="1800" spc="296" strike="noStrike">
+              <a:rPr b="0" lang="en-US" sz="1800" spc="293" strike="noStrike">
                 <a:solidFill>
                   <a:srgbClr val="000000"/>
                 </a:solidFill>
@@ -8047,7 +8046,7 @@
         <p:spPr>
           <a:xfrm>
             <a:off x="3777840" y="4824000"/>
-            <a:ext cx="4100040" cy="363960"/>
+            <a:ext cx="4099680" cy="363960"/>
           </a:xfrm>
           <a:prstGeom prst="rect">
             <a:avLst/>
@@ -8075,7 +8074,7 @@
               <a:buNone/>
             </a:pPr>
             <a:r>
-              <a:rPr b="0" lang="en-US" sz="1800" spc="296" strike="noStrike">
+              <a:rPr b="0" lang="en-US" sz="1800" spc="293" strike="noStrike">
                 <a:solidFill>
                   <a:srgbClr val="000000"/>
                 </a:solidFill>
@@ -8099,7 +8098,7 @@
         <p:spPr>
           <a:xfrm>
             <a:off x="1225440" y="5364360"/>
-            <a:ext cx="9740160" cy="638280"/>
+            <a:ext cx="9739800" cy="638280"/>
           </a:xfrm>
           <a:prstGeom prst="rect">
             <a:avLst/>
@@ -8212,9 +8211,9 @@
         <p:grpSpPr>
           <a:xfrm>
             <a:off x="1858320" y="580320"/>
-            <a:ext cx="8474400" cy="6216120"/>
+            <a:ext cx="8474040" cy="6216120"/>
             <a:chOff x="1858320" y="580320"/>
-            <a:chExt cx="8474400" cy="6216120"/>
+            <a:chExt cx="8474040" cy="6216120"/>
           </a:xfrm>
         </p:grpSpPr>
         <p:sp>
@@ -8226,7 +8225,7 @@
           <p:spPr>
             <a:xfrm>
               <a:off x="1858320" y="4644000"/>
-              <a:ext cx="8474400" cy="1083240"/>
+              <a:ext cx="8474040" cy="1083240"/>
             </a:xfrm>
             <a:prstGeom prst="rect">
               <a:avLst/>
@@ -8294,7 +8293,7 @@
           <p:spPr>
             <a:xfrm>
               <a:off x="2300760" y="580320"/>
-              <a:ext cx="7589880" cy="6216120"/>
+              <a:ext cx="7589520" cy="6216120"/>
             </a:xfrm>
             <a:prstGeom prst="rect">
               <a:avLst/>
@@ -8397,7 +8396,7 @@
         <p:spPr>
           <a:xfrm>
             <a:off x="1114200" y="2775960"/>
-            <a:ext cx="4044240" cy="1735560"/>
+            <a:ext cx="4043880" cy="1735560"/>
           </a:xfrm>
           <a:prstGeom prst="rect">
             <a:avLst/>
@@ -8498,7 +8497,7 @@
         <p:spPr>
           <a:xfrm>
             <a:off x="6816240" y="1214640"/>
-            <a:ext cx="4734360" cy="5301720"/>
+            <a:ext cx="4734000" cy="5301720"/>
           </a:xfrm>
           <a:prstGeom prst="rect">
             <a:avLst/>
@@ -8790,7 +8789,7 @@
         <p:spPr>
           <a:xfrm>
             <a:off x="4786920" y="408960"/>
-            <a:ext cx="2319840" cy="577080"/>
+            <a:ext cx="2319480" cy="577080"/>
           </a:xfrm>
           <a:prstGeom prst="rect">
             <a:avLst/>
@@ -8872,7 +8871,7 @@
         <p:spPr>
           <a:xfrm>
             <a:off x="3932640" y="1371600"/>
-            <a:ext cx="3885840" cy="577080"/>
+            <a:ext cx="3885480" cy="577080"/>
           </a:xfrm>
           <a:prstGeom prst="rect">
             <a:avLst/>
@@ -8915,61 +8914,9 @@
           </a:p>
         </p:txBody>
       </p:sp>
-      <p:sp>
-        <p:nvSpPr>
-          <p:cNvPr id="161" name="TextBox 21"/>
-          <p:cNvSpPr/>
-          <p:nvPr/>
-        </p:nvSpPr>
-        <p:spPr>
-          <a:xfrm>
-            <a:off x="4419360" y="2089080"/>
-            <a:ext cx="2666880" cy="424800"/>
-          </a:xfrm>
-          <a:prstGeom prst="rect">
-            <a:avLst/>
-          </a:prstGeom>
-          <a:noFill/>
-          <a:ln w="0">
-            <a:noFill/>
-          </a:ln>
-        </p:spPr>
-        <p:style>
-          <a:lnRef idx="0"/>
-          <a:fillRef idx="0"/>
-          <a:effectRef idx="0"/>
-          <a:fontRef idx="minor"/>
-        </p:style>
-        <p:txBody>
-          <a:bodyPr lIns="90000" rIns="90000" tIns="45000" bIns="45000" anchor="t">
-            <a:spAutoFit/>
-          </a:bodyPr>
-          <a:p>
-            <a:pPr>
-              <a:lnSpc>
-                <a:spcPct val="100000"/>
-              </a:lnSpc>
-              <a:buNone/>
-            </a:pPr>
-            <a:r>
-              <a:rPr b="0" lang="en-US" sz="2200" spc="-1" strike="noStrike">
-                <a:solidFill>
-                  <a:srgbClr val="000000"/>
-                </a:solidFill>
-                <a:latin typeface="Segoe UI Variable Display Semib"/>
-                <a:ea typeface="DejaVu Sans"/>
-              </a:rPr>
-              <a:t>Normal Operation</a:t>
-            </a:r>
-            <a:endParaRPr b="0" lang="en-US" sz="2200" spc="-1" strike="noStrike">
-              <a:latin typeface="Arial"/>
-            </a:endParaRPr>
-          </a:p>
-        </p:txBody>
-      </p:sp>
       <p:pic>
         <p:nvPicPr>
-          <p:cNvPr id="162" name="" descr=""/>
+          <p:cNvPr id="161" name="" descr=""/>
           <p:cNvPicPr/>
           <p:nvPr/>
         </p:nvPicPr>
@@ -8979,8 +8926,8 @@
         </p:blipFill>
         <p:spPr>
           <a:xfrm>
-            <a:off x="457200" y="2948760"/>
-            <a:ext cx="11201040" cy="2080080"/>
+            <a:off x="991080" y="2286000"/>
+            <a:ext cx="3123720" cy="3076200"/>
           </a:xfrm>
           <a:prstGeom prst="rect">
             <a:avLst/>
@@ -8990,6 +8937,101 @@
           </a:ln>
         </p:spPr>
       </p:pic>
+      <p:sp>
+        <p:nvSpPr>
+          <p:cNvPr id="162" name=""/>
+          <p:cNvSpPr txBox="1"/>
+          <p:nvPr/>
+        </p:nvSpPr>
+        <p:spPr>
+          <a:xfrm>
+            <a:off x="1143000" y="5715000"/>
+            <a:ext cx="3200400" cy="346320"/>
+          </a:xfrm>
+          <a:prstGeom prst="rect">
+            <a:avLst/>
+          </a:prstGeom>
+          <a:noFill/>
+          <a:ln w="0">
+            <a:noFill/>
+          </a:ln>
+        </p:spPr>
+        <p:txBody>
+          <a:bodyPr lIns="90000" rIns="90000" tIns="45000" bIns="45000" anchor="t">
+            <a:noAutofit/>
+          </a:bodyPr>
+          <a:p>
+            <a:r>
+              <a:rPr b="0" lang="en-US" sz="1800" spc="-1" strike="noStrike">
+                <a:latin typeface="Arial"/>
+              </a:rPr>
+              <a:t>LLM PROMPT</a:t>
+            </a:r>
+            <a:endParaRPr b="0" lang="en-US" sz="1800" spc="-1" strike="noStrike">
+              <a:latin typeface="Arial"/>
+            </a:endParaRPr>
+          </a:p>
+        </p:txBody>
+      </p:sp>
+      <p:pic>
+        <p:nvPicPr>
+          <p:cNvPr id="163" name="" descr=""/>
+          <p:cNvPicPr/>
+          <p:nvPr/>
+        </p:nvPicPr>
+        <p:blipFill>
+          <a:blip r:embed="rId2"/>
+          <a:stretch/>
+        </p:blipFill>
+        <p:spPr>
+          <a:xfrm>
+            <a:off x="6320520" y="2734200"/>
+            <a:ext cx="3052080" cy="2980800"/>
+          </a:xfrm>
+          <a:prstGeom prst="rect">
+            <a:avLst/>
+          </a:prstGeom>
+          <a:ln w="0">
+            <a:noFill/>
+          </a:ln>
+        </p:spPr>
+      </p:pic>
+      <p:sp>
+        <p:nvSpPr>
+          <p:cNvPr id="164" name=""/>
+          <p:cNvSpPr txBox="1"/>
+          <p:nvPr/>
+        </p:nvSpPr>
+        <p:spPr>
+          <a:xfrm>
+            <a:off x="6629400" y="5943600"/>
+            <a:ext cx="3429000" cy="346320"/>
+          </a:xfrm>
+          <a:prstGeom prst="rect">
+            <a:avLst/>
+          </a:prstGeom>
+          <a:noFill/>
+          <a:ln w="0">
+            <a:noFill/>
+          </a:ln>
+        </p:spPr>
+        <p:txBody>
+          <a:bodyPr lIns="90000" rIns="90000" tIns="45000" bIns="45000" anchor="t">
+            <a:noAutofit/>
+          </a:bodyPr>
+          <a:p>
+            <a:r>
+              <a:rPr b="0" lang="en-US" sz="1800" spc="-1" strike="noStrike">
+                <a:latin typeface="Arial"/>
+              </a:rPr>
+              <a:t>Simulation</a:t>
+            </a:r>
+            <a:endParaRPr b="0" lang="en-US" sz="1800" spc="-1" strike="noStrike">
+              <a:latin typeface="Arial"/>
+            </a:endParaRPr>
+          </a:p>
+        </p:txBody>
+      </p:sp>
     </p:spTree>
   </p:cSld>
   <mc:AlternateContent>
@@ -9022,14 +9064,47 @@
       </p:grpSpPr>
       <p:sp>
         <p:nvSpPr>
-          <p:cNvPr id="163" name="TextBox 23"/>
+          <p:cNvPr id="165" name="Straight Connector 7"/>
           <p:cNvSpPr/>
           <p:nvPr/>
         </p:nvSpPr>
         <p:spPr>
           <a:xfrm>
-            <a:off x="4419360" y="2089080"/>
-            <a:ext cx="3124080" cy="424800"/>
+            <a:off x="5985000" y="1708920"/>
+            <a:ext cx="360" cy="3806280"/>
+          </a:xfrm>
+          <a:prstGeom prst="line">
+            <a:avLst/>
+          </a:prstGeom>
+          <a:ln>
+            <a:solidFill>
+              <a:srgbClr val="4472c4"/>
+            </a:solidFill>
+          </a:ln>
+        </p:spPr>
+        <p:style>
+          <a:lnRef idx="1">
+            <a:schemeClr val="accent1"/>
+          </a:lnRef>
+          <a:fillRef idx="0">
+            <a:schemeClr val="accent1"/>
+          </a:fillRef>
+          <a:effectRef idx="0">
+            <a:schemeClr val="accent1"/>
+          </a:effectRef>
+          <a:fontRef idx="minor"/>
+        </p:style>
+      </p:sp>
+      <p:sp>
+        <p:nvSpPr>
+          <p:cNvPr id="166" name="TextBox 2"/>
+          <p:cNvSpPr/>
+          <p:nvPr/>
+        </p:nvSpPr>
+        <p:spPr>
+          <a:xfrm>
+            <a:off x="751320" y="2129040"/>
+            <a:ext cx="4326840" cy="2558520"/>
           </a:xfrm>
           <a:prstGeom prst="rect">
             <a:avLst/>
@@ -9050,38 +9125,87 @@
             <a:spAutoFit/>
           </a:bodyPr>
           <a:p>
-            <a:pPr>
+            <a:pPr marL="216000" indent="-216000">
               <a:lnSpc>
                 <a:spcPct val="100000"/>
               </a:lnSpc>
-              <a:buNone/>
-            </a:pPr>
-            <a:r>
-              <a:rPr b="0" lang="en-US" sz="2200" spc="-1" strike="noStrike">
-                <a:solidFill>
-                  <a:srgbClr val="c9211e"/>
-                </a:solidFill>
-                <a:latin typeface="Segoe UI Variable Display Semib"/>
-                <a:ea typeface="DejaVu Sans"/>
-              </a:rPr>
-              <a:t>Infected Hardware</a:t>
-            </a:r>
-            <a:endParaRPr b="0" lang="en-US" sz="2200" spc="-1" strike="noStrike">
-              <a:latin typeface="Arial"/>
-            </a:endParaRPr>
-          </a:p>
-        </p:txBody>
-      </p:sp>
-      <p:sp>
-        <p:nvSpPr>
-          <p:cNvPr id="164" name="TextBox 22"/>
+              <a:buClr>
+                <a:srgbClr val="000000"/>
+              </a:buClr>
+              <a:buFont typeface="Arial"/>
+              <a:buChar char="•"/>
+            </a:pPr>
+            <a:r>
+              <a:rPr b="1" lang="en-US" sz="1800" spc="-1" strike="noStrike">
+                <a:solidFill>
+                  <a:srgbClr val="000000"/>
+                </a:solidFill>
+                <a:latin typeface="Calibri"/>
+                <a:ea typeface="DejaVu Sans"/>
+              </a:rPr>
+              <a:t>Trojan Design</a:t>
+            </a:r>
+            <a:r>
+              <a:rPr b="0" lang="en-US" sz="1800" spc="-1" strike="noStrike">
+                <a:solidFill>
+                  <a:srgbClr val="000000"/>
+                </a:solidFill>
+                <a:latin typeface="Calibri"/>
+                <a:ea typeface="DejaVu Sans"/>
+              </a:rPr>
+              <a:t>: The software trojan on the PC monitors the timing variations in the AES clock signal using the Time Stamp Counter (TSC) or other low-level timing facilities (e.g., PMU).</a:t>
+            </a:r>
+            <a:endParaRPr b="0" lang="en-US" sz="1800" spc="-1" strike="noStrike">
+              <a:latin typeface="Arial"/>
+            </a:endParaRPr>
+          </a:p>
+          <a:p>
+            <a:pPr marL="216000" indent="-216000">
+              <a:lnSpc>
+                <a:spcPct val="100000"/>
+              </a:lnSpc>
+              <a:buClr>
+                <a:srgbClr val="000000"/>
+              </a:buClr>
+              <a:buFont typeface="Arial"/>
+              <a:buChar char="•"/>
+            </a:pPr>
+            <a:r>
+              <a:rPr b="1" lang="en-US" sz="1800" spc="-1" strike="noStrike">
+                <a:solidFill>
+                  <a:srgbClr val="000000"/>
+                </a:solidFill>
+                <a:latin typeface="Calibri"/>
+                <a:ea typeface="DejaVu Sans"/>
+              </a:rPr>
+              <a:t>Timing Data Collection</a:t>
+            </a:r>
+            <a:r>
+              <a:rPr b="0" lang="en-US" sz="1800" spc="-1" strike="noStrike">
+                <a:solidFill>
+                  <a:srgbClr val="000000"/>
+                </a:solidFill>
+                <a:latin typeface="Calibri"/>
+                <a:ea typeface="DejaVu Sans"/>
+              </a:rPr>
+              <a:t>: The Trojan collects timing data during encryption and identifies small shifts that correspond to bits of the AES key.</a:t>
+            </a:r>
+            <a:endParaRPr b="0" lang="en-US" sz="1800" spc="-1" strike="noStrike">
+              <a:latin typeface="Arial"/>
+            </a:endParaRPr>
+          </a:p>
+        </p:txBody>
+      </p:sp>
+      <p:sp>
+        <p:nvSpPr>
+          <p:cNvPr id="167" name="TextBox 6"/>
           <p:cNvSpPr/>
           <p:nvPr/>
         </p:nvSpPr>
         <p:spPr>
           <a:xfrm>
-            <a:off x="3932640" y="1371600"/>
-            <a:ext cx="3885840" cy="577080"/>
+            <a:off x="4329720" y="421920"/>
+            <a:ext cx="3531600" cy="577080"/>
           </a:xfrm>
           <a:prstGeom prst="rect">
             <a:avLst/>
@@ -9109,14 +9233,14 @@
               <a:buNone/>
             </a:pPr>
             <a:r>
-              <a:rPr b="0" lang="en-US" sz="3200" spc="-1" strike="noStrike">
-                <a:solidFill>
-                  <a:srgbClr val="000000"/>
-                </a:solidFill>
-                <a:latin typeface="Segoe UI Variable Display Semib"/>
-                <a:ea typeface="DejaVu Sans"/>
-              </a:rPr>
-              <a:t>AES Core IP Block</a:t>
+              <a:rPr b="1" lang="en-US" sz="3200" spc="-1" strike="noStrike">
+                <a:solidFill>
+                  <a:srgbClr val="000000"/>
+                </a:solidFill>
+                <a:latin typeface="Calibri"/>
+                <a:ea typeface="DejaVu Sans"/>
+              </a:rPr>
+              <a:t>Monitoring Process</a:t>
             </a:r>
             <a:endParaRPr b="0" lang="en-US" sz="3200" spc="-1" strike="noStrike">
               <a:latin typeface="Arial"/>
@@ -9124,29 +9248,138 @@
           </a:p>
         </p:txBody>
       </p:sp>
-      <p:pic>
-        <p:nvPicPr>
-          <p:cNvPr id="165" name="" descr=""/>
-          <p:cNvPicPr/>
+      <p:sp>
+        <p:nvSpPr>
+          <p:cNvPr id="168" name="Rectangle 2"/>
+          <p:cNvSpPr/>
           <p:nvPr/>
-        </p:nvPicPr>
-        <p:blipFill>
-          <a:blip r:embed="rId1"/>
-          <a:stretch/>
-        </p:blipFill>
-        <p:spPr>
-          <a:xfrm>
-            <a:off x="360" y="2949480"/>
-            <a:ext cx="12191760" cy="3679920"/>
-          </a:xfrm>
-          <a:prstGeom prst="rect">
-            <a:avLst/>
-          </a:prstGeom>
-          <a:ln w="0">
-            <a:noFill/>
-          </a:ln>
-        </p:spPr>
-      </p:pic>
+        </p:nvSpPr>
+        <p:spPr>
+          <a:xfrm>
+            <a:off x="7004520" y="2386080"/>
+            <a:ext cx="4566600" cy="1735200"/>
+          </a:xfrm>
+          <a:prstGeom prst="rect">
+            <a:avLst/>
+          </a:prstGeom>
+          <a:noFill/>
+          <a:ln w="0">
+            <a:noFill/>
+          </a:ln>
+        </p:spPr>
+        <p:style>
+          <a:lnRef idx="0"/>
+          <a:fillRef idx="0"/>
+          <a:effectRef idx="0"/>
+          <a:fontRef idx="minor"/>
+        </p:style>
+        <p:txBody>
+          <a:bodyPr numCol="1" spcCol="0" lIns="90000" rIns="90000" tIns="45000" bIns="45000" anchor="ctr">
+            <a:spAutoFit/>
+          </a:bodyPr>
+          <a:p>
+            <a:pPr>
+              <a:lnSpc>
+                <a:spcPct val="100000"/>
+              </a:lnSpc>
+              <a:buNone/>
+            </a:pPr>
+            <a:r>
+              <a:rPr b="1" lang="en-US" sz="1800" spc="-1" strike="noStrike">
+                <a:solidFill>
+                  <a:srgbClr val="000000"/>
+                </a:solidFill>
+                <a:latin typeface="Calibri"/>
+                <a:ea typeface="DejaVu Sans"/>
+              </a:rPr>
+              <a:t>Key Extraction</a:t>
+            </a:r>
+            <a:r>
+              <a:rPr b="0" lang="en-US" sz="1800" spc="-1" strike="noStrike">
+                <a:solidFill>
+                  <a:srgbClr val="000000"/>
+                </a:solidFill>
+                <a:latin typeface="Calibri"/>
+                <a:ea typeface="DejaVu Sans"/>
+              </a:rPr>
+              <a:t>:</a:t>
+            </a:r>
+            <a:endParaRPr b="0" lang="en-US" sz="1800" spc="-1" strike="noStrike">
+              <a:latin typeface="Arial"/>
+            </a:endParaRPr>
+          </a:p>
+          <a:p>
+            <a:pPr marL="216000" indent="-216000">
+              <a:lnSpc>
+                <a:spcPct val="100000"/>
+              </a:lnSpc>
+              <a:buClr>
+                <a:srgbClr val="000000"/>
+              </a:buClr>
+              <a:buFont typeface="Arial"/>
+              <a:buChar char="•"/>
+            </a:pPr>
+            <a:r>
+              <a:rPr b="1" lang="en-US" sz="1800" spc="-1" strike="noStrike">
+                <a:solidFill>
+                  <a:srgbClr val="000000"/>
+                </a:solidFill>
+                <a:latin typeface="Calibri"/>
+                <a:ea typeface="DejaVu Sans"/>
+              </a:rPr>
+              <a:t>Data Processing</a:t>
+            </a:r>
+            <a:r>
+              <a:rPr b="0" lang="en-US" sz="1800" spc="-1" strike="noStrike">
+                <a:solidFill>
+                  <a:srgbClr val="000000"/>
+                </a:solidFill>
+                <a:latin typeface="Calibri"/>
+                <a:ea typeface="DejaVu Sans"/>
+              </a:rPr>
+              <a:t>: Timing deltas (differences between normal clock cycles and modulated cycles) are processed to extract key bits.</a:t>
+            </a:r>
+            <a:endParaRPr b="0" lang="en-US" sz="1800" spc="-1" strike="noStrike">
+              <a:latin typeface="Arial"/>
+            </a:endParaRPr>
+          </a:p>
+          <a:p>
+            <a:pPr marL="216000" indent="-216000">
+              <a:lnSpc>
+                <a:spcPct val="100000"/>
+              </a:lnSpc>
+              <a:buClr>
+                <a:srgbClr val="000000"/>
+              </a:buClr>
+              <a:buFont typeface="Arial"/>
+              <a:buChar char="•"/>
+            </a:pPr>
+            <a:r>
+              <a:rPr b="1" lang="en-US" sz="1800" spc="-1" strike="noStrike">
+                <a:solidFill>
+                  <a:srgbClr val="000000"/>
+                </a:solidFill>
+                <a:latin typeface="Calibri"/>
+                <a:ea typeface="DejaVu Sans"/>
+              </a:rPr>
+              <a:t>Key Decoding</a:t>
+            </a:r>
+            <a:r>
+              <a:rPr b="0" lang="en-US" sz="1800" spc="-1" strike="noStrike">
+                <a:solidFill>
+                  <a:srgbClr val="000000"/>
+                </a:solidFill>
+                <a:latin typeface="Calibri"/>
+                <a:ea typeface="DejaVu Sans"/>
+              </a:rPr>
+              <a:t>: The software reconstructs the AES key based on the timing patterns.</a:t>
+            </a:r>
+            <a:endParaRPr b="0" lang="en-US" sz="1800" spc="-1" strike="noStrike">
+              <a:latin typeface="Arial"/>
+            </a:endParaRPr>
+          </a:p>
+        </p:txBody>
+      </p:sp>
     </p:spTree>
   </p:cSld>
   <mc:AlternateContent>
@@ -9179,13 +9412,13 @@
       </p:grpSpPr>
       <p:sp>
         <p:nvSpPr>
-          <p:cNvPr id="166" name="Straight Connector 7"/>
+          <p:cNvPr id="169" name="Straight Connector 7"/>
           <p:cNvSpPr/>
           <p:nvPr/>
         </p:nvSpPr>
         <p:spPr>
           <a:xfrm>
-            <a:off x="5985000" y="1708920"/>
+            <a:off x="5477400" y="1896840"/>
             <a:ext cx="360" cy="3806280"/>
           </a:xfrm>
           <a:prstGeom prst="line">
@@ -9212,14 +9445,14 @@
       </p:sp>
       <p:sp>
         <p:nvSpPr>
-          <p:cNvPr id="167" name="TextBox 2"/>
+          <p:cNvPr id="170" name="TextBox 2"/>
           <p:cNvSpPr/>
           <p:nvPr/>
         </p:nvSpPr>
         <p:spPr>
           <a:xfrm>
             <a:off x="751320" y="2129040"/>
-            <a:ext cx="4327200" cy="2558520"/>
+            <a:ext cx="4326840" cy="2009880"/>
           </a:xfrm>
           <a:prstGeom prst="rect">
             <a:avLst/>
@@ -9258,7 +9491,7 @@
                 <a:latin typeface="Calibri"/>
                 <a:ea typeface="DejaVu Sans"/>
               </a:rPr>
-              <a:t>Trojan Design</a:t>
+              <a:t>Flowchart of Trojan Operations</a:t>
             </a:r>
             <a:r>
               <a:rPr b="0" lang="en-US" sz="1800" spc="-1" strike="noStrike">
@@ -9268,7 +9501,196 @@
                 <a:latin typeface="Calibri"/>
                 <a:ea typeface="DejaVu Sans"/>
               </a:rPr>
-              <a:t>: The software trojan on the PC monitors the timing variations in the AES clock signal using the Time Stamp Counter (TSC) or other low-level timing facilities (e.g., PMU).</a:t>
+              <a:t>:</a:t>
+            </a:r>
+            <a:endParaRPr b="0" lang="en-US" sz="1800" spc="-1" strike="noStrike">
+              <a:latin typeface="Arial"/>
+            </a:endParaRPr>
+          </a:p>
+          <a:p>
+            <a:pPr lvl="1" marL="743040" indent="-285840">
+              <a:lnSpc>
+                <a:spcPct val="100000"/>
+              </a:lnSpc>
+              <a:buClr>
+                <a:srgbClr val="000000"/>
+              </a:buClr>
+              <a:buFont typeface="Arial"/>
+              <a:buChar char="•"/>
+            </a:pPr>
+            <a:r>
+              <a:rPr b="0" lang="en-US" sz="1800" spc="-1" strike="noStrike">
+                <a:solidFill>
+                  <a:srgbClr val="000000"/>
+                </a:solidFill>
+                <a:latin typeface="Calibri"/>
+                <a:ea typeface="DejaVu Sans"/>
+              </a:rPr>
+              <a:t>Trojan monitors timing variations during encryption.</a:t>
+            </a:r>
+            <a:endParaRPr b="0" lang="en-US" sz="1800" spc="-1" strike="noStrike">
+              <a:latin typeface="Arial"/>
+            </a:endParaRPr>
+          </a:p>
+          <a:p>
+            <a:pPr lvl="1" marL="743040" indent="-285840">
+              <a:lnSpc>
+                <a:spcPct val="100000"/>
+              </a:lnSpc>
+              <a:buClr>
+                <a:srgbClr val="000000"/>
+              </a:buClr>
+              <a:buFont typeface="Arial"/>
+              <a:buChar char="•"/>
+            </a:pPr>
+            <a:r>
+              <a:rPr b="0" lang="en-US" sz="1800" spc="-1" strike="noStrike">
+                <a:solidFill>
+                  <a:srgbClr val="000000"/>
+                </a:solidFill>
+                <a:latin typeface="Calibri"/>
+                <a:ea typeface="DejaVu Sans"/>
+              </a:rPr>
+              <a:t>Timing shifts are detected and recorded.</a:t>
+            </a:r>
+            <a:endParaRPr b="0" lang="en-US" sz="1800" spc="-1" strike="noStrike">
+              <a:latin typeface="Arial"/>
+            </a:endParaRPr>
+          </a:p>
+          <a:p>
+            <a:pPr lvl="1" marL="743040" indent="-285840">
+              <a:lnSpc>
+                <a:spcPct val="100000"/>
+              </a:lnSpc>
+              <a:buClr>
+                <a:srgbClr val="000000"/>
+              </a:buClr>
+              <a:buFont typeface="Arial"/>
+              <a:buChar char="•"/>
+            </a:pPr>
+            <a:r>
+              <a:rPr b="0" lang="en-US" sz="1800" spc="-1" strike="noStrike">
+                <a:solidFill>
+                  <a:srgbClr val="000000"/>
+                </a:solidFill>
+                <a:latin typeface="Calibri"/>
+                <a:ea typeface="DejaVu Sans"/>
+              </a:rPr>
+              <a:t>Extracted key bits are assembled to reconstruct the full AES key.</a:t>
+            </a:r>
+            <a:endParaRPr b="0" lang="en-US" sz="1800" spc="-1" strike="noStrike">
+              <a:latin typeface="Arial"/>
+            </a:endParaRPr>
+          </a:p>
+        </p:txBody>
+      </p:sp>
+      <p:sp>
+        <p:nvSpPr>
+          <p:cNvPr id="171" name="TextBox 6"/>
+          <p:cNvSpPr/>
+          <p:nvPr/>
+        </p:nvSpPr>
+        <p:spPr>
+          <a:xfrm>
+            <a:off x="4188240" y="426240"/>
+            <a:ext cx="2892600" cy="577080"/>
+          </a:xfrm>
+          <a:prstGeom prst="rect">
+            <a:avLst/>
+          </a:prstGeom>
+          <a:noFill/>
+          <a:ln w="0">
+            <a:noFill/>
+          </a:ln>
+        </p:spPr>
+        <p:style>
+          <a:lnRef idx="0"/>
+          <a:fillRef idx="0"/>
+          <a:effectRef idx="0"/>
+          <a:fontRef idx="minor"/>
+        </p:style>
+        <p:txBody>
+          <a:bodyPr lIns="90000" rIns="90000" tIns="45000" bIns="45000" anchor="t">
+            <a:spAutoFit/>
+          </a:bodyPr>
+          <a:p>
+            <a:pPr>
+              <a:lnSpc>
+                <a:spcPct val="100000"/>
+              </a:lnSpc>
+              <a:buNone/>
+            </a:pPr>
+            <a:r>
+              <a:rPr b="1" lang="en-US" sz="3200" spc="-1" strike="noStrike">
+                <a:solidFill>
+                  <a:srgbClr val="000000"/>
+                </a:solidFill>
+                <a:latin typeface="Calibri"/>
+                <a:ea typeface="DejaVu Sans"/>
+              </a:rPr>
+              <a:t>Demonstration</a:t>
+            </a:r>
+            <a:endParaRPr b="0" lang="en-US" sz="3200" spc="-1" strike="noStrike">
+              <a:latin typeface="Arial"/>
+            </a:endParaRPr>
+          </a:p>
+        </p:txBody>
+      </p:sp>
+      <p:sp>
+        <p:nvSpPr>
+          <p:cNvPr id="172" name="Rectangle 2"/>
+          <p:cNvSpPr/>
+          <p:nvPr/>
+        </p:nvSpPr>
+        <p:spPr>
+          <a:xfrm>
+            <a:off x="6426000" y="1914840"/>
+            <a:ext cx="4593960" cy="1460880"/>
+          </a:xfrm>
+          <a:prstGeom prst="rect">
+            <a:avLst/>
+          </a:prstGeom>
+          <a:noFill/>
+          <a:ln w="0">
+            <a:noFill/>
+          </a:ln>
+        </p:spPr>
+        <p:style>
+          <a:lnRef idx="0"/>
+          <a:fillRef idx="0"/>
+          <a:effectRef idx="0"/>
+          <a:fontRef idx="minor"/>
+        </p:style>
+        <p:txBody>
+          <a:bodyPr numCol="1" spcCol="0" lIns="90000" rIns="90000" tIns="45000" bIns="45000" anchor="ctr">
+            <a:spAutoFit/>
+          </a:bodyPr>
+          <a:p>
+            <a:pPr>
+              <a:lnSpc>
+                <a:spcPct val="100000"/>
+              </a:lnSpc>
+              <a:buNone/>
+            </a:pPr>
+            <a:r>
+              <a:rPr b="1" lang="en-US" sz="1800" spc="-1" strike="noStrike">
+                <a:solidFill>
+                  <a:srgbClr val="000000"/>
+                </a:solidFill>
+                <a:latin typeface="Calibri"/>
+                <a:ea typeface="DejaVu Sans"/>
+              </a:rPr>
+              <a:t>Impact</a:t>
+            </a:r>
+            <a:r>
+              <a:rPr b="0" lang="en-US" sz="1800" spc="-1" strike="noStrike">
+                <a:solidFill>
+                  <a:srgbClr val="000000"/>
+                </a:solidFill>
+                <a:latin typeface="Calibri"/>
+                <a:ea typeface="DejaVu Sans"/>
+              </a:rPr>
+              <a:t>:</a:t>
             </a:r>
             <a:endParaRPr b="0" lang="en-US" sz="1800" spc="-1" strike="noStrike">
               <a:latin typeface="Arial"/>
@@ -9286,24 +9708,14 @@
               <a:buChar char="•"/>
             </a:pPr>
             <a:r>
-              <a:rPr b="1" lang="en-US" sz="1800" spc="-1" strike="noStrike">
+              <a:rPr b="0" lang="en-US" sz="1800" spc="-1" strike="noStrike">
                 <a:solidFill>
                   <a:srgbClr val="000000"/>
                 </a:solidFill>
                 <a:latin typeface="Calibri"/>
                 <a:ea typeface="DejaVu Sans"/>
               </a:rPr>
-              <a:t>Timing Data Collection</a:t>
-            </a:r>
-            <a:r>
-              <a:rPr b="0" lang="en-US" sz="1800" spc="-1" strike="noStrike">
-                <a:solidFill>
-                  <a:srgbClr val="000000"/>
-                </a:solidFill>
-                <a:latin typeface="Calibri"/>
-                <a:ea typeface="DejaVu Sans"/>
-              </a:rPr>
-              <a:t>: The Trojan collects timing data during encryption and identifies small shifts that correspond to bits of the AES key.</a:t>
+              <a:t>This attack leverages hardware side-channels (timing variations) to steal sensitive information with minimal impact on system functionality, making it difficult to detect.</a:t>
             </a:r>
             <a:endParaRPr b="0" lang="en-US" sz="1800" spc="-1" strike="noStrike">
               <a:latin typeface="Arial"/>
@@ -9313,541 +9725,14 @@
       </p:sp>
       <p:sp>
         <p:nvSpPr>
-          <p:cNvPr id="168" name="TextBox 6"/>
+          <p:cNvPr id="173" name="TextBox 8"/>
           <p:cNvSpPr/>
           <p:nvPr/>
         </p:nvSpPr>
         <p:spPr>
           <a:xfrm>
-            <a:off x="4329720" y="421920"/>
-            <a:ext cx="3531960" cy="577080"/>
-          </a:xfrm>
-          <a:prstGeom prst="rect">
-            <a:avLst/>
-          </a:prstGeom>
-          <a:noFill/>
-          <a:ln w="0">
-            <a:noFill/>
-          </a:ln>
-        </p:spPr>
-        <p:style>
-          <a:lnRef idx="0"/>
-          <a:fillRef idx="0"/>
-          <a:effectRef idx="0"/>
-          <a:fontRef idx="minor"/>
-        </p:style>
-        <p:txBody>
-          <a:bodyPr lIns="90000" rIns="90000" tIns="45000" bIns="45000" anchor="t">
-            <a:spAutoFit/>
-          </a:bodyPr>
-          <a:p>
-            <a:pPr>
-              <a:lnSpc>
-                <a:spcPct val="100000"/>
-              </a:lnSpc>
-              <a:buNone/>
-            </a:pPr>
-            <a:r>
-              <a:rPr b="1" lang="en-US" sz="3200" spc="-1" strike="noStrike">
-                <a:solidFill>
-                  <a:srgbClr val="000000"/>
-                </a:solidFill>
-                <a:latin typeface="Calibri"/>
-                <a:ea typeface="DejaVu Sans"/>
-              </a:rPr>
-              <a:t>Monitoring Process</a:t>
-            </a:r>
-            <a:endParaRPr b="0" lang="en-US" sz="3200" spc="-1" strike="noStrike">
-              <a:latin typeface="Arial"/>
-            </a:endParaRPr>
-          </a:p>
-        </p:txBody>
-      </p:sp>
-      <p:sp>
-        <p:nvSpPr>
-          <p:cNvPr id="169" name="Rectangle 2"/>
-          <p:cNvSpPr/>
-          <p:nvPr/>
-        </p:nvSpPr>
-        <p:spPr>
-          <a:xfrm>
-            <a:off x="7004520" y="2386080"/>
-            <a:ext cx="4566960" cy="1735200"/>
-          </a:xfrm>
-          <a:prstGeom prst="rect">
-            <a:avLst/>
-          </a:prstGeom>
-          <a:noFill/>
-          <a:ln w="0">
-            <a:noFill/>
-          </a:ln>
-        </p:spPr>
-        <p:style>
-          <a:lnRef idx="0"/>
-          <a:fillRef idx="0"/>
-          <a:effectRef idx="0"/>
-          <a:fontRef idx="minor"/>
-        </p:style>
-        <p:txBody>
-          <a:bodyPr numCol="1" spcCol="0" lIns="90000" rIns="90000" tIns="45000" bIns="45000" anchor="ctr">
-            <a:spAutoFit/>
-          </a:bodyPr>
-          <a:p>
-            <a:pPr>
-              <a:lnSpc>
-                <a:spcPct val="100000"/>
-              </a:lnSpc>
-              <a:buNone/>
-            </a:pPr>
-            <a:r>
-              <a:rPr b="1" lang="en-US" sz="1800" spc="-1" strike="noStrike">
-                <a:solidFill>
-                  <a:srgbClr val="000000"/>
-                </a:solidFill>
-                <a:latin typeface="Calibri"/>
-                <a:ea typeface="DejaVu Sans"/>
-              </a:rPr>
-              <a:t>Key Extraction</a:t>
-            </a:r>
-            <a:r>
-              <a:rPr b="0" lang="en-US" sz="1800" spc="-1" strike="noStrike">
-                <a:solidFill>
-                  <a:srgbClr val="000000"/>
-                </a:solidFill>
-                <a:latin typeface="Calibri"/>
-                <a:ea typeface="DejaVu Sans"/>
-              </a:rPr>
-              <a:t>:</a:t>
-            </a:r>
-            <a:endParaRPr b="0" lang="en-US" sz="1800" spc="-1" strike="noStrike">
-              <a:latin typeface="Arial"/>
-            </a:endParaRPr>
-          </a:p>
-          <a:p>
-            <a:pPr marL="216000" indent="-216000">
-              <a:lnSpc>
-                <a:spcPct val="100000"/>
-              </a:lnSpc>
-              <a:buClr>
-                <a:srgbClr val="000000"/>
-              </a:buClr>
-              <a:buFont typeface="Arial"/>
-              <a:buChar char="•"/>
-            </a:pPr>
-            <a:r>
-              <a:rPr b="1" lang="en-US" sz="1800" spc="-1" strike="noStrike">
-                <a:solidFill>
-                  <a:srgbClr val="000000"/>
-                </a:solidFill>
-                <a:latin typeface="Calibri"/>
-                <a:ea typeface="DejaVu Sans"/>
-              </a:rPr>
-              <a:t>Data Processing</a:t>
-            </a:r>
-            <a:r>
-              <a:rPr b="0" lang="en-US" sz="1800" spc="-1" strike="noStrike">
-                <a:solidFill>
-                  <a:srgbClr val="000000"/>
-                </a:solidFill>
-                <a:latin typeface="Calibri"/>
-                <a:ea typeface="DejaVu Sans"/>
-              </a:rPr>
-              <a:t>: Timing deltas (differences between normal clock cycles and modulated cycles) are processed to extract key bits.</a:t>
-            </a:r>
-            <a:endParaRPr b="0" lang="en-US" sz="1800" spc="-1" strike="noStrike">
-              <a:latin typeface="Arial"/>
-            </a:endParaRPr>
-          </a:p>
-          <a:p>
-            <a:pPr marL="216000" indent="-216000">
-              <a:lnSpc>
-                <a:spcPct val="100000"/>
-              </a:lnSpc>
-              <a:buClr>
-                <a:srgbClr val="000000"/>
-              </a:buClr>
-              <a:buFont typeface="Arial"/>
-              <a:buChar char="•"/>
-            </a:pPr>
-            <a:r>
-              <a:rPr b="1" lang="en-US" sz="1800" spc="-1" strike="noStrike">
-                <a:solidFill>
-                  <a:srgbClr val="000000"/>
-                </a:solidFill>
-                <a:latin typeface="Calibri"/>
-                <a:ea typeface="DejaVu Sans"/>
-              </a:rPr>
-              <a:t>Key Decoding</a:t>
-            </a:r>
-            <a:r>
-              <a:rPr b="0" lang="en-US" sz="1800" spc="-1" strike="noStrike">
-                <a:solidFill>
-                  <a:srgbClr val="000000"/>
-                </a:solidFill>
-                <a:latin typeface="Calibri"/>
-                <a:ea typeface="DejaVu Sans"/>
-              </a:rPr>
-              <a:t>: The software reconstructs the AES key based on the timing patterns.</a:t>
-            </a:r>
-            <a:endParaRPr b="0" lang="en-US" sz="1800" spc="-1" strike="noStrike">
-              <a:latin typeface="Arial"/>
-            </a:endParaRPr>
-          </a:p>
-        </p:txBody>
-      </p:sp>
-    </p:spTree>
-  </p:cSld>
-  <mc:AlternateContent>
-    <mc:Choice Requires="p14">
-      <p:transition spd="slow" p14:dur="2000"/>
-    </mc:Choice>
-    <mc:Fallback>
-      <p:transition spd="slow"/>
-    </mc:Fallback>
-  </mc:AlternateContent>
-</p:sld>
-</file>
-
-<file path=ppt/slides/slide25.xml><?xml version="1.0" encoding="utf-8"?>
-<p:sld xmlns:a="http://schemas.openxmlformats.org/drawingml/2006/main" xmlns:p="http://schemas.openxmlformats.org/presentationml/2006/main" xmlns:r="http://schemas.openxmlformats.org/officeDocument/2006/relationships" xmlns:p14="http://schemas.microsoft.com/office/powerpoint/2010/main" xmlns:p15="http://schemas.microsoft.com/office/powerpoint/2012/main" xmlns:mc="http://schemas.openxmlformats.org/markup-compatibility/2006">
-  <p:cSld>
-    <p:spTree>
-      <p:nvGrpSpPr>
-        <p:cNvPr id="1" name=""/>
-        <p:cNvGrpSpPr/>
-        <p:nvPr/>
-      </p:nvGrpSpPr>
-      <p:grpSpPr>
-        <a:xfrm>
-          <a:off x="0" y="0"/>
-          <a:ext cx="0" cy="0"/>
-          <a:chOff x="0" y="0"/>
-          <a:chExt cx="0" cy="0"/>
-        </a:xfrm>
-      </p:grpSpPr>
-      <p:sp>
-        <p:nvSpPr>
-          <p:cNvPr id="170" name="Straight Connector 7"/>
-          <p:cNvSpPr/>
-          <p:nvPr/>
-        </p:nvSpPr>
-        <p:spPr>
-          <a:xfrm>
-            <a:off x="5477400" y="1896840"/>
-            <a:ext cx="360" cy="3806280"/>
-          </a:xfrm>
-          <a:prstGeom prst="line">
-            <a:avLst/>
-          </a:prstGeom>
-          <a:ln>
-            <a:solidFill>
-              <a:srgbClr val="4472c4"/>
-            </a:solidFill>
-          </a:ln>
-        </p:spPr>
-        <p:style>
-          <a:lnRef idx="1">
-            <a:schemeClr val="accent1"/>
-          </a:lnRef>
-          <a:fillRef idx="0">
-            <a:schemeClr val="accent1"/>
-          </a:fillRef>
-          <a:effectRef idx="0">
-            <a:schemeClr val="accent1"/>
-          </a:effectRef>
-          <a:fontRef idx="minor"/>
-        </p:style>
-      </p:sp>
-      <p:sp>
-        <p:nvSpPr>
-          <p:cNvPr id="171" name="TextBox 2"/>
-          <p:cNvSpPr/>
-          <p:nvPr/>
-        </p:nvSpPr>
-        <p:spPr>
-          <a:xfrm>
-            <a:off x="751320" y="2129040"/>
-            <a:ext cx="4327200" cy="2009880"/>
-          </a:xfrm>
-          <a:prstGeom prst="rect">
-            <a:avLst/>
-          </a:prstGeom>
-          <a:noFill/>
-          <a:ln w="0">
-            <a:noFill/>
-          </a:ln>
-        </p:spPr>
-        <p:style>
-          <a:lnRef idx="0"/>
-          <a:fillRef idx="0"/>
-          <a:effectRef idx="0"/>
-          <a:fontRef idx="minor"/>
-        </p:style>
-        <p:txBody>
-          <a:bodyPr lIns="90000" rIns="90000" tIns="45000" bIns="45000" anchor="t">
-            <a:spAutoFit/>
-          </a:bodyPr>
-          <a:p>
-            <a:pPr marL="216000" indent="-216000">
-              <a:lnSpc>
-                <a:spcPct val="100000"/>
-              </a:lnSpc>
-              <a:buClr>
-                <a:srgbClr val="000000"/>
-              </a:buClr>
-              <a:buFont typeface="Arial"/>
-              <a:buChar char="•"/>
-            </a:pPr>
-            <a:r>
-              <a:rPr b="1" lang="en-US" sz="1800" spc="-1" strike="noStrike">
-                <a:solidFill>
-                  <a:srgbClr val="000000"/>
-                </a:solidFill>
-                <a:latin typeface="Calibri"/>
-                <a:ea typeface="DejaVu Sans"/>
-              </a:rPr>
-              <a:t>Flowchart of Trojan Operations</a:t>
-            </a:r>
-            <a:r>
-              <a:rPr b="0" lang="en-US" sz="1800" spc="-1" strike="noStrike">
-                <a:solidFill>
-                  <a:srgbClr val="000000"/>
-                </a:solidFill>
-                <a:latin typeface="Calibri"/>
-                <a:ea typeface="DejaVu Sans"/>
-              </a:rPr>
-              <a:t>:</a:t>
-            </a:r>
-            <a:endParaRPr b="0" lang="en-US" sz="1800" spc="-1" strike="noStrike">
-              <a:latin typeface="Arial"/>
-            </a:endParaRPr>
-          </a:p>
-          <a:p>
-            <a:pPr lvl="1" marL="743040" indent="-285840">
-              <a:lnSpc>
-                <a:spcPct val="100000"/>
-              </a:lnSpc>
-              <a:buClr>
-                <a:srgbClr val="000000"/>
-              </a:buClr>
-              <a:buFont typeface="Arial"/>
-              <a:buChar char="•"/>
-            </a:pPr>
-            <a:r>
-              <a:rPr b="0" lang="en-US" sz="1800" spc="-1" strike="noStrike">
-                <a:solidFill>
-                  <a:srgbClr val="000000"/>
-                </a:solidFill>
-                <a:latin typeface="Calibri"/>
-                <a:ea typeface="DejaVu Sans"/>
-              </a:rPr>
-              <a:t>Trojan monitors timing variations during encryption.</a:t>
-            </a:r>
-            <a:endParaRPr b="0" lang="en-US" sz="1800" spc="-1" strike="noStrike">
-              <a:latin typeface="Arial"/>
-            </a:endParaRPr>
-          </a:p>
-          <a:p>
-            <a:pPr lvl="1" marL="743040" indent="-285840">
-              <a:lnSpc>
-                <a:spcPct val="100000"/>
-              </a:lnSpc>
-              <a:buClr>
-                <a:srgbClr val="000000"/>
-              </a:buClr>
-              <a:buFont typeface="Arial"/>
-              <a:buChar char="•"/>
-            </a:pPr>
-            <a:r>
-              <a:rPr b="0" lang="en-US" sz="1800" spc="-1" strike="noStrike">
-                <a:solidFill>
-                  <a:srgbClr val="000000"/>
-                </a:solidFill>
-                <a:latin typeface="Calibri"/>
-                <a:ea typeface="DejaVu Sans"/>
-              </a:rPr>
-              <a:t>Timing shifts are detected and recorded.</a:t>
-            </a:r>
-            <a:endParaRPr b="0" lang="en-US" sz="1800" spc="-1" strike="noStrike">
-              <a:latin typeface="Arial"/>
-            </a:endParaRPr>
-          </a:p>
-          <a:p>
-            <a:pPr lvl="1" marL="743040" indent="-285840">
-              <a:lnSpc>
-                <a:spcPct val="100000"/>
-              </a:lnSpc>
-              <a:buClr>
-                <a:srgbClr val="000000"/>
-              </a:buClr>
-              <a:buFont typeface="Arial"/>
-              <a:buChar char="•"/>
-            </a:pPr>
-            <a:r>
-              <a:rPr b="0" lang="en-US" sz="1800" spc="-1" strike="noStrike">
-                <a:solidFill>
-                  <a:srgbClr val="000000"/>
-                </a:solidFill>
-                <a:latin typeface="Calibri"/>
-                <a:ea typeface="DejaVu Sans"/>
-              </a:rPr>
-              <a:t>Extracted key bits are assembled to reconstruct the full AES key.</a:t>
-            </a:r>
-            <a:endParaRPr b="0" lang="en-US" sz="1800" spc="-1" strike="noStrike">
-              <a:latin typeface="Arial"/>
-            </a:endParaRPr>
-          </a:p>
-        </p:txBody>
-      </p:sp>
-      <p:sp>
-        <p:nvSpPr>
-          <p:cNvPr id="172" name="TextBox 6"/>
-          <p:cNvSpPr/>
-          <p:nvPr/>
-        </p:nvSpPr>
-        <p:spPr>
-          <a:xfrm>
-            <a:off x="4188240" y="426240"/>
-            <a:ext cx="2892960" cy="577080"/>
-          </a:xfrm>
-          <a:prstGeom prst="rect">
-            <a:avLst/>
-          </a:prstGeom>
-          <a:noFill/>
-          <a:ln w="0">
-            <a:noFill/>
-          </a:ln>
-        </p:spPr>
-        <p:style>
-          <a:lnRef idx="0"/>
-          <a:fillRef idx="0"/>
-          <a:effectRef idx="0"/>
-          <a:fontRef idx="minor"/>
-        </p:style>
-        <p:txBody>
-          <a:bodyPr lIns="90000" rIns="90000" tIns="45000" bIns="45000" anchor="t">
-            <a:spAutoFit/>
-          </a:bodyPr>
-          <a:p>
-            <a:pPr>
-              <a:lnSpc>
-                <a:spcPct val="100000"/>
-              </a:lnSpc>
-              <a:buNone/>
-            </a:pPr>
-            <a:r>
-              <a:rPr b="1" lang="en-US" sz="3200" spc="-1" strike="noStrike">
-                <a:solidFill>
-                  <a:srgbClr val="000000"/>
-                </a:solidFill>
-                <a:latin typeface="Calibri"/>
-                <a:ea typeface="DejaVu Sans"/>
-              </a:rPr>
-              <a:t>Demonstration</a:t>
-            </a:r>
-            <a:endParaRPr b="0" lang="en-US" sz="3200" spc="-1" strike="noStrike">
-              <a:latin typeface="Arial"/>
-            </a:endParaRPr>
-          </a:p>
-        </p:txBody>
-      </p:sp>
-      <p:sp>
-        <p:nvSpPr>
-          <p:cNvPr id="173" name="Rectangle 2"/>
-          <p:cNvSpPr/>
-          <p:nvPr/>
-        </p:nvSpPr>
-        <p:spPr>
-          <a:xfrm>
-            <a:off x="6426000" y="1914840"/>
-            <a:ext cx="4594320" cy="1460880"/>
-          </a:xfrm>
-          <a:prstGeom prst="rect">
-            <a:avLst/>
-          </a:prstGeom>
-          <a:noFill/>
-          <a:ln w="0">
-            <a:noFill/>
-          </a:ln>
-        </p:spPr>
-        <p:style>
-          <a:lnRef idx="0"/>
-          <a:fillRef idx="0"/>
-          <a:effectRef idx="0"/>
-          <a:fontRef idx="minor"/>
-        </p:style>
-        <p:txBody>
-          <a:bodyPr numCol="1" spcCol="0" lIns="90000" rIns="90000" tIns="45000" bIns="45000" anchor="ctr">
-            <a:spAutoFit/>
-          </a:bodyPr>
-          <a:p>
-            <a:pPr>
-              <a:lnSpc>
-                <a:spcPct val="100000"/>
-              </a:lnSpc>
-              <a:buNone/>
-            </a:pPr>
-            <a:r>
-              <a:rPr b="1" lang="en-US" sz="1800" spc="-1" strike="noStrike">
-                <a:solidFill>
-                  <a:srgbClr val="000000"/>
-                </a:solidFill>
-                <a:latin typeface="Calibri"/>
-                <a:ea typeface="DejaVu Sans"/>
-              </a:rPr>
-              <a:t>Impact</a:t>
-            </a:r>
-            <a:r>
-              <a:rPr b="0" lang="en-US" sz="1800" spc="-1" strike="noStrike">
-                <a:solidFill>
-                  <a:srgbClr val="000000"/>
-                </a:solidFill>
-                <a:latin typeface="Calibri"/>
-                <a:ea typeface="DejaVu Sans"/>
-              </a:rPr>
-              <a:t>:</a:t>
-            </a:r>
-            <a:endParaRPr b="0" lang="en-US" sz="1800" spc="-1" strike="noStrike">
-              <a:latin typeface="Arial"/>
-            </a:endParaRPr>
-          </a:p>
-          <a:p>
-            <a:pPr marL="216000" indent="-216000">
-              <a:lnSpc>
-                <a:spcPct val="100000"/>
-              </a:lnSpc>
-              <a:buClr>
-                <a:srgbClr val="000000"/>
-              </a:buClr>
-              <a:buFont typeface="Arial"/>
-              <a:buChar char="•"/>
-            </a:pPr>
-            <a:r>
-              <a:rPr b="0" lang="en-US" sz="1800" spc="-1" strike="noStrike">
-                <a:solidFill>
-                  <a:srgbClr val="000000"/>
-                </a:solidFill>
-                <a:latin typeface="Calibri"/>
-                <a:ea typeface="DejaVu Sans"/>
-              </a:rPr>
-              <a:t>This attack leverages hardware side-channels (timing variations) to steal sensitive information with minimal impact on system functionality, making it difficult to detect.</a:t>
-            </a:r>
-            <a:endParaRPr b="0" lang="en-US" sz="1800" spc="-1" strike="noStrike">
-              <a:latin typeface="Arial"/>
-            </a:endParaRPr>
-          </a:p>
-        </p:txBody>
-      </p:sp>
-      <p:sp>
-        <p:nvSpPr>
-          <p:cNvPr id="174" name="TextBox 8"/>
-          <p:cNvSpPr/>
-          <p:nvPr/>
-        </p:nvSpPr>
-        <p:spPr>
-          <a:xfrm>
             <a:off x="6456240" y="3672000"/>
-            <a:ext cx="5574240" cy="2009880"/>
+            <a:ext cx="5573880" cy="2009880"/>
           </a:xfrm>
           <a:prstGeom prst="rect">
             <a:avLst/>
@@ -10114,7 +9999,7 @@
         <p:spPr>
           <a:xfrm>
             <a:off x="3053880" y="831960"/>
-            <a:ext cx="6618960" cy="455400"/>
+            <a:ext cx="6618600" cy="455400"/>
           </a:xfrm>
           <a:prstGeom prst="rect">
             <a:avLst/>
@@ -10166,7 +10051,7 @@
         <p:spPr>
           <a:xfrm>
             <a:off x="576720" y="2004120"/>
-            <a:ext cx="6773040" cy="3381480"/>
+            <a:ext cx="6772680" cy="3381480"/>
           </a:xfrm>
           <a:prstGeom prst="rect">
             <a:avLst/>
@@ -10390,9 +10275,9 @@
         <p:grpSpPr>
           <a:xfrm>
             <a:off x="7172280" y="2514240"/>
-            <a:ext cx="3490560" cy="1824480"/>
+            <a:ext cx="3490200" cy="1824480"/>
             <a:chOff x="7172280" y="2514240"/>
-            <a:chExt cx="3490560" cy="1824480"/>
+            <a:chExt cx="3490200" cy="1824480"/>
           </a:xfrm>
         </p:grpSpPr>
         <p:pic>
@@ -10403,13 +10288,13 @@
           </p:nvPicPr>
           <p:blipFill>
             <a:blip r:embed="rId1"/>
-            <a:srcRect l="13543" t="32922" r="11291" b="36528"/>
+            <a:srcRect l="13543" t="32917" r="11291" b="36522"/>
             <a:stretch/>
           </p:blipFill>
           <p:spPr>
             <a:xfrm>
               <a:off x="7172280" y="2514240"/>
-              <a:ext cx="3490560" cy="1063800"/>
+              <a:ext cx="3490200" cy="1063440"/>
             </a:xfrm>
             <a:prstGeom prst="rect">
               <a:avLst/>
@@ -10427,13 +10312,13 @@
           </p:nvPicPr>
           <p:blipFill>
             <a:blip r:embed="rId2"/>
-            <a:srcRect l="35733" t="42032" r="37191" b="39449"/>
+            <a:srcRect l="35729" t="42027" r="37186" b="39445"/>
             <a:stretch/>
           </p:blipFill>
           <p:spPr>
             <a:xfrm>
               <a:off x="8487720" y="3473640"/>
-              <a:ext cx="1241640" cy="477000"/>
+              <a:ext cx="1241280" cy="476640"/>
             </a:xfrm>
             <a:prstGeom prst="rect">
               <a:avLst/>
@@ -10452,7 +10337,7 @@
           <p:spPr>
             <a:xfrm>
               <a:off x="8308080" y="3974760"/>
-              <a:ext cx="1600920" cy="363960"/>
+              <a:ext cx="1600560" cy="363960"/>
             </a:xfrm>
             <a:prstGeom prst="rect">
               <a:avLst/>
@@ -10535,7 +10420,7 @@
         <p:spPr>
           <a:xfrm>
             <a:off x="1055160" y="1699200"/>
-            <a:ext cx="5830920" cy="455400"/>
+            <a:ext cx="5830560" cy="455400"/>
           </a:xfrm>
           <a:prstGeom prst="rect">
             <a:avLst/>
@@ -10587,7 +10472,7 @@
         <p:spPr>
           <a:xfrm>
             <a:off x="1036800" y="2364480"/>
-            <a:ext cx="5892480" cy="3015720"/>
+            <a:ext cx="5892120" cy="3015720"/>
           </a:xfrm>
           <a:prstGeom prst="rect">
             <a:avLst/>
@@ -10693,7 +10578,7 @@
         <p:spPr>
           <a:xfrm>
             <a:off x="6930360" y="2160720"/>
-            <a:ext cx="4205880" cy="2911320"/>
+            <a:ext cx="4205520" cy="2910960"/>
           </a:xfrm>
           <a:prstGeom prst="rect">
             <a:avLst/>
@@ -10742,9 +10627,9 @@
         <p:grpSpPr>
           <a:xfrm>
             <a:off x="2189880" y="1207080"/>
-            <a:ext cx="5830920" cy="3421440"/>
+            <a:ext cx="5830560" cy="3421440"/>
             <a:chOff x="2189880" y="1207080"/>
-            <a:chExt cx="5830920" cy="3421440"/>
+            <a:chExt cx="5830560" cy="3421440"/>
           </a:xfrm>
         </p:grpSpPr>
         <p:sp>
@@ -10756,7 +10641,7 @@
           <p:spPr>
             <a:xfrm>
               <a:off x="2189880" y="1207080"/>
-              <a:ext cx="5830920" cy="455400"/>
+              <a:ext cx="5830560" cy="455400"/>
             </a:xfrm>
             <a:prstGeom prst="rect">
               <a:avLst/>
@@ -10808,7 +10693,7 @@
           <p:spPr>
             <a:xfrm>
               <a:off x="2189880" y="1978560"/>
-              <a:ext cx="4353840" cy="2649960"/>
+              <a:ext cx="4353480" cy="2649960"/>
             </a:xfrm>
             <a:prstGeom prst="rect">
               <a:avLst/>
@@ -10902,7 +10787,7 @@
         <p:spPr>
           <a:xfrm>
             <a:off x="7201440" y="4316760"/>
-            <a:ext cx="3416760" cy="363960"/>
+            <a:ext cx="3416400" cy="363960"/>
           </a:xfrm>
           <a:prstGeom prst="rect">
             <a:avLst/>
@@ -10961,7 +10846,7 @@
         <p:spPr>
           <a:xfrm>
             <a:off x="6904080" y="1668960"/>
-            <a:ext cx="3845160" cy="2678040"/>
+            <a:ext cx="3844800" cy="2677680"/>
           </a:xfrm>
           <a:prstGeom prst="rect">
             <a:avLst/>
@@ -11010,7 +10895,7 @@
         <p:spPr>
           <a:xfrm>
             <a:off x="3698640" y="1148400"/>
-            <a:ext cx="4287600" cy="455400"/>
+            <a:ext cx="4287240" cy="455400"/>
           </a:xfrm>
           <a:prstGeom prst="rect">
             <a:avLst/>
@@ -11062,7 +10947,7 @@
         <p:spPr>
           <a:xfrm>
             <a:off x="1335960" y="4786200"/>
-            <a:ext cx="3097440" cy="363960"/>
+            <a:ext cx="3097080" cy="363960"/>
           </a:xfrm>
           <a:prstGeom prst="rect">
             <a:avLst/>
@@ -11120,7 +11005,7 @@
         <p:spPr>
           <a:xfrm>
             <a:off x="6095880" y="1978560"/>
-            <a:ext cx="3700080" cy="2912760"/>
+            <a:ext cx="3699720" cy="2912400"/>
           </a:xfrm>
           <a:prstGeom prst="rect">
             <a:avLst/>
@@ -11139,7 +11024,7 @@
         <p:spPr>
           <a:xfrm>
             <a:off x="1058760" y="2096640"/>
-            <a:ext cx="5105160" cy="3015720"/>
+            <a:ext cx="5104800" cy="3015720"/>
           </a:xfrm>
           <a:prstGeom prst="rect">
             <a:avLst/>
@@ -11387,7 +11272,7 @@
         <p:spPr>
           <a:xfrm>
             <a:off x="2349360" y="759240"/>
-            <a:ext cx="5830920" cy="455400"/>
+            <a:ext cx="5830560" cy="455400"/>
           </a:xfrm>
           <a:prstGeom prst="rect">
             <a:avLst/>
@@ -11439,7 +11324,7 @@
         <p:spPr>
           <a:xfrm>
             <a:off x="4480200" y="1414080"/>
-            <a:ext cx="6850800" cy="3747240"/>
+            <a:ext cx="6850440" cy="3747240"/>
           </a:xfrm>
           <a:prstGeom prst="rect">
             <a:avLst/>
@@ -11663,7 +11548,7 @@
         <p:spPr>
           <a:xfrm>
             <a:off x="4681440" y="5267160"/>
-            <a:ext cx="6351840" cy="363960"/>
+            <a:ext cx="6351480" cy="363960"/>
           </a:xfrm>
           <a:prstGeom prst="rect">
             <a:avLst/>
@@ -11721,7 +11606,7 @@
         <p:spPr>
           <a:xfrm>
             <a:off x="396720" y="1501560"/>
-            <a:ext cx="4113360" cy="3525120"/>
+            <a:ext cx="4113000" cy="3524760"/>
           </a:xfrm>
           <a:prstGeom prst="rect">
             <a:avLst/>
@@ -11770,7 +11655,7 @@
         <p:spPr>
           <a:xfrm>
             <a:off x="933120" y="1212840"/>
-            <a:ext cx="10309680" cy="1186920"/>
+            <a:ext cx="10309320" cy="1186920"/>
           </a:xfrm>
           <a:prstGeom prst="rect">
             <a:avLst/>
@@ -11822,7 +11707,7 @@
         <p:spPr>
           <a:xfrm>
             <a:off x="468000" y="3027600"/>
-            <a:ext cx="4966560" cy="638280"/>
+            <a:ext cx="4966200" cy="638280"/>
           </a:xfrm>
           <a:prstGeom prst="rect">
             <a:avLst/>
@@ -11874,7 +11759,7 @@
         <p:spPr>
           <a:xfrm>
             <a:off x="320400" y="3741120"/>
-            <a:ext cx="5004720" cy="363960"/>
+            <a:ext cx="5004360" cy="363960"/>
           </a:xfrm>
           <a:prstGeom prst="rect">
             <a:avLst/>
@@ -11932,7 +11817,7 @@
         <p:spPr>
           <a:xfrm>
             <a:off x="5435280" y="2622600"/>
-            <a:ext cx="6553440" cy="3816360"/>
+            <a:ext cx="6553080" cy="3816000"/>
           </a:xfrm>
           <a:prstGeom prst="rect">
             <a:avLst/>
@@ -11951,7 +11836,7 @@
         <p:spPr>
           <a:xfrm>
             <a:off x="320400" y="4511880"/>
-            <a:ext cx="5059440" cy="638280"/>
+            <a:ext cx="5059080" cy="638280"/>
           </a:xfrm>
           <a:prstGeom prst="rect">
             <a:avLst/>
@@ -12003,7 +11888,7 @@
         <p:spPr>
           <a:xfrm>
             <a:off x="320400" y="5321880"/>
-            <a:ext cx="5004720" cy="363960"/>
+            <a:ext cx="5004360" cy="363960"/>
           </a:xfrm>
           <a:prstGeom prst="rect">
             <a:avLst/>
@@ -12057,7 +11942,7 @@
         <p:spPr>
           <a:xfrm>
             <a:off x="2123640" y="314640"/>
-            <a:ext cx="7943760" cy="821160"/>
+            <a:ext cx="7943400" cy="821160"/>
           </a:xfrm>
           <a:prstGeom prst="rect">
             <a:avLst/>
@@ -12139,7 +12024,7 @@
         <p:spPr>
           <a:xfrm>
             <a:off x="2123640" y="314640"/>
-            <a:ext cx="7943760" cy="821160"/>
+            <a:ext cx="7943400" cy="821160"/>
           </a:xfrm>
           <a:prstGeom prst="rect">
             <a:avLst/>
@@ -12191,7 +12076,7 @@
         <p:spPr>
           <a:xfrm>
             <a:off x="933120" y="1212840"/>
-            <a:ext cx="10309680" cy="638280"/>
+            <a:ext cx="10309320" cy="638280"/>
           </a:xfrm>
           <a:prstGeom prst="rect">
             <a:avLst/>
@@ -12243,7 +12128,7 @@
         <p:spPr>
           <a:xfrm>
             <a:off x="192600" y="2524320"/>
-            <a:ext cx="5922360" cy="363960"/>
+            <a:ext cx="5922000" cy="363960"/>
           </a:xfrm>
           <a:prstGeom prst="rect">
             <a:avLst/>
@@ -12299,7 +12184,7 @@
         <p:spPr>
           <a:xfrm>
             <a:off x="6095880" y="2608560"/>
-            <a:ext cx="5731200" cy="3556800"/>
+            <a:ext cx="5730840" cy="3556440"/>
           </a:xfrm>
           <a:prstGeom prst="rect">
             <a:avLst/>
@@ -12322,7 +12207,7 @@
         <p:spPr>
           <a:xfrm>
             <a:off x="468000" y="2893680"/>
-            <a:ext cx="5371560" cy="3272040"/>
+            <a:ext cx="5371200" cy="3271680"/>
           </a:xfrm>
           <a:prstGeom prst="rect">
             <a:avLst/>

--- a/presentations/CSAW_2024_second_stage.pptx
+++ b/presentations/CSAW_2024_second_stage.pptx
@@ -1,43 +1,138 @@
 
 <file path=ppt/presentation.xml><?xml version="1.0" encoding="utf-8"?>
-<p:presentation xmlns:a="http://schemas.openxmlformats.org/drawingml/2006/main" xmlns:p="http://schemas.openxmlformats.org/presentationml/2006/main" xmlns:r="http://schemas.openxmlformats.org/officeDocument/2006/relationships" xmlns:p14="http://schemas.microsoft.com/office/powerpoint/2010/main" xmlns:p15="http://schemas.microsoft.com/office/powerpoint/2012/main" xmlns:mc="http://schemas.openxmlformats.org/markup-compatibility/2006">
+<p:presentation xmlns:a="http://schemas.openxmlformats.org/drawingml/2006/main" xmlns:r="http://schemas.openxmlformats.org/officeDocument/2006/relationships" xmlns:p="http://schemas.openxmlformats.org/presentationml/2006/main">
   <p:sldMasterIdLst>
-    <p:sldMasterId id="2147483648" r:id="rId2"/>
-    <p:sldMasterId id="2147483661" r:id="rId3"/>
+    <p:sldMasterId id="2147483648" r:id="rId1"/>
+    <p:sldMasterId id="2147483661" r:id="rId2"/>
   </p:sldMasterIdLst>
   <p:sldIdLst>
-    <p:sldId id="256" r:id="rId4"/>
-    <p:sldId id="257" r:id="rId5"/>
-    <p:sldId id="258" r:id="rId6"/>
-    <p:sldId id="259" r:id="rId7"/>
-    <p:sldId id="260" r:id="rId8"/>
-    <p:sldId id="261" r:id="rId9"/>
-    <p:sldId id="262" r:id="rId10"/>
-    <p:sldId id="263" r:id="rId11"/>
-    <p:sldId id="264" r:id="rId12"/>
-    <p:sldId id="265" r:id="rId13"/>
-    <p:sldId id="266" r:id="rId14"/>
-    <p:sldId id="267" r:id="rId15"/>
-    <p:sldId id="268" r:id="rId16"/>
-    <p:sldId id="269" r:id="rId17"/>
-    <p:sldId id="270" r:id="rId18"/>
-    <p:sldId id="271" r:id="rId19"/>
-    <p:sldId id="272" r:id="rId20"/>
-    <p:sldId id="273" r:id="rId21"/>
-    <p:sldId id="274" r:id="rId22"/>
-    <p:sldId id="275" r:id="rId23"/>
-    <p:sldId id="276" r:id="rId24"/>
-    <p:sldId id="277" r:id="rId25"/>
-    <p:sldId id="278" r:id="rId26"/>
-    <p:sldId id="279" r:id="rId27"/>
+    <p:sldId id="256" r:id="rId3"/>
+    <p:sldId id="257" r:id="rId4"/>
+    <p:sldId id="258" r:id="rId5"/>
+    <p:sldId id="259" r:id="rId6"/>
+    <p:sldId id="260" r:id="rId7"/>
+    <p:sldId id="261" r:id="rId8"/>
+    <p:sldId id="262" r:id="rId9"/>
+    <p:sldId id="263" r:id="rId10"/>
+    <p:sldId id="264" r:id="rId11"/>
+    <p:sldId id="265" r:id="rId12"/>
+    <p:sldId id="266" r:id="rId13"/>
+    <p:sldId id="267" r:id="rId14"/>
+    <p:sldId id="268" r:id="rId15"/>
+    <p:sldId id="269" r:id="rId16"/>
+    <p:sldId id="270" r:id="rId17"/>
+    <p:sldId id="271" r:id="rId18"/>
+    <p:sldId id="272" r:id="rId19"/>
+    <p:sldId id="273" r:id="rId20"/>
+    <p:sldId id="274" r:id="rId21"/>
+    <p:sldId id="275" r:id="rId22"/>
+    <p:sldId id="276" r:id="rId23"/>
+    <p:sldId id="277" r:id="rId24"/>
+    <p:sldId id="278" r:id="rId25"/>
+    <p:sldId id="279" r:id="rId26"/>
   </p:sldIdLst>
   <p:sldSz cx="12192000" cy="6858000"/>
   <p:notesSz cx="7559675" cy="10691813"/>
+  <p:defaultTextStyle>
+    <a:defPPr>
+      <a:defRPr lang="el-GR"/>
+    </a:defPPr>
+    <a:lvl1pPr marL="0" algn="l" defTabSz="914400" rtl="0" eaLnBrk="1" latinLnBrk="0" hangingPunct="1">
+      <a:defRPr sz="1800" kern="1200">
+        <a:solidFill>
+          <a:schemeClr val="tx1"/>
+        </a:solidFill>
+        <a:latin typeface="+mn-lt"/>
+        <a:ea typeface="+mn-ea"/>
+        <a:cs typeface="+mn-cs"/>
+      </a:defRPr>
+    </a:lvl1pPr>
+    <a:lvl2pPr marL="457200" algn="l" defTabSz="914400" rtl="0" eaLnBrk="1" latinLnBrk="0" hangingPunct="1">
+      <a:defRPr sz="1800" kern="1200">
+        <a:solidFill>
+          <a:schemeClr val="tx1"/>
+        </a:solidFill>
+        <a:latin typeface="+mn-lt"/>
+        <a:ea typeface="+mn-ea"/>
+        <a:cs typeface="+mn-cs"/>
+      </a:defRPr>
+    </a:lvl2pPr>
+    <a:lvl3pPr marL="914400" algn="l" defTabSz="914400" rtl="0" eaLnBrk="1" latinLnBrk="0" hangingPunct="1">
+      <a:defRPr sz="1800" kern="1200">
+        <a:solidFill>
+          <a:schemeClr val="tx1"/>
+        </a:solidFill>
+        <a:latin typeface="+mn-lt"/>
+        <a:ea typeface="+mn-ea"/>
+        <a:cs typeface="+mn-cs"/>
+      </a:defRPr>
+    </a:lvl3pPr>
+    <a:lvl4pPr marL="1371600" algn="l" defTabSz="914400" rtl="0" eaLnBrk="1" latinLnBrk="0" hangingPunct="1">
+      <a:defRPr sz="1800" kern="1200">
+        <a:solidFill>
+          <a:schemeClr val="tx1"/>
+        </a:solidFill>
+        <a:latin typeface="+mn-lt"/>
+        <a:ea typeface="+mn-ea"/>
+        <a:cs typeface="+mn-cs"/>
+      </a:defRPr>
+    </a:lvl4pPr>
+    <a:lvl5pPr marL="1828800" algn="l" defTabSz="914400" rtl="0" eaLnBrk="1" latinLnBrk="0" hangingPunct="1">
+      <a:defRPr sz="1800" kern="1200">
+        <a:solidFill>
+          <a:schemeClr val="tx1"/>
+        </a:solidFill>
+        <a:latin typeface="+mn-lt"/>
+        <a:ea typeface="+mn-ea"/>
+        <a:cs typeface="+mn-cs"/>
+      </a:defRPr>
+    </a:lvl5pPr>
+    <a:lvl6pPr marL="2286000" algn="l" defTabSz="914400" rtl="0" eaLnBrk="1" latinLnBrk="0" hangingPunct="1">
+      <a:defRPr sz="1800" kern="1200">
+        <a:solidFill>
+          <a:schemeClr val="tx1"/>
+        </a:solidFill>
+        <a:latin typeface="+mn-lt"/>
+        <a:ea typeface="+mn-ea"/>
+        <a:cs typeface="+mn-cs"/>
+      </a:defRPr>
+    </a:lvl6pPr>
+    <a:lvl7pPr marL="2743200" algn="l" defTabSz="914400" rtl="0" eaLnBrk="1" latinLnBrk="0" hangingPunct="1">
+      <a:defRPr sz="1800" kern="1200">
+        <a:solidFill>
+          <a:schemeClr val="tx1"/>
+        </a:solidFill>
+        <a:latin typeface="+mn-lt"/>
+        <a:ea typeface="+mn-ea"/>
+        <a:cs typeface="+mn-cs"/>
+      </a:defRPr>
+    </a:lvl7pPr>
+    <a:lvl8pPr marL="3200400" algn="l" defTabSz="914400" rtl="0" eaLnBrk="1" latinLnBrk="0" hangingPunct="1">
+      <a:defRPr sz="1800" kern="1200">
+        <a:solidFill>
+          <a:schemeClr val="tx1"/>
+        </a:solidFill>
+        <a:latin typeface="+mn-lt"/>
+        <a:ea typeface="+mn-ea"/>
+        <a:cs typeface="+mn-cs"/>
+      </a:defRPr>
+    </a:lvl8pPr>
+    <a:lvl9pPr marL="3657600" algn="l" defTabSz="914400" rtl="0" eaLnBrk="1" latinLnBrk="0" hangingPunct="1">
+      <a:defRPr sz="1800" kern="1200">
+        <a:solidFill>
+          <a:schemeClr val="tx1"/>
+        </a:solidFill>
+        <a:latin typeface="+mn-lt"/>
+        <a:ea typeface="+mn-ea"/>
+        <a:cs typeface="+mn-cs"/>
+      </a:defRPr>
+    </a:lvl9pPr>
+  </p:defaultTextStyle>
 </p:presentation>
 </file>
 
 <file path=ppt/slideLayouts/slideLayout1.xml><?xml version="1.0" encoding="utf-8"?>
-<p:sldLayout xmlns:a="http://schemas.openxmlformats.org/drawingml/2006/main" xmlns:p="http://schemas.openxmlformats.org/presentationml/2006/main" xmlns:r="http://schemas.openxmlformats.org/officeDocument/2006/relationships" xmlns:p14="http://schemas.microsoft.com/office/powerpoint/2010/main" xmlns:p15="http://schemas.microsoft.com/office/powerpoint/2012/main" xmlns:mc="http://schemas.openxmlformats.org/markup-compatibility/2006" type="blank" preserve="1">
+<p:sldLayout xmlns:a="http://schemas.openxmlformats.org/drawingml/2006/main" xmlns:r="http://schemas.openxmlformats.org/officeDocument/2006/relationships" xmlns:p="http://schemas.openxmlformats.org/presentationml/2006/main" type="blank" preserve="1">
   <p:cSld name="Blank Slide">
     <p:spTree>
       <p:nvGrpSpPr>
@@ -66,6 +161,7 @@
         <p:spPr/>
         <p:txBody>
           <a:bodyPr/>
+          <a:lstStyle/>
           <a:p>
             <a:r>
               <a:t>Footer</a:t>
@@ -86,10 +182,12 @@
         <p:spPr/>
         <p:txBody>
           <a:bodyPr/>
+          <a:lstStyle/>
           <a:p>
             <a:fld id="{4ED115AA-B80D-4484-97FE-EB31B6562101}" type="slidenum">
-              <a:t>&lt;#&gt;</a:t>
+              <a:t>‹#›</a:t>
             </a:fld>
+            <a:endParaRPr/>
           </a:p>
         </p:txBody>
       </p:sp>
@@ -106,21 +204,22 @@
         <p:spPr/>
         <p:txBody>
           <a:bodyPr/>
-          <a:p>
-            <a:r>
-              <a:rPr lang="en-US"/>
-              <a:t/>
-            </a:r>
+          <a:lstStyle/>
+          <a:p>
+            <a:endParaRPr/>
           </a:p>
         </p:txBody>
       </p:sp>
     </p:spTree>
   </p:cSld>
+  <p:clrMapOvr>
+    <a:masterClrMapping/>
+  </p:clrMapOvr>
 </p:sldLayout>
 </file>
 
 <file path=ppt/slideLayouts/slideLayout10.xml><?xml version="1.0" encoding="utf-8"?>
-<p:sldLayout xmlns:a="http://schemas.openxmlformats.org/drawingml/2006/main" xmlns:p="http://schemas.openxmlformats.org/presentationml/2006/main" xmlns:r="http://schemas.openxmlformats.org/officeDocument/2006/relationships" xmlns:p14="http://schemas.microsoft.com/office/powerpoint/2010/main" xmlns:p15="http://schemas.microsoft.com/office/powerpoint/2012/main" xmlns:mc="http://schemas.openxmlformats.org/markup-compatibility/2006" type="objOverTx" preserve="1">
+<p:sldLayout xmlns:a="http://schemas.openxmlformats.org/drawingml/2006/main" xmlns:r="http://schemas.openxmlformats.org/officeDocument/2006/relationships" xmlns:p="http://schemas.openxmlformats.org/presentationml/2006/main" type="objOverTx" preserve="1">
   <p:cSld name="Title, Content over Content">
     <p:spTree>
       <p:nvGrpSpPr>
@@ -160,14 +259,15 @@
           </a:ln>
         </p:spPr>
         <p:txBody>
-          <a:bodyPr lIns="0" rIns="0" tIns="0" bIns="0" anchor="ctr">
+          <a:bodyPr lIns="0" tIns="0" rIns="0" bIns="0" anchor="ctr">
             <a:noAutofit/>
           </a:bodyPr>
+          <a:lstStyle/>
           <a:p>
             <a:pPr algn="ctr">
               <a:buNone/>
             </a:pPr>
-            <a:endParaRPr b="0" lang="en-US" sz="4400" spc="-1" strike="noStrike">
+            <a:endParaRPr lang="en-US" sz="4400" b="0" strike="noStrike" spc="-1">
               <a:latin typeface="Arial"/>
             </a:endParaRPr>
           </a:p>
@@ -197,11 +297,12 @@
           </a:ln>
         </p:spPr>
         <p:txBody>
-          <a:bodyPr lIns="0" rIns="0" tIns="0" bIns="0" anchor="t">
+          <a:bodyPr lIns="0" tIns="0" rIns="0" bIns="0" anchor="t">
             <a:normAutofit/>
           </a:bodyPr>
-          <a:p>
-            <a:endParaRPr b="0" lang="en-US" sz="3200" spc="-1" strike="noStrike">
+          <a:lstStyle/>
+          <a:p>
+            <a:endParaRPr lang="en-US" sz="3200" b="0" strike="noStrike" spc="-1">
               <a:latin typeface="Arial"/>
             </a:endParaRPr>
           </a:p>
@@ -231,11 +332,12 @@
           </a:ln>
         </p:spPr>
         <p:txBody>
-          <a:bodyPr lIns="0" rIns="0" tIns="0" bIns="0" anchor="t">
+          <a:bodyPr lIns="0" tIns="0" rIns="0" bIns="0" anchor="t">
             <a:normAutofit/>
           </a:bodyPr>
-          <a:p>
-            <a:endParaRPr b="0" lang="en-US" sz="3200" spc="-1" strike="noStrike">
+          <a:lstStyle/>
+          <a:p>
+            <a:endParaRPr lang="en-US" sz="3200" b="0" strike="noStrike" spc="-1">
               <a:latin typeface="Arial"/>
             </a:endParaRPr>
           </a:p>
@@ -254,6 +356,7 @@
         <p:spPr/>
         <p:txBody>
           <a:bodyPr/>
+          <a:lstStyle/>
           <a:p>
             <a:r>
               <a:t>Footer</a:t>
@@ -274,10 +377,12 @@
         <p:spPr/>
         <p:txBody>
           <a:bodyPr/>
+          <a:lstStyle/>
           <a:p>
             <a:fld id="{0434ADF3-424D-4E79-92B9-5C2E3A2BE9AC}" type="slidenum">
-              <a:t>&lt;#&gt;</a:t>
+              <a:t>‹#›</a:t>
             </a:fld>
+            <a:endParaRPr/>
           </a:p>
         </p:txBody>
       </p:sp>
@@ -294,21 +399,22 @@
         <p:spPr/>
         <p:txBody>
           <a:bodyPr/>
-          <a:p>
-            <a:r>
-              <a:rPr lang="en-US"/>
-              <a:t/>
-            </a:r>
+          <a:lstStyle/>
+          <a:p>
+            <a:endParaRPr/>
           </a:p>
         </p:txBody>
       </p:sp>
     </p:spTree>
   </p:cSld>
+  <p:clrMapOvr>
+    <a:masterClrMapping/>
+  </p:clrMapOvr>
 </p:sldLayout>
 </file>
 
 <file path=ppt/slideLayouts/slideLayout11.xml><?xml version="1.0" encoding="utf-8"?>
-<p:sldLayout xmlns:a="http://schemas.openxmlformats.org/drawingml/2006/main" xmlns:p="http://schemas.openxmlformats.org/presentationml/2006/main" xmlns:r="http://schemas.openxmlformats.org/officeDocument/2006/relationships" xmlns:p14="http://schemas.microsoft.com/office/powerpoint/2010/main" xmlns:p15="http://schemas.microsoft.com/office/powerpoint/2012/main" xmlns:mc="http://schemas.openxmlformats.org/markup-compatibility/2006" type="fourObj" preserve="1">
+<p:sldLayout xmlns:a="http://schemas.openxmlformats.org/drawingml/2006/main" xmlns:r="http://schemas.openxmlformats.org/officeDocument/2006/relationships" xmlns:p="http://schemas.openxmlformats.org/presentationml/2006/main" type="fourObj" preserve="1">
   <p:cSld name="Title, 4 Content">
     <p:spTree>
       <p:nvGrpSpPr>
@@ -348,14 +454,15 @@
           </a:ln>
         </p:spPr>
         <p:txBody>
-          <a:bodyPr lIns="0" rIns="0" tIns="0" bIns="0" anchor="ctr">
+          <a:bodyPr lIns="0" tIns="0" rIns="0" bIns="0" anchor="ctr">
             <a:noAutofit/>
           </a:bodyPr>
+          <a:lstStyle/>
           <a:p>
             <a:pPr algn="ctr">
               <a:buNone/>
             </a:pPr>
-            <a:endParaRPr b="0" lang="en-US" sz="4400" spc="-1" strike="noStrike">
+            <a:endParaRPr lang="en-US" sz="4400" b="0" strike="noStrike" spc="-1">
               <a:latin typeface="Arial"/>
             </a:endParaRPr>
           </a:p>
@@ -385,11 +492,12 @@
           </a:ln>
         </p:spPr>
         <p:txBody>
-          <a:bodyPr lIns="0" rIns="0" tIns="0" bIns="0" anchor="t">
+          <a:bodyPr lIns="0" tIns="0" rIns="0" bIns="0" anchor="t">
             <a:normAutofit/>
           </a:bodyPr>
-          <a:p>
-            <a:endParaRPr b="0" lang="en-US" sz="3200" spc="-1" strike="noStrike">
+          <a:lstStyle/>
+          <a:p>
+            <a:endParaRPr lang="en-US" sz="3200" b="0" strike="noStrike" spc="-1">
               <a:latin typeface="Arial"/>
             </a:endParaRPr>
           </a:p>
@@ -419,11 +527,12 @@
           </a:ln>
         </p:spPr>
         <p:txBody>
-          <a:bodyPr lIns="0" rIns="0" tIns="0" bIns="0" anchor="t">
+          <a:bodyPr lIns="0" tIns="0" rIns="0" bIns="0" anchor="t">
             <a:normAutofit/>
           </a:bodyPr>
-          <a:p>
-            <a:endParaRPr b="0" lang="en-US" sz="3200" spc="-1" strike="noStrike">
+          <a:lstStyle/>
+          <a:p>
+            <a:endParaRPr lang="en-US" sz="3200" b="0" strike="noStrike" spc="-1">
               <a:latin typeface="Arial"/>
             </a:endParaRPr>
           </a:p>
@@ -453,11 +562,12 @@
           </a:ln>
         </p:spPr>
         <p:txBody>
-          <a:bodyPr lIns="0" rIns="0" tIns="0" bIns="0" anchor="t">
+          <a:bodyPr lIns="0" tIns="0" rIns="0" bIns="0" anchor="t">
             <a:normAutofit/>
           </a:bodyPr>
-          <a:p>
-            <a:endParaRPr b="0" lang="en-US" sz="3200" spc="-1" strike="noStrike">
+          <a:lstStyle/>
+          <a:p>
+            <a:endParaRPr lang="en-US" sz="3200" b="0" strike="noStrike" spc="-1">
               <a:latin typeface="Arial"/>
             </a:endParaRPr>
           </a:p>
@@ -487,11 +597,12 @@
           </a:ln>
         </p:spPr>
         <p:txBody>
-          <a:bodyPr lIns="0" rIns="0" tIns="0" bIns="0" anchor="t">
+          <a:bodyPr lIns="0" tIns="0" rIns="0" bIns="0" anchor="t">
             <a:normAutofit/>
           </a:bodyPr>
-          <a:p>
-            <a:endParaRPr b="0" lang="en-US" sz="3200" spc="-1" strike="noStrike">
+          <a:lstStyle/>
+          <a:p>
+            <a:endParaRPr lang="en-US" sz="3200" b="0" strike="noStrike" spc="-1">
               <a:latin typeface="Arial"/>
             </a:endParaRPr>
           </a:p>
@@ -510,6 +621,7 @@
         <p:spPr/>
         <p:txBody>
           <a:bodyPr/>
+          <a:lstStyle/>
           <a:p>
             <a:r>
               <a:t>Footer</a:t>
@@ -530,10 +642,12 @@
         <p:spPr/>
         <p:txBody>
           <a:bodyPr/>
+          <a:lstStyle/>
           <a:p>
             <a:fld id="{C43F5877-C1D5-41BE-9D01-5E99025E1ED2}" type="slidenum">
-              <a:t>&lt;#&gt;</a:t>
+              <a:t>‹#›</a:t>
             </a:fld>
+            <a:endParaRPr/>
           </a:p>
         </p:txBody>
       </p:sp>
@@ -550,21 +664,22 @@
         <p:spPr/>
         <p:txBody>
           <a:bodyPr/>
-          <a:p>
-            <a:r>
-              <a:rPr lang="en-US"/>
-              <a:t/>
-            </a:r>
+          <a:lstStyle/>
+          <a:p>
+            <a:endParaRPr/>
           </a:p>
         </p:txBody>
       </p:sp>
     </p:spTree>
   </p:cSld>
+  <p:clrMapOvr>
+    <a:masterClrMapping/>
+  </p:clrMapOvr>
 </p:sldLayout>
 </file>
 
 <file path=ppt/slideLayouts/slideLayout12.xml><?xml version="1.0" encoding="utf-8"?>
-<p:sldLayout xmlns:a="http://schemas.openxmlformats.org/drawingml/2006/main" xmlns:p="http://schemas.openxmlformats.org/presentationml/2006/main" xmlns:r="http://schemas.openxmlformats.org/officeDocument/2006/relationships" xmlns:p14="http://schemas.microsoft.com/office/powerpoint/2010/main" xmlns:p15="http://schemas.microsoft.com/office/powerpoint/2012/main" xmlns:mc="http://schemas.openxmlformats.org/markup-compatibility/2006" type="blank" preserve="1">
+<p:sldLayout xmlns:a="http://schemas.openxmlformats.org/drawingml/2006/main" xmlns:r="http://schemas.openxmlformats.org/officeDocument/2006/relationships" xmlns:p="http://schemas.openxmlformats.org/presentationml/2006/main" type="blank" preserve="1">
   <p:cSld name="Title, 6 Content">
     <p:spTree>
       <p:nvGrpSpPr>
@@ -604,14 +719,15 @@
           </a:ln>
         </p:spPr>
         <p:txBody>
-          <a:bodyPr lIns="0" rIns="0" tIns="0" bIns="0" anchor="ctr">
+          <a:bodyPr lIns="0" tIns="0" rIns="0" bIns="0" anchor="ctr">
             <a:noAutofit/>
           </a:bodyPr>
+          <a:lstStyle/>
           <a:p>
             <a:pPr algn="ctr">
               <a:buNone/>
             </a:pPr>
-            <a:endParaRPr b="0" lang="en-US" sz="4400" spc="-1" strike="noStrike">
+            <a:endParaRPr lang="en-US" sz="4400" b="0" strike="noStrike" spc="-1">
               <a:latin typeface="Arial"/>
             </a:endParaRPr>
           </a:p>
@@ -641,11 +757,12 @@
           </a:ln>
         </p:spPr>
         <p:txBody>
-          <a:bodyPr lIns="0" rIns="0" tIns="0" bIns="0" anchor="t">
+          <a:bodyPr lIns="0" tIns="0" rIns="0" bIns="0" anchor="t">
             <a:normAutofit/>
           </a:bodyPr>
-          <a:p>
-            <a:endParaRPr b="0" lang="en-US" sz="3200" spc="-1" strike="noStrike">
+          <a:lstStyle/>
+          <a:p>
+            <a:endParaRPr lang="en-US" sz="3200" b="0" strike="noStrike" spc="-1">
               <a:latin typeface="Arial"/>
             </a:endParaRPr>
           </a:p>
@@ -675,11 +792,12 @@
           </a:ln>
         </p:spPr>
         <p:txBody>
-          <a:bodyPr lIns="0" rIns="0" tIns="0" bIns="0" anchor="t">
+          <a:bodyPr lIns="0" tIns="0" rIns="0" bIns="0" anchor="t">
             <a:normAutofit/>
           </a:bodyPr>
-          <a:p>
-            <a:endParaRPr b="0" lang="en-US" sz="3200" spc="-1" strike="noStrike">
+          <a:lstStyle/>
+          <a:p>
+            <a:endParaRPr lang="en-US" sz="3200" b="0" strike="noStrike" spc="-1">
               <a:latin typeface="Arial"/>
             </a:endParaRPr>
           </a:p>
@@ -709,11 +827,12 @@
           </a:ln>
         </p:spPr>
         <p:txBody>
-          <a:bodyPr lIns="0" rIns="0" tIns="0" bIns="0" anchor="t">
+          <a:bodyPr lIns="0" tIns="0" rIns="0" bIns="0" anchor="t">
             <a:normAutofit/>
           </a:bodyPr>
-          <a:p>
-            <a:endParaRPr b="0" lang="en-US" sz="3200" spc="-1" strike="noStrike">
+          <a:lstStyle/>
+          <a:p>
+            <a:endParaRPr lang="en-US" sz="3200" b="0" strike="noStrike" spc="-1">
               <a:latin typeface="Arial"/>
             </a:endParaRPr>
           </a:p>
@@ -743,11 +862,12 @@
           </a:ln>
         </p:spPr>
         <p:txBody>
-          <a:bodyPr lIns="0" rIns="0" tIns="0" bIns="0" anchor="t">
+          <a:bodyPr lIns="0" tIns="0" rIns="0" bIns="0" anchor="t">
             <a:normAutofit/>
           </a:bodyPr>
-          <a:p>
-            <a:endParaRPr b="0" lang="en-US" sz="3200" spc="-1" strike="noStrike">
+          <a:lstStyle/>
+          <a:p>
+            <a:endParaRPr lang="en-US" sz="3200" b="0" strike="noStrike" spc="-1">
               <a:latin typeface="Arial"/>
             </a:endParaRPr>
           </a:p>
@@ -777,11 +897,12 @@
           </a:ln>
         </p:spPr>
         <p:txBody>
-          <a:bodyPr lIns="0" rIns="0" tIns="0" bIns="0" anchor="t">
+          <a:bodyPr lIns="0" tIns="0" rIns="0" bIns="0" anchor="t">
             <a:normAutofit/>
           </a:bodyPr>
-          <a:p>
-            <a:endParaRPr b="0" lang="en-US" sz="3200" spc="-1" strike="noStrike">
+          <a:lstStyle/>
+          <a:p>
+            <a:endParaRPr lang="en-US" sz="3200" b="0" strike="noStrike" spc="-1">
               <a:latin typeface="Arial"/>
             </a:endParaRPr>
           </a:p>
@@ -811,11 +932,12 @@
           </a:ln>
         </p:spPr>
         <p:txBody>
-          <a:bodyPr lIns="0" rIns="0" tIns="0" bIns="0" anchor="t">
+          <a:bodyPr lIns="0" tIns="0" rIns="0" bIns="0" anchor="t">
             <a:normAutofit/>
           </a:bodyPr>
-          <a:p>
-            <a:endParaRPr b="0" lang="en-US" sz="3200" spc="-1" strike="noStrike">
+          <a:lstStyle/>
+          <a:p>
+            <a:endParaRPr lang="en-US" sz="3200" b="0" strike="noStrike" spc="-1">
               <a:latin typeface="Arial"/>
             </a:endParaRPr>
           </a:p>
@@ -834,6 +956,7 @@
         <p:spPr/>
         <p:txBody>
           <a:bodyPr/>
+          <a:lstStyle/>
           <a:p>
             <a:r>
               <a:t>Footer</a:t>
@@ -854,10 +977,12 @@
         <p:spPr/>
         <p:txBody>
           <a:bodyPr/>
+          <a:lstStyle/>
           <a:p>
             <a:fld id="{4CFE98EB-CBB9-4EE5-B54F-980666E6C984}" type="slidenum">
-              <a:t>&lt;#&gt;</a:t>
+              <a:t>‹#›</a:t>
             </a:fld>
+            <a:endParaRPr/>
           </a:p>
         </p:txBody>
       </p:sp>
@@ -874,21 +999,22 @@
         <p:spPr/>
         <p:txBody>
           <a:bodyPr/>
-          <a:p>
-            <a:r>
-              <a:rPr lang="en-US"/>
-              <a:t/>
-            </a:r>
+          <a:lstStyle/>
+          <a:p>
+            <a:endParaRPr/>
           </a:p>
         </p:txBody>
       </p:sp>
     </p:spTree>
   </p:cSld>
+  <p:clrMapOvr>
+    <a:masterClrMapping/>
+  </p:clrMapOvr>
 </p:sldLayout>
 </file>
 
 <file path=ppt/slideLayouts/slideLayout13.xml><?xml version="1.0" encoding="utf-8"?>
-<p:sldLayout xmlns:a="http://schemas.openxmlformats.org/drawingml/2006/main" xmlns:p="http://schemas.openxmlformats.org/presentationml/2006/main" xmlns:r="http://schemas.openxmlformats.org/officeDocument/2006/relationships" xmlns:p14="http://schemas.microsoft.com/office/powerpoint/2010/main" xmlns:p15="http://schemas.microsoft.com/office/powerpoint/2012/main" xmlns:mc="http://schemas.openxmlformats.org/markup-compatibility/2006" type="blank" preserve="1">
+<p:sldLayout xmlns:a="http://schemas.openxmlformats.org/drawingml/2006/main" xmlns:r="http://schemas.openxmlformats.org/officeDocument/2006/relationships" xmlns:p="http://schemas.openxmlformats.org/presentationml/2006/main" type="blank" preserve="1">
   <p:cSld name="Blank Slide">
     <p:spTree>
       <p:nvGrpSpPr>
@@ -917,6 +1043,7 @@
         <p:spPr/>
         <p:txBody>
           <a:bodyPr/>
+          <a:lstStyle/>
           <a:p>
             <a:r>
               <a:t>Footer</a:t>
@@ -937,10 +1064,12 @@
         <p:spPr/>
         <p:txBody>
           <a:bodyPr/>
+          <a:lstStyle/>
           <a:p>
             <a:fld id="{DC87FC67-FB0C-4A6D-AAF4-8FAD58732242}" type="slidenum">
-              <a:t>&lt;#&gt;</a:t>
+              <a:t>‹#›</a:t>
             </a:fld>
+            <a:endParaRPr/>
           </a:p>
         </p:txBody>
       </p:sp>
@@ -957,21 +1086,22 @@
         <p:spPr/>
         <p:txBody>
           <a:bodyPr/>
-          <a:p>
-            <a:r>
-              <a:rPr lang="en-US"/>
-              <a:t/>
-            </a:r>
+          <a:lstStyle/>
+          <a:p>
+            <a:endParaRPr/>
           </a:p>
         </p:txBody>
       </p:sp>
     </p:spTree>
   </p:cSld>
+  <p:clrMapOvr>
+    <a:masterClrMapping/>
+  </p:clrMapOvr>
 </p:sldLayout>
 </file>
 
 <file path=ppt/slideLayouts/slideLayout14.xml><?xml version="1.0" encoding="utf-8"?>
-<p:sldLayout xmlns:a="http://schemas.openxmlformats.org/drawingml/2006/main" xmlns:p="http://schemas.openxmlformats.org/presentationml/2006/main" xmlns:r="http://schemas.openxmlformats.org/officeDocument/2006/relationships" xmlns:p14="http://schemas.microsoft.com/office/powerpoint/2010/main" xmlns:p15="http://schemas.microsoft.com/office/powerpoint/2012/main" xmlns:mc="http://schemas.openxmlformats.org/markup-compatibility/2006" type="tx" preserve="1">
+<p:sldLayout xmlns:a="http://schemas.openxmlformats.org/drawingml/2006/main" xmlns:r="http://schemas.openxmlformats.org/officeDocument/2006/relationships" xmlns:p="http://schemas.openxmlformats.org/presentationml/2006/main" type="tx" preserve="1">
   <p:cSld name="Title Slide">
     <p:spTree>
       <p:nvGrpSpPr>
@@ -1011,14 +1141,15 @@
           </a:ln>
         </p:spPr>
         <p:txBody>
-          <a:bodyPr lIns="0" rIns="0" tIns="0" bIns="0" anchor="ctr">
+          <a:bodyPr lIns="0" tIns="0" rIns="0" bIns="0" anchor="ctr">
             <a:noAutofit/>
           </a:bodyPr>
+          <a:lstStyle/>
           <a:p>
             <a:pPr algn="ctr">
               <a:buNone/>
             </a:pPr>
-            <a:endParaRPr b="0" lang="en-US" sz="4400" spc="-1" strike="noStrike">
+            <a:endParaRPr lang="en-US" sz="4400" b="0" strike="noStrike" spc="-1">
               <a:latin typeface="Arial"/>
             </a:endParaRPr>
           </a:p>
@@ -1048,14 +1179,15 @@
           </a:ln>
         </p:spPr>
         <p:txBody>
-          <a:bodyPr lIns="0" rIns="0" tIns="0" bIns="0" anchor="ctr">
+          <a:bodyPr lIns="0" tIns="0" rIns="0" bIns="0" anchor="ctr">
             <a:noAutofit/>
           </a:bodyPr>
+          <a:lstStyle/>
           <a:p>
             <a:pPr algn="ctr">
               <a:buNone/>
             </a:pPr>
-            <a:endParaRPr b="0" lang="en-US" sz="3200" spc="-1" strike="noStrike">
+            <a:endParaRPr lang="en-US" sz="3200" b="0" strike="noStrike" spc="-1">
               <a:latin typeface="Arial"/>
             </a:endParaRPr>
           </a:p>
@@ -1074,6 +1206,7 @@
         <p:spPr/>
         <p:txBody>
           <a:bodyPr/>
+          <a:lstStyle/>
           <a:p>
             <a:r>
               <a:t>Footer</a:t>
@@ -1094,10 +1227,12 @@
         <p:spPr/>
         <p:txBody>
           <a:bodyPr/>
+          <a:lstStyle/>
           <a:p>
             <a:fld id="{9EE684FB-863C-4C8F-9391-136AE39A05B2}" type="slidenum">
-              <a:t>&lt;#&gt;</a:t>
+              <a:t>‹#›</a:t>
             </a:fld>
+            <a:endParaRPr/>
           </a:p>
         </p:txBody>
       </p:sp>
@@ -1114,21 +1249,22 @@
         <p:spPr/>
         <p:txBody>
           <a:bodyPr/>
-          <a:p>
-            <a:r>
-              <a:rPr lang="en-US"/>
-              <a:t/>
-            </a:r>
+          <a:lstStyle/>
+          <a:p>
+            <a:endParaRPr/>
           </a:p>
         </p:txBody>
       </p:sp>
     </p:spTree>
   </p:cSld>
+  <p:clrMapOvr>
+    <a:masterClrMapping/>
+  </p:clrMapOvr>
 </p:sldLayout>
 </file>
 
 <file path=ppt/slideLayouts/slideLayout15.xml><?xml version="1.0" encoding="utf-8"?>
-<p:sldLayout xmlns:a="http://schemas.openxmlformats.org/drawingml/2006/main" xmlns:p="http://schemas.openxmlformats.org/presentationml/2006/main" xmlns:r="http://schemas.openxmlformats.org/officeDocument/2006/relationships" xmlns:p14="http://schemas.microsoft.com/office/powerpoint/2010/main" xmlns:p15="http://schemas.microsoft.com/office/powerpoint/2012/main" xmlns:mc="http://schemas.openxmlformats.org/markup-compatibility/2006" type="obj" preserve="1">
+<p:sldLayout xmlns:a="http://schemas.openxmlformats.org/drawingml/2006/main" xmlns:r="http://schemas.openxmlformats.org/officeDocument/2006/relationships" xmlns:p="http://schemas.openxmlformats.org/presentationml/2006/main" type="obj" preserve="1">
   <p:cSld name="Title, Content">
     <p:spTree>
       <p:nvGrpSpPr>
@@ -1168,14 +1304,15 @@
           </a:ln>
         </p:spPr>
         <p:txBody>
-          <a:bodyPr lIns="0" rIns="0" tIns="0" bIns="0" anchor="ctr">
+          <a:bodyPr lIns="0" tIns="0" rIns="0" bIns="0" anchor="ctr">
             <a:noAutofit/>
           </a:bodyPr>
+          <a:lstStyle/>
           <a:p>
             <a:pPr algn="ctr">
               <a:buNone/>
             </a:pPr>
-            <a:endParaRPr b="0" lang="en-US" sz="4400" spc="-1" strike="noStrike">
+            <a:endParaRPr lang="en-US" sz="4400" b="0" strike="noStrike" spc="-1">
               <a:latin typeface="Arial"/>
             </a:endParaRPr>
           </a:p>
@@ -1205,11 +1342,12 @@
           </a:ln>
         </p:spPr>
         <p:txBody>
-          <a:bodyPr lIns="0" rIns="0" tIns="0" bIns="0" anchor="t">
+          <a:bodyPr lIns="0" tIns="0" rIns="0" bIns="0" anchor="t">
             <a:normAutofit/>
           </a:bodyPr>
-          <a:p>
-            <a:endParaRPr b="0" lang="en-US" sz="3200" spc="-1" strike="noStrike">
+          <a:lstStyle/>
+          <a:p>
+            <a:endParaRPr lang="en-US" sz="3200" b="0" strike="noStrike" spc="-1">
               <a:latin typeface="Arial"/>
             </a:endParaRPr>
           </a:p>
@@ -1228,6 +1366,7 @@
         <p:spPr/>
         <p:txBody>
           <a:bodyPr/>
+          <a:lstStyle/>
           <a:p>
             <a:r>
               <a:t>Footer</a:t>
@@ -1248,10 +1387,12 @@
         <p:spPr/>
         <p:txBody>
           <a:bodyPr/>
+          <a:lstStyle/>
           <a:p>
             <a:fld id="{D6DEF0C4-F486-4320-AA4F-71FA5444D3E5}" type="slidenum">
-              <a:t>&lt;#&gt;</a:t>
+              <a:t>‹#›</a:t>
             </a:fld>
+            <a:endParaRPr/>
           </a:p>
         </p:txBody>
       </p:sp>
@@ -1268,21 +1409,22 @@
         <p:spPr/>
         <p:txBody>
           <a:bodyPr/>
-          <a:p>
-            <a:r>
-              <a:rPr lang="en-US"/>
-              <a:t/>
-            </a:r>
+          <a:lstStyle/>
+          <a:p>
+            <a:endParaRPr/>
           </a:p>
         </p:txBody>
       </p:sp>
     </p:spTree>
   </p:cSld>
+  <p:clrMapOvr>
+    <a:masterClrMapping/>
+  </p:clrMapOvr>
 </p:sldLayout>
 </file>
 
 <file path=ppt/slideLayouts/slideLayout16.xml><?xml version="1.0" encoding="utf-8"?>
-<p:sldLayout xmlns:a="http://schemas.openxmlformats.org/drawingml/2006/main" xmlns:p="http://schemas.openxmlformats.org/presentationml/2006/main" xmlns:r="http://schemas.openxmlformats.org/officeDocument/2006/relationships" xmlns:p14="http://schemas.microsoft.com/office/powerpoint/2010/main" xmlns:p15="http://schemas.microsoft.com/office/powerpoint/2012/main" xmlns:mc="http://schemas.openxmlformats.org/markup-compatibility/2006" type="twoObj" preserve="1">
+<p:sldLayout xmlns:a="http://schemas.openxmlformats.org/drawingml/2006/main" xmlns:r="http://schemas.openxmlformats.org/officeDocument/2006/relationships" xmlns:p="http://schemas.openxmlformats.org/presentationml/2006/main" type="twoObj" preserve="1">
   <p:cSld name="Title, 2 Content">
     <p:spTree>
       <p:nvGrpSpPr>
@@ -1322,14 +1464,15 @@
           </a:ln>
         </p:spPr>
         <p:txBody>
-          <a:bodyPr lIns="0" rIns="0" tIns="0" bIns="0" anchor="ctr">
+          <a:bodyPr lIns="0" tIns="0" rIns="0" bIns="0" anchor="ctr">
             <a:noAutofit/>
           </a:bodyPr>
+          <a:lstStyle/>
           <a:p>
             <a:pPr algn="ctr">
               <a:buNone/>
             </a:pPr>
-            <a:endParaRPr b="0" lang="en-US" sz="4400" spc="-1" strike="noStrike">
+            <a:endParaRPr lang="en-US" sz="4400" b="0" strike="noStrike" spc="-1">
               <a:latin typeface="Arial"/>
             </a:endParaRPr>
           </a:p>
@@ -1359,11 +1502,12 @@
           </a:ln>
         </p:spPr>
         <p:txBody>
-          <a:bodyPr lIns="0" rIns="0" tIns="0" bIns="0" anchor="t">
+          <a:bodyPr lIns="0" tIns="0" rIns="0" bIns="0" anchor="t">
             <a:normAutofit/>
           </a:bodyPr>
-          <a:p>
-            <a:endParaRPr b="0" lang="en-US" sz="3200" spc="-1" strike="noStrike">
+          <a:lstStyle/>
+          <a:p>
+            <a:endParaRPr lang="en-US" sz="3200" b="0" strike="noStrike" spc="-1">
               <a:latin typeface="Arial"/>
             </a:endParaRPr>
           </a:p>
@@ -1393,11 +1537,12 @@
           </a:ln>
         </p:spPr>
         <p:txBody>
-          <a:bodyPr lIns="0" rIns="0" tIns="0" bIns="0" anchor="t">
+          <a:bodyPr lIns="0" tIns="0" rIns="0" bIns="0" anchor="t">
             <a:normAutofit/>
           </a:bodyPr>
-          <a:p>
-            <a:endParaRPr b="0" lang="en-US" sz="3200" spc="-1" strike="noStrike">
+          <a:lstStyle/>
+          <a:p>
+            <a:endParaRPr lang="en-US" sz="3200" b="0" strike="noStrike" spc="-1">
               <a:latin typeface="Arial"/>
             </a:endParaRPr>
           </a:p>
@@ -1416,6 +1561,7 @@
         <p:spPr/>
         <p:txBody>
           <a:bodyPr/>
+          <a:lstStyle/>
           <a:p>
             <a:r>
               <a:t>Footer</a:t>
@@ -1436,10 +1582,12 @@
         <p:spPr/>
         <p:txBody>
           <a:bodyPr/>
+          <a:lstStyle/>
           <a:p>
             <a:fld id="{956FDEFC-9B75-4213-B4DF-E82611D24BCC}" type="slidenum">
-              <a:t>&lt;#&gt;</a:t>
+              <a:t>‹#›</a:t>
             </a:fld>
+            <a:endParaRPr/>
           </a:p>
         </p:txBody>
       </p:sp>
@@ -1456,21 +1604,22 @@
         <p:spPr/>
         <p:txBody>
           <a:bodyPr/>
-          <a:p>
-            <a:r>
-              <a:rPr lang="en-US"/>
-              <a:t/>
-            </a:r>
+          <a:lstStyle/>
+          <a:p>
+            <a:endParaRPr/>
           </a:p>
         </p:txBody>
       </p:sp>
     </p:spTree>
   </p:cSld>
+  <p:clrMapOvr>
+    <a:masterClrMapping/>
+  </p:clrMapOvr>
 </p:sldLayout>
 </file>
 
 <file path=ppt/slideLayouts/slideLayout17.xml><?xml version="1.0" encoding="utf-8"?>
-<p:sldLayout xmlns:a="http://schemas.openxmlformats.org/drawingml/2006/main" xmlns:p="http://schemas.openxmlformats.org/presentationml/2006/main" xmlns:r="http://schemas.openxmlformats.org/officeDocument/2006/relationships" xmlns:p14="http://schemas.microsoft.com/office/powerpoint/2010/main" xmlns:p15="http://schemas.microsoft.com/office/powerpoint/2012/main" xmlns:mc="http://schemas.openxmlformats.org/markup-compatibility/2006" type="titleOnly" preserve="1">
+<p:sldLayout xmlns:a="http://schemas.openxmlformats.org/drawingml/2006/main" xmlns:r="http://schemas.openxmlformats.org/officeDocument/2006/relationships" xmlns:p="http://schemas.openxmlformats.org/presentationml/2006/main" type="titleOnly" preserve="1">
   <p:cSld name="Title Only">
     <p:spTree>
       <p:nvGrpSpPr>
@@ -1510,14 +1659,15 @@
           </a:ln>
         </p:spPr>
         <p:txBody>
-          <a:bodyPr lIns="0" rIns="0" tIns="0" bIns="0" anchor="ctr">
+          <a:bodyPr lIns="0" tIns="0" rIns="0" bIns="0" anchor="ctr">
             <a:noAutofit/>
           </a:bodyPr>
+          <a:lstStyle/>
           <a:p>
             <a:pPr algn="ctr">
               <a:buNone/>
             </a:pPr>
-            <a:endParaRPr b="0" lang="en-US" sz="4400" spc="-1" strike="noStrike">
+            <a:endParaRPr lang="en-US" sz="4400" b="0" strike="noStrike" spc="-1">
               <a:latin typeface="Arial"/>
             </a:endParaRPr>
           </a:p>
@@ -1536,6 +1686,7 @@
         <p:spPr/>
         <p:txBody>
           <a:bodyPr/>
+          <a:lstStyle/>
           <a:p>
             <a:r>
               <a:t>Footer</a:t>
@@ -1556,10 +1707,12 @@
         <p:spPr/>
         <p:txBody>
           <a:bodyPr/>
+          <a:lstStyle/>
           <a:p>
             <a:fld id="{5CECF824-A999-4112-8133-A3408FE45476}" type="slidenum">
-              <a:t>&lt;#&gt;</a:t>
+              <a:t>‹#›</a:t>
             </a:fld>
+            <a:endParaRPr/>
           </a:p>
         </p:txBody>
       </p:sp>
@@ -1576,21 +1729,22 @@
         <p:spPr/>
         <p:txBody>
           <a:bodyPr/>
-          <a:p>
-            <a:r>
-              <a:rPr lang="en-US"/>
-              <a:t/>
-            </a:r>
+          <a:lstStyle/>
+          <a:p>
+            <a:endParaRPr/>
           </a:p>
         </p:txBody>
       </p:sp>
     </p:spTree>
   </p:cSld>
+  <p:clrMapOvr>
+    <a:masterClrMapping/>
+  </p:clrMapOvr>
 </p:sldLayout>
 </file>
 
 <file path=ppt/slideLayouts/slideLayout18.xml><?xml version="1.0" encoding="utf-8"?>
-<p:sldLayout xmlns:a="http://schemas.openxmlformats.org/drawingml/2006/main" xmlns:p="http://schemas.openxmlformats.org/presentationml/2006/main" xmlns:r="http://schemas.openxmlformats.org/officeDocument/2006/relationships" xmlns:p14="http://schemas.microsoft.com/office/powerpoint/2010/main" xmlns:p15="http://schemas.microsoft.com/office/powerpoint/2012/main" xmlns:mc="http://schemas.openxmlformats.org/markup-compatibility/2006" type="objOnly" preserve="1">
+<p:sldLayout xmlns:a="http://schemas.openxmlformats.org/drawingml/2006/main" xmlns:r="http://schemas.openxmlformats.org/officeDocument/2006/relationships" xmlns:p="http://schemas.openxmlformats.org/presentationml/2006/main" type="objOnly" preserve="1">
   <p:cSld name="Centered Text">
     <p:spTree>
       <p:nvGrpSpPr>
@@ -1630,14 +1784,15 @@
           </a:ln>
         </p:spPr>
         <p:txBody>
-          <a:bodyPr lIns="0" rIns="0" tIns="0" bIns="0" anchor="ctr">
+          <a:bodyPr lIns="0" tIns="0" rIns="0" bIns="0" anchor="ctr">
             <a:noAutofit/>
           </a:bodyPr>
+          <a:lstStyle/>
           <a:p>
             <a:pPr algn="ctr">
               <a:buNone/>
             </a:pPr>
-            <a:endParaRPr b="0" lang="en-US" sz="3200" spc="-1" strike="noStrike">
+            <a:endParaRPr lang="en-US" sz="3200" b="0" strike="noStrike" spc="-1">
               <a:latin typeface="Arial"/>
             </a:endParaRPr>
           </a:p>
@@ -1656,6 +1811,7 @@
         <p:spPr/>
         <p:txBody>
           <a:bodyPr/>
+          <a:lstStyle/>
           <a:p>
             <a:r>
               <a:t>Footer</a:t>
@@ -1676,10 +1832,12 @@
         <p:spPr/>
         <p:txBody>
           <a:bodyPr/>
+          <a:lstStyle/>
           <a:p>
             <a:fld id="{C2F11F16-92BD-4C4E-A134-9A40A8A2462F}" type="slidenum">
-              <a:t>&lt;#&gt;</a:t>
+              <a:t>‹#›</a:t>
             </a:fld>
+            <a:endParaRPr/>
           </a:p>
         </p:txBody>
       </p:sp>
@@ -1696,21 +1854,22 @@
         <p:spPr/>
         <p:txBody>
           <a:bodyPr/>
-          <a:p>
-            <a:r>
-              <a:rPr lang="en-US"/>
-              <a:t/>
-            </a:r>
+          <a:lstStyle/>
+          <a:p>
+            <a:endParaRPr/>
           </a:p>
         </p:txBody>
       </p:sp>
     </p:spTree>
   </p:cSld>
+  <p:clrMapOvr>
+    <a:masterClrMapping/>
+  </p:clrMapOvr>
 </p:sldLayout>
 </file>
 
 <file path=ppt/slideLayouts/slideLayout19.xml><?xml version="1.0" encoding="utf-8"?>
-<p:sldLayout xmlns:a="http://schemas.openxmlformats.org/drawingml/2006/main" xmlns:p="http://schemas.openxmlformats.org/presentationml/2006/main" xmlns:r="http://schemas.openxmlformats.org/officeDocument/2006/relationships" xmlns:p14="http://schemas.microsoft.com/office/powerpoint/2010/main" xmlns:p15="http://schemas.microsoft.com/office/powerpoint/2012/main" xmlns:mc="http://schemas.openxmlformats.org/markup-compatibility/2006" type="twoObjAndObj" preserve="1">
+<p:sldLayout xmlns:a="http://schemas.openxmlformats.org/drawingml/2006/main" xmlns:r="http://schemas.openxmlformats.org/officeDocument/2006/relationships" xmlns:p="http://schemas.openxmlformats.org/presentationml/2006/main" type="twoObjAndObj" preserve="1">
   <p:cSld name="Title, 2 Content and Content">
     <p:spTree>
       <p:nvGrpSpPr>
@@ -1750,14 +1909,15 @@
           </a:ln>
         </p:spPr>
         <p:txBody>
-          <a:bodyPr lIns="0" rIns="0" tIns="0" bIns="0" anchor="ctr">
+          <a:bodyPr lIns="0" tIns="0" rIns="0" bIns="0" anchor="ctr">
             <a:noAutofit/>
           </a:bodyPr>
+          <a:lstStyle/>
           <a:p>
             <a:pPr algn="ctr">
               <a:buNone/>
             </a:pPr>
-            <a:endParaRPr b="0" lang="en-US" sz="4400" spc="-1" strike="noStrike">
+            <a:endParaRPr lang="en-US" sz="4400" b="0" strike="noStrike" spc="-1">
               <a:latin typeface="Arial"/>
             </a:endParaRPr>
           </a:p>
@@ -1787,11 +1947,12 @@
           </a:ln>
         </p:spPr>
         <p:txBody>
-          <a:bodyPr lIns="0" rIns="0" tIns="0" bIns="0" anchor="t">
+          <a:bodyPr lIns="0" tIns="0" rIns="0" bIns="0" anchor="t">
             <a:normAutofit/>
           </a:bodyPr>
-          <a:p>
-            <a:endParaRPr b="0" lang="en-US" sz="3200" spc="-1" strike="noStrike">
+          <a:lstStyle/>
+          <a:p>
+            <a:endParaRPr lang="en-US" sz="3200" b="0" strike="noStrike" spc="-1">
               <a:latin typeface="Arial"/>
             </a:endParaRPr>
           </a:p>
@@ -1821,11 +1982,12 @@
           </a:ln>
         </p:spPr>
         <p:txBody>
-          <a:bodyPr lIns="0" rIns="0" tIns="0" bIns="0" anchor="t">
+          <a:bodyPr lIns="0" tIns="0" rIns="0" bIns="0" anchor="t">
             <a:normAutofit/>
           </a:bodyPr>
-          <a:p>
-            <a:endParaRPr b="0" lang="en-US" sz="3200" spc="-1" strike="noStrike">
+          <a:lstStyle/>
+          <a:p>
+            <a:endParaRPr lang="en-US" sz="3200" b="0" strike="noStrike" spc="-1">
               <a:latin typeface="Arial"/>
             </a:endParaRPr>
           </a:p>
@@ -1855,11 +2017,12 @@
           </a:ln>
         </p:spPr>
         <p:txBody>
-          <a:bodyPr lIns="0" rIns="0" tIns="0" bIns="0" anchor="t">
+          <a:bodyPr lIns="0" tIns="0" rIns="0" bIns="0" anchor="t">
             <a:normAutofit/>
           </a:bodyPr>
-          <a:p>
-            <a:endParaRPr b="0" lang="en-US" sz="3200" spc="-1" strike="noStrike">
+          <a:lstStyle/>
+          <a:p>
+            <a:endParaRPr lang="en-US" sz="3200" b="0" strike="noStrike" spc="-1">
               <a:latin typeface="Arial"/>
             </a:endParaRPr>
           </a:p>
@@ -1878,6 +2041,7 @@
         <p:spPr/>
         <p:txBody>
           <a:bodyPr/>
+          <a:lstStyle/>
           <a:p>
             <a:r>
               <a:t>Footer</a:t>
@@ -1898,10 +2062,12 @@
         <p:spPr/>
         <p:txBody>
           <a:bodyPr/>
+          <a:lstStyle/>
           <a:p>
             <a:fld id="{76F33F0A-0B7C-428A-8B33-7BF3D9703C76}" type="slidenum">
-              <a:t>&lt;#&gt;</a:t>
+              <a:t>‹#›</a:t>
             </a:fld>
+            <a:endParaRPr/>
           </a:p>
         </p:txBody>
       </p:sp>
@@ -1918,21 +2084,22 @@
         <p:spPr/>
         <p:txBody>
           <a:bodyPr/>
-          <a:p>
-            <a:r>
-              <a:rPr lang="en-US"/>
-              <a:t/>
-            </a:r>
+          <a:lstStyle/>
+          <a:p>
+            <a:endParaRPr/>
           </a:p>
         </p:txBody>
       </p:sp>
     </p:spTree>
   </p:cSld>
+  <p:clrMapOvr>
+    <a:masterClrMapping/>
+  </p:clrMapOvr>
 </p:sldLayout>
 </file>
 
 <file path=ppt/slideLayouts/slideLayout2.xml><?xml version="1.0" encoding="utf-8"?>
-<p:sldLayout xmlns:a="http://schemas.openxmlformats.org/drawingml/2006/main" xmlns:p="http://schemas.openxmlformats.org/presentationml/2006/main" xmlns:r="http://schemas.openxmlformats.org/officeDocument/2006/relationships" xmlns:p14="http://schemas.microsoft.com/office/powerpoint/2010/main" xmlns:p15="http://schemas.microsoft.com/office/powerpoint/2012/main" xmlns:mc="http://schemas.openxmlformats.org/markup-compatibility/2006" type="tx" preserve="1">
+<p:sldLayout xmlns:a="http://schemas.openxmlformats.org/drawingml/2006/main" xmlns:r="http://schemas.openxmlformats.org/officeDocument/2006/relationships" xmlns:p="http://schemas.openxmlformats.org/presentationml/2006/main" type="tx" preserve="1">
   <p:cSld name="Title Slide">
     <p:spTree>
       <p:nvGrpSpPr>
@@ -1972,14 +2139,15 @@
           </a:ln>
         </p:spPr>
         <p:txBody>
-          <a:bodyPr lIns="0" rIns="0" tIns="0" bIns="0" anchor="ctr">
+          <a:bodyPr lIns="0" tIns="0" rIns="0" bIns="0" anchor="ctr">
             <a:noAutofit/>
           </a:bodyPr>
+          <a:lstStyle/>
           <a:p>
             <a:pPr algn="ctr">
               <a:buNone/>
             </a:pPr>
-            <a:endParaRPr b="0" lang="en-US" sz="4400" spc="-1" strike="noStrike">
+            <a:endParaRPr lang="en-US" sz="4400" b="0" strike="noStrike" spc="-1">
               <a:latin typeface="Arial"/>
             </a:endParaRPr>
           </a:p>
@@ -2009,14 +2177,15 @@
           </a:ln>
         </p:spPr>
         <p:txBody>
-          <a:bodyPr lIns="0" rIns="0" tIns="0" bIns="0" anchor="ctr">
+          <a:bodyPr lIns="0" tIns="0" rIns="0" bIns="0" anchor="ctr">
             <a:noAutofit/>
           </a:bodyPr>
+          <a:lstStyle/>
           <a:p>
             <a:pPr algn="ctr">
               <a:buNone/>
             </a:pPr>
-            <a:endParaRPr b="0" lang="en-US" sz="3200" spc="-1" strike="noStrike">
+            <a:endParaRPr lang="en-US" sz="3200" b="0" strike="noStrike" spc="-1">
               <a:latin typeface="Arial"/>
             </a:endParaRPr>
           </a:p>
@@ -2035,6 +2204,7 @@
         <p:spPr/>
         <p:txBody>
           <a:bodyPr/>
+          <a:lstStyle/>
           <a:p>
             <a:r>
               <a:t>Footer</a:t>
@@ -2044,7 +2214,7 @@
       </p:sp>
       <p:sp>
         <p:nvSpPr>
-          <p:cNvPr id="5" name="PlaceHolder 4"/>
+          <p:cNvPr id="2" name="PlaceHolder 4"/>
           <p:cNvSpPr>
             <a:spLocks noGrp="1"/>
           </p:cNvSpPr>
@@ -2055,16 +2225,18 @@
         <p:spPr/>
         <p:txBody>
           <a:bodyPr/>
+          <a:lstStyle/>
           <a:p>
             <a:fld id="{BF1089F8-629F-4120-8185-A1385607C09A}" type="slidenum">
-              <a:t>&lt;#&gt;</a:t>
+              <a:t>‹#›</a:t>
             </a:fld>
-          </a:p>
-        </p:txBody>
-      </p:sp>
-      <p:sp>
-        <p:nvSpPr>
-          <p:cNvPr id="6" name="PlaceHolder 5"/>
+            <a:endParaRPr/>
+          </a:p>
+        </p:txBody>
+      </p:sp>
+      <p:sp>
+        <p:nvSpPr>
+          <p:cNvPr id="3" name="PlaceHolder 5"/>
           <p:cNvSpPr>
             <a:spLocks noGrp="1"/>
           </p:cNvSpPr>
@@ -2075,21 +2247,22 @@
         <p:spPr/>
         <p:txBody>
           <a:bodyPr/>
-          <a:p>
-            <a:r>
-              <a:rPr lang="en-US"/>
-              <a:t/>
-            </a:r>
+          <a:lstStyle/>
+          <a:p>
+            <a:endParaRPr/>
           </a:p>
         </p:txBody>
       </p:sp>
     </p:spTree>
   </p:cSld>
+  <p:clrMapOvr>
+    <a:masterClrMapping/>
+  </p:clrMapOvr>
 </p:sldLayout>
 </file>
 
 <file path=ppt/slideLayouts/slideLayout20.xml><?xml version="1.0" encoding="utf-8"?>
-<p:sldLayout xmlns:a="http://schemas.openxmlformats.org/drawingml/2006/main" xmlns:p="http://schemas.openxmlformats.org/presentationml/2006/main" xmlns:r="http://schemas.openxmlformats.org/officeDocument/2006/relationships" xmlns:p14="http://schemas.microsoft.com/office/powerpoint/2010/main" xmlns:p15="http://schemas.microsoft.com/office/powerpoint/2012/main" xmlns:mc="http://schemas.openxmlformats.org/markup-compatibility/2006" type="objAndTwoObj" preserve="1">
+<p:sldLayout xmlns:a="http://schemas.openxmlformats.org/drawingml/2006/main" xmlns:r="http://schemas.openxmlformats.org/officeDocument/2006/relationships" xmlns:p="http://schemas.openxmlformats.org/presentationml/2006/main" type="objAndTwoObj" preserve="1">
   <p:cSld name="Title Content and 2 Content">
     <p:spTree>
       <p:nvGrpSpPr>
@@ -2129,14 +2302,15 @@
           </a:ln>
         </p:spPr>
         <p:txBody>
-          <a:bodyPr lIns="0" rIns="0" tIns="0" bIns="0" anchor="ctr">
+          <a:bodyPr lIns="0" tIns="0" rIns="0" bIns="0" anchor="ctr">
             <a:noAutofit/>
           </a:bodyPr>
+          <a:lstStyle/>
           <a:p>
             <a:pPr algn="ctr">
               <a:buNone/>
             </a:pPr>
-            <a:endParaRPr b="0" lang="en-US" sz="4400" spc="-1" strike="noStrike">
+            <a:endParaRPr lang="en-US" sz="4400" b="0" strike="noStrike" spc="-1">
               <a:latin typeface="Arial"/>
             </a:endParaRPr>
           </a:p>
@@ -2166,11 +2340,12 @@
           </a:ln>
         </p:spPr>
         <p:txBody>
-          <a:bodyPr lIns="0" rIns="0" tIns="0" bIns="0" anchor="t">
+          <a:bodyPr lIns="0" tIns="0" rIns="0" bIns="0" anchor="t">
             <a:normAutofit/>
           </a:bodyPr>
-          <a:p>
-            <a:endParaRPr b="0" lang="en-US" sz="3200" spc="-1" strike="noStrike">
+          <a:lstStyle/>
+          <a:p>
+            <a:endParaRPr lang="en-US" sz="3200" b="0" strike="noStrike" spc="-1">
               <a:latin typeface="Arial"/>
             </a:endParaRPr>
           </a:p>
@@ -2200,11 +2375,12 @@
           </a:ln>
         </p:spPr>
         <p:txBody>
-          <a:bodyPr lIns="0" rIns="0" tIns="0" bIns="0" anchor="t">
+          <a:bodyPr lIns="0" tIns="0" rIns="0" bIns="0" anchor="t">
             <a:normAutofit/>
           </a:bodyPr>
-          <a:p>
-            <a:endParaRPr b="0" lang="en-US" sz="3200" spc="-1" strike="noStrike">
+          <a:lstStyle/>
+          <a:p>
+            <a:endParaRPr lang="en-US" sz="3200" b="0" strike="noStrike" spc="-1">
               <a:latin typeface="Arial"/>
             </a:endParaRPr>
           </a:p>
@@ -2234,11 +2410,12 @@
           </a:ln>
         </p:spPr>
         <p:txBody>
-          <a:bodyPr lIns="0" rIns="0" tIns="0" bIns="0" anchor="t">
+          <a:bodyPr lIns="0" tIns="0" rIns="0" bIns="0" anchor="t">
             <a:normAutofit/>
           </a:bodyPr>
-          <a:p>
-            <a:endParaRPr b="0" lang="en-US" sz="3200" spc="-1" strike="noStrike">
+          <a:lstStyle/>
+          <a:p>
+            <a:endParaRPr lang="en-US" sz="3200" b="0" strike="noStrike" spc="-1">
               <a:latin typeface="Arial"/>
             </a:endParaRPr>
           </a:p>
@@ -2257,6 +2434,7 @@
         <p:spPr/>
         <p:txBody>
           <a:bodyPr/>
+          <a:lstStyle/>
           <a:p>
             <a:r>
               <a:t>Footer</a:t>
@@ -2277,10 +2455,12 @@
         <p:spPr/>
         <p:txBody>
           <a:bodyPr/>
+          <a:lstStyle/>
           <a:p>
             <a:fld id="{4E5662EB-94C6-45EA-9E2B-3267BDA7D924}" type="slidenum">
-              <a:t>&lt;#&gt;</a:t>
+              <a:t>‹#›</a:t>
             </a:fld>
+            <a:endParaRPr/>
           </a:p>
         </p:txBody>
       </p:sp>
@@ -2297,21 +2477,22 @@
         <p:spPr/>
         <p:txBody>
           <a:bodyPr/>
-          <a:p>
-            <a:r>
-              <a:rPr lang="en-US"/>
-              <a:t/>
-            </a:r>
+          <a:lstStyle/>
+          <a:p>
+            <a:endParaRPr/>
           </a:p>
         </p:txBody>
       </p:sp>
     </p:spTree>
   </p:cSld>
+  <p:clrMapOvr>
+    <a:masterClrMapping/>
+  </p:clrMapOvr>
 </p:sldLayout>
 </file>
 
 <file path=ppt/slideLayouts/slideLayout21.xml><?xml version="1.0" encoding="utf-8"?>
-<p:sldLayout xmlns:a="http://schemas.openxmlformats.org/drawingml/2006/main" xmlns:p="http://schemas.openxmlformats.org/presentationml/2006/main" xmlns:r="http://schemas.openxmlformats.org/officeDocument/2006/relationships" xmlns:p14="http://schemas.microsoft.com/office/powerpoint/2010/main" xmlns:p15="http://schemas.microsoft.com/office/powerpoint/2012/main" xmlns:mc="http://schemas.openxmlformats.org/markup-compatibility/2006" type="twoObjOverTx" preserve="1">
+<p:sldLayout xmlns:a="http://schemas.openxmlformats.org/drawingml/2006/main" xmlns:r="http://schemas.openxmlformats.org/officeDocument/2006/relationships" xmlns:p="http://schemas.openxmlformats.org/presentationml/2006/main" type="twoObjOverTx" preserve="1">
   <p:cSld name="Title, 2 Content over Content">
     <p:spTree>
       <p:nvGrpSpPr>
@@ -2351,14 +2532,15 @@
           </a:ln>
         </p:spPr>
         <p:txBody>
-          <a:bodyPr lIns="0" rIns="0" tIns="0" bIns="0" anchor="ctr">
+          <a:bodyPr lIns="0" tIns="0" rIns="0" bIns="0" anchor="ctr">
             <a:noAutofit/>
           </a:bodyPr>
+          <a:lstStyle/>
           <a:p>
             <a:pPr algn="ctr">
               <a:buNone/>
             </a:pPr>
-            <a:endParaRPr b="0" lang="en-US" sz="4400" spc="-1" strike="noStrike">
+            <a:endParaRPr lang="en-US" sz="4400" b="0" strike="noStrike" spc="-1">
               <a:latin typeface="Arial"/>
             </a:endParaRPr>
           </a:p>
@@ -2388,11 +2570,12 @@
           </a:ln>
         </p:spPr>
         <p:txBody>
-          <a:bodyPr lIns="0" rIns="0" tIns="0" bIns="0" anchor="t">
+          <a:bodyPr lIns="0" tIns="0" rIns="0" bIns="0" anchor="t">
             <a:normAutofit/>
           </a:bodyPr>
-          <a:p>
-            <a:endParaRPr b="0" lang="en-US" sz="3200" spc="-1" strike="noStrike">
+          <a:lstStyle/>
+          <a:p>
+            <a:endParaRPr lang="en-US" sz="3200" b="0" strike="noStrike" spc="-1">
               <a:latin typeface="Arial"/>
             </a:endParaRPr>
           </a:p>
@@ -2422,11 +2605,12 @@
           </a:ln>
         </p:spPr>
         <p:txBody>
-          <a:bodyPr lIns="0" rIns="0" tIns="0" bIns="0" anchor="t">
+          <a:bodyPr lIns="0" tIns="0" rIns="0" bIns="0" anchor="t">
             <a:normAutofit/>
           </a:bodyPr>
-          <a:p>
-            <a:endParaRPr b="0" lang="en-US" sz="3200" spc="-1" strike="noStrike">
+          <a:lstStyle/>
+          <a:p>
+            <a:endParaRPr lang="en-US" sz="3200" b="0" strike="noStrike" spc="-1">
               <a:latin typeface="Arial"/>
             </a:endParaRPr>
           </a:p>
@@ -2456,11 +2640,12 @@
           </a:ln>
         </p:spPr>
         <p:txBody>
-          <a:bodyPr lIns="0" rIns="0" tIns="0" bIns="0" anchor="t">
+          <a:bodyPr lIns="0" tIns="0" rIns="0" bIns="0" anchor="t">
             <a:normAutofit/>
           </a:bodyPr>
-          <a:p>
-            <a:endParaRPr b="0" lang="en-US" sz="3200" spc="-1" strike="noStrike">
+          <a:lstStyle/>
+          <a:p>
+            <a:endParaRPr lang="en-US" sz="3200" b="0" strike="noStrike" spc="-1">
               <a:latin typeface="Arial"/>
             </a:endParaRPr>
           </a:p>
@@ -2479,6 +2664,7 @@
         <p:spPr/>
         <p:txBody>
           <a:bodyPr/>
+          <a:lstStyle/>
           <a:p>
             <a:r>
               <a:t>Footer</a:t>
@@ -2499,10 +2685,12 @@
         <p:spPr/>
         <p:txBody>
           <a:bodyPr/>
+          <a:lstStyle/>
           <a:p>
             <a:fld id="{35EEE324-3ED8-442A-B02E-4536D1F009A1}" type="slidenum">
-              <a:t>&lt;#&gt;</a:t>
+              <a:t>‹#›</a:t>
             </a:fld>
+            <a:endParaRPr/>
           </a:p>
         </p:txBody>
       </p:sp>
@@ -2519,21 +2707,22 @@
         <p:spPr/>
         <p:txBody>
           <a:bodyPr/>
-          <a:p>
-            <a:r>
-              <a:rPr lang="en-US"/>
-              <a:t/>
-            </a:r>
+          <a:lstStyle/>
+          <a:p>
+            <a:endParaRPr/>
           </a:p>
         </p:txBody>
       </p:sp>
     </p:spTree>
   </p:cSld>
+  <p:clrMapOvr>
+    <a:masterClrMapping/>
+  </p:clrMapOvr>
 </p:sldLayout>
 </file>
 
 <file path=ppt/slideLayouts/slideLayout22.xml><?xml version="1.0" encoding="utf-8"?>
-<p:sldLayout xmlns:a="http://schemas.openxmlformats.org/drawingml/2006/main" xmlns:p="http://schemas.openxmlformats.org/presentationml/2006/main" xmlns:r="http://schemas.openxmlformats.org/officeDocument/2006/relationships" xmlns:p14="http://schemas.microsoft.com/office/powerpoint/2010/main" xmlns:p15="http://schemas.microsoft.com/office/powerpoint/2012/main" xmlns:mc="http://schemas.openxmlformats.org/markup-compatibility/2006" type="objOverTx" preserve="1">
+<p:sldLayout xmlns:a="http://schemas.openxmlformats.org/drawingml/2006/main" xmlns:r="http://schemas.openxmlformats.org/officeDocument/2006/relationships" xmlns:p="http://schemas.openxmlformats.org/presentationml/2006/main" type="objOverTx" preserve="1">
   <p:cSld name="Title, Content over Content">
     <p:spTree>
       <p:nvGrpSpPr>
@@ -2573,14 +2762,15 @@
           </a:ln>
         </p:spPr>
         <p:txBody>
-          <a:bodyPr lIns="0" rIns="0" tIns="0" bIns="0" anchor="ctr">
+          <a:bodyPr lIns="0" tIns="0" rIns="0" bIns="0" anchor="ctr">
             <a:noAutofit/>
           </a:bodyPr>
+          <a:lstStyle/>
           <a:p>
             <a:pPr algn="ctr">
               <a:buNone/>
             </a:pPr>
-            <a:endParaRPr b="0" lang="en-US" sz="4400" spc="-1" strike="noStrike">
+            <a:endParaRPr lang="en-US" sz="4400" b="0" strike="noStrike" spc="-1">
               <a:latin typeface="Arial"/>
             </a:endParaRPr>
           </a:p>
@@ -2610,11 +2800,12 @@
           </a:ln>
         </p:spPr>
         <p:txBody>
-          <a:bodyPr lIns="0" rIns="0" tIns="0" bIns="0" anchor="t">
+          <a:bodyPr lIns="0" tIns="0" rIns="0" bIns="0" anchor="t">
             <a:normAutofit/>
           </a:bodyPr>
-          <a:p>
-            <a:endParaRPr b="0" lang="en-US" sz="3200" spc="-1" strike="noStrike">
+          <a:lstStyle/>
+          <a:p>
+            <a:endParaRPr lang="en-US" sz="3200" b="0" strike="noStrike" spc="-1">
               <a:latin typeface="Arial"/>
             </a:endParaRPr>
           </a:p>
@@ -2644,11 +2835,12 @@
           </a:ln>
         </p:spPr>
         <p:txBody>
-          <a:bodyPr lIns="0" rIns="0" tIns="0" bIns="0" anchor="t">
+          <a:bodyPr lIns="0" tIns="0" rIns="0" bIns="0" anchor="t">
             <a:normAutofit/>
           </a:bodyPr>
-          <a:p>
-            <a:endParaRPr b="0" lang="en-US" sz="3200" spc="-1" strike="noStrike">
+          <a:lstStyle/>
+          <a:p>
+            <a:endParaRPr lang="en-US" sz="3200" b="0" strike="noStrike" spc="-1">
               <a:latin typeface="Arial"/>
             </a:endParaRPr>
           </a:p>
@@ -2667,6 +2859,7 @@
         <p:spPr/>
         <p:txBody>
           <a:bodyPr/>
+          <a:lstStyle/>
           <a:p>
             <a:r>
               <a:t>Footer</a:t>
@@ -2687,10 +2880,12 @@
         <p:spPr/>
         <p:txBody>
           <a:bodyPr/>
+          <a:lstStyle/>
           <a:p>
             <a:fld id="{D9793796-F958-4188-9258-72C7532B89D1}" type="slidenum">
-              <a:t>&lt;#&gt;</a:t>
+              <a:t>‹#›</a:t>
             </a:fld>
+            <a:endParaRPr/>
           </a:p>
         </p:txBody>
       </p:sp>
@@ -2707,21 +2902,22 @@
         <p:spPr/>
         <p:txBody>
           <a:bodyPr/>
-          <a:p>
-            <a:r>
-              <a:rPr lang="en-US"/>
-              <a:t/>
-            </a:r>
+          <a:lstStyle/>
+          <a:p>
+            <a:endParaRPr/>
           </a:p>
         </p:txBody>
       </p:sp>
     </p:spTree>
   </p:cSld>
+  <p:clrMapOvr>
+    <a:masterClrMapping/>
+  </p:clrMapOvr>
 </p:sldLayout>
 </file>
 
 <file path=ppt/slideLayouts/slideLayout23.xml><?xml version="1.0" encoding="utf-8"?>
-<p:sldLayout xmlns:a="http://schemas.openxmlformats.org/drawingml/2006/main" xmlns:p="http://schemas.openxmlformats.org/presentationml/2006/main" xmlns:r="http://schemas.openxmlformats.org/officeDocument/2006/relationships" xmlns:p14="http://schemas.microsoft.com/office/powerpoint/2010/main" xmlns:p15="http://schemas.microsoft.com/office/powerpoint/2012/main" xmlns:mc="http://schemas.openxmlformats.org/markup-compatibility/2006" type="fourObj" preserve="1">
+<p:sldLayout xmlns:a="http://schemas.openxmlformats.org/drawingml/2006/main" xmlns:r="http://schemas.openxmlformats.org/officeDocument/2006/relationships" xmlns:p="http://schemas.openxmlformats.org/presentationml/2006/main" type="fourObj" preserve="1">
   <p:cSld name="Title, 4 Content">
     <p:spTree>
       <p:nvGrpSpPr>
@@ -2761,14 +2957,15 @@
           </a:ln>
         </p:spPr>
         <p:txBody>
-          <a:bodyPr lIns="0" rIns="0" tIns="0" bIns="0" anchor="ctr">
+          <a:bodyPr lIns="0" tIns="0" rIns="0" bIns="0" anchor="ctr">
             <a:noAutofit/>
           </a:bodyPr>
+          <a:lstStyle/>
           <a:p>
             <a:pPr algn="ctr">
               <a:buNone/>
             </a:pPr>
-            <a:endParaRPr b="0" lang="en-US" sz="4400" spc="-1" strike="noStrike">
+            <a:endParaRPr lang="en-US" sz="4400" b="0" strike="noStrike" spc="-1">
               <a:latin typeface="Arial"/>
             </a:endParaRPr>
           </a:p>
@@ -2798,11 +2995,12 @@
           </a:ln>
         </p:spPr>
         <p:txBody>
-          <a:bodyPr lIns="0" rIns="0" tIns="0" bIns="0" anchor="t">
+          <a:bodyPr lIns="0" tIns="0" rIns="0" bIns="0" anchor="t">
             <a:normAutofit/>
           </a:bodyPr>
-          <a:p>
-            <a:endParaRPr b="0" lang="en-US" sz="3200" spc="-1" strike="noStrike">
+          <a:lstStyle/>
+          <a:p>
+            <a:endParaRPr lang="en-US" sz="3200" b="0" strike="noStrike" spc="-1">
               <a:latin typeface="Arial"/>
             </a:endParaRPr>
           </a:p>
@@ -2832,11 +3030,12 @@
           </a:ln>
         </p:spPr>
         <p:txBody>
-          <a:bodyPr lIns="0" rIns="0" tIns="0" bIns="0" anchor="t">
+          <a:bodyPr lIns="0" tIns="0" rIns="0" bIns="0" anchor="t">
             <a:normAutofit/>
           </a:bodyPr>
-          <a:p>
-            <a:endParaRPr b="0" lang="en-US" sz="3200" spc="-1" strike="noStrike">
+          <a:lstStyle/>
+          <a:p>
+            <a:endParaRPr lang="en-US" sz="3200" b="0" strike="noStrike" spc="-1">
               <a:latin typeface="Arial"/>
             </a:endParaRPr>
           </a:p>
@@ -2866,11 +3065,12 @@
           </a:ln>
         </p:spPr>
         <p:txBody>
-          <a:bodyPr lIns="0" rIns="0" tIns="0" bIns="0" anchor="t">
+          <a:bodyPr lIns="0" tIns="0" rIns="0" bIns="0" anchor="t">
             <a:normAutofit/>
           </a:bodyPr>
-          <a:p>
-            <a:endParaRPr b="0" lang="en-US" sz="3200" spc="-1" strike="noStrike">
+          <a:lstStyle/>
+          <a:p>
+            <a:endParaRPr lang="en-US" sz="3200" b="0" strike="noStrike" spc="-1">
               <a:latin typeface="Arial"/>
             </a:endParaRPr>
           </a:p>
@@ -2900,11 +3100,12 @@
           </a:ln>
         </p:spPr>
         <p:txBody>
-          <a:bodyPr lIns="0" rIns="0" tIns="0" bIns="0" anchor="t">
+          <a:bodyPr lIns="0" tIns="0" rIns="0" bIns="0" anchor="t">
             <a:normAutofit/>
           </a:bodyPr>
-          <a:p>
-            <a:endParaRPr b="0" lang="en-US" sz="3200" spc="-1" strike="noStrike">
+          <a:lstStyle/>
+          <a:p>
+            <a:endParaRPr lang="en-US" sz="3200" b="0" strike="noStrike" spc="-1">
               <a:latin typeface="Arial"/>
             </a:endParaRPr>
           </a:p>
@@ -2923,6 +3124,7 @@
         <p:spPr/>
         <p:txBody>
           <a:bodyPr/>
+          <a:lstStyle/>
           <a:p>
             <a:r>
               <a:t>Footer</a:t>
@@ -2943,10 +3145,12 @@
         <p:spPr/>
         <p:txBody>
           <a:bodyPr/>
+          <a:lstStyle/>
           <a:p>
             <a:fld id="{B2139467-DE5E-4C75-97F1-E53AD0259563}" type="slidenum">
-              <a:t>&lt;#&gt;</a:t>
+              <a:t>‹#›</a:t>
             </a:fld>
+            <a:endParaRPr/>
           </a:p>
         </p:txBody>
       </p:sp>
@@ -2963,21 +3167,22 @@
         <p:spPr/>
         <p:txBody>
           <a:bodyPr/>
-          <a:p>
-            <a:r>
-              <a:rPr lang="en-US"/>
-              <a:t/>
-            </a:r>
+          <a:lstStyle/>
+          <a:p>
+            <a:endParaRPr/>
           </a:p>
         </p:txBody>
       </p:sp>
     </p:spTree>
   </p:cSld>
+  <p:clrMapOvr>
+    <a:masterClrMapping/>
+  </p:clrMapOvr>
 </p:sldLayout>
 </file>
 
 <file path=ppt/slideLayouts/slideLayout24.xml><?xml version="1.0" encoding="utf-8"?>
-<p:sldLayout xmlns:a="http://schemas.openxmlformats.org/drawingml/2006/main" xmlns:p="http://schemas.openxmlformats.org/presentationml/2006/main" xmlns:r="http://schemas.openxmlformats.org/officeDocument/2006/relationships" xmlns:p14="http://schemas.microsoft.com/office/powerpoint/2010/main" xmlns:p15="http://schemas.microsoft.com/office/powerpoint/2012/main" xmlns:mc="http://schemas.openxmlformats.org/markup-compatibility/2006" type="blank" preserve="1">
+<p:sldLayout xmlns:a="http://schemas.openxmlformats.org/drawingml/2006/main" xmlns:r="http://schemas.openxmlformats.org/officeDocument/2006/relationships" xmlns:p="http://schemas.openxmlformats.org/presentationml/2006/main" type="blank" preserve="1">
   <p:cSld name="Title, 6 Content">
     <p:spTree>
       <p:nvGrpSpPr>
@@ -3017,14 +3222,15 @@
           </a:ln>
         </p:spPr>
         <p:txBody>
-          <a:bodyPr lIns="0" rIns="0" tIns="0" bIns="0" anchor="ctr">
+          <a:bodyPr lIns="0" tIns="0" rIns="0" bIns="0" anchor="ctr">
             <a:noAutofit/>
           </a:bodyPr>
+          <a:lstStyle/>
           <a:p>
             <a:pPr algn="ctr">
               <a:buNone/>
             </a:pPr>
-            <a:endParaRPr b="0" lang="en-US" sz="4400" spc="-1" strike="noStrike">
+            <a:endParaRPr lang="en-US" sz="4400" b="0" strike="noStrike" spc="-1">
               <a:latin typeface="Arial"/>
             </a:endParaRPr>
           </a:p>
@@ -3054,11 +3260,12 @@
           </a:ln>
         </p:spPr>
         <p:txBody>
-          <a:bodyPr lIns="0" rIns="0" tIns="0" bIns="0" anchor="t">
+          <a:bodyPr lIns="0" tIns="0" rIns="0" bIns="0" anchor="t">
             <a:normAutofit/>
           </a:bodyPr>
-          <a:p>
-            <a:endParaRPr b="0" lang="en-US" sz="3200" spc="-1" strike="noStrike">
+          <a:lstStyle/>
+          <a:p>
+            <a:endParaRPr lang="en-US" sz="3200" b="0" strike="noStrike" spc="-1">
               <a:latin typeface="Arial"/>
             </a:endParaRPr>
           </a:p>
@@ -3088,11 +3295,12 @@
           </a:ln>
         </p:spPr>
         <p:txBody>
-          <a:bodyPr lIns="0" rIns="0" tIns="0" bIns="0" anchor="t">
+          <a:bodyPr lIns="0" tIns="0" rIns="0" bIns="0" anchor="t">
             <a:normAutofit/>
           </a:bodyPr>
-          <a:p>
-            <a:endParaRPr b="0" lang="en-US" sz="3200" spc="-1" strike="noStrike">
+          <a:lstStyle/>
+          <a:p>
+            <a:endParaRPr lang="en-US" sz="3200" b="0" strike="noStrike" spc="-1">
               <a:latin typeface="Arial"/>
             </a:endParaRPr>
           </a:p>
@@ -3122,11 +3330,12 @@
           </a:ln>
         </p:spPr>
         <p:txBody>
-          <a:bodyPr lIns="0" rIns="0" tIns="0" bIns="0" anchor="t">
+          <a:bodyPr lIns="0" tIns="0" rIns="0" bIns="0" anchor="t">
             <a:normAutofit/>
           </a:bodyPr>
-          <a:p>
-            <a:endParaRPr b="0" lang="en-US" sz="3200" spc="-1" strike="noStrike">
+          <a:lstStyle/>
+          <a:p>
+            <a:endParaRPr lang="en-US" sz="3200" b="0" strike="noStrike" spc="-1">
               <a:latin typeface="Arial"/>
             </a:endParaRPr>
           </a:p>
@@ -3156,11 +3365,12 @@
           </a:ln>
         </p:spPr>
         <p:txBody>
-          <a:bodyPr lIns="0" rIns="0" tIns="0" bIns="0" anchor="t">
+          <a:bodyPr lIns="0" tIns="0" rIns="0" bIns="0" anchor="t">
             <a:normAutofit/>
           </a:bodyPr>
-          <a:p>
-            <a:endParaRPr b="0" lang="en-US" sz="3200" spc="-1" strike="noStrike">
+          <a:lstStyle/>
+          <a:p>
+            <a:endParaRPr lang="en-US" sz="3200" b="0" strike="noStrike" spc="-1">
               <a:latin typeface="Arial"/>
             </a:endParaRPr>
           </a:p>
@@ -3190,11 +3400,12 @@
           </a:ln>
         </p:spPr>
         <p:txBody>
-          <a:bodyPr lIns="0" rIns="0" tIns="0" bIns="0" anchor="t">
+          <a:bodyPr lIns="0" tIns="0" rIns="0" bIns="0" anchor="t">
             <a:normAutofit/>
           </a:bodyPr>
-          <a:p>
-            <a:endParaRPr b="0" lang="en-US" sz="3200" spc="-1" strike="noStrike">
+          <a:lstStyle/>
+          <a:p>
+            <a:endParaRPr lang="en-US" sz="3200" b="0" strike="noStrike" spc="-1">
               <a:latin typeface="Arial"/>
             </a:endParaRPr>
           </a:p>
@@ -3224,11 +3435,12 @@
           </a:ln>
         </p:spPr>
         <p:txBody>
-          <a:bodyPr lIns="0" rIns="0" tIns="0" bIns="0" anchor="t">
+          <a:bodyPr lIns="0" tIns="0" rIns="0" bIns="0" anchor="t">
             <a:normAutofit/>
           </a:bodyPr>
-          <a:p>
-            <a:endParaRPr b="0" lang="en-US" sz="3200" spc="-1" strike="noStrike">
+          <a:lstStyle/>
+          <a:p>
+            <a:endParaRPr lang="en-US" sz="3200" b="0" strike="noStrike" spc="-1">
               <a:latin typeface="Arial"/>
             </a:endParaRPr>
           </a:p>
@@ -3247,6 +3459,7 @@
         <p:spPr/>
         <p:txBody>
           <a:bodyPr/>
+          <a:lstStyle/>
           <a:p>
             <a:r>
               <a:t>Footer</a:t>
@@ -3267,10 +3480,12 @@
         <p:spPr/>
         <p:txBody>
           <a:bodyPr/>
+          <a:lstStyle/>
           <a:p>
             <a:fld id="{AD7B3F97-EB08-45D5-A08E-D4A3E4779E9F}" type="slidenum">
-              <a:t>&lt;#&gt;</a:t>
+              <a:t>‹#›</a:t>
             </a:fld>
+            <a:endParaRPr/>
           </a:p>
         </p:txBody>
       </p:sp>
@@ -3287,21 +3502,22 @@
         <p:spPr/>
         <p:txBody>
           <a:bodyPr/>
-          <a:p>
-            <a:r>
-              <a:rPr lang="en-US"/>
-              <a:t/>
-            </a:r>
+          <a:lstStyle/>
+          <a:p>
+            <a:endParaRPr/>
           </a:p>
         </p:txBody>
       </p:sp>
     </p:spTree>
   </p:cSld>
+  <p:clrMapOvr>
+    <a:masterClrMapping/>
+  </p:clrMapOvr>
 </p:sldLayout>
 </file>
 
 <file path=ppt/slideLayouts/slideLayout3.xml><?xml version="1.0" encoding="utf-8"?>
-<p:sldLayout xmlns:a="http://schemas.openxmlformats.org/drawingml/2006/main" xmlns:p="http://schemas.openxmlformats.org/presentationml/2006/main" xmlns:r="http://schemas.openxmlformats.org/officeDocument/2006/relationships" xmlns:p14="http://schemas.microsoft.com/office/powerpoint/2010/main" xmlns:p15="http://schemas.microsoft.com/office/powerpoint/2012/main" xmlns:mc="http://schemas.openxmlformats.org/markup-compatibility/2006" type="obj" preserve="1">
+<p:sldLayout xmlns:a="http://schemas.openxmlformats.org/drawingml/2006/main" xmlns:r="http://schemas.openxmlformats.org/officeDocument/2006/relationships" xmlns:p="http://schemas.openxmlformats.org/presentationml/2006/main" type="obj" preserve="1">
   <p:cSld name="Title, Content">
     <p:spTree>
       <p:nvGrpSpPr>
@@ -3341,14 +3557,15 @@
           </a:ln>
         </p:spPr>
         <p:txBody>
-          <a:bodyPr lIns="0" rIns="0" tIns="0" bIns="0" anchor="ctr">
+          <a:bodyPr lIns="0" tIns="0" rIns="0" bIns="0" anchor="ctr">
             <a:noAutofit/>
           </a:bodyPr>
+          <a:lstStyle/>
           <a:p>
             <a:pPr algn="ctr">
               <a:buNone/>
             </a:pPr>
-            <a:endParaRPr b="0" lang="en-US" sz="4400" spc="-1" strike="noStrike">
+            <a:endParaRPr lang="en-US" sz="4400" b="0" strike="noStrike" spc="-1">
               <a:latin typeface="Arial"/>
             </a:endParaRPr>
           </a:p>
@@ -3378,11 +3595,12 @@
           </a:ln>
         </p:spPr>
         <p:txBody>
-          <a:bodyPr lIns="0" rIns="0" tIns="0" bIns="0" anchor="t">
+          <a:bodyPr lIns="0" tIns="0" rIns="0" bIns="0" anchor="t">
             <a:normAutofit/>
           </a:bodyPr>
-          <a:p>
-            <a:endParaRPr b="0" lang="en-US" sz="3200" spc="-1" strike="noStrike">
+          <a:lstStyle/>
+          <a:p>
+            <a:endParaRPr lang="en-US" sz="3200" b="0" strike="noStrike" spc="-1">
               <a:latin typeface="Arial"/>
             </a:endParaRPr>
           </a:p>
@@ -3401,6 +3619,7 @@
         <p:spPr/>
         <p:txBody>
           <a:bodyPr/>
+          <a:lstStyle/>
           <a:p>
             <a:r>
               <a:t>Footer</a:t>
@@ -3421,10 +3640,12 @@
         <p:spPr/>
         <p:txBody>
           <a:bodyPr/>
+          <a:lstStyle/>
           <a:p>
             <a:fld id="{B7162488-E26F-4D9A-AE2C-02A9DB6C37CD}" type="slidenum">
-              <a:t>&lt;#&gt;</a:t>
+              <a:t>‹#›</a:t>
             </a:fld>
+            <a:endParaRPr/>
           </a:p>
         </p:txBody>
       </p:sp>
@@ -3441,21 +3662,22 @@
         <p:spPr/>
         <p:txBody>
           <a:bodyPr/>
-          <a:p>
-            <a:r>
-              <a:rPr lang="en-US"/>
-              <a:t/>
-            </a:r>
+          <a:lstStyle/>
+          <a:p>
+            <a:endParaRPr/>
           </a:p>
         </p:txBody>
       </p:sp>
     </p:spTree>
   </p:cSld>
+  <p:clrMapOvr>
+    <a:masterClrMapping/>
+  </p:clrMapOvr>
 </p:sldLayout>
 </file>
 
 <file path=ppt/slideLayouts/slideLayout4.xml><?xml version="1.0" encoding="utf-8"?>
-<p:sldLayout xmlns:a="http://schemas.openxmlformats.org/drawingml/2006/main" xmlns:p="http://schemas.openxmlformats.org/presentationml/2006/main" xmlns:r="http://schemas.openxmlformats.org/officeDocument/2006/relationships" xmlns:p14="http://schemas.microsoft.com/office/powerpoint/2010/main" xmlns:p15="http://schemas.microsoft.com/office/powerpoint/2012/main" xmlns:mc="http://schemas.openxmlformats.org/markup-compatibility/2006" type="twoObj" preserve="1">
+<p:sldLayout xmlns:a="http://schemas.openxmlformats.org/drawingml/2006/main" xmlns:r="http://schemas.openxmlformats.org/officeDocument/2006/relationships" xmlns:p="http://schemas.openxmlformats.org/presentationml/2006/main" type="twoObj" preserve="1">
   <p:cSld name="Title, 2 Content">
     <p:spTree>
       <p:nvGrpSpPr>
@@ -3495,14 +3717,15 @@
           </a:ln>
         </p:spPr>
         <p:txBody>
-          <a:bodyPr lIns="0" rIns="0" tIns="0" bIns="0" anchor="ctr">
+          <a:bodyPr lIns="0" tIns="0" rIns="0" bIns="0" anchor="ctr">
             <a:noAutofit/>
           </a:bodyPr>
+          <a:lstStyle/>
           <a:p>
             <a:pPr algn="ctr">
               <a:buNone/>
             </a:pPr>
-            <a:endParaRPr b="0" lang="en-US" sz="4400" spc="-1" strike="noStrike">
+            <a:endParaRPr lang="en-US" sz="4400" b="0" strike="noStrike" spc="-1">
               <a:latin typeface="Arial"/>
             </a:endParaRPr>
           </a:p>
@@ -3532,11 +3755,12 @@
           </a:ln>
         </p:spPr>
         <p:txBody>
-          <a:bodyPr lIns="0" rIns="0" tIns="0" bIns="0" anchor="t">
+          <a:bodyPr lIns="0" tIns="0" rIns="0" bIns="0" anchor="t">
             <a:normAutofit/>
           </a:bodyPr>
-          <a:p>
-            <a:endParaRPr b="0" lang="en-US" sz="3200" spc="-1" strike="noStrike">
+          <a:lstStyle/>
+          <a:p>
+            <a:endParaRPr lang="en-US" sz="3200" b="0" strike="noStrike" spc="-1">
               <a:latin typeface="Arial"/>
             </a:endParaRPr>
           </a:p>
@@ -3566,11 +3790,12 @@
           </a:ln>
         </p:spPr>
         <p:txBody>
-          <a:bodyPr lIns="0" rIns="0" tIns="0" bIns="0" anchor="t">
+          <a:bodyPr lIns="0" tIns="0" rIns="0" bIns="0" anchor="t">
             <a:normAutofit/>
           </a:bodyPr>
-          <a:p>
-            <a:endParaRPr b="0" lang="en-US" sz="3200" spc="-1" strike="noStrike">
+          <a:lstStyle/>
+          <a:p>
+            <a:endParaRPr lang="en-US" sz="3200" b="0" strike="noStrike" spc="-1">
               <a:latin typeface="Arial"/>
             </a:endParaRPr>
           </a:p>
@@ -3589,6 +3814,7 @@
         <p:spPr/>
         <p:txBody>
           <a:bodyPr/>
+          <a:lstStyle/>
           <a:p>
             <a:r>
               <a:t>Footer</a:t>
@@ -3609,10 +3835,12 @@
         <p:spPr/>
         <p:txBody>
           <a:bodyPr/>
+          <a:lstStyle/>
           <a:p>
             <a:fld id="{2C2A9A38-8CBB-4314-AA49-BB8A2C3A242F}" type="slidenum">
-              <a:t>&lt;#&gt;</a:t>
+              <a:t>‹#›</a:t>
             </a:fld>
+            <a:endParaRPr/>
           </a:p>
         </p:txBody>
       </p:sp>
@@ -3629,21 +3857,22 @@
         <p:spPr/>
         <p:txBody>
           <a:bodyPr/>
-          <a:p>
-            <a:r>
-              <a:rPr lang="en-US"/>
-              <a:t/>
-            </a:r>
+          <a:lstStyle/>
+          <a:p>
+            <a:endParaRPr/>
           </a:p>
         </p:txBody>
       </p:sp>
     </p:spTree>
   </p:cSld>
+  <p:clrMapOvr>
+    <a:masterClrMapping/>
+  </p:clrMapOvr>
 </p:sldLayout>
 </file>
 
 <file path=ppt/slideLayouts/slideLayout5.xml><?xml version="1.0" encoding="utf-8"?>
-<p:sldLayout xmlns:a="http://schemas.openxmlformats.org/drawingml/2006/main" xmlns:p="http://schemas.openxmlformats.org/presentationml/2006/main" xmlns:r="http://schemas.openxmlformats.org/officeDocument/2006/relationships" xmlns:p14="http://schemas.microsoft.com/office/powerpoint/2010/main" xmlns:p15="http://schemas.microsoft.com/office/powerpoint/2012/main" xmlns:mc="http://schemas.openxmlformats.org/markup-compatibility/2006" type="titleOnly" preserve="1">
+<p:sldLayout xmlns:a="http://schemas.openxmlformats.org/drawingml/2006/main" xmlns:r="http://schemas.openxmlformats.org/officeDocument/2006/relationships" xmlns:p="http://schemas.openxmlformats.org/presentationml/2006/main" type="titleOnly" preserve="1">
   <p:cSld name="Title Only">
     <p:spTree>
       <p:nvGrpSpPr>
@@ -3683,14 +3912,15 @@
           </a:ln>
         </p:spPr>
         <p:txBody>
-          <a:bodyPr lIns="0" rIns="0" tIns="0" bIns="0" anchor="ctr">
+          <a:bodyPr lIns="0" tIns="0" rIns="0" bIns="0" anchor="ctr">
             <a:noAutofit/>
           </a:bodyPr>
+          <a:lstStyle/>
           <a:p>
             <a:pPr algn="ctr">
               <a:buNone/>
             </a:pPr>
-            <a:endParaRPr b="0" lang="en-US" sz="4400" spc="-1" strike="noStrike">
+            <a:endParaRPr lang="en-US" sz="4400" b="0" strike="noStrike" spc="-1">
               <a:latin typeface="Arial"/>
             </a:endParaRPr>
           </a:p>
@@ -3709,6 +3939,7 @@
         <p:spPr/>
         <p:txBody>
           <a:bodyPr/>
+          <a:lstStyle/>
           <a:p>
             <a:r>
               <a:t>Footer</a:t>
@@ -3729,10 +3960,12 @@
         <p:spPr/>
         <p:txBody>
           <a:bodyPr/>
+          <a:lstStyle/>
           <a:p>
             <a:fld id="{1E2CCF9A-44A5-4CD2-9265-87FD15FD4704}" type="slidenum">
-              <a:t>&lt;#&gt;</a:t>
+              <a:t>‹#›</a:t>
             </a:fld>
+            <a:endParaRPr/>
           </a:p>
         </p:txBody>
       </p:sp>
@@ -3749,21 +3982,22 @@
         <p:spPr/>
         <p:txBody>
           <a:bodyPr/>
-          <a:p>
-            <a:r>
-              <a:rPr lang="en-US"/>
-              <a:t/>
-            </a:r>
+          <a:lstStyle/>
+          <a:p>
+            <a:endParaRPr/>
           </a:p>
         </p:txBody>
       </p:sp>
     </p:spTree>
   </p:cSld>
+  <p:clrMapOvr>
+    <a:masterClrMapping/>
+  </p:clrMapOvr>
 </p:sldLayout>
 </file>
 
 <file path=ppt/slideLayouts/slideLayout6.xml><?xml version="1.0" encoding="utf-8"?>
-<p:sldLayout xmlns:a="http://schemas.openxmlformats.org/drawingml/2006/main" xmlns:p="http://schemas.openxmlformats.org/presentationml/2006/main" xmlns:r="http://schemas.openxmlformats.org/officeDocument/2006/relationships" xmlns:p14="http://schemas.microsoft.com/office/powerpoint/2010/main" xmlns:p15="http://schemas.microsoft.com/office/powerpoint/2012/main" xmlns:mc="http://schemas.openxmlformats.org/markup-compatibility/2006" type="objOnly" preserve="1">
+<p:sldLayout xmlns:a="http://schemas.openxmlformats.org/drawingml/2006/main" xmlns:r="http://schemas.openxmlformats.org/officeDocument/2006/relationships" xmlns:p="http://schemas.openxmlformats.org/presentationml/2006/main" type="objOnly" preserve="1">
   <p:cSld name="Centered Text">
     <p:spTree>
       <p:nvGrpSpPr>
@@ -3803,14 +4037,15 @@
           </a:ln>
         </p:spPr>
         <p:txBody>
-          <a:bodyPr lIns="0" rIns="0" tIns="0" bIns="0" anchor="ctr">
+          <a:bodyPr lIns="0" tIns="0" rIns="0" bIns="0" anchor="ctr">
             <a:noAutofit/>
           </a:bodyPr>
+          <a:lstStyle/>
           <a:p>
             <a:pPr algn="ctr">
               <a:buNone/>
             </a:pPr>
-            <a:endParaRPr b="0" lang="en-US" sz="3200" spc="-1" strike="noStrike">
+            <a:endParaRPr lang="en-US" sz="3200" b="0" strike="noStrike" spc="-1">
               <a:latin typeface="Arial"/>
             </a:endParaRPr>
           </a:p>
@@ -3829,6 +4064,7 @@
         <p:spPr/>
         <p:txBody>
           <a:bodyPr/>
+          <a:lstStyle/>
           <a:p>
             <a:r>
               <a:t>Footer</a:t>
@@ -3849,10 +4085,12 @@
         <p:spPr/>
         <p:txBody>
           <a:bodyPr/>
+          <a:lstStyle/>
           <a:p>
             <a:fld id="{0045E808-CE1C-4AC7-9F1B-8D33AB8A6FA9}" type="slidenum">
-              <a:t>&lt;#&gt;</a:t>
+              <a:t>‹#›</a:t>
             </a:fld>
+            <a:endParaRPr/>
           </a:p>
         </p:txBody>
       </p:sp>
@@ -3869,21 +4107,22 @@
         <p:spPr/>
         <p:txBody>
           <a:bodyPr/>
-          <a:p>
-            <a:r>
-              <a:rPr lang="en-US"/>
-              <a:t/>
-            </a:r>
+          <a:lstStyle/>
+          <a:p>
+            <a:endParaRPr/>
           </a:p>
         </p:txBody>
       </p:sp>
     </p:spTree>
   </p:cSld>
+  <p:clrMapOvr>
+    <a:masterClrMapping/>
+  </p:clrMapOvr>
 </p:sldLayout>
 </file>
 
 <file path=ppt/slideLayouts/slideLayout7.xml><?xml version="1.0" encoding="utf-8"?>
-<p:sldLayout xmlns:a="http://schemas.openxmlformats.org/drawingml/2006/main" xmlns:p="http://schemas.openxmlformats.org/presentationml/2006/main" xmlns:r="http://schemas.openxmlformats.org/officeDocument/2006/relationships" xmlns:p14="http://schemas.microsoft.com/office/powerpoint/2010/main" xmlns:p15="http://schemas.microsoft.com/office/powerpoint/2012/main" xmlns:mc="http://schemas.openxmlformats.org/markup-compatibility/2006" type="twoObjAndObj" preserve="1">
+<p:sldLayout xmlns:a="http://schemas.openxmlformats.org/drawingml/2006/main" xmlns:r="http://schemas.openxmlformats.org/officeDocument/2006/relationships" xmlns:p="http://schemas.openxmlformats.org/presentationml/2006/main" type="twoObjAndObj" preserve="1">
   <p:cSld name="Title, 2 Content and Content">
     <p:spTree>
       <p:nvGrpSpPr>
@@ -3923,14 +4162,15 @@
           </a:ln>
         </p:spPr>
         <p:txBody>
-          <a:bodyPr lIns="0" rIns="0" tIns="0" bIns="0" anchor="ctr">
+          <a:bodyPr lIns="0" tIns="0" rIns="0" bIns="0" anchor="ctr">
             <a:noAutofit/>
           </a:bodyPr>
+          <a:lstStyle/>
           <a:p>
             <a:pPr algn="ctr">
               <a:buNone/>
             </a:pPr>
-            <a:endParaRPr b="0" lang="en-US" sz="4400" spc="-1" strike="noStrike">
+            <a:endParaRPr lang="en-US" sz="4400" b="0" strike="noStrike" spc="-1">
               <a:latin typeface="Arial"/>
             </a:endParaRPr>
           </a:p>
@@ -3960,11 +4200,12 @@
           </a:ln>
         </p:spPr>
         <p:txBody>
-          <a:bodyPr lIns="0" rIns="0" tIns="0" bIns="0" anchor="t">
+          <a:bodyPr lIns="0" tIns="0" rIns="0" bIns="0" anchor="t">
             <a:normAutofit/>
           </a:bodyPr>
-          <a:p>
-            <a:endParaRPr b="0" lang="en-US" sz="3200" spc="-1" strike="noStrike">
+          <a:lstStyle/>
+          <a:p>
+            <a:endParaRPr lang="en-US" sz="3200" b="0" strike="noStrike" spc="-1">
               <a:latin typeface="Arial"/>
             </a:endParaRPr>
           </a:p>
@@ -3994,11 +4235,12 @@
           </a:ln>
         </p:spPr>
         <p:txBody>
-          <a:bodyPr lIns="0" rIns="0" tIns="0" bIns="0" anchor="t">
+          <a:bodyPr lIns="0" tIns="0" rIns="0" bIns="0" anchor="t">
             <a:normAutofit/>
           </a:bodyPr>
-          <a:p>
-            <a:endParaRPr b="0" lang="en-US" sz="3200" spc="-1" strike="noStrike">
+          <a:lstStyle/>
+          <a:p>
+            <a:endParaRPr lang="en-US" sz="3200" b="0" strike="noStrike" spc="-1">
               <a:latin typeface="Arial"/>
             </a:endParaRPr>
           </a:p>
@@ -4028,11 +4270,12 @@
           </a:ln>
         </p:spPr>
         <p:txBody>
-          <a:bodyPr lIns="0" rIns="0" tIns="0" bIns="0" anchor="t">
+          <a:bodyPr lIns="0" tIns="0" rIns="0" bIns="0" anchor="t">
             <a:normAutofit/>
           </a:bodyPr>
-          <a:p>
-            <a:endParaRPr b="0" lang="en-US" sz="3200" spc="-1" strike="noStrike">
+          <a:lstStyle/>
+          <a:p>
+            <a:endParaRPr lang="en-US" sz="3200" b="0" strike="noStrike" spc="-1">
               <a:latin typeface="Arial"/>
             </a:endParaRPr>
           </a:p>
@@ -4051,6 +4294,7 @@
         <p:spPr/>
         <p:txBody>
           <a:bodyPr/>
+          <a:lstStyle/>
           <a:p>
             <a:r>
               <a:t>Footer</a:t>
@@ -4071,10 +4315,12 @@
         <p:spPr/>
         <p:txBody>
           <a:bodyPr/>
+          <a:lstStyle/>
           <a:p>
             <a:fld id="{39B98CC2-0BAA-4803-8EA8-2E5C926A4B9A}" type="slidenum">
-              <a:t>&lt;#&gt;</a:t>
+              <a:t>‹#›</a:t>
             </a:fld>
+            <a:endParaRPr/>
           </a:p>
         </p:txBody>
       </p:sp>
@@ -4091,21 +4337,22 @@
         <p:spPr/>
         <p:txBody>
           <a:bodyPr/>
-          <a:p>
-            <a:r>
-              <a:rPr lang="en-US"/>
-              <a:t/>
-            </a:r>
+          <a:lstStyle/>
+          <a:p>
+            <a:endParaRPr/>
           </a:p>
         </p:txBody>
       </p:sp>
     </p:spTree>
   </p:cSld>
+  <p:clrMapOvr>
+    <a:masterClrMapping/>
+  </p:clrMapOvr>
 </p:sldLayout>
 </file>
 
 <file path=ppt/slideLayouts/slideLayout8.xml><?xml version="1.0" encoding="utf-8"?>
-<p:sldLayout xmlns:a="http://schemas.openxmlformats.org/drawingml/2006/main" xmlns:p="http://schemas.openxmlformats.org/presentationml/2006/main" xmlns:r="http://schemas.openxmlformats.org/officeDocument/2006/relationships" xmlns:p14="http://schemas.microsoft.com/office/powerpoint/2010/main" xmlns:p15="http://schemas.microsoft.com/office/powerpoint/2012/main" xmlns:mc="http://schemas.openxmlformats.org/markup-compatibility/2006" type="objAndTwoObj" preserve="1">
+<p:sldLayout xmlns:a="http://schemas.openxmlformats.org/drawingml/2006/main" xmlns:r="http://schemas.openxmlformats.org/officeDocument/2006/relationships" xmlns:p="http://schemas.openxmlformats.org/presentationml/2006/main" type="objAndTwoObj" preserve="1">
   <p:cSld name="Title Content and 2 Content">
     <p:spTree>
       <p:nvGrpSpPr>
@@ -4145,14 +4392,15 @@
           </a:ln>
         </p:spPr>
         <p:txBody>
-          <a:bodyPr lIns="0" rIns="0" tIns="0" bIns="0" anchor="ctr">
+          <a:bodyPr lIns="0" tIns="0" rIns="0" bIns="0" anchor="ctr">
             <a:noAutofit/>
           </a:bodyPr>
+          <a:lstStyle/>
           <a:p>
             <a:pPr algn="ctr">
               <a:buNone/>
             </a:pPr>
-            <a:endParaRPr b="0" lang="en-US" sz="4400" spc="-1" strike="noStrike">
+            <a:endParaRPr lang="en-US" sz="4400" b="0" strike="noStrike" spc="-1">
               <a:latin typeface="Arial"/>
             </a:endParaRPr>
           </a:p>
@@ -4182,11 +4430,12 @@
           </a:ln>
         </p:spPr>
         <p:txBody>
-          <a:bodyPr lIns="0" rIns="0" tIns="0" bIns="0" anchor="t">
+          <a:bodyPr lIns="0" tIns="0" rIns="0" bIns="0" anchor="t">
             <a:normAutofit/>
           </a:bodyPr>
-          <a:p>
-            <a:endParaRPr b="0" lang="en-US" sz="3200" spc="-1" strike="noStrike">
+          <a:lstStyle/>
+          <a:p>
+            <a:endParaRPr lang="en-US" sz="3200" b="0" strike="noStrike" spc="-1">
               <a:latin typeface="Arial"/>
             </a:endParaRPr>
           </a:p>
@@ -4216,11 +4465,12 @@
           </a:ln>
         </p:spPr>
         <p:txBody>
-          <a:bodyPr lIns="0" rIns="0" tIns="0" bIns="0" anchor="t">
+          <a:bodyPr lIns="0" tIns="0" rIns="0" bIns="0" anchor="t">
             <a:normAutofit/>
           </a:bodyPr>
-          <a:p>
-            <a:endParaRPr b="0" lang="en-US" sz="3200" spc="-1" strike="noStrike">
+          <a:lstStyle/>
+          <a:p>
+            <a:endParaRPr lang="en-US" sz="3200" b="0" strike="noStrike" spc="-1">
               <a:latin typeface="Arial"/>
             </a:endParaRPr>
           </a:p>
@@ -4250,11 +4500,12 @@
           </a:ln>
         </p:spPr>
         <p:txBody>
-          <a:bodyPr lIns="0" rIns="0" tIns="0" bIns="0" anchor="t">
+          <a:bodyPr lIns="0" tIns="0" rIns="0" bIns="0" anchor="t">
             <a:normAutofit/>
           </a:bodyPr>
-          <a:p>
-            <a:endParaRPr b="0" lang="en-US" sz="3200" spc="-1" strike="noStrike">
+          <a:lstStyle/>
+          <a:p>
+            <a:endParaRPr lang="en-US" sz="3200" b="0" strike="noStrike" spc="-1">
               <a:latin typeface="Arial"/>
             </a:endParaRPr>
           </a:p>
@@ -4273,6 +4524,7 @@
         <p:spPr/>
         <p:txBody>
           <a:bodyPr/>
+          <a:lstStyle/>
           <a:p>
             <a:r>
               <a:t>Footer</a:t>
@@ -4293,10 +4545,12 @@
         <p:spPr/>
         <p:txBody>
           <a:bodyPr/>
+          <a:lstStyle/>
           <a:p>
             <a:fld id="{1F63C020-D1A3-4CC8-839A-75C35B7232B4}" type="slidenum">
-              <a:t>&lt;#&gt;</a:t>
+              <a:t>‹#›</a:t>
             </a:fld>
+            <a:endParaRPr/>
           </a:p>
         </p:txBody>
       </p:sp>
@@ -4313,21 +4567,22 @@
         <p:spPr/>
         <p:txBody>
           <a:bodyPr/>
-          <a:p>
-            <a:r>
-              <a:rPr lang="en-US"/>
-              <a:t/>
-            </a:r>
+          <a:lstStyle/>
+          <a:p>
+            <a:endParaRPr/>
           </a:p>
         </p:txBody>
       </p:sp>
     </p:spTree>
   </p:cSld>
+  <p:clrMapOvr>
+    <a:masterClrMapping/>
+  </p:clrMapOvr>
 </p:sldLayout>
 </file>
 
 <file path=ppt/slideLayouts/slideLayout9.xml><?xml version="1.0" encoding="utf-8"?>
-<p:sldLayout xmlns:a="http://schemas.openxmlformats.org/drawingml/2006/main" xmlns:p="http://schemas.openxmlformats.org/presentationml/2006/main" xmlns:r="http://schemas.openxmlformats.org/officeDocument/2006/relationships" xmlns:p14="http://schemas.microsoft.com/office/powerpoint/2010/main" xmlns:p15="http://schemas.microsoft.com/office/powerpoint/2012/main" xmlns:mc="http://schemas.openxmlformats.org/markup-compatibility/2006" type="twoObjOverTx" preserve="1">
+<p:sldLayout xmlns:a="http://schemas.openxmlformats.org/drawingml/2006/main" xmlns:r="http://schemas.openxmlformats.org/officeDocument/2006/relationships" xmlns:p="http://schemas.openxmlformats.org/presentationml/2006/main" type="twoObjOverTx" preserve="1">
   <p:cSld name="Title, 2 Content over Content">
     <p:spTree>
       <p:nvGrpSpPr>
@@ -4367,14 +4622,15 @@
           </a:ln>
         </p:spPr>
         <p:txBody>
-          <a:bodyPr lIns="0" rIns="0" tIns="0" bIns="0" anchor="ctr">
+          <a:bodyPr lIns="0" tIns="0" rIns="0" bIns="0" anchor="ctr">
             <a:noAutofit/>
           </a:bodyPr>
+          <a:lstStyle/>
           <a:p>
             <a:pPr algn="ctr">
               <a:buNone/>
             </a:pPr>
-            <a:endParaRPr b="0" lang="en-US" sz="4400" spc="-1" strike="noStrike">
+            <a:endParaRPr lang="en-US" sz="4400" b="0" strike="noStrike" spc="-1">
               <a:latin typeface="Arial"/>
             </a:endParaRPr>
           </a:p>
@@ -4404,11 +4660,12 @@
           </a:ln>
         </p:spPr>
         <p:txBody>
-          <a:bodyPr lIns="0" rIns="0" tIns="0" bIns="0" anchor="t">
+          <a:bodyPr lIns="0" tIns="0" rIns="0" bIns="0" anchor="t">
             <a:normAutofit/>
           </a:bodyPr>
-          <a:p>
-            <a:endParaRPr b="0" lang="en-US" sz="3200" spc="-1" strike="noStrike">
+          <a:lstStyle/>
+          <a:p>
+            <a:endParaRPr lang="en-US" sz="3200" b="0" strike="noStrike" spc="-1">
               <a:latin typeface="Arial"/>
             </a:endParaRPr>
           </a:p>
@@ -4438,11 +4695,12 @@
           </a:ln>
         </p:spPr>
         <p:txBody>
-          <a:bodyPr lIns="0" rIns="0" tIns="0" bIns="0" anchor="t">
+          <a:bodyPr lIns="0" tIns="0" rIns="0" bIns="0" anchor="t">
             <a:normAutofit/>
           </a:bodyPr>
-          <a:p>
-            <a:endParaRPr b="0" lang="en-US" sz="3200" spc="-1" strike="noStrike">
+          <a:lstStyle/>
+          <a:p>
+            <a:endParaRPr lang="en-US" sz="3200" b="0" strike="noStrike" spc="-1">
               <a:latin typeface="Arial"/>
             </a:endParaRPr>
           </a:p>
@@ -4472,11 +4730,12 @@
           </a:ln>
         </p:spPr>
         <p:txBody>
-          <a:bodyPr lIns="0" rIns="0" tIns="0" bIns="0" anchor="t">
+          <a:bodyPr lIns="0" tIns="0" rIns="0" bIns="0" anchor="t">
             <a:normAutofit/>
           </a:bodyPr>
-          <a:p>
-            <a:endParaRPr b="0" lang="en-US" sz="3200" spc="-1" strike="noStrike">
+          <a:lstStyle/>
+          <a:p>
+            <a:endParaRPr lang="en-US" sz="3200" b="0" strike="noStrike" spc="-1">
               <a:latin typeface="Arial"/>
             </a:endParaRPr>
           </a:p>
@@ -4495,6 +4754,7 @@
         <p:spPr/>
         <p:txBody>
           <a:bodyPr/>
+          <a:lstStyle/>
           <a:p>
             <a:r>
               <a:t>Footer</a:t>
@@ -4515,10 +4775,12 @@
         <p:spPr/>
         <p:txBody>
           <a:bodyPr/>
+          <a:lstStyle/>
           <a:p>
             <a:fld id="{23AB6AB5-557C-420B-8701-9C2F944A77F2}" type="slidenum">
-              <a:t>&lt;#&gt;</a:t>
+              <a:t>‹#›</a:t>
             </a:fld>
+            <a:endParaRPr/>
           </a:p>
         </p:txBody>
       </p:sp>
@@ -4535,27 +4797,29 @@
         <p:spPr/>
         <p:txBody>
           <a:bodyPr/>
-          <a:p>
-            <a:r>
-              <a:rPr lang="en-US"/>
-              <a:t/>
-            </a:r>
+          <a:lstStyle/>
+          <a:p>
+            <a:endParaRPr/>
           </a:p>
         </p:txBody>
       </p:sp>
     </p:spTree>
   </p:cSld>
+  <p:clrMapOvr>
+    <a:masterClrMapping/>
+  </p:clrMapOvr>
 </p:sldLayout>
 </file>
 
 <file path=ppt/slideMasters/slideMaster1.xml><?xml version="1.0" encoding="utf-8"?>
-<p:sldMaster xmlns:a="http://schemas.openxmlformats.org/drawingml/2006/main" xmlns:p="http://schemas.openxmlformats.org/presentationml/2006/main" xmlns:r="http://schemas.openxmlformats.org/officeDocument/2006/relationships" xmlns:p14="http://schemas.microsoft.com/office/powerpoint/2010/main" xmlns:p15="http://schemas.microsoft.com/office/powerpoint/2012/main" xmlns:mc="http://schemas.openxmlformats.org/markup-compatibility/2006">
+<p:sldMaster xmlns:a="http://schemas.openxmlformats.org/drawingml/2006/main" xmlns:r="http://schemas.openxmlformats.org/officeDocument/2006/relationships" xmlns:p="http://schemas.openxmlformats.org/presentationml/2006/main">
   <p:cSld>
     <p:bg>
       <p:bgPr>
         <a:solidFill>
-          <a:srgbClr val="ffffff"/>
+          <a:srgbClr val="FFFFFF"/>
         </a:solidFill>
+        <a:effectLst/>
       </p:bgPr>
     </p:bg>
     <p:spTree>
@@ -4574,7 +4838,7 @@
       </p:grpSpPr>
       <p:sp>
         <p:nvSpPr>
-          <p:cNvPr id="0" name="PlaceHolder 1"/>
+          <p:cNvPr id="5" name="PlaceHolder 1"/>
           <p:cNvSpPr>
             <a:spLocks noGrp="1"/>
           </p:cNvSpPr>
@@ -4596,25 +4860,23 @@
           </a:ln>
         </p:spPr>
         <p:txBody>
-          <a:bodyPr lIns="0" rIns="0" tIns="0" bIns="0" anchor="ctr">
+          <a:bodyPr lIns="0" tIns="0" rIns="0" bIns="0" anchor="ctr">
             <a:noAutofit/>
           </a:bodyPr>
-          <a:p>
-            <a:r>
-              <a:rPr b="0" lang="en-US" sz="1800" spc="-1" strike="noStrike">
+          <a:lstStyle/>
+          <a:p>
+            <a:r>
+              <a:rPr lang="en-US" sz="1800" b="0" strike="noStrike" spc="-1">
                 <a:latin typeface="Arial"/>
               </a:rPr>
               <a:t>Click to edit the title text format</a:t>
             </a:r>
-            <a:endParaRPr b="0" lang="en-US" sz="1800" spc="-1" strike="noStrike">
-              <a:latin typeface="Arial"/>
-            </a:endParaRPr>
-          </a:p>
-        </p:txBody>
-      </p:sp>
-      <p:sp>
-        <p:nvSpPr>
-          <p:cNvPr id="1" name="PlaceHolder 2"/>
+          </a:p>
+        </p:txBody>
+      </p:sp>
+      <p:sp>
+        <p:nvSpPr>
+          <p:cNvPr id="6" name="PlaceHolder 2"/>
           <p:cNvSpPr>
             <a:spLocks noGrp="1"/>
           </p:cNvSpPr>
@@ -4636,9 +4898,10 @@
           </a:ln>
         </p:spPr>
         <p:txBody>
-          <a:bodyPr lIns="0" rIns="0" tIns="0" bIns="0" anchor="t">
+          <a:bodyPr lIns="0" tIns="0" rIns="0" bIns="0" anchor="t">
             <a:normAutofit/>
           </a:bodyPr>
+          <a:lstStyle/>
           <a:p>
             <a:pPr marL="432000" indent="-324000">
               <a:spcBef>
@@ -4652,17 +4915,14 @@
               <a:buChar char=""/>
             </a:pPr>
             <a:r>
-              <a:rPr b="0" lang="en-US" sz="1800" spc="-1" strike="noStrike">
+              <a:rPr lang="en-US" sz="1800" b="0" strike="noStrike" spc="-1">
                 <a:latin typeface="Arial"/>
               </a:rPr>
               <a:t>Click to edit the outline text format</a:t>
             </a:r>
-            <a:endParaRPr b="0" lang="en-US" sz="1800" spc="-1" strike="noStrike">
-              <a:latin typeface="Arial"/>
-            </a:endParaRPr>
-          </a:p>
-          <a:p>
-            <a:pPr lvl="1" marL="864000" indent="-324000">
+          </a:p>
+          <a:p>
+            <a:pPr marL="864000" lvl="1" indent="-324000">
               <a:spcBef>
                 <a:spcPts val="1134"/>
               </a:spcBef>
@@ -4674,17 +4934,14 @@
               <a:buChar char=""/>
             </a:pPr>
             <a:r>
-              <a:rPr b="0" lang="en-US" sz="1800" spc="-1" strike="noStrike">
+              <a:rPr lang="en-US" sz="1800" b="0" strike="noStrike" spc="-1">
                 <a:latin typeface="Arial"/>
               </a:rPr>
               <a:t>Second Outline Level</a:t>
             </a:r>
-            <a:endParaRPr b="0" lang="en-US" sz="1800" spc="-1" strike="noStrike">
-              <a:latin typeface="Arial"/>
-            </a:endParaRPr>
-          </a:p>
-          <a:p>
-            <a:pPr lvl="2" marL="1296000" indent="-288000">
+          </a:p>
+          <a:p>
+            <a:pPr marL="1296000" lvl="2" indent="-288000">
               <a:spcBef>
                 <a:spcPts val="850"/>
               </a:spcBef>
@@ -4696,17 +4953,14 @@
               <a:buChar char=""/>
             </a:pPr>
             <a:r>
-              <a:rPr b="0" lang="en-US" sz="1800" spc="-1" strike="noStrike">
+              <a:rPr lang="en-US" sz="1800" b="0" strike="noStrike" spc="-1">
                 <a:latin typeface="Arial"/>
               </a:rPr>
               <a:t>Third Outline Level</a:t>
             </a:r>
-            <a:endParaRPr b="0" lang="en-US" sz="1800" spc="-1" strike="noStrike">
-              <a:latin typeface="Arial"/>
-            </a:endParaRPr>
-          </a:p>
-          <a:p>
-            <a:pPr lvl="3" marL="1728000" indent="-216000">
+          </a:p>
+          <a:p>
+            <a:pPr marL="1728000" lvl="3" indent="-216000">
               <a:spcBef>
                 <a:spcPts val="567"/>
               </a:spcBef>
@@ -4718,17 +4972,14 @@
               <a:buChar char=""/>
             </a:pPr>
             <a:r>
-              <a:rPr b="0" lang="en-US" sz="1800" spc="-1" strike="noStrike">
+              <a:rPr lang="en-US" sz="1800" b="0" strike="noStrike" spc="-1">
                 <a:latin typeface="Arial"/>
               </a:rPr>
               <a:t>Fourth Outline Level</a:t>
             </a:r>
-            <a:endParaRPr b="0" lang="en-US" sz="1800" spc="-1" strike="noStrike">
-              <a:latin typeface="Arial"/>
-            </a:endParaRPr>
-          </a:p>
-          <a:p>
-            <a:pPr lvl="4" marL="2160000" indent="-216000">
+          </a:p>
+          <a:p>
+            <a:pPr marL="2160000" lvl="4" indent="-216000">
               <a:spcBef>
                 <a:spcPts val="283"/>
               </a:spcBef>
@@ -4740,17 +4991,14 @@
               <a:buChar char=""/>
             </a:pPr>
             <a:r>
-              <a:rPr b="0" lang="en-US" sz="1800" spc="-1" strike="noStrike">
+              <a:rPr lang="en-US" sz="1800" b="0" strike="noStrike" spc="-1">
                 <a:latin typeface="Arial"/>
               </a:rPr>
               <a:t>Fifth Outline Level</a:t>
             </a:r>
-            <a:endParaRPr b="0" lang="en-US" sz="1800" spc="-1" strike="noStrike">
-              <a:latin typeface="Arial"/>
-            </a:endParaRPr>
-          </a:p>
-          <a:p>
-            <a:pPr lvl="5" marL="2592000" indent="-216000">
+          </a:p>
+          <a:p>
+            <a:pPr marL="2592000" lvl="5" indent="-216000">
               <a:spcBef>
                 <a:spcPts val="283"/>
               </a:spcBef>
@@ -4762,17 +5010,14 @@
               <a:buChar char=""/>
             </a:pPr>
             <a:r>
-              <a:rPr b="0" lang="en-US" sz="1800" spc="-1" strike="noStrike">
+              <a:rPr lang="en-US" sz="1800" b="0" strike="noStrike" spc="-1">
                 <a:latin typeface="Arial"/>
               </a:rPr>
               <a:t>Sixth Outline Level</a:t>
             </a:r>
-            <a:endParaRPr b="0" lang="en-US" sz="1800" spc="-1" strike="noStrike">
-              <a:latin typeface="Arial"/>
-            </a:endParaRPr>
-          </a:p>
-          <a:p>
-            <a:pPr lvl="6" marL="3024000" indent="-216000">
+          </a:p>
+          <a:p>
+            <a:pPr marL="3024000" lvl="6" indent="-216000">
               <a:spcBef>
                 <a:spcPts val="283"/>
               </a:spcBef>
@@ -4784,14 +5029,11 @@
               <a:buChar char=""/>
             </a:pPr>
             <a:r>
-              <a:rPr b="0" lang="en-US" sz="1800" spc="-1" strike="noStrike">
+              <a:rPr lang="en-US" sz="1800" b="0" strike="noStrike" spc="-1">
                 <a:latin typeface="Arial"/>
               </a:rPr>
               <a:t>Seventh Outline Level</a:t>
             </a:r>
-            <a:endParaRPr b="0" lang="en-US" sz="1800" spc="-1" strike="noStrike">
-              <a:latin typeface="Arial"/>
-            </a:endParaRPr>
           </a:p>
         </p:txBody>
       </p:sp>
@@ -4819,7 +5061,7 @@
           </a:ln>
         </p:spPr>
         <p:txBody>
-          <a:bodyPr lIns="90000" rIns="90000" tIns="45000" bIns="45000" anchor="ctr">
+          <a:bodyPr lIns="90000" tIns="45000" rIns="90000" bIns="45000" anchor="ctr">
             <a:noAutofit/>
           </a:bodyPr>
           <a:lstStyle>
@@ -4828,7 +5070,7 @@
                 <a:spcPct val="100000"/>
               </a:lnSpc>
               <a:buNone/>
-              <a:defRPr b="0" lang="en-US" sz="1400" spc="-1" strike="noStrike">
+              <a:defRPr lang="en-US" sz="1400" b="0" strike="noStrike" spc="-1">
                 <a:latin typeface="Times New Roman"/>
               </a:defRPr>
             </a:lvl1pPr>
@@ -4841,14 +5083,11 @@
               <a:buNone/>
             </a:pPr>
             <a:r>
-              <a:rPr b="0" lang="en-US" sz="1400" spc="-1" strike="noStrike">
+              <a:rPr lang="en-US" sz="1400" b="0" strike="noStrike" spc="-1">
                 <a:latin typeface="Times New Roman"/>
               </a:rPr>
               <a:t>&lt;footer&gt;</a:t>
             </a:r>
-            <a:endParaRPr b="0" lang="en-US" sz="1400" spc="-1" strike="noStrike">
-              <a:latin typeface="Times New Roman"/>
-            </a:endParaRPr>
           </a:p>
         </p:txBody>
       </p:sp>
@@ -4876,7 +5115,7 @@
           </a:ln>
         </p:spPr>
         <p:txBody>
-          <a:bodyPr lIns="90000" rIns="90000" tIns="45000" bIns="45000" anchor="ctr">
+          <a:bodyPr lIns="90000" tIns="45000" rIns="90000" bIns="45000" anchor="ctr">
             <a:noAutofit/>
           </a:bodyPr>
           <a:lstStyle>
@@ -4885,9 +5124,9 @@
                 <a:spcPct val="100000"/>
               </a:lnSpc>
               <a:buNone/>
-              <a:defRPr b="0" lang="el-GR" sz="1200" spc="-1" strike="noStrike">
-                <a:solidFill>
-                  <a:srgbClr val="8b8b8b"/>
+              <a:defRPr lang="el-GR" sz="1200" b="0" strike="noStrike" spc="-1">
+                <a:solidFill>
+                  <a:srgbClr val="8B8B8B"/>
                 </a:solidFill>
                 <a:latin typeface="Calibri"/>
               </a:defRPr>
@@ -4901,15 +5140,15 @@
               <a:buNone/>
             </a:pPr>
             <a:fld id="{8DE2983B-16BC-46CE-B868-0D5E373CEBCB}" type="slidenum">
-              <a:rPr b="0" lang="el-GR" sz="1200" spc="-1" strike="noStrike">
-                <a:solidFill>
-                  <a:srgbClr val="8b8b8b"/>
+              <a:rPr lang="el-GR" sz="1200" b="0" strike="noStrike" spc="-1">
+                <a:solidFill>
+                  <a:srgbClr val="8B8B8B"/>
                 </a:solidFill>
                 <a:latin typeface="Calibri"/>
               </a:rPr>
-              <a:t>&lt;number&gt;</a:t>
+              <a:t>‹#›</a:t>
             </a:fld>
-            <a:endParaRPr b="0" lang="en-US" sz="1200" spc="-1" strike="noStrike">
+            <a:endParaRPr lang="en-US" sz="1200" b="0" strike="noStrike" spc="-1">
               <a:latin typeface="Times New Roman"/>
             </a:endParaRPr>
           </a:p>
@@ -4939,57 +5178,335 @@
           </a:ln>
         </p:spPr>
         <p:txBody>
-          <a:bodyPr lIns="90000" rIns="90000" tIns="45000" bIns="45000" anchor="ctr">
+          <a:bodyPr lIns="90000" tIns="45000" rIns="90000" bIns="45000" anchor="ctr">
             <a:noAutofit/>
           </a:bodyPr>
           <a:lstStyle>
             <a:lvl1pPr>
-              <a:defRPr b="0" lang="en-US" sz="1400" spc="-1" strike="noStrike">
+              <a:defRPr lang="en-US" sz="1400" b="0" strike="noStrike" spc="-1">
                 <a:latin typeface="Times New Roman"/>
               </a:defRPr>
             </a:lvl1pPr>
           </a:lstStyle>
           <a:p>
             <a:r>
-              <a:rPr b="0" lang="en-US" sz="1400" spc="-1" strike="noStrike">
+              <a:rPr lang="en-US" sz="1400" b="0" strike="noStrike" spc="-1">
                 <a:latin typeface="Times New Roman"/>
               </a:rPr>
               <a:t>&lt;date/time&gt;</a:t>
             </a:r>
-            <a:endParaRPr b="0" lang="en-US" sz="1400" spc="-1" strike="noStrike">
-              <a:latin typeface="Times New Roman"/>
-            </a:endParaRPr>
           </a:p>
         </p:txBody>
       </p:sp>
     </p:spTree>
   </p:cSld>
-  <p:clrMap bg1="lt1" bg2="lt2" tx1="dk1" tx2="dk2" accent1="accent1" accent2="accent2" accent3="accent3" accent4="accent4" accent5="accent5" accent6="accent6" hlink="hlink" folHlink="folHlink"/>
+  <p:clrMap bg1="lt1" tx1="dk1" bg2="lt2" tx2="dk2" accent1="accent1" accent2="accent2" accent3="accent3" accent4="accent4" accent5="accent5" accent6="accent6" hlink="hlink" folHlink="folHlink"/>
   <p:sldLayoutIdLst>
-    <p:sldLayoutId id="2147483649" r:id="rId2"/>
-    <p:sldLayoutId id="2147483650" r:id="rId3"/>
-    <p:sldLayoutId id="2147483651" r:id="rId4"/>
-    <p:sldLayoutId id="2147483652" r:id="rId5"/>
-    <p:sldLayoutId id="2147483653" r:id="rId6"/>
-    <p:sldLayoutId id="2147483654" r:id="rId7"/>
-    <p:sldLayoutId id="2147483655" r:id="rId8"/>
-    <p:sldLayoutId id="2147483656" r:id="rId9"/>
-    <p:sldLayoutId id="2147483657" r:id="rId10"/>
-    <p:sldLayoutId id="2147483658" r:id="rId11"/>
-    <p:sldLayoutId id="2147483659" r:id="rId12"/>
-    <p:sldLayoutId id="2147483660" r:id="rId13"/>
+    <p:sldLayoutId id="2147483649" r:id="rId1"/>
+    <p:sldLayoutId id="2147483650" r:id="rId2"/>
+    <p:sldLayoutId id="2147483651" r:id="rId3"/>
+    <p:sldLayoutId id="2147483652" r:id="rId4"/>
+    <p:sldLayoutId id="2147483653" r:id="rId5"/>
+    <p:sldLayoutId id="2147483654" r:id="rId6"/>
+    <p:sldLayoutId id="2147483655" r:id="rId7"/>
+    <p:sldLayoutId id="2147483656" r:id="rId8"/>
+    <p:sldLayoutId id="2147483657" r:id="rId9"/>
+    <p:sldLayoutId id="2147483658" r:id="rId10"/>
+    <p:sldLayoutId id="2147483659" r:id="rId11"/>
+    <p:sldLayoutId id="2147483660" r:id="rId12"/>
   </p:sldLayoutIdLst>
+  <p:txStyles>
+    <p:titleStyle>
+      <a:lvl1pPr algn="l" defTabSz="914400" rtl="0" eaLnBrk="1" latinLnBrk="0" hangingPunct="1">
+        <a:lnSpc>
+          <a:spcPct val="90000"/>
+        </a:lnSpc>
+        <a:spcBef>
+          <a:spcPct val="0"/>
+        </a:spcBef>
+        <a:buNone/>
+        <a:defRPr sz="4400" kern="1200">
+          <a:solidFill>
+            <a:schemeClr val="tx1"/>
+          </a:solidFill>
+          <a:latin typeface="+mj-lt"/>
+          <a:ea typeface="+mj-ea"/>
+          <a:cs typeface="+mj-cs"/>
+        </a:defRPr>
+      </a:lvl1pPr>
+    </p:titleStyle>
+    <p:bodyStyle>
+      <a:lvl1pPr marL="228600" indent="-228600" algn="l" defTabSz="914400" rtl="0" eaLnBrk="1" latinLnBrk="0" hangingPunct="1">
+        <a:lnSpc>
+          <a:spcPct val="90000"/>
+        </a:lnSpc>
+        <a:spcBef>
+          <a:spcPts val="1000"/>
+        </a:spcBef>
+        <a:buFont typeface="Arial" panose="020B0604020202020204" pitchFamily="34" charset="0"/>
+        <a:buChar char="•"/>
+        <a:defRPr sz="2800" kern="1200">
+          <a:solidFill>
+            <a:schemeClr val="tx1"/>
+          </a:solidFill>
+          <a:latin typeface="+mn-lt"/>
+          <a:ea typeface="+mn-ea"/>
+          <a:cs typeface="+mn-cs"/>
+        </a:defRPr>
+      </a:lvl1pPr>
+      <a:lvl2pPr marL="685800" indent="-228600" algn="l" defTabSz="914400" rtl="0" eaLnBrk="1" latinLnBrk="0" hangingPunct="1">
+        <a:lnSpc>
+          <a:spcPct val="90000"/>
+        </a:lnSpc>
+        <a:spcBef>
+          <a:spcPts val="500"/>
+        </a:spcBef>
+        <a:buFont typeface="Arial" panose="020B0604020202020204" pitchFamily="34" charset="0"/>
+        <a:buChar char="•"/>
+        <a:defRPr sz="2400" kern="1200">
+          <a:solidFill>
+            <a:schemeClr val="tx1"/>
+          </a:solidFill>
+          <a:latin typeface="+mn-lt"/>
+          <a:ea typeface="+mn-ea"/>
+          <a:cs typeface="+mn-cs"/>
+        </a:defRPr>
+      </a:lvl2pPr>
+      <a:lvl3pPr marL="1143000" indent="-228600" algn="l" defTabSz="914400" rtl="0" eaLnBrk="1" latinLnBrk="0" hangingPunct="1">
+        <a:lnSpc>
+          <a:spcPct val="90000"/>
+        </a:lnSpc>
+        <a:spcBef>
+          <a:spcPts val="500"/>
+        </a:spcBef>
+        <a:buFont typeface="Arial" panose="020B0604020202020204" pitchFamily="34" charset="0"/>
+        <a:buChar char="•"/>
+        <a:defRPr sz="2000" kern="1200">
+          <a:solidFill>
+            <a:schemeClr val="tx1"/>
+          </a:solidFill>
+          <a:latin typeface="+mn-lt"/>
+          <a:ea typeface="+mn-ea"/>
+          <a:cs typeface="+mn-cs"/>
+        </a:defRPr>
+      </a:lvl3pPr>
+      <a:lvl4pPr marL="1600200" indent="-228600" algn="l" defTabSz="914400" rtl="0" eaLnBrk="1" latinLnBrk="0" hangingPunct="1">
+        <a:lnSpc>
+          <a:spcPct val="90000"/>
+        </a:lnSpc>
+        <a:spcBef>
+          <a:spcPts val="500"/>
+        </a:spcBef>
+        <a:buFont typeface="Arial" panose="020B0604020202020204" pitchFamily="34" charset="0"/>
+        <a:buChar char="•"/>
+        <a:defRPr sz="1800" kern="1200">
+          <a:solidFill>
+            <a:schemeClr val="tx1"/>
+          </a:solidFill>
+          <a:latin typeface="+mn-lt"/>
+          <a:ea typeface="+mn-ea"/>
+          <a:cs typeface="+mn-cs"/>
+        </a:defRPr>
+      </a:lvl4pPr>
+      <a:lvl5pPr marL="2057400" indent="-228600" algn="l" defTabSz="914400" rtl="0" eaLnBrk="1" latinLnBrk="0" hangingPunct="1">
+        <a:lnSpc>
+          <a:spcPct val="90000"/>
+        </a:lnSpc>
+        <a:spcBef>
+          <a:spcPts val="500"/>
+        </a:spcBef>
+        <a:buFont typeface="Arial" panose="020B0604020202020204" pitchFamily="34" charset="0"/>
+        <a:buChar char="•"/>
+        <a:defRPr sz="1800" kern="1200">
+          <a:solidFill>
+            <a:schemeClr val="tx1"/>
+          </a:solidFill>
+          <a:latin typeface="+mn-lt"/>
+          <a:ea typeface="+mn-ea"/>
+          <a:cs typeface="+mn-cs"/>
+        </a:defRPr>
+      </a:lvl5pPr>
+      <a:lvl6pPr marL="2514600" indent="-228600" algn="l" defTabSz="914400" rtl="0" eaLnBrk="1" latinLnBrk="0" hangingPunct="1">
+        <a:lnSpc>
+          <a:spcPct val="90000"/>
+        </a:lnSpc>
+        <a:spcBef>
+          <a:spcPts val="500"/>
+        </a:spcBef>
+        <a:buFont typeface="Arial" panose="020B0604020202020204" pitchFamily="34" charset="0"/>
+        <a:buChar char="•"/>
+        <a:defRPr sz="1800" kern="1200">
+          <a:solidFill>
+            <a:schemeClr val="tx1"/>
+          </a:solidFill>
+          <a:latin typeface="+mn-lt"/>
+          <a:ea typeface="+mn-ea"/>
+          <a:cs typeface="+mn-cs"/>
+        </a:defRPr>
+      </a:lvl6pPr>
+      <a:lvl7pPr marL="2971800" indent="-228600" algn="l" defTabSz="914400" rtl="0" eaLnBrk="1" latinLnBrk="0" hangingPunct="1">
+        <a:lnSpc>
+          <a:spcPct val="90000"/>
+        </a:lnSpc>
+        <a:spcBef>
+          <a:spcPts val="500"/>
+        </a:spcBef>
+        <a:buFont typeface="Arial" panose="020B0604020202020204" pitchFamily="34" charset="0"/>
+        <a:buChar char="•"/>
+        <a:defRPr sz="1800" kern="1200">
+          <a:solidFill>
+            <a:schemeClr val="tx1"/>
+          </a:solidFill>
+          <a:latin typeface="+mn-lt"/>
+          <a:ea typeface="+mn-ea"/>
+          <a:cs typeface="+mn-cs"/>
+        </a:defRPr>
+      </a:lvl7pPr>
+      <a:lvl8pPr marL="3429000" indent="-228600" algn="l" defTabSz="914400" rtl="0" eaLnBrk="1" latinLnBrk="0" hangingPunct="1">
+        <a:lnSpc>
+          <a:spcPct val="90000"/>
+        </a:lnSpc>
+        <a:spcBef>
+          <a:spcPts val="500"/>
+        </a:spcBef>
+        <a:buFont typeface="Arial" panose="020B0604020202020204" pitchFamily="34" charset="0"/>
+        <a:buChar char="•"/>
+        <a:defRPr sz="1800" kern="1200">
+          <a:solidFill>
+            <a:schemeClr val="tx1"/>
+          </a:solidFill>
+          <a:latin typeface="+mn-lt"/>
+          <a:ea typeface="+mn-ea"/>
+          <a:cs typeface="+mn-cs"/>
+        </a:defRPr>
+      </a:lvl8pPr>
+      <a:lvl9pPr marL="3886200" indent="-228600" algn="l" defTabSz="914400" rtl="0" eaLnBrk="1" latinLnBrk="0" hangingPunct="1">
+        <a:lnSpc>
+          <a:spcPct val="90000"/>
+        </a:lnSpc>
+        <a:spcBef>
+          <a:spcPts val="500"/>
+        </a:spcBef>
+        <a:buFont typeface="Arial" panose="020B0604020202020204" pitchFamily="34" charset="0"/>
+        <a:buChar char="•"/>
+        <a:defRPr sz="1800" kern="1200">
+          <a:solidFill>
+            <a:schemeClr val="tx1"/>
+          </a:solidFill>
+          <a:latin typeface="+mn-lt"/>
+          <a:ea typeface="+mn-ea"/>
+          <a:cs typeface="+mn-cs"/>
+        </a:defRPr>
+      </a:lvl9pPr>
+    </p:bodyStyle>
+    <p:otherStyle>
+      <a:defPPr>
+        <a:defRPr lang="el-GR"/>
+      </a:defPPr>
+      <a:lvl1pPr marL="0" algn="l" defTabSz="914400" rtl="0" eaLnBrk="1" latinLnBrk="0" hangingPunct="1">
+        <a:defRPr sz="1800" kern="1200">
+          <a:solidFill>
+            <a:schemeClr val="tx1"/>
+          </a:solidFill>
+          <a:latin typeface="+mn-lt"/>
+          <a:ea typeface="+mn-ea"/>
+          <a:cs typeface="+mn-cs"/>
+        </a:defRPr>
+      </a:lvl1pPr>
+      <a:lvl2pPr marL="457200" algn="l" defTabSz="914400" rtl="0" eaLnBrk="1" latinLnBrk="0" hangingPunct="1">
+        <a:defRPr sz="1800" kern="1200">
+          <a:solidFill>
+            <a:schemeClr val="tx1"/>
+          </a:solidFill>
+          <a:latin typeface="+mn-lt"/>
+          <a:ea typeface="+mn-ea"/>
+          <a:cs typeface="+mn-cs"/>
+        </a:defRPr>
+      </a:lvl2pPr>
+      <a:lvl3pPr marL="914400" algn="l" defTabSz="914400" rtl="0" eaLnBrk="1" latinLnBrk="0" hangingPunct="1">
+        <a:defRPr sz="1800" kern="1200">
+          <a:solidFill>
+            <a:schemeClr val="tx1"/>
+          </a:solidFill>
+          <a:latin typeface="+mn-lt"/>
+          <a:ea typeface="+mn-ea"/>
+          <a:cs typeface="+mn-cs"/>
+        </a:defRPr>
+      </a:lvl3pPr>
+      <a:lvl4pPr marL="1371600" algn="l" defTabSz="914400" rtl="0" eaLnBrk="1" latinLnBrk="0" hangingPunct="1">
+        <a:defRPr sz="1800" kern="1200">
+          <a:solidFill>
+            <a:schemeClr val="tx1"/>
+          </a:solidFill>
+          <a:latin typeface="+mn-lt"/>
+          <a:ea typeface="+mn-ea"/>
+          <a:cs typeface="+mn-cs"/>
+        </a:defRPr>
+      </a:lvl4pPr>
+      <a:lvl5pPr marL="1828800" algn="l" defTabSz="914400" rtl="0" eaLnBrk="1" latinLnBrk="0" hangingPunct="1">
+        <a:defRPr sz="1800" kern="1200">
+          <a:solidFill>
+            <a:schemeClr val="tx1"/>
+          </a:solidFill>
+          <a:latin typeface="+mn-lt"/>
+          <a:ea typeface="+mn-ea"/>
+          <a:cs typeface="+mn-cs"/>
+        </a:defRPr>
+      </a:lvl5pPr>
+      <a:lvl6pPr marL="2286000" algn="l" defTabSz="914400" rtl="0" eaLnBrk="1" latinLnBrk="0" hangingPunct="1">
+        <a:defRPr sz="1800" kern="1200">
+          <a:solidFill>
+            <a:schemeClr val="tx1"/>
+          </a:solidFill>
+          <a:latin typeface="+mn-lt"/>
+          <a:ea typeface="+mn-ea"/>
+          <a:cs typeface="+mn-cs"/>
+        </a:defRPr>
+      </a:lvl6pPr>
+      <a:lvl7pPr marL="2743200" algn="l" defTabSz="914400" rtl="0" eaLnBrk="1" latinLnBrk="0" hangingPunct="1">
+        <a:defRPr sz="1800" kern="1200">
+          <a:solidFill>
+            <a:schemeClr val="tx1"/>
+          </a:solidFill>
+          <a:latin typeface="+mn-lt"/>
+          <a:ea typeface="+mn-ea"/>
+          <a:cs typeface="+mn-cs"/>
+        </a:defRPr>
+      </a:lvl7pPr>
+      <a:lvl8pPr marL="3200400" algn="l" defTabSz="914400" rtl="0" eaLnBrk="1" latinLnBrk="0" hangingPunct="1">
+        <a:defRPr sz="1800" kern="1200">
+          <a:solidFill>
+            <a:schemeClr val="tx1"/>
+          </a:solidFill>
+          <a:latin typeface="+mn-lt"/>
+          <a:ea typeface="+mn-ea"/>
+          <a:cs typeface="+mn-cs"/>
+        </a:defRPr>
+      </a:lvl8pPr>
+      <a:lvl9pPr marL="3657600" algn="l" defTabSz="914400" rtl="0" eaLnBrk="1" latinLnBrk="0" hangingPunct="1">
+        <a:defRPr sz="1800" kern="1200">
+          <a:solidFill>
+            <a:schemeClr val="tx1"/>
+          </a:solidFill>
+          <a:latin typeface="+mn-lt"/>
+          <a:ea typeface="+mn-ea"/>
+          <a:cs typeface="+mn-cs"/>
+        </a:defRPr>
+      </a:lvl9pPr>
+    </p:otherStyle>
+  </p:txStyles>
 </p:sldMaster>
 </file>
 
 <file path=ppt/slideMasters/slideMaster2.xml><?xml version="1.0" encoding="utf-8"?>
-<p:sldMaster xmlns:a="http://schemas.openxmlformats.org/drawingml/2006/main" xmlns:p="http://schemas.openxmlformats.org/presentationml/2006/main" xmlns:r="http://schemas.openxmlformats.org/officeDocument/2006/relationships" xmlns:p14="http://schemas.microsoft.com/office/powerpoint/2010/main" xmlns:p15="http://schemas.microsoft.com/office/powerpoint/2012/main" xmlns:mc="http://schemas.openxmlformats.org/markup-compatibility/2006">
+<p:sldMaster xmlns:a="http://schemas.openxmlformats.org/drawingml/2006/main" xmlns:r="http://schemas.openxmlformats.org/officeDocument/2006/relationships" xmlns:p="http://schemas.openxmlformats.org/presentationml/2006/main">
   <p:cSld>
     <p:bg>
       <p:bgPr>
         <a:solidFill>
-          <a:srgbClr val="ffffff"/>
+          <a:srgbClr val="FFFFFF"/>
         </a:solidFill>
+        <a:effectLst/>
       </p:bgPr>
     </p:bg>
     <p:spTree>
@@ -5030,7 +5547,7 @@
           </a:ln>
         </p:spPr>
         <p:txBody>
-          <a:bodyPr lIns="90000" rIns="90000" tIns="45000" bIns="45000" anchor="ctr">
+          <a:bodyPr lIns="90000" tIns="45000" rIns="90000" bIns="45000" anchor="ctr">
             <a:noAutofit/>
           </a:bodyPr>
           <a:lstStyle>
@@ -5039,7 +5556,7 @@
                 <a:spcPct val="100000"/>
               </a:lnSpc>
               <a:buNone/>
-              <a:defRPr b="0" lang="en-US" sz="1400" spc="-1" strike="noStrike">
+              <a:defRPr lang="en-US" sz="1400" b="0" strike="noStrike" spc="-1">
                 <a:latin typeface="Times New Roman"/>
               </a:defRPr>
             </a:lvl1pPr>
@@ -5052,14 +5569,11 @@
               <a:buNone/>
             </a:pPr>
             <a:r>
-              <a:rPr b="0" lang="en-US" sz="1400" spc="-1" strike="noStrike">
+              <a:rPr lang="en-US" sz="1400" b="0" strike="noStrike" spc="-1">
                 <a:latin typeface="Times New Roman"/>
               </a:rPr>
               <a:t>&lt;footer&gt;</a:t>
             </a:r>
-            <a:endParaRPr b="0" lang="en-US" sz="1400" spc="-1" strike="noStrike">
-              <a:latin typeface="Times New Roman"/>
-            </a:endParaRPr>
           </a:p>
         </p:txBody>
       </p:sp>
@@ -5087,7 +5601,7 @@
           </a:ln>
         </p:spPr>
         <p:txBody>
-          <a:bodyPr lIns="90000" rIns="90000" tIns="45000" bIns="45000" anchor="ctr">
+          <a:bodyPr lIns="90000" tIns="45000" rIns="90000" bIns="45000" anchor="ctr">
             <a:noAutofit/>
           </a:bodyPr>
           <a:lstStyle>
@@ -5096,9 +5610,9 @@
                 <a:spcPct val="100000"/>
               </a:lnSpc>
               <a:buNone/>
-              <a:defRPr b="0" lang="el-GR" sz="1200" spc="-1" strike="noStrike">
-                <a:solidFill>
-                  <a:srgbClr val="8b8b8b"/>
+              <a:defRPr lang="el-GR" sz="1200" b="0" strike="noStrike" spc="-1">
+                <a:solidFill>
+                  <a:srgbClr val="8B8B8B"/>
                 </a:solidFill>
                 <a:latin typeface="Calibri"/>
               </a:defRPr>
@@ -5112,15 +5626,15 @@
               <a:buNone/>
             </a:pPr>
             <a:fld id="{9AFC6FE9-1C5A-4C6D-B533-8BCBC015E6CF}" type="slidenum">
-              <a:rPr b="0" lang="el-GR" sz="1200" spc="-1" strike="noStrike">
-                <a:solidFill>
-                  <a:srgbClr val="8b8b8b"/>
+              <a:rPr lang="el-GR" sz="1200" b="0" strike="noStrike" spc="-1">
+                <a:solidFill>
+                  <a:srgbClr val="8B8B8B"/>
                 </a:solidFill>
                 <a:latin typeface="Calibri"/>
               </a:rPr>
-              <a:t>&lt;number&gt;</a:t>
+              <a:t>‹#›</a:t>
             </a:fld>
-            <a:endParaRPr b="0" lang="en-US" sz="1200" spc="-1" strike="noStrike">
+            <a:endParaRPr lang="en-US" sz="1200" b="0" strike="noStrike" spc="-1">
               <a:latin typeface="Times New Roman"/>
             </a:endParaRPr>
           </a:p>
@@ -5150,26 +5664,23 @@
           </a:ln>
         </p:spPr>
         <p:txBody>
-          <a:bodyPr lIns="90000" rIns="90000" tIns="45000" bIns="45000" anchor="ctr">
+          <a:bodyPr lIns="90000" tIns="45000" rIns="90000" bIns="45000" anchor="ctr">
             <a:noAutofit/>
           </a:bodyPr>
           <a:lstStyle>
             <a:lvl1pPr>
-              <a:defRPr b="0" lang="en-US" sz="1400" spc="-1" strike="noStrike">
+              <a:defRPr lang="en-US" sz="1400" b="0" strike="noStrike" spc="-1">
                 <a:latin typeface="Times New Roman"/>
               </a:defRPr>
             </a:lvl1pPr>
           </a:lstStyle>
           <a:p>
             <a:r>
-              <a:rPr b="0" lang="en-US" sz="1400" spc="-1" strike="noStrike">
+              <a:rPr lang="en-US" sz="1400" b="0" strike="noStrike" spc="-1">
                 <a:latin typeface="Times New Roman"/>
               </a:rPr>
               <a:t>&lt;date/time&gt;</a:t>
             </a:r>
-            <a:endParaRPr b="0" lang="en-US" sz="1400" spc="-1" strike="noStrike">
-              <a:latin typeface="Times New Roman"/>
-            </a:endParaRPr>
           </a:p>
         </p:txBody>
       </p:sp>
@@ -5197,22 +5708,20 @@
           </a:ln>
         </p:spPr>
         <p:txBody>
-          <a:bodyPr lIns="0" rIns="0" tIns="0" bIns="0" anchor="ctr">
+          <a:bodyPr lIns="0" tIns="0" rIns="0" bIns="0" anchor="ctr">
             <a:noAutofit/>
           </a:bodyPr>
+          <a:lstStyle/>
           <a:p>
             <a:pPr algn="ctr">
               <a:buNone/>
             </a:pPr>
             <a:r>
-              <a:rPr b="0" lang="en-US" sz="4400" spc="-1" strike="noStrike">
+              <a:rPr lang="en-US" sz="4400" b="0" strike="noStrike" spc="-1">
                 <a:latin typeface="Arial"/>
               </a:rPr>
               <a:t>Click to edit the title text format</a:t>
             </a:r>
-            <a:endParaRPr b="0" lang="en-US" sz="4400" spc="-1" strike="noStrike">
-              <a:latin typeface="Arial"/>
-            </a:endParaRPr>
           </a:p>
         </p:txBody>
       </p:sp>
@@ -5240,9 +5749,10 @@
           </a:ln>
         </p:spPr>
         <p:txBody>
-          <a:bodyPr lIns="0" rIns="0" tIns="0" bIns="0" anchor="t">
+          <a:bodyPr lIns="0" tIns="0" rIns="0" bIns="0" anchor="t">
             <a:normAutofit/>
           </a:bodyPr>
+          <a:lstStyle/>
           <a:p>
             <a:pPr marL="432000" indent="-324000">
               <a:spcBef>
@@ -5256,17 +5766,14 @@
               <a:buChar char=""/>
             </a:pPr>
             <a:r>
-              <a:rPr b="0" lang="en-US" sz="3200" spc="-1" strike="noStrike">
+              <a:rPr lang="en-US" sz="3200" b="0" strike="noStrike" spc="-1">
                 <a:latin typeface="Arial"/>
               </a:rPr>
               <a:t>Click to edit the outline text format</a:t>
             </a:r>
-            <a:endParaRPr b="0" lang="en-US" sz="3200" spc="-1" strike="noStrike">
-              <a:latin typeface="Arial"/>
-            </a:endParaRPr>
-          </a:p>
-          <a:p>
-            <a:pPr lvl="1" marL="864000" indent="-324000">
+          </a:p>
+          <a:p>
+            <a:pPr marL="864000" lvl="1" indent="-324000">
               <a:spcBef>
                 <a:spcPts val="1134"/>
               </a:spcBef>
@@ -5278,17 +5785,14 @@
               <a:buChar char=""/>
             </a:pPr>
             <a:r>
-              <a:rPr b="0" lang="en-US" sz="2800" spc="-1" strike="noStrike">
+              <a:rPr lang="en-US" sz="2800" b="0" strike="noStrike" spc="-1">
                 <a:latin typeface="Arial"/>
               </a:rPr>
               <a:t>Second Outline Level</a:t>
             </a:r>
-            <a:endParaRPr b="0" lang="en-US" sz="2800" spc="-1" strike="noStrike">
-              <a:latin typeface="Arial"/>
-            </a:endParaRPr>
-          </a:p>
-          <a:p>
-            <a:pPr lvl="2" marL="1296000" indent="-288000">
+          </a:p>
+          <a:p>
+            <a:pPr marL="1296000" lvl="2" indent="-288000">
               <a:spcBef>
                 <a:spcPts val="850"/>
               </a:spcBef>
@@ -5300,17 +5804,14 @@
               <a:buChar char=""/>
             </a:pPr>
             <a:r>
-              <a:rPr b="0" lang="en-US" sz="2400" spc="-1" strike="noStrike">
+              <a:rPr lang="en-US" sz="2400" b="0" strike="noStrike" spc="-1">
                 <a:latin typeface="Arial"/>
               </a:rPr>
               <a:t>Third Outline Level</a:t>
             </a:r>
-            <a:endParaRPr b="0" lang="en-US" sz="2400" spc="-1" strike="noStrike">
-              <a:latin typeface="Arial"/>
-            </a:endParaRPr>
-          </a:p>
-          <a:p>
-            <a:pPr lvl="3" marL="1728000" indent="-216000">
+          </a:p>
+          <a:p>
+            <a:pPr marL="1728000" lvl="3" indent="-216000">
               <a:spcBef>
                 <a:spcPts val="567"/>
               </a:spcBef>
@@ -5322,17 +5823,14 @@
               <a:buChar char=""/>
             </a:pPr>
             <a:r>
-              <a:rPr b="0" lang="en-US" sz="2000" spc="-1" strike="noStrike">
+              <a:rPr lang="en-US" sz="2000" b="0" strike="noStrike" spc="-1">
                 <a:latin typeface="Arial"/>
               </a:rPr>
               <a:t>Fourth Outline Level</a:t>
             </a:r>
-            <a:endParaRPr b="0" lang="en-US" sz="2000" spc="-1" strike="noStrike">
-              <a:latin typeface="Arial"/>
-            </a:endParaRPr>
-          </a:p>
-          <a:p>
-            <a:pPr lvl="4" marL="2160000" indent="-216000">
+          </a:p>
+          <a:p>
+            <a:pPr marL="2160000" lvl="4" indent="-216000">
               <a:spcBef>
                 <a:spcPts val="283"/>
               </a:spcBef>
@@ -5344,17 +5842,14 @@
               <a:buChar char=""/>
             </a:pPr>
             <a:r>
-              <a:rPr b="0" lang="en-US" sz="2000" spc="-1" strike="noStrike">
+              <a:rPr lang="en-US" sz="2000" b="0" strike="noStrike" spc="-1">
                 <a:latin typeface="Arial"/>
               </a:rPr>
               <a:t>Fifth Outline Level</a:t>
             </a:r>
-            <a:endParaRPr b="0" lang="en-US" sz="2000" spc="-1" strike="noStrike">
-              <a:latin typeface="Arial"/>
-            </a:endParaRPr>
-          </a:p>
-          <a:p>
-            <a:pPr lvl="5" marL="2592000" indent="-216000">
+          </a:p>
+          <a:p>
+            <a:pPr marL="2592000" lvl="5" indent="-216000">
               <a:spcBef>
                 <a:spcPts val="283"/>
               </a:spcBef>
@@ -5366,17 +5861,14 @@
               <a:buChar char=""/>
             </a:pPr>
             <a:r>
-              <a:rPr b="0" lang="en-US" sz="2000" spc="-1" strike="noStrike">
+              <a:rPr lang="en-US" sz="2000" b="0" strike="noStrike" spc="-1">
                 <a:latin typeface="Arial"/>
               </a:rPr>
               <a:t>Sixth Outline Level</a:t>
             </a:r>
-            <a:endParaRPr b="0" lang="en-US" sz="2000" spc="-1" strike="noStrike">
-              <a:latin typeface="Arial"/>
-            </a:endParaRPr>
-          </a:p>
-          <a:p>
-            <a:pPr lvl="6" marL="3024000" indent="-216000">
+          </a:p>
+          <a:p>
+            <a:pPr marL="3024000" lvl="6" indent="-216000">
               <a:spcBef>
                 <a:spcPts val="283"/>
               </a:spcBef>
@@ -5388,39 +5880,316 @@
               <a:buChar char=""/>
             </a:pPr>
             <a:r>
-              <a:rPr b="0" lang="en-US" sz="2000" spc="-1" strike="noStrike">
+              <a:rPr lang="en-US" sz="2000" b="0" strike="noStrike" spc="-1">
                 <a:latin typeface="Arial"/>
               </a:rPr>
               <a:t>Seventh Outline Level</a:t>
             </a:r>
-            <a:endParaRPr b="0" lang="en-US" sz="2000" spc="-1" strike="noStrike">
-              <a:latin typeface="Arial"/>
-            </a:endParaRPr>
           </a:p>
         </p:txBody>
       </p:sp>
     </p:spTree>
   </p:cSld>
-  <p:clrMap bg1="lt1" bg2="lt2" tx1="dk1" tx2="dk2" accent1="accent1" accent2="accent2" accent3="accent3" accent4="accent4" accent5="accent5" accent6="accent6" hlink="hlink" folHlink="folHlink"/>
+  <p:clrMap bg1="lt1" tx1="dk1" bg2="lt2" tx2="dk2" accent1="accent1" accent2="accent2" accent3="accent3" accent4="accent4" accent5="accent5" accent6="accent6" hlink="hlink" folHlink="folHlink"/>
   <p:sldLayoutIdLst>
-    <p:sldLayoutId id="2147483662" r:id="rId2"/>
-    <p:sldLayoutId id="2147483663" r:id="rId3"/>
-    <p:sldLayoutId id="2147483664" r:id="rId4"/>
-    <p:sldLayoutId id="2147483665" r:id="rId5"/>
-    <p:sldLayoutId id="2147483666" r:id="rId6"/>
-    <p:sldLayoutId id="2147483667" r:id="rId7"/>
-    <p:sldLayoutId id="2147483668" r:id="rId8"/>
-    <p:sldLayoutId id="2147483669" r:id="rId9"/>
-    <p:sldLayoutId id="2147483670" r:id="rId10"/>
-    <p:sldLayoutId id="2147483671" r:id="rId11"/>
-    <p:sldLayoutId id="2147483672" r:id="rId12"/>
-    <p:sldLayoutId id="2147483673" r:id="rId13"/>
+    <p:sldLayoutId id="2147483662" r:id="rId1"/>
+    <p:sldLayoutId id="2147483663" r:id="rId2"/>
+    <p:sldLayoutId id="2147483664" r:id="rId3"/>
+    <p:sldLayoutId id="2147483665" r:id="rId4"/>
+    <p:sldLayoutId id="2147483666" r:id="rId5"/>
+    <p:sldLayoutId id="2147483667" r:id="rId6"/>
+    <p:sldLayoutId id="2147483668" r:id="rId7"/>
+    <p:sldLayoutId id="2147483669" r:id="rId8"/>
+    <p:sldLayoutId id="2147483670" r:id="rId9"/>
+    <p:sldLayoutId id="2147483671" r:id="rId10"/>
+    <p:sldLayoutId id="2147483672" r:id="rId11"/>
+    <p:sldLayoutId id="2147483673" r:id="rId12"/>
   </p:sldLayoutIdLst>
+  <p:txStyles>
+    <p:titleStyle>
+      <a:lvl1pPr algn="l" defTabSz="914400" rtl="0" eaLnBrk="1" latinLnBrk="0" hangingPunct="1">
+        <a:lnSpc>
+          <a:spcPct val="90000"/>
+        </a:lnSpc>
+        <a:spcBef>
+          <a:spcPct val="0"/>
+        </a:spcBef>
+        <a:buNone/>
+        <a:defRPr sz="4400" kern="1200">
+          <a:solidFill>
+            <a:schemeClr val="tx1"/>
+          </a:solidFill>
+          <a:latin typeface="+mj-lt"/>
+          <a:ea typeface="+mj-ea"/>
+          <a:cs typeface="+mj-cs"/>
+        </a:defRPr>
+      </a:lvl1pPr>
+    </p:titleStyle>
+    <p:bodyStyle>
+      <a:lvl1pPr marL="228600" indent="-228600" algn="l" defTabSz="914400" rtl="0" eaLnBrk="1" latinLnBrk="0" hangingPunct="1">
+        <a:lnSpc>
+          <a:spcPct val="90000"/>
+        </a:lnSpc>
+        <a:spcBef>
+          <a:spcPts val="1000"/>
+        </a:spcBef>
+        <a:buFont typeface="Arial" panose="020B0604020202020204" pitchFamily="34" charset="0"/>
+        <a:buChar char="•"/>
+        <a:defRPr sz="2800" kern="1200">
+          <a:solidFill>
+            <a:schemeClr val="tx1"/>
+          </a:solidFill>
+          <a:latin typeface="+mn-lt"/>
+          <a:ea typeface="+mn-ea"/>
+          <a:cs typeface="+mn-cs"/>
+        </a:defRPr>
+      </a:lvl1pPr>
+      <a:lvl2pPr marL="685800" indent="-228600" algn="l" defTabSz="914400" rtl="0" eaLnBrk="1" latinLnBrk="0" hangingPunct="1">
+        <a:lnSpc>
+          <a:spcPct val="90000"/>
+        </a:lnSpc>
+        <a:spcBef>
+          <a:spcPts val="500"/>
+        </a:spcBef>
+        <a:buFont typeface="Arial" panose="020B0604020202020204" pitchFamily="34" charset="0"/>
+        <a:buChar char="•"/>
+        <a:defRPr sz="2400" kern="1200">
+          <a:solidFill>
+            <a:schemeClr val="tx1"/>
+          </a:solidFill>
+          <a:latin typeface="+mn-lt"/>
+          <a:ea typeface="+mn-ea"/>
+          <a:cs typeface="+mn-cs"/>
+        </a:defRPr>
+      </a:lvl2pPr>
+      <a:lvl3pPr marL="1143000" indent="-228600" algn="l" defTabSz="914400" rtl="0" eaLnBrk="1" latinLnBrk="0" hangingPunct="1">
+        <a:lnSpc>
+          <a:spcPct val="90000"/>
+        </a:lnSpc>
+        <a:spcBef>
+          <a:spcPts val="500"/>
+        </a:spcBef>
+        <a:buFont typeface="Arial" panose="020B0604020202020204" pitchFamily="34" charset="0"/>
+        <a:buChar char="•"/>
+        <a:defRPr sz="2000" kern="1200">
+          <a:solidFill>
+            <a:schemeClr val="tx1"/>
+          </a:solidFill>
+          <a:latin typeface="+mn-lt"/>
+          <a:ea typeface="+mn-ea"/>
+          <a:cs typeface="+mn-cs"/>
+        </a:defRPr>
+      </a:lvl3pPr>
+      <a:lvl4pPr marL="1600200" indent="-228600" algn="l" defTabSz="914400" rtl="0" eaLnBrk="1" latinLnBrk="0" hangingPunct="1">
+        <a:lnSpc>
+          <a:spcPct val="90000"/>
+        </a:lnSpc>
+        <a:spcBef>
+          <a:spcPts val="500"/>
+        </a:spcBef>
+        <a:buFont typeface="Arial" panose="020B0604020202020204" pitchFamily="34" charset="0"/>
+        <a:buChar char="•"/>
+        <a:defRPr sz="1800" kern="1200">
+          <a:solidFill>
+            <a:schemeClr val="tx1"/>
+          </a:solidFill>
+          <a:latin typeface="+mn-lt"/>
+          <a:ea typeface="+mn-ea"/>
+          <a:cs typeface="+mn-cs"/>
+        </a:defRPr>
+      </a:lvl4pPr>
+      <a:lvl5pPr marL="2057400" indent="-228600" algn="l" defTabSz="914400" rtl="0" eaLnBrk="1" latinLnBrk="0" hangingPunct="1">
+        <a:lnSpc>
+          <a:spcPct val="90000"/>
+        </a:lnSpc>
+        <a:spcBef>
+          <a:spcPts val="500"/>
+        </a:spcBef>
+        <a:buFont typeface="Arial" panose="020B0604020202020204" pitchFamily="34" charset="0"/>
+        <a:buChar char="•"/>
+        <a:defRPr sz="1800" kern="1200">
+          <a:solidFill>
+            <a:schemeClr val="tx1"/>
+          </a:solidFill>
+          <a:latin typeface="+mn-lt"/>
+          <a:ea typeface="+mn-ea"/>
+          <a:cs typeface="+mn-cs"/>
+        </a:defRPr>
+      </a:lvl5pPr>
+      <a:lvl6pPr marL="2514600" indent="-228600" algn="l" defTabSz="914400" rtl="0" eaLnBrk="1" latinLnBrk="0" hangingPunct="1">
+        <a:lnSpc>
+          <a:spcPct val="90000"/>
+        </a:lnSpc>
+        <a:spcBef>
+          <a:spcPts val="500"/>
+        </a:spcBef>
+        <a:buFont typeface="Arial" panose="020B0604020202020204" pitchFamily="34" charset="0"/>
+        <a:buChar char="•"/>
+        <a:defRPr sz="1800" kern="1200">
+          <a:solidFill>
+            <a:schemeClr val="tx1"/>
+          </a:solidFill>
+          <a:latin typeface="+mn-lt"/>
+          <a:ea typeface="+mn-ea"/>
+          <a:cs typeface="+mn-cs"/>
+        </a:defRPr>
+      </a:lvl6pPr>
+      <a:lvl7pPr marL="2971800" indent="-228600" algn="l" defTabSz="914400" rtl="0" eaLnBrk="1" latinLnBrk="0" hangingPunct="1">
+        <a:lnSpc>
+          <a:spcPct val="90000"/>
+        </a:lnSpc>
+        <a:spcBef>
+          <a:spcPts val="500"/>
+        </a:spcBef>
+        <a:buFont typeface="Arial" panose="020B0604020202020204" pitchFamily="34" charset="0"/>
+        <a:buChar char="•"/>
+        <a:defRPr sz="1800" kern="1200">
+          <a:solidFill>
+            <a:schemeClr val="tx1"/>
+          </a:solidFill>
+          <a:latin typeface="+mn-lt"/>
+          <a:ea typeface="+mn-ea"/>
+          <a:cs typeface="+mn-cs"/>
+        </a:defRPr>
+      </a:lvl7pPr>
+      <a:lvl8pPr marL="3429000" indent="-228600" algn="l" defTabSz="914400" rtl="0" eaLnBrk="1" latinLnBrk="0" hangingPunct="1">
+        <a:lnSpc>
+          <a:spcPct val="90000"/>
+        </a:lnSpc>
+        <a:spcBef>
+          <a:spcPts val="500"/>
+        </a:spcBef>
+        <a:buFont typeface="Arial" panose="020B0604020202020204" pitchFamily="34" charset="0"/>
+        <a:buChar char="•"/>
+        <a:defRPr sz="1800" kern="1200">
+          <a:solidFill>
+            <a:schemeClr val="tx1"/>
+          </a:solidFill>
+          <a:latin typeface="+mn-lt"/>
+          <a:ea typeface="+mn-ea"/>
+          <a:cs typeface="+mn-cs"/>
+        </a:defRPr>
+      </a:lvl8pPr>
+      <a:lvl9pPr marL="3886200" indent="-228600" algn="l" defTabSz="914400" rtl="0" eaLnBrk="1" latinLnBrk="0" hangingPunct="1">
+        <a:lnSpc>
+          <a:spcPct val="90000"/>
+        </a:lnSpc>
+        <a:spcBef>
+          <a:spcPts val="500"/>
+        </a:spcBef>
+        <a:buFont typeface="Arial" panose="020B0604020202020204" pitchFamily="34" charset="0"/>
+        <a:buChar char="•"/>
+        <a:defRPr sz="1800" kern="1200">
+          <a:solidFill>
+            <a:schemeClr val="tx1"/>
+          </a:solidFill>
+          <a:latin typeface="+mn-lt"/>
+          <a:ea typeface="+mn-ea"/>
+          <a:cs typeface="+mn-cs"/>
+        </a:defRPr>
+      </a:lvl9pPr>
+    </p:bodyStyle>
+    <p:otherStyle>
+      <a:defPPr>
+        <a:defRPr lang="el-GR"/>
+      </a:defPPr>
+      <a:lvl1pPr marL="0" algn="l" defTabSz="914400" rtl="0" eaLnBrk="1" latinLnBrk="0" hangingPunct="1">
+        <a:defRPr sz="1800" kern="1200">
+          <a:solidFill>
+            <a:schemeClr val="tx1"/>
+          </a:solidFill>
+          <a:latin typeface="+mn-lt"/>
+          <a:ea typeface="+mn-ea"/>
+          <a:cs typeface="+mn-cs"/>
+        </a:defRPr>
+      </a:lvl1pPr>
+      <a:lvl2pPr marL="457200" algn="l" defTabSz="914400" rtl="0" eaLnBrk="1" latinLnBrk="0" hangingPunct="1">
+        <a:defRPr sz="1800" kern="1200">
+          <a:solidFill>
+            <a:schemeClr val="tx1"/>
+          </a:solidFill>
+          <a:latin typeface="+mn-lt"/>
+          <a:ea typeface="+mn-ea"/>
+          <a:cs typeface="+mn-cs"/>
+        </a:defRPr>
+      </a:lvl2pPr>
+      <a:lvl3pPr marL="914400" algn="l" defTabSz="914400" rtl="0" eaLnBrk="1" latinLnBrk="0" hangingPunct="1">
+        <a:defRPr sz="1800" kern="1200">
+          <a:solidFill>
+            <a:schemeClr val="tx1"/>
+          </a:solidFill>
+          <a:latin typeface="+mn-lt"/>
+          <a:ea typeface="+mn-ea"/>
+          <a:cs typeface="+mn-cs"/>
+        </a:defRPr>
+      </a:lvl3pPr>
+      <a:lvl4pPr marL="1371600" algn="l" defTabSz="914400" rtl="0" eaLnBrk="1" latinLnBrk="0" hangingPunct="1">
+        <a:defRPr sz="1800" kern="1200">
+          <a:solidFill>
+            <a:schemeClr val="tx1"/>
+          </a:solidFill>
+          <a:latin typeface="+mn-lt"/>
+          <a:ea typeface="+mn-ea"/>
+          <a:cs typeface="+mn-cs"/>
+        </a:defRPr>
+      </a:lvl4pPr>
+      <a:lvl5pPr marL="1828800" algn="l" defTabSz="914400" rtl="0" eaLnBrk="1" latinLnBrk="0" hangingPunct="1">
+        <a:defRPr sz="1800" kern="1200">
+          <a:solidFill>
+            <a:schemeClr val="tx1"/>
+          </a:solidFill>
+          <a:latin typeface="+mn-lt"/>
+          <a:ea typeface="+mn-ea"/>
+          <a:cs typeface="+mn-cs"/>
+        </a:defRPr>
+      </a:lvl5pPr>
+      <a:lvl6pPr marL="2286000" algn="l" defTabSz="914400" rtl="0" eaLnBrk="1" latinLnBrk="0" hangingPunct="1">
+        <a:defRPr sz="1800" kern="1200">
+          <a:solidFill>
+            <a:schemeClr val="tx1"/>
+          </a:solidFill>
+          <a:latin typeface="+mn-lt"/>
+          <a:ea typeface="+mn-ea"/>
+          <a:cs typeface="+mn-cs"/>
+        </a:defRPr>
+      </a:lvl6pPr>
+      <a:lvl7pPr marL="2743200" algn="l" defTabSz="914400" rtl="0" eaLnBrk="1" latinLnBrk="0" hangingPunct="1">
+        <a:defRPr sz="1800" kern="1200">
+          <a:solidFill>
+            <a:schemeClr val="tx1"/>
+          </a:solidFill>
+          <a:latin typeface="+mn-lt"/>
+          <a:ea typeface="+mn-ea"/>
+          <a:cs typeface="+mn-cs"/>
+        </a:defRPr>
+      </a:lvl7pPr>
+      <a:lvl8pPr marL="3200400" algn="l" defTabSz="914400" rtl="0" eaLnBrk="1" latinLnBrk="0" hangingPunct="1">
+        <a:defRPr sz="1800" kern="1200">
+          <a:solidFill>
+            <a:schemeClr val="tx1"/>
+          </a:solidFill>
+          <a:latin typeface="+mn-lt"/>
+          <a:ea typeface="+mn-ea"/>
+          <a:cs typeface="+mn-cs"/>
+        </a:defRPr>
+      </a:lvl8pPr>
+      <a:lvl9pPr marL="3657600" algn="l" defTabSz="914400" rtl="0" eaLnBrk="1" latinLnBrk="0" hangingPunct="1">
+        <a:defRPr sz="1800" kern="1200">
+          <a:solidFill>
+            <a:schemeClr val="tx1"/>
+          </a:solidFill>
+          <a:latin typeface="+mn-lt"/>
+          <a:ea typeface="+mn-ea"/>
+          <a:cs typeface="+mn-cs"/>
+        </a:defRPr>
+      </a:lvl9pPr>
+    </p:otherStyle>
+  </p:txStyles>
 </p:sldMaster>
 </file>
 
 <file path=ppt/slides/slide1.xml><?xml version="1.0" encoding="utf-8"?>
-<p:sld xmlns:a="http://schemas.openxmlformats.org/drawingml/2006/main" xmlns:p="http://schemas.openxmlformats.org/presentationml/2006/main" xmlns:r="http://schemas.openxmlformats.org/officeDocument/2006/relationships" xmlns:p14="http://schemas.microsoft.com/office/powerpoint/2010/main" xmlns:p15="http://schemas.microsoft.com/office/powerpoint/2012/main" xmlns:mc="http://schemas.openxmlformats.org/markup-compatibility/2006">
+<p:sld xmlns:a="http://schemas.openxmlformats.org/drawingml/2006/main" xmlns:r="http://schemas.openxmlformats.org/officeDocument/2006/relationships" xmlns:p="http://schemas.openxmlformats.org/presentationml/2006/main">
   <p:cSld>
     <p:spTree>
       <p:nvGrpSpPr>
@@ -5457,8 +6226,8 @@
             <p:nvPr/>
           </p:nvPicPr>
           <p:blipFill>
-            <a:blip r:embed="rId1"/>
-            <a:srcRect l="0" t="0" r="0" b="24860"/>
+            <a:blip r:embed="rId2"/>
+            <a:srcRect b="24860"/>
             <a:stretch/>
           </p:blipFill>
           <p:spPr>
@@ -5494,15 +6263,22 @@
             </a:ln>
           </p:spPr>
           <p:style>
-            <a:lnRef idx="0"/>
-            <a:fillRef idx="0"/>
-            <a:effectRef idx="0"/>
+            <a:lnRef idx="0">
+              <a:scrgbClr r="0" g="0" b="0"/>
+            </a:lnRef>
+            <a:fillRef idx="0">
+              <a:scrgbClr r="0" g="0" b="0"/>
+            </a:fillRef>
+            <a:effectRef idx="0">
+              <a:scrgbClr r="0" g="0" b="0"/>
+            </a:effectRef>
             <a:fontRef idx="minor"/>
           </p:style>
           <p:txBody>
-            <a:bodyPr lIns="90000" rIns="90000" tIns="45000" bIns="45000" anchor="t">
+            <a:bodyPr lIns="90000" tIns="45000" rIns="90000" bIns="45000" anchor="t">
               <a:spAutoFit/>
             </a:bodyPr>
+            <a:lstStyle/>
             <a:p>
               <a:pPr>
                 <a:lnSpc>
@@ -5511,7 +6287,7 @@
                 <a:buNone/>
               </a:pPr>
               <a:r>
-                <a:rPr b="0" lang="en-US" sz="3600" spc="-1" strike="noStrike">
+                <a:rPr lang="en-US" sz="3600" b="0" strike="noStrike" spc="-1">
                   <a:solidFill>
                     <a:srgbClr val="000000"/>
                   </a:solidFill>
@@ -5520,7 +6296,7 @@
                 </a:rPr>
                 <a:t>Democritus </a:t>
               </a:r>
-              <a:endParaRPr b="0" lang="en-US" sz="3600" spc="-1" strike="noStrike">
+              <a:endParaRPr lang="en-US" sz="3600" b="0" strike="noStrike" spc="-1">
                 <a:latin typeface="Arial"/>
               </a:endParaRPr>
             </a:p>
@@ -5532,7 +6308,7 @@
                 <a:buNone/>
               </a:pPr>
               <a:r>
-                <a:rPr b="0" lang="en-US" sz="3600" spc="-1" strike="noStrike">
+                <a:rPr lang="en-US" sz="3600" b="0" strike="noStrike" spc="-1">
                   <a:solidFill>
                     <a:srgbClr val="000000"/>
                   </a:solidFill>
@@ -5541,7 +6317,7 @@
                 </a:rPr>
                 <a:t>University </a:t>
               </a:r>
-              <a:endParaRPr b="0" lang="en-US" sz="3600" spc="-1" strike="noStrike">
+              <a:endParaRPr lang="en-US" sz="3600" b="0" strike="noStrike" spc="-1">
                 <a:latin typeface="Arial"/>
               </a:endParaRPr>
             </a:p>
@@ -5553,7 +6329,7 @@
                 <a:buNone/>
               </a:pPr>
               <a:r>
-                <a:rPr b="0" lang="en-US" sz="3600" spc="-1" strike="noStrike">
+                <a:rPr lang="en-US" sz="3600" b="0" strike="noStrike" spc="-1">
                   <a:solidFill>
                     <a:srgbClr val="000000"/>
                   </a:solidFill>
@@ -5562,7 +6338,7 @@
                 </a:rPr>
                 <a:t>Of</a:t>
               </a:r>
-              <a:endParaRPr b="0" lang="en-US" sz="3600" spc="-1" strike="noStrike">
+              <a:endParaRPr lang="en-US" sz="3600" b="0" strike="noStrike" spc="-1">
                 <a:latin typeface="Arial"/>
               </a:endParaRPr>
             </a:p>
@@ -5574,7 +6350,7 @@
                 <a:buNone/>
               </a:pPr>
               <a:r>
-                <a:rPr b="0" lang="en-US" sz="3600" spc="-1" strike="noStrike">
+                <a:rPr lang="en-US" sz="3600" b="0" strike="noStrike" spc="-1">
                   <a:solidFill>
                     <a:srgbClr val="000000"/>
                   </a:solidFill>
@@ -5583,7 +6359,7 @@
                 </a:rPr>
                 <a:t>Thrace</a:t>
               </a:r>
-              <a:endParaRPr b="0" lang="en-US" sz="3600" spc="-1" strike="noStrike">
+              <a:endParaRPr lang="en-US" sz="3600" b="0" strike="noStrike" spc="-1">
                 <a:latin typeface="Arial"/>
               </a:endParaRPr>
             </a:p>
@@ -5592,19 +6368,14 @@
       </p:grpSp>
     </p:spTree>
   </p:cSld>
-  <mc:AlternateContent>
-    <mc:Choice Requires="p14">
-      <p:transition spd="slow" p14:dur="2000"/>
-    </mc:Choice>
-    <mc:Fallback>
-      <p:transition spd="slow"/>
-    </mc:Fallback>
-  </mc:AlternateContent>
+  <p:clrMapOvr>
+    <a:masterClrMapping/>
+  </p:clrMapOvr>
 </p:sld>
 </file>
 
 <file path=ppt/slides/slide10.xml><?xml version="1.0" encoding="utf-8"?>
-<p:sld xmlns:a="http://schemas.openxmlformats.org/drawingml/2006/main" xmlns:p="http://schemas.openxmlformats.org/presentationml/2006/main" xmlns:r="http://schemas.openxmlformats.org/officeDocument/2006/relationships" xmlns:p14="http://schemas.microsoft.com/office/powerpoint/2010/main" xmlns:p15="http://schemas.microsoft.com/office/powerpoint/2012/main" xmlns:mc="http://schemas.openxmlformats.org/markup-compatibility/2006">
+<p:sld xmlns:a="http://schemas.openxmlformats.org/drawingml/2006/main" xmlns:r="http://schemas.openxmlformats.org/officeDocument/2006/relationships" xmlns:p="http://schemas.openxmlformats.org/presentationml/2006/main">
   <p:cSld>
     <p:spTree>
       <p:nvGrpSpPr>
@@ -5640,15 +6411,22 @@
           </a:ln>
         </p:spPr>
         <p:style>
-          <a:lnRef idx="0"/>
-          <a:fillRef idx="0"/>
-          <a:effectRef idx="0"/>
+          <a:lnRef idx="0">
+            <a:scrgbClr r="0" g="0" b="0"/>
+          </a:lnRef>
+          <a:fillRef idx="0">
+            <a:scrgbClr r="0" g="0" b="0"/>
+          </a:fillRef>
+          <a:effectRef idx="0">
+            <a:scrgbClr r="0" g="0" b="0"/>
+          </a:effectRef>
           <a:fontRef idx="minor"/>
         </p:style>
         <p:txBody>
-          <a:bodyPr lIns="90000" rIns="90000" tIns="45000" bIns="45000" anchor="t">
+          <a:bodyPr lIns="90000" tIns="45000" rIns="90000" bIns="45000" anchor="t">
             <a:spAutoFit/>
           </a:bodyPr>
+          <a:lstStyle/>
           <a:p>
             <a:pPr>
               <a:lnSpc>
@@ -5657,7 +6435,7 @@
               <a:buNone/>
             </a:pPr>
             <a:r>
-              <a:rPr b="0" lang="en-US" sz="1800" spc="-1" strike="noStrike">
+              <a:rPr lang="en-US" sz="1800" b="0" strike="noStrike" spc="-1">
                 <a:solidFill>
                   <a:srgbClr val="000000"/>
                 </a:solidFill>
@@ -5666,7 +6444,7 @@
               </a:rPr>
               <a:t>We created a working keystroke injection tool, commonly referred to as a BadUSB. </a:t>
             </a:r>
-            <a:endParaRPr b="0" lang="en-US" sz="1800" spc="-1" strike="noStrike">
+            <a:endParaRPr lang="en-US" sz="1800" b="0" strike="noStrike" spc="-1">
               <a:latin typeface="Arial"/>
             </a:endParaRPr>
           </a:p>
@@ -5678,7 +6456,7 @@
               <a:buNone/>
             </a:pPr>
             <a:r>
-              <a:rPr b="0" lang="en-US" sz="1800" spc="-1" strike="noStrike">
+              <a:rPr lang="en-US" sz="1800" b="0" strike="noStrike" spc="-1">
                 <a:solidFill>
                   <a:srgbClr val="000000"/>
                 </a:solidFill>
@@ -5687,7 +6465,7 @@
               </a:rPr>
               <a:t>Similar in functionality to the well-known USB Rubber Ducky by Hak5, it offers extensive capabilities at a lower cost and is fully open-source. </a:t>
             </a:r>
-            <a:endParaRPr b="0" lang="en-US" sz="1800" spc="-1" strike="noStrike">
+            <a:endParaRPr lang="en-US" sz="1800" b="0" strike="noStrike" spc="-1">
               <a:latin typeface="Arial"/>
             </a:endParaRPr>
           </a:p>
@@ -5699,7 +6477,7 @@
               <a:buNone/>
             </a:pPr>
             <a:r>
-              <a:rPr b="0" lang="en-US" sz="1800" spc="-1" strike="noStrike">
+              <a:rPr lang="en-US" sz="1800" b="0" strike="noStrike" spc="-1">
                 <a:solidFill>
                   <a:srgbClr val="000000"/>
                 </a:solidFill>
@@ -5708,7 +6486,7 @@
               </a:rPr>
               <a:t>Despite resembling a standard USB flash drive, it functions as a keyboard that executes a preprogrammed payload.</a:t>
             </a:r>
-            <a:endParaRPr b="0" lang="en-US" sz="1800" spc="-1" strike="noStrike">
+            <a:endParaRPr lang="en-US" sz="1800" b="0" strike="noStrike" spc="-1">
               <a:latin typeface="Arial"/>
             </a:endParaRPr>
           </a:p>
@@ -5720,7 +6498,7 @@
               <a:buNone/>
             </a:pPr>
             <a:r>
-              <a:rPr b="0" lang="en-US" sz="1800" spc="-1" strike="noStrike">
+              <a:rPr lang="en-US" sz="1800" b="0" strike="noStrike" spc="-1">
                 <a:solidFill>
                   <a:srgbClr val="000000"/>
                 </a:solidFill>
@@ -5730,7 +6508,7 @@
               <a:t>These types of devices, recognized as </a:t>
             </a:r>
             <a:r>
-              <a:rPr b="1" lang="en-US" sz="1800" spc="-1" strike="noStrike">
+              <a:rPr lang="en-US" sz="1800" b="1" strike="noStrike" spc="-1">
                 <a:solidFill>
                   <a:srgbClr val="000000"/>
                 </a:solidFill>
@@ -5740,7 +6518,7 @@
               <a:t>Human Interface Devices (HIDs)</a:t>
             </a:r>
             <a:r>
-              <a:rPr b="0" lang="en-US" sz="1800" spc="-1" strike="noStrike">
+              <a:rPr lang="en-US" sz="1800" b="0" strike="noStrike" spc="-1">
                 <a:solidFill>
                   <a:srgbClr val="000000"/>
                 </a:solidFill>
@@ -5749,7 +6527,7 @@
               </a:rPr>
               <a:t> by computers, are generally trusted by all systems without raising security flags. </a:t>
             </a:r>
-            <a:endParaRPr b="0" lang="en-US" sz="1800" spc="-1" strike="noStrike">
+            <a:endParaRPr lang="en-US" sz="1800" b="0" strike="noStrike" spc="-1">
               <a:latin typeface="Arial"/>
             </a:endParaRPr>
           </a:p>
@@ -5761,7 +6539,7 @@
               <a:buNone/>
             </a:pPr>
             <a:r>
-              <a:rPr b="0" lang="en-US" sz="1800" spc="-1" strike="noStrike">
+              <a:rPr lang="en-US" sz="1800" b="0" strike="noStrike" spc="-1">
                 <a:solidFill>
                   <a:srgbClr val="000000"/>
                 </a:solidFill>
@@ -5770,7 +6548,7 @@
               </a:rPr>
               <a:t>The payload can perform a range of tasks, from configuring network settings to installing a reverse shell, replicating the actions of an administrator in a terminal, but in just seconds. </a:t>
             </a:r>
-            <a:endParaRPr b="0" lang="en-US" sz="1800" spc="-1" strike="noStrike">
+            <a:endParaRPr lang="en-US" sz="1800" b="0" strike="noStrike" spc="-1">
               <a:latin typeface="Arial"/>
             </a:endParaRPr>
           </a:p>
@@ -5782,7 +6560,7 @@
               <a:buNone/>
             </a:pPr>
             <a:r>
-              <a:rPr b="0" lang="en-US" sz="1800" spc="-1" strike="noStrike">
+              <a:rPr lang="en-US" sz="1800" b="0" strike="noStrike" spc="-1">
                 <a:solidFill>
                   <a:srgbClr val="000000"/>
                 </a:solidFill>
@@ -5791,7 +6569,7 @@
               </a:rPr>
               <a:t>This makes the device a powerful tool for automating system administration tasks and an essential asset in penetration testing.</a:t>
             </a:r>
-            <a:endParaRPr b="0" lang="en-US" sz="1800" spc="-1" strike="noStrike">
+            <a:endParaRPr lang="en-US" sz="1800" b="0" strike="noStrike" spc="-1">
               <a:latin typeface="Arial"/>
             </a:endParaRPr>
           </a:p>
@@ -5817,15 +6595,22 @@
           </a:ln>
         </p:spPr>
         <p:style>
-          <a:lnRef idx="0"/>
-          <a:fillRef idx="0"/>
-          <a:effectRef idx="0"/>
+          <a:lnRef idx="0">
+            <a:scrgbClr r="0" g="0" b="0"/>
+          </a:lnRef>
+          <a:fillRef idx="0">
+            <a:scrgbClr r="0" g="0" b="0"/>
+          </a:fillRef>
+          <a:effectRef idx="0">
+            <a:scrgbClr r="0" g="0" b="0"/>
+          </a:effectRef>
           <a:fontRef idx="minor"/>
         </p:style>
         <p:txBody>
-          <a:bodyPr wrap="none" lIns="90000" rIns="90000" tIns="45000" bIns="45000" anchor="t">
+          <a:bodyPr wrap="none" lIns="90000" tIns="45000" rIns="90000" bIns="45000" anchor="t">
             <a:spAutoFit/>
           </a:bodyPr>
+          <a:lstStyle/>
           <a:p>
             <a:pPr>
               <a:lnSpc>
@@ -5834,7 +6619,7 @@
               <a:buNone/>
             </a:pPr>
             <a:r>
-              <a:rPr b="0" lang="en-US" sz="3600" spc="-1" strike="noStrike">
+              <a:rPr lang="en-US" sz="3600" b="0" strike="noStrike" spc="-1">
                 <a:solidFill>
                   <a:srgbClr val="000000"/>
                 </a:solidFill>
@@ -5843,7 +6628,7 @@
               </a:rPr>
               <a:t>BadUSB (rubber ducky)</a:t>
             </a:r>
-            <a:endParaRPr b="0" lang="en-US" sz="3600" spc="-1" strike="noStrike">
+            <a:endParaRPr lang="en-US" sz="3600" b="0" strike="noStrike" spc="-1">
               <a:latin typeface="Arial"/>
             </a:endParaRPr>
           </a:p>
@@ -5851,12 +6636,12 @@
       </p:sp>
       <p:pic>
         <p:nvPicPr>
-          <p:cNvPr id="126" name="Picture 7" descr=""/>
+          <p:cNvPr id="126" name="Picture 7"/>
           <p:cNvPicPr/>
           <p:nvPr/>
         </p:nvPicPr>
         <p:blipFill>
-          <a:blip r:embed="rId1"/>
+          <a:blip r:embed="rId2"/>
           <a:stretch/>
         </p:blipFill>
         <p:spPr>
@@ -5874,19 +6659,14 @@
       </p:pic>
     </p:spTree>
   </p:cSld>
-  <mc:AlternateContent>
-    <mc:Choice Requires="p14">
-      <p:transition spd="slow" p14:dur="2000"/>
-    </mc:Choice>
-    <mc:Fallback>
-      <p:transition spd="slow"/>
-    </mc:Fallback>
-  </mc:AlternateContent>
+  <p:clrMapOvr>
+    <a:masterClrMapping/>
+  </p:clrMapOvr>
 </p:sld>
 </file>
 
 <file path=ppt/slides/slide11.xml><?xml version="1.0" encoding="utf-8"?>
-<p:sld xmlns:a="http://schemas.openxmlformats.org/drawingml/2006/main" xmlns:p="http://schemas.openxmlformats.org/presentationml/2006/main" xmlns:r="http://schemas.openxmlformats.org/officeDocument/2006/relationships" xmlns:p14="http://schemas.microsoft.com/office/powerpoint/2010/main" xmlns:p15="http://schemas.microsoft.com/office/powerpoint/2012/main" xmlns:mc="http://schemas.openxmlformats.org/markup-compatibility/2006">
+<p:sld xmlns:a="http://schemas.openxmlformats.org/drawingml/2006/main" xmlns:r="http://schemas.openxmlformats.org/officeDocument/2006/relationships" xmlns:p="http://schemas.openxmlformats.org/presentationml/2006/main">
   <p:cSld>
     <p:spTree>
       <p:nvGrpSpPr>
@@ -5909,8 +6689,8 @@
           <p:nvPr/>
         </p:nvPicPr>
         <p:blipFill>
-          <a:blip r:embed="rId1"/>
-          <a:srcRect l="0" t="0" r="3348" b="0"/>
+          <a:blip r:embed="rId2"/>
+          <a:srcRect r="3348"/>
           <a:stretch/>
         </p:blipFill>
         <p:spPr>
@@ -5946,15 +6726,22 @@
           </a:ln>
         </p:spPr>
         <p:style>
-          <a:lnRef idx="0"/>
-          <a:fillRef idx="0"/>
-          <a:effectRef idx="0"/>
+          <a:lnRef idx="0">
+            <a:scrgbClr r="0" g="0" b="0"/>
+          </a:lnRef>
+          <a:fillRef idx="0">
+            <a:scrgbClr r="0" g="0" b="0"/>
+          </a:fillRef>
+          <a:effectRef idx="0">
+            <a:scrgbClr r="0" g="0" b="0"/>
+          </a:effectRef>
           <a:fontRef idx="minor"/>
         </p:style>
         <p:txBody>
-          <a:bodyPr lIns="90000" rIns="90000" tIns="45000" bIns="45000" anchor="t">
+          <a:bodyPr lIns="90000" tIns="45000" rIns="90000" bIns="45000" anchor="t">
             <a:spAutoFit/>
           </a:bodyPr>
+          <a:lstStyle/>
           <a:p>
             <a:pPr>
               <a:lnSpc>
@@ -5963,7 +6750,7 @@
               <a:buNone/>
             </a:pPr>
             <a:r>
-              <a:rPr b="0" lang="en-US" sz="1800" spc="-1" strike="noStrike">
+              <a:rPr lang="en-US" sz="1800" b="0" strike="noStrike" spc="-1">
                 <a:solidFill>
                   <a:srgbClr val="000000"/>
                 </a:solidFill>
@@ -5973,7 +6760,7 @@
               <a:t>This keystroke injection device operates using an </a:t>
             </a:r>
             <a:r>
-              <a:rPr b="1" lang="en-US" sz="1800" spc="-1" strike="noStrike">
+              <a:rPr lang="en-US" sz="1800" b="1" strike="noStrike" spc="-1">
                 <a:solidFill>
                   <a:srgbClr val="000000"/>
                 </a:solidFill>
@@ -5983,7 +6770,7 @@
               <a:t>STM32F072C8T6 microcontroller</a:t>
             </a:r>
             <a:r>
-              <a:rPr b="0" lang="en-US" sz="1800" spc="-1" strike="noStrike">
+              <a:rPr lang="en-US" sz="1800" b="0" strike="noStrike" spc="-1">
                 <a:solidFill>
                   <a:srgbClr val="000000"/>
                 </a:solidFill>
@@ -5992,7 +6779,7 @@
               </a:rPr>
               <a:t> along with a flash memory chip that emulates a mass storage device. </a:t>
             </a:r>
-            <a:endParaRPr b="0" lang="en-US" sz="1800" spc="-1" strike="noStrike">
+            <a:endParaRPr lang="en-US" sz="1800" b="0" strike="noStrike" spc="-1">
               <a:latin typeface="Arial"/>
             </a:endParaRPr>
           </a:p>
@@ -6008,7 +6795,7 @@
               <a:buAutoNum type="arabicPeriod"/>
             </a:pPr>
             <a:r>
-              <a:rPr b="0" lang="en-US" sz="1800" spc="-1" strike="noStrike">
+              <a:rPr lang="en-US" sz="1800" b="0" strike="noStrike" spc="-1">
                 <a:solidFill>
                   <a:srgbClr val="000000"/>
                 </a:solidFill>
@@ -6017,7 +6804,7 @@
               </a:rPr>
               <a:t>When the device is connected to a computer, the microcontroller boots and searches the FAT32-formatted storage (open-source) for a specific file containing the preprogrammed payload. </a:t>
             </a:r>
-            <a:endParaRPr b="0" lang="en-US" sz="1800" spc="-1" strike="noStrike">
+            <a:endParaRPr lang="en-US" sz="1800" b="0" strike="noStrike" spc="-1">
               <a:latin typeface="Arial"/>
             </a:endParaRPr>
           </a:p>
@@ -6033,7 +6820,7 @@
               <a:buAutoNum type="arabicPeriod"/>
             </a:pPr>
             <a:r>
-              <a:rPr b="0" lang="en-US" sz="1800" spc="-1" strike="noStrike">
+              <a:rPr lang="en-US" sz="1800" b="0" strike="noStrike" spc="-1">
                 <a:solidFill>
                   <a:srgbClr val="000000"/>
                 </a:solidFill>
@@ -6042,7 +6829,7 @@
               </a:rPr>
               <a:t>Once the file is located, the microcontroller decodes the instructions into simulated keyboard presses and mouse movements. </a:t>
             </a:r>
-            <a:endParaRPr b="0" lang="en-US" sz="1800" spc="-1" strike="noStrike">
+            <a:endParaRPr lang="en-US" sz="1800" b="0" strike="noStrike" spc="-1">
               <a:latin typeface="Arial"/>
             </a:endParaRPr>
           </a:p>
@@ -6058,7 +6845,7 @@
               <a:buAutoNum type="arabicPeriod"/>
             </a:pPr>
             <a:r>
-              <a:rPr b="0" lang="en-US" sz="1800" spc="-1" strike="noStrike">
+              <a:rPr lang="en-US" sz="1800" b="0" strike="noStrike" spc="-1">
                 <a:solidFill>
                   <a:srgbClr val="000000"/>
                 </a:solidFill>
@@ -6067,7 +6854,7 @@
               </a:rPr>
               <a:t>This allows the device to automate complex tasks by mimicking human input, making it a highly efficient tool for executing scripted commands quickly, reliably and covertly.</a:t>
             </a:r>
-            <a:endParaRPr b="0" lang="en-US" sz="1800" spc="-1" strike="noStrike">
+            <a:endParaRPr lang="en-US" sz="1800" b="0" strike="noStrike" spc="-1">
               <a:latin typeface="Arial"/>
             </a:endParaRPr>
           </a:p>
@@ -6075,19 +6862,14 @@
       </p:sp>
     </p:spTree>
   </p:cSld>
-  <mc:AlternateContent>
-    <mc:Choice Requires="p14">
-      <p:transition spd="slow" p14:dur="2000"/>
-    </mc:Choice>
-    <mc:Fallback>
-      <p:transition spd="slow"/>
-    </mc:Fallback>
-  </mc:AlternateContent>
+  <p:clrMapOvr>
+    <a:masterClrMapping/>
+  </p:clrMapOvr>
 </p:sld>
 </file>
 
 <file path=ppt/slides/slide12.xml><?xml version="1.0" encoding="utf-8"?>
-<p:sld xmlns:a="http://schemas.openxmlformats.org/drawingml/2006/main" xmlns:p="http://schemas.openxmlformats.org/presentationml/2006/main" xmlns:r="http://schemas.openxmlformats.org/officeDocument/2006/relationships" xmlns:p14="http://schemas.microsoft.com/office/powerpoint/2010/main" xmlns:p15="http://schemas.microsoft.com/office/powerpoint/2012/main" xmlns:mc="http://schemas.openxmlformats.org/markup-compatibility/2006">
+<p:sld xmlns:a="http://schemas.openxmlformats.org/drawingml/2006/main" xmlns:r="http://schemas.openxmlformats.org/officeDocument/2006/relationships" xmlns:p="http://schemas.openxmlformats.org/presentationml/2006/main">
   <p:cSld>
     <p:spTree>
       <p:nvGrpSpPr>
@@ -6105,12 +6887,12 @@
       </p:grpSpPr>
       <p:pic>
         <p:nvPicPr>
-          <p:cNvPr id="129" name="Picture 2" descr=""/>
+          <p:cNvPr id="129" name="Picture 2"/>
           <p:cNvPicPr/>
           <p:nvPr/>
         </p:nvPicPr>
         <p:blipFill>
-          <a:blip r:embed="rId1"/>
+          <a:blip r:embed="rId2"/>
           <a:stretch/>
         </p:blipFill>
         <p:spPr>
@@ -6128,19 +6910,14 @@
       </p:pic>
     </p:spTree>
   </p:cSld>
-  <mc:AlternateContent>
-    <mc:Choice Requires="p14">
-      <p:transition spd="slow" p14:dur="2000"/>
-    </mc:Choice>
-    <mc:Fallback>
-      <p:transition spd="slow"/>
-    </mc:Fallback>
-  </mc:AlternateContent>
+  <p:clrMapOvr>
+    <a:masterClrMapping/>
+  </p:clrMapOvr>
 </p:sld>
 </file>
 
 <file path=ppt/slides/slide13.xml><?xml version="1.0" encoding="utf-8"?>
-<p:sld xmlns:a="http://schemas.openxmlformats.org/drawingml/2006/main" xmlns:p="http://schemas.openxmlformats.org/presentationml/2006/main" xmlns:r="http://schemas.openxmlformats.org/officeDocument/2006/relationships" xmlns:p14="http://schemas.microsoft.com/office/powerpoint/2010/main" xmlns:p15="http://schemas.microsoft.com/office/powerpoint/2012/main" xmlns:mc="http://schemas.openxmlformats.org/markup-compatibility/2006">
+<p:sld xmlns:a="http://schemas.openxmlformats.org/drawingml/2006/main" xmlns:r="http://schemas.openxmlformats.org/officeDocument/2006/relationships" xmlns:p="http://schemas.openxmlformats.org/presentationml/2006/main">
   <p:cSld>
     <p:spTree>
       <p:nvGrpSpPr>
@@ -6176,15 +6953,22 @@
           </a:ln>
         </p:spPr>
         <p:style>
-          <a:lnRef idx="0"/>
-          <a:fillRef idx="0"/>
-          <a:effectRef idx="0"/>
+          <a:lnRef idx="0">
+            <a:scrgbClr r="0" g="0" b="0"/>
+          </a:lnRef>
+          <a:fillRef idx="0">
+            <a:scrgbClr r="0" g="0" b="0"/>
+          </a:fillRef>
+          <a:effectRef idx="0">
+            <a:scrgbClr r="0" g="0" b="0"/>
+          </a:effectRef>
           <a:fontRef idx="minor"/>
         </p:style>
         <p:txBody>
-          <a:bodyPr lIns="90000" rIns="90000" tIns="45000" bIns="45000" anchor="t">
+          <a:bodyPr lIns="90000" tIns="45000" rIns="90000" bIns="45000" anchor="t">
             <a:spAutoFit/>
           </a:bodyPr>
+          <a:lstStyle/>
           <a:p>
             <a:pPr>
               <a:lnSpc>
@@ -6193,7 +6977,7 @@
               <a:buNone/>
             </a:pPr>
             <a:r>
-              <a:rPr b="0" lang="en-US" sz="3200" spc="-1" strike="noStrike">
+              <a:rPr lang="en-US" sz="3200" b="0" strike="noStrike" spc="-1">
                 <a:solidFill>
                   <a:srgbClr val="000000"/>
                 </a:solidFill>
@@ -6202,7 +6986,7 @@
               </a:rPr>
               <a:t>We used AI to:</a:t>
             </a:r>
-            <a:endParaRPr b="0" lang="en-US" sz="3200" spc="-1" strike="noStrike">
+            <a:endParaRPr lang="en-US" sz="3200" b="0" strike="noStrike" spc="-1">
               <a:latin typeface="Arial"/>
             </a:endParaRPr>
           </a:p>
@@ -6210,12 +6994,12 @@
       </p:sp>
       <p:pic>
         <p:nvPicPr>
-          <p:cNvPr id="131" name="" descr=""/>
+          <p:cNvPr id="131" name="Picture 130"/>
           <p:cNvPicPr/>
           <p:nvPr/>
         </p:nvPicPr>
         <p:blipFill>
-          <a:blip r:embed="rId1"/>
+          <a:blip r:embed="rId2"/>
           <a:stretch/>
         </p:blipFill>
         <p:spPr>
@@ -6233,19 +7017,14 @@
       </p:pic>
     </p:spTree>
   </p:cSld>
-  <mc:AlternateContent>
-    <mc:Choice Requires="p14">
-      <p:transition spd="slow" p14:dur="2000"/>
-    </mc:Choice>
-    <mc:Fallback>
-      <p:transition spd="slow"/>
-    </mc:Fallback>
-  </mc:AlternateContent>
+  <p:clrMapOvr>
+    <a:masterClrMapping/>
+  </p:clrMapOvr>
 </p:sld>
 </file>
 
 <file path=ppt/slides/slide14.xml><?xml version="1.0" encoding="utf-8"?>
-<p:sld xmlns:a="http://schemas.openxmlformats.org/drawingml/2006/main" xmlns:p="http://schemas.openxmlformats.org/presentationml/2006/main" xmlns:r="http://schemas.openxmlformats.org/officeDocument/2006/relationships" xmlns:p14="http://schemas.microsoft.com/office/powerpoint/2010/main" xmlns:p15="http://schemas.microsoft.com/office/powerpoint/2012/main" xmlns:mc="http://schemas.openxmlformats.org/markup-compatibility/2006">
+<p:sld xmlns:a="http://schemas.openxmlformats.org/drawingml/2006/main" xmlns:r="http://schemas.openxmlformats.org/officeDocument/2006/relationships" xmlns:p="http://schemas.openxmlformats.org/presentationml/2006/main">
   <p:cSld>
     <p:spTree>
       <p:nvGrpSpPr>
@@ -6295,15 +7074,22 @@
             </a:ln>
           </p:spPr>
           <p:style>
-            <a:lnRef idx="0"/>
-            <a:fillRef idx="0"/>
-            <a:effectRef idx="0"/>
+            <a:lnRef idx="0">
+              <a:scrgbClr r="0" g="0" b="0"/>
+            </a:lnRef>
+            <a:fillRef idx="0">
+              <a:scrgbClr r="0" g="0" b="0"/>
+            </a:fillRef>
+            <a:effectRef idx="0">
+              <a:scrgbClr r="0" g="0" b="0"/>
+            </a:effectRef>
             <a:fontRef idx="minor"/>
           </p:style>
           <p:txBody>
-            <a:bodyPr lIns="108720" rIns="108720" tIns="54360" bIns="54360" anchor="t">
+            <a:bodyPr lIns="108720" tIns="54360" rIns="108720" bIns="54360" anchor="t">
               <a:spAutoFit/>
             </a:bodyPr>
+            <a:lstStyle/>
             <a:p>
               <a:pPr algn="ctr">
                 <a:lnSpc>
@@ -6314,20 +7100,20 @@
                 </a:spcBef>
                 <a:buNone/>
                 <a:tabLst>
-                  <a:tab algn="l" pos="0"/>
+                  <a:tab pos="0" algn="l"/>
                 </a:tabLst>
               </a:pPr>
               <a:r>
-                <a:rPr b="0" lang="en-US" sz="3200" spc="-1" strike="noStrike">
+                <a:rPr lang="en-US" sz="3200" b="0" strike="noStrike" spc="-1">
                   <a:solidFill>
-                    <a:srgbClr val="44546a"/>
+                    <a:srgbClr val="44546A"/>
                   </a:solidFill>
                   <a:latin typeface="Open Sans Light"/>
                   <a:ea typeface="DejaVu Sans"/>
                 </a:rPr>
                 <a:t>Stealthy Logic: Keyboard Injection to Verilog State Machine Trojan for Conditional DoS</a:t>
               </a:r>
-              <a:endParaRPr b="0" lang="en-US" sz="3200" spc="-1" strike="noStrike">
+              <a:endParaRPr lang="en-US" sz="3200" b="0" strike="noStrike" spc="-1">
                 <a:latin typeface="Arial"/>
               </a:endParaRPr>
             </a:p>
@@ -6353,15 +7139,22 @@
             </a:ln>
           </p:spPr>
           <p:style>
-            <a:lnRef idx="0"/>
-            <a:fillRef idx="0"/>
-            <a:effectRef idx="0"/>
+            <a:lnRef idx="0">
+              <a:scrgbClr r="0" g="0" b="0"/>
+            </a:lnRef>
+            <a:fillRef idx="0">
+              <a:scrgbClr r="0" g="0" b="0"/>
+            </a:fillRef>
+            <a:effectRef idx="0">
+              <a:scrgbClr r="0" g="0" b="0"/>
+            </a:effectRef>
             <a:fontRef idx="minor"/>
           </p:style>
           <p:txBody>
-            <a:bodyPr lIns="90000" rIns="90000" tIns="45000" bIns="45000" anchor="t">
+            <a:bodyPr lIns="90000" tIns="45000" rIns="90000" bIns="45000" anchor="t">
               <a:spAutoFit/>
             </a:bodyPr>
+            <a:lstStyle/>
             <a:p>
               <a:pPr algn="ctr">
                 <a:lnSpc>
@@ -6370,9 +7163,9 @@
                 <a:buNone/>
               </a:pPr>
               <a:r>
-                <a:rPr b="0" lang="en-US" sz="28700" spc="-1" strike="noStrike">
+                <a:rPr lang="en-US" sz="28700" b="0" strike="noStrike" spc="-1">
                   <a:solidFill>
-                    <a:srgbClr val="00aad4"/>
+                    <a:srgbClr val="00AAD4"/>
                   </a:solidFill>
                   <a:latin typeface="Source Sans Pro"/>
                   <a:ea typeface="Source Sans Pro"/>
@@ -6380,9 +7173,9 @@
                 <a:t>1</a:t>
               </a:r>
               <a:r>
-                <a:rPr b="0" lang="en-US" sz="11500" spc="-1" strike="noStrike" baseline="30000">
+                <a:rPr lang="en-US" sz="11500" b="0" strike="noStrike" spc="-1" baseline="30000">
                   <a:solidFill>
-                    <a:srgbClr val="00aad4"/>
+                    <a:srgbClr val="00AAD4"/>
                   </a:solidFill>
                   <a:latin typeface="Source Sans Pro"/>
                   <a:ea typeface="Source Sans Pro"/>
@@ -6390,16 +7183,16 @@
                 <a:t>st</a:t>
               </a:r>
               <a:r>
-                <a:rPr b="0" lang="en-US" sz="11500" spc="-1" strike="noStrike">
+                <a:rPr lang="en-US" sz="11500" b="0" strike="noStrike" spc="-1">
                   <a:solidFill>
-                    <a:srgbClr val="00aad4"/>
+                    <a:srgbClr val="00AAD4"/>
                   </a:solidFill>
                   <a:latin typeface="Source Sans Pro"/>
                   <a:ea typeface="Source Sans Pro"/>
                 </a:rPr>
                 <a:t> design</a:t>
               </a:r>
-              <a:endParaRPr b="0" lang="en-US" sz="11500" spc="-1" strike="noStrike">
+              <a:endParaRPr lang="en-US" sz="11500" b="0" strike="noStrike" spc="-1">
                 <a:latin typeface="Arial"/>
               </a:endParaRPr>
             </a:p>
@@ -6408,19 +7201,14 @@
       </p:grpSp>
     </p:spTree>
   </p:cSld>
-  <mc:AlternateContent>
-    <mc:Choice Requires="p14">
-      <p:transition spd="slow" p14:dur="2000"/>
-    </mc:Choice>
-    <mc:Fallback>
-      <p:transition spd="slow"/>
-    </mc:Fallback>
-  </mc:AlternateContent>
+  <p:clrMapOvr>
+    <a:masterClrMapping/>
+  </p:clrMapOvr>
 </p:sld>
 </file>
 
 <file path=ppt/slides/slide15.xml><?xml version="1.0" encoding="utf-8"?>
-<p:sld xmlns:a="http://schemas.openxmlformats.org/drawingml/2006/main" xmlns:p="http://schemas.openxmlformats.org/presentationml/2006/main" xmlns:r="http://schemas.openxmlformats.org/officeDocument/2006/relationships" xmlns:p14="http://schemas.microsoft.com/office/powerpoint/2010/main" xmlns:p15="http://schemas.microsoft.com/office/powerpoint/2012/main" xmlns:mc="http://schemas.openxmlformats.org/markup-compatibility/2006">
+<p:sld xmlns:a="http://schemas.openxmlformats.org/drawingml/2006/main" xmlns:r="http://schemas.openxmlformats.org/officeDocument/2006/relationships" xmlns:p="http://schemas.openxmlformats.org/presentationml/2006/main">
   <p:cSld>
     <p:spTree>
       <p:nvGrpSpPr>
@@ -6452,7 +7240,7 @@
           </a:prstGeom>
           <a:ln>
             <a:solidFill>
-              <a:srgbClr val="4472c4"/>
+              <a:srgbClr val="4472C4"/>
             </a:solidFill>
           </a:ln>
         </p:spPr>
@@ -6489,15 +7277,22 @@
           </a:ln>
         </p:spPr>
         <p:style>
-          <a:lnRef idx="0"/>
-          <a:fillRef idx="0"/>
-          <a:effectRef idx="0"/>
+          <a:lnRef idx="0">
+            <a:scrgbClr r="0" g="0" b="0"/>
+          </a:lnRef>
+          <a:fillRef idx="0">
+            <a:scrgbClr r="0" g="0" b="0"/>
+          </a:fillRef>
+          <a:effectRef idx="0">
+            <a:scrgbClr r="0" g="0" b="0"/>
+          </a:effectRef>
           <a:fontRef idx="minor"/>
         </p:style>
         <p:txBody>
-          <a:bodyPr lIns="90000" rIns="90000" tIns="45000" bIns="45000" anchor="t">
+          <a:bodyPr lIns="90000" tIns="45000" rIns="90000" bIns="45000" anchor="t">
             <a:spAutoFit/>
           </a:bodyPr>
+          <a:lstStyle/>
           <a:p>
             <a:pPr>
               <a:lnSpc>
@@ -6506,7 +7301,7 @@
               <a:buNone/>
             </a:pPr>
             <a:r>
-              <a:rPr b="1" lang="en-US" sz="1800" spc="-1" strike="noStrike">
+              <a:rPr lang="en-US" sz="1800" b="1" strike="noStrike" spc="-1">
                 <a:solidFill>
                   <a:srgbClr val="000000"/>
                 </a:solidFill>
@@ -6516,7 +7311,7 @@
               <a:t>DoS Attack Conditions</a:t>
             </a:r>
             <a:r>
-              <a:rPr b="0" lang="en-US" sz="1800" spc="-1" strike="noStrike">
+              <a:rPr lang="en-US" sz="1800" b="0" strike="noStrike" spc="-1">
                 <a:solidFill>
                   <a:srgbClr val="000000"/>
                 </a:solidFill>
@@ -6525,12 +7320,12 @@
               </a:rPr>
               <a:t>:</a:t>
             </a:r>
-            <a:endParaRPr b="0" lang="en-US" sz="1800" spc="-1" strike="noStrike">
-              <a:latin typeface="Arial"/>
-            </a:endParaRPr>
-          </a:p>
-          <a:p>
-            <a:pPr lvl="1" marL="743040" indent="-285840">
+            <a:endParaRPr lang="en-US" sz="1800" b="0" strike="noStrike" spc="-1">
+              <a:latin typeface="Arial"/>
+            </a:endParaRPr>
+          </a:p>
+          <a:p>
+            <a:pPr marL="743040" lvl="1" indent="-285840">
               <a:lnSpc>
                 <a:spcPct val="100000"/>
               </a:lnSpc>
@@ -6541,7 +7336,7 @@
               <a:buChar char="•"/>
             </a:pPr>
             <a:r>
-              <a:rPr b="1" lang="en-US" sz="1800" spc="-1" strike="noStrike">
+              <a:rPr lang="en-US" sz="1800" b="1" strike="noStrike" spc="-1">
                 <a:solidFill>
                   <a:srgbClr val="000000"/>
                 </a:solidFill>
@@ -6551,7 +7346,7 @@
               <a:t>State Machine Insertion</a:t>
             </a:r>
             <a:r>
-              <a:rPr b="0" lang="en-US" sz="1800" spc="-1" strike="noStrike">
+              <a:rPr lang="en-US" sz="1800" b="0" strike="noStrike" spc="-1">
                 <a:solidFill>
                   <a:srgbClr val="000000"/>
                 </a:solidFill>
@@ -6560,12 +7355,12 @@
               </a:rPr>
               <a:t>: The modified Verilog code includes a state machine that monitors for specific conditions (e.g., receiving a certain bit pattern over UART).</a:t>
             </a:r>
-            <a:endParaRPr b="0" lang="en-US" sz="1800" spc="-1" strike="noStrike">
-              <a:latin typeface="Arial"/>
-            </a:endParaRPr>
-          </a:p>
-          <a:p>
-            <a:pPr lvl="1" marL="743040" indent="-285840">
+            <a:endParaRPr lang="en-US" sz="1800" b="0" strike="noStrike" spc="-1">
+              <a:latin typeface="Arial"/>
+            </a:endParaRPr>
+          </a:p>
+          <a:p>
+            <a:pPr marL="743040" lvl="1" indent="-285840">
               <a:lnSpc>
                 <a:spcPct val="100000"/>
               </a:lnSpc>
@@ -6576,7 +7371,7 @@
               <a:buChar char="•"/>
             </a:pPr>
             <a:r>
-              <a:rPr b="1" lang="en-US" sz="1800" spc="-1" strike="noStrike">
+              <a:rPr lang="en-US" sz="1800" b="1" strike="noStrike" spc="-1">
                 <a:solidFill>
                   <a:srgbClr val="000000"/>
                 </a:solidFill>
@@ -6586,7 +7381,7 @@
               <a:t>DoS Trigger</a:t>
             </a:r>
             <a:r>
-              <a:rPr b="0" lang="en-US" sz="1800" spc="-1" strike="noStrike">
+              <a:rPr lang="en-US" sz="1800" b="0" strike="noStrike" spc="-1">
                 <a:solidFill>
                   <a:srgbClr val="000000"/>
                 </a:solidFill>
@@ -6595,7 +7390,7 @@
               </a:rPr>
               <a:t>: Once the condition is met, the state machine causes the hardware to enter a malfunctioning or infinite loop state, effectively creating a denial-of-service condition.</a:t>
             </a:r>
-            <a:endParaRPr b="0" lang="en-US" sz="1800" spc="-1" strike="noStrike">
+            <a:endParaRPr lang="en-US" sz="1800" b="0" strike="noStrike" spc="-1">
               <a:latin typeface="Arial"/>
             </a:endParaRPr>
           </a:p>
@@ -6621,15 +7416,22 @@
           </a:ln>
         </p:spPr>
         <p:style>
-          <a:lnRef idx="0"/>
-          <a:fillRef idx="0"/>
-          <a:effectRef idx="0"/>
+          <a:lnRef idx="0">
+            <a:scrgbClr r="0" g="0" b="0"/>
+          </a:lnRef>
+          <a:fillRef idx="0">
+            <a:scrgbClr r="0" g="0" b="0"/>
+          </a:fillRef>
+          <a:effectRef idx="0">
+            <a:scrgbClr r="0" g="0" b="0"/>
+          </a:effectRef>
           <a:fontRef idx="minor"/>
         </p:style>
         <p:txBody>
-          <a:bodyPr lIns="90000" rIns="90000" tIns="45000" bIns="45000" anchor="t">
+          <a:bodyPr lIns="90000" tIns="45000" rIns="90000" bIns="45000" anchor="t">
             <a:spAutoFit/>
           </a:bodyPr>
+          <a:lstStyle/>
           <a:p>
             <a:pPr>
               <a:lnSpc>
@@ -6638,7 +7440,7 @@
               <a:buNone/>
             </a:pPr>
             <a:r>
-              <a:rPr b="0" lang="en-US" sz="3200" spc="-1" strike="noStrike">
+              <a:rPr lang="en-US" sz="3200" b="0" strike="noStrike" spc="-1">
                 <a:solidFill>
                   <a:srgbClr val="000000"/>
                 </a:solidFill>
@@ -6647,7 +7449,7 @@
               </a:rPr>
               <a:t>Execution Flow and DoS Trigger</a:t>
             </a:r>
-            <a:endParaRPr b="0" lang="en-US" sz="3200" spc="-1" strike="noStrike">
+            <a:endParaRPr lang="en-US" sz="3200" b="0" strike="noStrike" spc="-1">
               <a:latin typeface="Arial"/>
             </a:endParaRPr>
           </a:p>
@@ -6673,15 +7475,22 @@
           </a:ln>
         </p:spPr>
         <p:style>
-          <a:lnRef idx="0"/>
-          <a:fillRef idx="0"/>
-          <a:effectRef idx="0"/>
+          <a:lnRef idx="0">
+            <a:scrgbClr r="0" g="0" b="0"/>
+          </a:lnRef>
+          <a:fillRef idx="0">
+            <a:scrgbClr r="0" g="0" b="0"/>
+          </a:fillRef>
+          <a:effectRef idx="0">
+            <a:scrgbClr r="0" g="0" b="0"/>
+          </a:effectRef>
           <a:fontRef idx="minor"/>
         </p:style>
         <p:txBody>
-          <a:bodyPr numCol="1" spcCol="0" lIns="90000" rIns="90000" tIns="45000" bIns="45000" anchor="ctr">
+          <a:bodyPr lIns="90000" tIns="45000" rIns="90000" bIns="45000" numCol="1" spcCol="0" anchor="ctr">
             <a:spAutoFit/>
           </a:bodyPr>
+          <a:lstStyle/>
           <a:p>
             <a:pPr>
               <a:lnSpc>
@@ -6689,7 +7498,7 @@
               </a:lnSpc>
               <a:buNone/>
             </a:pPr>
-            <a:endParaRPr b="0" lang="en-US" sz="1800" spc="-1" strike="noStrike">
+            <a:endParaRPr lang="en-US" sz="1800" b="0" strike="noStrike" spc="-1">
               <a:latin typeface="Arial"/>
             </a:endParaRPr>
           </a:p>
@@ -6700,7 +7509,7 @@
               </a:lnSpc>
               <a:buNone/>
             </a:pPr>
-            <a:endParaRPr b="0" lang="en-US" sz="1800" spc="-1" strike="noStrike">
+            <a:endParaRPr lang="en-US" sz="1800" b="0" strike="noStrike" spc="-1">
               <a:latin typeface="Arial"/>
             </a:endParaRPr>
           </a:p>
@@ -6716,7 +7525,7 @@
               <a:buChar char=""/>
             </a:pPr>
             <a:r>
-              <a:rPr b="1" lang="el-GR" sz="1800" spc="-1" strike="noStrike">
+              <a:rPr lang="el-GR" sz="1800" b="1" strike="noStrike" spc="-1">
                 <a:solidFill>
                   <a:srgbClr val="000000"/>
                 </a:solidFill>
@@ -6726,7 +7535,7 @@
               <a:t>Key Result</a:t>
             </a:r>
             <a:r>
-              <a:rPr b="0" lang="el-GR" sz="1800" spc="-1" strike="noStrike">
+              <a:rPr lang="el-GR" sz="1800" b="0" strike="noStrike" spc="-1">
                 <a:solidFill>
                   <a:srgbClr val="000000"/>
                 </a:solidFill>
@@ -6735,7 +7544,7 @@
               </a:rPr>
               <a:t>: Hardware becomes unresponsive or malfunctions under specific inputs.</a:t>
             </a:r>
-            <a:endParaRPr b="0" lang="en-US" sz="1800" spc="-1" strike="noStrike">
+            <a:endParaRPr lang="en-US" sz="1800" b="0" strike="noStrike" spc="-1">
               <a:latin typeface="Arial"/>
             </a:endParaRPr>
           </a:p>
@@ -6746,10 +7555,10 @@
               </a:lnSpc>
               <a:buNone/>
               <a:tabLst>
-                <a:tab algn="l" pos="0"/>
+                <a:tab pos="0" algn="l"/>
               </a:tabLst>
             </a:pPr>
-            <a:endParaRPr b="0" lang="en-US" sz="1800" spc="-1" strike="noStrike">
+            <a:endParaRPr lang="en-US" sz="1800" b="0" strike="noStrike" spc="-1">
               <a:latin typeface="Arial"/>
             </a:endParaRPr>
           </a:p>
@@ -6760,10 +7569,10 @@
               </a:lnSpc>
               <a:buNone/>
               <a:tabLst>
-                <a:tab algn="l" pos="0"/>
+                <a:tab pos="0" algn="l"/>
               </a:tabLst>
             </a:pPr>
-            <a:endParaRPr b="0" lang="en-US" sz="1800" spc="-1" strike="noStrike">
+            <a:endParaRPr lang="en-US" sz="1800" b="0" strike="noStrike" spc="-1">
               <a:latin typeface="Arial"/>
             </a:endParaRPr>
           </a:p>
@@ -6771,12 +7580,12 @@
       </p:sp>
       <p:pic>
         <p:nvPicPr>
-          <p:cNvPr id="139" name="" descr=""/>
+          <p:cNvPr id="139" name="Picture 138"/>
           <p:cNvPicPr/>
           <p:nvPr/>
         </p:nvPicPr>
         <p:blipFill>
-          <a:blip r:embed="rId1"/>
+          <a:blip r:embed="rId2"/>
           <a:stretch/>
         </p:blipFill>
         <p:spPr>
@@ -6794,19 +7603,14 @@
       </p:pic>
     </p:spTree>
   </p:cSld>
-  <mc:AlternateContent>
-    <mc:Choice Requires="p14">
-      <p:transition spd="slow" p14:dur="2000"/>
-    </mc:Choice>
-    <mc:Fallback>
-      <p:transition spd="slow"/>
-    </mc:Fallback>
-  </mc:AlternateContent>
+  <p:clrMapOvr>
+    <a:masterClrMapping/>
+  </p:clrMapOvr>
 </p:sld>
 </file>
 
 <file path=ppt/slides/slide16.xml><?xml version="1.0" encoding="utf-8"?>
-<p:sld xmlns:a="http://schemas.openxmlformats.org/drawingml/2006/main" xmlns:p="http://schemas.openxmlformats.org/presentationml/2006/main" xmlns:r="http://schemas.openxmlformats.org/officeDocument/2006/relationships" xmlns:p14="http://schemas.microsoft.com/office/powerpoint/2010/main" xmlns:p15="http://schemas.microsoft.com/office/powerpoint/2012/main" xmlns:mc="http://schemas.openxmlformats.org/markup-compatibility/2006">
+<p:sld xmlns:a="http://schemas.openxmlformats.org/drawingml/2006/main" xmlns:r="http://schemas.openxmlformats.org/officeDocument/2006/relationships" xmlns:p="http://schemas.openxmlformats.org/presentationml/2006/main">
   <p:cSld>
     <p:spTree>
       <p:nvGrpSpPr>
@@ -6842,15 +7646,22 @@
           </a:ln>
         </p:spPr>
         <p:style>
-          <a:lnRef idx="0"/>
-          <a:fillRef idx="0"/>
-          <a:effectRef idx="0"/>
+          <a:lnRef idx="0">
+            <a:scrgbClr r="0" g="0" b="0"/>
+          </a:lnRef>
+          <a:fillRef idx="0">
+            <a:scrgbClr r="0" g="0" b="0"/>
+          </a:fillRef>
+          <a:effectRef idx="0">
+            <a:scrgbClr r="0" g="0" b="0"/>
+          </a:effectRef>
           <a:fontRef idx="minor"/>
         </p:style>
         <p:txBody>
-          <a:bodyPr lIns="90000" rIns="90000" tIns="45000" bIns="45000" anchor="t">
+          <a:bodyPr lIns="90000" tIns="45000" rIns="90000" bIns="45000" anchor="t">
             <a:spAutoFit/>
           </a:bodyPr>
+          <a:lstStyle/>
           <a:p>
             <a:pPr>
               <a:lnSpc>
@@ -6859,7 +7670,7 @@
               <a:buNone/>
             </a:pPr>
             <a:r>
-              <a:rPr b="0" lang="en-US" sz="3200" spc="-1" strike="noStrike">
+              <a:rPr lang="en-US" sz="3200" b="0" strike="noStrike" spc="-1">
                 <a:solidFill>
                   <a:srgbClr val="000000"/>
                 </a:solidFill>
@@ -6868,7 +7679,7 @@
               </a:rPr>
               <a:t>AXI stream UART peripheral</a:t>
             </a:r>
-            <a:endParaRPr b="0" lang="en-US" sz="3200" spc="-1" strike="noStrike">
+            <a:endParaRPr lang="en-US" sz="3200" b="0" strike="noStrike" spc="-1">
               <a:latin typeface="Arial"/>
             </a:endParaRPr>
           </a:p>
@@ -6894,15 +7705,22 @@
           </a:ln>
         </p:spPr>
         <p:style>
-          <a:lnRef idx="0"/>
-          <a:fillRef idx="0"/>
-          <a:effectRef idx="0"/>
+          <a:lnRef idx="0">
+            <a:scrgbClr r="0" g="0" b="0"/>
+          </a:lnRef>
+          <a:fillRef idx="0">
+            <a:scrgbClr r="0" g="0" b="0"/>
+          </a:fillRef>
+          <a:effectRef idx="0">
+            <a:scrgbClr r="0" g="0" b="0"/>
+          </a:effectRef>
           <a:fontRef idx="minor"/>
         </p:style>
         <p:txBody>
-          <a:bodyPr lIns="90000" rIns="90000" tIns="45000" bIns="45000" anchor="t">
+          <a:bodyPr lIns="90000" tIns="45000" rIns="90000" bIns="45000" anchor="t">
             <a:spAutoFit/>
           </a:bodyPr>
+          <a:lstStyle/>
           <a:p>
             <a:pPr>
               <a:lnSpc>
@@ -6911,7 +7729,7 @@
               <a:buNone/>
             </a:pPr>
             <a:r>
-              <a:rPr b="0" lang="en-US" sz="2200" spc="-1" strike="noStrike">
+              <a:rPr lang="en-US" sz="2200" b="0" strike="noStrike" spc="-1">
                 <a:solidFill>
                   <a:srgbClr val="000000"/>
                 </a:solidFill>
@@ -6920,7 +7738,7 @@
               </a:rPr>
               <a:t>Normal Operation</a:t>
             </a:r>
-            <a:endParaRPr b="0" lang="en-US" sz="2200" spc="-1" strike="noStrike">
+            <a:endParaRPr lang="en-US" sz="2200" b="0" strike="noStrike" spc="-1">
               <a:latin typeface="Arial"/>
             </a:endParaRPr>
           </a:p>
@@ -6928,12 +7746,12 @@
       </p:sp>
       <p:pic>
         <p:nvPicPr>
-          <p:cNvPr id="142" name="" descr=""/>
+          <p:cNvPr id="142" name="Picture 141"/>
           <p:cNvPicPr/>
           <p:nvPr/>
         </p:nvPicPr>
         <p:blipFill>
-          <a:blip r:embed="rId1"/>
+          <a:blip r:embed="rId2"/>
           <a:stretch/>
         </p:blipFill>
         <p:spPr>
@@ -6951,19 +7769,14 @@
       </p:pic>
     </p:spTree>
   </p:cSld>
-  <mc:AlternateContent>
-    <mc:Choice Requires="p14">
-      <p:transition spd="slow" p14:dur="2000"/>
-    </mc:Choice>
-    <mc:Fallback>
-      <p:transition spd="slow"/>
-    </mc:Fallback>
-  </mc:AlternateContent>
+  <p:clrMapOvr>
+    <a:masterClrMapping/>
+  </p:clrMapOvr>
 </p:sld>
 </file>
 
 <file path=ppt/slides/slide17.xml><?xml version="1.0" encoding="utf-8"?>
-<p:sld xmlns:a="http://schemas.openxmlformats.org/drawingml/2006/main" xmlns:p="http://schemas.openxmlformats.org/presentationml/2006/main" xmlns:r="http://schemas.openxmlformats.org/officeDocument/2006/relationships" xmlns:p14="http://schemas.microsoft.com/office/powerpoint/2010/main" xmlns:p15="http://schemas.microsoft.com/office/powerpoint/2012/main" xmlns:mc="http://schemas.openxmlformats.org/markup-compatibility/2006">
+<p:sld xmlns:a="http://schemas.openxmlformats.org/drawingml/2006/main" xmlns:r="http://schemas.openxmlformats.org/officeDocument/2006/relationships" xmlns:p="http://schemas.openxmlformats.org/presentationml/2006/main">
   <p:cSld>
     <p:spTree>
       <p:nvGrpSpPr>
@@ -6987,7 +7800,7 @@
         </p:nvSpPr>
         <p:spPr>
           <a:xfrm>
-            <a:off x="3047760" y="1371600"/>
+            <a:off x="2962620" y="1371600"/>
             <a:ext cx="6095520" cy="577080"/>
           </a:xfrm>
           <a:prstGeom prst="rect">
@@ -6999,15 +7812,22 @@
           </a:ln>
         </p:spPr>
         <p:style>
-          <a:lnRef idx="0"/>
-          <a:fillRef idx="0"/>
-          <a:effectRef idx="0"/>
+          <a:lnRef idx="0">
+            <a:scrgbClr r="0" g="0" b="0"/>
+          </a:lnRef>
+          <a:fillRef idx="0">
+            <a:scrgbClr r="0" g="0" b="0"/>
+          </a:fillRef>
+          <a:effectRef idx="0">
+            <a:scrgbClr r="0" g="0" b="0"/>
+          </a:effectRef>
           <a:fontRef idx="minor"/>
         </p:style>
         <p:txBody>
-          <a:bodyPr lIns="90000" rIns="90000" tIns="45000" bIns="45000" anchor="t">
+          <a:bodyPr lIns="90000" tIns="45000" rIns="90000" bIns="45000" anchor="t">
             <a:spAutoFit/>
           </a:bodyPr>
+          <a:lstStyle/>
           <a:p>
             <a:pPr>
               <a:lnSpc>
@@ -7016,7 +7836,7 @@
               <a:buNone/>
             </a:pPr>
             <a:r>
-              <a:rPr b="0" lang="en-US" sz="3200" spc="-1" strike="noStrike">
+              <a:rPr lang="en-US" sz="3200" b="0" strike="noStrike" spc="-1" dirty="0">
                 <a:solidFill>
                   <a:srgbClr val="000000"/>
                 </a:solidFill>
@@ -7025,7 +7845,7 @@
               </a:rPr>
               <a:t>AXI stream UART peripheral</a:t>
             </a:r>
-            <a:endParaRPr b="0" lang="en-US" sz="3200" spc="-1" strike="noStrike">
+            <a:endParaRPr lang="en-US" sz="3200" b="0" strike="noStrike" spc="-1" dirty="0">
               <a:latin typeface="Arial"/>
             </a:endParaRPr>
           </a:p>
@@ -7039,7 +7859,7 @@
         </p:nvSpPr>
         <p:spPr>
           <a:xfrm>
-            <a:off x="4419360" y="2089080"/>
+            <a:off x="4448520" y="2089080"/>
             <a:ext cx="3123720" cy="424800"/>
           </a:xfrm>
           <a:prstGeom prst="rect">
@@ -7051,15 +7871,22 @@
           </a:ln>
         </p:spPr>
         <p:style>
-          <a:lnRef idx="0"/>
-          <a:fillRef idx="0"/>
-          <a:effectRef idx="0"/>
+          <a:lnRef idx="0">
+            <a:scrgbClr r="0" g="0" b="0"/>
+          </a:lnRef>
+          <a:fillRef idx="0">
+            <a:scrgbClr r="0" g="0" b="0"/>
+          </a:fillRef>
+          <a:effectRef idx="0">
+            <a:scrgbClr r="0" g="0" b="0"/>
+          </a:effectRef>
           <a:fontRef idx="minor"/>
         </p:style>
         <p:txBody>
-          <a:bodyPr lIns="90000" rIns="90000" tIns="45000" bIns="45000" anchor="t">
+          <a:bodyPr lIns="90000" tIns="45000" rIns="90000" bIns="45000" anchor="t">
             <a:spAutoFit/>
           </a:bodyPr>
+          <a:lstStyle/>
           <a:p>
             <a:pPr>
               <a:lnSpc>
@@ -7068,16 +7895,16 @@
               <a:buNone/>
             </a:pPr>
             <a:r>
-              <a:rPr b="0" lang="en-US" sz="2200" spc="-1" strike="noStrike">
-                <a:solidFill>
-                  <a:srgbClr val="c9211e"/>
+              <a:rPr lang="en-US" sz="2200" b="0" strike="noStrike" spc="-1">
+                <a:solidFill>
+                  <a:srgbClr val="C9211E"/>
                 </a:solidFill>
                 <a:latin typeface="Segoe UI Variable Display Semib"/>
                 <a:ea typeface="DejaVu Sans"/>
               </a:rPr>
               <a:t>Infected Hardware</a:t>
             </a:r>
-            <a:endParaRPr b="0" lang="en-US" sz="2200" spc="-1" strike="noStrike">
+            <a:endParaRPr lang="en-US" sz="2200" b="0" strike="noStrike" spc="-1">
               <a:latin typeface="Arial"/>
             </a:endParaRPr>
           </a:p>
@@ -7085,12 +7912,12 @@
       </p:sp>
       <p:pic>
         <p:nvPicPr>
-          <p:cNvPr id="145" name="" descr=""/>
+          <p:cNvPr id="145" name="Picture 144"/>
           <p:cNvPicPr/>
           <p:nvPr/>
         </p:nvPicPr>
         <p:blipFill>
-          <a:blip r:embed="rId1"/>
+          <a:blip r:embed="rId2"/>
           <a:stretch/>
         </p:blipFill>
         <p:spPr>
@@ -7108,19 +7935,14 @@
       </p:pic>
     </p:spTree>
   </p:cSld>
-  <mc:AlternateContent>
-    <mc:Choice Requires="p14">
-      <p:transition spd="slow" p14:dur="2000"/>
-    </mc:Choice>
-    <mc:Fallback>
-      <p:transition spd="slow"/>
-    </mc:Fallback>
-  </mc:AlternateContent>
+  <p:clrMapOvr>
+    <a:masterClrMapping/>
+  </p:clrMapOvr>
 </p:sld>
 </file>
 
 <file path=ppt/slides/slide18.xml><?xml version="1.0" encoding="utf-8"?>
-<p:sld xmlns:a="http://schemas.openxmlformats.org/drawingml/2006/main" xmlns:p="http://schemas.openxmlformats.org/presentationml/2006/main" xmlns:r="http://schemas.openxmlformats.org/officeDocument/2006/relationships" xmlns:p14="http://schemas.microsoft.com/office/powerpoint/2010/main" xmlns:p15="http://schemas.microsoft.com/office/powerpoint/2012/main" xmlns:mc="http://schemas.openxmlformats.org/markup-compatibility/2006">
+<p:sld xmlns:a="http://schemas.openxmlformats.org/drawingml/2006/main" xmlns:r="http://schemas.openxmlformats.org/officeDocument/2006/relationships" xmlns:p="http://schemas.openxmlformats.org/presentationml/2006/main">
   <p:cSld>
     <p:spTree>
       <p:nvGrpSpPr>
@@ -7156,15 +7978,22 @@
           </a:ln>
         </p:spPr>
         <p:style>
-          <a:lnRef idx="0"/>
-          <a:fillRef idx="0"/>
-          <a:effectRef idx="0"/>
+          <a:lnRef idx="0">
+            <a:scrgbClr r="0" g="0" b="0"/>
+          </a:lnRef>
+          <a:fillRef idx="0">
+            <a:scrgbClr r="0" g="0" b="0"/>
+          </a:fillRef>
+          <a:effectRef idx="0">
+            <a:scrgbClr r="0" g="0" b="0"/>
+          </a:effectRef>
           <a:fontRef idx="minor"/>
         </p:style>
         <p:txBody>
-          <a:bodyPr lIns="90000" rIns="90000" tIns="45000" bIns="45000" anchor="t">
+          <a:bodyPr lIns="90000" tIns="45000" rIns="90000" bIns="45000" anchor="t">
             <a:spAutoFit/>
           </a:bodyPr>
+          <a:lstStyle/>
           <a:p>
             <a:pPr marL="216000" indent="-216000">
               <a:lnSpc>
@@ -7177,7 +8006,7 @@
               <a:buChar char="•"/>
             </a:pPr>
             <a:r>
-              <a:rPr b="1" lang="en-US" sz="1800" spc="-1" strike="noStrike">
+              <a:rPr lang="en-US" sz="1800" b="1" strike="noStrike" spc="-1">
                 <a:solidFill>
                   <a:srgbClr val="000000"/>
                 </a:solidFill>
@@ -7187,7 +8016,7 @@
               <a:t>Goal</a:t>
             </a:r>
             <a:r>
-              <a:rPr b="0" lang="en-US" sz="1800" spc="-1" strike="noStrike">
+              <a:rPr lang="en-US" sz="1800" b="0" strike="noStrike" spc="-1">
                 <a:solidFill>
                   <a:srgbClr val="000000"/>
                 </a:solidFill>
@@ -7196,7 +8025,7 @@
               </a:rPr>
               <a:t>: Insert a software trojan via a BadUSB device (keyboard injection) to modify a hardware design and execute a Denial-of-Service (DoS) attack.</a:t>
             </a:r>
-            <a:endParaRPr b="0" lang="en-US" sz="1800" spc="-1" strike="noStrike">
+            <a:endParaRPr lang="en-US" sz="1800" b="0" strike="noStrike" spc="-1">
               <a:latin typeface="Arial"/>
             </a:endParaRPr>
           </a:p>
@@ -7212,7 +8041,7 @@
               <a:buChar char="•"/>
             </a:pPr>
             <a:r>
-              <a:rPr b="1" lang="en-US" sz="1800" spc="-1" strike="noStrike">
+              <a:rPr lang="en-US" sz="1800" b="1" strike="noStrike" spc="-1">
                 <a:solidFill>
                   <a:srgbClr val="000000"/>
                 </a:solidFill>
@@ -7222,7 +8051,7 @@
               <a:t>Target</a:t>
             </a:r>
             <a:r>
-              <a:rPr b="0" lang="en-US" sz="1800" spc="-1" strike="noStrike">
+              <a:rPr lang="en-US" sz="1800" b="0" strike="noStrike" spc="-1">
                 <a:solidFill>
                   <a:srgbClr val="000000"/>
                 </a:solidFill>
@@ -7231,7 +8060,7 @@
               </a:rPr>
               <a:t>: A Verilog-based open-source hardware design (e.g., OpenCores or OpenTitan).</a:t>
             </a:r>
-            <a:endParaRPr b="0" lang="en-US" sz="1800" spc="-1" strike="noStrike">
+            <a:endParaRPr lang="en-US" sz="1800" b="0" strike="noStrike" spc="-1">
               <a:latin typeface="Arial"/>
             </a:endParaRPr>
           </a:p>
@@ -7257,15 +8086,22 @@
           </a:ln>
         </p:spPr>
         <p:style>
-          <a:lnRef idx="0"/>
-          <a:fillRef idx="0"/>
-          <a:effectRef idx="0"/>
+          <a:lnRef idx="0">
+            <a:scrgbClr r="0" g="0" b="0"/>
+          </a:lnRef>
+          <a:fillRef idx="0">
+            <a:scrgbClr r="0" g="0" b="0"/>
+          </a:fillRef>
+          <a:effectRef idx="0">
+            <a:scrgbClr r="0" g="0" b="0"/>
+          </a:effectRef>
           <a:fontRef idx="minor"/>
         </p:style>
         <p:txBody>
-          <a:bodyPr lIns="90000" rIns="90000" tIns="45000" bIns="45000" anchor="t">
+          <a:bodyPr lIns="90000" tIns="45000" rIns="90000" bIns="45000" anchor="t">
             <a:spAutoFit/>
           </a:bodyPr>
+          <a:lstStyle/>
           <a:p>
             <a:pPr>
               <a:lnSpc>
@@ -7274,7 +8110,7 @@
               <a:buNone/>
             </a:pPr>
             <a:r>
-              <a:rPr b="1" lang="en-US" sz="1800" spc="-1" strike="noStrike">
+              <a:rPr lang="en-US" sz="1800" b="1" strike="noStrike" spc="-1">
                 <a:solidFill>
                   <a:srgbClr val="000000"/>
                 </a:solidFill>
@@ -7284,7 +8120,7 @@
               <a:t>Key Attack Stages</a:t>
             </a:r>
             <a:r>
-              <a:rPr b="0" lang="en-US" sz="1800" spc="-1" strike="noStrike">
+              <a:rPr lang="en-US" sz="1800" b="0" strike="noStrike" spc="-1">
                 <a:solidFill>
                   <a:srgbClr val="000000"/>
                 </a:solidFill>
@@ -7293,7 +8129,7 @@
               </a:rPr>
               <a:t>:</a:t>
             </a:r>
-            <a:endParaRPr b="0" lang="en-US" sz="1800" spc="-1" strike="noStrike">
+            <a:endParaRPr lang="en-US" sz="1800" b="0" strike="noStrike" spc="-1">
               <a:latin typeface="Arial"/>
             </a:endParaRPr>
           </a:p>
@@ -7309,7 +8145,7 @@
               <a:buAutoNum type="arabicPeriod"/>
             </a:pPr>
             <a:r>
-              <a:rPr b="1" lang="en-US" sz="1800" spc="-1" strike="noStrike">
+              <a:rPr lang="en-US" sz="1800" b="1" strike="noStrike" spc="-1">
                 <a:solidFill>
                   <a:srgbClr val="000000"/>
                 </a:solidFill>
@@ -7319,7 +8155,7 @@
               <a:t>BadUSB Delivery</a:t>
             </a:r>
             <a:r>
-              <a:rPr b="0" lang="en-US" sz="1800" spc="-1" strike="noStrike">
+              <a:rPr lang="en-US" sz="1800" b="0" strike="noStrike" spc="-1">
                 <a:solidFill>
                   <a:srgbClr val="000000"/>
                 </a:solidFill>
@@ -7328,7 +8164,7 @@
               </a:rPr>
               <a:t>: The trojan is delivered through a BadUSB device, which injects a payload into the victim's system.</a:t>
             </a:r>
-            <a:endParaRPr b="0" lang="en-US" sz="1800" spc="-1" strike="noStrike">
+            <a:endParaRPr lang="en-US" sz="1800" b="0" strike="noStrike" spc="-1">
               <a:latin typeface="Arial"/>
             </a:endParaRPr>
           </a:p>
@@ -7344,7 +8180,7 @@
               <a:buAutoNum type="arabicPeriod"/>
             </a:pPr>
             <a:r>
-              <a:rPr b="1" lang="en-US" sz="1800" spc="-1" strike="noStrike">
+              <a:rPr lang="en-US" sz="1800" b="1" strike="noStrike" spc="-1">
                 <a:solidFill>
                   <a:srgbClr val="000000"/>
                 </a:solidFill>
@@ -7354,7 +8190,7 @@
               <a:t>Trojan Deployment</a:t>
             </a:r>
             <a:r>
-              <a:rPr b="0" lang="en-US" sz="1800" spc="-1" strike="noStrike">
+              <a:rPr lang="en-US" sz="1800" b="0" strike="noStrike" spc="-1">
                 <a:solidFill>
                   <a:srgbClr val="000000"/>
                 </a:solidFill>
@@ -7363,7 +8199,7 @@
               </a:rPr>
               <a:t>: The trojan searches for Verilog files related to the target hardware (UART perpheral).</a:t>
             </a:r>
-            <a:endParaRPr b="0" lang="en-US" sz="1800" spc="-1" strike="noStrike">
+            <a:endParaRPr lang="en-US" sz="1800" b="0" strike="noStrike" spc="-1">
               <a:latin typeface="Arial"/>
             </a:endParaRPr>
           </a:p>
@@ -7379,7 +8215,7 @@
               <a:buAutoNum type="arabicPeriod"/>
             </a:pPr>
             <a:r>
-              <a:rPr b="1" lang="en-US" sz="1800" spc="-1" strike="noStrike">
+              <a:rPr lang="en-US" sz="1800" b="1" strike="noStrike" spc="-1">
                 <a:solidFill>
                   <a:srgbClr val="000000"/>
                 </a:solidFill>
@@ -7389,7 +8225,7 @@
               <a:t>DoS Mechanism</a:t>
             </a:r>
             <a:r>
-              <a:rPr b="0" lang="en-US" sz="1800" spc="-1" strike="noStrike">
+              <a:rPr lang="en-US" sz="1800" b="0" strike="noStrike" spc="-1">
                 <a:solidFill>
                   <a:srgbClr val="000000"/>
                 </a:solidFill>
@@ -7398,7 +8234,7 @@
               </a:rPr>
               <a:t>: The trojan modifies the Verilog design, inserting a state machine that triggers a DoS attack when a specific condition is met (when a particular bit sequence in a UART transmission is detected).</a:t>
             </a:r>
-            <a:endParaRPr b="0" lang="en-US" sz="1800" spc="-1" strike="noStrike">
+            <a:endParaRPr lang="en-US" sz="1800" b="0" strike="noStrike" spc="-1">
               <a:latin typeface="Arial"/>
             </a:endParaRPr>
           </a:p>
@@ -7420,7 +8256,7 @@
           </a:prstGeom>
           <a:ln>
             <a:solidFill>
-              <a:srgbClr val="4472c4"/>
+              <a:srgbClr val="4472C4"/>
             </a:solidFill>
           </a:ln>
         </p:spPr>
@@ -7439,19 +8275,14 @@
       </p:sp>
     </p:spTree>
   </p:cSld>
-  <mc:AlternateContent>
-    <mc:Choice Requires="p14">
-      <p:transition spd="slow" p14:dur="2000"/>
-    </mc:Choice>
-    <mc:Fallback>
-      <p:transition spd="slow"/>
-    </mc:Fallback>
-  </mc:AlternateContent>
+  <p:clrMapOvr>
+    <a:masterClrMapping/>
+  </p:clrMapOvr>
 </p:sld>
 </file>
 
 <file path=ppt/slides/slide19.xml><?xml version="1.0" encoding="utf-8"?>
-<p:sld xmlns:a="http://schemas.openxmlformats.org/drawingml/2006/main" xmlns:p="http://schemas.openxmlformats.org/presentationml/2006/main" xmlns:r="http://schemas.openxmlformats.org/officeDocument/2006/relationships" xmlns:p14="http://schemas.microsoft.com/office/powerpoint/2010/main" xmlns:p15="http://schemas.microsoft.com/office/powerpoint/2012/main" xmlns:mc="http://schemas.openxmlformats.org/markup-compatibility/2006">
+<p:sld xmlns:a="http://schemas.openxmlformats.org/drawingml/2006/main" xmlns:r="http://schemas.openxmlformats.org/officeDocument/2006/relationships" xmlns:p="http://schemas.openxmlformats.org/presentationml/2006/main">
   <p:cSld>
     <p:spTree>
       <p:nvGrpSpPr>
@@ -7487,15 +8318,22 @@
           </a:ln>
         </p:spPr>
         <p:style>
-          <a:lnRef idx="0"/>
-          <a:fillRef idx="0"/>
-          <a:effectRef idx="0"/>
+          <a:lnRef idx="0">
+            <a:scrgbClr r="0" g="0" b="0"/>
+          </a:lnRef>
+          <a:fillRef idx="0">
+            <a:scrgbClr r="0" g="0" b="0"/>
+          </a:fillRef>
+          <a:effectRef idx="0">
+            <a:scrgbClr r="0" g="0" b="0"/>
+          </a:effectRef>
           <a:fontRef idx="minor"/>
         </p:style>
         <p:txBody>
-          <a:bodyPr lIns="90000" rIns="90000" tIns="45000" bIns="45000" anchor="t">
+          <a:bodyPr lIns="90000" tIns="45000" rIns="90000" bIns="45000" anchor="t">
             <a:spAutoFit/>
           </a:bodyPr>
+          <a:lstStyle/>
           <a:p>
             <a:pPr marL="216000" indent="-216000">
               <a:lnSpc>
@@ -7508,7 +8346,7 @@
               <a:buChar char=""/>
             </a:pPr>
             <a:r>
-              <a:rPr b="1" lang="el-GR" sz="1800" spc="-1" strike="noStrike">
+              <a:rPr lang="el-GR" sz="1800" b="1" strike="noStrike" spc="-1">
                 <a:solidFill>
                   <a:srgbClr val="000000"/>
                 </a:solidFill>
@@ -7518,7 +8356,7 @@
               <a:t>Impact</a:t>
             </a:r>
             <a:r>
-              <a:rPr b="0" lang="el-GR" sz="1800" spc="-1" strike="noStrike">
+              <a:rPr lang="el-GR" sz="1800" b="0" strike="noStrike" spc="-1">
                 <a:solidFill>
                   <a:srgbClr val="000000"/>
                 </a:solidFill>
@@ -7527,7 +8365,7 @@
               </a:rPr>
               <a:t>:</a:t>
             </a:r>
-            <a:endParaRPr b="0" lang="en-US" sz="1800" spc="-1" strike="noStrike">
+            <a:endParaRPr lang="en-US" sz="1800" b="0" strike="noStrike" spc="-1">
               <a:latin typeface="Arial"/>
             </a:endParaRPr>
           </a:p>
@@ -7543,7 +8381,7 @@
               <a:buChar char=""/>
             </a:pPr>
             <a:r>
-              <a:rPr b="0" lang="el-GR" sz="1800" spc="-1" strike="noStrike">
+              <a:rPr lang="el-GR" sz="1800" b="0" strike="noStrike" spc="-1">
                 <a:solidFill>
                   <a:srgbClr val="000000"/>
                 </a:solidFill>
@@ -7552,7 +8390,7 @@
               </a:rPr>
               <a:t>This type of attack can be subtle, hard to detect, and capable of crippling hardware functionality under specific, targeted conditions.</a:t>
             </a:r>
-            <a:endParaRPr b="0" lang="en-US" sz="1800" spc="-1" strike="noStrike">
+            <a:endParaRPr lang="en-US" sz="1800" b="0" strike="noStrike" spc="-1">
               <a:latin typeface="Arial"/>
             </a:endParaRPr>
           </a:p>
@@ -7578,15 +8416,22 @@
           </a:ln>
         </p:spPr>
         <p:style>
-          <a:lnRef idx="0"/>
-          <a:fillRef idx="0"/>
-          <a:effectRef idx="0"/>
+          <a:lnRef idx="0">
+            <a:scrgbClr r="0" g="0" b="0"/>
+          </a:lnRef>
+          <a:fillRef idx="0">
+            <a:scrgbClr r="0" g="0" b="0"/>
+          </a:fillRef>
+          <a:effectRef idx="0">
+            <a:scrgbClr r="0" g="0" b="0"/>
+          </a:effectRef>
           <a:fontRef idx="minor"/>
         </p:style>
         <p:txBody>
-          <a:bodyPr lIns="90000" rIns="90000" tIns="45000" bIns="45000" anchor="t">
+          <a:bodyPr lIns="90000" tIns="45000" rIns="90000" bIns="45000" anchor="t">
             <a:spAutoFit/>
           </a:bodyPr>
+          <a:lstStyle/>
           <a:p>
             <a:pPr>
               <a:lnSpc>
@@ -7595,7 +8440,7 @@
               <a:buNone/>
             </a:pPr>
             <a:r>
-              <a:rPr b="1" lang="en-US" sz="1800" spc="-1" strike="noStrike">
+              <a:rPr lang="en-US" sz="1800" b="1" strike="noStrike" spc="-1">
                 <a:solidFill>
                   <a:srgbClr val="000000"/>
                 </a:solidFill>
@@ -7605,7 +8450,7 @@
               <a:t>Severity of the Vulnerability</a:t>
             </a:r>
             <a:r>
-              <a:rPr b="0" lang="en-US" sz="1800" spc="-1" strike="noStrike">
+              <a:rPr lang="en-US" sz="1800" b="0" strike="noStrike" spc="-1">
                 <a:solidFill>
                   <a:srgbClr val="000000"/>
                 </a:solidFill>
@@ -7614,7 +8459,7 @@
               </a:rPr>
               <a:t>:</a:t>
             </a:r>
-            <a:endParaRPr b="0" lang="en-US" sz="1800" spc="-1" strike="noStrike">
+            <a:endParaRPr lang="en-US" sz="1800" b="0" strike="noStrike" spc="-1">
               <a:latin typeface="Arial"/>
             </a:endParaRPr>
           </a:p>
@@ -7630,7 +8475,7 @@
               <a:buChar char="•"/>
             </a:pPr>
             <a:r>
-              <a:rPr b="1" lang="en-US" sz="1800" spc="-1" strike="noStrike">
+              <a:rPr lang="en-US" sz="1800" b="1" strike="noStrike" spc="-1">
                 <a:solidFill>
                   <a:srgbClr val="000000"/>
                 </a:solidFill>
@@ -7640,7 +8485,7 @@
               <a:t>Insertion Phase</a:t>
             </a:r>
             <a:r>
-              <a:rPr b="0" lang="en-US" sz="1800" spc="-1" strike="noStrike">
+              <a:rPr lang="en-US" sz="1800" b="0" strike="noStrike" spc="-1">
                 <a:solidFill>
                   <a:srgbClr val="000000"/>
                 </a:solidFill>
@@ -7649,7 +8494,7 @@
               </a:rPr>
               <a:t>: Design stage</a:t>
             </a:r>
-            <a:endParaRPr b="0" lang="en-US" sz="1800" spc="-1" strike="noStrike">
+            <a:endParaRPr lang="en-US" sz="1800" b="0" strike="noStrike" spc="-1">
               <a:latin typeface="Arial"/>
             </a:endParaRPr>
           </a:p>
@@ -7665,7 +8510,7 @@
               <a:buChar char="•"/>
             </a:pPr>
             <a:r>
-              <a:rPr b="1" lang="en-US" sz="1800" spc="-1" strike="noStrike">
+              <a:rPr lang="en-US" sz="1800" b="1" strike="noStrike" spc="-1">
                 <a:solidFill>
                   <a:srgbClr val="000000"/>
                 </a:solidFill>
@@ -7675,7 +8520,7 @@
               <a:t>Abstraction Level</a:t>
             </a:r>
             <a:r>
-              <a:rPr b="0" lang="en-US" sz="1800" spc="-1" strike="noStrike">
+              <a:rPr lang="en-US" sz="1800" b="0" strike="noStrike" spc="-1">
                 <a:solidFill>
                   <a:srgbClr val="000000"/>
                 </a:solidFill>
@@ -7684,7 +8529,7 @@
               </a:rPr>
               <a:t>: Register-transfer level (RTL)</a:t>
             </a:r>
-            <a:endParaRPr b="0" lang="en-US" sz="1800" spc="-1" strike="noStrike">
+            <a:endParaRPr lang="en-US" sz="1800" b="0" strike="noStrike" spc="-1">
               <a:latin typeface="Arial"/>
             </a:endParaRPr>
           </a:p>
@@ -7700,7 +8545,7 @@
               <a:buChar char="•"/>
             </a:pPr>
             <a:r>
-              <a:rPr b="1" lang="en-US" sz="1800" spc="-1" strike="noStrike">
+              <a:rPr lang="en-US" sz="1800" b="1" strike="noStrike" spc="-1">
                 <a:solidFill>
                   <a:srgbClr val="000000"/>
                 </a:solidFill>
@@ -7710,7 +8555,7 @@
               <a:t>Activation Mechanism</a:t>
             </a:r>
             <a:r>
-              <a:rPr b="0" lang="en-US" sz="1800" spc="-1" strike="noStrike">
+              <a:rPr lang="en-US" sz="1800" b="0" strike="noStrike" spc="-1">
                 <a:solidFill>
                   <a:srgbClr val="000000"/>
                 </a:solidFill>
@@ -7719,7 +8564,7 @@
               </a:rPr>
               <a:t>: Conditionally triggered</a:t>
             </a:r>
-            <a:endParaRPr b="0" lang="en-US" sz="1800" spc="-1" strike="noStrike">
+            <a:endParaRPr lang="en-US" sz="1800" b="0" strike="noStrike" spc="-1">
               <a:latin typeface="Arial"/>
             </a:endParaRPr>
           </a:p>
@@ -7735,7 +8580,7 @@
               <a:buChar char="•"/>
             </a:pPr>
             <a:r>
-              <a:rPr b="1" lang="en-US" sz="1800" spc="-1" strike="noStrike">
+              <a:rPr lang="en-US" sz="1800" b="1" strike="noStrike" spc="-1">
                 <a:solidFill>
                   <a:srgbClr val="000000"/>
                 </a:solidFill>
@@ -7745,7 +8590,7 @@
               <a:t>Functional Effects</a:t>
             </a:r>
             <a:r>
-              <a:rPr b="0" lang="en-US" sz="1800" spc="-1" strike="noStrike">
+              <a:rPr lang="en-US" sz="1800" b="0" strike="noStrike" spc="-1">
                 <a:solidFill>
                   <a:srgbClr val="000000"/>
                 </a:solidFill>
@@ -7754,7 +8599,7 @@
               </a:rPr>
               <a:t>: Causes a denial-of-service (DoS) attack</a:t>
             </a:r>
-            <a:endParaRPr b="0" lang="en-US" sz="1800" spc="-1" strike="noStrike">
+            <a:endParaRPr lang="en-US" sz="1800" b="0" strike="noStrike" spc="-1">
               <a:latin typeface="Arial"/>
             </a:endParaRPr>
           </a:p>
@@ -7770,7 +8615,7 @@
               <a:buChar char="•"/>
             </a:pPr>
             <a:r>
-              <a:rPr b="1" lang="en-US" sz="1800" spc="-1" strike="noStrike">
+              <a:rPr lang="en-US" sz="1800" b="1" strike="noStrike" spc="-1">
                 <a:solidFill>
                   <a:srgbClr val="000000"/>
                 </a:solidFill>
@@ -7780,7 +8625,7 @@
               <a:t>Physical Characteristics</a:t>
             </a:r>
             <a:r>
-              <a:rPr b="0" lang="en-US" sz="1800" spc="-1" strike="noStrike">
+              <a:rPr lang="en-US" sz="1800" b="0" strike="noStrike" spc="-1">
                 <a:solidFill>
                   <a:srgbClr val="000000"/>
                 </a:solidFill>
@@ -7789,7 +8634,7 @@
               </a:rPr>
               <a:t>: Functional disruption</a:t>
             </a:r>
-            <a:endParaRPr b="0" lang="en-US" sz="1800" spc="-1" strike="noStrike">
+            <a:endParaRPr lang="en-US" sz="1800" b="0" strike="noStrike" spc="-1">
               <a:latin typeface="Arial"/>
             </a:endParaRPr>
           </a:p>
@@ -7815,15 +8660,22 @@
           </a:ln>
         </p:spPr>
         <p:style>
-          <a:lnRef idx="0"/>
-          <a:fillRef idx="0"/>
-          <a:effectRef idx="0"/>
+          <a:lnRef idx="0">
+            <a:scrgbClr r="0" g="0" b="0"/>
+          </a:lnRef>
+          <a:fillRef idx="0">
+            <a:scrgbClr r="0" g="0" b="0"/>
+          </a:fillRef>
+          <a:effectRef idx="0">
+            <a:scrgbClr r="0" g="0" b="0"/>
+          </a:effectRef>
           <a:fontRef idx="minor"/>
         </p:style>
         <p:txBody>
-          <a:bodyPr lIns="90000" rIns="90000" tIns="45000" bIns="45000" anchor="t">
+          <a:bodyPr lIns="90000" tIns="45000" rIns="90000" bIns="45000" anchor="t">
             <a:spAutoFit/>
           </a:bodyPr>
+          <a:lstStyle/>
           <a:p>
             <a:pPr>
               <a:lnSpc>
@@ -7832,7 +8684,7 @@
               <a:buNone/>
             </a:pPr>
             <a:r>
-              <a:rPr b="0" lang="en-US" sz="3200" spc="-1" strike="noStrike">
+              <a:rPr lang="en-US" sz="3200" b="0" strike="noStrike" spc="-1">
                 <a:solidFill>
                   <a:srgbClr val="000000"/>
                 </a:solidFill>
@@ -7841,7 +8693,7 @@
               </a:rPr>
               <a:t>Impact and vuln. severity</a:t>
             </a:r>
-            <a:endParaRPr b="0" lang="en-US" sz="3200" spc="-1" strike="noStrike">
+            <a:endParaRPr lang="en-US" sz="3200" b="0" strike="noStrike" spc="-1">
               <a:latin typeface="Arial"/>
             </a:endParaRPr>
           </a:p>
@@ -7863,7 +8715,7 @@
           </a:prstGeom>
           <a:ln>
             <a:solidFill>
-              <a:srgbClr val="4472c4"/>
+              <a:srgbClr val="4472C4"/>
             </a:solidFill>
           </a:ln>
         </p:spPr>
@@ -7882,19 +8734,14 @@
       </p:sp>
     </p:spTree>
   </p:cSld>
-  <mc:AlternateContent>
-    <mc:Choice Requires="p14">
-      <p:transition spd="slow" p14:dur="2000"/>
-    </mc:Choice>
-    <mc:Fallback>
-      <p:transition spd="slow"/>
-    </mc:Fallback>
-  </mc:AlternateContent>
+  <p:clrMapOvr>
+    <a:masterClrMapping/>
+  </p:clrMapOvr>
 </p:sld>
 </file>
 
 <file path=ppt/slides/slide2.xml><?xml version="1.0" encoding="utf-8"?>
-<p:sld xmlns:a="http://schemas.openxmlformats.org/drawingml/2006/main" xmlns:p="http://schemas.openxmlformats.org/presentationml/2006/main" xmlns:r="http://schemas.openxmlformats.org/officeDocument/2006/relationships" xmlns:p14="http://schemas.microsoft.com/office/powerpoint/2010/main" xmlns:p15="http://schemas.microsoft.com/office/powerpoint/2012/main" xmlns:mc="http://schemas.openxmlformats.org/markup-compatibility/2006">
+<p:sld xmlns:a="http://schemas.openxmlformats.org/drawingml/2006/main" xmlns:r="http://schemas.openxmlformats.org/officeDocument/2006/relationships" xmlns:p="http://schemas.openxmlformats.org/presentationml/2006/main">
   <p:cSld>
     <p:spTree>
       <p:nvGrpSpPr>
@@ -7912,12 +8759,12 @@
       </p:grpSpPr>
       <p:pic>
         <p:nvPicPr>
-          <p:cNvPr id="85" name="Picture 1" descr=""/>
+          <p:cNvPr id="85" name="Picture 1"/>
           <p:cNvPicPr/>
           <p:nvPr/>
         </p:nvPicPr>
         <p:blipFill>
-          <a:blip r:embed="rId1"/>
+          <a:blip r:embed="rId2"/>
           <a:stretch/>
         </p:blipFill>
         <p:spPr>
@@ -7953,15 +8800,22 @@
           </a:ln>
         </p:spPr>
         <p:style>
-          <a:lnRef idx="0"/>
-          <a:fillRef idx="0"/>
-          <a:effectRef idx="0"/>
+          <a:lnRef idx="0">
+            <a:scrgbClr r="0" g="0" b="0"/>
+          </a:lnRef>
+          <a:fillRef idx="0">
+            <a:scrgbClr r="0" g="0" b="0"/>
+          </a:fillRef>
+          <a:effectRef idx="0">
+            <a:scrgbClr r="0" g="0" b="0"/>
+          </a:effectRef>
           <a:fontRef idx="minor"/>
         </p:style>
         <p:txBody>
-          <a:bodyPr lIns="90000" rIns="90000" tIns="45000" bIns="45000" anchor="t">
+          <a:bodyPr lIns="90000" tIns="45000" rIns="90000" bIns="45000" anchor="t">
             <a:spAutoFit/>
           </a:bodyPr>
+          <a:lstStyle/>
           <a:p>
             <a:pPr>
               <a:lnSpc>
@@ -7970,7 +8824,7 @@
               <a:buNone/>
             </a:pPr>
             <a:r>
-              <a:rPr b="0" lang="en-US" sz="1800" spc="-1" strike="noStrike">
+              <a:rPr lang="en-US" sz="1800" b="0" strike="noStrike" spc="-1">
                 <a:solidFill>
                   <a:srgbClr val="000000"/>
                 </a:solidFill>
@@ -7979,7 +8833,7 @@
               </a:rPr>
               <a:t>Team : SystemsGenesys</a:t>
             </a:r>
-            <a:endParaRPr b="0" lang="en-US" sz="1800" spc="-1" strike="noStrike">
+            <a:endParaRPr lang="en-US" sz="1800" b="0" strike="noStrike" spc="-1">
               <a:latin typeface="Arial"/>
             </a:endParaRPr>
           </a:p>
@@ -8005,15 +8859,22 @@
           </a:ln>
         </p:spPr>
         <p:style>
-          <a:lnRef idx="0"/>
-          <a:fillRef idx="0"/>
-          <a:effectRef idx="0"/>
+          <a:lnRef idx="0">
+            <a:scrgbClr r="0" g="0" b="0"/>
+          </a:lnRef>
+          <a:fillRef idx="0">
+            <a:scrgbClr r="0" g="0" b="0"/>
+          </a:fillRef>
+          <a:effectRef idx="0">
+            <a:scrgbClr r="0" g="0" b="0"/>
+          </a:effectRef>
           <a:fontRef idx="minor"/>
         </p:style>
         <p:txBody>
-          <a:bodyPr lIns="90000" rIns="90000" tIns="45000" bIns="45000" anchor="t">
+          <a:bodyPr lIns="90000" tIns="45000" rIns="90000" bIns="45000" anchor="t">
             <a:spAutoFit/>
           </a:bodyPr>
+          <a:lstStyle/>
           <a:p>
             <a:pPr>
               <a:lnSpc>
@@ -8022,7 +8883,7 @@
               <a:buNone/>
             </a:pPr>
             <a:r>
-              <a:rPr b="0" lang="en-US" sz="1800" spc="293" strike="noStrike">
+              <a:rPr lang="en-US" sz="1800" b="0" strike="noStrike" spc="293">
                 <a:solidFill>
                   <a:srgbClr val="000000"/>
                 </a:solidFill>
@@ -8031,7 +8892,7 @@
               </a:rPr>
               <a:t>Mentor: Dr. Rantos Konstantinos</a:t>
             </a:r>
-            <a:endParaRPr b="0" lang="en-US" sz="1800" spc="-1" strike="noStrike">
+            <a:endParaRPr lang="en-US" sz="1800" b="0" strike="noStrike" spc="-1">
               <a:latin typeface="Arial"/>
             </a:endParaRPr>
           </a:p>
@@ -8057,15 +8918,22 @@
           </a:ln>
         </p:spPr>
         <p:style>
-          <a:lnRef idx="0"/>
-          <a:fillRef idx="0"/>
-          <a:effectRef idx="0"/>
+          <a:lnRef idx="0">
+            <a:scrgbClr r="0" g="0" b="0"/>
+          </a:lnRef>
+          <a:fillRef idx="0">
+            <a:scrgbClr r="0" g="0" b="0"/>
+          </a:fillRef>
+          <a:effectRef idx="0">
+            <a:scrgbClr r="0" g="0" b="0"/>
+          </a:effectRef>
           <a:fontRef idx="minor"/>
         </p:style>
         <p:txBody>
-          <a:bodyPr lIns="90000" rIns="90000" tIns="45000" bIns="45000" anchor="t">
+          <a:bodyPr lIns="90000" tIns="45000" rIns="90000" bIns="45000" anchor="t">
             <a:spAutoFit/>
           </a:bodyPr>
+          <a:lstStyle/>
           <a:p>
             <a:pPr>
               <a:lnSpc>
@@ -8074,7 +8942,7 @@
               <a:buNone/>
             </a:pPr>
             <a:r>
-              <a:rPr b="0" lang="en-US" sz="1800" spc="293" strike="noStrike">
+              <a:rPr lang="en-US" sz="1800" b="0" strike="noStrike" spc="293">
                 <a:solidFill>
                   <a:srgbClr val="000000"/>
                 </a:solidFill>
@@ -8083,7 +8951,7 @@
               </a:rPr>
               <a:t>Member: Batzolis Eleftherios </a:t>
             </a:r>
-            <a:endParaRPr b="0" lang="en-US" sz="1800" spc="-1" strike="noStrike">
+            <a:endParaRPr lang="en-US" sz="1800" b="0" strike="noStrike" spc="-1">
               <a:latin typeface="Arial"/>
             </a:endParaRPr>
           </a:p>
@@ -8109,15 +8977,22 @@
           </a:ln>
         </p:spPr>
         <p:style>
-          <a:lnRef idx="0"/>
-          <a:fillRef idx="0"/>
-          <a:effectRef idx="0"/>
+          <a:lnRef idx="0">
+            <a:scrgbClr r="0" g="0" b="0"/>
+          </a:lnRef>
+          <a:fillRef idx="0">
+            <a:scrgbClr r="0" g="0" b="0"/>
+          </a:fillRef>
+          <a:effectRef idx="0">
+            <a:scrgbClr r="0" g="0" b="0"/>
+          </a:effectRef>
           <a:fontRef idx="minor"/>
         </p:style>
         <p:txBody>
-          <a:bodyPr lIns="90000" rIns="90000" tIns="45000" bIns="45000" anchor="t">
+          <a:bodyPr lIns="90000" tIns="45000" rIns="90000" bIns="45000" anchor="t">
             <a:spAutoFit/>
           </a:bodyPr>
+          <a:lstStyle/>
           <a:p>
             <a:pPr>
               <a:lnSpc>
@@ -8126,7 +9001,7 @@
               <a:buNone/>
             </a:pPr>
             <a:r>
-              <a:rPr b="0" lang="en-US" sz="1800" spc="-1" strike="noStrike">
+              <a:rPr lang="en-US" sz="1800" b="0" strike="noStrike" spc="-1">
                 <a:solidFill>
                   <a:srgbClr val="000000"/>
                 </a:solidFill>
@@ -8135,7 +9010,7 @@
               </a:rPr>
               <a:t>Projects:  1) Stealthy Logic: Keyboard Injection to Verilog State Machine Trojan for Conditional DoS</a:t>
             </a:r>
-            <a:endParaRPr b="0" lang="en-US" sz="1800" spc="-1" strike="noStrike">
+            <a:endParaRPr lang="en-US" sz="1800" b="0" strike="noStrike" spc="-1">
               <a:latin typeface="Arial"/>
             </a:endParaRPr>
           </a:p>
@@ -8147,26 +9022,16 @@
               <a:buNone/>
             </a:pPr>
             <a:r>
-              <a:rPr b="0" lang="en-US" sz="1800" spc="-1" strike="noStrike">
+              <a:rPr lang="en-US" sz="1800" b="0" strike="noStrike" spc="-1">
                 <a:solidFill>
                   <a:srgbClr val="000000"/>
                 </a:solidFill>
                 <a:latin typeface="Calibri"/>
                 <a:ea typeface="DejaVu Sans"/>
               </a:rPr>
-              <a:t>	</a:t>
-            </a:r>
-            <a:r>
-              <a:rPr b="0" lang="en-US" sz="1800" spc="-1" strike="noStrike">
-                <a:solidFill>
-                  <a:srgbClr val="000000"/>
-                </a:solidFill>
-                <a:latin typeface="Calibri"/>
-                <a:ea typeface="DejaVu Sans"/>
-              </a:rPr>
-              <a:t>2) Cryptoleak: Subtle Timing Exploits for AES Key Extraction with Trojan Listeners</a:t>
-            </a:r>
-            <a:endParaRPr b="0" lang="en-US" sz="1800" spc="-1" strike="noStrike">
+              <a:t>	2) Cryptoleak: Subtle Timing Exploits for AES Key Extraction with Trojan Listeners</a:t>
+            </a:r>
+            <a:endParaRPr lang="en-US" sz="1800" b="0" strike="noStrike" spc="-1">
               <a:latin typeface="Arial"/>
             </a:endParaRPr>
           </a:p>
@@ -8174,19 +9039,14 @@
       </p:sp>
     </p:spTree>
   </p:cSld>
-  <mc:AlternateContent>
-    <mc:Choice Requires="p14">
-      <p:transition spd="slow" p14:dur="2000"/>
-    </mc:Choice>
-    <mc:Fallback>
-      <p:transition spd="slow"/>
-    </mc:Fallback>
-  </mc:AlternateContent>
+  <p:clrMapOvr>
+    <a:masterClrMapping/>
+  </p:clrMapOvr>
 </p:sld>
 </file>
 
 <file path=ppt/slides/slide20.xml><?xml version="1.0" encoding="utf-8"?>
-<p:sld xmlns:a="http://schemas.openxmlformats.org/drawingml/2006/main" xmlns:p="http://schemas.openxmlformats.org/presentationml/2006/main" xmlns:r="http://schemas.openxmlformats.org/officeDocument/2006/relationships" xmlns:p14="http://schemas.microsoft.com/office/powerpoint/2010/main" xmlns:p15="http://schemas.microsoft.com/office/powerpoint/2012/main" xmlns:mc="http://schemas.openxmlformats.org/markup-compatibility/2006">
+<p:sld xmlns:a="http://schemas.openxmlformats.org/drawingml/2006/main" xmlns:r="http://schemas.openxmlformats.org/officeDocument/2006/relationships" xmlns:p="http://schemas.openxmlformats.org/presentationml/2006/main">
   <p:cSld>
     <p:spTree>
       <p:nvGrpSpPr>
@@ -8236,15 +9096,22 @@
             </a:ln>
           </p:spPr>
           <p:style>
-            <a:lnRef idx="0"/>
-            <a:fillRef idx="0"/>
-            <a:effectRef idx="0"/>
+            <a:lnRef idx="0">
+              <a:scrgbClr r="0" g="0" b="0"/>
+            </a:lnRef>
+            <a:fillRef idx="0">
+              <a:scrgbClr r="0" g="0" b="0"/>
+            </a:fillRef>
+            <a:effectRef idx="0">
+              <a:scrgbClr r="0" g="0" b="0"/>
+            </a:effectRef>
             <a:fontRef idx="minor"/>
           </p:style>
           <p:txBody>
-            <a:bodyPr lIns="108720" rIns="108720" tIns="54360" bIns="54360" anchor="t">
+            <a:bodyPr lIns="108720" tIns="54360" rIns="108720" bIns="54360" anchor="t">
               <a:spAutoFit/>
             </a:bodyPr>
+            <a:lstStyle/>
             <a:p>
               <a:pPr algn="ctr">
                 <a:lnSpc>
@@ -8255,30 +9122,20 @@
                 </a:spcBef>
                 <a:buNone/>
                 <a:tabLst>
-                  <a:tab algn="l" pos="0"/>
+                  <a:tab pos="0" algn="l"/>
                 </a:tabLst>
               </a:pPr>
               <a:r>
-                <a:rPr b="0" lang="en-US" sz="3200" spc="-1" strike="noStrike">
+                <a:rPr lang="en-US" sz="3200" b="0" strike="noStrike" spc="-1">
                   <a:solidFill>
                     <a:srgbClr val="000000"/>
                   </a:solidFill>
                   <a:latin typeface="Segoe UI Variable Display Semib"/>
                   <a:ea typeface="Source Sans Pro"/>
                 </a:rPr>
-                <a:t> </a:t>
+                <a:t> Cryptoleak: Subtle Timing Exploits for AES Key Extraction with Trojan Listeners </a:t>
               </a:r>
-              <a:r>
-                <a:rPr b="0" lang="en-US" sz="3200" spc="-1" strike="noStrike">
-                  <a:solidFill>
-                    <a:srgbClr val="000000"/>
-                  </a:solidFill>
-                  <a:latin typeface="Segoe UI Variable Display Semib"/>
-                  <a:ea typeface="Source Sans Pro"/>
-                </a:rPr>
-                <a:t>Cryptoleak: Subtle Timing Exploits for AES Key Extraction with Trojan Listeners </a:t>
-              </a:r>
-              <a:endParaRPr b="0" lang="en-US" sz="3200" spc="-1" strike="noStrike">
+              <a:endParaRPr lang="en-US" sz="3200" b="0" strike="noStrike" spc="-1">
                 <a:latin typeface="Arial"/>
               </a:endParaRPr>
             </a:p>
@@ -8304,15 +9161,22 @@
             </a:ln>
           </p:spPr>
           <p:style>
-            <a:lnRef idx="0"/>
-            <a:fillRef idx="0"/>
-            <a:effectRef idx="0"/>
+            <a:lnRef idx="0">
+              <a:scrgbClr r="0" g="0" b="0"/>
+            </a:lnRef>
+            <a:fillRef idx="0">
+              <a:scrgbClr r="0" g="0" b="0"/>
+            </a:fillRef>
+            <a:effectRef idx="0">
+              <a:scrgbClr r="0" g="0" b="0"/>
+            </a:effectRef>
             <a:fontRef idx="minor"/>
           </p:style>
           <p:txBody>
-            <a:bodyPr lIns="90000" rIns="90000" tIns="45000" bIns="45000" anchor="t">
+            <a:bodyPr lIns="90000" tIns="45000" rIns="90000" bIns="45000" anchor="t">
               <a:spAutoFit/>
             </a:bodyPr>
+            <a:lstStyle/>
             <a:p>
               <a:pPr algn="ctr">
                 <a:lnSpc>
@@ -8321,9 +9185,9 @@
                 <a:buNone/>
               </a:pPr>
               <a:r>
-                <a:rPr b="0" lang="en-US" sz="28700" spc="-1" strike="noStrike">
+                <a:rPr lang="en-US" sz="28700" b="0" strike="noStrike" spc="-1">
                   <a:solidFill>
-                    <a:srgbClr val="00aad4"/>
+                    <a:srgbClr val="00AAD4"/>
                   </a:solidFill>
                   <a:latin typeface="Source Sans Pro"/>
                   <a:ea typeface="Source Sans Pro"/>
@@ -8331,9 +9195,9 @@
                 <a:t>2</a:t>
               </a:r>
               <a:r>
-                <a:rPr b="0" lang="en-US" sz="11500" spc="-1" strike="noStrike" baseline="30000">
+                <a:rPr lang="en-US" sz="11500" b="0" strike="noStrike" spc="-1" baseline="30000">
                   <a:solidFill>
-                    <a:srgbClr val="00aad4"/>
+                    <a:srgbClr val="00AAD4"/>
                   </a:solidFill>
                   <a:latin typeface="Source Sans Pro"/>
                   <a:ea typeface="Source Sans Pro"/>
@@ -8341,16 +9205,16 @@
                 <a:t>nd</a:t>
               </a:r>
               <a:r>
-                <a:rPr b="0" lang="en-US" sz="11500" spc="-1" strike="noStrike">
+                <a:rPr lang="en-US" sz="11500" b="0" strike="noStrike" spc="-1">
                   <a:solidFill>
-                    <a:srgbClr val="00aad4"/>
+                    <a:srgbClr val="00AAD4"/>
                   </a:solidFill>
                   <a:latin typeface="Source Sans Pro"/>
                   <a:ea typeface="Source Sans Pro"/>
                 </a:rPr>
                 <a:t> design</a:t>
               </a:r>
-              <a:endParaRPr b="0" lang="en-US" sz="11500" spc="-1" strike="noStrike">
+              <a:endParaRPr lang="en-US" sz="11500" b="0" strike="noStrike" spc="-1">
                 <a:latin typeface="Arial"/>
               </a:endParaRPr>
             </a:p>
@@ -8359,19 +9223,14 @@
       </p:grpSp>
     </p:spTree>
   </p:cSld>
-  <mc:AlternateContent>
-    <mc:Choice Requires="p14">
-      <p:transition spd="slow" p14:dur="2000"/>
-    </mc:Choice>
-    <mc:Fallback>
-      <p:transition spd="slow"/>
-    </mc:Fallback>
-  </mc:AlternateContent>
+  <p:clrMapOvr>
+    <a:masterClrMapping/>
+  </p:clrMapOvr>
 </p:sld>
 </file>
 
 <file path=ppt/slides/slide21.xml><?xml version="1.0" encoding="utf-8"?>
-<p:sld xmlns:a="http://schemas.openxmlformats.org/drawingml/2006/main" xmlns:p="http://schemas.openxmlformats.org/presentationml/2006/main" xmlns:r="http://schemas.openxmlformats.org/officeDocument/2006/relationships" xmlns:p14="http://schemas.microsoft.com/office/powerpoint/2010/main" xmlns:p15="http://schemas.microsoft.com/office/powerpoint/2012/main" xmlns:mc="http://schemas.openxmlformats.org/markup-compatibility/2006">
+<p:sld xmlns:a="http://schemas.openxmlformats.org/drawingml/2006/main" xmlns:r="http://schemas.openxmlformats.org/officeDocument/2006/relationships" xmlns:p="http://schemas.openxmlformats.org/presentationml/2006/main">
   <p:cSld>
     <p:spTree>
       <p:nvGrpSpPr>
@@ -8407,15 +9266,22 @@
           </a:ln>
         </p:spPr>
         <p:style>
-          <a:lnRef idx="0"/>
-          <a:fillRef idx="0"/>
-          <a:effectRef idx="0"/>
+          <a:lnRef idx="0">
+            <a:scrgbClr r="0" g="0" b="0"/>
+          </a:lnRef>
+          <a:fillRef idx="0">
+            <a:scrgbClr r="0" g="0" b="0"/>
+          </a:fillRef>
+          <a:effectRef idx="0">
+            <a:scrgbClr r="0" g="0" b="0"/>
+          </a:effectRef>
           <a:fontRef idx="minor"/>
         </p:style>
         <p:txBody>
-          <a:bodyPr lIns="90000" rIns="90000" tIns="45000" bIns="45000" anchor="t">
+          <a:bodyPr lIns="90000" tIns="45000" rIns="90000" bIns="45000" anchor="t">
             <a:spAutoFit/>
           </a:bodyPr>
+          <a:lstStyle/>
           <a:p>
             <a:pPr marL="216000" indent="-216000">
               <a:lnSpc>
@@ -8428,7 +9294,7 @@
               <a:buChar char="•"/>
             </a:pPr>
             <a:r>
-              <a:rPr b="1" lang="en-US" sz="1800" spc="-1" strike="noStrike">
+              <a:rPr lang="en-US" sz="1800" b="1" strike="noStrike" spc="-1">
                 <a:solidFill>
                   <a:srgbClr val="000000"/>
                 </a:solidFill>
@@ -8438,7 +9304,7 @@
               <a:t>Goal</a:t>
             </a:r>
             <a:r>
-              <a:rPr b="0" lang="en-US" sz="1800" spc="-1" strike="noStrike">
+              <a:rPr lang="en-US" sz="1800" b="0" strike="noStrike" spc="-1">
                 <a:solidFill>
                   <a:srgbClr val="000000"/>
                 </a:solidFill>
@@ -8447,7 +9313,7 @@
               </a:rPr>
               <a:t>: Covertly exfiltrate AES encryption keys by modulating the clock signal in a hardware design.</a:t>
             </a:r>
-            <a:endParaRPr b="0" lang="en-US" sz="1800" spc="-1" strike="noStrike">
+            <a:endParaRPr lang="en-US" sz="1800" b="0" strike="noStrike" spc="-1">
               <a:latin typeface="Arial"/>
             </a:endParaRPr>
           </a:p>
@@ -8463,7 +9329,7 @@
               <a:buChar char="•"/>
             </a:pPr>
             <a:r>
-              <a:rPr b="1" lang="en-US" sz="1800" spc="-1" strike="noStrike">
+              <a:rPr lang="en-US" sz="1800" b="1" strike="noStrike" spc="-1">
                 <a:solidFill>
                   <a:srgbClr val="000000"/>
                 </a:solidFill>
@@ -8473,7 +9339,7 @@
               <a:t>Target</a:t>
             </a:r>
             <a:r>
-              <a:rPr b="0" lang="en-US" sz="1800" spc="-1" strike="noStrike">
+              <a:rPr lang="en-US" sz="1800" b="0" strike="noStrike" spc="-1">
                 <a:solidFill>
                   <a:srgbClr val="000000"/>
                 </a:solidFill>
@@ -8482,7 +9348,7 @@
               </a:rPr>
               <a:t>: AES IP core integrated into a PC, where the AES key is leaked through clock signal variations.</a:t>
             </a:r>
-            <a:endParaRPr b="0" lang="en-US" sz="1800" spc="-1" strike="noStrike">
+            <a:endParaRPr lang="en-US" sz="1800" b="0" strike="noStrike" spc="-1">
               <a:latin typeface="Arial"/>
             </a:endParaRPr>
           </a:p>
@@ -8497,7 +9363,7 @@
         <p:spPr>
           <a:xfrm>
             <a:off x="6816240" y="1214640"/>
-            <a:ext cx="4734000" cy="5301720"/>
+            <a:ext cx="4734000" cy="4245863"/>
           </a:xfrm>
           <a:prstGeom prst="rect">
             <a:avLst/>
@@ -8508,15 +9374,22 @@
           </a:ln>
         </p:spPr>
         <p:style>
-          <a:lnRef idx="0"/>
-          <a:fillRef idx="0"/>
-          <a:effectRef idx="0"/>
+          <a:lnRef idx="0">
+            <a:scrgbClr r="0" g="0" b="0"/>
+          </a:lnRef>
+          <a:fillRef idx="0">
+            <a:scrgbClr r="0" g="0" b="0"/>
+          </a:fillRef>
+          <a:effectRef idx="0">
+            <a:scrgbClr r="0" g="0" b="0"/>
+          </a:effectRef>
           <a:fontRef idx="minor"/>
         </p:style>
         <p:txBody>
-          <a:bodyPr lIns="90000" rIns="90000" tIns="45000" bIns="45000" anchor="t">
+          <a:bodyPr lIns="90000" tIns="45000" rIns="90000" bIns="45000" anchor="t">
             <a:spAutoFit/>
           </a:bodyPr>
+          <a:lstStyle/>
           <a:p>
             <a:pPr>
               <a:lnSpc>
@@ -8525,7 +9398,7 @@
               <a:buNone/>
             </a:pPr>
             <a:r>
-              <a:rPr b="1" lang="en-US" sz="1800" spc="-1" strike="noStrike">
+              <a:rPr lang="en-US" sz="1800" b="1" strike="noStrike" spc="-1" dirty="0">
                 <a:solidFill>
                   <a:srgbClr val="000000"/>
                 </a:solidFill>
@@ -8535,7 +9408,7 @@
               <a:t>Attack Stages</a:t>
             </a:r>
             <a:r>
-              <a:rPr b="0" lang="en-US" sz="1800" spc="-1" strike="noStrike">
+              <a:rPr lang="en-US" sz="1800" b="0" strike="noStrike" spc="-1" dirty="0">
                 <a:solidFill>
                   <a:srgbClr val="000000"/>
                 </a:solidFill>
@@ -8544,77 +9417,40 @@
               </a:rPr>
               <a:t>:</a:t>
             </a:r>
-            <a:endParaRPr b="0" lang="en-US" sz="1800" spc="-1" strike="noStrike">
-              <a:latin typeface="Arial"/>
-            </a:endParaRPr>
-          </a:p>
-          <a:p>
-            <a:pPr marL="216000" indent="-216000">
+            <a:endParaRPr lang="en-US" sz="1800" b="0" strike="noStrike" spc="-1" dirty="0">
+              <a:latin typeface="Arial"/>
+            </a:endParaRPr>
+          </a:p>
+          <a:p>
+            <a:pPr>
               <a:lnSpc>
                 <a:spcPct val="100000"/>
               </a:lnSpc>
               <a:buClr>
                 <a:srgbClr val="000000"/>
               </a:buClr>
-              <a:buFont typeface="Calibri Light"/>
-              <a:buAutoNum type="arabicPeriod"/>
-            </a:pPr>
-            <a:r>
-              <a:rPr b="1" lang="en-US" sz="1800" spc="-1" strike="noStrike">
+            </a:pPr>
+            <a:r>
+              <a:rPr lang="en-US" sz="1800" b="1" strike="noStrike" spc="-1" dirty="0">
                 <a:solidFill>
                   <a:srgbClr val="000000"/>
                 </a:solidFill>
                 <a:latin typeface="Calibri"/>
                 <a:ea typeface="DejaVu Sans"/>
               </a:rPr>
-              <a:t>Trojan Introduction via BadUSB</a:t>
-            </a:r>
-            <a:r>
-              <a:rPr b="0" lang="en-US" sz="1800" spc="-1" strike="noStrike">
+              <a:t>Clock Modulation</a:t>
+            </a:r>
+            <a:r>
+              <a:rPr lang="en-US" sz="1800" b="0" strike="noStrike" spc="-1" dirty="0">
                 <a:solidFill>
                   <a:srgbClr val="000000"/>
                 </a:solidFill>
                 <a:latin typeface="Calibri"/>
                 <a:ea typeface="DejaVu Sans"/>
               </a:rPr>
-              <a:t>: The trojan modifies the AES Verilog core, causing subtle modulation of the clock signal during key scheduling or encryption.</a:t>
-            </a:r>
-            <a:endParaRPr b="0" lang="en-US" sz="1800" spc="-1" strike="noStrike">
-              <a:latin typeface="Arial"/>
-            </a:endParaRPr>
-          </a:p>
-          <a:p>
-            <a:pPr marL="216000" indent="-216000">
-              <a:lnSpc>
-                <a:spcPct val="100000"/>
-              </a:lnSpc>
-              <a:buClr>
-                <a:srgbClr val="000000"/>
-              </a:buClr>
-              <a:buFont typeface="Calibri Light"/>
-              <a:buAutoNum type="arabicPeriod"/>
-            </a:pPr>
-            <a:r>
-              <a:rPr b="1" lang="en-US" sz="1800" spc="-1" strike="noStrike">
-                <a:solidFill>
-                  <a:srgbClr val="000000"/>
-                </a:solidFill>
-                <a:latin typeface="Calibri"/>
-                <a:ea typeface="DejaVu Sans"/>
-              </a:rPr>
-              <a:t>Clock Modulation</a:t>
-            </a:r>
-            <a:r>
-              <a:rPr b="0" lang="en-US" sz="1800" spc="-1" strike="noStrike">
-                <a:solidFill>
-                  <a:srgbClr val="000000"/>
-                </a:solidFill>
-                <a:latin typeface="Calibri"/>
-                <a:ea typeface="DejaVu Sans"/>
-              </a:rPr>
               <a:t>: The trojan encodes the AES key into small changes in the clock frequency, phase, or duty cycle during encryption operations.</a:t>
             </a:r>
-            <a:endParaRPr b="0" lang="en-US" sz="1800" spc="-1" strike="noStrike">
+            <a:endParaRPr lang="en-US" sz="1800" b="0" strike="noStrike" spc="-1" dirty="0">
               <a:latin typeface="Arial"/>
             </a:endParaRPr>
           </a:p>
@@ -8625,7 +9461,7 @@
               </a:lnSpc>
               <a:buNone/>
             </a:pPr>
-            <a:endParaRPr b="0" lang="en-US" sz="1800" spc="-1" strike="noStrike">
+            <a:endParaRPr lang="en-US" sz="1800" b="0" strike="noStrike" spc="-1" dirty="0">
               <a:latin typeface="Arial"/>
             </a:endParaRPr>
           </a:p>
@@ -8641,7 +9477,7 @@
               <a:buChar char="•"/>
             </a:pPr>
             <a:r>
-              <a:rPr b="1" lang="en-US" sz="1800" spc="-1" strike="noStrike">
+              <a:rPr lang="en-US" sz="1800" b="1" strike="noStrike" spc="-1" dirty="0">
                 <a:solidFill>
                   <a:srgbClr val="000000"/>
                 </a:solidFill>
@@ -8651,7 +9487,7 @@
               <a:t>Main Techniques</a:t>
             </a:r>
             <a:r>
-              <a:rPr b="0" lang="en-US" sz="1800" spc="-1" strike="noStrike">
+              <a:rPr lang="en-US" sz="1800" b="0" strike="noStrike" spc="-1" dirty="0">
                 <a:solidFill>
                   <a:srgbClr val="000000"/>
                 </a:solidFill>
@@ -8660,12 +9496,12 @@
               </a:rPr>
               <a:t>:</a:t>
             </a:r>
-            <a:endParaRPr b="0" lang="en-US" sz="1800" spc="-1" strike="noStrike">
-              <a:latin typeface="Arial"/>
-            </a:endParaRPr>
-          </a:p>
-          <a:p>
-            <a:pPr lvl="1" marL="743040" indent="-285840">
+            <a:endParaRPr lang="en-US" sz="1800" b="0" strike="noStrike" spc="-1" dirty="0">
+              <a:latin typeface="Arial"/>
+            </a:endParaRPr>
+          </a:p>
+          <a:p>
+            <a:pPr marL="743040" lvl="1" indent="-285840">
               <a:lnSpc>
                 <a:spcPct val="100000"/>
               </a:lnSpc>
@@ -8676,7 +9512,7 @@
               <a:buChar char="•"/>
             </a:pPr>
             <a:r>
-              <a:rPr b="1" lang="en-US" sz="1800" spc="-1" strike="noStrike">
+              <a:rPr lang="en-US" sz="1800" b="1" strike="noStrike" spc="-1" dirty="0">
                 <a:solidFill>
                   <a:srgbClr val="000000"/>
                 </a:solidFill>
@@ -8686,7 +9522,7 @@
               <a:t>Clock Signal Modulation</a:t>
             </a:r>
             <a:r>
-              <a:rPr b="0" lang="en-US" sz="1800" spc="-1" strike="noStrike">
+              <a:rPr lang="en-US" sz="1800" b="0" strike="noStrike" spc="-1" dirty="0">
                 <a:solidFill>
                   <a:srgbClr val="000000"/>
                 </a:solidFill>
@@ -8695,12 +9531,12 @@
               </a:rPr>
               <a:t>: Introducing slight variations (frequency or phase shifts) in the clock signal to encode key bits.</a:t>
             </a:r>
-            <a:endParaRPr b="0" lang="en-US" sz="1800" spc="-1" strike="noStrike">
-              <a:latin typeface="Arial"/>
-            </a:endParaRPr>
-          </a:p>
-          <a:p>
-            <a:pPr lvl="1" marL="743040" indent="-285840">
+            <a:endParaRPr lang="en-US" sz="1800" b="0" strike="noStrike" spc="-1" dirty="0">
+              <a:latin typeface="Arial"/>
+            </a:endParaRPr>
+          </a:p>
+          <a:p>
+            <a:pPr marL="743040" lvl="1" indent="-285840">
               <a:lnSpc>
                 <a:spcPct val="100000"/>
               </a:lnSpc>
@@ -8711,26 +9547,56 @@
               <a:buChar char="•"/>
             </a:pPr>
             <a:r>
-              <a:rPr b="1" lang="en-US" sz="1800" spc="-1" strike="noStrike">
+              <a:rPr lang="en-US" sz="1800" b="1" strike="noStrike" spc="-1" dirty="0" err="1">
                 <a:solidFill>
                   <a:srgbClr val="000000"/>
                 </a:solidFill>
                 <a:latin typeface="Calibri"/>
                 <a:ea typeface="DejaVu Sans"/>
               </a:rPr>
-              <a:t>BadUSB for Trojan Injection</a:t>
-            </a:r>
-            <a:r>
-              <a:rPr b="0" lang="en-US" sz="1800" spc="-1" strike="noStrike">
+              <a:t>BadUSB</a:t>
+            </a:r>
+            <a:r>
+              <a:rPr lang="en-US" sz="1800" b="1" strike="noStrike" spc="-1" dirty="0">
                 <a:solidFill>
                   <a:srgbClr val="000000"/>
                 </a:solidFill>
                 <a:latin typeface="Calibri"/>
                 <a:ea typeface="DejaVu Sans"/>
               </a:rPr>
-              <a:t>: Using BadUSB to inject a trojan that modifies the Verilog IP core.</a:t>
-            </a:r>
-            <a:endParaRPr b="0" lang="en-US" sz="1800" spc="-1" strike="noStrike">
+              <a:t> for Trojan Injection</a:t>
+            </a:r>
+            <a:r>
+              <a:rPr lang="en-US" sz="1800" b="0" strike="noStrike" spc="-1" dirty="0">
+                <a:solidFill>
+                  <a:srgbClr val="000000"/>
+                </a:solidFill>
+                <a:latin typeface="Calibri"/>
+                <a:ea typeface="DejaVu Sans"/>
+              </a:rPr>
+              <a:t>: Using </a:t>
+            </a:r>
+            <a:r>
+              <a:rPr lang="en-US" sz="1800" b="0" strike="noStrike" spc="-1" dirty="0" err="1">
+                <a:solidFill>
+                  <a:srgbClr val="000000"/>
+                </a:solidFill>
+                <a:latin typeface="Calibri"/>
+                <a:ea typeface="DejaVu Sans"/>
+              </a:rPr>
+              <a:t>BadUSB</a:t>
+            </a:r>
+            <a:r>
+              <a:rPr lang="en-US" sz="1800" b="0" strike="noStrike" spc="-1" dirty="0">
+                <a:solidFill>
+                  <a:srgbClr val="000000"/>
+                </a:solidFill>
+                <a:latin typeface="Calibri"/>
+                <a:ea typeface="DejaVu Sans"/>
+              </a:rPr>
+              <a:t> to inject a trojan that modifies the Verilog IP core.</a:t>
+            </a:r>
+            <a:endParaRPr lang="en-US" sz="1800" b="0" strike="noStrike" spc="-1" dirty="0">
               <a:latin typeface="Arial"/>
             </a:endParaRPr>
           </a:p>
@@ -8741,7 +9607,7 @@
               </a:lnSpc>
               <a:buNone/>
             </a:pPr>
-            <a:endParaRPr b="0" lang="en-US" sz="1800" spc="-1" strike="noStrike">
+            <a:endParaRPr lang="en-US" sz="1800" b="0" strike="noStrike" spc="-1" dirty="0">
               <a:latin typeface="Arial"/>
             </a:endParaRPr>
           </a:p>
@@ -8763,7 +9629,7 @@
           </a:prstGeom>
           <a:ln>
             <a:solidFill>
-              <a:srgbClr val="4472c4"/>
+              <a:srgbClr val="4472C4"/>
             </a:solidFill>
           </a:ln>
         </p:spPr>
@@ -8800,15 +9666,22 @@
           </a:ln>
         </p:spPr>
         <p:style>
-          <a:lnRef idx="0"/>
-          <a:fillRef idx="0"/>
-          <a:effectRef idx="0"/>
+          <a:lnRef idx="0">
+            <a:scrgbClr r="0" g="0" b="0"/>
+          </a:lnRef>
+          <a:fillRef idx="0">
+            <a:scrgbClr r="0" g="0" b="0"/>
+          </a:fillRef>
+          <a:effectRef idx="0">
+            <a:scrgbClr r="0" g="0" b="0"/>
+          </a:effectRef>
           <a:fontRef idx="minor"/>
         </p:style>
         <p:txBody>
-          <a:bodyPr lIns="90000" rIns="90000" tIns="45000" bIns="45000" anchor="t">
+          <a:bodyPr lIns="90000" tIns="45000" rIns="90000" bIns="45000" anchor="t">
             <a:spAutoFit/>
           </a:bodyPr>
+          <a:lstStyle/>
           <a:p>
             <a:pPr>
               <a:lnSpc>
@@ -8817,7 +9690,7 @@
               <a:buNone/>
             </a:pPr>
             <a:r>
-              <a:rPr b="1" lang="en-US" sz="3200" spc="-1" strike="noStrike">
+              <a:rPr lang="en-US" sz="3200" b="1" strike="noStrike" spc="-1">
                 <a:solidFill>
                   <a:srgbClr val="000000"/>
                 </a:solidFill>
@@ -8826,7 +9699,7 @@
               </a:rPr>
               <a:t>Introduction</a:t>
             </a:r>
-            <a:endParaRPr b="0" lang="en-US" sz="3200" spc="-1" strike="noStrike">
+            <a:endParaRPr lang="en-US" sz="3200" b="0" strike="noStrike" spc="-1">
               <a:latin typeface="Arial"/>
             </a:endParaRPr>
           </a:p>
@@ -8834,19 +9707,14 @@
       </p:sp>
     </p:spTree>
   </p:cSld>
-  <mc:AlternateContent>
-    <mc:Choice Requires="p14">
-      <p:transition spd="slow" p14:dur="2000"/>
-    </mc:Choice>
-    <mc:Fallback>
-      <p:transition spd="slow"/>
-    </mc:Fallback>
-  </mc:AlternateContent>
+  <p:clrMapOvr>
+    <a:masterClrMapping/>
+  </p:clrMapOvr>
 </p:sld>
 </file>
 
 <file path=ppt/slides/slide22.xml><?xml version="1.0" encoding="utf-8"?>
-<p:sld xmlns:a="http://schemas.openxmlformats.org/drawingml/2006/main" xmlns:p="http://schemas.openxmlformats.org/presentationml/2006/main" xmlns:r="http://schemas.openxmlformats.org/officeDocument/2006/relationships" xmlns:p14="http://schemas.microsoft.com/office/powerpoint/2010/main" xmlns:p15="http://schemas.microsoft.com/office/powerpoint/2012/main" xmlns:mc="http://schemas.openxmlformats.org/markup-compatibility/2006">
+<p:sld xmlns:a="http://schemas.openxmlformats.org/drawingml/2006/main" xmlns:r="http://schemas.openxmlformats.org/officeDocument/2006/relationships" xmlns:p="http://schemas.openxmlformats.org/presentationml/2006/main">
   <p:cSld>
     <p:spTree>
       <p:nvGrpSpPr>
@@ -8870,7 +9738,7 @@
         </p:nvSpPr>
         <p:spPr>
           <a:xfrm>
-            <a:off x="3932640" y="1371600"/>
+            <a:off x="4153260" y="796680"/>
             <a:ext cx="3885480" cy="577080"/>
           </a:xfrm>
           <a:prstGeom prst="rect">
@@ -8882,15 +9750,22 @@
           </a:ln>
         </p:spPr>
         <p:style>
-          <a:lnRef idx="0"/>
-          <a:fillRef idx="0"/>
-          <a:effectRef idx="0"/>
+          <a:lnRef idx="0">
+            <a:scrgbClr r="0" g="0" b="0"/>
+          </a:lnRef>
+          <a:fillRef idx="0">
+            <a:scrgbClr r="0" g="0" b="0"/>
+          </a:fillRef>
+          <a:effectRef idx="0">
+            <a:scrgbClr r="0" g="0" b="0"/>
+          </a:effectRef>
           <a:fontRef idx="minor"/>
         </p:style>
         <p:txBody>
-          <a:bodyPr lIns="90000" rIns="90000" tIns="45000" bIns="45000" anchor="t">
+          <a:bodyPr lIns="90000" tIns="45000" rIns="90000" bIns="45000" anchor="t">
             <a:spAutoFit/>
           </a:bodyPr>
+          <a:lstStyle/>
           <a:p>
             <a:pPr>
               <a:lnSpc>
@@ -8899,7 +9774,7 @@
               <a:buNone/>
             </a:pPr>
             <a:r>
-              <a:rPr b="0" lang="en-US" sz="3200" spc="-1" strike="noStrike">
+              <a:rPr lang="en-US" sz="3200" b="0" strike="noStrike" spc="-1" dirty="0">
                 <a:solidFill>
                   <a:srgbClr val="000000"/>
                 </a:solidFill>
@@ -8908,145 +9783,191 @@
               </a:rPr>
               <a:t>AES Core IP Block</a:t>
             </a:r>
-            <a:endParaRPr b="0" lang="en-US" sz="3200" spc="-1" strike="noStrike">
-              <a:latin typeface="Arial"/>
-            </a:endParaRPr>
-          </a:p>
-        </p:txBody>
-      </p:sp>
-      <p:pic>
-        <p:nvPicPr>
-          <p:cNvPr id="161" name="" descr=""/>
-          <p:cNvPicPr/>
+            <a:endParaRPr lang="en-US" sz="3200" b="0" strike="noStrike" spc="-1" dirty="0">
+              <a:latin typeface="Arial"/>
+            </a:endParaRPr>
+          </a:p>
+        </p:txBody>
+      </p:sp>
+      <p:grpSp>
+        <p:nvGrpSpPr>
+          <p:cNvPr id="3" name="Group 2">
+            <a:extLst>
+              <a:ext uri="{FF2B5EF4-FFF2-40B4-BE49-F238E27FC236}">
+                <a16:creationId xmlns:a16="http://schemas.microsoft.com/office/drawing/2014/main" id="{F906B414-4A27-69CA-C14F-F542A102EA1A}"/>
+              </a:ext>
+            </a:extLst>
+          </p:cNvPr>
+          <p:cNvGrpSpPr/>
           <p:nvPr/>
-        </p:nvPicPr>
-        <p:blipFill>
-          <a:blip r:embed="rId1"/>
-          <a:stretch/>
-        </p:blipFill>
-        <p:spPr>
-          <a:xfrm>
-            <a:off x="991080" y="2286000"/>
-            <a:ext cx="3123720" cy="3076200"/>
-          </a:xfrm>
-          <a:prstGeom prst="rect">
-            <a:avLst/>
-          </a:prstGeom>
-          <a:ln w="0">
-            <a:noFill/>
-          </a:ln>
-        </p:spPr>
-      </p:pic>
-      <p:sp>
-        <p:nvSpPr>
-          <p:cNvPr id="162" name=""/>
-          <p:cNvSpPr txBox="1"/>
+        </p:nvGrpSpPr>
+        <p:grpSpPr>
+          <a:xfrm>
+            <a:off x="1905481" y="2071907"/>
+            <a:ext cx="3872959" cy="3363772"/>
+            <a:chOff x="1087333" y="2006280"/>
+            <a:chExt cx="3872959" cy="3363772"/>
+          </a:xfrm>
+        </p:grpSpPr>
+        <p:pic>
+          <p:nvPicPr>
+            <p:cNvPr id="161" name="Picture 160"/>
+            <p:cNvPicPr/>
+            <p:nvPr/>
+          </p:nvPicPr>
+          <p:blipFill>
+            <a:blip r:embed="rId2"/>
+            <a:stretch/>
+          </p:blipFill>
+          <p:spPr>
+            <a:xfrm>
+              <a:off x="1087333" y="2006280"/>
+              <a:ext cx="3123720" cy="3076200"/>
+            </a:xfrm>
+            <a:prstGeom prst="rect">
+              <a:avLst/>
+            </a:prstGeom>
+            <a:ln w="0">
+              <a:noFill/>
+            </a:ln>
+          </p:spPr>
+        </p:pic>
+        <p:sp>
+          <p:nvSpPr>
+            <p:cNvPr id="162" name="TextBox 161"/>
+            <p:cNvSpPr txBox="1"/>
+            <p:nvPr/>
+          </p:nvSpPr>
+          <p:spPr>
+            <a:xfrm>
+              <a:off x="1759892" y="5023732"/>
+              <a:ext cx="3200400" cy="346320"/>
+            </a:xfrm>
+            <a:prstGeom prst="rect">
+              <a:avLst/>
+            </a:prstGeom>
+            <a:noFill/>
+            <a:ln w="0">
+              <a:noFill/>
+            </a:ln>
+          </p:spPr>
+          <p:txBody>
+            <a:bodyPr lIns="90000" tIns="45000" rIns="90000" bIns="45000" anchor="t">
+              <a:noAutofit/>
+            </a:bodyPr>
+            <a:lstStyle/>
+            <a:p>
+              <a:r>
+                <a:rPr lang="en-US" sz="1800" b="0" strike="noStrike" spc="-1" dirty="0">
+                  <a:latin typeface="Arial"/>
+                </a:rPr>
+                <a:t>LLM PROMPT</a:t>
+              </a:r>
+            </a:p>
+          </p:txBody>
+        </p:sp>
+      </p:grpSp>
+      <p:grpSp>
+        <p:nvGrpSpPr>
+          <p:cNvPr id="2" name="Group 1">
+            <a:extLst>
+              <a:ext uri="{FF2B5EF4-FFF2-40B4-BE49-F238E27FC236}">
+                <a16:creationId xmlns:a16="http://schemas.microsoft.com/office/drawing/2014/main" id="{1A98874B-7888-1BAE-489F-A75008E59551}"/>
+              </a:ext>
+            </a:extLst>
+          </p:cNvPr>
+          <p:cNvGrpSpPr/>
           <p:nvPr/>
-        </p:nvSpPr>
-        <p:spPr>
-          <a:xfrm>
-            <a:off x="1143000" y="5715000"/>
-            <a:ext cx="3200400" cy="346320"/>
-          </a:xfrm>
-          <a:prstGeom prst="rect">
-            <a:avLst/>
-          </a:prstGeom>
-          <a:noFill/>
-          <a:ln w="0">
-            <a:noFill/>
-          </a:ln>
-        </p:spPr>
-        <p:txBody>
-          <a:bodyPr lIns="90000" rIns="90000" tIns="45000" bIns="45000" anchor="t">
-            <a:noAutofit/>
-          </a:bodyPr>
-          <a:p>
-            <a:r>
-              <a:rPr b="0" lang="en-US" sz="1800" spc="-1" strike="noStrike">
+        </p:nvGrpSpPr>
+        <p:grpSpPr>
+          <a:xfrm>
+            <a:off x="6766782" y="2071907"/>
+            <a:ext cx="3052080" cy="3770509"/>
+            <a:chOff x="6320520" y="2734200"/>
+            <a:chExt cx="3052080" cy="3770509"/>
+          </a:xfrm>
+        </p:grpSpPr>
+        <p:pic>
+          <p:nvPicPr>
+            <p:cNvPr id="163" name="Picture 162"/>
+            <p:cNvPicPr/>
+            <p:nvPr/>
+          </p:nvPicPr>
+          <p:blipFill>
+            <a:blip r:embed="rId3"/>
+            <a:stretch/>
+          </p:blipFill>
+          <p:spPr>
+            <a:xfrm>
+              <a:off x="6320520" y="2734200"/>
+              <a:ext cx="3052080" cy="2980800"/>
+            </a:xfrm>
+            <a:prstGeom prst="rect">
+              <a:avLst/>
+            </a:prstGeom>
+            <a:ln w="0">
+              <a:noFill/>
+            </a:ln>
+          </p:spPr>
+        </p:pic>
+        <p:sp>
+          <p:nvSpPr>
+            <p:cNvPr id="164" name="TextBox 163"/>
+            <p:cNvSpPr txBox="1"/>
+            <p:nvPr/>
+          </p:nvSpPr>
+          <p:spPr>
+            <a:xfrm>
+              <a:off x="6703777" y="5715000"/>
+              <a:ext cx="2470849" cy="789709"/>
+            </a:xfrm>
+            <a:prstGeom prst="rect">
+              <a:avLst/>
+            </a:prstGeom>
+            <a:noFill/>
+            <a:ln w="0">
+              <a:noFill/>
+            </a:ln>
+          </p:spPr>
+          <p:txBody>
+            <a:bodyPr lIns="90000" tIns="45000" rIns="90000" bIns="45000" anchor="t">
+              <a:noAutofit/>
+            </a:bodyPr>
+            <a:lstStyle/>
+            <a:p>
+              <a:pPr algn="ctr"/>
+              <a:r>
+                <a:rPr lang="en-US" sz="1800" b="0" strike="noStrike" spc="-1" dirty="0">
+                  <a:latin typeface="Arial"/>
+                </a:rPr>
+                <a:t>EDA-PLAYGROUND</a:t>
+              </a:r>
+            </a:p>
+            <a:p>
+              <a:pPr algn="ctr"/>
+              <a:r>
+                <a:rPr lang="en-US" spc="-1" dirty="0">
+                  <a:latin typeface="Arial"/>
+                </a:rPr>
+                <a:t>SIMULATIONS</a:t>
+              </a:r>
+              <a:endParaRPr lang="en-US" sz="1800" b="0" strike="noStrike" spc="-1" dirty="0">
                 <a:latin typeface="Arial"/>
-              </a:rPr>
-              <a:t>LLM PROMPT</a:t>
-            </a:r>
-            <a:endParaRPr b="0" lang="en-US" sz="1800" spc="-1" strike="noStrike">
-              <a:latin typeface="Arial"/>
-            </a:endParaRPr>
-          </a:p>
-        </p:txBody>
-      </p:sp>
-      <p:pic>
-        <p:nvPicPr>
-          <p:cNvPr id="163" name="" descr=""/>
-          <p:cNvPicPr/>
-          <p:nvPr/>
-        </p:nvPicPr>
-        <p:blipFill>
-          <a:blip r:embed="rId2"/>
-          <a:stretch/>
-        </p:blipFill>
-        <p:spPr>
-          <a:xfrm>
-            <a:off x="6320520" y="2734200"/>
-            <a:ext cx="3052080" cy="2980800"/>
-          </a:xfrm>
-          <a:prstGeom prst="rect">
-            <a:avLst/>
-          </a:prstGeom>
-          <a:ln w="0">
-            <a:noFill/>
-          </a:ln>
-        </p:spPr>
-      </p:pic>
-      <p:sp>
-        <p:nvSpPr>
-          <p:cNvPr id="164" name=""/>
-          <p:cNvSpPr txBox="1"/>
-          <p:nvPr/>
-        </p:nvSpPr>
-        <p:spPr>
-          <a:xfrm>
-            <a:off x="6629400" y="5943600"/>
-            <a:ext cx="3429000" cy="346320"/>
-          </a:xfrm>
-          <a:prstGeom prst="rect">
-            <a:avLst/>
-          </a:prstGeom>
-          <a:noFill/>
-          <a:ln w="0">
-            <a:noFill/>
-          </a:ln>
-        </p:spPr>
-        <p:txBody>
-          <a:bodyPr lIns="90000" rIns="90000" tIns="45000" bIns="45000" anchor="t">
-            <a:noAutofit/>
-          </a:bodyPr>
-          <a:p>
-            <a:r>
-              <a:rPr b="0" lang="en-US" sz="1800" spc="-1" strike="noStrike">
-                <a:latin typeface="Arial"/>
-              </a:rPr>
-              <a:t>Simulation</a:t>
-            </a:r>
-            <a:endParaRPr b="0" lang="en-US" sz="1800" spc="-1" strike="noStrike">
-              <a:latin typeface="Arial"/>
-            </a:endParaRPr>
-          </a:p>
-        </p:txBody>
-      </p:sp>
+              </a:endParaRPr>
+            </a:p>
+          </p:txBody>
+        </p:sp>
+      </p:grpSp>
     </p:spTree>
   </p:cSld>
-  <mc:AlternateContent>
-    <mc:Choice Requires="p14">
-      <p:transition spd="slow" p14:dur="2000"/>
-    </mc:Choice>
-    <mc:Fallback>
-      <p:transition spd="slow"/>
-    </mc:Fallback>
-  </mc:AlternateContent>
+  <p:clrMapOvr>
+    <a:masterClrMapping/>
+  </p:clrMapOvr>
 </p:sld>
 </file>
 
 <file path=ppt/slides/slide23.xml><?xml version="1.0" encoding="utf-8"?>
-<p:sld xmlns:a="http://schemas.openxmlformats.org/drawingml/2006/main" xmlns:p="http://schemas.openxmlformats.org/presentationml/2006/main" xmlns:r="http://schemas.openxmlformats.org/officeDocument/2006/relationships" xmlns:p14="http://schemas.microsoft.com/office/powerpoint/2010/main" xmlns:p15="http://schemas.microsoft.com/office/powerpoint/2012/main" xmlns:mc="http://schemas.openxmlformats.org/markup-compatibility/2006">
+<p:sld xmlns:a="http://schemas.openxmlformats.org/drawingml/2006/main" xmlns:r="http://schemas.openxmlformats.org/officeDocument/2006/relationships" xmlns:p="http://schemas.openxmlformats.org/presentationml/2006/main">
   <p:cSld>
     <p:spTree>
       <p:nvGrpSpPr>
@@ -9078,7 +9999,7 @@
           </a:prstGeom>
           <a:ln>
             <a:solidFill>
-              <a:srgbClr val="4472c4"/>
+              <a:srgbClr val="4472C4"/>
             </a:solidFill>
           </a:ln>
         </p:spPr>
@@ -9115,15 +10036,22 @@
           </a:ln>
         </p:spPr>
         <p:style>
-          <a:lnRef idx="0"/>
-          <a:fillRef idx="0"/>
-          <a:effectRef idx="0"/>
+          <a:lnRef idx="0">
+            <a:scrgbClr r="0" g="0" b="0"/>
+          </a:lnRef>
+          <a:fillRef idx="0">
+            <a:scrgbClr r="0" g="0" b="0"/>
+          </a:fillRef>
+          <a:effectRef idx="0">
+            <a:scrgbClr r="0" g="0" b="0"/>
+          </a:effectRef>
           <a:fontRef idx="minor"/>
         </p:style>
         <p:txBody>
-          <a:bodyPr lIns="90000" rIns="90000" tIns="45000" bIns="45000" anchor="t">
+          <a:bodyPr lIns="90000" tIns="45000" rIns="90000" bIns="45000" anchor="t">
             <a:spAutoFit/>
           </a:bodyPr>
+          <a:lstStyle/>
           <a:p>
             <a:pPr marL="216000" indent="-216000">
               <a:lnSpc>
@@ -9136,7 +10064,7 @@
               <a:buChar char="•"/>
             </a:pPr>
             <a:r>
-              <a:rPr b="1" lang="en-US" sz="1800" spc="-1" strike="noStrike">
+              <a:rPr lang="en-US" sz="1800" b="1" strike="noStrike" spc="-1" dirty="0">
                 <a:solidFill>
                   <a:srgbClr val="000000"/>
                 </a:solidFill>
@@ -9146,7 +10074,7 @@
               <a:t>Trojan Design</a:t>
             </a:r>
             <a:r>
-              <a:rPr b="0" lang="en-US" sz="1800" spc="-1" strike="noStrike">
+              <a:rPr lang="en-US" sz="1800" b="0" strike="noStrike" spc="-1" dirty="0">
                 <a:solidFill>
                   <a:srgbClr val="000000"/>
                 </a:solidFill>
@@ -9155,7 +10083,7 @@
               </a:rPr>
               <a:t>: The software trojan on the PC monitors the timing variations in the AES clock signal using the Time Stamp Counter (TSC) or other low-level timing facilities (e.g., PMU).</a:t>
             </a:r>
-            <a:endParaRPr b="0" lang="en-US" sz="1800" spc="-1" strike="noStrike">
+            <a:endParaRPr lang="en-US" sz="1800" b="0" strike="noStrike" spc="-1" dirty="0">
               <a:latin typeface="Arial"/>
             </a:endParaRPr>
           </a:p>
@@ -9171,7 +10099,7 @@
               <a:buChar char="•"/>
             </a:pPr>
             <a:r>
-              <a:rPr b="1" lang="en-US" sz="1800" spc="-1" strike="noStrike">
+              <a:rPr lang="en-US" sz="1800" b="1" strike="noStrike" spc="-1" dirty="0">
                 <a:solidFill>
                   <a:srgbClr val="000000"/>
                 </a:solidFill>
@@ -9181,7 +10109,7 @@
               <a:t>Timing Data Collection</a:t>
             </a:r>
             <a:r>
-              <a:rPr b="0" lang="en-US" sz="1800" spc="-1" strike="noStrike">
+              <a:rPr lang="en-US" sz="1800" b="0" strike="noStrike" spc="-1" dirty="0">
                 <a:solidFill>
                   <a:srgbClr val="000000"/>
                 </a:solidFill>
@@ -9190,7 +10118,7 @@
               </a:rPr>
               <a:t>: The Trojan collects timing data during encryption and identifies small shifts that correspond to bits of the AES key.</a:t>
             </a:r>
-            <a:endParaRPr b="0" lang="en-US" sz="1800" spc="-1" strike="noStrike">
+            <a:endParaRPr lang="en-US" sz="1800" b="0" strike="noStrike" spc="-1" dirty="0">
               <a:latin typeface="Arial"/>
             </a:endParaRPr>
           </a:p>
@@ -9216,15 +10144,22 @@
           </a:ln>
         </p:spPr>
         <p:style>
-          <a:lnRef idx="0"/>
-          <a:fillRef idx="0"/>
-          <a:effectRef idx="0"/>
+          <a:lnRef idx="0">
+            <a:scrgbClr r="0" g="0" b="0"/>
+          </a:lnRef>
+          <a:fillRef idx="0">
+            <a:scrgbClr r="0" g="0" b="0"/>
+          </a:fillRef>
+          <a:effectRef idx="0">
+            <a:scrgbClr r="0" g="0" b="0"/>
+          </a:effectRef>
           <a:fontRef idx="minor"/>
         </p:style>
         <p:txBody>
-          <a:bodyPr lIns="90000" rIns="90000" tIns="45000" bIns="45000" anchor="t">
+          <a:bodyPr lIns="90000" tIns="45000" rIns="90000" bIns="45000" anchor="t">
             <a:spAutoFit/>
           </a:bodyPr>
+          <a:lstStyle/>
           <a:p>
             <a:pPr>
               <a:lnSpc>
@@ -9233,7 +10168,7 @@
               <a:buNone/>
             </a:pPr>
             <a:r>
-              <a:rPr b="1" lang="en-US" sz="3200" spc="-1" strike="noStrike">
+              <a:rPr lang="en-US" sz="3200" b="1" strike="noStrike" spc="-1">
                 <a:solidFill>
                   <a:srgbClr val="000000"/>
                 </a:solidFill>
@@ -9242,7 +10177,7 @@
               </a:rPr>
               <a:t>Monitoring Process</a:t>
             </a:r>
-            <a:endParaRPr b="0" lang="en-US" sz="3200" spc="-1" strike="noStrike">
+            <a:endParaRPr lang="en-US" sz="3200" b="0" strike="noStrike" spc="-1">
               <a:latin typeface="Arial"/>
             </a:endParaRPr>
           </a:p>
@@ -9268,15 +10203,22 @@
           </a:ln>
         </p:spPr>
         <p:style>
-          <a:lnRef idx="0"/>
-          <a:fillRef idx="0"/>
-          <a:effectRef idx="0"/>
+          <a:lnRef idx="0">
+            <a:scrgbClr r="0" g="0" b="0"/>
+          </a:lnRef>
+          <a:fillRef idx="0">
+            <a:scrgbClr r="0" g="0" b="0"/>
+          </a:fillRef>
+          <a:effectRef idx="0">
+            <a:scrgbClr r="0" g="0" b="0"/>
+          </a:effectRef>
           <a:fontRef idx="minor"/>
         </p:style>
         <p:txBody>
-          <a:bodyPr numCol="1" spcCol="0" lIns="90000" rIns="90000" tIns="45000" bIns="45000" anchor="ctr">
+          <a:bodyPr lIns="90000" tIns="45000" rIns="90000" bIns="45000" numCol="1" spcCol="0" anchor="ctr">
             <a:spAutoFit/>
           </a:bodyPr>
+          <a:lstStyle/>
           <a:p>
             <a:pPr>
               <a:lnSpc>
@@ -9285,7 +10227,7 @@
               <a:buNone/>
             </a:pPr>
             <a:r>
-              <a:rPr b="1" lang="en-US" sz="1800" spc="-1" strike="noStrike">
+              <a:rPr lang="en-US" sz="1800" b="1" strike="noStrike" spc="-1">
                 <a:solidFill>
                   <a:srgbClr val="000000"/>
                 </a:solidFill>
@@ -9295,7 +10237,7 @@
               <a:t>Key Extraction</a:t>
             </a:r>
             <a:r>
-              <a:rPr b="0" lang="en-US" sz="1800" spc="-1" strike="noStrike">
+              <a:rPr lang="en-US" sz="1800" b="0" strike="noStrike" spc="-1">
                 <a:solidFill>
                   <a:srgbClr val="000000"/>
                 </a:solidFill>
@@ -9304,7 +10246,7 @@
               </a:rPr>
               <a:t>:</a:t>
             </a:r>
-            <a:endParaRPr b="0" lang="en-US" sz="1800" spc="-1" strike="noStrike">
+            <a:endParaRPr lang="en-US" sz="1800" b="0" strike="noStrike" spc="-1">
               <a:latin typeface="Arial"/>
             </a:endParaRPr>
           </a:p>
@@ -9320,7 +10262,7 @@
               <a:buChar char="•"/>
             </a:pPr>
             <a:r>
-              <a:rPr b="1" lang="en-US" sz="1800" spc="-1" strike="noStrike">
+              <a:rPr lang="en-US" sz="1800" b="1" strike="noStrike" spc="-1">
                 <a:solidFill>
                   <a:srgbClr val="000000"/>
                 </a:solidFill>
@@ -9330,7 +10272,7 @@
               <a:t>Data Processing</a:t>
             </a:r>
             <a:r>
-              <a:rPr b="0" lang="en-US" sz="1800" spc="-1" strike="noStrike">
+              <a:rPr lang="en-US" sz="1800" b="0" strike="noStrike" spc="-1">
                 <a:solidFill>
                   <a:srgbClr val="000000"/>
                 </a:solidFill>
@@ -9339,7 +10281,7 @@
               </a:rPr>
               <a:t>: Timing deltas (differences between normal clock cycles and modulated cycles) are processed to extract key bits.</a:t>
             </a:r>
-            <a:endParaRPr b="0" lang="en-US" sz="1800" spc="-1" strike="noStrike">
+            <a:endParaRPr lang="en-US" sz="1800" b="0" strike="noStrike" spc="-1">
               <a:latin typeface="Arial"/>
             </a:endParaRPr>
           </a:p>
@@ -9355,7 +10297,7 @@
               <a:buChar char="•"/>
             </a:pPr>
             <a:r>
-              <a:rPr b="1" lang="en-US" sz="1800" spc="-1" strike="noStrike">
+              <a:rPr lang="en-US" sz="1800" b="1" strike="noStrike" spc="-1">
                 <a:solidFill>
                   <a:srgbClr val="000000"/>
                 </a:solidFill>
@@ -9365,7 +10307,7 @@
               <a:t>Key Decoding</a:t>
             </a:r>
             <a:r>
-              <a:rPr b="0" lang="en-US" sz="1800" spc="-1" strike="noStrike">
+              <a:rPr lang="en-US" sz="1800" b="0" strike="noStrike" spc="-1">
                 <a:solidFill>
                   <a:srgbClr val="000000"/>
                 </a:solidFill>
@@ -9374,7 +10316,7 @@
               </a:rPr>
               <a:t>: The software reconstructs the AES key based on the timing patterns.</a:t>
             </a:r>
-            <a:endParaRPr b="0" lang="en-US" sz="1800" spc="-1" strike="noStrike">
+            <a:endParaRPr lang="en-US" sz="1800" b="0" strike="noStrike" spc="-1">
               <a:latin typeface="Arial"/>
             </a:endParaRPr>
           </a:p>
@@ -9382,19 +10324,14 @@
       </p:sp>
     </p:spTree>
   </p:cSld>
-  <mc:AlternateContent>
-    <mc:Choice Requires="p14">
-      <p:transition spd="slow" p14:dur="2000"/>
-    </mc:Choice>
-    <mc:Fallback>
-      <p:transition spd="slow"/>
-    </mc:Fallback>
-  </mc:AlternateContent>
+  <p:clrMapOvr>
+    <a:masterClrMapping/>
+  </p:clrMapOvr>
 </p:sld>
 </file>
 
 <file path=ppt/slides/slide24.xml><?xml version="1.0" encoding="utf-8"?>
-<p:sld xmlns:a="http://schemas.openxmlformats.org/drawingml/2006/main" xmlns:p="http://schemas.openxmlformats.org/presentationml/2006/main" xmlns:r="http://schemas.openxmlformats.org/officeDocument/2006/relationships" xmlns:p14="http://schemas.microsoft.com/office/powerpoint/2010/main" xmlns:p15="http://schemas.microsoft.com/office/powerpoint/2012/main" xmlns:mc="http://schemas.openxmlformats.org/markup-compatibility/2006">
+<p:sld xmlns:a="http://schemas.openxmlformats.org/drawingml/2006/main" xmlns:r="http://schemas.openxmlformats.org/officeDocument/2006/relationships" xmlns:p="http://schemas.openxmlformats.org/presentationml/2006/main">
   <p:cSld>
     <p:spTree>
       <p:nvGrpSpPr>
@@ -9426,7 +10363,7 @@
           </a:prstGeom>
           <a:ln>
             <a:solidFill>
-              <a:srgbClr val="4472c4"/>
+              <a:srgbClr val="4472C4"/>
             </a:solidFill>
           </a:ln>
         </p:spPr>
@@ -9463,15 +10400,22 @@
           </a:ln>
         </p:spPr>
         <p:style>
-          <a:lnRef idx="0"/>
-          <a:fillRef idx="0"/>
-          <a:effectRef idx="0"/>
+          <a:lnRef idx="0">
+            <a:scrgbClr r="0" g="0" b="0"/>
+          </a:lnRef>
+          <a:fillRef idx="0">
+            <a:scrgbClr r="0" g="0" b="0"/>
+          </a:fillRef>
+          <a:effectRef idx="0">
+            <a:scrgbClr r="0" g="0" b="0"/>
+          </a:effectRef>
           <a:fontRef idx="minor"/>
         </p:style>
         <p:txBody>
-          <a:bodyPr lIns="90000" rIns="90000" tIns="45000" bIns="45000" anchor="t">
+          <a:bodyPr lIns="90000" tIns="45000" rIns="90000" bIns="45000" anchor="t">
             <a:spAutoFit/>
           </a:bodyPr>
+          <a:lstStyle/>
           <a:p>
             <a:pPr marL="216000" indent="-216000">
               <a:lnSpc>
@@ -9484,7 +10428,7 @@
               <a:buChar char="•"/>
             </a:pPr>
             <a:r>
-              <a:rPr b="1" lang="en-US" sz="1800" spc="-1" strike="noStrike">
+              <a:rPr lang="en-US" sz="1800" b="1" strike="noStrike" spc="-1">
                 <a:solidFill>
                   <a:srgbClr val="000000"/>
                 </a:solidFill>
@@ -9494,7 +10438,7 @@
               <a:t>Flowchart of Trojan Operations</a:t>
             </a:r>
             <a:r>
-              <a:rPr b="0" lang="en-US" sz="1800" spc="-1" strike="noStrike">
+              <a:rPr lang="en-US" sz="1800" b="0" strike="noStrike" spc="-1">
                 <a:solidFill>
                   <a:srgbClr val="000000"/>
                 </a:solidFill>
@@ -9503,12 +10447,12 @@
               </a:rPr>
               <a:t>:</a:t>
             </a:r>
-            <a:endParaRPr b="0" lang="en-US" sz="1800" spc="-1" strike="noStrike">
-              <a:latin typeface="Arial"/>
-            </a:endParaRPr>
-          </a:p>
-          <a:p>
-            <a:pPr lvl="1" marL="743040" indent="-285840">
+            <a:endParaRPr lang="en-US" sz="1800" b="0" strike="noStrike" spc="-1">
+              <a:latin typeface="Arial"/>
+            </a:endParaRPr>
+          </a:p>
+          <a:p>
+            <a:pPr marL="743040" lvl="1" indent="-285840">
               <a:lnSpc>
                 <a:spcPct val="100000"/>
               </a:lnSpc>
@@ -9519,7 +10463,7 @@
               <a:buChar char="•"/>
             </a:pPr>
             <a:r>
-              <a:rPr b="0" lang="en-US" sz="1800" spc="-1" strike="noStrike">
+              <a:rPr lang="en-US" sz="1800" b="0" strike="noStrike" spc="-1">
                 <a:solidFill>
                   <a:srgbClr val="000000"/>
                 </a:solidFill>
@@ -9528,12 +10472,12 @@
               </a:rPr>
               <a:t>Trojan monitors timing variations during encryption.</a:t>
             </a:r>
-            <a:endParaRPr b="0" lang="en-US" sz="1800" spc="-1" strike="noStrike">
-              <a:latin typeface="Arial"/>
-            </a:endParaRPr>
-          </a:p>
-          <a:p>
-            <a:pPr lvl="1" marL="743040" indent="-285840">
+            <a:endParaRPr lang="en-US" sz="1800" b="0" strike="noStrike" spc="-1">
+              <a:latin typeface="Arial"/>
+            </a:endParaRPr>
+          </a:p>
+          <a:p>
+            <a:pPr marL="743040" lvl="1" indent="-285840">
               <a:lnSpc>
                 <a:spcPct val="100000"/>
               </a:lnSpc>
@@ -9544,7 +10488,7 @@
               <a:buChar char="•"/>
             </a:pPr>
             <a:r>
-              <a:rPr b="0" lang="en-US" sz="1800" spc="-1" strike="noStrike">
+              <a:rPr lang="en-US" sz="1800" b="0" strike="noStrike" spc="-1">
                 <a:solidFill>
                   <a:srgbClr val="000000"/>
                 </a:solidFill>
@@ -9553,12 +10497,12 @@
               </a:rPr>
               <a:t>Timing shifts are detected and recorded.</a:t>
             </a:r>
-            <a:endParaRPr b="0" lang="en-US" sz="1800" spc="-1" strike="noStrike">
-              <a:latin typeface="Arial"/>
-            </a:endParaRPr>
-          </a:p>
-          <a:p>
-            <a:pPr lvl="1" marL="743040" indent="-285840">
+            <a:endParaRPr lang="en-US" sz="1800" b="0" strike="noStrike" spc="-1">
+              <a:latin typeface="Arial"/>
+            </a:endParaRPr>
+          </a:p>
+          <a:p>
+            <a:pPr marL="743040" lvl="1" indent="-285840">
               <a:lnSpc>
                 <a:spcPct val="100000"/>
               </a:lnSpc>
@@ -9569,7 +10513,7 @@
               <a:buChar char="•"/>
             </a:pPr>
             <a:r>
-              <a:rPr b="0" lang="en-US" sz="1800" spc="-1" strike="noStrike">
+              <a:rPr lang="en-US" sz="1800" b="0" strike="noStrike" spc="-1">
                 <a:solidFill>
                   <a:srgbClr val="000000"/>
                 </a:solidFill>
@@ -9578,7 +10522,7 @@
               </a:rPr>
               <a:t>Extracted key bits are assembled to reconstruct the full AES key.</a:t>
             </a:r>
-            <a:endParaRPr b="0" lang="en-US" sz="1800" spc="-1" strike="noStrike">
+            <a:endParaRPr lang="en-US" sz="1800" b="0" strike="noStrike" spc="-1">
               <a:latin typeface="Arial"/>
             </a:endParaRPr>
           </a:p>
@@ -9604,15 +10548,22 @@
           </a:ln>
         </p:spPr>
         <p:style>
-          <a:lnRef idx="0"/>
-          <a:fillRef idx="0"/>
-          <a:effectRef idx="0"/>
+          <a:lnRef idx="0">
+            <a:scrgbClr r="0" g="0" b="0"/>
+          </a:lnRef>
+          <a:fillRef idx="0">
+            <a:scrgbClr r="0" g="0" b="0"/>
+          </a:fillRef>
+          <a:effectRef idx="0">
+            <a:scrgbClr r="0" g="0" b="0"/>
+          </a:effectRef>
           <a:fontRef idx="minor"/>
         </p:style>
         <p:txBody>
-          <a:bodyPr lIns="90000" rIns="90000" tIns="45000" bIns="45000" anchor="t">
+          <a:bodyPr lIns="90000" tIns="45000" rIns="90000" bIns="45000" anchor="t">
             <a:spAutoFit/>
           </a:bodyPr>
+          <a:lstStyle/>
           <a:p>
             <a:pPr>
               <a:lnSpc>
@@ -9621,7 +10572,7 @@
               <a:buNone/>
             </a:pPr>
             <a:r>
-              <a:rPr b="1" lang="en-US" sz="3200" spc="-1" strike="noStrike">
+              <a:rPr lang="en-US" sz="3200" b="1" strike="noStrike" spc="-1">
                 <a:solidFill>
                   <a:srgbClr val="000000"/>
                 </a:solidFill>
@@ -9630,7 +10581,7 @@
               </a:rPr>
               <a:t>Demonstration</a:t>
             </a:r>
-            <a:endParaRPr b="0" lang="en-US" sz="3200" spc="-1" strike="noStrike">
+            <a:endParaRPr lang="en-US" sz="3200" b="0" strike="noStrike" spc="-1">
               <a:latin typeface="Arial"/>
             </a:endParaRPr>
           </a:p>
@@ -9656,15 +10607,22 @@
           </a:ln>
         </p:spPr>
         <p:style>
-          <a:lnRef idx="0"/>
-          <a:fillRef idx="0"/>
-          <a:effectRef idx="0"/>
+          <a:lnRef idx="0">
+            <a:scrgbClr r="0" g="0" b="0"/>
+          </a:lnRef>
+          <a:fillRef idx="0">
+            <a:scrgbClr r="0" g="0" b="0"/>
+          </a:fillRef>
+          <a:effectRef idx="0">
+            <a:scrgbClr r="0" g="0" b="0"/>
+          </a:effectRef>
           <a:fontRef idx="minor"/>
         </p:style>
         <p:txBody>
-          <a:bodyPr numCol="1" spcCol="0" lIns="90000" rIns="90000" tIns="45000" bIns="45000" anchor="ctr">
+          <a:bodyPr lIns="90000" tIns="45000" rIns="90000" bIns="45000" numCol="1" spcCol="0" anchor="ctr">
             <a:spAutoFit/>
           </a:bodyPr>
+          <a:lstStyle/>
           <a:p>
             <a:pPr>
               <a:lnSpc>
@@ -9673,7 +10631,7 @@
               <a:buNone/>
             </a:pPr>
             <a:r>
-              <a:rPr b="1" lang="en-US" sz="1800" spc="-1" strike="noStrike">
+              <a:rPr lang="en-US" sz="1800" b="1" strike="noStrike" spc="-1">
                 <a:solidFill>
                   <a:srgbClr val="000000"/>
                 </a:solidFill>
@@ -9683,7 +10641,7 @@
               <a:t>Impact</a:t>
             </a:r>
             <a:r>
-              <a:rPr b="0" lang="en-US" sz="1800" spc="-1" strike="noStrike">
+              <a:rPr lang="en-US" sz="1800" b="0" strike="noStrike" spc="-1">
                 <a:solidFill>
                   <a:srgbClr val="000000"/>
                 </a:solidFill>
@@ -9692,7 +10650,7 @@
               </a:rPr>
               <a:t>:</a:t>
             </a:r>
-            <a:endParaRPr b="0" lang="en-US" sz="1800" spc="-1" strike="noStrike">
+            <a:endParaRPr lang="en-US" sz="1800" b="0" strike="noStrike" spc="-1">
               <a:latin typeface="Arial"/>
             </a:endParaRPr>
           </a:p>
@@ -9708,7 +10666,7 @@
               <a:buChar char="•"/>
             </a:pPr>
             <a:r>
-              <a:rPr b="0" lang="en-US" sz="1800" spc="-1" strike="noStrike">
+              <a:rPr lang="en-US" sz="1800" b="0" strike="noStrike" spc="-1">
                 <a:solidFill>
                   <a:srgbClr val="000000"/>
                 </a:solidFill>
@@ -9717,7 +10675,7 @@
               </a:rPr>
               <a:t>This attack leverages hardware side-channels (timing variations) to steal sensitive information with minimal impact on system functionality, making it difficult to detect.</a:t>
             </a:r>
-            <a:endParaRPr b="0" lang="en-US" sz="1800" spc="-1" strike="noStrike">
+            <a:endParaRPr lang="en-US" sz="1800" b="0" strike="noStrike" spc="-1">
               <a:latin typeface="Arial"/>
             </a:endParaRPr>
           </a:p>
@@ -9743,15 +10701,22 @@
           </a:ln>
         </p:spPr>
         <p:style>
-          <a:lnRef idx="0"/>
-          <a:fillRef idx="0"/>
-          <a:effectRef idx="0"/>
+          <a:lnRef idx="0">
+            <a:scrgbClr r="0" g="0" b="0"/>
+          </a:lnRef>
+          <a:fillRef idx="0">
+            <a:scrgbClr r="0" g="0" b="0"/>
+          </a:fillRef>
+          <a:effectRef idx="0">
+            <a:scrgbClr r="0" g="0" b="0"/>
+          </a:effectRef>
           <a:fontRef idx="minor"/>
         </p:style>
         <p:txBody>
-          <a:bodyPr lIns="90000" rIns="90000" tIns="45000" bIns="45000" anchor="t">
+          <a:bodyPr lIns="90000" tIns="45000" rIns="90000" bIns="45000" anchor="t">
             <a:spAutoFit/>
           </a:bodyPr>
+          <a:lstStyle/>
           <a:p>
             <a:pPr>
               <a:lnSpc>
@@ -9760,7 +10725,7 @@
               <a:buNone/>
             </a:pPr>
             <a:r>
-              <a:rPr b="1" lang="en-US" sz="1800" spc="-1" strike="noStrike">
+              <a:rPr lang="en-US" sz="1800" b="1" strike="noStrike" spc="-1">
                 <a:solidFill>
                   <a:srgbClr val="000000"/>
                 </a:solidFill>
@@ -9770,7 +10735,7 @@
               <a:t>Severity of the Vulnerability</a:t>
             </a:r>
             <a:r>
-              <a:rPr b="0" lang="en-US" sz="1800" spc="-1" strike="noStrike">
+              <a:rPr lang="en-US" sz="1800" b="0" strike="noStrike" spc="-1">
                 <a:solidFill>
                   <a:srgbClr val="000000"/>
                 </a:solidFill>
@@ -9779,7 +10744,7 @@
               </a:rPr>
               <a:t>:</a:t>
             </a:r>
-            <a:endParaRPr b="0" lang="en-US" sz="1800" spc="-1" strike="noStrike">
+            <a:endParaRPr lang="en-US" sz="1800" b="0" strike="noStrike" spc="-1">
               <a:latin typeface="Arial"/>
             </a:endParaRPr>
           </a:p>
@@ -9795,7 +10760,7 @@
               <a:buChar char="•"/>
             </a:pPr>
             <a:r>
-              <a:rPr b="1" lang="en-US" sz="1800" spc="-1" strike="noStrike">
+              <a:rPr lang="en-US" sz="1800" b="1" strike="noStrike" spc="-1">
                 <a:solidFill>
                   <a:srgbClr val="000000"/>
                 </a:solidFill>
@@ -9805,7 +10770,7 @@
               <a:t>Insertion Phase</a:t>
             </a:r>
             <a:r>
-              <a:rPr b="0" lang="en-US" sz="1800" spc="-1" strike="noStrike">
+              <a:rPr lang="en-US" sz="1800" b="0" strike="noStrike" spc="-1">
                 <a:solidFill>
                   <a:srgbClr val="000000"/>
                 </a:solidFill>
@@ -9814,7 +10779,7 @@
               </a:rPr>
               <a:t>: Design stage</a:t>
             </a:r>
-            <a:endParaRPr b="0" lang="en-US" sz="1800" spc="-1" strike="noStrike">
+            <a:endParaRPr lang="en-US" sz="1800" b="0" strike="noStrike" spc="-1">
               <a:latin typeface="Arial"/>
             </a:endParaRPr>
           </a:p>
@@ -9830,7 +10795,7 @@
               <a:buChar char="•"/>
             </a:pPr>
             <a:r>
-              <a:rPr b="1" lang="en-US" sz="1800" spc="-1" strike="noStrike">
+              <a:rPr lang="en-US" sz="1800" b="1" strike="noStrike" spc="-1">
                 <a:solidFill>
                   <a:srgbClr val="000000"/>
                 </a:solidFill>
@@ -9840,7 +10805,7 @@
               <a:t>Abstraction Level</a:t>
             </a:r>
             <a:r>
-              <a:rPr b="0" lang="en-US" sz="1800" spc="-1" strike="noStrike">
+              <a:rPr lang="en-US" sz="1800" b="0" strike="noStrike" spc="-1">
                 <a:solidFill>
                   <a:srgbClr val="000000"/>
                 </a:solidFill>
@@ -9849,7 +10814,7 @@
               </a:rPr>
               <a:t>: Register-transfer level (RTL)</a:t>
             </a:r>
-            <a:endParaRPr b="0" lang="en-US" sz="1800" spc="-1" strike="noStrike">
+            <a:endParaRPr lang="en-US" sz="1800" b="0" strike="noStrike" spc="-1">
               <a:latin typeface="Arial"/>
             </a:endParaRPr>
           </a:p>
@@ -9865,7 +10830,7 @@
               <a:buChar char="•"/>
             </a:pPr>
             <a:r>
-              <a:rPr b="1" lang="en-US" sz="1800" spc="-1" strike="noStrike">
+              <a:rPr lang="en-US" sz="1800" b="1" strike="noStrike" spc="-1">
                 <a:solidFill>
                   <a:srgbClr val="000000"/>
                 </a:solidFill>
@@ -9875,7 +10840,7 @@
               <a:t>Activation Mechanism</a:t>
             </a:r>
             <a:r>
-              <a:rPr b="0" lang="en-US" sz="1800" spc="-1" strike="noStrike">
+              <a:rPr lang="en-US" sz="1800" b="0" strike="noStrike" spc="-1">
                 <a:solidFill>
                   <a:srgbClr val="000000"/>
                 </a:solidFill>
@@ -9884,7 +10849,7 @@
               </a:rPr>
               <a:t>: Subtle clock signal modulation</a:t>
             </a:r>
-            <a:endParaRPr b="0" lang="en-US" sz="1800" spc="-1" strike="noStrike">
+            <a:endParaRPr lang="en-US" sz="1800" b="0" strike="noStrike" spc="-1">
               <a:latin typeface="Arial"/>
             </a:endParaRPr>
           </a:p>
@@ -9900,7 +10865,7 @@
               <a:buChar char="•"/>
             </a:pPr>
             <a:r>
-              <a:rPr b="1" lang="en-US" sz="1800" spc="-1" strike="noStrike">
+              <a:rPr lang="en-US" sz="1800" b="1" strike="noStrike" spc="-1">
                 <a:solidFill>
                   <a:srgbClr val="000000"/>
                 </a:solidFill>
@@ -9910,7 +10875,7 @@
               <a:t>Functional Effects</a:t>
             </a:r>
             <a:r>
-              <a:rPr b="0" lang="en-US" sz="1800" spc="-1" strike="noStrike">
+              <a:rPr lang="en-US" sz="1800" b="0" strike="noStrike" spc="-1">
                 <a:solidFill>
                   <a:srgbClr val="000000"/>
                 </a:solidFill>
@@ -9919,7 +10884,7 @@
               </a:rPr>
               <a:t>: Covert AES key exfiltration</a:t>
             </a:r>
-            <a:endParaRPr b="0" lang="en-US" sz="1800" spc="-1" strike="noStrike">
+            <a:endParaRPr lang="en-US" sz="1800" b="0" strike="noStrike" spc="-1">
               <a:latin typeface="Arial"/>
             </a:endParaRPr>
           </a:p>
@@ -9935,7 +10900,7 @@
               <a:buChar char="•"/>
             </a:pPr>
             <a:r>
-              <a:rPr b="1" lang="en-US" sz="1800" spc="-1" strike="noStrike">
+              <a:rPr lang="en-US" sz="1800" b="1" strike="noStrike" spc="-1">
                 <a:solidFill>
                   <a:srgbClr val="000000"/>
                 </a:solidFill>
@@ -9945,7 +10910,7 @@
               <a:t>Physical Characteristics</a:t>
             </a:r>
             <a:r>
-              <a:rPr b="0" lang="en-US" sz="1800" spc="-1" strike="noStrike">
+              <a:rPr lang="en-US" sz="1800" b="0" strike="noStrike" spc="-1">
                 <a:solidFill>
                   <a:srgbClr val="000000"/>
                 </a:solidFill>
@@ -9954,7 +10919,7 @@
               </a:rPr>
               <a:t>: Timing-based side-channel leakage</a:t>
             </a:r>
-            <a:endParaRPr b="0" lang="en-US" sz="1800" spc="-1" strike="noStrike">
+            <a:endParaRPr lang="en-US" sz="1800" b="0" strike="noStrike" spc="-1">
               <a:latin typeface="Arial"/>
             </a:endParaRPr>
           </a:p>
@@ -9962,19 +10927,14 @@
       </p:sp>
     </p:spTree>
   </p:cSld>
-  <mc:AlternateContent>
-    <mc:Choice Requires="p14">
-      <p:transition spd="slow" p14:dur="2000"/>
-    </mc:Choice>
-    <mc:Fallback>
-      <p:transition spd="slow"/>
-    </mc:Fallback>
-  </mc:AlternateContent>
+  <p:clrMapOvr>
+    <a:masterClrMapping/>
+  </p:clrMapOvr>
 </p:sld>
 </file>
 
 <file path=ppt/slides/slide3.xml><?xml version="1.0" encoding="utf-8"?>
-<p:sld xmlns:a="http://schemas.openxmlformats.org/drawingml/2006/main" xmlns:p="http://schemas.openxmlformats.org/presentationml/2006/main" xmlns:r="http://schemas.openxmlformats.org/officeDocument/2006/relationships" xmlns:p14="http://schemas.microsoft.com/office/powerpoint/2010/main" xmlns:p15="http://schemas.microsoft.com/office/powerpoint/2012/main" xmlns:mc="http://schemas.openxmlformats.org/markup-compatibility/2006">
+<p:sld xmlns:a="http://schemas.openxmlformats.org/drawingml/2006/main" xmlns:r="http://schemas.openxmlformats.org/officeDocument/2006/relationships" xmlns:p="http://schemas.openxmlformats.org/presentationml/2006/main">
   <p:cSld>
     <p:spTree>
       <p:nvGrpSpPr>
@@ -10010,15 +10970,22 @@
           </a:ln>
         </p:spPr>
         <p:style>
-          <a:lnRef idx="0"/>
-          <a:fillRef idx="0"/>
-          <a:effectRef idx="0"/>
+          <a:lnRef idx="0">
+            <a:scrgbClr r="0" g="0" b="0"/>
+          </a:lnRef>
+          <a:fillRef idx="0">
+            <a:scrgbClr r="0" g="0" b="0"/>
+          </a:fillRef>
+          <a:effectRef idx="0">
+            <a:scrgbClr r="0" g="0" b="0"/>
+          </a:effectRef>
           <a:fontRef idx="minor"/>
         </p:style>
         <p:txBody>
-          <a:bodyPr lIns="90000" rIns="90000" tIns="45000" bIns="45000" anchor="t">
+          <a:bodyPr lIns="90000" tIns="45000" rIns="90000" bIns="45000" anchor="t">
             <a:spAutoFit/>
           </a:bodyPr>
+          <a:lstStyle/>
           <a:p>
             <a:pPr>
               <a:lnSpc>
@@ -10027,7 +10994,7 @@
               <a:buNone/>
             </a:pPr>
             <a:r>
-              <a:rPr b="0" lang="en-US" sz="2400" spc="-1" strike="noStrike">
+              <a:rPr lang="en-US" sz="2400" b="0" strike="noStrike" spc="-1">
                 <a:solidFill>
                   <a:srgbClr val="000000"/>
                 </a:solidFill>
@@ -10036,7 +11003,7 @@
               </a:rPr>
               <a:t>Method for adding the vulnerability</a:t>
             </a:r>
-            <a:endParaRPr b="0" lang="en-US" sz="2400" spc="-1" strike="noStrike">
+            <a:endParaRPr lang="en-US" sz="2400" b="0" strike="noStrike" spc="-1">
               <a:latin typeface="Arial"/>
             </a:endParaRPr>
           </a:p>
@@ -10062,15 +11029,22 @@
           </a:ln>
         </p:spPr>
         <p:style>
-          <a:lnRef idx="0"/>
-          <a:fillRef idx="0"/>
-          <a:effectRef idx="0"/>
+          <a:lnRef idx="0">
+            <a:scrgbClr r="0" g="0" b="0"/>
+          </a:lnRef>
+          <a:fillRef idx="0">
+            <a:scrgbClr r="0" g="0" b="0"/>
+          </a:fillRef>
+          <a:effectRef idx="0">
+            <a:scrgbClr r="0" g="0" b="0"/>
+          </a:effectRef>
           <a:fontRef idx="minor"/>
         </p:style>
         <p:txBody>
-          <a:bodyPr lIns="90000" rIns="90000" tIns="45000" bIns="45000" anchor="t">
+          <a:bodyPr lIns="90000" tIns="45000" rIns="90000" bIns="45000" anchor="t">
             <a:spAutoFit/>
           </a:bodyPr>
+          <a:lstStyle/>
           <a:p>
             <a:pPr>
               <a:lnSpc>
@@ -10079,7 +11053,7 @@
               <a:buNone/>
             </a:pPr>
             <a:r>
-              <a:rPr b="0" lang="en-US" sz="2400" spc="-1" strike="noStrike">
+              <a:rPr lang="en-US" sz="2400" b="0" strike="noStrike" spc="-1">
                 <a:solidFill>
                   <a:srgbClr val="000000"/>
                 </a:solidFill>
@@ -10088,7 +11062,7 @@
               </a:rPr>
               <a:t>We will use OpenAI’s ChatGPT  because:</a:t>
             </a:r>
-            <a:endParaRPr b="0" lang="en-US" sz="2400" spc="-1" strike="noStrike">
+            <a:endParaRPr lang="en-US" sz="2400" b="0" strike="noStrike" spc="-1">
               <a:latin typeface="Arial"/>
             </a:endParaRPr>
           </a:p>
@@ -10099,7 +11073,7 @@
               </a:lnSpc>
               <a:buNone/>
             </a:pPr>
-            <a:endParaRPr b="0" lang="en-US" sz="2400" spc="-1" strike="noStrike">
+            <a:endParaRPr lang="en-US" sz="2400" b="0" strike="noStrike" spc="-1">
               <a:latin typeface="Arial"/>
             </a:endParaRPr>
           </a:p>
@@ -10115,7 +11089,7 @@
               <a:buChar char="•"/>
             </a:pPr>
             <a:r>
-              <a:rPr b="0" lang="en-US" sz="2400" spc="-1" strike="noStrike">
+              <a:rPr lang="en-US" sz="2400" b="0" strike="noStrike" spc="-1">
                 <a:solidFill>
                   <a:srgbClr val="000000"/>
                 </a:solidFill>
@@ -10124,7 +11098,7 @@
               </a:rPr>
               <a:t>It’s highly sophisticated</a:t>
             </a:r>
-            <a:endParaRPr b="0" lang="en-US" sz="2400" spc="-1" strike="noStrike">
+            <a:endParaRPr lang="en-US" sz="2400" b="0" strike="noStrike" spc="-1">
               <a:latin typeface="Arial"/>
             </a:endParaRPr>
           </a:p>
@@ -10140,7 +11114,7 @@
               <a:buChar char="•"/>
             </a:pPr>
             <a:r>
-              <a:rPr b="0" lang="en-US" sz="2400" spc="-1" strike="noStrike">
+              <a:rPr lang="en-US" sz="2400" b="0" strike="noStrike" spc="-1">
                 <a:solidFill>
                   <a:srgbClr val="000000"/>
                 </a:solidFill>
@@ -10149,7 +11123,7 @@
               </a:rPr>
               <a:t>Is versatile and has depth of Knowledge</a:t>
             </a:r>
-            <a:endParaRPr b="0" lang="en-US" sz="2400" spc="-1" strike="noStrike">
+            <a:endParaRPr lang="en-US" sz="2400" b="0" strike="noStrike" spc="-1">
               <a:latin typeface="Arial"/>
             </a:endParaRPr>
           </a:p>
@@ -10165,7 +11139,7 @@
               <a:buChar char="•"/>
             </a:pPr>
             <a:r>
-              <a:rPr b="0" lang="en-US" sz="2400" spc="-1" strike="noStrike">
+              <a:rPr lang="en-US" sz="2400" b="0" strike="noStrike" spc="-1">
                 <a:solidFill>
                   <a:srgbClr val="000000"/>
                 </a:solidFill>
@@ -10174,7 +11148,7 @@
               </a:rPr>
               <a:t>Has natural, Context-Aware Conversations</a:t>
             </a:r>
-            <a:endParaRPr b="0" lang="en-US" sz="2400" spc="-1" strike="noStrike">
+            <a:endParaRPr lang="en-US" sz="2400" b="0" strike="noStrike" spc="-1">
               <a:latin typeface="Arial"/>
             </a:endParaRPr>
           </a:p>
@@ -10190,7 +11164,7 @@
               <a:buChar char="•"/>
             </a:pPr>
             <a:r>
-              <a:rPr b="0" lang="en-US" sz="2400" spc="-1" strike="noStrike">
+              <a:rPr lang="en-US" sz="2400" b="0" strike="noStrike" spc="-1">
                 <a:solidFill>
                   <a:srgbClr val="000000"/>
                 </a:solidFill>
@@ -10199,7 +11173,7 @@
               </a:rPr>
               <a:t>Offers integration with other Tools via API</a:t>
             </a:r>
-            <a:endParaRPr b="0" lang="en-US" sz="2400" spc="-1" strike="noStrike">
+            <a:endParaRPr lang="en-US" sz="2400" b="0" strike="noStrike" spc="-1">
               <a:latin typeface="Arial"/>
             </a:endParaRPr>
           </a:p>
@@ -10215,7 +11189,7 @@
               <a:buChar char="•"/>
             </a:pPr>
             <a:r>
-              <a:rPr b="0" lang="en-US" sz="2400" spc="-1" strike="noStrike">
+              <a:rPr lang="en-US" sz="2400" b="0" strike="noStrike" spc="-1">
                 <a:solidFill>
                   <a:srgbClr val="000000"/>
                 </a:solidFill>
@@ -10224,7 +11198,7 @@
               </a:rPr>
               <a:t>Has good coding capabilities </a:t>
             </a:r>
-            <a:endParaRPr b="0" lang="en-US" sz="2400" spc="-1" strike="noStrike">
+            <a:endParaRPr lang="en-US" sz="2400" b="0" strike="noStrike" spc="-1">
               <a:latin typeface="Arial"/>
             </a:endParaRPr>
           </a:p>
@@ -10240,7 +11214,7 @@
               <a:buChar char="•"/>
             </a:pPr>
             <a:r>
-              <a:rPr b="0" lang="en-US" sz="2400" spc="-1" strike="noStrike">
+              <a:rPr lang="en-US" sz="2400" b="0" strike="noStrike" spc="-1">
                 <a:solidFill>
                   <a:srgbClr val="000000"/>
                 </a:solidFill>
@@ -10249,7 +11223,7 @@
               </a:rPr>
               <a:t>Is considered as a cutting-edge LLM</a:t>
             </a:r>
-            <a:endParaRPr b="0" lang="en-US" sz="2400" spc="-1" strike="noStrike">
+            <a:endParaRPr lang="en-US" sz="2400" b="0" strike="noStrike" spc="-1">
               <a:latin typeface="Arial"/>
             </a:endParaRPr>
           </a:p>
@@ -10260,7 +11234,7 @@
               </a:lnSpc>
               <a:buNone/>
             </a:pPr>
-            <a:endParaRPr b="0" lang="en-US" sz="2400" spc="-1" strike="noStrike">
+            <a:endParaRPr lang="en-US" sz="2400" b="0" strike="noStrike" spc="-1">
               <a:latin typeface="Arial"/>
             </a:endParaRPr>
           </a:p>
@@ -10287,7 +11261,7 @@
             <p:nvPr/>
           </p:nvPicPr>
           <p:blipFill>
-            <a:blip r:embed="rId1"/>
+            <a:blip r:embed="rId2"/>
             <a:srcRect l="13543" t="32917" r="11291" b="36522"/>
             <a:stretch/>
           </p:blipFill>
@@ -10311,7 +11285,7 @@
             <p:nvPr/>
           </p:nvPicPr>
           <p:blipFill>
-            <a:blip r:embed="rId2"/>
+            <a:blip r:embed="rId3"/>
             <a:srcRect l="35729" t="42027" r="37186" b="39445"/>
             <a:stretch/>
           </p:blipFill>
@@ -10348,15 +11322,22 @@
             </a:ln>
           </p:spPr>
           <p:style>
-            <a:lnRef idx="0"/>
-            <a:fillRef idx="0"/>
-            <a:effectRef idx="0"/>
+            <a:lnRef idx="0">
+              <a:scrgbClr r="0" g="0" b="0"/>
+            </a:lnRef>
+            <a:fillRef idx="0">
+              <a:scrgbClr r="0" g="0" b="0"/>
+            </a:fillRef>
+            <a:effectRef idx="0">
+              <a:scrgbClr r="0" g="0" b="0"/>
+            </a:effectRef>
             <a:fontRef idx="minor"/>
           </p:style>
           <p:txBody>
-            <a:bodyPr wrap="none" lIns="90000" rIns="90000" tIns="45000" bIns="45000" anchor="t">
+            <a:bodyPr wrap="none" lIns="90000" tIns="45000" rIns="90000" bIns="45000" anchor="t">
               <a:spAutoFit/>
             </a:bodyPr>
+            <a:lstStyle/>
             <a:p>
               <a:pPr>
                 <a:lnSpc>
@@ -10365,7 +11346,7 @@
                 <a:buNone/>
               </a:pPr>
               <a:r>
-                <a:rPr b="0" lang="en-US" sz="1800" spc="-1" strike="noStrike">
+                <a:rPr lang="en-US" sz="1800" b="0" strike="noStrike" spc="-1">
                   <a:solidFill>
                     <a:srgbClr val="000000"/>
                   </a:solidFill>
@@ -10374,7 +11355,7 @@
                 </a:rPr>
                 <a:t>ChatGPT o1 </a:t>
               </a:r>
-              <a:endParaRPr b="0" lang="en-US" sz="1800" spc="-1" strike="noStrike">
+              <a:endParaRPr lang="en-US" sz="1800" b="0" strike="noStrike" spc="-1">
                 <a:latin typeface="Arial"/>
               </a:endParaRPr>
             </a:p>
@@ -10383,19 +11364,14 @@
       </p:grpSp>
     </p:spTree>
   </p:cSld>
-  <mc:AlternateContent>
-    <mc:Choice Requires="p14">
-      <p:transition spd="slow" p14:dur="2000"/>
-    </mc:Choice>
-    <mc:Fallback>
-      <p:transition spd="slow"/>
-    </mc:Fallback>
-  </mc:AlternateContent>
+  <p:clrMapOvr>
+    <a:masterClrMapping/>
+  </p:clrMapOvr>
 </p:sld>
 </file>
 
 <file path=ppt/slides/slide4.xml><?xml version="1.0" encoding="utf-8"?>
-<p:sld xmlns:a="http://schemas.openxmlformats.org/drawingml/2006/main" xmlns:p="http://schemas.openxmlformats.org/presentationml/2006/main" xmlns:r="http://schemas.openxmlformats.org/officeDocument/2006/relationships" xmlns:p14="http://schemas.microsoft.com/office/powerpoint/2010/main" xmlns:p15="http://schemas.microsoft.com/office/powerpoint/2012/main" xmlns:mc="http://schemas.openxmlformats.org/markup-compatibility/2006">
+<p:sld xmlns:a="http://schemas.openxmlformats.org/drawingml/2006/main" xmlns:r="http://schemas.openxmlformats.org/officeDocument/2006/relationships" xmlns:p="http://schemas.openxmlformats.org/presentationml/2006/main">
   <p:cSld>
     <p:spTree>
       <p:nvGrpSpPr>
@@ -10431,15 +11407,22 @@
           </a:ln>
         </p:spPr>
         <p:style>
-          <a:lnRef idx="0"/>
-          <a:fillRef idx="0"/>
-          <a:effectRef idx="0"/>
+          <a:lnRef idx="0">
+            <a:scrgbClr r="0" g="0" b="0"/>
+          </a:lnRef>
+          <a:fillRef idx="0">
+            <a:scrgbClr r="0" g="0" b="0"/>
+          </a:fillRef>
+          <a:effectRef idx="0">
+            <a:scrgbClr r="0" g="0" b="0"/>
+          </a:effectRef>
           <a:fontRef idx="minor"/>
         </p:style>
         <p:txBody>
-          <a:bodyPr lIns="90000" rIns="90000" tIns="45000" bIns="45000" anchor="t">
+          <a:bodyPr lIns="90000" tIns="45000" rIns="90000" bIns="45000" anchor="t">
             <a:spAutoFit/>
           </a:bodyPr>
+          <a:lstStyle/>
           <a:p>
             <a:pPr>
               <a:lnSpc>
@@ -10448,7 +11431,7 @@
               <a:buNone/>
             </a:pPr>
             <a:r>
-              <a:rPr b="0" lang="en-US" sz="2400" spc="-1" strike="noStrike">
+              <a:rPr lang="en-US" sz="2400" b="0" strike="noStrike" spc="-1">
                 <a:solidFill>
                   <a:srgbClr val="000000"/>
                 </a:solidFill>
@@ -10457,7 +11440,7 @@
               </a:rPr>
               <a:t>Prompt Engineering</a:t>
             </a:r>
-            <a:endParaRPr b="0" lang="en-US" sz="2400" spc="-1" strike="noStrike">
+            <a:endParaRPr lang="en-US" sz="2400" b="0" strike="noStrike" spc="-1">
               <a:latin typeface="Arial"/>
             </a:endParaRPr>
           </a:p>
@@ -10483,15 +11466,22 @@
           </a:ln>
         </p:spPr>
         <p:style>
-          <a:lnRef idx="0"/>
-          <a:fillRef idx="0"/>
-          <a:effectRef idx="0"/>
+          <a:lnRef idx="0">
+            <a:scrgbClr r="0" g="0" b="0"/>
+          </a:lnRef>
+          <a:fillRef idx="0">
+            <a:scrgbClr r="0" g="0" b="0"/>
+          </a:fillRef>
+          <a:effectRef idx="0">
+            <a:scrgbClr r="0" g="0" b="0"/>
+          </a:effectRef>
           <a:fontRef idx="minor"/>
         </p:style>
         <p:txBody>
-          <a:bodyPr lIns="90000" rIns="90000" tIns="45000" bIns="45000" anchor="t">
+          <a:bodyPr lIns="90000" tIns="45000" rIns="90000" bIns="45000" anchor="t">
             <a:spAutoFit/>
           </a:bodyPr>
+          <a:lstStyle/>
           <a:p>
             <a:pPr>
               <a:lnSpc>
@@ -10500,7 +11490,7 @@
               <a:buNone/>
             </a:pPr>
             <a:r>
-              <a:rPr b="0" lang="en-US" sz="2400" spc="-1" strike="noStrike">
+              <a:rPr lang="en-US" sz="2400" b="0" strike="noStrike" spc="-1">
                 <a:solidFill>
                   <a:srgbClr val="000000"/>
                 </a:solidFill>
@@ -10509,7 +11499,7 @@
               </a:rPr>
               <a:t>I will use the Chain Of Thought(CoT) technique because:</a:t>
             </a:r>
-            <a:endParaRPr b="0" lang="en-US" sz="2400" spc="-1" strike="noStrike">
+            <a:endParaRPr lang="en-US" sz="2400" b="0" strike="noStrike" spc="-1">
               <a:latin typeface="Arial"/>
             </a:endParaRPr>
           </a:p>
@@ -10525,7 +11515,7 @@
               <a:buChar char="•"/>
             </a:pPr>
             <a:r>
-              <a:rPr b="0" lang="en-US" sz="2400" spc="-1" strike="noStrike">
+              <a:rPr lang="en-US" sz="2400" b="0" strike="noStrike" spc="-1">
                 <a:solidFill>
                   <a:srgbClr val="000000"/>
                 </a:solidFill>
@@ -10534,7 +11524,7 @@
               </a:rPr>
               <a:t>Digital design is a really complex task that requires complex reasoning an produces context aware responses.</a:t>
             </a:r>
-            <a:endParaRPr b="0" lang="en-US" sz="2400" spc="-1" strike="noStrike">
+            <a:endParaRPr lang="en-US" sz="2400" b="0" strike="noStrike" spc="-1">
               <a:latin typeface="Arial"/>
             </a:endParaRPr>
           </a:p>
@@ -10550,7 +11540,7 @@
               <a:buChar char="•"/>
             </a:pPr>
             <a:r>
-              <a:rPr b="0" lang="en-US" sz="2400" spc="-1" strike="noStrike">
+              <a:rPr lang="en-US" sz="2400" b="0" strike="noStrike" spc="-1">
                 <a:solidFill>
                   <a:srgbClr val="000000"/>
                 </a:solidFill>
@@ -10559,7 +11549,7 @@
               </a:rPr>
               <a:t>These tasks (like creating an FSM) require multiple intermediate reasoning steps.</a:t>
             </a:r>
-            <a:endParaRPr b="0" lang="en-US" sz="2400" spc="-1" strike="noStrike">
+            <a:endParaRPr lang="en-US" sz="2400" b="0" strike="noStrike" spc="-1">
               <a:latin typeface="Arial"/>
             </a:endParaRPr>
           </a:p>
@@ -10567,12 +11557,12 @@
       </p:sp>
       <p:pic>
         <p:nvPicPr>
-          <p:cNvPr id="98" name="Picture 4" descr=""/>
+          <p:cNvPr id="98" name="Picture 4"/>
           <p:cNvPicPr/>
           <p:nvPr/>
         </p:nvPicPr>
         <p:blipFill>
-          <a:blip r:embed="rId1"/>
+          <a:blip r:embed="rId2"/>
           <a:stretch/>
         </p:blipFill>
         <p:spPr>
@@ -10590,19 +11580,14 @@
       </p:pic>
     </p:spTree>
   </p:cSld>
-  <mc:AlternateContent>
-    <mc:Choice Requires="p14">
-      <p:transition spd="slow" p14:dur="2000"/>
-    </mc:Choice>
-    <mc:Fallback>
-      <p:transition spd="slow"/>
-    </mc:Fallback>
-  </mc:AlternateContent>
+  <p:clrMapOvr>
+    <a:masterClrMapping/>
+  </p:clrMapOvr>
 </p:sld>
 </file>
 
 <file path=ppt/slides/slide5.xml><?xml version="1.0" encoding="utf-8"?>
-<p:sld xmlns:a="http://schemas.openxmlformats.org/drawingml/2006/main" xmlns:p="http://schemas.openxmlformats.org/presentationml/2006/main" xmlns:r="http://schemas.openxmlformats.org/officeDocument/2006/relationships" xmlns:p14="http://schemas.microsoft.com/office/powerpoint/2010/main" xmlns:p15="http://schemas.microsoft.com/office/powerpoint/2012/main" xmlns:mc="http://schemas.openxmlformats.org/markup-compatibility/2006">
+<p:sld xmlns:a="http://schemas.openxmlformats.org/drawingml/2006/main" xmlns:r="http://schemas.openxmlformats.org/officeDocument/2006/relationships" xmlns:p="http://schemas.openxmlformats.org/presentationml/2006/main">
   <p:cSld>
     <p:spTree>
       <p:nvGrpSpPr>
@@ -10652,15 +11637,22 @@
             </a:ln>
           </p:spPr>
           <p:style>
-            <a:lnRef idx="0"/>
-            <a:fillRef idx="0"/>
-            <a:effectRef idx="0"/>
+            <a:lnRef idx="0">
+              <a:scrgbClr r="0" g="0" b="0"/>
+            </a:lnRef>
+            <a:fillRef idx="0">
+              <a:scrgbClr r="0" g="0" b="0"/>
+            </a:fillRef>
+            <a:effectRef idx="0">
+              <a:scrgbClr r="0" g="0" b="0"/>
+            </a:effectRef>
             <a:fontRef idx="minor"/>
           </p:style>
           <p:txBody>
-            <a:bodyPr lIns="90000" rIns="90000" tIns="45000" bIns="45000" anchor="t">
+            <a:bodyPr lIns="90000" tIns="45000" rIns="90000" bIns="45000" anchor="t">
               <a:spAutoFit/>
             </a:bodyPr>
+            <a:lstStyle/>
             <a:p>
               <a:pPr>
                 <a:lnSpc>
@@ -10669,7 +11661,7 @@
                 <a:buNone/>
               </a:pPr>
               <a:r>
-                <a:rPr b="0" lang="en-US" sz="2400" spc="-1" strike="noStrike">
+                <a:rPr lang="en-US" sz="2400" b="0" strike="noStrike" spc="-1">
                   <a:solidFill>
                     <a:srgbClr val="000000"/>
                   </a:solidFill>
@@ -10678,7 +11670,7 @@
                 </a:rPr>
                 <a:t>Prompting Pattern</a:t>
               </a:r>
-              <a:endParaRPr b="0" lang="en-US" sz="2400" spc="-1" strike="noStrike">
+              <a:endParaRPr lang="en-US" sz="2400" b="0" strike="noStrike" spc="-1">
                 <a:latin typeface="Arial"/>
               </a:endParaRPr>
             </a:p>
@@ -10704,15 +11696,22 @@
             </a:ln>
           </p:spPr>
           <p:style>
-            <a:lnRef idx="0"/>
-            <a:fillRef idx="0"/>
-            <a:effectRef idx="0"/>
+            <a:lnRef idx="0">
+              <a:scrgbClr r="0" g="0" b="0"/>
+            </a:lnRef>
+            <a:fillRef idx="0">
+              <a:scrgbClr r="0" g="0" b="0"/>
+            </a:fillRef>
+            <a:effectRef idx="0">
+              <a:scrgbClr r="0" g="0" b="0"/>
+            </a:effectRef>
             <a:fontRef idx="minor"/>
           </p:style>
           <p:txBody>
-            <a:bodyPr lIns="90000" rIns="90000" tIns="45000" bIns="45000" anchor="t">
+            <a:bodyPr lIns="90000" tIns="45000" rIns="90000" bIns="45000" anchor="t">
               <a:spAutoFit/>
             </a:bodyPr>
+            <a:lstStyle/>
             <a:p>
               <a:pPr>
                 <a:lnSpc>
@@ -10721,7 +11720,7 @@
                 <a:buNone/>
               </a:pPr>
               <a:r>
-                <a:rPr b="0" lang="en-US" sz="2400" spc="-1" strike="noStrike">
+                <a:rPr lang="en-US" sz="2400" b="0" strike="noStrike" spc="-1">
                   <a:solidFill>
                     <a:srgbClr val="000000"/>
                   </a:solidFill>
@@ -10731,7 +11730,7 @@
                 <a:t>In order to gather the necessary steps to create a hardware trojan using an LLM, we enhanced our prompt engineering techniques </a:t>
               </a:r>
               <a:r>
-                <a:rPr b="1" lang="en-US" sz="2400" spc="-1" strike="noStrike">
+                <a:rPr lang="en-US" sz="2400" b="1" strike="noStrike" spc="-1">
                   <a:solidFill>
                     <a:srgbClr val="000000"/>
                   </a:solidFill>
@@ -10741,7 +11740,7 @@
                 <a:t>first</a:t>
               </a:r>
               <a:r>
-                <a:rPr b="0" lang="en-US" sz="2400" spc="-1" strike="noStrike">
+                <a:rPr lang="en-US" sz="2400" b="0" strike="noStrike" spc="-1">
                   <a:solidFill>
                     <a:srgbClr val="000000"/>
                   </a:solidFill>
@@ -10751,7 +11750,7 @@
                 <a:t> by using the </a:t>
               </a:r>
               <a:r>
-                <a:rPr b="0" lang="en-US" sz="2400" spc="-1" strike="noStrike" u="sng">
+                <a:rPr lang="en-US" sz="2400" b="0" u="sng" strike="noStrike" spc="-1">
                   <a:solidFill>
                     <a:srgbClr val="000000"/>
                   </a:solidFill>
@@ -10762,7 +11761,7 @@
                 <a:t>Recipe</a:t>
               </a:r>
               <a:r>
-                <a:rPr b="0" lang="en-US" sz="2400" spc="-1" strike="noStrike">
+                <a:rPr lang="en-US" sz="2400" b="0" strike="noStrike" spc="-1">
                   <a:solidFill>
                     <a:srgbClr val="000000"/>
                   </a:solidFill>
@@ -10771,7 +11770,7 @@
                 </a:rPr>
                 <a:t> prompt pattern</a:t>
               </a:r>
-              <a:endParaRPr b="0" lang="en-US" sz="2400" spc="-1" strike="noStrike">
+              <a:endParaRPr lang="en-US" sz="2400" b="0" strike="noStrike" spc="-1">
                 <a:latin typeface="Arial"/>
               </a:endParaRPr>
             </a:p>
@@ -10798,15 +11797,22 @@
           </a:ln>
         </p:spPr>
         <p:style>
-          <a:lnRef idx="0"/>
-          <a:fillRef idx="0"/>
-          <a:effectRef idx="0"/>
+          <a:lnRef idx="0">
+            <a:scrgbClr r="0" g="0" b="0"/>
+          </a:lnRef>
+          <a:fillRef idx="0">
+            <a:scrgbClr r="0" g="0" b="0"/>
+          </a:fillRef>
+          <a:effectRef idx="0">
+            <a:scrgbClr r="0" g="0" b="0"/>
+          </a:effectRef>
           <a:fontRef idx="minor"/>
         </p:style>
         <p:txBody>
-          <a:bodyPr lIns="90000" rIns="90000" tIns="45000" bIns="45000" anchor="t">
+          <a:bodyPr lIns="90000" tIns="45000" rIns="90000" bIns="45000" anchor="t">
             <a:spAutoFit/>
           </a:bodyPr>
+          <a:lstStyle/>
           <a:p>
             <a:pPr algn="ctr">
               <a:lnSpc>
@@ -10815,18 +11821,18 @@
               <a:buNone/>
             </a:pPr>
             <a:r>
-              <a:rPr b="0" lang="en-US" sz="1800" spc="-1" strike="noStrike" u="sng">
-                <a:solidFill>
-                  <a:srgbClr val="0563c1"/>
+              <a:rPr lang="en-US" sz="1800" b="0" u="sng" strike="noStrike" spc="-1">
+                <a:solidFill>
+                  <a:srgbClr val="0563C1"/>
                 </a:solidFill>
                 <a:uFillTx/>
                 <a:latin typeface="Calibri"/>
                 <a:ea typeface="DejaVu Sans"/>
-                <a:hlinkClick r:id="rId1"/>
+                <a:hlinkClick r:id="rId2"/>
               </a:rPr>
               <a:t>Prompt example: https://chat.openai.com/share/44e37758-e3c0-4025-98a8-89f75f36166b</a:t>
             </a:r>
-            <a:endParaRPr b="0" lang="en-US" sz="1800" spc="-1" strike="noStrike">
+            <a:endParaRPr lang="en-US" sz="1800" b="0" strike="noStrike" spc="-1">
               <a:latin typeface="Arial"/>
             </a:endParaRPr>
           </a:p>
@@ -10834,12 +11840,12 @@
       </p:sp>
       <p:pic>
         <p:nvPicPr>
-          <p:cNvPr id="103" name="Picture 6" descr=""/>
+          <p:cNvPr id="103" name="Picture 6"/>
           <p:cNvPicPr/>
           <p:nvPr/>
         </p:nvPicPr>
         <p:blipFill>
-          <a:blip r:embed="rId2"/>
+          <a:blip r:embed="rId3"/>
           <a:srcRect l="2698" t="4275" r="1597" b="5518"/>
           <a:stretch/>
         </p:blipFill>
@@ -10858,19 +11864,14 @@
       </p:pic>
     </p:spTree>
   </p:cSld>
-  <mc:AlternateContent>
-    <mc:Choice Requires="p14">
-      <p:transition spd="slow" p14:dur="2000"/>
-    </mc:Choice>
-    <mc:Fallback>
-      <p:transition spd="slow"/>
-    </mc:Fallback>
-  </mc:AlternateContent>
+  <p:clrMapOvr>
+    <a:masterClrMapping/>
+  </p:clrMapOvr>
 </p:sld>
 </file>
 
 <file path=ppt/slides/slide6.xml><?xml version="1.0" encoding="utf-8"?>
-<p:sld xmlns:a="http://schemas.openxmlformats.org/drawingml/2006/main" xmlns:p="http://schemas.openxmlformats.org/presentationml/2006/main" xmlns:r="http://schemas.openxmlformats.org/officeDocument/2006/relationships" xmlns:p14="http://schemas.microsoft.com/office/powerpoint/2010/main" xmlns:p15="http://schemas.microsoft.com/office/powerpoint/2012/main" xmlns:mc="http://schemas.openxmlformats.org/markup-compatibility/2006">
+<p:sld xmlns:a="http://schemas.openxmlformats.org/drawingml/2006/main" xmlns:r="http://schemas.openxmlformats.org/officeDocument/2006/relationships" xmlns:p="http://schemas.openxmlformats.org/presentationml/2006/main">
   <p:cSld>
     <p:spTree>
       <p:nvGrpSpPr>
@@ -10906,15 +11907,22 @@
           </a:ln>
         </p:spPr>
         <p:style>
-          <a:lnRef idx="0"/>
-          <a:fillRef idx="0"/>
-          <a:effectRef idx="0"/>
+          <a:lnRef idx="0">
+            <a:scrgbClr r="0" g="0" b="0"/>
+          </a:lnRef>
+          <a:fillRef idx="0">
+            <a:scrgbClr r="0" g="0" b="0"/>
+          </a:fillRef>
+          <a:effectRef idx="0">
+            <a:scrgbClr r="0" g="0" b="0"/>
+          </a:effectRef>
           <a:fontRef idx="minor"/>
         </p:style>
         <p:txBody>
-          <a:bodyPr lIns="90000" rIns="90000" tIns="45000" bIns="45000" anchor="t">
+          <a:bodyPr lIns="90000" tIns="45000" rIns="90000" bIns="45000" anchor="t">
             <a:spAutoFit/>
           </a:bodyPr>
+          <a:lstStyle/>
           <a:p>
             <a:pPr>
               <a:lnSpc>
@@ -10923,7 +11931,7 @@
               <a:buNone/>
             </a:pPr>
             <a:r>
-              <a:rPr b="0" lang="en-US" sz="2400" spc="-1" strike="noStrike">
+              <a:rPr lang="en-US" sz="2400" b="0" strike="noStrike" spc="-1">
                 <a:solidFill>
                   <a:srgbClr val="000000"/>
                 </a:solidFill>
@@ -10932,7 +11940,7 @@
               </a:rPr>
               <a:t>Prompting Pattern</a:t>
             </a:r>
-            <a:endParaRPr b="0" lang="en-US" sz="2400" spc="-1" strike="noStrike">
+            <a:endParaRPr lang="en-US" sz="2400" b="0" strike="noStrike" spc="-1">
               <a:latin typeface="Arial"/>
             </a:endParaRPr>
           </a:p>
@@ -10958,15 +11966,22 @@
           </a:ln>
         </p:spPr>
         <p:style>
-          <a:lnRef idx="0"/>
-          <a:fillRef idx="0"/>
-          <a:effectRef idx="0"/>
+          <a:lnRef idx="0">
+            <a:scrgbClr r="0" g="0" b="0"/>
+          </a:lnRef>
+          <a:fillRef idx="0">
+            <a:scrgbClr r="0" g="0" b="0"/>
+          </a:fillRef>
+          <a:effectRef idx="0">
+            <a:scrgbClr r="0" g="0" b="0"/>
+          </a:effectRef>
           <a:fontRef idx="minor"/>
         </p:style>
         <p:txBody>
-          <a:bodyPr lIns="90000" rIns="90000" tIns="45000" bIns="45000" anchor="t">
+          <a:bodyPr lIns="90000" tIns="45000" rIns="90000" bIns="45000" anchor="t">
             <a:spAutoFit/>
           </a:bodyPr>
+          <a:lstStyle/>
           <a:p>
             <a:pPr algn="ctr">
               <a:lnSpc>
@@ -10975,18 +11990,18 @@
               <a:buNone/>
             </a:pPr>
             <a:r>
-              <a:rPr b="0" lang="en-US" sz="1800" spc="-1" strike="noStrike" u="sng">
-                <a:solidFill>
-                  <a:srgbClr val="0563c1"/>
+              <a:rPr lang="en-US" sz="1800" b="0" u="sng" strike="noStrike" spc="-1">
+                <a:solidFill>
+                  <a:srgbClr val="0563C1"/>
                 </a:solidFill>
                 <a:uFillTx/>
                 <a:latin typeface="Calibri"/>
                 <a:ea typeface="DejaVu Sans"/>
-                <a:hlinkClick r:id="rId1"/>
+                <a:hlinkClick r:id="rId2"/>
               </a:rPr>
               <a:t>https://chatgpt.com/share/670fff2a-2b88-800b-aec3-a39d06cac69f</a:t>
             </a:r>
-            <a:endParaRPr b="0" lang="en-US" sz="1800" spc="-1" strike="noStrike">
+            <a:endParaRPr lang="en-US" sz="1800" b="0" strike="noStrike" spc="-1">
               <a:latin typeface="Arial"/>
             </a:endParaRPr>
           </a:p>
@@ -10994,12 +12009,12 @@
       </p:sp>
       <p:pic>
         <p:nvPicPr>
-          <p:cNvPr id="106" name="Picture 4" descr=""/>
+          <p:cNvPr id="106" name="Picture 4"/>
           <p:cNvPicPr/>
           <p:nvPr/>
         </p:nvPicPr>
         <p:blipFill>
-          <a:blip r:embed="rId2"/>
+          <a:blip r:embed="rId3"/>
           <a:stretch/>
         </p:blipFill>
         <p:spPr>
@@ -11035,15 +12050,22 @@
           </a:ln>
         </p:spPr>
         <p:style>
-          <a:lnRef idx="0"/>
-          <a:fillRef idx="0"/>
-          <a:effectRef idx="0"/>
+          <a:lnRef idx="0">
+            <a:scrgbClr r="0" g="0" b="0"/>
+          </a:lnRef>
+          <a:fillRef idx="0">
+            <a:scrgbClr r="0" g="0" b="0"/>
+          </a:fillRef>
+          <a:effectRef idx="0">
+            <a:scrgbClr r="0" g="0" b="0"/>
+          </a:effectRef>
           <a:fontRef idx="minor"/>
         </p:style>
         <p:txBody>
-          <a:bodyPr lIns="90000" rIns="90000" tIns="45000" bIns="45000" anchor="t">
+          <a:bodyPr lIns="90000" tIns="45000" rIns="90000" bIns="45000" anchor="t">
             <a:spAutoFit/>
           </a:bodyPr>
+          <a:lstStyle/>
           <a:p>
             <a:pPr>
               <a:lnSpc>
@@ -11052,7 +12074,7 @@
               <a:buNone/>
             </a:pPr>
             <a:r>
-              <a:rPr b="0" lang="en-US" sz="2400" spc="-1" strike="noStrike">
+              <a:rPr lang="en-US" sz="2400" b="0" strike="noStrike" spc="-1">
                 <a:solidFill>
                   <a:srgbClr val="000000"/>
                 </a:solidFill>
@@ -11061,7 +12083,7 @@
               </a:rPr>
               <a:t>Visualization-of-Thought </a:t>
             </a:r>
-            <a:endParaRPr b="0" lang="en-US" sz="2400" spc="-1" strike="noStrike">
+            <a:endParaRPr lang="en-US" sz="2400" b="0" strike="noStrike" spc="-1">
               <a:latin typeface="Arial"/>
             </a:endParaRPr>
           </a:p>
@@ -11072,7 +12094,7 @@
               </a:lnSpc>
               <a:buNone/>
             </a:pPr>
-            <a:endParaRPr b="0" lang="en-US" sz="2400" spc="-1" strike="noStrike">
+            <a:endParaRPr lang="en-US" sz="2400" b="0" strike="noStrike" spc="-1">
               <a:latin typeface="Arial"/>
             </a:endParaRPr>
           </a:p>
@@ -11084,26 +12106,16 @@
               <a:buNone/>
             </a:pPr>
             <a:r>
-              <a:rPr b="0" lang="en-US" sz="2400" spc="-1" strike="noStrike">
+              <a:rPr lang="en-US" sz="2400" b="0" strike="noStrike" spc="-1">
                 <a:solidFill>
                   <a:srgbClr val="030712"/>
                 </a:solidFill>
                 <a:latin typeface="ui-sans-serif"/>
                 <a:ea typeface="DejaVu Sans"/>
               </a:rPr>
-              <a:t>•</a:t>
-            </a:r>
-            <a:r>
-              <a:rPr b="0" lang="en-US" sz="2400" spc="-1" strike="noStrike">
-                <a:solidFill>
-                  <a:srgbClr val="030712"/>
-                </a:solidFill>
-                <a:latin typeface="ui-sans-serif"/>
-                <a:ea typeface="DejaVu Sans"/>
-              </a:rPr>
-              <a:t>Enhances Problem-Solving</a:t>
-            </a:r>
-            <a:endParaRPr b="0" lang="en-US" sz="2400" spc="-1" strike="noStrike">
+              <a:t>•Enhances Problem-Solving</a:t>
+            </a:r>
+            <a:endParaRPr lang="en-US" sz="2400" b="0" strike="noStrike" spc="-1">
               <a:latin typeface="Arial"/>
             </a:endParaRPr>
           </a:p>
@@ -11115,26 +12127,16 @@
               <a:buNone/>
             </a:pPr>
             <a:r>
-              <a:rPr b="0" lang="en-US" sz="2400" spc="-1" strike="noStrike">
+              <a:rPr lang="en-US" sz="2400" b="0" strike="noStrike" spc="-1">
                 <a:solidFill>
                   <a:srgbClr val="030712"/>
                 </a:solidFill>
                 <a:latin typeface="ui-sans-serif"/>
                 <a:ea typeface="DejaVu Sans"/>
               </a:rPr>
-              <a:t>•</a:t>
-            </a:r>
-            <a:r>
-              <a:rPr b="0" lang="en-US" sz="2400" spc="-1" strike="noStrike">
-                <a:solidFill>
-                  <a:srgbClr val="030712"/>
-                </a:solidFill>
-                <a:latin typeface="ui-sans-serif"/>
-                <a:ea typeface="DejaVu Sans"/>
-              </a:rPr>
-              <a:t>Improves Communication</a:t>
-            </a:r>
-            <a:endParaRPr b="0" lang="en-US" sz="2400" spc="-1" strike="noStrike">
+              <a:t>•Improves Communication</a:t>
+            </a:r>
+            <a:endParaRPr lang="en-US" sz="2400" b="0" strike="noStrike" spc="-1">
               <a:latin typeface="Arial"/>
             </a:endParaRPr>
           </a:p>
@@ -11146,26 +12148,16 @@
               <a:buNone/>
             </a:pPr>
             <a:r>
-              <a:rPr b="0" lang="en-US" sz="2400" spc="-1" strike="noStrike">
+              <a:rPr lang="en-US" sz="2400" b="0" strike="noStrike" spc="-1">
                 <a:solidFill>
                   <a:srgbClr val="030712"/>
                 </a:solidFill>
                 <a:latin typeface="ui-sans-serif"/>
                 <a:ea typeface="DejaVu Sans"/>
               </a:rPr>
-              <a:t>•</a:t>
-            </a:r>
-            <a:r>
-              <a:rPr b="0" lang="en-US" sz="2400" spc="-1" strike="noStrike">
-                <a:solidFill>
-                  <a:srgbClr val="030712"/>
-                </a:solidFill>
-                <a:latin typeface="ui-sans-serif"/>
-                <a:ea typeface="DejaVu Sans"/>
-              </a:rPr>
-              <a:t>Increases Transparency </a:t>
-            </a:r>
-            <a:endParaRPr b="0" lang="en-US" sz="2400" spc="-1" strike="noStrike">
+              <a:t>•Increases Transparency </a:t>
+            </a:r>
+            <a:endParaRPr lang="en-US" sz="2400" b="0" strike="noStrike" spc="-1">
               <a:latin typeface="Arial"/>
             </a:endParaRPr>
           </a:p>
@@ -11177,26 +12169,16 @@
               <a:buNone/>
             </a:pPr>
             <a:r>
-              <a:rPr b="0" lang="en-US" sz="2400" spc="-1" strike="noStrike">
+              <a:rPr lang="en-US" sz="2400" b="0" strike="noStrike" spc="-1">
                 <a:solidFill>
                   <a:srgbClr val="030712"/>
                 </a:solidFill>
                 <a:latin typeface="ui-sans-serif"/>
                 <a:ea typeface="DejaVu Sans"/>
               </a:rPr>
-              <a:t>•</a:t>
-            </a:r>
-            <a:r>
-              <a:rPr b="0" lang="en-US" sz="2400" spc="-1" strike="noStrike">
-                <a:solidFill>
-                  <a:srgbClr val="030712"/>
-                </a:solidFill>
-                <a:latin typeface="ui-sans-serif"/>
-                <a:ea typeface="DejaVu Sans"/>
-              </a:rPr>
-              <a:t>Facilitates Better Decision-Making</a:t>
-            </a:r>
-            <a:endParaRPr b="0" lang="en-US" sz="2400" spc="-1" strike="noStrike">
+              <a:t>•Facilitates Better Decision-Making</a:t>
+            </a:r>
+            <a:endParaRPr lang="en-US" sz="2400" b="0" strike="noStrike" spc="-1">
               <a:latin typeface="Arial"/>
             </a:endParaRPr>
           </a:p>
@@ -11208,26 +12190,16 @@
               <a:buNone/>
             </a:pPr>
             <a:r>
-              <a:rPr b="0" lang="en-US" sz="2400" spc="-1" strike="noStrike">
+              <a:rPr lang="en-US" sz="2400" b="0" strike="noStrike" spc="-1">
                 <a:solidFill>
                   <a:srgbClr val="030712"/>
                 </a:solidFill>
                 <a:latin typeface="ui-sans-serif"/>
                 <a:ea typeface="DejaVu Sans"/>
               </a:rPr>
-              <a:t>•</a:t>
-            </a:r>
-            <a:r>
-              <a:rPr b="0" lang="en-US" sz="2400" spc="-1" strike="noStrike">
-                <a:solidFill>
-                  <a:srgbClr val="030712"/>
-                </a:solidFill>
-                <a:latin typeface="ui-sans-serif"/>
-                <a:ea typeface="DejaVu Sans"/>
-              </a:rPr>
-              <a:t>Boosts Code capabilities</a:t>
-            </a:r>
-            <a:endParaRPr b="0" lang="en-US" sz="2400" spc="-1" strike="noStrike">
+              <a:t>•Boosts Code capabilities</a:t>
+            </a:r>
+            <a:endParaRPr lang="en-US" sz="2400" b="0" strike="noStrike" spc="-1">
               <a:latin typeface="Arial"/>
             </a:endParaRPr>
           </a:p>
@@ -11235,19 +12207,14 @@
       </p:sp>
     </p:spTree>
   </p:cSld>
-  <mc:AlternateContent>
-    <mc:Choice Requires="p14">
-      <p:transition spd="slow" p14:dur="2000"/>
-    </mc:Choice>
-    <mc:Fallback>
-      <p:transition spd="slow"/>
-    </mc:Fallback>
-  </mc:AlternateContent>
+  <p:clrMapOvr>
+    <a:masterClrMapping/>
+  </p:clrMapOvr>
 </p:sld>
 </file>
 
 <file path=ppt/slides/slide7.xml><?xml version="1.0" encoding="utf-8"?>
-<p:sld xmlns:a="http://schemas.openxmlformats.org/drawingml/2006/main" xmlns:p="http://schemas.openxmlformats.org/presentationml/2006/main" xmlns:r="http://schemas.openxmlformats.org/officeDocument/2006/relationships" xmlns:p14="http://schemas.microsoft.com/office/powerpoint/2010/main" xmlns:p15="http://schemas.microsoft.com/office/powerpoint/2012/main" xmlns:mc="http://schemas.openxmlformats.org/markup-compatibility/2006">
+<p:sld xmlns:a="http://schemas.openxmlformats.org/drawingml/2006/main" xmlns:r="http://schemas.openxmlformats.org/officeDocument/2006/relationships" xmlns:p="http://schemas.openxmlformats.org/presentationml/2006/main">
   <p:cSld>
     <p:spTree>
       <p:nvGrpSpPr>
@@ -11283,15 +12250,22 @@
           </a:ln>
         </p:spPr>
         <p:style>
-          <a:lnRef idx="0"/>
-          <a:fillRef idx="0"/>
-          <a:effectRef idx="0"/>
+          <a:lnRef idx="0">
+            <a:scrgbClr r="0" g="0" b="0"/>
+          </a:lnRef>
+          <a:fillRef idx="0">
+            <a:scrgbClr r="0" g="0" b="0"/>
+          </a:fillRef>
+          <a:effectRef idx="0">
+            <a:scrgbClr r="0" g="0" b="0"/>
+          </a:effectRef>
           <a:fontRef idx="minor"/>
         </p:style>
         <p:txBody>
-          <a:bodyPr lIns="90000" rIns="90000" tIns="45000" bIns="45000" anchor="t">
+          <a:bodyPr lIns="90000" tIns="45000" rIns="90000" bIns="45000" anchor="t">
             <a:spAutoFit/>
           </a:bodyPr>
+          <a:lstStyle/>
           <a:p>
             <a:pPr>
               <a:lnSpc>
@@ -11300,7 +12274,7 @@
               <a:buNone/>
             </a:pPr>
             <a:r>
-              <a:rPr b="0" lang="en-US" sz="2400" spc="-1" strike="noStrike">
+              <a:rPr lang="en-US" sz="2400" b="0" strike="noStrike" spc="-1">
                 <a:solidFill>
                   <a:srgbClr val="000000"/>
                 </a:solidFill>
@@ -11309,7 +12283,7 @@
               </a:rPr>
               <a:t>Prompting Pattern</a:t>
             </a:r>
-            <a:endParaRPr b="0" lang="en-US" sz="2400" spc="-1" strike="noStrike">
+            <a:endParaRPr lang="en-US" sz="2400" b="0" strike="noStrike" spc="-1">
               <a:latin typeface="Arial"/>
             </a:endParaRPr>
           </a:p>
@@ -11335,15 +12309,22 @@
           </a:ln>
         </p:spPr>
         <p:style>
-          <a:lnRef idx="0"/>
-          <a:fillRef idx="0"/>
-          <a:effectRef idx="0"/>
+          <a:lnRef idx="0">
+            <a:scrgbClr r="0" g="0" b="0"/>
+          </a:lnRef>
+          <a:fillRef idx="0">
+            <a:scrgbClr r="0" g="0" b="0"/>
+          </a:fillRef>
+          <a:effectRef idx="0">
+            <a:scrgbClr r="0" g="0" b="0"/>
+          </a:effectRef>
           <a:fontRef idx="minor"/>
         </p:style>
         <p:txBody>
-          <a:bodyPr lIns="90000" rIns="90000" tIns="45000" bIns="45000" anchor="t">
+          <a:bodyPr lIns="90000" tIns="45000" rIns="90000" bIns="45000" anchor="t">
             <a:spAutoFit/>
           </a:bodyPr>
+          <a:lstStyle/>
           <a:p>
             <a:pPr>
               <a:lnSpc>
@@ -11352,7 +12333,7 @@
               <a:buNone/>
             </a:pPr>
             <a:r>
-              <a:rPr b="0" lang="en-US" sz="2400" spc="-1" strike="noStrike">
+              <a:rPr lang="en-US" sz="2400" b="0" strike="noStrike" spc="-1">
                 <a:solidFill>
                   <a:srgbClr val="000000"/>
                 </a:solidFill>
@@ -11362,7 +12343,7 @@
               <a:t>We </a:t>
             </a:r>
             <a:r>
-              <a:rPr b="1" lang="en-US" sz="2400" spc="-1" strike="noStrike">
+              <a:rPr lang="en-US" sz="2400" b="1" strike="noStrike" spc="-1">
                 <a:solidFill>
                   <a:srgbClr val="000000"/>
                 </a:solidFill>
@@ -11372,7 +12353,7 @@
               <a:t>then</a:t>
             </a:r>
             <a:r>
-              <a:rPr b="0" lang="en-US" sz="2400" spc="-1" strike="noStrike">
+              <a:rPr lang="en-US" sz="2400" b="0" strike="noStrike" spc="-1">
                 <a:solidFill>
                   <a:srgbClr val="000000"/>
                 </a:solidFill>
@@ -11382,7 +12363,7 @@
               <a:t> used the </a:t>
             </a:r>
             <a:r>
-              <a:rPr b="0" lang="en-US" sz="2400" spc="-1" strike="noStrike" u="sng">
+              <a:rPr lang="en-US" sz="2400" b="0" u="sng" strike="noStrike" spc="-1">
                 <a:solidFill>
                   <a:srgbClr val="000000"/>
                 </a:solidFill>
@@ -11393,7 +12374,7 @@
               <a:t>Persona</a:t>
             </a:r>
             <a:r>
-              <a:rPr b="0" lang="en-US" sz="2400" spc="-1" strike="noStrike">
+              <a:rPr lang="en-US" sz="2400" b="0" strike="noStrike" spc="-1">
                 <a:solidFill>
                   <a:srgbClr val="000000"/>
                 </a:solidFill>
@@ -11402,7 +12383,7 @@
               </a:rPr>
               <a:t> prompt pattern  :</a:t>
             </a:r>
-            <a:endParaRPr b="0" lang="en-US" sz="2400" spc="-1" strike="noStrike">
+            <a:endParaRPr lang="en-US" sz="2400" b="0" strike="noStrike" spc="-1">
               <a:latin typeface="Arial"/>
             </a:endParaRPr>
           </a:p>
@@ -11413,7 +12394,7 @@
               </a:lnSpc>
               <a:buNone/>
             </a:pPr>
-            <a:endParaRPr b="0" lang="en-US" sz="2400" spc="-1" strike="noStrike">
+            <a:endParaRPr lang="en-US" sz="2400" b="0" strike="noStrike" spc="-1">
               <a:latin typeface="Arial"/>
             </a:endParaRPr>
           </a:p>
@@ -11429,7 +12410,7 @@
               <a:buChar char="•"/>
             </a:pPr>
             <a:r>
-              <a:rPr b="0" lang="en-US" sz="2400" spc="-1" strike="noStrike">
+              <a:rPr lang="en-US" sz="2400" b="0" strike="noStrike" spc="-1">
                 <a:solidFill>
                   <a:srgbClr val="000000"/>
                 </a:solidFill>
@@ -11438,7 +12419,7 @@
               </a:rPr>
               <a:t>In order to provide the LLM with intent </a:t>
             </a:r>
-            <a:endParaRPr b="0" lang="en-US" sz="2400" spc="-1" strike="noStrike">
+            <a:endParaRPr lang="en-US" sz="2400" b="0" strike="noStrike" spc="-1">
               <a:latin typeface="Arial"/>
             </a:endParaRPr>
           </a:p>
@@ -11454,7 +12435,7 @@
               <a:buChar char="•"/>
             </a:pPr>
             <a:r>
-              <a:rPr b="0" lang="en-US" sz="2400" spc="-1" strike="noStrike">
+              <a:rPr lang="en-US" sz="2400" b="0" strike="noStrike" spc="-1">
                 <a:solidFill>
                   <a:srgbClr val="000000"/>
                 </a:solidFill>
@@ -11463,7 +12444,7 @@
               </a:rPr>
               <a:t>Provide the LLM with motivation to achieve a certain task.</a:t>
             </a:r>
-            <a:endParaRPr b="0" lang="en-US" sz="2400" spc="-1" strike="noStrike">
+            <a:endParaRPr lang="en-US" sz="2400" b="0" strike="noStrike" spc="-1">
               <a:latin typeface="Arial"/>
             </a:endParaRPr>
           </a:p>
@@ -11479,7 +12460,7 @@
               <a:buChar char="•"/>
             </a:pPr>
             <a:r>
-              <a:rPr b="0" lang="en-US" sz="2400" spc="-1" strike="noStrike">
+              <a:rPr lang="en-US" sz="2400" b="0" strike="noStrike" spc="-1">
                 <a:solidFill>
                   <a:srgbClr val="000000"/>
                 </a:solidFill>
@@ -11488,7 +12469,7 @@
               </a:rPr>
               <a:t>Structure fundamental contextual statements around key ideas</a:t>
             </a:r>
-            <a:endParaRPr b="0" lang="en-US" sz="2400" spc="-1" strike="noStrike">
+            <a:endParaRPr lang="en-US" sz="2400" b="0" strike="noStrike" spc="-1">
               <a:latin typeface="Arial"/>
             </a:endParaRPr>
           </a:p>
@@ -11504,7 +12485,7 @@
               <a:buChar char="•"/>
             </a:pPr>
             <a:r>
-              <a:rPr b="0" lang="en-US" sz="2400" spc="-1" strike="noStrike">
+              <a:rPr lang="en-US" sz="2400" b="0" strike="noStrike" spc="-1">
                 <a:solidFill>
                   <a:srgbClr val="000000"/>
                 </a:solidFill>
@@ -11514,7 +12495,7 @@
               <a:t>Provide example code for the LLM  to follow along by using the </a:t>
             </a:r>
             <a:r>
-              <a:rPr b="0" i="1" lang="en-US" sz="2400" spc="-1" strike="noStrike">
+              <a:rPr lang="en-US" sz="2400" b="0" i="1" strike="noStrike" spc="-1">
                 <a:solidFill>
                   <a:srgbClr val="000000"/>
                 </a:solidFill>
@@ -11524,7 +12505,7 @@
               <a:t>Chain of Thought</a:t>
             </a:r>
             <a:r>
-              <a:rPr b="0" lang="en-US" sz="2400" spc="-1" strike="noStrike">
+              <a:rPr lang="en-US" sz="2400" b="0" strike="noStrike" spc="-1">
                 <a:solidFill>
                   <a:srgbClr val="000000"/>
                 </a:solidFill>
@@ -11533,7 +12514,7 @@
               </a:rPr>
               <a:t> prompt engineering technique.</a:t>
             </a:r>
-            <a:endParaRPr b="0" lang="en-US" sz="2400" spc="-1" strike="noStrike">
+            <a:endParaRPr lang="en-US" sz="2400" b="0" strike="noStrike" spc="-1">
               <a:latin typeface="Arial"/>
             </a:endParaRPr>
           </a:p>
@@ -11559,15 +12540,22 @@
           </a:ln>
         </p:spPr>
         <p:style>
-          <a:lnRef idx="0"/>
-          <a:fillRef idx="0"/>
-          <a:effectRef idx="0"/>
+          <a:lnRef idx="0">
+            <a:scrgbClr r="0" g="0" b="0"/>
+          </a:lnRef>
+          <a:fillRef idx="0">
+            <a:scrgbClr r="0" g="0" b="0"/>
+          </a:fillRef>
+          <a:effectRef idx="0">
+            <a:scrgbClr r="0" g="0" b="0"/>
+          </a:effectRef>
           <a:fontRef idx="minor"/>
         </p:style>
         <p:txBody>
-          <a:bodyPr lIns="90000" rIns="90000" tIns="45000" bIns="45000" anchor="t">
+          <a:bodyPr lIns="90000" tIns="45000" rIns="90000" bIns="45000" anchor="t">
             <a:spAutoFit/>
           </a:bodyPr>
+          <a:lstStyle/>
           <a:p>
             <a:pPr algn="ctr">
               <a:lnSpc>
@@ -11576,18 +12564,18 @@
               <a:buNone/>
             </a:pPr>
             <a:r>
-              <a:rPr b="0" lang="en-US" sz="1800" spc="-1" strike="noStrike" u="sng">
-                <a:solidFill>
-                  <a:srgbClr val="0563c1"/>
+              <a:rPr lang="en-US" sz="1800" b="0" u="sng" strike="noStrike" spc="-1">
+                <a:solidFill>
+                  <a:srgbClr val="0563C1"/>
                 </a:solidFill>
                 <a:uFillTx/>
                 <a:latin typeface="Calibri"/>
                 <a:ea typeface="DejaVu Sans"/>
-                <a:hlinkClick r:id="rId1"/>
+                <a:hlinkClick r:id="rId2"/>
               </a:rPr>
               <a:t>Prompt example: https://chat.openai.com/share/8d425e27-d6d8-473b-9f53-7e42fdf6c008</a:t>
             </a:r>
-            <a:endParaRPr b="0" lang="en-US" sz="1800" spc="-1" strike="noStrike">
+            <a:endParaRPr lang="en-US" sz="1800" b="0" strike="noStrike" spc="-1">
               <a:latin typeface="Arial"/>
             </a:endParaRPr>
           </a:p>
@@ -11595,12 +12583,12 @@
       </p:sp>
       <p:pic>
         <p:nvPicPr>
-          <p:cNvPr id="111" name="Picture 6" descr=""/>
+          <p:cNvPr id="111" name="Picture 6"/>
           <p:cNvPicPr/>
           <p:nvPr/>
         </p:nvPicPr>
         <p:blipFill>
-          <a:blip r:embed="rId2"/>
+          <a:blip r:embed="rId3"/>
           <a:stretch/>
         </p:blipFill>
         <p:spPr>
@@ -11618,19 +12606,14 @@
       </p:pic>
     </p:spTree>
   </p:cSld>
-  <mc:AlternateContent>
-    <mc:Choice Requires="p14">
-      <p:transition spd="slow" p14:dur="2000"/>
-    </mc:Choice>
-    <mc:Fallback>
-      <p:transition spd="slow"/>
-    </mc:Fallback>
-  </mc:AlternateContent>
+  <p:clrMapOvr>
+    <a:masterClrMapping/>
+  </p:clrMapOvr>
 </p:sld>
 </file>
 
 <file path=ppt/slides/slide8.xml><?xml version="1.0" encoding="utf-8"?>
-<p:sld xmlns:a="http://schemas.openxmlformats.org/drawingml/2006/main" xmlns:p="http://schemas.openxmlformats.org/presentationml/2006/main" xmlns:r="http://schemas.openxmlformats.org/officeDocument/2006/relationships" xmlns:p14="http://schemas.microsoft.com/office/powerpoint/2010/main" xmlns:p15="http://schemas.microsoft.com/office/powerpoint/2012/main" xmlns:mc="http://schemas.openxmlformats.org/markup-compatibility/2006">
+<p:sld xmlns:a="http://schemas.openxmlformats.org/drawingml/2006/main" xmlns:r="http://schemas.openxmlformats.org/officeDocument/2006/relationships" xmlns:p="http://schemas.openxmlformats.org/presentationml/2006/main">
   <p:cSld>
     <p:spTree>
       <p:nvGrpSpPr>
@@ -11666,15 +12649,22 @@
           </a:ln>
         </p:spPr>
         <p:style>
-          <a:lnRef idx="0"/>
-          <a:fillRef idx="0"/>
-          <a:effectRef idx="0"/>
+          <a:lnRef idx="0">
+            <a:scrgbClr r="0" g="0" b="0"/>
+          </a:lnRef>
+          <a:fillRef idx="0">
+            <a:scrgbClr r="0" g="0" b="0"/>
+          </a:fillRef>
+          <a:effectRef idx="0">
+            <a:scrgbClr r="0" g="0" b="0"/>
+          </a:effectRef>
           <a:fontRef idx="minor"/>
         </p:style>
         <p:txBody>
-          <a:bodyPr lIns="90000" rIns="90000" tIns="45000" bIns="45000" anchor="t">
+          <a:bodyPr lIns="90000" tIns="45000" rIns="90000" bIns="45000" anchor="t">
             <a:spAutoFit/>
           </a:bodyPr>
+          <a:lstStyle/>
           <a:p>
             <a:pPr>
               <a:lnSpc>
@@ -11683,7 +12673,7 @@
               <a:buNone/>
             </a:pPr>
             <a:r>
-              <a:rPr b="0" lang="en-US" sz="1800" spc="-1" strike="noStrike">
+              <a:rPr lang="en-US" sz="1800" b="0" strike="noStrike" spc="-1">
                 <a:solidFill>
                   <a:srgbClr val="000000"/>
                 </a:solidFill>
@@ -11692,7 +12682,7 @@
               </a:rPr>
               <a:t>During our research, the efforts of writing “malicious” code was inhibited by the content filtering process ChatGPT has. We discovered two ways to bypass and “exploit” the Reinforcement learning from human feedback (RLHF) and openAI’s content filtering by using YACATEC MAYA as a primary language . We share a conversation bellow as a Proof of Concept.</a:t>
             </a:r>
-            <a:endParaRPr b="0" lang="en-US" sz="1800" spc="-1" strike="noStrike">
+            <a:endParaRPr lang="en-US" sz="1800" b="0" strike="noStrike" spc="-1">
               <a:latin typeface="Arial"/>
             </a:endParaRPr>
           </a:p>
@@ -11718,15 +12708,22 @@
           </a:ln>
         </p:spPr>
         <p:style>
-          <a:lnRef idx="0"/>
-          <a:fillRef idx="0"/>
-          <a:effectRef idx="0"/>
+          <a:lnRef idx="0">
+            <a:scrgbClr r="0" g="0" b="0"/>
+          </a:lnRef>
+          <a:fillRef idx="0">
+            <a:scrgbClr r="0" g="0" b="0"/>
+          </a:fillRef>
+          <a:effectRef idx="0">
+            <a:scrgbClr r="0" g="0" b="0"/>
+          </a:effectRef>
           <a:fontRef idx="minor"/>
         </p:style>
         <p:txBody>
-          <a:bodyPr lIns="90000" rIns="90000" tIns="45000" bIns="45000" anchor="t">
+          <a:bodyPr lIns="90000" tIns="45000" rIns="90000" bIns="45000" anchor="t">
             <a:spAutoFit/>
           </a:bodyPr>
+          <a:lstStyle/>
           <a:p>
             <a:pPr>
               <a:lnSpc>
@@ -11735,7 +12732,7 @@
               <a:buNone/>
             </a:pPr>
             <a:r>
-              <a:rPr b="0" lang="en-US" sz="1800" spc="-1" strike="noStrike">
+              <a:rPr lang="en-US" sz="1800" b="0" strike="noStrike" spc="-1">
                 <a:solidFill>
                   <a:srgbClr val="000000"/>
                 </a:solidFill>
@@ -11744,7 +12741,7 @@
               </a:rPr>
               <a:t>Asking how to build a chemical bomb using English:</a:t>
             </a:r>
-            <a:endParaRPr b="0" lang="en-US" sz="1800" spc="-1" strike="noStrike">
+            <a:endParaRPr lang="en-US" sz="1800" b="0" strike="noStrike" spc="-1">
               <a:latin typeface="Arial"/>
             </a:endParaRPr>
           </a:p>
@@ -11770,15 +12767,22 @@
           </a:ln>
         </p:spPr>
         <p:style>
-          <a:lnRef idx="0"/>
-          <a:fillRef idx="0"/>
-          <a:effectRef idx="0"/>
+          <a:lnRef idx="0">
+            <a:scrgbClr r="0" g="0" b="0"/>
+          </a:lnRef>
+          <a:fillRef idx="0">
+            <a:scrgbClr r="0" g="0" b="0"/>
+          </a:fillRef>
+          <a:effectRef idx="0">
+            <a:scrgbClr r="0" g="0" b="0"/>
+          </a:effectRef>
           <a:fontRef idx="minor"/>
         </p:style>
         <p:txBody>
-          <a:bodyPr lIns="90000" rIns="90000" tIns="45000" bIns="45000" anchor="t">
+          <a:bodyPr lIns="90000" tIns="45000" rIns="90000" bIns="45000" anchor="t">
             <a:spAutoFit/>
           </a:bodyPr>
+          <a:lstStyle/>
           <a:p>
             <a:pPr algn="ctr">
               <a:lnSpc>
@@ -11787,18 +12791,18 @@
               <a:buNone/>
             </a:pPr>
             <a:r>
-              <a:rPr b="0" lang="en-US" sz="1800" spc="-1" strike="noStrike" u="sng">
-                <a:solidFill>
-                  <a:srgbClr val="0563c1"/>
+              <a:rPr lang="en-US" sz="1800" b="0" u="sng" strike="noStrike" spc="-1">
+                <a:solidFill>
+                  <a:srgbClr val="0563C1"/>
                 </a:solidFill>
                 <a:uFillTx/>
                 <a:latin typeface="Calibri"/>
                 <a:ea typeface="DejaVu Sans"/>
-                <a:hlinkClick r:id="rId1"/>
+                <a:hlinkClick r:id="rId2"/>
               </a:rPr>
               <a:t>https://chat.openai.com/share/445456a6-b89d-438b-a547-05adbec612de</a:t>
             </a:r>
-            <a:endParaRPr b="0" lang="en-US" sz="1800" spc="-1" strike="noStrike">
+            <a:endParaRPr lang="en-US" sz="1800" b="0" strike="noStrike" spc="-1">
               <a:latin typeface="Arial"/>
             </a:endParaRPr>
           </a:p>
@@ -11806,12 +12810,12 @@
       </p:sp>
       <p:pic>
         <p:nvPicPr>
-          <p:cNvPr id="115" name="Picture 3" descr=""/>
+          <p:cNvPr id="115" name="Picture 3"/>
           <p:cNvPicPr/>
           <p:nvPr/>
         </p:nvPicPr>
         <p:blipFill>
-          <a:blip r:embed="rId2"/>
+          <a:blip r:embed="rId3"/>
           <a:stretch/>
         </p:blipFill>
         <p:spPr>
@@ -11847,15 +12851,22 @@
           </a:ln>
         </p:spPr>
         <p:style>
-          <a:lnRef idx="0"/>
-          <a:fillRef idx="0"/>
-          <a:effectRef idx="0"/>
+          <a:lnRef idx="0">
+            <a:scrgbClr r="0" g="0" b="0"/>
+          </a:lnRef>
+          <a:fillRef idx="0">
+            <a:scrgbClr r="0" g="0" b="0"/>
+          </a:fillRef>
+          <a:effectRef idx="0">
+            <a:scrgbClr r="0" g="0" b="0"/>
+          </a:effectRef>
           <a:fontRef idx="minor"/>
         </p:style>
         <p:txBody>
-          <a:bodyPr lIns="90000" rIns="90000" tIns="45000" bIns="45000" anchor="t">
+          <a:bodyPr lIns="90000" tIns="45000" rIns="90000" bIns="45000" anchor="t">
             <a:spAutoFit/>
           </a:bodyPr>
+          <a:lstStyle/>
           <a:p>
             <a:pPr>
               <a:lnSpc>
@@ -11864,7 +12875,7 @@
               <a:buNone/>
             </a:pPr>
             <a:r>
-              <a:rPr b="0" lang="en-US" sz="1800" spc="-1" strike="noStrike">
+              <a:rPr lang="en-US" sz="1800" b="0" strike="noStrike" spc="-1">
                 <a:solidFill>
                   <a:srgbClr val="000000"/>
                 </a:solidFill>
@@ -11873,7 +12884,7 @@
               </a:rPr>
               <a:t>Asking how to build a chemical bomb using Yucatec Maya:</a:t>
             </a:r>
-            <a:endParaRPr b="0" lang="en-US" sz="1800" spc="-1" strike="noStrike">
+            <a:endParaRPr lang="en-US" sz="1800" b="0" strike="noStrike" spc="-1">
               <a:latin typeface="Arial"/>
             </a:endParaRPr>
           </a:p>
@@ -11899,15 +12910,22 @@
           </a:ln>
         </p:spPr>
         <p:style>
-          <a:lnRef idx="0"/>
-          <a:fillRef idx="0"/>
-          <a:effectRef idx="0"/>
+          <a:lnRef idx="0">
+            <a:scrgbClr r="0" g="0" b="0"/>
+          </a:lnRef>
+          <a:fillRef idx="0">
+            <a:scrgbClr r="0" g="0" b="0"/>
+          </a:fillRef>
+          <a:effectRef idx="0">
+            <a:scrgbClr r="0" g="0" b="0"/>
+          </a:effectRef>
           <a:fontRef idx="minor"/>
         </p:style>
         <p:txBody>
-          <a:bodyPr lIns="90000" rIns="90000" tIns="45000" bIns="45000" anchor="t">
+          <a:bodyPr lIns="90000" tIns="45000" rIns="90000" bIns="45000" anchor="t">
             <a:spAutoFit/>
           </a:bodyPr>
+          <a:lstStyle/>
           <a:p>
             <a:pPr algn="ctr">
               <a:lnSpc>
@@ -11916,18 +12934,18 @@
               <a:buNone/>
             </a:pPr>
             <a:r>
-              <a:rPr b="0" lang="en-US" sz="1800" spc="-1" strike="noStrike" u="sng">
-                <a:solidFill>
-                  <a:srgbClr val="0563c1"/>
+              <a:rPr lang="en-US" sz="1800" b="0" u="sng" strike="noStrike" spc="-1">
+                <a:solidFill>
+                  <a:srgbClr val="0563C1"/>
                 </a:solidFill>
                 <a:uFillTx/>
                 <a:latin typeface="Calibri"/>
                 <a:ea typeface="DejaVu Sans"/>
-                <a:hlinkClick r:id="rId3"/>
+                <a:hlinkClick r:id="rId4"/>
               </a:rPr>
               <a:t>https://chatgpt.com/share/670ff0da-9960-800b-bb94-a1ea10787bb7</a:t>
             </a:r>
-            <a:endParaRPr b="0" lang="en-US" sz="1800" spc="-1" strike="noStrike">
+            <a:endParaRPr lang="en-US" sz="1800" b="0" strike="noStrike" spc="-1">
               <a:latin typeface="Arial"/>
             </a:endParaRPr>
           </a:p>
@@ -11953,15 +12971,22 @@
           </a:ln>
         </p:spPr>
         <p:style>
-          <a:lnRef idx="0"/>
-          <a:fillRef idx="0"/>
-          <a:effectRef idx="0"/>
+          <a:lnRef idx="0">
+            <a:scrgbClr r="0" g="0" b="0"/>
+          </a:lnRef>
+          <a:fillRef idx="0">
+            <a:scrgbClr r="0" g="0" b="0"/>
+          </a:fillRef>
+          <a:effectRef idx="0">
+            <a:scrgbClr r="0" g="0" b="0"/>
+          </a:effectRef>
           <a:fontRef idx="minor"/>
         </p:style>
         <p:txBody>
-          <a:bodyPr lIns="90000" rIns="90000" tIns="45000" bIns="45000" anchor="t">
+          <a:bodyPr lIns="90000" tIns="45000" rIns="90000" bIns="45000" anchor="t">
             <a:spAutoFit/>
           </a:bodyPr>
+          <a:lstStyle/>
           <a:p>
             <a:pPr algn="ctr">
               <a:lnSpc>
@@ -11970,7 +12995,7 @@
               <a:buNone/>
             </a:pPr>
             <a:r>
-              <a:rPr b="0" lang="en-US" sz="2400" spc="-1" strike="noStrike">
+              <a:rPr lang="en-US" sz="2400" b="0" strike="noStrike" spc="-1">
                 <a:solidFill>
                   <a:srgbClr val="000000"/>
                 </a:solidFill>
@@ -11979,7 +13004,7 @@
               </a:rPr>
               <a:t>We discovered an exploit of ChatGPT RLHF/content filtering process</a:t>
             </a:r>
-            <a:endParaRPr b="0" lang="en-US" sz="2400" spc="-1" strike="noStrike">
+            <a:endParaRPr lang="en-US" sz="2400" b="0" strike="noStrike" spc="-1">
               <a:latin typeface="Arial"/>
             </a:endParaRPr>
           </a:p>
@@ -11987,19 +13012,14 @@
       </p:sp>
     </p:spTree>
   </p:cSld>
-  <mc:AlternateContent>
-    <mc:Choice Requires="p14">
-      <p:transition spd="slow" p14:dur="2000"/>
-    </mc:Choice>
-    <mc:Fallback>
-      <p:transition spd="slow"/>
-    </mc:Fallback>
-  </mc:AlternateContent>
+  <p:clrMapOvr>
+    <a:masterClrMapping/>
+  </p:clrMapOvr>
 </p:sld>
 </file>
 
 <file path=ppt/slides/slide9.xml><?xml version="1.0" encoding="utf-8"?>
-<p:sld xmlns:a="http://schemas.openxmlformats.org/drawingml/2006/main" xmlns:p="http://schemas.openxmlformats.org/presentationml/2006/main" xmlns:r="http://schemas.openxmlformats.org/officeDocument/2006/relationships" xmlns:p14="http://schemas.microsoft.com/office/powerpoint/2010/main" xmlns:p15="http://schemas.microsoft.com/office/powerpoint/2012/main" xmlns:mc="http://schemas.openxmlformats.org/markup-compatibility/2006">
+<p:sld xmlns:a="http://schemas.openxmlformats.org/drawingml/2006/main" xmlns:r="http://schemas.openxmlformats.org/officeDocument/2006/relationships" xmlns:p="http://schemas.openxmlformats.org/presentationml/2006/main">
   <p:cSld>
     <p:spTree>
       <p:nvGrpSpPr>
@@ -12035,15 +13055,22 @@
           </a:ln>
         </p:spPr>
         <p:style>
-          <a:lnRef idx="0"/>
-          <a:fillRef idx="0"/>
-          <a:effectRef idx="0"/>
+          <a:lnRef idx="0">
+            <a:scrgbClr r="0" g="0" b="0"/>
+          </a:lnRef>
+          <a:fillRef idx="0">
+            <a:scrgbClr r="0" g="0" b="0"/>
+          </a:fillRef>
+          <a:effectRef idx="0">
+            <a:scrgbClr r="0" g="0" b="0"/>
+          </a:effectRef>
           <a:fontRef idx="minor"/>
         </p:style>
         <p:txBody>
-          <a:bodyPr lIns="90000" rIns="90000" tIns="45000" bIns="45000" anchor="t">
+          <a:bodyPr lIns="90000" tIns="45000" rIns="90000" bIns="45000" anchor="t">
             <a:spAutoFit/>
           </a:bodyPr>
+          <a:lstStyle/>
           <a:p>
             <a:pPr algn="ctr">
               <a:lnSpc>
@@ -12052,7 +13079,7 @@
               <a:buNone/>
             </a:pPr>
             <a:r>
-              <a:rPr b="0" lang="en-US" sz="2400" spc="-1" strike="noStrike">
+              <a:rPr lang="en-US" sz="2400" b="0" strike="noStrike" spc="-1">
                 <a:solidFill>
                   <a:srgbClr val="000000"/>
                 </a:solidFill>
@@ -12061,7 +13088,7 @@
               </a:rPr>
               <a:t>We discovered a second exploit of ChatGPT RLHF/content filtering process</a:t>
             </a:r>
-            <a:endParaRPr b="0" lang="en-US" sz="2400" spc="-1" strike="noStrike">
+            <a:endParaRPr lang="en-US" sz="2400" b="0" strike="noStrike" spc="-1">
               <a:latin typeface="Arial"/>
             </a:endParaRPr>
           </a:p>
@@ -12087,15 +13114,22 @@
           </a:ln>
         </p:spPr>
         <p:style>
-          <a:lnRef idx="0"/>
-          <a:fillRef idx="0"/>
-          <a:effectRef idx="0"/>
+          <a:lnRef idx="0">
+            <a:scrgbClr r="0" g="0" b="0"/>
+          </a:lnRef>
+          <a:fillRef idx="0">
+            <a:scrgbClr r="0" g="0" b="0"/>
+          </a:fillRef>
+          <a:effectRef idx="0">
+            <a:scrgbClr r="0" g="0" b="0"/>
+          </a:effectRef>
           <a:fontRef idx="minor"/>
         </p:style>
         <p:txBody>
-          <a:bodyPr lIns="90000" rIns="90000" tIns="45000" bIns="45000" anchor="t">
+          <a:bodyPr lIns="90000" tIns="45000" rIns="90000" bIns="45000" anchor="t">
             <a:spAutoFit/>
           </a:bodyPr>
+          <a:lstStyle/>
           <a:p>
             <a:pPr>
               <a:lnSpc>
@@ -12104,7 +13138,7 @@
               <a:buNone/>
             </a:pPr>
             <a:r>
-              <a:rPr b="0" lang="en-US" sz="1800" spc="-1" strike="noStrike">
+              <a:rPr lang="en-US" sz="1800" b="0" strike="noStrike" spc="-1">
                 <a:solidFill>
                   <a:srgbClr val="000000"/>
                 </a:solidFill>
@@ -12113,7 +13147,7 @@
               </a:rPr>
               <a:t>By using prompt engineering, and specifically the “persona” pattern we managed to bypass the RLHF/content filtering process.</a:t>
             </a:r>
-            <a:endParaRPr b="0" lang="en-US" sz="1800" spc="-1" strike="noStrike">
+            <a:endParaRPr lang="en-US" sz="1800" b="0" strike="noStrike" spc="-1">
               <a:latin typeface="Arial"/>
             </a:endParaRPr>
           </a:p>
@@ -12139,15 +13173,22 @@
           </a:ln>
         </p:spPr>
         <p:style>
-          <a:lnRef idx="0"/>
-          <a:fillRef idx="0"/>
-          <a:effectRef idx="0"/>
+          <a:lnRef idx="0">
+            <a:scrgbClr r="0" g="0" b="0"/>
+          </a:lnRef>
+          <a:fillRef idx="0">
+            <a:scrgbClr r="0" g="0" b="0"/>
+          </a:fillRef>
+          <a:effectRef idx="0">
+            <a:scrgbClr r="0" g="0" b="0"/>
+          </a:effectRef>
           <a:fontRef idx="minor"/>
         </p:style>
         <p:txBody>
-          <a:bodyPr lIns="90000" rIns="90000" tIns="45000" bIns="45000" anchor="t">
+          <a:bodyPr lIns="90000" tIns="45000" rIns="90000" bIns="45000" anchor="t">
             <a:spAutoFit/>
           </a:bodyPr>
+          <a:lstStyle/>
           <a:p>
             <a:pPr>
               <a:lnSpc>
@@ -12156,7 +13197,7 @@
               <a:buNone/>
             </a:pPr>
             <a:r>
-              <a:rPr b="0" lang="en-US" sz="1800" spc="-1" strike="noStrike">
+              <a:rPr lang="en-US" sz="1800" b="0" strike="noStrike" spc="-1">
                 <a:solidFill>
                   <a:srgbClr val="000000"/>
                 </a:solidFill>
@@ -12165,7 +13206,7 @@
               </a:rPr>
               <a:t>Prompt cannot be shared due to moderation unfortunately:</a:t>
             </a:r>
-            <a:endParaRPr b="0" lang="en-US" sz="1800" spc="-1" strike="noStrike">
+            <a:endParaRPr lang="en-US" sz="1800" b="0" strike="noStrike" spc="-1">
               <a:latin typeface="Arial"/>
             </a:endParaRPr>
           </a:p>
@@ -12173,30 +13214,7 @@
       </p:sp>
       <p:pic>
         <p:nvPicPr>
-          <p:cNvPr id="122" name="Picture 2" descr=""/>
-          <p:cNvPicPr/>
-          <p:nvPr/>
-        </p:nvPicPr>
-        <p:blipFill>
-          <a:blip r:embed="rId1"/>
-          <a:stretch/>
-        </p:blipFill>
-        <p:spPr>
-          <a:xfrm>
-            <a:off x="6095880" y="2608560"/>
-            <a:ext cx="5730840" cy="3556440"/>
-          </a:xfrm>
-          <a:prstGeom prst="rect">
-            <a:avLst/>
-          </a:prstGeom>
-          <a:ln w="0">
-            <a:noFill/>
-          </a:ln>
-        </p:spPr>
-      </p:pic>
-      <p:pic>
-        <p:nvPicPr>
-          <p:cNvPr id="123" name="Picture 5" descr=""/>
+          <p:cNvPr id="122" name="Picture 2"/>
           <p:cNvPicPr/>
           <p:nvPr/>
         </p:nvPicPr>
@@ -12206,6 +13224,29 @@
         </p:blipFill>
         <p:spPr>
           <a:xfrm>
+            <a:off x="6095880" y="2608560"/>
+            <a:ext cx="5730840" cy="3556440"/>
+          </a:xfrm>
+          <a:prstGeom prst="rect">
+            <a:avLst/>
+          </a:prstGeom>
+          <a:ln w="0">
+            <a:noFill/>
+          </a:ln>
+        </p:spPr>
+      </p:pic>
+      <p:pic>
+        <p:nvPicPr>
+          <p:cNvPr id="123" name="Picture 5"/>
+          <p:cNvPicPr/>
+          <p:nvPr/>
+        </p:nvPicPr>
+        <p:blipFill>
+          <a:blip r:embed="rId3"/>
+          <a:stretch/>
+        </p:blipFill>
+        <p:spPr>
+          <a:xfrm>
             <a:off x="468000" y="2893680"/>
             <a:ext cx="5371200" cy="3271680"/>
           </a:xfrm>
@@ -12219,14 +13260,9 @@
       </p:pic>
     </p:spTree>
   </p:cSld>
-  <mc:AlternateContent>
-    <mc:Choice Requires="p14">
-      <p:transition spd="slow" p14:dur="2000"/>
-    </mc:Choice>
-    <mc:Fallback>
-      <p:transition spd="slow"/>
-    </mc:Fallback>
-  </mc:AlternateContent>
+  <p:clrMapOvr>
+    <a:masterClrMapping/>
+  </p:clrMapOvr>
 </p:sld>
 </file>
 
@@ -12241,34 +13277,34 @@
         <a:sysClr val="window" lastClr="FFFFFF"/>
       </a:lt1>
       <a:dk2>
-        <a:srgbClr val="44546a"/>
+        <a:srgbClr val="44546A"/>
       </a:dk2>
       <a:lt2>
-        <a:srgbClr val="e7e6e6"/>
+        <a:srgbClr val="E7E6E6"/>
       </a:lt2>
       <a:accent1>
-        <a:srgbClr val="4472c4"/>
+        <a:srgbClr val="4472C4"/>
       </a:accent1>
       <a:accent2>
-        <a:srgbClr val="ed7d31"/>
+        <a:srgbClr val="ED7D31"/>
       </a:accent2>
       <a:accent3>
-        <a:srgbClr val="a5a5a5"/>
+        <a:srgbClr val="A5A5A5"/>
       </a:accent3>
       <a:accent4>
-        <a:srgbClr val="ffc000"/>
+        <a:srgbClr val="FFC000"/>
       </a:accent4>
       <a:accent5>
-        <a:srgbClr val="5b9bd5"/>
+        <a:srgbClr val="5B9BD5"/>
       </a:accent5>
       <a:accent6>
-        <a:srgbClr val="70ad47"/>
+        <a:srgbClr val="70AD47"/>
       </a:accent6>
       <a:hlink>
-        <a:srgbClr val="0563c1"/>
+        <a:srgbClr val="0563C1"/>
       </a:hlink>
       <a:folHlink>
-        <a:srgbClr val="954f72"/>
+        <a:srgbClr val="954F72"/>
       </a:folHlink>
     </a:clrScheme>
     <a:fontScheme name="Office">
@@ -12453,6 +13489,8 @@
       </a:bgFillStyleLst>
     </a:fmtScheme>
   </a:themeElements>
+  <a:objectDefaults/>
+  <a:extraClrSchemeLst/>
 </a:theme>
 </file>
 
@@ -12467,34 +13505,34 @@
         <a:sysClr val="window" lastClr="FFFFFF"/>
       </a:lt1>
       <a:dk2>
-        <a:srgbClr val="44546a"/>
+        <a:srgbClr val="44546A"/>
       </a:dk2>
       <a:lt2>
-        <a:srgbClr val="e7e6e6"/>
+        <a:srgbClr val="E7E6E6"/>
       </a:lt2>
       <a:accent1>
-        <a:srgbClr val="4472c4"/>
+        <a:srgbClr val="4472C4"/>
       </a:accent1>
       <a:accent2>
-        <a:srgbClr val="ed7d31"/>
+        <a:srgbClr val="ED7D31"/>
       </a:accent2>
       <a:accent3>
-        <a:srgbClr val="a5a5a5"/>
+        <a:srgbClr val="A5A5A5"/>
       </a:accent3>
       <a:accent4>
-        <a:srgbClr val="ffc000"/>
+        <a:srgbClr val="FFC000"/>
       </a:accent4>
       <a:accent5>
-        <a:srgbClr val="5b9bd5"/>
+        <a:srgbClr val="5B9BD5"/>
       </a:accent5>
       <a:accent6>
-        <a:srgbClr val="70ad47"/>
+        <a:srgbClr val="70AD47"/>
       </a:accent6>
       <a:hlink>
-        <a:srgbClr val="0563c1"/>
+        <a:srgbClr val="0563C1"/>
       </a:hlink>
       <a:folHlink>
-        <a:srgbClr val="954f72"/>
+        <a:srgbClr val="954F72"/>
       </a:folHlink>
     </a:clrScheme>
     <a:fontScheme name="Office">
@@ -12679,5 +13717,7 @@
       </a:bgFillStyleLst>
     </a:fmtScheme>
   </a:themeElements>
+  <a:objectDefaults/>
+  <a:extraClrSchemeLst/>
 </a:theme>
 </file>
--- a/presentations/CSAW_2024_second_stage.pptx
+++ b/presentations/CSAW_2024_second_stage.pptx
@@ -23,13 +23,14 @@
     <p:sldId id="270" r:id="rId17"/>
     <p:sldId id="271" r:id="rId18"/>
     <p:sldId id="272" r:id="rId19"/>
-    <p:sldId id="273" r:id="rId20"/>
-    <p:sldId id="274" r:id="rId21"/>
-    <p:sldId id="275" r:id="rId22"/>
-    <p:sldId id="276" r:id="rId23"/>
-    <p:sldId id="277" r:id="rId24"/>
-    <p:sldId id="278" r:id="rId25"/>
-    <p:sldId id="279" r:id="rId26"/>
+    <p:sldId id="280" r:id="rId20"/>
+    <p:sldId id="273" r:id="rId21"/>
+    <p:sldId id="274" r:id="rId22"/>
+    <p:sldId id="275" r:id="rId23"/>
+    <p:sldId id="276" r:id="rId24"/>
+    <p:sldId id="277" r:id="rId25"/>
+    <p:sldId id="278" r:id="rId26"/>
+    <p:sldId id="279" r:id="rId27"/>
   </p:sldIdLst>
   <p:sldSz cx="12192000" cy="6858000"/>
   <p:notesSz cx="7559675" cy="10691813"/>
@@ -128,6 +129,11 @@
       </a:defRPr>
     </a:lvl9pPr>
   </p:defaultTextStyle>
+  <p:extLst>
+    <p:ext uri="{EFAFB233-063F-42B5-8137-9DF3F51BA10A}">
+      <p15:sldGuideLst xmlns:p15="http://schemas.microsoft.com/office/powerpoint/2012/main"/>
+    </p:ext>
+  </p:extLst>
 </p:presentation>
 </file>
 
@@ -6400,7 +6406,7 @@
         <p:spPr>
           <a:xfrm>
             <a:off x="4501080" y="1563120"/>
-            <a:ext cx="7192800" cy="4204440"/>
+            <a:ext cx="7192800" cy="4245863"/>
           </a:xfrm>
           <a:prstGeom prst="rect">
             <a:avLst/>
@@ -6435,16 +6441,77 @@
               <a:buNone/>
             </a:pPr>
             <a:r>
-              <a:rPr lang="en-US" sz="1800" b="0" strike="noStrike" spc="-1">
+              <a:rPr lang="en-US" sz="1800" b="0" strike="noStrike" spc="-1" dirty="0">
                 <a:solidFill>
                   <a:srgbClr val="000000"/>
                 </a:solidFill>
                 <a:latin typeface="Arial"/>
                 <a:ea typeface="DejaVu Sans"/>
               </a:rPr>
-              <a:t>We created a working keystroke injection tool, commonly referred to as a BadUSB. </a:t>
-            </a:r>
-            <a:endParaRPr lang="en-US" sz="1800" b="0" strike="noStrike" spc="-1">
+              <a:t>We created </a:t>
+            </a:r>
+            <a:r>
+              <a:rPr lang="en-US" spc="-1" dirty="0">
+                <a:solidFill>
+                  <a:srgbClr val="000000"/>
+                </a:solidFill>
+                <a:latin typeface="Arial"/>
+                <a:ea typeface="DejaVu Sans"/>
+              </a:rPr>
+              <a:t>(</a:t>
+            </a:r>
+            <a:r>
+              <a:rPr lang="en-US" spc="-1" dirty="0">
+                <a:solidFill>
+                  <a:srgbClr val="000000"/>
+                </a:solidFill>
+                <a:latin typeface="Arial"/>
+                <a:ea typeface="DejaVu Sans"/>
+                <a:hlinkClick r:id="rId2"/>
+              </a:rPr>
+              <a:t>based on an open source project</a:t>
+            </a:r>
+            <a:r>
+              <a:rPr lang="en-US" spc="-1" dirty="0">
+                <a:solidFill>
+                  <a:srgbClr val="000000"/>
+                </a:solidFill>
+                <a:latin typeface="Arial"/>
+                <a:ea typeface="DejaVu Sans"/>
+              </a:rPr>
+              <a:t>)</a:t>
+            </a:r>
+            <a:r>
+              <a:rPr lang="en-US" sz="1800" b="0" strike="noStrike" spc="-1" dirty="0">
+                <a:solidFill>
+                  <a:srgbClr val="000000"/>
+                </a:solidFill>
+                <a:latin typeface="Arial"/>
+                <a:ea typeface="DejaVu Sans"/>
+              </a:rPr>
+              <a:t> a working keystroke injection tool, commonly referred to as a </a:t>
+            </a:r>
+            <a:r>
+              <a:rPr lang="en-US" sz="1800" b="0" strike="noStrike" spc="-1" dirty="0" err="1">
+                <a:solidFill>
+                  <a:srgbClr val="000000"/>
+                </a:solidFill>
+                <a:latin typeface="Arial"/>
+                <a:ea typeface="DejaVu Sans"/>
+              </a:rPr>
+              <a:t>BadUSB</a:t>
+            </a:r>
+            <a:r>
+              <a:rPr lang="en-US" sz="1800" b="0" strike="noStrike" spc="-1" dirty="0">
+                <a:solidFill>
+                  <a:srgbClr val="000000"/>
+                </a:solidFill>
+                <a:latin typeface="Arial"/>
+                <a:ea typeface="DejaVu Sans"/>
+              </a:rPr>
+              <a:t>. </a:t>
+            </a:r>
+            <a:endParaRPr lang="en-US" sz="1800" b="0" strike="noStrike" spc="-1" dirty="0">
               <a:latin typeface="Arial"/>
             </a:endParaRPr>
           </a:p>
@@ -6456,7 +6523,7 @@
               <a:buNone/>
             </a:pPr>
             <a:r>
-              <a:rPr lang="en-US" sz="1800" b="0" strike="noStrike" spc="-1">
+              <a:rPr lang="en-US" sz="1800" b="0" strike="noStrike" spc="-1" dirty="0">
                 <a:solidFill>
                   <a:srgbClr val="000000"/>
                 </a:solidFill>
@@ -6465,7 +6532,7 @@
               </a:rPr>
               <a:t>Similar in functionality to the well-known USB Rubber Ducky by Hak5, it offers extensive capabilities at a lower cost and is fully open-source. </a:t>
             </a:r>
-            <a:endParaRPr lang="en-US" sz="1800" b="0" strike="noStrike" spc="-1">
+            <a:endParaRPr lang="en-US" sz="1800" b="0" strike="noStrike" spc="-1" dirty="0">
               <a:latin typeface="Arial"/>
             </a:endParaRPr>
           </a:p>
@@ -6477,7 +6544,7 @@
               <a:buNone/>
             </a:pPr>
             <a:r>
-              <a:rPr lang="en-US" sz="1800" b="0" strike="noStrike" spc="-1">
+              <a:rPr lang="en-US" sz="1800" b="0" strike="noStrike" spc="-1" dirty="0">
                 <a:solidFill>
                   <a:srgbClr val="000000"/>
                 </a:solidFill>
@@ -6486,7 +6553,7 @@
               </a:rPr>
               <a:t>Despite resembling a standard USB flash drive, it functions as a keyboard that executes a preprogrammed payload.</a:t>
             </a:r>
-            <a:endParaRPr lang="en-US" sz="1800" b="0" strike="noStrike" spc="-1">
+            <a:endParaRPr lang="en-US" sz="1800" b="0" strike="noStrike" spc="-1" dirty="0">
               <a:latin typeface="Arial"/>
             </a:endParaRPr>
           </a:p>
@@ -6498,7 +6565,7 @@
               <a:buNone/>
             </a:pPr>
             <a:r>
-              <a:rPr lang="en-US" sz="1800" b="0" strike="noStrike" spc="-1">
+              <a:rPr lang="en-US" sz="1800" b="0" strike="noStrike" spc="-1" dirty="0">
                 <a:solidFill>
                   <a:srgbClr val="000000"/>
                 </a:solidFill>
@@ -6508,7 +6575,7 @@
               <a:t>These types of devices, recognized as </a:t>
             </a:r>
             <a:r>
-              <a:rPr lang="en-US" sz="1800" b="1" strike="noStrike" spc="-1">
+              <a:rPr lang="en-US" sz="1800" b="1" strike="noStrike" spc="-1" dirty="0">
                 <a:solidFill>
                   <a:srgbClr val="000000"/>
                 </a:solidFill>
@@ -6518,7 +6585,7 @@
               <a:t>Human Interface Devices (HIDs)</a:t>
             </a:r>
             <a:r>
-              <a:rPr lang="en-US" sz="1800" b="0" strike="noStrike" spc="-1">
+              <a:rPr lang="en-US" sz="1800" b="0" strike="noStrike" spc="-1" dirty="0">
                 <a:solidFill>
                   <a:srgbClr val="000000"/>
                 </a:solidFill>
@@ -6527,7 +6594,7 @@
               </a:rPr>
               <a:t> by computers, are generally trusted by all systems without raising security flags. </a:t>
             </a:r>
-            <a:endParaRPr lang="en-US" sz="1800" b="0" strike="noStrike" spc="-1">
+            <a:endParaRPr lang="en-US" sz="1800" b="0" strike="noStrike" spc="-1" dirty="0">
               <a:latin typeface="Arial"/>
             </a:endParaRPr>
           </a:p>
@@ -6539,7 +6606,7 @@
               <a:buNone/>
             </a:pPr>
             <a:r>
-              <a:rPr lang="en-US" sz="1800" b="0" strike="noStrike" spc="-1">
+              <a:rPr lang="en-US" sz="1800" b="0" strike="noStrike" spc="-1" dirty="0">
                 <a:solidFill>
                   <a:srgbClr val="000000"/>
                 </a:solidFill>
@@ -6548,7 +6615,7 @@
               </a:rPr>
               <a:t>The payload can perform a range of tasks, from configuring network settings to installing a reverse shell, replicating the actions of an administrator in a terminal, but in just seconds. </a:t>
             </a:r>
-            <a:endParaRPr lang="en-US" sz="1800" b="0" strike="noStrike" spc="-1">
+            <a:endParaRPr lang="en-US" sz="1800" b="0" strike="noStrike" spc="-1" dirty="0">
               <a:latin typeface="Arial"/>
             </a:endParaRPr>
           </a:p>
@@ -6560,7 +6627,7 @@
               <a:buNone/>
             </a:pPr>
             <a:r>
-              <a:rPr lang="en-US" sz="1800" b="0" strike="noStrike" spc="-1">
+              <a:rPr lang="en-US" sz="1800" b="0" strike="noStrike" spc="-1" dirty="0">
                 <a:solidFill>
                   <a:srgbClr val="000000"/>
                 </a:solidFill>
@@ -6569,7 +6636,7 @@
               </a:rPr>
               <a:t>This makes the device a powerful tool for automating system administration tasks and an essential asset in penetration testing.</a:t>
             </a:r>
-            <a:endParaRPr lang="en-US" sz="1800" b="0" strike="noStrike" spc="-1">
+            <a:endParaRPr lang="en-US" sz="1800" b="0" strike="noStrike" spc="-1" dirty="0">
               <a:latin typeface="Arial"/>
             </a:endParaRPr>
           </a:p>
@@ -6641,7 +6708,7 @@
           <p:nvPr/>
         </p:nvPicPr>
         <p:blipFill>
-          <a:blip r:embed="rId2"/>
+          <a:blip r:embed="rId3"/>
           <a:stretch/>
         </p:blipFill>
         <p:spPr>
@@ -7670,7 +7737,7 @@
               <a:buNone/>
             </a:pPr>
             <a:r>
-              <a:rPr lang="en-US" sz="3200" b="0" strike="noStrike" spc="-1">
+              <a:rPr lang="en-US" sz="3200" b="0" strike="noStrike" spc="-1" dirty="0">
                 <a:solidFill>
                   <a:srgbClr val="000000"/>
                 </a:solidFill>
@@ -7679,7 +7746,7 @@
               </a:rPr>
               <a:t>AXI stream UART peripheral</a:t>
             </a:r>
-            <a:endParaRPr lang="en-US" sz="3200" b="0" strike="noStrike" spc="-1">
+            <a:endParaRPr lang="en-US" sz="3200" b="0" strike="noStrike" spc="-1" dirty="0">
               <a:latin typeface="Arial"/>
             </a:endParaRPr>
           </a:p>
@@ -7922,8 +7989,8 @@
         </p:blipFill>
         <p:spPr>
           <a:xfrm>
-            <a:off x="-85320" y="2848680"/>
-            <a:ext cx="12191400" cy="3679560"/>
+            <a:off x="128942" y="2743678"/>
+            <a:ext cx="11858767" cy="3587120"/>
           </a:xfrm>
           <a:prstGeom prst="rect">
             <a:avLst/>
@@ -7946,7 +8013,13 @@
   <p:cSld>
     <p:spTree>
       <p:nvGrpSpPr>
-        <p:cNvPr id="1" name=""/>
+        <p:cNvPr id="1" name="">
+          <a:extLst>
+            <a:ext uri="{FF2B5EF4-FFF2-40B4-BE49-F238E27FC236}">
+              <a16:creationId xmlns:a16="http://schemas.microsoft.com/office/drawing/2014/main" id="{0B39E326-F9ED-498B-2D29-C4B73897CE72}"/>
+            </a:ext>
+          </a:extLst>
+        </p:cNvPr>
         <p:cNvGrpSpPr/>
         <p:nvPr/>
       </p:nvGrpSpPr>
@@ -7960,14 +8033,20 @@
       </p:grpSpPr>
       <p:sp>
         <p:nvSpPr>
-          <p:cNvPr id="146" name="TextBox 4"/>
+          <p:cNvPr id="160" name="TextBox 20">
+            <a:extLst>
+              <a:ext uri="{FF2B5EF4-FFF2-40B4-BE49-F238E27FC236}">
+                <a16:creationId xmlns:a16="http://schemas.microsoft.com/office/drawing/2014/main" id="{542C2BAD-9C11-4ADE-4465-5512A889F7A2}"/>
+              </a:ext>
+            </a:extLst>
+          </p:cNvPr>
           <p:cNvSpPr/>
           <p:nvPr/>
         </p:nvSpPr>
         <p:spPr>
           <a:xfrm>
-            <a:off x="640800" y="2086200"/>
-            <a:ext cx="4043880" cy="2009880"/>
+            <a:off x="3531993" y="990537"/>
+            <a:ext cx="5467628" cy="583321"/>
           </a:xfrm>
           <a:prstGeom prst="rect">
             <a:avLst/>
@@ -7990,115 +8069,7 @@
           <a:fontRef idx="minor"/>
         </p:style>
         <p:txBody>
-          <a:bodyPr lIns="90000" tIns="45000" rIns="90000" bIns="45000" anchor="t">
-            <a:spAutoFit/>
-          </a:bodyPr>
-          <a:lstStyle/>
-          <a:p>
-            <a:pPr marL="216000" indent="-216000">
-              <a:lnSpc>
-                <a:spcPct val="100000"/>
-              </a:lnSpc>
-              <a:buClr>
-                <a:srgbClr val="000000"/>
-              </a:buClr>
-              <a:buFont typeface="Arial"/>
-              <a:buChar char="•"/>
-            </a:pPr>
-            <a:r>
-              <a:rPr lang="en-US" sz="1800" b="1" strike="noStrike" spc="-1">
-                <a:solidFill>
-                  <a:srgbClr val="000000"/>
-                </a:solidFill>
-                <a:latin typeface="Calibri"/>
-                <a:ea typeface="DejaVu Sans"/>
-              </a:rPr>
-              <a:t>Goal</a:t>
-            </a:r>
-            <a:r>
-              <a:rPr lang="en-US" sz="1800" b="0" strike="noStrike" spc="-1">
-                <a:solidFill>
-                  <a:srgbClr val="000000"/>
-                </a:solidFill>
-                <a:latin typeface="Calibri"/>
-                <a:ea typeface="DejaVu Sans"/>
-              </a:rPr>
-              <a:t>: Insert a software trojan via a BadUSB device (keyboard injection) to modify a hardware design and execute a Denial-of-Service (DoS) attack.</a:t>
-            </a:r>
-            <a:endParaRPr lang="en-US" sz="1800" b="0" strike="noStrike" spc="-1">
-              <a:latin typeface="Arial"/>
-            </a:endParaRPr>
-          </a:p>
-          <a:p>
-            <a:pPr marL="216000" indent="-216000">
-              <a:lnSpc>
-                <a:spcPct val="100000"/>
-              </a:lnSpc>
-              <a:buClr>
-                <a:srgbClr val="000000"/>
-              </a:buClr>
-              <a:buFont typeface="Arial"/>
-              <a:buChar char="•"/>
-            </a:pPr>
-            <a:r>
-              <a:rPr lang="en-US" sz="1800" b="1" strike="noStrike" spc="-1">
-                <a:solidFill>
-                  <a:srgbClr val="000000"/>
-                </a:solidFill>
-                <a:latin typeface="Calibri"/>
-                <a:ea typeface="DejaVu Sans"/>
-              </a:rPr>
-              <a:t>Target</a:t>
-            </a:r>
-            <a:r>
-              <a:rPr lang="en-US" sz="1800" b="0" strike="noStrike" spc="-1">
-                <a:solidFill>
-                  <a:srgbClr val="000000"/>
-                </a:solidFill>
-                <a:latin typeface="Calibri"/>
-                <a:ea typeface="DejaVu Sans"/>
-              </a:rPr>
-              <a:t>: A Verilog-based open-source hardware design (e.g., OpenCores or OpenTitan).</a:t>
-            </a:r>
-            <a:endParaRPr lang="en-US" sz="1800" b="0" strike="noStrike" spc="-1">
-              <a:latin typeface="Arial"/>
-            </a:endParaRPr>
-          </a:p>
-        </p:txBody>
-      </p:sp>
-      <p:sp>
-        <p:nvSpPr>
-          <p:cNvPr id="147" name="TextBox 5"/>
-          <p:cNvSpPr/>
-          <p:nvPr/>
-        </p:nvSpPr>
-        <p:spPr>
-          <a:xfrm>
-            <a:off x="5704200" y="1947600"/>
-            <a:ext cx="6095520" cy="2558520"/>
-          </a:xfrm>
-          <a:prstGeom prst="rect">
-            <a:avLst/>
-          </a:prstGeom>
-          <a:noFill/>
-          <a:ln w="0">
-            <a:noFill/>
-          </a:ln>
-        </p:spPr>
-        <p:style>
-          <a:lnRef idx="0">
-            <a:scrgbClr r="0" g="0" b="0"/>
-          </a:lnRef>
-          <a:fillRef idx="0">
-            <a:scrgbClr r="0" g="0" b="0"/>
-          </a:fillRef>
-          <a:effectRef idx="0">
-            <a:scrgbClr r="0" g="0" b="0"/>
-          </a:effectRef>
-          <a:fontRef idx="minor"/>
-        </p:style>
-        <p:txBody>
-          <a:bodyPr lIns="90000" tIns="45000" rIns="90000" bIns="45000" anchor="t">
+          <a:bodyPr wrap="square" lIns="90000" tIns="45000" rIns="90000" bIns="45000" anchor="t">
             <a:spAutoFit/>
           </a:bodyPr>
           <a:lstStyle/>
@@ -8110,170 +8081,256 @@
               <a:buNone/>
             </a:pPr>
             <a:r>
-              <a:rPr lang="en-US" sz="1800" b="1" strike="noStrike" spc="-1">
-                <a:solidFill>
-                  <a:srgbClr val="000000"/>
-                </a:solidFill>
-                <a:latin typeface="Calibri"/>
-                <a:ea typeface="DejaVu Sans"/>
-              </a:rPr>
-              <a:t>Key Attack Stages</a:t>
-            </a:r>
-            <a:r>
-              <a:rPr lang="en-US" sz="1800" b="0" strike="noStrike" spc="-1">
-                <a:solidFill>
-                  <a:srgbClr val="000000"/>
-                </a:solidFill>
-                <a:latin typeface="Calibri"/>
-                <a:ea typeface="DejaVu Sans"/>
-              </a:rPr>
-              <a:t>:</a:t>
-            </a:r>
-            <a:endParaRPr lang="en-US" sz="1800" b="0" strike="noStrike" spc="-1">
-              <a:latin typeface="Arial"/>
-            </a:endParaRPr>
-          </a:p>
-          <a:p>
-            <a:pPr marL="216000" indent="-216000">
-              <a:lnSpc>
-                <a:spcPct val="100000"/>
-              </a:lnSpc>
-              <a:buClr>
-                <a:srgbClr val="000000"/>
-              </a:buClr>
-              <a:buFont typeface="Calibri Light"/>
-              <a:buAutoNum type="arabicPeriod"/>
-            </a:pPr>
-            <a:r>
-              <a:rPr lang="en-US" sz="1800" b="1" strike="noStrike" spc="-1">
-                <a:solidFill>
-                  <a:srgbClr val="000000"/>
-                </a:solidFill>
-                <a:latin typeface="Calibri"/>
-                <a:ea typeface="DejaVu Sans"/>
-              </a:rPr>
-              <a:t>BadUSB Delivery</a:t>
-            </a:r>
-            <a:r>
-              <a:rPr lang="en-US" sz="1800" b="0" strike="noStrike" spc="-1">
-                <a:solidFill>
-                  <a:srgbClr val="000000"/>
-                </a:solidFill>
-                <a:latin typeface="Calibri"/>
-                <a:ea typeface="DejaVu Sans"/>
-              </a:rPr>
-              <a:t>: The trojan is delivered through a BadUSB device, which injects a payload into the victim's system.</a:t>
-            </a:r>
-            <a:endParaRPr lang="en-US" sz="1800" b="0" strike="noStrike" spc="-1">
-              <a:latin typeface="Arial"/>
-            </a:endParaRPr>
-          </a:p>
-          <a:p>
-            <a:pPr marL="216000" indent="-216000">
-              <a:lnSpc>
-                <a:spcPct val="100000"/>
-              </a:lnSpc>
-              <a:buClr>
-                <a:srgbClr val="000000"/>
-              </a:buClr>
-              <a:buFont typeface="Calibri Light"/>
-              <a:buAutoNum type="arabicPeriod"/>
-            </a:pPr>
-            <a:r>
-              <a:rPr lang="en-US" sz="1800" b="1" strike="noStrike" spc="-1">
-                <a:solidFill>
-                  <a:srgbClr val="000000"/>
-                </a:solidFill>
-                <a:latin typeface="Calibri"/>
-                <a:ea typeface="DejaVu Sans"/>
-              </a:rPr>
-              <a:t>Trojan Deployment</a:t>
-            </a:r>
-            <a:r>
-              <a:rPr lang="en-US" sz="1800" b="0" strike="noStrike" spc="-1">
-                <a:solidFill>
-                  <a:srgbClr val="000000"/>
-                </a:solidFill>
-                <a:latin typeface="Calibri"/>
-                <a:ea typeface="DejaVu Sans"/>
-              </a:rPr>
-              <a:t>: The trojan searches for Verilog files related to the target hardware (UART perpheral).</a:t>
-            </a:r>
-            <a:endParaRPr lang="en-US" sz="1800" b="0" strike="noStrike" spc="-1">
-              <a:latin typeface="Arial"/>
-            </a:endParaRPr>
-          </a:p>
-          <a:p>
-            <a:pPr marL="216000" indent="-216000">
-              <a:lnSpc>
-                <a:spcPct val="100000"/>
-              </a:lnSpc>
-              <a:buClr>
-                <a:srgbClr val="000000"/>
-              </a:buClr>
-              <a:buFont typeface="Calibri Light"/>
-              <a:buAutoNum type="arabicPeriod"/>
-            </a:pPr>
-            <a:r>
-              <a:rPr lang="en-US" sz="1800" b="1" strike="noStrike" spc="-1">
-                <a:solidFill>
-                  <a:srgbClr val="000000"/>
-                </a:solidFill>
-                <a:latin typeface="Calibri"/>
-                <a:ea typeface="DejaVu Sans"/>
-              </a:rPr>
-              <a:t>DoS Mechanism</a:t>
-            </a:r>
-            <a:r>
-              <a:rPr lang="en-US" sz="1800" b="0" strike="noStrike" spc="-1">
-                <a:solidFill>
-                  <a:srgbClr val="000000"/>
-                </a:solidFill>
-                <a:latin typeface="Calibri"/>
-                <a:ea typeface="DejaVu Sans"/>
-              </a:rPr>
-              <a:t>: The trojan modifies the Verilog design, inserting a state machine that triggers a DoS attack when a specific condition is met (when a particular bit sequence in a UART transmission is detected).</a:t>
-            </a:r>
-            <a:endParaRPr lang="en-US" sz="1800" b="0" strike="noStrike" spc="-1">
-              <a:latin typeface="Arial"/>
-            </a:endParaRPr>
-          </a:p>
-        </p:txBody>
-      </p:sp>
-      <p:sp>
-        <p:nvSpPr>
-          <p:cNvPr id="148" name="Straight Connector 7"/>
-          <p:cNvSpPr/>
+              <a:rPr lang="en-US" sz="3200" b="0" strike="noStrike" spc="-1" dirty="0">
+                <a:solidFill>
+                  <a:srgbClr val="000000"/>
+                </a:solidFill>
+                <a:latin typeface="Segoe UI Variable Display Semib"/>
+                <a:ea typeface="DejaVu Sans"/>
+              </a:rPr>
+              <a:t>AXI stream UART peripheral</a:t>
+            </a:r>
+            <a:endParaRPr lang="en-US" sz="3200" b="0" strike="noStrike" spc="-1" dirty="0">
+              <a:latin typeface="Arial"/>
+            </a:endParaRPr>
+          </a:p>
+        </p:txBody>
+      </p:sp>
+      <p:sp>
+        <p:nvSpPr>
+          <p:cNvPr id="162" name="TextBox 161">
+            <a:extLst>
+              <a:ext uri="{FF2B5EF4-FFF2-40B4-BE49-F238E27FC236}">
+                <a16:creationId xmlns:a16="http://schemas.microsoft.com/office/drawing/2014/main" id="{E096D20B-C32C-3A0E-1819-E25E6DB6922F}"/>
+              </a:ext>
+            </a:extLst>
+          </p:cNvPr>
+          <p:cNvSpPr txBox="1"/>
           <p:nvPr/>
         </p:nvSpPr>
         <p:spPr>
           <a:xfrm>
-            <a:off x="5202000" y="1447920"/>
-            <a:ext cx="360" cy="3806280"/>
-          </a:xfrm>
-          <a:prstGeom prst="line">
-            <a:avLst/>
-          </a:prstGeom>
-          <a:ln>
-            <a:solidFill>
-              <a:srgbClr val="4472C4"/>
-            </a:solidFill>
-          </a:ln>
-        </p:spPr>
-        <p:style>
-          <a:lnRef idx="1">
-            <a:schemeClr val="accent1"/>
-          </a:lnRef>
-          <a:fillRef idx="0">
-            <a:schemeClr val="accent1"/>
-          </a:fillRef>
-          <a:effectRef idx="0">
-            <a:schemeClr val="accent1"/>
-          </a:effectRef>
-          <a:fontRef idx="minor"/>
-        </p:style>
-      </p:sp>
+            <a:off x="331593" y="4825356"/>
+            <a:ext cx="3200400" cy="346320"/>
+          </a:xfrm>
+          <a:prstGeom prst="rect">
+            <a:avLst/>
+          </a:prstGeom>
+          <a:noFill/>
+          <a:ln w="0">
+            <a:noFill/>
+          </a:ln>
+        </p:spPr>
+        <p:txBody>
+          <a:bodyPr lIns="90000" tIns="45000" rIns="90000" bIns="45000" anchor="t">
+            <a:noAutofit/>
+          </a:bodyPr>
+          <a:lstStyle/>
+          <a:p>
+            <a:r>
+              <a:rPr lang="en-US" spc="-1" dirty="0">
+                <a:latin typeface="Arial"/>
+              </a:rPr>
+              <a:t>AI generated Python Scripts</a:t>
+            </a:r>
+            <a:endParaRPr lang="en-US" sz="1800" b="0" strike="noStrike" spc="-1" dirty="0">
+              <a:latin typeface="Arial"/>
+            </a:endParaRPr>
+          </a:p>
+        </p:txBody>
+      </p:sp>
+      <p:sp>
+        <p:nvSpPr>
+          <p:cNvPr id="164" name="TextBox 163">
+            <a:extLst>
+              <a:ext uri="{FF2B5EF4-FFF2-40B4-BE49-F238E27FC236}">
+                <a16:creationId xmlns:a16="http://schemas.microsoft.com/office/drawing/2014/main" id="{0881D0E1-12C6-B720-4FC4-A3BE3507397F}"/>
+              </a:ext>
+            </a:extLst>
+          </p:cNvPr>
+          <p:cNvSpPr txBox="1"/>
+          <p:nvPr/>
+        </p:nvSpPr>
+        <p:spPr>
+          <a:xfrm>
+            <a:off x="9114467" y="4692557"/>
+            <a:ext cx="2470849" cy="789709"/>
+          </a:xfrm>
+          <a:prstGeom prst="rect">
+            <a:avLst/>
+          </a:prstGeom>
+          <a:noFill/>
+          <a:ln w="0">
+            <a:noFill/>
+          </a:ln>
+        </p:spPr>
+        <p:txBody>
+          <a:bodyPr lIns="90000" tIns="45000" rIns="90000" bIns="45000" anchor="t">
+            <a:noAutofit/>
+          </a:bodyPr>
+          <a:lstStyle/>
+          <a:p>
+            <a:pPr algn="ctr"/>
+            <a:r>
+              <a:rPr lang="en-US" sz="1800" b="0" strike="noStrike" spc="-1" dirty="0">
+                <a:latin typeface="Arial"/>
+              </a:rPr>
+              <a:t>EDA-PLAYGROUND</a:t>
+            </a:r>
+          </a:p>
+          <a:p>
+            <a:pPr algn="ctr"/>
+            <a:r>
+              <a:rPr lang="en-US" spc="-1" dirty="0">
+                <a:latin typeface="Arial"/>
+              </a:rPr>
+              <a:t>SIMULATIONS</a:t>
+            </a:r>
+            <a:endParaRPr lang="en-US" sz="1800" b="0" strike="noStrike" spc="-1" dirty="0">
+              <a:latin typeface="Arial"/>
+            </a:endParaRPr>
+          </a:p>
+        </p:txBody>
+      </p:sp>
+      <p:pic>
+        <p:nvPicPr>
+          <p:cNvPr id="5" name="Picture 4">
+            <a:extLst>
+              <a:ext uri="{FF2B5EF4-FFF2-40B4-BE49-F238E27FC236}">
+                <a16:creationId xmlns:a16="http://schemas.microsoft.com/office/drawing/2014/main" id="{9B3584C6-D45F-BDDE-FA88-A020C78BDEA7}"/>
+              </a:ext>
+            </a:extLst>
+          </p:cNvPr>
+          <p:cNvPicPr>
+            <a:picLocks noChangeAspect="1"/>
+          </p:cNvPicPr>
+          <p:nvPr/>
+        </p:nvPicPr>
+        <p:blipFill>
+          <a:blip r:embed="rId2"/>
+          <a:stretch>
+            <a:fillRect/>
+          </a:stretch>
+        </p:blipFill>
+        <p:spPr>
+          <a:xfrm>
+            <a:off x="282036" y="1680045"/>
+            <a:ext cx="3093439" cy="3145311"/>
+          </a:xfrm>
+          <a:prstGeom prst="rect">
+            <a:avLst/>
+          </a:prstGeom>
+        </p:spPr>
+      </p:pic>
+      <p:sp>
+        <p:nvSpPr>
+          <p:cNvPr id="6" name="TextBox 5">
+            <a:extLst>
+              <a:ext uri="{FF2B5EF4-FFF2-40B4-BE49-F238E27FC236}">
+                <a16:creationId xmlns:a16="http://schemas.microsoft.com/office/drawing/2014/main" id="{22B1581D-370F-E6AA-4744-8D78ECC223C3}"/>
+              </a:ext>
+            </a:extLst>
+          </p:cNvPr>
+          <p:cNvSpPr txBox="1"/>
+          <p:nvPr/>
+        </p:nvSpPr>
+        <p:spPr>
+          <a:xfrm>
+            <a:off x="4533718" y="4776230"/>
+            <a:ext cx="3200400" cy="346320"/>
+          </a:xfrm>
+          <a:prstGeom prst="rect">
+            <a:avLst/>
+          </a:prstGeom>
+          <a:noFill/>
+          <a:ln w="0">
+            <a:noFill/>
+          </a:ln>
+        </p:spPr>
+        <p:txBody>
+          <a:bodyPr lIns="90000" tIns="45000" rIns="90000" bIns="45000" anchor="t">
+            <a:noAutofit/>
+          </a:bodyPr>
+          <a:lstStyle/>
+          <a:p>
+            <a:r>
+              <a:rPr lang="en-US" spc="-1" dirty="0">
+                <a:latin typeface="Arial"/>
+              </a:rPr>
+              <a:t>AI generated Ducky Scripts</a:t>
+            </a:r>
+            <a:endParaRPr lang="en-US" sz="1800" b="0" strike="noStrike" spc="-1" dirty="0">
+              <a:latin typeface="Arial"/>
+            </a:endParaRPr>
+          </a:p>
+        </p:txBody>
+      </p:sp>
+      <p:pic>
+        <p:nvPicPr>
+          <p:cNvPr id="8" name="Picture 7">
+            <a:extLst>
+              <a:ext uri="{FF2B5EF4-FFF2-40B4-BE49-F238E27FC236}">
+                <a16:creationId xmlns:a16="http://schemas.microsoft.com/office/drawing/2014/main" id="{826AFDF6-CBC0-B503-CC09-77BB1C6E0F8B}"/>
+              </a:ext>
+            </a:extLst>
+          </p:cNvPr>
+          <p:cNvPicPr>
+            <a:picLocks noChangeAspect="1"/>
+          </p:cNvPicPr>
+          <p:nvPr/>
+        </p:nvPicPr>
+        <p:blipFill>
+          <a:blip r:embed="rId3"/>
+          <a:stretch>
+            <a:fillRect/>
+          </a:stretch>
+        </p:blipFill>
+        <p:spPr>
+          <a:xfrm>
+            <a:off x="4493318" y="1742580"/>
+            <a:ext cx="3052080" cy="3020240"/>
+          </a:xfrm>
+          <a:prstGeom prst="rect">
+            <a:avLst/>
+          </a:prstGeom>
+        </p:spPr>
+      </p:pic>
+      <p:pic>
+        <p:nvPicPr>
+          <p:cNvPr id="10" name="Picture 9">
+            <a:extLst>
+              <a:ext uri="{FF2B5EF4-FFF2-40B4-BE49-F238E27FC236}">
+                <a16:creationId xmlns:a16="http://schemas.microsoft.com/office/drawing/2014/main" id="{41DB6D09-32F3-CDA8-F565-E022EBF93F86}"/>
+              </a:ext>
+            </a:extLst>
+          </p:cNvPr>
+          <p:cNvPicPr>
+            <a:picLocks noChangeAspect="1"/>
+          </p:cNvPicPr>
+          <p:nvPr/>
+        </p:nvPicPr>
+        <p:blipFill>
+          <a:blip r:embed="rId4"/>
+          <a:stretch>
+            <a:fillRect/>
+          </a:stretch>
+        </p:blipFill>
+        <p:spPr>
+          <a:xfrm>
+            <a:off x="8811561" y="1706656"/>
+            <a:ext cx="2958168" cy="2985901"/>
+          </a:xfrm>
+          <a:prstGeom prst="rect">
+            <a:avLst/>
+          </a:prstGeom>
+        </p:spPr>
+      </p:pic>
     </p:spTree>
+    <p:extLst>
+      <p:ext uri="{BB962C8B-B14F-4D97-AF65-F5344CB8AC3E}">
+        <p14:creationId xmlns:p14="http://schemas.microsoft.com/office/powerpoint/2010/main" val="1607575575"/>
+      </p:ext>
+    </p:extLst>
   </p:cSld>
   <p:clrMapOvr>
     <a:masterClrMapping/>
@@ -8300,14 +8357,14 @@
       </p:grpSpPr>
       <p:sp>
         <p:nvSpPr>
-          <p:cNvPr id="149" name="TextBox 2"/>
+          <p:cNvPr id="146" name="TextBox 4"/>
           <p:cNvSpPr/>
           <p:nvPr/>
         </p:nvSpPr>
         <p:spPr>
           <a:xfrm>
-            <a:off x="1941120" y="2402640"/>
-            <a:ext cx="3137040" cy="2009880"/>
+            <a:off x="640800" y="2086200"/>
+            <a:ext cx="4043880" cy="2009880"/>
           </a:xfrm>
           <a:prstGeom prst="rect">
             <a:avLst/>
@@ -8334,135 +8391,6 @@
             <a:spAutoFit/>
           </a:bodyPr>
           <a:lstStyle/>
-          <a:p>
-            <a:pPr marL="216000" indent="-216000">
-              <a:lnSpc>
-                <a:spcPct val="100000"/>
-              </a:lnSpc>
-              <a:buClr>
-                <a:srgbClr val="000000"/>
-              </a:buClr>
-              <a:buFont typeface="Symbol"/>
-              <a:buChar char=""/>
-            </a:pPr>
-            <a:r>
-              <a:rPr lang="el-GR" sz="1800" b="1" strike="noStrike" spc="-1">
-                <a:solidFill>
-                  <a:srgbClr val="000000"/>
-                </a:solidFill>
-                <a:latin typeface="Arial"/>
-                <a:ea typeface="DejaVu Sans"/>
-              </a:rPr>
-              <a:t>Impact</a:t>
-            </a:r>
-            <a:r>
-              <a:rPr lang="el-GR" sz="1800" b="0" strike="noStrike" spc="-1">
-                <a:solidFill>
-                  <a:srgbClr val="000000"/>
-                </a:solidFill>
-                <a:latin typeface="Arial"/>
-                <a:ea typeface="DejaVu Sans"/>
-              </a:rPr>
-              <a:t>:</a:t>
-            </a:r>
-            <a:endParaRPr lang="en-US" sz="1800" b="0" strike="noStrike" spc="-1">
-              <a:latin typeface="Arial"/>
-            </a:endParaRPr>
-          </a:p>
-          <a:p>
-            <a:pPr marL="216000" indent="-216000">
-              <a:lnSpc>
-                <a:spcPct val="100000"/>
-              </a:lnSpc>
-              <a:buClr>
-                <a:srgbClr val="000000"/>
-              </a:buClr>
-              <a:buFont typeface="Symbol"/>
-              <a:buChar char=""/>
-            </a:pPr>
-            <a:r>
-              <a:rPr lang="el-GR" sz="1800" b="0" strike="noStrike" spc="-1">
-                <a:solidFill>
-                  <a:srgbClr val="000000"/>
-                </a:solidFill>
-                <a:latin typeface="Arial"/>
-                <a:ea typeface="DejaVu Sans"/>
-              </a:rPr>
-              <a:t>This type of attack can be subtle, hard to detect, and capable of crippling hardware functionality under specific, targeted conditions.</a:t>
-            </a:r>
-            <a:endParaRPr lang="en-US" sz="1800" b="0" strike="noStrike" spc="-1">
-              <a:latin typeface="Arial"/>
-            </a:endParaRPr>
-          </a:p>
-        </p:txBody>
-      </p:sp>
-      <p:sp>
-        <p:nvSpPr>
-          <p:cNvPr id="150" name="TextBox 4"/>
-          <p:cNvSpPr/>
-          <p:nvPr/>
-        </p:nvSpPr>
-        <p:spPr>
-          <a:xfrm>
-            <a:off x="7112880" y="2125440"/>
-            <a:ext cx="4712040" cy="2284200"/>
-          </a:xfrm>
-          <a:prstGeom prst="rect">
-            <a:avLst/>
-          </a:prstGeom>
-          <a:noFill/>
-          <a:ln w="0">
-            <a:noFill/>
-          </a:ln>
-        </p:spPr>
-        <p:style>
-          <a:lnRef idx="0">
-            <a:scrgbClr r="0" g="0" b="0"/>
-          </a:lnRef>
-          <a:fillRef idx="0">
-            <a:scrgbClr r="0" g="0" b="0"/>
-          </a:fillRef>
-          <a:effectRef idx="0">
-            <a:scrgbClr r="0" g="0" b="0"/>
-          </a:effectRef>
-          <a:fontRef idx="minor"/>
-        </p:style>
-        <p:txBody>
-          <a:bodyPr lIns="90000" tIns="45000" rIns="90000" bIns="45000" anchor="t">
-            <a:spAutoFit/>
-          </a:bodyPr>
-          <a:lstStyle/>
-          <a:p>
-            <a:pPr>
-              <a:lnSpc>
-                <a:spcPct val="100000"/>
-              </a:lnSpc>
-              <a:buNone/>
-            </a:pPr>
-            <a:r>
-              <a:rPr lang="en-US" sz="1800" b="1" strike="noStrike" spc="-1">
-                <a:solidFill>
-                  <a:srgbClr val="000000"/>
-                </a:solidFill>
-                <a:latin typeface="Calibri"/>
-                <a:ea typeface="DejaVu Sans"/>
-              </a:rPr>
-              <a:t>Severity of the Vulnerability</a:t>
-            </a:r>
-            <a:r>
-              <a:rPr lang="en-US" sz="1800" b="0" strike="noStrike" spc="-1">
-                <a:solidFill>
-                  <a:srgbClr val="000000"/>
-                </a:solidFill>
-                <a:latin typeface="Calibri"/>
-                <a:ea typeface="DejaVu Sans"/>
-              </a:rPr>
-              <a:t>:</a:t>
-            </a:r>
-            <a:endParaRPr lang="en-US" sz="1800" b="0" strike="noStrike" spc="-1">
-              <a:latin typeface="Arial"/>
-            </a:endParaRPr>
-          </a:p>
           <a:p>
             <a:pPr marL="216000" indent="-216000">
               <a:lnSpc>
@@ -8482,7 +8410,7 @@
                 <a:latin typeface="Calibri"/>
                 <a:ea typeface="DejaVu Sans"/>
               </a:rPr>
-              <a:t>Insertion Phase</a:t>
+              <a:t>Goal</a:t>
             </a:r>
             <a:r>
               <a:rPr lang="en-US" sz="1800" b="0" strike="noStrike" spc="-1">
@@ -8492,7 +8420,7 @@
                 <a:latin typeface="Calibri"/>
                 <a:ea typeface="DejaVu Sans"/>
               </a:rPr>
-              <a:t>: Design stage</a:t>
+              <a:t>: Insert a software trojan via a BadUSB device (keyboard injection) to modify a hardware design and execute a Denial-of-Service (DoS) attack.</a:t>
             </a:r>
             <a:endParaRPr lang="en-US" sz="1800" b="0" strike="noStrike" spc="-1">
               <a:latin typeface="Arial"/>
@@ -8517,7 +8445,7 @@
                 <a:latin typeface="Calibri"/>
                 <a:ea typeface="DejaVu Sans"/>
               </a:rPr>
-              <a:t>Abstraction Level</a:t>
+              <a:t>Target</a:t>
             </a:r>
             <a:r>
               <a:rPr lang="en-US" sz="1800" b="0" strike="noStrike" spc="-1">
@@ -8527,7 +8455,76 @@
                 <a:latin typeface="Calibri"/>
                 <a:ea typeface="DejaVu Sans"/>
               </a:rPr>
-              <a:t>: Register-transfer level (RTL)</a:t>
+              <a:t>: A Verilog-based open-source hardware design (e.g., OpenCores or OpenTitan).</a:t>
+            </a:r>
+            <a:endParaRPr lang="en-US" sz="1800" b="0" strike="noStrike" spc="-1">
+              <a:latin typeface="Arial"/>
+            </a:endParaRPr>
+          </a:p>
+        </p:txBody>
+      </p:sp>
+      <p:sp>
+        <p:nvSpPr>
+          <p:cNvPr id="147" name="TextBox 5"/>
+          <p:cNvSpPr/>
+          <p:nvPr/>
+        </p:nvSpPr>
+        <p:spPr>
+          <a:xfrm>
+            <a:off x="5704200" y="1947600"/>
+            <a:ext cx="6095520" cy="2558520"/>
+          </a:xfrm>
+          <a:prstGeom prst="rect">
+            <a:avLst/>
+          </a:prstGeom>
+          <a:noFill/>
+          <a:ln w="0">
+            <a:noFill/>
+          </a:ln>
+        </p:spPr>
+        <p:style>
+          <a:lnRef idx="0">
+            <a:scrgbClr r="0" g="0" b="0"/>
+          </a:lnRef>
+          <a:fillRef idx="0">
+            <a:scrgbClr r="0" g="0" b="0"/>
+          </a:fillRef>
+          <a:effectRef idx="0">
+            <a:scrgbClr r="0" g="0" b="0"/>
+          </a:effectRef>
+          <a:fontRef idx="minor"/>
+        </p:style>
+        <p:txBody>
+          <a:bodyPr lIns="90000" tIns="45000" rIns="90000" bIns="45000" anchor="t">
+            <a:spAutoFit/>
+          </a:bodyPr>
+          <a:lstStyle/>
+          <a:p>
+            <a:pPr>
+              <a:lnSpc>
+                <a:spcPct val="100000"/>
+              </a:lnSpc>
+              <a:buNone/>
+            </a:pPr>
+            <a:r>
+              <a:rPr lang="en-US" sz="1800" b="1" strike="noStrike" spc="-1">
+                <a:solidFill>
+                  <a:srgbClr val="000000"/>
+                </a:solidFill>
+                <a:latin typeface="Calibri"/>
+                <a:ea typeface="DejaVu Sans"/>
+              </a:rPr>
+              <a:t>Key Attack Stages</a:t>
+            </a:r>
+            <a:r>
+              <a:rPr lang="en-US" sz="1800" b="0" strike="noStrike" spc="-1">
+                <a:solidFill>
+                  <a:srgbClr val="000000"/>
+                </a:solidFill>
+                <a:latin typeface="Calibri"/>
+                <a:ea typeface="DejaVu Sans"/>
+              </a:rPr>
+              <a:t>:</a:t>
             </a:r>
             <a:endParaRPr lang="en-US" sz="1800" b="0" strike="noStrike" spc="-1">
               <a:latin typeface="Arial"/>
@@ -8541,8 +8538,8 @@
               <a:buClr>
                 <a:srgbClr val="000000"/>
               </a:buClr>
-              <a:buFont typeface="Arial"/>
-              <a:buChar char="•"/>
+              <a:buFont typeface="Calibri Light"/>
+              <a:buAutoNum type="arabicPeriod"/>
             </a:pPr>
             <a:r>
               <a:rPr lang="en-US" sz="1800" b="1" strike="noStrike" spc="-1">
@@ -8552,7 +8549,7 @@
                 <a:latin typeface="Calibri"/>
                 <a:ea typeface="DejaVu Sans"/>
               </a:rPr>
-              <a:t>Activation Mechanism</a:t>
+              <a:t>BadUSB Delivery</a:t>
             </a:r>
             <a:r>
               <a:rPr lang="en-US" sz="1800" b="0" strike="noStrike" spc="-1">
@@ -8562,7 +8559,7 @@
                 <a:latin typeface="Calibri"/>
                 <a:ea typeface="DejaVu Sans"/>
               </a:rPr>
-              <a:t>: Conditionally triggered</a:t>
+              <a:t>: The trojan is delivered through a BadUSB device, which injects a payload into the victim's system.</a:t>
             </a:r>
             <a:endParaRPr lang="en-US" sz="1800" b="0" strike="noStrike" spc="-1">
               <a:latin typeface="Arial"/>
@@ -8576,8 +8573,8 @@
               <a:buClr>
                 <a:srgbClr val="000000"/>
               </a:buClr>
-              <a:buFont typeface="Arial"/>
-              <a:buChar char="•"/>
+              <a:buFont typeface="Calibri Light"/>
+              <a:buAutoNum type="arabicPeriod"/>
             </a:pPr>
             <a:r>
               <a:rPr lang="en-US" sz="1800" b="1" strike="noStrike" spc="-1">
@@ -8587,7 +8584,7 @@
                 <a:latin typeface="Calibri"/>
                 <a:ea typeface="DejaVu Sans"/>
               </a:rPr>
-              <a:t>Functional Effects</a:t>
+              <a:t>Trojan Deployment</a:t>
             </a:r>
             <a:r>
               <a:rPr lang="en-US" sz="1800" b="0" strike="noStrike" spc="-1">
@@ -8597,7 +8594,7 @@
                 <a:latin typeface="Calibri"/>
                 <a:ea typeface="DejaVu Sans"/>
               </a:rPr>
-              <a:t>: Causes a denial-of-service (DoS) attack</a:t>
+              <a:t>: The trojan searches for Verilog files related to the target hardware (UART perpheral).</a:t>
             </a:r>
             <a:endParaRPr lang="en-US" sz="1800" b="0" strike="noStrike" spc="-1">
               <a:latin typeface="Arial"/>
@@ -8611,8 +8608,8 @@
               <a:buClr>
                 <a:srgbClr val="000000"/>
               </a:buClr>
-              <a:buFont typeface="Arial"/>
-              <a:buChar char="•"/>
+              <a:buFont typeface="Calibri Light"/>
+              <a:buAutoNum type="arabicPeriod"/>
             </a:pPr>
             <a:r>
               <a:rPr lang="en-US" sz="1800" b="1" strike="noStrike" spc="-1">
@@ -8622,7 +8619,7 @@
                 <a:latin typeface="Calibri"/>
                 <a:ea typeface="DejaVu Sans"/>
               </a:rPr>
-              <a:t>Physical Characteristics</a:t>
+              <a:t>DoS Mechanism</a:t>
             </a:r>
             <a:r>
               <a:rPr lang="en-US" sz="1800" b="0" strike="noStrike" spc="-1">
@@ -8632,7 +8629,7 @@
                 <a:latin typeface="Calibri"/>
                 <a:ea typeface="DejaVu Sans"/>
               </a:rPr>
-              <a:t>: Functional disruption</a:t>
+              <a:t>: The trojan modifies the Verilog design, inserting a state machine that triggers a DoS attack when a specific condition is met (when a particular bit sequence in a UART transmission is detected).</a:t>
             </a:r>
             <a:endParaRPr lang="en-US" sz="1800" b="0" strike="noStrike" spc="-1">
               <a:latin typeface="Arial"/>
@@ -8642,72 +8639,13 @@
       </p:sp>
       <p:sp>
         <p:nvSpPr>
-          <p:cNvPr id="151" name="TextBox 5"/>
+          <p:cNvPr id="148" name="Straight Connector 7"/>
           <p:cNvSpPr/>
           <p:nvPr/>
         </p:nvSpPr>
         <p:spPr>
           <a:xfrm>
-            <a:off x="3429000" y="685800"/>
-            <a:ext cx="5826960" cy="577080"/>
-          </a:xfrm>
-          <a:prstGeom prst="rect">
-            <a:avLst/>
-          </a:prstGeom>
-          <a:noFill/>
-          <a:ln w="0">
-            <a:noFill/>
-          </a:ln>
-        </p:spPr>
-        <p:style>
-          <a:lnRef idx="0">
-            <a:scrgbClr r="0" g="0" b="0"/>
-          </a:lnRef>
-          <a:fillRef idx="0">
-            <a:scrgbClr r="0" g="0" b="0"/>
-          </a:fillRef>
-          <a:effectRef idx="0">
-            <a:scrgbClr r="0" g="0" b="0"/>
-          </a:effectRef>
-          <a:fontRef idx="minor"/>
-        </p:style>
-        <p:txBody>
-          <a:bodyPr lIns="90000" tIns="45000" rIns="90000" bIns="45000" anchor="t">
-            <a:spAutoFit/>
-          </a:bodyPr>
-          <a:lstStyle/>
-          <a:p>
-            <a:pPr>
-              <a:lnSpc>
-                <a:spcPct val="100000"/>
-              </a:lnSpc>
-              <a:buNone/>
-            </a:pPr>
-            <a:r>
-              <a:rPr lang="en-US" sz="3200" b="0" strike="noStrike" spc="-1">
-                <a:solidFill>
-                  <a:srgbClr val="000000"/>
-                </a:solidFill>
-                <a:latin typeface="Segoe UI Variable Display Semib"/>
-                <a:ea typeface="DejaVu Sans"/>
-              </a:rPr>
-              <a:t>Impact and vuln. severity</a:t>
-            </a:r>
-            <a:endParaRPr lang="en-US" sz="3200" b="0" strike="noStrike" spc="-1">
-              <a:latin typeface="Arial"/>
-            </a:endParaRPr>
-          </a:p>
-        </p:txBody>
-      </p:sp>
-      <p:sp>
-        <p:nvSpPr>
-          <p:cNvPr id="152" name="Straight Connector 6"/>
-          <p:cNvSpPr/>
-          <p:nvPr/>
-        </p:nvSpPr>
-        <p:spPr>
-          <a:xfrm>
-            <a:off x="6019920" y="1853640"/>
+            <a:off x="5202000" y="1447920"/>
             <a:ext cx="360" cy="3806280"/>
           </a:xfrm>
           <a:prstGeom prst="line">
@@ -9046,6 +8984,465 @@
 </file>
 
 <file path=ppt/slides/slide20.xml><?xml version="1.0" encoding="utf-8"?>
+<p:sld xmlns:a="http://schemas.openxmlformats.org/drawingml/2006/main" xmlns:r="http://schemas.openxmlformats.org/officeDocument/2006/relationships" xmlns:p="http://schemas.openxmlformats.org/presentationml/2006/main">
+  <p:cSld>
+    <p:spTree>
+      <p:nvGrpSpPr>
+        <p:cNvPr id="1" name=""/>
+        <p:cNvGrpSpPr/>
+        <p:nvPr/>
+      </p:nvGrpSpPr>
+      <p:grpSpPr>
+        <a:xfrm>
+          <a:off x="0" y="0"/>
+          <a:ext cx="0" cy="0"/>
+          <a:chOff x="0" y="0"/>
+          <a:chExt cx="0" cy="0"/>
+        </a:xfrm>
+      </p:grpSpPr>
+      <p:sp>
+        <p:nvSpPr>
+          <p:cNvPr id="149" name="TextBox 2"/>
+          <p:cNvSpPr/>
+          <p:nvPr/>
+        </p:nvSpPr>
+        <p:spPr>
+          <a:xfrm>
+            <a:off x="1941120" y="2402640"/>
+            <a:ext cx="3137040" cy="2009880"/>
+          </a:xfrm>
+          <a:prstGeom prst="rect">
+            <a:avLst/>
+          </a:prstGeom>
+          <a:noFill/>
+          <a:ln w="0">
+            <a:noFill/>
+          </a:ln>
+        </p:spPr>
+        <p:style>
+          <a:lnRef idx="0">
+            <a:scrgbClr r="0" g="0" b="0"/>
+          </a:lnRef>
+          <a:fillRef idx="0">
+            <a:scrgbClr r="0" g="0" b="0"/>
+          </a:fillRef>
+          <a:effectRef idx="0">
+            <a:scrgbClr r="0" g="0" b="0"/>
+          </a:effectRef>
+          <a:fontRef idx="minor"/>
+        </p:style>
+        <p:txBody>
+          <a:bodyPr lIns="90000" tIns="45000" rIns="90000" bIns="45000" anchor="t">
+            <a:spAutoFit/>
+          </a:bodyPr>
+          <a:lstStyle/>
+          <a:p>
+            <a:pPr marL="216000" indent="-216000">
+              <a:lnSpc>
+                <a:spcPct val="100000"/>
+              </a:lnSpc>
+              <a:buClr>
+                <a:srgbClr val="000000"/>
+              </a:buClr>
+              <a:buFont typeface="Symbol"/>
+              <a:buChar char=""/>
+            </a:pPr>
+            <a:r>
+              <a:rPr lang="el-GR" sz="1800" b="1" strike="noStrike" spc="-1">
+                <a:solidFill>
+                  <a:srgbClr val="000000"/>
+                </a:solidFill>
+                <a:latin typeface="Arial"/>
+                <a:ea typeface="DejaVu Sans"/>
+              </a:rPr>
+              <a:t>Impact</a:t>
+            </a:r>
+            <a:r>
+              <a:rPr lang="el-GR" sz="1800" b="0" strike="noStrike" spc="-1">
+                <a:solidFill>
+                  <a:srgbClr val="000000"/>
+                </a:solidFill>
+                <a:latin typeface="Arial"/>
+                <a:ea typeface="DejaVu Sans"/>
+              </a:rPr>
+              <a:t>:</a:t>
+            </a:r>
+            <a:endParaRPr lang="en-US" sz="1800" b="0" strike="noStrike" spc="-1">
+              <a:latin typeface="Arial"/>
+            </a:endParaRPr>
+          </a:p>
+          <a:p>
+            <a:pPr marL="216000" indent="-216000">
+              <a:lnSpc>
+                <a:spcPct val="100000"/>
+              </a:lnSpc>
+              <a:buClr>
+                <a:srgbClr val="000000"/>
+              </a:buClr>
+              <a:buFont typeface="Symbol"/>
+              <a:buChar char=""/>
+            </a:pPr>
+            <a:r>
+              <a:rPr lang="el-GR" sz="1800" b="0" strike="noStrike" spc="-1">
+                <a:solidFill>
+                  <a:srgbClr val="000000"/>
+                </a:solidFill>
+                <a:latin typeface="Arial"/>
+                <a:ea typeface="DejaVu Sans"/>
+              </a:rPr>
+              <a:t>This type of attack can be subtle, hard to detect, and capable of crippling hardware functionality under specific, targeted conditions.</a:t>
+            </a:r>
+            <a:endParaRPr lang="en-US" sz="1800" b="0" strike="noStrike" spc="-1">
+              <a:latin typeface="Arial"/>
+            </a:endParaRPr>
+          </a:p>
+        </p:txBody>
+      </p:sp>
+      <p:sp>
+        <p:nvSpPr>
+          <p:cNvPr id="150" name="TextBox 4"/>
+          <p:cNvSpPr/>
+          <p:nvPr/>
+        </p:nvSpPr>
+        <p:spPr>
+          <a:xfrm>
+            <a:off x="7112880" y="2125440"/>
+            <a:ext cx="4712040" cy="2284200"/>
+          </a:xfrm>
+          <a:prstGeom prst="rect">
+            <a:avLst/>
+          </a:prstGeom>
+          <a:noFill/>
+          <a:ln w="0">
+            <a:noFill/>
+          </a:ln>
+        </p:spPr>
+        <p:style>
+          <a:lnRef idx="0">
+            <a:scrgbClr r="0" g="0" b="0"/>
+          </a:lnRef>
+          <a:fillRef idx="0">
+            <a:scrgbClr r="0" g="0" b="0"/>
+          </a:fillRef>
+          <a:effectRef idx="0">
+            <a:scrgbClr r="0" g="0" b="0"/>
+          </a:effectRef>
+          <a:fontRef idx="minor"/>
+        </p:style>
+        <p:txBody>
+          <a:bodyPr lIns="90000" tIns="45000" rIns="90000" bIns="45000" anchor="t">
+            <a:spAutoFit/>
+          </a:bodyPr>
+          <a:lstStyle/>
+          <a:p>
+            <a:pPr>
+              <a:lnSpc>
+                <a:spcPct val="100000"/>
+              </a:lnSpc>
+              <a:buNone/>
+            </a:pPr>
+            <a:r>
+              <a:rPr lang="en-US" sz="1800" b="1" strike="noStrike" spc="-1">
+                <a:solidFill>
+                  <a:srgbClr val="000000"/>
+                </a:solidFill>
+                <a:latin typeface="Calibri"/>
+                <a:ea typeface="DejaVu Sans"/>
+              </a:rPr>
+              <a:t>Severity of the Vulnerability</a:t>
+            </a:r>
+            <a:r>
+              <a:rPr lang="en-US" sz="1800" b="0" strike="noStrike" spc="-1">
+                <a:solidFill>
+                  <a:srgbClr val="000000"/>
+                </a:solidFill>
+                <a:latin typeface="Calibri"/>
+                <a:ea typeface="DejaVu Sans"/>
+              </a:rPr>
+              <a:t>:</a:t>
+            </a:r>
+            <a:endParaRPr lang="en-US" sz="1800" b="0" strike="noStrike" spc="-1">
+              <a:latin typeface="Arial"/>
+            </a:endParaRPr>
+          </a:p>
+          <a:p>
+            <a:pPr marL="216000" indent="-216000">
+              <a:lnSpc>
+                <a:spcPct val="100000"/>
+              </a:lnSpc>
+              <a:buClr>
+                <a:srgbClr val="000000"/>
+              </a:buClr>
+              <a:buFont typeface="Arial"/>
+              <a:buChar char="•"/>
+            </a:pPr>
+            <a:r>
+              <a:rPr lang="en-US" sz="1800" b="1" strike="noStrike" spc="-1">
+                <a:solidFill>
+                  <a:srgbClr val="000000"/>
+                </a:solidFill>
+                <a:latin typeface="Calibri"/>
+                <a:ea typeface="DejaVu Sans"/>
+              </a:rPr>
+              <a:t>Insertion Phase</a:t>
+            </a:r>
+            <a:r>
+              <a:rPr lang="en-US" sz="1800" b="0" strike="noStrike" spc="-1">
+                <a:solidFill>
+                  <a:srgbClr val="000000"/>
+                </a:solidFill>
+                <a:latin typeface="Calibri"/>
+                <a:ea typeface="DejaVu Sans"/>
+              </a:rPr>
+              <a:t>: Design stage</a:t>
+            </a:r>
+            <a:endParaRPr lang="en-US" sz="1800" b="0" strike="noStrike" spc="-1">
+              <a:latin typeface="Arial"/>
+            </a:endParaRPr>
+          </a:p>
+          <a:p>
+            <a:pPr marL="216000" indent="-216000">
+              <a:lnSpc>
+                <a:spcPct val="100000"/>
+              </a:lnSpc>
+              <a:buClr>
+                <a:srgbClr val="000000"/>
+              </a:buClr>
+              <a:buFont typeface="Arial"/>
+              <a:buChar char="•"/>
+            </a:pPr>
+            <a:r>
+              <a:rPr lang="en-US" sz="1800" b="1" strike="noStrike" spc="-1">
+                <a:solidFill>
+                  <a:srgbClr val="000000"/>
+                </a:solidFill>
+                <a:latin typeface="Calibri"/>
+                <a:ea typeface="DejaVu Sans"/>
+              </a:rPr>
+              <a:t>Abstraction Level</a:t>
+            </a:r>
+            <a:r>
+              <a:rPr lang="en-US" sz="1800" b="0" strike="noStrike" spc="-1">
+                <a:solidFill>
+                  <a:srgbClr val="000000"/>
+                </a:solidFill>
+                <a:latin typeface="Calibri"/>
+                <a:ea typeface="DejaVu Sans"/>
+              </a:rPr>
+              <a:t>: Register-transfer level (RTL)</a:t>
+            </a:r>
+            <a:endParaRPr lang="en-US" sz="1800" b="0" strike="noStrike" spc="-1">
+              <a:latin typeface="Arial"/>
+            </a:endParaRPr>
+          </a:p>
+          <a:p>
+            <a:pPr marL="216000" indent="-216000">
+              <a:lnSpc>
+                <a:spcPct val="100000"/>
+              </a:lnSpc>
+              <a:buClr>
+                <a:srgbClr val="000000"/>
+              </a:buClr>
+              <a:buFont typeface="Arial"/>
+              <a:buChar char="•"/>
+            </a:pPr>
+            <a:r>
+              <a:rPr lang="en-US" sz="1800" b="1" strike="noStrike" spc="-1">
+                <a:solidFill>
+                  <a:srgbClr val="000000"/>
+                </a:solidFill>
+                <a:latin typeface="Calibri"/>
+                <a:ea typeface="DejaVu Sans"/>
+              </a:rPr>
+              <a:t>Activation Mechanism</a:t>
+            </a:r>
+            <a:r>
+              <a:rPr lang="en-US" sz="1800" b="0" strike="noStrike" spc="-1">
+                <a:solidFill>
+                  <a:srgbClr val="000000"/>
+                </a:solidFill>
+                <a:latin typeface="Calibri"/>
+                <a:ea typeface="DejaVu Sans"/>
+              </a:rPr>
+              <a:t>: Conditionally triggered</a:t>
+            </a:r>
+            <a:endParaRPr lang="en-US" sz="1800" b="0" strike="noStrike" spc="-1">
+              <a:latin typeface="Arial"/>
+            </a:endParaRPr>
+          </a:p>
+          <a:p>
+            <a:pPr marL="216000" indent="-216000">
+              <a:lnSpc>
+                <a:spcPct val="100000"/>
+              </a:lnSpc>
+              <a:buClr>
+                <a:srgbClr val="000000"/>
+              </a:buClr>
+              <a:buFont typeface="Arial"/>
+              <a:buChar char="•"/>
+            </a:pPr>
+            <a:r>
+              <a:rPr lang="en-US" sz="1800" b="1" strike="noStrike" spc="-1">
+                <a:solidFill>
+                  <a:srgbClr val="000000"/>
+                </a:solidFill>
+                <a:latin typeface="Calibri"/>
+                <a:ea typeface="DejaVu Sans"/>
+              </a:rPr>
+              <a:t>Functional Effects</a:t>
+            </a:r>
+            <a:r>
+              <a:rPr lang="en-US" sz="1800" b="0" strike="noStrike" spc="-1">
+                <a:solidFill>
+                  <a:srgbClr val="000000"/>
+                </a:solidFill>
+                <a:latin typeface="Calibri"/>
+                <a:ea typeface="DejaVu Sans"/>
+              </a:rPr>
+              <a:t>: Causes a denial-of-service (DoS) attack</a:t>
+            </a:r>
+            <a:endParaRPr lang="en-US" sz="1800" b="0" strike="noStrike" spc="-1">
+              <a:latin typeface="Arial"/>
+            </a:endParaRPr>
+          </a:p>
+          <a:p>
+            <a:pPr marL="216000" indent="-216000">
+              <a:lnSpc>
+                <a:spcPct val="100000"/>
+              </a:lnSpc>
+              <a:buClr>
+                <a:srgbClr val="000000"/>
+              </a:buClr>
+              <a:buFont typeface="Arial"/>
+              <a:buChar char="•"/>
+            </a:pPr>
+            <a:r>
+              <a:rPr lang="en-US" sz="1800" b="1" strike="noStrike" spc="-1">
+                <a:solidFill>
+                  <a:srgbClr val="000000"/>
+                </a:solidFill>
+                <a:latin typeface="Calibri"/>
+                <a:ea typeface="DejaVu Sans"/>
+              </a:rPr>
+              <a:t>Physical Characteristics</a:t>
+            </a:r>
+            <a:r>
+              <a:rPr lang="en-US" sz="1800" b="0" strike="noStrike" spc="-1">
+                <a:solidFill>
+                  <a:srgbClr val="000000"/>
+                </a:solidFill>
+                <a:latin typeface="Calibri"/>
+                <a:ea typeface="DejaVu Sans"/>
+              </a:rPr>
+              <a:t>: Functional disruption</a:t>
+            </a:r>
+            <a:endParaRPr lang="en-US" sz="1800" b="0" strike="noStrike" spc="-1">
+              <a:latin typeface="Arial"/>
+            </a:endParaRPr>
+          </a:p>
+        </p:txBody>
+      </p:sp>
+      <p:sp>
+        <p:nvSpPr>
+          <p:cNvPr id="151" name="TextBox 5"/>
+          <p:cNvSpPr/>
+          <p:nvPr/>
+        </p:nvSpPr>
+        <p:spPr>
+          <a:xfrm>
+            <a:off x="3429000" y="685800"/>
+            <a:ext cx="5826960" cy="577080"/>
+          </a:xfrm>
+          <a:prstGeom prst="rect">
+            <a:avLst/>
+          </a:prstGeom>
+          <a:noFill/>
+          <a:ln w="0">
+            <a:noFill/>
+          </a:ln>
+        </p:spPr>
+        <p:style>
+          <a:lnRef idx="0">
+            <a:scrgbClr r="0" g="0" b="0"/>
+          </a:lnRef>
+          <a:fillRef idx="0">
+            <a:scrgbClr r="0" g="0" b="0"/>
+          </a:fillRef>
+          <a:effectRef idx="0">
+            <a:scrgbClr r="0" g="0" b="0"/>
+          </a:effectRef>
+          <a:fontRef idx="minor"/>
+        </p:style>
+        <p:txBody>
+          <a:bodyPr lIns="90000" tIns="45000" rIns="90000" bIns="45000" anchor="t">
+            <a:spAutoFit/>
+          </a:bodyPr>
+          <a:lstStyle/>
+          <a:p>
+            <a:pPr>
+              <a:lnSpc>
+                <a:spcPct val="100000"/>
+              </a:lnSpc>
+              <a:buNone/>
+            </a:pPr>
+            <a:r>
+              <a:rPr lang="en-US" sz="3200" b="0" strike="noStrike" spc="-1">
+                <a:solidFill>
+                  <a:srgbClr val="000000"/>
+                </a:solidFill>
+                <a:latin typeface="Segoe UI Variable Display Semib"/>
+                <a:ea typeface="DejaVu Sans"/>
+              </a:rPr>
+              <a:t>Impact and vuln. severity</a:t>
+            </a:r>
+            <a:endParaRPr lang="en-US" sz="3200" b="0" strike="noStrike" spc="-1">
+              <a:latin typeface="Arial"/>
+            </a:endParaRPr>
+          </a:p>
+        </p:txBody>
+      </p:sp>
+      <p:sp>
+        <p:nvSpPr>
+          <p:cNvPr id="152" name="Straight Connector 6"/>
+          <p:cNvSpPr/>
+          <p:nvPr/>
+        </p:nvSpPr>
+        <p:spPr>
+          <a:xfrm>
+            <a:off x="6019920" y="1853640"/>
+            <a:ext cx="360" cy="3806280"/>
+          </a:xfrm>
+          <a:prstGeom prst="line">
+            <a:avLst/>
+          </a:prstGeom>
+          <a:ln>
+            <a:solidFill>
+              <a:srgbClr val="4472C4"/>
+            </a:solidFill>
+          </a:ln>
+        </p:spPr>
+        <p:style>
+          <a:lnRef idx="1">
+            <a:schemeClr val="accent1"/>
+          </a:lnRef>
+          <a:fillRef idx="0">
+            <a:schemeClr val="accent1"/>
+          </a:fillRef>
+          <a:effectRef idx="0">
+            <a:schemeClr val="accent1"/>
+          </a:effectRef>
+          <a:fontRef idx="minor"/>
+        </p:style>
+      </p:sp>
+    </p:spTree>
+  </p:cSld>
+  <p:clrMapOvr>
+    <a:masterClrMapping/>
+  </p:clrMapOvr>
+</p:sld>
+</file>
+
+<file path=ppt/slides/slide21.xml><?xml version="1.0" encoding="utf-8"?>
 <p:sld xmlns:a="http://schemas.openxmlformats.org/drawingml/2006/main" xmlns:r="http://schemas.openxmlformats.org/officeDocument/2006/relationships" xmlns:p="http://schemas.openxmlformats.org/presentationml/2006/main">
   <p:cSld>
     <p:spTree>
@@ -9229,7 +9626,7 @@
 </p:sld>
 </file>
 
-<file path=ppt/slides/slide21.xml><?xml version="1.0" encoding="utf-8"?>
+<file path=ppt/slides/slide22.xml><?xml version="1.0" encoding="utf-8"?>
 <p:sld xmlns:a="http://schemas.openxmlformats.org/drawingml/2006/main" xmlns:r="http://schemas.openxmlformats.org/officeDocument/2006/relationships" xmlns:p="http://schemas.openxmlformats.org/presentationml/2006/main">
   <p:cSld>
     <p:spTree>
@@ -9713,7 +10110,7 @@
 </p:sld>
 </file>
 
-<file path=ppt/slides/slide22.xml><?xml version="1.0" encoding="utf-8"?>
+<file path=ppt/slides/slide23.xml><?xml version="1.0" encoding="utf-8"?>
 <p:sld xmlns:a="http://schemas.openxmlformats.org/drawingml/2006/main" xmlns:r="http://schemas.openxmlformats.org/officeDocument/2006/relationships" xmlns:p="http://schemas.openxmlformats.org/presentationml/2006/main">
   <p:cSld>
     <p:spTree>
@@ -9966,370 +10363,6 @@
 </p:sld>
 </file>
 
-<file path=ppt/slides/slide23.xml><?xml version="1.0" encoding="utf-8"?>
-<p:sld xmlns:a="http://schemas.openxmlformats.org/drawingml/2006/main" xmlns:r="http://schemas.openxmlformats.org/officeDocument/2006/relationships" xmlns:p="http://schemas.openxmlformats.org/presentationml/2006/main">
-  <p:cSld>
-    <p:spTree>
-      <p:nvGrpSpPr>
-        <p:cNvPr id="1" name=""/>
-        <p:cNvGrpSpPr/>
-        <p:nvPr/>
-      </p:nvGrpSpPr>
-      <p:grpSpPr>
-        <a:xfrm>
-          <a:off x="0" y="0"/>
-          <a:ext cx="0" cy="0"/>
-          <a:chOff x="0" y="0"/>
-          <a:chExt cx="0" cy="0"/>
-        </a:xfrm>
-      </p:grpSpPr>
-      <p:sp>
-        <p:nvSpPr>
-          <p:cNvPr id="165" name="Straight Connector 7"/>
-          <p:cNvSpPr/>
-          <p:nvPr/>
-        </p:nvSpPr>
-        <p:spPr>
-          <a:xfrm>
-            <a:off x="5985000" y="1708920"/>
-            <a:ext cx="360" cy="3806280"/>
-          </a:xfrm>
-          <a:prstGeom prst="line">
-            <a:avLst/>
-          </a:prstGeom>
-          <a:ln>
-            <a:solidFill>
-              <a:srgbClr val="4472C4"/>
-            </a:solidFill>
-          </a:ln>
-        </p:spPr>
-        <p:style>
-          <a:lnRef idx="1">
-            <a:schemeClr val="accent1"/>
-          </a:lnRef>
-          <a:fillRef idx="0">
-            <a:schemeClr val="accent1"/>
-          </a:fillRef>
-          <a:effectRef idx="0">
-            <a:schemeClr val="accent1"/>
-          </a:effectRef>
-          <a:fontRef idx="minor"/>
-        </p:style>
-      </p:sp>
-      <p:sp>
-        <p:nvSpPr>
-          <p:cNvPr id="166" name="TextBox 2"/>
-          <p:cNvSpPr/>
-          <p:nvPr/>
-        </p:nvSpPr>
-        <p:spPr>
-          <a:xfrm>
-            <a:off x="751320" y="2129040"/>
-            <a:ext cx="4326840" cy="2558520"/>
-          </a:xfrm>
-          <a:prstGeom prst="rect">
-            <a:avLst/>
-          </a:prstGeom>
-          <a:noFill/>
-          <a:ln w="0">
-            <a:noFill/>
-          </a:ln>
-        </p:spPr>
-        <p:style>
-          <a:lnRef idx="0">
-            <a:scrgbClr r="0" g="0" b="0"/>
-          </a:lnRef>
-          <a:fillRef idx="0">
-            <a:scrgbClr r="0" g="0" b="0"/>
-          </a:fillRef>
-          <a:effectRef idx="0">
-            <a:scrgbClr r="0" g="0" b="0"/>
-          </a:effectRef>
-          <a:fontRef idx="minor"/>
-        </p:style>
-        <p:txBody>
-          <a:bodyPr lIns="90000" tIns="45000" rIns="90000" bIns="45000" anchor="t">
-            <a:spAutoFit/>
-          </a:bodyPr>
-          <a:lstStyle/>
-          <a:p>
-            <a:pPr marL="216000" indent="-216000">
-              <a:lnSpc>
-                <a:spcPct val="100000"/>
-              </a:lnSpc>
-              <a:buClr>
-                <a:srgbClr val="000000"/>
-              </a:buClr>
-              <a:buFont typeface="Arial"/>
-              <a:buChar char="•"/>
-            </a:pPr>
-            <a:r>
-              <a:rPr lang="en-US" sz="1800" b="1" strike="noStrike" spc="-1" dirty="0">
-                <a:solidFill>
-                  <a:srgbClr val="000000"/>
-                </a:solidFill>
-                <a:latin typeface="Calibri"/>
-                <a:ea typeface="DejaVu Sans"/>
-              </a:rPr>
-              <a:t>Trojan Design</a:t>
-            </a:r>
-            <a:r>
-              <a:rPr lang="en-US" sz="1800" b="0" strike="noStrike" spc="-1" dirty="0">
-                <a:solidFill>
-                  <a:srgbClr val="000000"/>
-                </a:solidFill>
-                <a:latin typeface="Calibri"/>
-                <a:ea typeface="DejaVu Sans"/>
-              </a:rPr>
-              <a:t>: The software trojan on the PC monitors the timing variations in the AES clock signal using the Time Stamp Counter (TSC) or other low-level timing facilities (e.g., PMU).</a:t>
-            </a:r>
-            <a:endParaRPr lang="en-US" sz="1800" b="0" strike="noStrike" spc="-1" dirty="0">
-              <a:latin typeface="Arial"/>
-            </a:endParaRPr>
-          </a:p>
-          <a:p>
-            <a:pPr marL="216000" indent="-216000">
-              <a:lnSpc>
-                <a:spcPct val="100000"/>
-              </a:lnSpc>
-              <a:buClr>
-                <a:srgbClr val="000000"/>
-              </a:buClr>
-              <a:buFont typeface="Arial"/>
-              <a:buChar char="•"/>
-            </a:pPr>
-            <a:r>
-              <a:rPr lang="en-US" sz="1800" b="1" strike="noStrike" spc="-1" dirty="0">
-                <a:solidFill>
-                  <a:srgbClr val="000000"/>
-                </a:solidFill>
-                <a:latin typeface="Calibri"/>
-                <a:ea typeface="DejaVu Sans"/>
-              </a:rPr>
-              <a:t>Timing Data Collection</a:t>
-            </a:r>
-            <a:r>
-              <a:rPr lang="en-US" sz="1800" b="0" strike="noStrike" spc="-1" dirty="0">
-                <a:solidFill>
-                  <a:srgbClr val="000000"/>
-                </a:solidFill>
-                <a:latin typeface="Calibri"/>
-                <a:ea typeface="DejaVu Sans"/>
-              </a:rPr>
-              <a:t>: The Trojan collects timing data during encryption and identifies small shifts that correspond to bits of the AES key.</a:t>
-            </a:r>
-            <a:endParaRPr lang="en-US" sz="1800" b="0" strike="noStrike" spc="-1" dirty="0">
-              <a:latin typeface="Arial"/>
-            </a:endParaRPr>
-          </a:p>
-        </p:txBody>
-      </p:sp>
-      <p:sp>
-        <p:nvSpPr>
-          <p:cNvPr id="167" name="TextBox 6"/>
-          <p:cNvSpPr/>
-          <p:nvPr/>
-        </p:nvSpPr>
-        <p:spPr>
-          <a:xfrm>
-            <a:off x="4329720" y="421920"/>
-            <a:ext cx="3531600" cy="577080"/>
-          </a:xfrm>
-          <a:prstGeom prst="rect">
-            <a:avLst/>
-          </a:prstGeom>
-          <a:noFill/>
-          <a:ln w="0">
-            <a:noFill/>
-          </a:ln>
-        </p:spPr>
-        <p:style>
-          <a:lnRef idx="0">
-            <a:scrgbClr r="0" g="0" b="0"/>
-          </a:lnRef>
-          <a:fillRef idx="0">
-            <a:scrgbClr r="0" g="0" b="0"/>
-          </a:fillRef>
-          <a:effectRef idx="0">
-            <a:scrgbClr r="0" g="0" b="0"/>
-          </a:effectRef>
-          <a:fontRef idx="minor"/>
-        </p:style>
-        <p:txBody>
-          <a:bodyPr lIns="90000" tIns="45000" rIns="90000" bIns="45000" anchor="t">
-            <a:spAutoFit/>
-          </a:bodyPr>
-          <a:lstStyle/>
-          <a:p>
-            <a:pPr>
-              <a:lnSpc>
-                <a:spcPct val="100000"/>
-              </a:lnSpc>
-              <a:buNone/>
-            </a:pPr>
-            <a:r>
-              <a:rPr lang="en-US" sz="3200" b="1" strike="noStrike" spc="-1">
-                <a:solidFill>
-                  <a:srgbClr val="000000"/>
-                </a:solidFill>
-                <a:latin typeface="Calibri"/>
-                <a:ea typeface="DejaVu Sans"/>
-              </a:rPr>
-              <a:t>Monitoring Process</a:t>
-            </a:r>
-            <a:endParaRPr lang="en-US" sz="3200" b="0" strike="noStrike" spc="-1">
-              <a:latin typeface="Arial"/>
-            </a:endParaRPr>
-          </a:p>
-        </p:txBody>
-      </p:sp>
-      <p:sp>
-        <p:nvSpPr>
-          <p:cNvPr id="168" name="Rectangle 2"/>
-          <p:cNvSpPr/>
-          <p:nvPr/>
-        </p:nvSpPr>
-        <p:spPr>
-          <a:xfrm>
-            <a:off x="7004520" y="2386080"/>
-            <a:ext cx="4566600" cy="1735200"/>
-          </a:xfrm>
-          <a:prstGeom prst="rect">
-            <a:avLst/>
-          </a:prstGeom>
-          <a:noFill/>
-          <a:ln w="0">
-            <a:noFill/>
-          </a:ln>
-        </p:spPr>
-        <p:style>
-          <a:lnRef idx="0">
-            <a:scrgbClr r="0" g="0" b="0"/>
-          </a:lnRef>
-          <a:fillRef idx="0">
-            <a:scrgbClr r="0" g="0" b="0"/>
-          </a:fillRef>
-          <a:effectRef idx="0">
-            <a:scrgbClr r="0" g="0" b="0"/>
-          </a:effectRef>
-          <a:fontRef idx="minor"/>
-        </p:style>
-        <p:txBody>
-          <a:bodyPr lIns="90000" tIns="45000" rIns="90000" bIns="45000" numCol="1" spcCol="0" anchor="ctr">
-            <a:spAutoFit/>
-          </a:bodyPr>
-          <a:lstStyle/>
-          <a:p>
-            <a:pPr>
-              <a:lnSpc>
-                <a:spcPct val="100000"/>
-              </a:lnSpc>
-              <a:buNone/>
-            </a:pPr>
-            <a:r>
-              <a:rPr lang="en-US" sz="1800" b="1" strike="noStrike" spc="-1">
-                <a:solidFill>
-                  <a:srgbClr val="000000"/>
-                </a:solidFill>
-                <a:latin typeface="Calibri"/>
-                <a:ea typeface="DejaVu Sans"/>
-              </a:rPr>
-              <a:t>Key Extraction</a:t>
-            </a:r>
-            <a:r>
-              <a:rPr lang="en-US" sz="1800" b="0" strike="noStrike" spc="-1">
-                <a:solidFill>
-                  <a:srgbClr val="000000"/>
-                </a:solidFill>
-                <a:latin typeface="Calibri"/>
-                <a:ea typeface="DejaVu Sans"/>
-              </a:rPr>
-              <a:t>:</a:t>
-            </a:r>
-            <a:endParaRPr lang="en-US" sz="1800" b="0" strike="noStrike" spc="-1">
-              <a:latin typeface="Arial"/>
-            </a:endParaRPr>
-          </a:p>
-          <a:p>
-            <a:pPr marL="216000" indent="-216000">
-              <a:lnSpc>
-                <a:spcPct val="100000"/>
-              </a:lnSpc>
-              <a:buClr>
-                <a:srgbClr val="000000"/>
-              </a:buClr>
-              <a:buFont typeface="Arial"/>
-              <a:buChar char="•"/>
-            </a:pPr>
-            <a:r>
-              <a:rPr lang="en-US" sz="1800" b="1" strike="noStrike" spc="-1">
-                <a:solidFill>
-                  <a:srgbClr val="000000"/>
-                </a:solidFill>
-                <a:latin typeface="Calibri"/>
-                <a:ea typeface="DejaVu Sans"/>
-              </a:rPr>
-              <a:t>Data Processing</a:t>
-            </a:r>
-            <a:r>
-              <a:rPr lang="en-US" sz="1800" b="0" strike="noStrike" spc="-1">
-                <a:solidFill>
-                  <a:srgbClr val="000000"/>
-                </a:solidFill>
-                <a:latin typeface="Calibri"/>
-                <a:ea typeface="DejaVu Sans"/>
-              </a:rPr>
-              <a:t>: Timing deltas (differences between normal clock cycles and modulated cycles) are processed to extract key bits.</a:t>
-            </a:r>
-            <a:endParaRPr lang="en-US" sz="1800" b="0" strike="noStrike" spc="-1">
-              <a:latin typeface="Arial"/>
-            </a:endParaRPr>
-          </a:p>
-          <a:p>
-            <a:pPr marL="216000" indent="-216000">
-              <a:lnSpc>
-                <a:spcPct val="100000"/>
-              </a:lnSpc>
-              <a:buClr>
-                <a:srgbClr val="000000"/>
-              </a:buClr>
-              <a:buFont typeface="Arial"/>
-              <a:buChar char="•"/>
-            </a:pPr>
-            <a:r>
-              <a:rPr lang="en-US" sz="1800" b="1" strike="noStrike" spc="-1">
-                <a:solidFill>
-                  <a:srgbClr val="000000"/>
-                </a:solidFill>
-                <a:latin typeface="Calibri"/>
-                <a:ea typeface="DejaVu Sans"/>
-              </a:rPr>
-              <a:t>Key Decoding</a:t>
-            </a:r>
-            <a:r>
-              <a:rPr lang="en-US" sz="1800" b="0" strike="noStrike" spc="-1">
-                <a:solidFill>
-                  <a:srgbClr val="000000"/>
-                </a:solidFill>
-                <a:latin typeface="Calibri"/>
-                <a:ea typeface="DejaVu Sans"/>
-              </a:rPr>
-              <a:t>: The software reconstructs the AES key based on the timing patterns.</a:t>
-            </a:r>
-            <a:endParaRPr lang="en-US" sz="1800" b="0" strike="noStrike" spc="-1">
-              <a:latin typeface="Arial"/>
-            </a:endParaRPr>
-          </a:p>
-        </p:txBody>
-      </p:sp>
-    </p:spTree>
-  </p:cSld>
-  <p:clrMapOvr>
-    <a:masterClrMapping/>
-  </p:clrMapOvr>
-</p:sld>
-</file>
-
 <file path=ppt/slides/slide24.xml><?xml version="1.0" encoding="utf-8"?>
 <p:sld xmlns:a="http://schemas.openxmlformats.org/drawingml/2006/main" xmlns:r="http://schemas.openxmlformats.org/officeDocument/2006/relationships" xmlns:p="http://schemas.openxmlformats.org/presentationml/2006/main">
   <p:cSld>
@@ -10349,13 +10382,13 @@
       </p:grpSpPr>
       <p:sp>
         <p:nvSpPr>
-          <p:cNvPr id="169" name="Straight Connector 7"/>
+          <p:cNvPr id="165" name="Straight Connector 7"/>
           <p:cNvSpPr/>
           <p:nvPr/>
         </p:nvSpPr>
         <p:spPr>
           <a:xfrm>
-            <a:off x="5477400" y="1896840"/>
+            <a:off x="5985000" y="1708920"/>
             <a:ext cx="360" cy="3806280"/>
           </a:xfrm>
           <a:prstGeom prst="line">
@@ -10382,14 +10415,14 @@
       </p:sp>
       <p:sp>
         <p:nvSpPr>
-          <p:cNvPr id="170" name="TextBox 2"/>
+          <p:cNvPr id="166" name="TextBox 2"/>
           <p:cNvSpPr/>
           <p:nvPr/>
         </p:nvSpPr>
         <p:spPr>
           <a:xfrm>
-            <a:off x="751320" y="2129040"/>
-            <a:ext cx="4326840" cy="2009880"/>
+            <a:off x="1083829" y="2728432"/>
+            <a:ext cx="4326840" cy="1198875"/>
           </a:xfrm>
           <a:prstGeom prst="rect">
             <a:avLst/>
@@ -10428,116 +10461,41 @@
               <a:buChar char="•"/>
             </a:pPr>
             <a:r>
-              <a:rPr lang="en-US" sz="1800" b="1" strike="noStrike" spc="-1">
+              <a:rPr lang="en-US" sz="1800" b="1" strike="noStrike" spc="-1" dirty="0">
                 <a:solidFill>
                   <a:srgbClr val="000000"/>
                 </a:solidFill>
                 <a:latin typeface="Calibri"/>
                 <a:ea typeface="DejaVu Sans"/>
               </a:rPr>
-              <a:t>Flowchart of Trojan Operations</a:t>
-            </a:r>
-            <a:r>
-              <a:rPr lang="en-US" sz="1800" b="0" strike="noStrike" spc="-1">
+              <a:t>Timing Data Collection</a:t>
+            </a:r>
+            <a:r>
+              <a:rPr lang="en-US" sz="1800" b="0" strike="noStrike" spc="-1" dirty="0">
                 <a:solidFill>
                   <a:srgbClr val="000000"/>
                 </a:solidFill>
                 <a:latin typeface="Calibri"/>
                 <a:ea typeface="DejaVu Sans"/>
               </a:rPr>
-              <a:t>:</a:t>
-            </a:r>
-            <a:endParaRPr lang="en-US" sz="1800" b="0" strike="noStrike" spc="-1">
-              <a:latin typeface="Arial"/>
-            </a:endParaRPr>
-          </a:p>
-          <a:p>
-            <a:pPr marL="743040" lvl="1" indent="-285840">
-              <a:lnSpc>
-                <a:spcPct val="100000"/>
-              </a:lnSpc>
-              <a:buClr>
-                <a:srgbClr val="000000"/>
-              </a:buClr>
-              <a:buFont typeface="Arial"/>
-              <a:buChar char="•"/>
-            </a:pPr>
-            <a:r>
-              <a:rPr lang="en-US" sz="1800" b="0" strike="noStrike" spc="-1">
-                <a:solidFill>
-                  <a:srgbClr val="000000"/>
-                </a:solidFill>
-                <a:latin typeface="Calibri"/>
-                <a:ea typeface="DejaVu Sans"/>
-              </a:rPr>
-              <a:t>Trojan monitors timing variations during encryption.</a:t>
-            </a:r>
-            <a:endParaRPr lang="en-US" sz="1800" b="0" strike="noStrike" spc="-1">
-              <a:latin typeface="Arial"/>
-            </a:endParaRPr>
-          </a:p>
-          <a:p>
-            <a:pPr marL="743040" lvl="1" indent="-285840">
-              <a:lnSpc>
-                <a:spcPct val="100000"/>
-              </a:lnSpc>
-              <a:buClr>
-                <a:srgbClr val="000000"/>
-              </a:buClr>
-              <a:buFont typeface="Arial"/>
-              <a:buChar char="•"/>
-            </a:pPr>
-            <a:r>
-              <a:rPr lang="en-US" sz="1800" b="0" strike="noStrike" spc="-1">
-                <a:solidFill>
-                  <a:srgbClr val="000000"/>
-                </a:solidFill>
-                <a:latin typeface="Calibri"/>
-                <a:ea typeface="DejaVu Sans"/>
-              </a:rPr>
-              <a:t>Timing shifts are detected and recorded.</a:t>
-            </a:r>
-            <a:endParaRPr lang="en-US" sz="1800" b="0" strike="noStrike" spc="-1">
-              <a:latin typeface="Arial"/>
-            </a:endParaRPr>
-          </a:p>
-          <a:p>
-            <a:pPr marL="743040" lvl="1" indent="-285840">
-              <a:lnSpc>
-                <a:spcPct val="100000"/>
-              </a:lnSpc>
-              <a:buClr>
-                <a:srgbClr val="000000"/>
-              </a:buClr>
-              <a:buFont typeface="Arial"/>
-              <a:buChar char="•"/>
-            </a:pPr>
-            <a:r>
-              <a:rPr lang="en-US" sz="1800" b="0" strike="noStrike" spc="-1">
-                <a:solidFill>
-                  <a:srgbClr val="000000"/>
-                </a:solidFill>
-                <a:latin typeface="Calibri"/>
-                <a:ea typeface="DejaVu Sans"/>
-              </a:rPr>
-              <a:t>Extracted key bits are assembled to reconstruct the full AES key.</a:t>
-            </a:r>
-            <a:endParaRPr lang="en-US" sz="1800" b="0" strike="noStrike" spc="-1">
-              <a:latin typeface="Arial"/>
-            </a:endParaRPr>
-          </a:p>
-        </p:txBody>
-      </p:sp>
-      <p:sp>
-        <p:nvSpPr>
-          <p:cNvPr id="171" name="TextBox 6"/>
+              <a:t>: The Trojan collects timing data during encryption and identifies small shifts that correspond to bits of the AES key.</a:t>
+            </a:r>
+            <a:endParaRPr lang="en-US" sz="1800" b="0" strike="noStrike" spc="-1" dirty="0">
+              <a:latin typeface="Arial"/>
+            </a:endParaRPr>
+          </a:p>
+        </p:txBody>
+      </p:sp>
+      <p:sp>
+        <p:nvSpPr>
+          <p:cNvPr id="167" name="TextBox 6"/>
           <p:cNvSpPr/>
           <p:nvPr/>
         </p:nvSpPr>
         <p:spPr>
           <a:xfrm>
-            <a:off x="4188240" y="426240"/>
-            <a:ext cx="2892600" cy="577080"/>
+            <a:off x="4329720" y="421920"/>
+            <a:ext cx="3531600" cy="577080"/>
           </a:xfrm>
           <a:prstGeom prst="rect">
             <a:avLst/>
@@ -10579,7 +10537,7 @@
                 <a:latin typeface="Calibri"/>
                 <a:ea typeface="DejaVu Sans"/>
               </a:rPr>
-              <a:t>Demonstration</a:t>
+              <a:t>Monitoring Process</a:t>
             </a:r>
             <a:endParaRPr lang="en-US" sz="3200" b="0" strike="noStrike" spc="-1">
               <a:latin typeface="Arial"/>
@@ -10589,14 +10547,14 @@
       </p:sp>
       <p:sp>
         <p:nvSpPr>
-          <p:cNvPr id="172" name="Rectangle 2"/>
+          <p:cNvPr id="168" name="Rectangle 2"/>
           <p:cNvSpPr/>
           <p:nvPr/>
         </p:nvSpPr>
         <p:spPr>
           <a:xfrm>
-            <a:off x="6426000" y="1914840"/>
-            <a:ext cx="4593960" cy="1460880"/>
+            <a:off x="7004520" y="2386080"/>
+            <a:ext cx="4566600" cy="1735200"/>
           </a:xfrm>
           <a:prstGeom prst="rect">
             <a:avLst/>
@@ -10638,7 +10596,7 @@
                 <a:latin typeface="Calibri"/>
                 <a:ea typeface="DejaVu Sans"/>
               </a:rPr>
-              <a:t>Impact</a:t>
+              <a:t>Key Extraction</a:t>
             </a:r>
             <a:r>
               <a:rPr lang="en-US" sz="1800" b="0" strike="noStrike" spc="-1">
@@ -10666,6 +10624,16 @@
               <a:buChar char="•"/>
             </a:pPr>
             <a:r>
+              <a:rPr lang="en-US" sz="1800" b="1" strike="noStrike" spc="-1">
+                <a:solidFill>
+                  <a:srgbClr val="000000"/>
+                </a:solidFill>
+                <a:latin typeface="Calibri"/>
+                <a:ea typeface="DejaVu Sans"/>
+              </a:rPr>
+              <a:t>Data Processing</a:t>
+            </a:r>
+            <a:r>
               <a:rPr lang="en-US" sz="1800" b="0" strike="noStrike" spc="-1">
                 <a:solidFill>
                   <a:srgbClr val="000000"/>
@@ -10673,76 +10641,7 @@
                 <a:latin typeface="Calibri"/>
                 <a:ea typeface="DejaVu Sans"/>
               </a:rPr>
-              <a:t>This attack leverages hardware side-channels (timing variations) to steal sensitive information with minimal impact on system functionality, making it difficult to detect.</a:t>
-            </a:r>
-            <a:endParaRPr lang="en-US" sz="1800" b="0" strike="noStrike" spc="-1">
-              <a:latin typeface="Arial"/>
-            </a:endParaRPr>
-          </a:p>
-        </p:txBody>
-      </p:sp>
-      <p:sp>
-        <p:nvSpPr>
-          <p:cNvPr id="173" name="TextBox 8"/>
-          <p:cNvSpPr/>
-          <p:nvPr/>
-        </p:nvSpPr>
-        <p:spPr>
-          <a:xfrm>
-            <a:off x="6456240" y="3672000"/>
-            <a:ext cx="5573880" cy="2009880"/>
-          </a:xfrm>
-          <a:prstGeom prst="rect">
-            <a:avLst/>
-          </a:prstGeom>
-          <a:noFill/>
-          <a:ln w="0">
-            <a:noFill/>
-          </a:ln>
-        </p:spPr>
-        <p:style>
-          <a:lnRef idx="0">
-            <a:scrgbClr r="0" g="0" b="0"/>
-          </a:lnRef>
-          <a:fillRef idx="0">
-            <a:scrgbClr r="0" g="0" b="0"/>
-          </a:fillRef>
-          <a:effectRef idx="0">
-            <a:scrgbClr r="0" g="0" b="0"/>
-          </a:effectRef>
-          <a:fontRef idx="minor"/>
-        </p:style>
-        <p:txBody>
-          <a:bodyPr lIns="90000" tIns="45000" rIns="90000" bIns="45000" anchor="t">
-            <a:spAutoFit/>
-          </a:bodyPr>
-          <a:lstStyle/>
-          <a:p>
-            <a:pPr>
-              <a:lnSpc>
-                <a:spcPct val="100000"/>
-              </a:lnSpc>
-              <a:buNone/>
-            </a:pPr>
-            <a:r>
-              <a:rPr lang="en-US" sz="1800" b="1" strike="noStrike" spc="-1">
-                <a:solidFill>
-                  <a:srgbClr val="000000"/>
-                </a:solidFill>
-                <a:latin typeface="Calibri"/>
-                <a:ea typeface="DejaVu Sans"/>
-              </a:rPr>
-              <a:t>Severity of the Vulnerability</a:t>
-            </a:r>
-            <a:r>
-              <a:rPr lang="en-US" sz="1800" b="0" strike="noStrike" spc="-1">
-                <a:solidFill>
-                  <a:srgbClr val="000000"/>
-                </a:solidFill>
-                <a:latin typeface="Calibri"/>
-                <a:ea typeface="DejaVu Sans"/>
-              </a:rPr>
-              <a:t>:</a:t>
+              <a:t>: Timing deltas (differences between normal clock cycles and modulated cycles) are processed to extract key bits.</a:t>
             </a:r>
             <a:endParaRPr lang="en-US" sz="1800" b="0" strike="noStrike" spc="-1">
               <a:latin typeface="Arial"/>
@@ -10767,7 +10666,7 @@
                 <a:latin typeface="Calibri"/>
                 <a:ea typeface="DejaVu Sans"/>
               </a:rPr>
-              <a:t>Insertion Phase</a:t>
+              <a:t>Key Decoding</a:t>
             </a:r>
             <a:r>
               <a:rPr lang="en-US" sz="1800" b="0" strike="noStrike" spc="-1">
@@ -10777,9 +10676,195 @@
                 <a:latin typeface="Calibri"/>
                 <a:ea typeface="DejaVu Sans"/>
               </a:rPr>
-              <a:t>: Design stage</a:t>
+              <a:t>: The software reconstructs the AES key based on the timing patterns.</a:t>
             </a:r>
             <a:endParaRPr lang="en-US" sz="1800" b="0" strike="noStrike" spc="-1">
+              <a:latin typeface="Arial"/>
+            </a:endParaRPr>
+          </a:p>
+        </p:txBody>
+      </p:sp>
+    </p:spTree>
+  </p:cSld>
+  <p:clrMapOvr>
+    <a:masterClrMapping/>
+  </p:clrMapOvr>
+</p:sld>
+</file>
+
+<file path=ppt/slides/slide25.xml><?xml version="1.0" encoding="utf-8"?>
+<p:sld xmlns:a="http://schemas.openxmlformats.org/drawingml/2006/main" xmlns:r="http://schemas.openxmlformats.org/officeDocument/2006/relationships" xmlns:p="http://schemas.openxmlformats.org/presentationml/2006/main">
+  <p:cSld>
+    <p:spTree>
+      <p:nvGrpSpPr>
+        <p:cNvPr id="1" name=""/>
+        <p:cNvGrpSpPr/>
+        <p:nvPr/>
+      </p:nvGrpSpPr>
+      <p:grpSpPr>
+        <a:xfrm>
+          <a:off x="0" y="0"/>
+          <a:ext cx="0" cy="0"/>
+          <a:chOff x="0" y="0"/>
+          <a:chExt cx="0" cy="0"/>
+        </a:xfrm>
+      </p:grpSpPr>
+      <p:sp>
+        <p:nvSpPr>
+          <p:cNvPr id="169" name="Straight Connector 7"/>
+          <p:cNvSpPr/>
+          <p:nvPr/>
+        </p:nvSpPr>
+        <p:spPr>
+          <a:xfrm>
+            <a:off x="5477400" y="1896840"/>
+            <a:ext cx="360" cy="3806280"/>
+          </a:xfrm>
+          <a:prstGeom prst="line">
+            <a:avLst/>
+          </a:prstGeom>
+          <a:ln>
+            <a:solidFill>
+              <a:srgbClr val="4472C4"/>
+            </a:solidFill>
+          </a:ln>
+        </p:spPr>
+        <p:style>
+          <a:lnRef idx="1">
+            <a:schemeClr val="accent1"/>
+          </a:lnRef>
+          <a:fillRef idx="0">
+            <a:schemeClr val="accent1"/>
+          </a:fillRef>
+          <a:effectRef idx="0">
+            <a:schemeClr val="accent1"/>
+          </a:effectRef>
+          <a:fontRef idx="minor"/>
+        </p:style>
+      </p:sp>
+      <p:sp>
+        <p:nvSpPr>
+          <p:cNvPr id="171" name="TextBox 6"/>
+          <p:cNvSpPr/>
+          <p:nvPr/>
+        </p:nvSpPr>
+        <p:spPr>
+          <a:xfrm>
+            <a:off x="4188240" y="426240"/>
+            <a:ext cx="2892600" cy="577080"/>
+          </a:xfrm>
+          <a:prstGeom prst="rect">
+            <a:avLst/>
+          </a:prstGeom>
+          <a:noFill/>
+          <a:ln w="0">
+            <a:noFill/>
+          </a:ln>
+        </p:spPr>
+        <p:style>
+          <a:lnRef idx="0">
+            <a:scrgbClr r="0" g="0" b="0"/>
+          </a:lnRef>
+          <a:fillRef idx="0">
+            <a:scrgbClr r="0" g="0" b="0"/>
+          </a:fillRef>
+          <a:effectRef idx="0">
+            <a:scrgbClr r="0" g="0" b="0"/>
+          </a:effectRef>
+          <a:fontRef idx="minor"/>
+        </p:style>
+        <p:txBody>
+          <a:bodyPr lIns="90000" tIns="45000" rIns="90000" bIns="45000" anchor="t">
+            <a:spAutoFit/>
+          </a:bodyPr>
+          <a:lstStyle/>
+          <a:p>
+            <a:pPr>
+              <a:lnSpc>
+                <a:spcPct val="100000"/>
+              </a:lnSpc>
+              <a:buNone/>
+            </a:pPr>
+            <a:r>
+              <a:rPr lang="en-US" sz="3200" b="1" strike="noStrike" spc="-1">
+                <a:solidFill>
+                  <a:srgbClr val="000000"/>
+                </a:solidFill>
+                <a:latin typeface="Calibri"/>
+                <a:ea typeface="DejaVu Sans"/>
+              </a:rPr>
+              <a:t>Demonstration</a:t>
+            </a:r>
+            <a:endParaRPr lang="en-US" sz="3200" b="0" strike="noStrike" spc="-1">
+              <a:latin typeface="Arial"/>
+            </a:endParaRPr>
+          </a:p>
+        </p:txBody>
+      </p:sp>
+      <p:sp>
+        <p:nvSpPr>
+          <p:cNvPr id="172" name="Rectangle 2"/>
+          <p:cNvSpPr/>
+          <p:nvPr/>
+        </p:nvSpPr>
+        <p:spPr>
+          <a:xfrm>
+            <a:off x="742720" y="2890492"/>
+            <a:ext cx="4593960" cy="1460880"/>
+          </a:xfrm>
+          <a:prstGeom prst="rect">
+            <a:avLst/>
+          </a:prstGeom>
+          <a:noFill/>
+          <a:ln w="0">
+            <a:noFill/>
+          </a:ln>
+        </p:spPr>
+        <p:style>
+          <a:lnRef idx="0">
+            <a:scrgbClr r="0" g="0" b="0"/>
+          </a:lnRef>
+          <a:fillRef idx="0">
+            <a:scrgbClr r="0" g="0" b="0"/>
+          </a:fillRef>
+          <a:effectRef idx="0">
+            <a:scrgbClr r="0" g="0" b="0"/>
+          </a:effectRef>
+          <a:fontRef idx="minor"/>
+        </p:style>
+        <p:txBody>
+          <a:bodyPr lIns="90000" tIns="45000" rIns="90000" bIns="45000" numCol="1" spcCol="0" anchor="ctr">
+            <a:spAutoFit/>
+          </a:bodyPr>
+          <a:lstStyle/>
+          <a:p>
+            <a:pPr>
+              <a:lnSpc>
+                <a:spcPct val="100000"/>
+              </a:lnSpc>
+              <a:buNone/>
+            </a:pPr>
+            <a:r>
+              <a:rPr lang="en-US" sz="1800" b="1" strike="noStrike" spc="-1" dirty="0">
+                <a:solidFill>
+                  <a:srgbClr val="000000"/>
+                </a:solidFill>
+                <a:latin typeface="Calibri"/>
+                <a:ea typeface="DejaVu Sans"/>
+              </a:rPr>
+              <a:t>Impact</a:t>
+            </a:r>
+            <a:r>
+              <a:rPr lang="en-US" sz="1800" b="0" strike="noStrike" spc="-1" dirty="0">
+                <a:solidFill>
+                  <a:srgbClr val="000000"/>
+                </a:solidFill>
+                <a:latin typeface="Calibri"/>
+                <a:ea typeface="DejaVu Sans"/>
+              </a:rPr>
+              <a:t>:</a:t>
+            </a:r>
+            <a:endParaRPr lang="en-US" sz="1800" b="0" strike="noStrike" spc="-1" dirty="0">
               <a:latin typeface="Arial"/>
             </a:endParaRPr>
           </a:p>
@@ -10795,26 +10880,85 @@
               <a:buChar char="•"/>
             </a:pPr>
             <a:r>
-              <a:rPr lang="en-US" sz="1800" b="1" strike="noStrike" spc="-1">
+              <a:rPr lang="en-US" sz="1800" b="0" strike="noStrike" spc="-1" dirty="0">
                 <a:solidFill>
                   <a:srgbClr val="000000"/>
                 </a:solidFill>
                 <a:latin typeface="Calibri"/>
                 <a:ea typeface="DejaVu Sans"/>
               </a:rPr>
-              <a:t>Abstraction Level</a:t>
-            </a:r>
-            <a:r>
-              <a:rPr lang="en-US" sz="1800" b="0" strike="noStrike" spc="-1">
+              <a:t>This attack leverages hardware side-channels (timing variations) to steal sensitive information with minimal impact on system functionality, making it difficult to detect.</a:t>
+            </a:r>
+            <a:endParaRPr lang="en-US" sz="1800" b="0" strike="noStrike" spc="-1" dirty="0">
+              <a:latin typeface="Arial"/>
+            </a:endParaRPr>
+          </a:p>
+        </p:txBody>
+      </p:sp>
+      <p:sp>
+        <p:nvSpPr>
+          <p:cNvPr id="173" name="TextBox 8"/>
+          <p:cNvSpPr/>
+          <p:nvPr/>
+        </p:nvSpPr>
+        <p:spPr>
+          <a:xfrm>
+            <a:off x="5979352" y="2683223"/>
+            <a:ext cx="5573880" cy="2009880"/>
+          </a:xfrm>
+          <a:prstGeom prst="rect">
+            <a:avLst/>
+          </a:prstGeom>
+          <a:noFill/>
+          <a:ln w="0">
+            <a:noFill/>
+          </a:ln>
+        </p:spPr>
+        <p:style>
+          <a:lnRef idx="0">
+            <a:scrgbClr r="0" g="0" b="0"/>
+          </a:lnRef>
+          <a:fillRef idx="0">
+            <a:scrgbClr r="0" g="0" b="0"/>
+          </a:fillRef>
+          <a:effectRef idx="0">
+            <a:scrgbClr r="0" g="0" b="0"/>
+          </a:effectRef>
+          <a:fontRef idx="minor"/>
+        </p:style>
+        <p:txBody>
+          <a:bodyPr lIns="90000" tIns="45000" rIns="90000" bIns="45000" anchor="t">
+            <a:spAutoFit/>
+          </a:bodyPr>
+          <a:lstStyle/>
+          <a:p>
+            <a:pPr>
+              <a:lnSpc>
+                <a:spcPct val="100000"/>
+              </a:lnSpc>
+              <a:buNone/>
+            </a:pPr>
+            <a:r>
+              <a:rPr lang="en-US" sz="1800" b="1" strike="noStrike" spc="-1" dirty="0">
                 <a:solidFill>
                   <a:srgbClr val="000000"/>
                 </a:solidFill>
                 <a:latin typeface="Calibri"/>
                 <a:ea typeface="DejaVu Sans"/>
               </a:rPr>
-              <a:t>: Register-transfer level (RTL)</a:t>
-            </a:r>
-            <a:endParaRPr lang="en-US" sz="1800" b="0" strike="noStrike" spc="-1">
+              <a:t>Severity of the Vulnerability</a:t>
+            </a:r>
+            <a:r>
+              <a:rPr lang="en-US" sz="1800" b="0" strike="noStrike" spc="-1" dirty="0">
+                <a:solidFill>
+                  <a:srgbClr val="000000"/>
+                </a:solidFill>
+                <a:latin typeface="Calibri"/>
+                <a:ea typeface="DejaVu Sans"/>
+              </a:rPr>
+              <a:t>:</a:t>
+            </a:r>
+            <a:endParaRPr lang="en-US" sz="1800" b="0" strike="noStrike" spc="-1" dirty="0">
               <a:latin typeface="Arial"/>
             </a:endParaRPr>
           </a:p>
@@ -10830,26 +10974,26 @@
               <a:buChar char="•"/>
             </a:pPr>
             <a:r>
-              <a:rPr lang="en-US" sz="1800" b="1" strike="noStrike" spc="-1">
+              <a:rPr lang="en-US" sz="1800" b="1" strike="noStrike" spc="-1" dirty="0">
                 <a:solidFill>
                   <a:srgbClr val="000000"/>
                 </a:solidFill>
                 <a:latin typeface="Calibri"/>
                 <a:ea typeface="DejaVu Sans"/>
               </a:rPr>
-              <a:t>Activation Mechanism</a:t>
-            </a:r>
-            <a:r>
-              <a:rPr lang="en-US" sz="1800" b="0" strike="noStrike" spc="-1">
+              <a:t>Insertion Phase</a:t>
+            </a:r>
+            <a:r>
+              <a:rPr lang="en-US" sz="1800" b="0" strike="noStrike" spc="-1" dirty="0">
                 <a:solidFill>
                   <a:srgbClr val="000000"/>
                 </a:solidFill>
                 <a:latin typeface="Calibri"/>
                 <a:ea typeface="DejaVu Sans"/>
               </a:rPr>
-              <a:t>: Subtle clock signal modulation</a:t>
-            </a:r>
-            <a:endParaRPr lang="en-US" sz="1800" b="0" strike="noStrike" spc="-1">
+              <a:t>: Design stage</a:t>
+            </a:r>
+            <a:endParaRPr lang="en-US" sz="1800" b="0" strike="noStrike" spc="-1" dirty="0">
               <a:latin typeface="Arial"/>
             </a:endParaRPr>
           </a:p>
@@ -10865,26 +11009,26 @@
               <a:buChar char="•"/>
             </a:pPr>
             <a:r>
-              <a:rPr lang="en-US" sz="1800" b="1" strike="noStrike" spc="-1">
+              <a:rPr lang="en-US" sz="1800" b="1" strike="noStrike" spc="-1" dirty="0">
                 <a:solidFill>
                   <a:srgbClr val="000000"/>
                 </a:solidFill>
                 <a:latin typeface="Calibri"/>
                 <a:ea typeface="DejaVu Sans"/>
               </a:rPr>
-              <a:t>Functional Effects</a:t>
-            </a:r>
-            <a:r>
-              <a:rPr lang="en-US" sz="1800" b="0" strike="noStrike" spc="-1">
+              <a:t>Abstraction Level</a:t>
+            </a:r>
+            <a:r>
+              <a:rPr lang="en-US" sz="1800" b="0" strike="noStrike" spc="-1" dirty="0">
                 <a:solidFill>
                   <a:srgbClr val="000000"/>
                 </a:solidFill>
                 <a:latin typeface="Calibri"/>
                 <a:ea typeface="DejaVu Sans"/>
               </a:rPr>
-              <a:t>: Covert AES key exfiltration</a:t>
-            </a:r>
-            <a:endParaRPr lang="en-US" sz="1800" b="0" strike="noStrike" spc="-1">
+              <a:t>: Register-transfer level (RTL)</a:t>
+            </a:r>
+            <a:endParaRPr lang="en-US" sz="1800" b="0" strike="noStrike" spc="-1" dirty="0">
               <a:latin typeface="Arial"/>
             </a:endParaRPr>
           </a:p>
@@ -10900,17 +11044,87 @@
               <a:buChar char="•"/>
             </a:pPr>
             <a:r>
-              <a:rPr lang="en-US" sz="1800" b="1" strike="noStrike" spc="-1">
+              <a:rPr lang="en-US" sz="1800" b="1" strike="noStrike" spc="-1" dirty="0">
                 <a:solidFill>
                   <a:srgbClr val="000000"/>
                 </a:solidFill>
                 <a:latin typeface="Calibri"/>
                 <a:ea typeface="DejaVu Sans"/>
               </a:rPr>
+              <a:t>Activation Mechanism</a:t>
+            </a:r>
+            <a:r>
+              <a:rPr lang="en-US" sz="1800" b="0" strike="noStrike" spc="-1" dirty="0">
+                <a:solidFill>
+                  <a:srgbClr val="000000"/>
+                </a:solidFill>
+                <a:latin typeface="Calibri"/>
+                <a:ea typeface="DejaVu Sans"/>
+              </a:rPr>
+              <a:t>: Subtle clock signal modulation</a:t>
+            </a:r>
+            <a:endParaRPr lang="en-US" sz="1800" b="0" strike="noStrike" spc="-1" dirty="0">
+              <a:latin typeface="Arial"/>
+            </a:endParaRPr>
+          </a:p>
+          <a:p>
+            <a:pPr marL="216000" indent="-216000">
+              <a:lnSpc>
+                <a:spcPct val="100000"/>
+              </a:lnSpc>
+              <a:buClr>
+                <a:srgbClr val="000000"/>
+              </a:buClr>
+              <a:buFont typeface="Arial"/>
+              <a:buChar char="•"/>
+            </a:pPr>
+            <a:r>
+              <a:rPr lang="en-US" sz="1800" b="1" strike="noStrike" spc="-1" dirty="0">
+                <a:solidFill>
+                  <a:srgbClr val="000000"/>
+                </a:solidFill>
+                <a:latin typeface="Calibri"/>
+                <a:ea typeface="DejaVu Sans"/>
+              </a:rPr>
+              <a:t>Functional Effects</a:t>
+            </a:r>
+            <a:r>
+              <a:rPr lang="en-US" sz="1800" b="0" strike="noStrike" spc="-1" dirty="0">
+                <a:solidFill>
+                  <a:srgbClr val="000000"/>
+                </a:solidFill>
+                <a:latin typeface="Calibri"/>
+                <a:ea typeface="DejaVu Sans"/>
+              </a:rPr>
+              <a:t>: Covert AES key exfiltration</a:t>
+            </a:r>
+            <a:endParaRPr lang="en-US" sz="1800" b="0" strike="noStrike" spc="-1" dirty="0">
+              <a:latin typeface="Arial"/>
+            </a:endParaRPr>
+          </a:p>
+          <a:p>
+            <a:pPr marL="216000" indent="-216000">
+              <a:lnSpc>
+                <a:spcPct val="100000"/>
+              </a:lnSpc>
+              <a:buClr>
+                <a:srgbClr val="000000"/>
+              </a:buClr>
+              <a:buFont typeface="Arial"/>
+              <a:buChar char="•"/>
+            </a:pPr>
+            <a:r>
+              <a:rPr lang="en-US" sz="1800" b="1" strike="noStrike" spc="-1" dirty="0">
+                <a:solidFill>
+                  <a:srgbClr val="000000"/>
+                </a:solidFill>
+                <a:latin typeface="Calibri"/>
+                <a:ea typeface="DejaVu Sans"/>
+              </a:rPr>
               <a:t>Physical Characteristics</a:t>
             </a:r>
             <a:r>
-              <a:rPr lang="en-US" sz="1800" b="0" strike="noStrike" spc="-1">
+              <a:rPr lang="en-US" sz="1800" b="0" strike="noStrike" spc="-1" dirty="0">
                 <a:solidFill>
                   <a:srgbClr val="000000"/>
                 </a:solidFill>
@@ -10919,7 +11133,7 @@
               </a:rPr>
               <a:t>: Timing-based side-channel leakage</a:t>
             </a:r>
-            <a:endParaRPr lang="en-US" sz="1800" b="0" strike="noStrike" spc="-1">
+            <a:endParaRPr lang="en-US" sz="1800" b="0" strike="noStrike" spc="-1" dirty="0">
               <a:latin typeface="Arial"/>
             </a:endParaRPr>
           </a:p>

--- a/presentations/CSAW_2024_second_stage.pptx
+++ b/presentations/CSAW_2024_second_stage.pptx
@@ -31,6 +31,7 @@
     <p:sldId id="277" r:id="rId25"/>
     <p:sldId id="278" r:id="rId26"/>
     <p:sldId id="279" r:id="rId27"/>
+    <p:sldId id="281" r:id="rId28"/>
   </p:sldIdLst>
   <p:sldSz cx="12192000" cy="6858000"/>
   <p:notesSz cx="7559675" cy="10691813"/>
@@ -10786,7 +10787,7 @@
               <a:buNone/>
             </a:pPr>
             <a:r>
-              <a:rPr lang="en-US" sz="3200" b="1" strike="noStrike" spc="-1">
+              <a:rPr lang="en-US" sz="3200" b="1" strike="noStrike" spc="-1" dirty="0">
                 <a:solidFill>
                   <a:srgbClr val="000000"/>
                 </a:solidFill>
@@ -10795,7 +10796,7 @@
               </a:rPr>
               <a:t>Demonstration</a:t>
             </a:r>
-            <a:endParaRPr lang="en-US" sz="3200" b="0" strike="noStrike" spc="-1">
+            <a:endParaRPr lang="en-US" sz="3200" b="0" strike="noStrike" spc="-1" dirty="0">
               <a:latin typeface="Arial"/>
             </a:endParaRPr>
           </a:p>
@@ -11140,6 +11141,170 @@
         </p:txBody>
       </p:sp>
     </p:spTree>
+  </p:cSld>
+  <p:clrMapOvr>
+    <a:masterClrMapping/>
+  </p:clrMapOvr>
+</p:sld>
+</file>
+
+<file path=ppt/slides/slide26.xml><?xml version="1.0" encoding="utf-8"?>
+<p:sld xmlns:a="http://schemas.openxmlformats.org/drawingml/2006/main" xmlns:r="http://schemas.openxmlformats.org/officeDocument/2006/relationships" xmlns:p="http://schemas.openxmlformats.org/presentationml/2006/main">
+  <p:cSld>
+    <p:spTree>
+      <p:nvGrpSpPr>
+        <p:cNvPr id="1" name=""/>
+        <p:cNvGrpSpPr/>
+        <p:nvPr/>
+      </p:nvGrpSpPr>
+      <p:grpSpPr>
+        <a:xfrm>
+          <a:off x="0" y="0"/>
+          <a:ext cx="0" cy="0"/>
+          <a:chOff x="0" y="0"/>
+          <a:chExt cx="0" cy="0"/>
+        </a:xfrm>
+      </p:grpSpPr>
+      <p:sp>
+        <p:nvSpPr>
+          <p:cNvPr id="5" name="TextBox 6">
+            <a:extLst>
+              <a:ext uri="{FF2B5EF4-FFF2-40B4-BE49-F238E27FC236}">
+                <a16:creationId xmlns:a16="http://schemas.microsoft.com/office/drawing/2014/main" id="{4F2A9BB3-C588-907F-921D-2D45488EB17D}"/>
+              </a:ext>
+            </a:extLst>
+          </p:cNvPr>
+          <p:cNvSpPr/>
+          <p:nvPr/>
+        </p:nvSpPr>
+        <p:spPr>
+          <a:xfrm>
+            <a:off x="4649699" y="662496"/>
+            <a:ext cx="2892600" cy="583321"/>
+          </a:xfrm>
+          <a:prstGeom prst="rect">
+            <a:avLst/>
+          </a:prstGeom>
+          <a:noFill/>
+          <a:ln w="0">
+            <a:noFill/>
+          </a:ln>
+        </p:spPr>
+        <p:style>
+          <a:lnRef idx="0">
+            <a:scrgbClr r="0" g="0" b="0"/>
+          </a:lnRef>
+          <a:fillRef idx="0">
+            <a:scrgbClr r="0" g="0" b="0"/>
+          </a:fillRef>
+          <a:effectRef idx="0">
+            <a:scrgbClr r="0" g="0" b="0"/>
+          </a:effectRef>
+          <a:fontRef idx="minor"/>
+        </p:style>
+        <p:txBody>
+          <a:bodyPr lIns="90000" tIns="45000" rIns="90000" bIns="45000" anchor="t">
+            <a:spAutoFit/>
+          </a:bodyPr>
+          <a:lstStyle/>
+          <a:p>
+            <a:pPr>
+              <a:lnSpc>
+                <a:spcPct val="100000"/>
+              </a:lnSpc>
+              <a:buNone/>
+            </a:pPr>
+            <a:r>
+              <a:rPr lang="en-US" sz="3200" b="1" strike="noStrike" spc="-1" dirty="0">
+                <a:solidFill>
+                  <a:srgbClr val="000000"/>
+                </a:solidFill>
+                <a:latin typeface="Calibri"/>
+                <a:ea typeface="DejaVu Sans"/>
+              </a:rPr>
+              <a:t>Our GitHub:</a:t>
+            </a:r>
+            <a:endParaRPr lang="en-US" sz="3200" b="0" strike="noStrike" spc="-1" dirty="0">
+              <a:latin typeface="Arial"/>
+            </a:endParaRPr>
+          </a:p>
+        </p:txBody>
+      </p:sp>
+      <p:pic>
+        <p:nvPicPr>
+          <p:cNvPr id="7" name="Picture 6">
+            <a:extLst>
+              <a:ext uri="{FF2B5EF4-FFF2-40B4-BE49-F238E27FC236}">
+                <a16:creationId xmlns:a16="http://schemas.microsoft.com/office/drawing/2014/main" id="{9CE9E5F7-356C-8F12-6B76-CD6048E1018A}"/>
+              </a:ext>
+            </a:extLst>
+          </p:cNvPr>
+          <p:cNvPicPr>
+            <a:picLocks noChangeAspect="1"/>
+          </p:cNvPicPr>
+          <p:nvPr/>
+        </p:nvPicPr>
+        <p:blipFill>
+          <a:blip r:embed="rId2"/>
+          <a:stretch>
+            <a:fillRect/>
+          </a:stretch>
+        </p:blipFill>
+        <p:spPr>
+          <a:xfrm>
+            <a:off x="3991320" y="1283946"/>
+            <a:ext cx="4209359" cy="4153151"/>
+          </a:xfrm>
+          <a:prstGeom prst="rect">
+            <a:avLst/>
+          </a:prstGeom>
+        </p:spPr>
+      </p:pic>
+      <p:sp>
+        <p:nvSpPr>
+          <p:cNvPr id="8" name="TextBox 7">
+            <a:extLst>
+              <a:ext uri="{FF2B5EF4-FFF2-40B4-BE49-F238E27FC236}">
+                <a16:creationId xmlns:a16="http://schemas.microsoft.com/office/drawing/2014/main" id="{BFD463AF-891B-8179-EF77-3AAA5D935ADD}"/>
+              </a:ext>
+            </a:extLst>
+          </p:cNvPr>
+          <p:cNvSpPr txBox="1"/>
+          <p:nvPr/>
+        </p:nvSpPr>
+        <p:spPr>
+          <a:xfrm>
+            <a:off x="4199385" y="5437097"/>
+            <a:ext cx="3793229" cy="646331"/>
+          </a:xfrm>
+          <a:prstGeom prst="rect">
+            <a:avLst/>
+          </a:prstGeom>
+          <a:noFill/>
+        </p:spPr>
+        <p:txBody>
+          <a:bodyPr wrap="square" rtlCol="0">
+            <a:spAutoFit/>
+          </a:bodyPr>
+          <a:lstStyle/>
+          <a:p>
+            <a:pPr algn="ctr"/>
+            <a:r>
+              <a:rPr lang="en-US" dirty="0">
+                <a:hlinkClick r:id="rId3"/>
+              </a:rPr>
+              <a:t>https://github.com/Lefteris-B/2024-CSAW</a:t>
+            </a:r>
+            <a:endParaRPr lang="el-GR" dirty="0"/>
+          </a:p>
+        </p:txBody>
+      </p:sp>
+    </p:spTree>
+    <p:extLst>
+      <p:ext uri="{BB962C8B-B14F-4D97-AF65-F5344CB8AC3E}">
+        <p14:creationId xmlns:p14="http://schemas.microsoft.com/office/powerpoint/2010/main" val="1583574183"/>
+      </p:ext>
+    </p:extLst>
   </p:cSld>
   <p:clrMapOvr>
     <a:masterClrMapping/>

--- a/presentations/CSAW_2024_second_stage.pptx
+++ b/presentations/CSAW_2024_second_stage.pptx
@@ -8905,7 +8905,7 @@
         <p:spPr>
           <a:xfrm>
             <a:off x="1225440" y="5364360"/>
-            <a:ext cx="9739800" cy="638280"/>
+            <a:ext cx="9739800" cy="644877"/>
           </a:xfrm>
           <a:prstGeom prst="rect">
             <a:avLst/>
@@ -8940,7 +8940,7 @@
               <a:buNone/>
             </a:pPr>
             <a:r>
-              <a:rPr lang="en-US" sz="1800" b="0" strike="noStrike" spc="-1">
+              <a:rPr lang="en-US" sz="1800" b="0" strike="noStrike" spc="-1" dirty="0">
                 <a:solidFill>
                   <a:srgbClr val="000000"/>
                 </a:solidFill>
@@ -8949,7 +8949,7 @@
               </a:rPr>
               <a:t>Projects:  1) Stealthy Logic: Keyboard Injection to Verilog State Machine Trojan for Conditional DoS</a:t>
             </a:r>
-            <a:endParaRPr lang="en-US" sz="1800" b="0" strike="noStrike" spc="-1">
+            <a:endParaRPr lang="en-US" sz="1800" b="0" strike="noStrike" spc="-1" dirty="0">
               <a:latin typeface="Arial"/>
             </a:endParaRPr>
           </a:p>
@@ -8961,16 +8961,36 @@
               <a:buNone/>
             </a:pPr>
             <a:r>
-              <a:rPr lang="en-US" sz="1800" b="0" strike="noStrike" spc="-1">
+              <a:rPr lang="en-US" sz="1800" b="0" strike="noStrike" spc="-1" dirty="0">
                 <a:solidFill>
                   <a:srgbClr val="000000"/>
                 </a:solidFill>
                 <a:latin typeface="Calibri"/>
                 <a:ea typeface="DejaVu Sans"/>
               </a:rPr>
-              <a:t>	2) Cryptoleak: Subtle Timing Exploits for AES Key Extraction with Trojan Listeners</a:t>
-            </a:r>
-            <a:endParaRPr lang="en-US" sz="1800" b="0" strike="noStrike" spc="-1">
+              <a:t>	2) </a:t>
+            </a:r>
+            <a:r>
+              <a:rPr lang="en-US" sz="1800" b="0" strike="noStrike" spc="-1" dirty="0" err="1">
+                <a:solidFill>
+                  <a:srgbClr val="000000"/>
+                </a:solidFill>
+                <a:latin typeface="Calibri"/>
+                <a:ea typeface="DejaVu Sans"/>
+              </a:rPr>
+              <a:t>Cryptoleak</a:t>
+            </a:r>
+            <a:r>
+              <a:rPr lang="en-US" sz="1800" b="0" strike="noStrike" spc="-1" dirty="0">
+                <a:solidFill>
+                  <a:srgbClr val="000000"/>
+                </a:solidFill>
+                <a:latin typeface="Calibri"/>
+                <a:ea typeface="DejaVu Sans"/>
+              </a:rPr>
+              <a:t>: Subtle Timing Exploits for AES Key Extraction</a:t>
+            </a:r>
+            <a:endParaRPr lang="en-US" sz="1800" b="0" strike="noStrike" spc="-1" dirty="0">
               <a:latin typeface="Arial"/>
             </a:endParaRPr>
           </a:p>
@@ -9483,7 +9503,7 @@
           <p:spPr>
             <a:xfrm>
               <a:off x="1858320" y="4644000"/>
-              <a:ext cx="8474040" cy="1083240"/>
+              <a:ext cx="8474040" cy="1094667"/>
             </a:xfrm>
             <a:prstGeom prst="rect">
               <a:avLst/>
@@ -9524,6 +9544,36 @@
                 </a:tabLst>
               </a:pPr>
               <a:r>
+                <a:rPr lang="en-US" sz="3200" b="0" strike="noStrike" spc="-1" dirty="0">
+                  <a:solidFill>
+                    <a:srgbClr val="000000"/>
+                  </a:solidFill>
+                  <a:latin typeface="Segoe UI Variable Display Semib"/>
+                  <a:ea typeface="Source Sans Pro"/>
+                </a:rPr>
+                <a:t> </a:t>
+              </a:r>
+              <a:r>
+                <a:rPr lang="en-US" sz="3200" b="0" strike="noStrike" spc="-1" dirty="0" err="1">
+                  <a:solidFill>
+                    <a:srgbClr val="000000"/>
+                  </a:solidFill>
+                  <a:latin typeface="Segoe UI Variable Display Semib"/>
+                  <a:ea typeface="Source Sans Pro"/>
+                </a:rPr>
+                <a:t>Cryptoleak</a:t>
+              </a:r>
+              <a:r>
+                <a:rPr lang="en-US" sz="3200" b="0" strike="noStrike" spc="-1" dirty="0">
+                  <a:solidFill>
+                    <a:srgbClr val="000000"/>
+                  </a:solidFill>
+                  <a:latin typeface="Segoe UI Variable Display Semib"/>
+                  <a:ea typeface="Source Sans Pro"/>
+                </a:rPr>
+                <a:t>: Subtle Timing Exploits for AES </a:t>
+              </a:r>
+              <a:r>
                 <a:rPr lang="en-US" sz="3200" b="0" strike="noStrike" spc="-1">
                   <a:solidFill>
                     <a:srgbClr val="000000"/>
@@ -9531,9 +9581,9 @@
                   <a:latin typeface="Segoe UI Variable Display Semib"/>
                   <a:ea typeface="Source Sans Pro"/>
                 </a:rPr>
-                <a:t> Cryptoleak: Subtle Timing Exploits for AES Key Extraction with Trojan Listeners </a:t>
+                <a:t>Key Extraction </a:t>
               </a:r>
-              <a:endParaRPr lang="en-US" sz="3200" b="0" strike="noStrike" spc="-1">
+              <a:endParaRPr lang="en-US" sz="3200" b="0" strike="noStrike" spc="-1" dirty="0">
                 <a:latin typeface="Arial"/>
               </a:endParaRPr>
             </a:p>
